--- a/doc/RIS-angular-domain组会汇报.pptx
+++ b/doc/RIS-angular-domain组会汇报.pptx
@@ -5,7 +5,7 @@
     <p:sldMasterId id="2147483648" r:id="rId1"/>
   </p:sldMasterIdLst>
   <p:notesMasterIdLst>
-    <p:notesMasterId r:id="rId12"/>
+    <p:notesMasterId r:id="rId13"/>
   </p:notesMasterIdLst>
   <p:sldIdLst>
     <p:sldId id="256" r:id="rId2"/>
@@ -14,10 +14,11 @@
     <p:sldId id="262" r:id="rId5"/>
     <p:sldId id="257" r:id="rId6"/>
     <p:sldId id="258" r:id="rId7"/>
-    <p:sldId id="259" r:id="rId8"/>
-    <p:sldId id="263" r:id="rId9"/>
-    <p:sldId id="264" r:id="rId10"/>
-    <p:sldId id="265" r:id="rId11"/>
+    <p:sldId id="266" r:id="rId8"/>
+    <p:sldId id="259" r:id="rId9"/>
+    <p:sldId id="263" r:id="rId10"/>
+    <p:sldId id="264" r:id="rId11"/>
+    <p:sldId id="265" r:id="rId12"/>
   </p:sldIdLst>
   <p:sldSz cx="12192000" cy="6858000"/>
   <p:notesSz cx="6858000" cy="9144000"/>
@@ -116,6 +117,11 @@
       </a:defRPr>
     </a:lvl9pPr>
   </p:defaultTextStyle>
+  <p:extLst>
+    <p:ext uri="{EFAFB233-063F-42B5-8137-9DF3F51BA10A}">
+      <p15:sldGuideLst xmlns:p15="http://schemas.microsoft.com/office/powerpoint/2012/main"/>
+    </p:ext>
+  </p:extLst>
 </p:presentation>
 </file>
 
@@ -201,7 +207,7 @@
           <a:p>
             <a:fld id="{E581D415-6A2C-0845-8471-1E507F90D7EF}" type="datetimeFigureOut">
               <a:rPr kumimoji="1" lang="zh-CN" altLang="en-US" smtClean="0"/>
-              <a:t>2021/10/7</a:t>
+              <a:t>2021/10/8</a:t>
             </a:fld>
             <a:endParaRPr kumimoji="1" lang="zh-CN" altLang="en-US"/>
           </a:p>
@@ -552,6 +558,90 @@
 </p:notes>
 </file>
 
+<file path=ppt/notesSlides/notesSlide2.xml><?xml version="1.0" encoding="utf-8"?>
+<p:notes xmlns:a="http://schemas.openxmlformats.org/drawingml/2006/main" xmlns:r="http://schemas.openxmlformats.org/officeDocument/2006/relationships" xmlns:p="http://schemas.openxmlformats.org/presentationml/2006/main">
+  <p:cSld>
+    <p:spTree>
+      <p:nvGrpSpPr>
+        <p:cNvPr id="1" name=""/>
+        <p:cNvGrpSpPr/>
+        <p:nvPr/>
+      </p:nvGrpSpPr>
+      <p:grpSpPr>
+        <a:xfrm>
+          <a:off x="0" y="0"/>
+          <a:ext cx="0" cy="0"/>
+          <a:chOff x="0" y="0"/>
+          <a:chExt cx="0" cy="0"/>
+        </a:xfrm>
+      </p:grpSpPr>
+      <p:sp>
+        <p:nvSpPr>
+          <p:cNvPr id="2" name="幻灯片图像占位符 1"/>
+          <p:cNvSpPr>
+            <a:spLocks noGrp="1" noRot="1" noChangeAspect="1"/>
+          </p:cNvSpPr>
+          <p:nvPr>
+            <p:ph type="sldImg"/>
+          </p:nvPr>
+        </p:nvSpPr>
+        <p:spPr/>
+      </p:sp>
+      <p:sp>
+        <p:nvSpPr>
+          <p:cNvPr id="3" name="备注占位符 2"/>
+          <p:cNvSpPr>
+            <a:spLocks noGrp="1"/>
+          </p:cNvSpPr>
+          <p:nvPr>
+            <p:ph type="body" idx="1"/>
+          </p:nvPr>
+        </p:nvSpPr>
+        <p:spPr/>
+        <p:txBody>
+          <a:bodyPr/>
+          <a:lstStyle/>
+          <a:p>
+            <a:endParaRPr kumimoji="1" lang="zh-CN" altLang="en-US" dirty="0"/>
+          </a:p>
+        </p:txBody>
+      </p:sp>
+      <p:sp>
+        <p:nvSpPr>
+          <p:cNvPr id="4" name="灯片编号占位符 3"/>
+          <p:cNvSpPr>
+            <a:spLocks noGrp="1"/>
+          </p:cNvSpPr>
+          <p:nvPr>
+            <p:ph type="sldNum" sz="quarter" idx="5"/>
+          </p:nvPr>
+        </p:nvSpPr>
+        <p:spPr/>
+        <p:txBody>
+          <a:bodyPr/>
+          <a:lstStyle/>
+          <a:p>
+            <a:fld id="{BA741004-C71F-4F43-AD9C-C1500B5EA0C5}" type="slidenum">
+              <a:rPr kumimoji="1" lang="zh-CN" altLang="en-US" smtClean="0"/>
+              <a:t>7</a:t>
+            </a:fld>
+            <a:endParaRPr kumimoji="1" lang="zh-CN" altLang="en-US"/>
+          </a:p>
+        </p:txBody>
+      </p:sp>
+    </p:spTree>
+    <p:extLst>
+      <p:ext uri="{BB962C8B-B14F-4D97-AF65-F5344CB8AC3E}">
+        <p14:creationId xmlns:p14="http://schemas.microsoft.com/office/powerpoint/2010/main" val="449461960"/>
+      </p:ext>
+    </p:extLst>
+  </p:cSld>
+  <p:clrMapOvr>
+    <a:masterClrMapping/>
+  </p:clrMapOvr>
+</p:notes>
+</file>
+
 <file path=ppt/slideLayouts/slideLayout1.xml><?xml version="1.0" encoding="utf-8"?>
 <p:sldLayout xmlns:a="http://schemas.openxmlformats.org/drawingml/2006/main" xmlns:r="http://schemas.openxmlformats.org/officeDocument/2006/relationships" xmlns:p="http://schemas.openxmlformats.org/presentationml/2006/main" type="title" preserve="1">
   <p:cSld name="标题幻灯片">
@@ -699,7 +789,7 @@
           <a:p>
             <a:fld id="{D9924F02-9B59-7149-9D63-411B09DD1C0A}" type="datetimeFigureOut">
               <a:rPr kumimoji="1" lang="zh-CN" altLang="en-US" smtClean="0"/>
-              <a:t>2021/10/7</a:t>
+              <a:t>2021/10/8</a:t>
             </a:fld>
             <a:endParaRPr kumimoji="1" lang="zh-CN" altLang="en-US"/>
           </a:p>
@@ -897,7 +987,7 @@
           <a:p>
             <a:fld id="{D9924F02-9B59-7149-9D63-411B09DD1C0A}" type="datetimeFigureOut">
               <a:rPr kumimoji="1" lang="zh-CN" altLang="en-US" smtClean="0"/>
-              <a:t>2021/10/7</a:t>
+              <a:t>2021/10/8</a:t>
             </a:fld>
             <a:endParaRPr kumimoji="1" lang="zh-CN" altLang="en-US"/>
           </a:p>
@@ -1105,7 +1195,7 @@
           <a:p>
             <a:fld id="{D9924F02-9B59-7149-9D63-411B09DD1C0A}" type="datetimeFigureOut">
               <a:rPr kumimoji="1" lang="zh-CN" altLang="en-US" smtClean="0"/>
-              <a:t>2021/10/7</a:t>
+              <a:t>2021/10/8</a:t>
             </a:fld>
             <a:endParaRPr kumimoji="1" lang="zh-CN" altLang="en-US"/>
           </a:p>
@@ -1303,7 +1393,7 @@
           <a:p>
             <a:fld id="{D9924F02-9B59-7149-9D63-411B09DD1C0A}" type="datetimeFigureOut">
               <a:rPr kumimoji="1" lang="zh-CN" altLang="en-US" smtClean="0"/>
-              <a:t>2021/10/7</a:t>
+              <a:t>2021/10/8</a:t>
             </a:fld>
             <a:endParaRPr kumimoji="1" lang="zh-CN" altLang="en-US"/>
           </a:p>
@@ -1578,7 +1668,7 @@
           <a:p>
             <a:fld id="{D9924F02-9B59-7149-9D63-411B09DD1C0A}" type="datetimeFigureOut">
               <a:rPr kumimoji="1" lang="zh-CN" altLang="en-US" smtClean="0"/>
-              <a:t>2021/10/7</a:t>
+              <a:t>2021/10/8</a:t>
             </a:fld>
             <a:endParaRPr kumimoji="1" lang="zh-CN" altLang="en-US"/>
           </a:p>
@@ -1843,7 +1933,7 @@
           <a:p>
             <a:fld id="{D9924F02-9B59-7149-9D63-411B09DD1C0A}" type="datetimeFigureOut">
               <a:rPr kumimoji="1" lang="zh-CN" altLang="en-US" smtClean="0"/>
-              <a:t>2021/10/7</a:t>
+              <a:t>2021/10/8</a:t>
             </a:fld>
             <a:endParaRPr kumimoji="1" lang="zh-CN" altLang="en-US"/>
           </a:p>
@@ -2255,7 +2345,7 @@
           <a:p>
             <a:fld id="{D9924F02-9B59-7149-9D63-411B09DD1C0A}" type="datetimeFigureOut">
               <a:rPr kumimoji="1" lang="zh-CN" altLang="en-US" smtClean="0"/>
-              <a:t>2021/10/7</a:t>
+              <a:t>2021/10/8</a:t>
             </a:fld>
             <a:endParaRPr kumimoji="1" lang="zh-CN" altLang="en-US"/>
           </a:p>
@@ -2396,7 +2486,7 @@
           <a:p>
             <a:fld id="{D9924F02-9B59-7149-9D63-411B09DD1C0A}" type="datetimeFigureOut">
               <a:rPr kumimoji="1" lang="zh-CN" altLang="en-US" smtClean="0"/>
-              <a:t>2021/10/7</a:t>
+              <a:t>2021/10/8</a:t>
             </a:fld>
             <a:endParaRPr kumimoji="1" lang="zh-CN" altLang="en-US"/>
           </a:p>
@@ -2509,7 +2599,7 @@
           <a:p>
             <a:fld id="{D9924F02-9B59-7149-9D63-411B09DD1C0A}" type="datetimeFigureOut">
               <a:rPr kumimoji="1" lang="zh-CN" altLang="en-US" smtClean="0"/>
-              <a:t>2021/10/7</a:t>
+              <a:t>2021/10/8</a:t>
             </a:fld>
             <a:endParaRPr kumimoji="1" lang="zh-CN" altLang="en-US"/>
           </a:p>
@@ -2820,7 +2910,7 @@
           <a:p>
             <a:fld id="{D9924F02-9B59-7149-9D63-411B09DD1C0A}" type="datetimeFigureOut">
               <a:rPr kumimoji="1" lang="zh-CN" altLang="en-US" smtClean="0"/>
-              <a:t>2021/10/7</a:t>
+              <a:t>2021/10/8</a:t>
             </a:fld>
             <a:endParaRPr kumimoji="1" lang="zh-CN" altLang="en-US"/>
           </a:p>
@@ -3108,7 +3198,7 @@
           <a:p>
             <a:fld id="{D9924F02-9B59-7149-9D63-411B09DD1C0A}" type="datetimeFigureOut">
               <a:rPr kumimoji="1" lang="zh-CN" altLang="en-US" smtClean="0"/>
-              <a:t>2021/10/7</a:t>
+              <a:t>2021/10/8</a:t>
             </a:fld>
             <a:endParaRPr kumimoji="1" lang="zh-CN" altLang="en-US"/>
           </a:p>
@@ -3349,7 +3439,7 @@
           <a:p>
             <a:fld id="{D9924F02-9B59-7149-9D63-411B09DD1C0A}" type="datetimeFigureOut">
               <a:rPr kumimoji="1" lang="zh-CN" altLang="en-US" smtClean="0"/>
-              <a:t>2021/10/7</a:t>
+              <a:t>2021/10/8</a:t>
             </a:fld>
             <a:endParaRPr kumimoji="1" lang="zh-CN" altLang="en-US"/>
           </a:p>
@@ -3999,6 +4089,90 @@
 </file>
 
 <file path=ppt/slides/slide10.xml><?xml version="1.0" encoding="utf-8"?>
+<p:sld xmlns:a="http://schemas.openxmlformats.org/drawingml/2006/main" xmlns:r="http://schemas.openxmlformats.org/officeDocument/2006/relationships" xmlns:p="http://schemas.openxmlformats.org/presentationml/2006/main">
+  <p:cSld>
+    <p:spTree>
+      <p:nvGrpSpPr>
+        <p:cNvPr id="1" name=""/>
+        <p:cNvGrpSpPr/>
+        <p:nvPr/>
+      </p:nvGrpSpPr>
+      <p:grpSpPr>
+        <a:xfrm>
+          <a:off x="0" y="0"/>
+          <a:ext cx="0" cy="0"/>
+          <a:chOff x="0" y="0"/>
+          <a:chExt cx="0" cy="0"/>
+        </a:xfrm>
+      </p:grpSpPr>
+      <p:sp>
+        <p:nvSpPr>
+          <p:cNvPr id="2" name="标题 1">
+            <a:extLst>
+              <a:ext uri="{FF2B5EF4-FFF2-40B4-BE49-F238E27FC236}">
+                <a16:creationId xmlns:a16="http://schemas.microsoft.com/office/drawing/2014/main" id="{17A646E0-4B78-BE4B-97C9-4D552876F760}"/>
+              </a:ext>
+            </a:extLst>
+          </p:cNvPr>
+          <p:cNvSpPr>
+            <a:spLocks noGrp="1"/>
+          </p:cNvSpPr>
+          <p:nvPr>
+            <p:ph type="title"/>
+          </p:nvPr>
+        </p:nvSpPr>
+        <p:spPr/>
+        <p:txBody>
+          <a:bodyPr/>
+          <a:lstStyle/>
+          <a:p>
+            <a:r>
+              <a:rPr kumimoji="1" lang="en-US" altLang="zh-CN" dirty="0"/>
+              <a:t>Lemma 3/Appendix C</a:t>
+            </a:r>
+            <a:endParaRPr kumimoji="1" lang="zh-CN" altLang="en-US" dirty="0"/>
+          </a:p>
+        </p:txBody>
+      </p:sp>
+      <p:sp>
+        <p:nvSpPr>
+          <p:cNvPr id="3" name="内容占位符 2">
+            <a:extLst>
+              <a:ext uri="{FF2B5EF4-FFF2-40B4-BE49-F238E27FC236}">
+                <a16:creationId xmlns:a16="http://schemas.microsoft.com/office/drawing/2014/main" id="{1FFF97BC-08DB-B84E-8425-9D39AC0EF65C}"/>
+              </a:ext>
+            </a:extLst>
+          </p:cNvPr>
+          <p:cNvSpPr>
+            <a:spLocks noGrp="1"/>
+          </p:cNvSpPr>
+          <p:nvPr>
+            <p:ph idx="1"/>
+          </p:nvPr>
+        </p:nvSpPr>
+        <p:spPr/>
+        <p:txBody>
+          <a:bodyPr/>
+          <a:lstStyle/>
+          <a:p>
+            <a:endParaRPr kumimoji="1" lang="zh-CN" altLang="en-US" dirty="0"/>
+          </a:p>
+        </p:txBody>
+      </p:sp>
+    </p:spTree>
+    <p:extLst>
+      <p:ext uri="{BB962C8B-B14F-4D97-AF65-F5344CB8AC3E}">
+        <p14:creationId xmlns:p14="http://schemas.microsoft.com/office/powerpoint/2010/main" val="2952872914"/>
+      </p:ext>
+    </p:extLst>
+  </p:cSld>
+  <p:clrMapOvr>
+    <a:masterClrMapping/>
+  </p:clrMapOvr>
+</p:sld>
+</file>
+
+<file path=ppt/slides/slide11.xml><?xml version="1.0" encoding="utf-8"?>
 <p:sld xmlns:a="http://schemas.openxmlformats.org/drawingml/2006/main" xmlns:r="http://schemas.openxmlformats.org/officeDocument/2006/relationships" xmlns:p="http://schemas.openxmlformats.org/presentationml/2006/main">
   <p:cSld>
     <p:spTree>
@@ -9037,6 +9211,1240 @@
 </file>
 
 <file path=ppt/slides/slide7.xml><?xml version="1.0" encoding="utf-8"?>
+<p:sld xmlns:a="http://schemas.openxmlformats.org/drawingml/2006/main" xmlns:r="http://schemas.openxmlformats.org/officeDocument/2006/relationships" xmlns:p="http://schemas.openxmlformats.org/presentationml/2006/main">
+  <p:cSld>
+    <p:spTree>
+      <p:nvGrpSpPr>
+        <p:cNvPr id="1" name=""/>
+        <p:cNvGrpSpPr/>
+        <p:nvPr/>
+      </p:nvGrpSpPr>
+      <p:grpSpPr>
+        <a:xfrm>
+          <a:off x="0" y="0"/>
+          <a:ext cx="0" cy="0"/>
+          <a:chOff x="0" y="0"/>
+          <a:chExt cx="0" cy="0"/>
+        </a:xfrm>
+      </p:grpSpPr>
+      <p:pic>
+        <p:nvPicPr>
+          <p:cNvPr id="49" name="图片 48">
+            <a:extLst>
+              <a:ext uri="{FF2B5EF4-FFF2-40B4-BE49-F238E27FC236}">
+                <a16:creationId xmlns:a16="http://schemas.microsoft.com/office/drawing/2014/main" id="{E5EC68D3-6FE1-324C-A8E4-B97C0C96C52C}"/>
+              </a:ext>
+            </a:extLst>
+          </p:cNvPr>
+          <p:cNvPicPr>
+            <a:picLocks noChangeAspect="1"/>
+          </p:cNvPicPr>
+          <p:nvPr/>
+        </p:nvPicPr>
+        <p:blipFill>
+          <a:blip r:embed="rId3"/>
+          <a:stretch>
+            <a:fillRect/>
+          </a:stretch>
+        </p:blipFill>
+        <p:spPr>
+          <a:xfrm>
+            <a:off x="2032108" y="3642634"/>
+            <a:ext cx="1054100" cy="546100"/>
+          </a:xfrm>
+          <a:prstGeom prst="rect">
+            <a:avLst/>
+          </a:prstGeom>
+        </p:spPr>
+      </p:pic>
+      <p:sp>
+        <p:nvSpPr>
+          <p:cNvPr id="55" name="矩形 54">
+            <a:extLst>
+              <a:ext uri="{FF2B5EF4-FFF2-40B4-BE49-F238E27FC236}">
+                <a16:creationId xmlns:a16="http://schemas.microsoft.com/office/drawing/2014/main" id="{FCEAC9B6-842E-A04C-A701-86E13E8953E5}"/>
+              </a:ext>
+            </a:extLst>
+          </p:cNvPr>
+          <p:cNvSpPr/>
+          <p:nvPr/>
+        </p:nvSpPr>
+        <p:spPr>
+          <a:xfrm>
+            <a:off x="2116256" y="3311627"/>
+            <a:ext cx="3367011" cy="1204489"/>
+          </a:xfrm>
+          <a:prstGeom prst="rect">
+            <a:avLst/>
+          </a:prstGeom>
+          <a:solidFill>
+            <a:schemeClr val="accent1">
+              <a:alpha val="25985"/>
+            </a:schemeClr>
+          </a:solidFill>
+          <a:ln>
+            <a:noFill/>
+          </a:ln>
+        </p:spPr>
+        <p:style>
+          <a:lnRef idx="2">
+            <a:schemeClr val="accent1">
+              <a:shade val="50000"/>
+            </a:schemeClr>
+          </a:lnRef>
+          <a:fillRef idx="1">
+            <a:schemeClr val="accent1"/>
+          </a:fillRef>
+          <a:effectRef idx="0">
+            <a:schemeClr val="accent1"/>
+          </a:effectRef>
+          <a:fontRef idx="minor">
+            <a:schemeClr val="lt1"/>
+          </a:fontRef>
+        </p:style>
+        <p:txBody>
+          <a:bodyPr rtlCol="0" anchor="ctr"/>
+          <a:lstStyle/>
+          <a:p>
+            <a:pPr algn="ctr"/>
+            <a:endParaRPr kumimoji="1" lang="zh-CN" altLang="en-US" dirty="0"/>
+          </a:p>
+        </p:txBody>
+      </p:sp>
+      <p:sp>
+        <p:nvSpPr>
+          <p:cNvPr id="2" name="标题 1">
+            <a:extLst>
+              <a:ext uri="{FF2B5EF4-FFF2-40B4-BE49-F238E27FC236}">
+                <a16:creationId xmlns:a16="http://schemas.microsoft.com/office/drawing/2014/main" id="{BE090F5F-9C22-FD48-93EE-F0C2DB7A8203}"/>
+              </a:ext>
+            </a:extLst>
+          </p:cNvPr>
+          <p:cNvSpPr>
+            <a:spLocks noGrp="1"/>
+          </p:cNvSpPr>
+          <p:nvPr>
+            <p:ph type="title"/>
+          </p:nvPr>
+        </p:nvSpPr>
+        <p:spPr/>
+        <p:txBody>
+          <a:bodyPr/>
+          <a:lstStyle/>
+          <a:p>
+            <a:r>
+              <a:rPr kumimoji="1" lang="en-US" altLang="zh-CN" dirty="0"/>
+              <a:t>Channel model 2</a:t>
+            </a:r>
+            <a:endParaRPr kumimoji="1" lang="zh-CN" altLang="en-US" dirty="0"/>
+          </a:p>
+        </p:txBody>
+      </p:sp>
+      <p:grpSp>
+        <p:nvGrpSpPr>
+          <p:cNvPr id="23" name="组合 22">
+            <a:extLst>
+              <a:ext uri="{FF2B5EF4-FFF2-40B4-BE49-F238E27FC236}">
+                <a16:creationId xmlns:a16="http://schemas.microsoft.com/office/drawing/2014/main" id="{D6FB9412-3CE3-C449-B3EE-85F5A74D86D8}"/>
+              </a:ext>
+            </a:extLst>
+          </p:cNvPr>
+          <p:cNvGrpSpPr/>
+          <p:nvPr/>
+        </p:nvGrpSpPr>
+        <p:grpSpPr>
+          <a:xfrm>
+            <a:off x="492044" y="4458510"/>
+            <a:ext cx="2208270" cy="221209"/>
+            <a:chOff x="3512633" y="4714671"/>
+            <a:chExt cx="2208270" cy="221209"/>
+          </a:xfrm>
+        </p:grpSpPr>
+        <p:cxnSp>
+          <p:nvCxnSpPr>
+            <p:cNvPr id="24" name="直线连接符 23">
+              <a:extLst>
+                <a:ext uri="{FF2B5EF4-FFF2-40B4-BE49-F238E27FC236}">
+                  <a16:creationId xmlns:a16="http://schemas.microsoft.com/office/drawing/2014/main" id="{8FB02344-6D03-1643-B3A7-96122B680E60}"/>
+                </a:ext>
+              </a:extLst>
+            </p:cNvPr>
+            <p:cNvCxnSpPr/>
+            <p:nvPr/>
+          </p:nvCxnSpPr>
+          <p:spPr>
+            <a:xfrm>
+              <a:off x="3512633" y="4935879"/>
+              <a:ext cx="2051825" cy="0"/>
+            </a:xfrm>
+            <a:prstGeom prst="line">
+              <a:avLst/>
+            </a:prstGeom>
+            <a:ln w="19050">
+              <a:solidFill>
+                <a:schemeClr val="tx1"/>
+              </a:solidFill>
+            </a:ln>
+          </p:spPr>
+          <p:style>
+            <a:lnRef idx="1">
+              <a:schemeClr val="accent1"/>
+            </a:lnRef>
+            <a:fillRef idx="0">
+              <a:schemeClr val="accent1"/>
+            </a:fillRef>
+            <a:effectRef idx="0">
+              <a:schemeClr val="accent1"/>
+            </a:effectRef>
+            <a:fontRef idx="minor">
+              <a:schemeClr val="tx1"/>
+            </a:fontRef>
+          </p:style>
+        </p:cxnSp>
+        <p:cxnSp>
+          <p:nvCxnSpPr>
+            <p:cNvPr id="25" name="直线连接符 24">
+              <a:extLst>
+                <a:ext uri="{FF2B5EF4-FFF2-40B4-BE49-F238E27FC236}">
+                  <a16:creationId xmlns:a16="http://schemas.microsoft.com/office/drawing/2014/main" id="{4AA4D31A-6111-5F45-A8F9-F454DE60C1DA}"/>
+                </a:ext>
+              </a:extLst>
+            </p:cNvPr>
+            <p:cNvCxnSpPr>
+              <a:cxnSpLocks/>
+            </p:cNvCxnSpPr>
+            <p:nvPr/>
+          </p:nvCxnSpPr>
+          <p:spPr>
+            <a:xfrm flipV="1">
+              <a:off x="3512633" y="4714672"/>
+              <a:ext cx="164422" cy="221208"/>
+            </a:xfrm>
+            <a:prstGeom prst="line">
+              <a:avLst/>
+            </a:prstGeom>
+            <a:ln w="19050">
+              <a:solidFill>
+                <a:schemeClr val="tx1"/>
+              </a:solidFill>
+            </a:ln>
+          </p:spPr>
+          <p:style>
+            <a:lnRef idx="1">
+              <a:schemeClr val="accent1"/>
+            </a:lnRef>
+            <a:fillRef idx="0">
+              <a:schemeClr val="accent1"/>
+            </a:fillRef>
+            <a:effectRef idx="0">
+              <a:schemeClr val="accent1"/>
+            </a:effectRef>
+            <a:fontRef idx="minor">
+              <a:schemeClr val="tx1"/>
+            </a:fontRef>
+          </p:style>
+        </p:cxnSp>
+        <p:cxnSp>
+          <p:nvCxnSpPr>
+            <p:cNvPr id="26" name="直线连接符 25">
+              <a:extLst>
+                <a:ext uri="{FF2B5EF4-FFF2-40B4-BE49-F238E27FC236}">
+                  <a16:creationId xmlns:a16="http://schemas.microsoft.com/office/drawing/2014/main" id="{8A25E121-F243-5C42-A454-A70BB740E8FE}"/>
+                </a:ext>
+              </a:extLst>
+            </p:cNvPr>
+            <p:cNvCxnSpPr>
+              <a:cxnSpLocks/>
+            </p:cNvCxnSpPr>
+            <p:nvPr/>
+          </p:nvCxnSpPr>
+          <p:spPr>
+            <a:xfrm flipV="1">
+              <a:off x="3809412" y="4714672"/>
+              <a:ext cx="164422" cy="221208"/>
+            </a:xfrm>
+            <a:prstGeom prst="line">
+              <a:avLst/>
+            </a:prstGeom>
+            <a:ln w="19050">
+              <a:solidFill>
+                <a:schemeClr val="tx1"/>
+              </a:solidFill>
+            </a:ln>
+          </p:spPr>
+          <p:style>
+            <a:lnRef idx="1">
+              <a:schemeClr val="accent1"/>
+            </a:lnRef>
+            <a:fillRef idx="0">
+              <a:schemeClr val="accent1"/>
+            </a:fillRef>
+            <a:effectRef idx="0">
+              <a:schemeClr val="accent1"/>
+            </a:effectRef>
+            <a:fontRef idx="minor">
+              <a:schemeClr val="tx1"/>
+            </a:fontRef>
+          </p:style>
+        </p:cxnSp>
+        <p:cxnSp>
+          <p:nvCxnSpPr>
+            <p:cNvPr id="27" name="直线连接符 26">
+              <a:extLst>
+                <a:ext uri="{FF2B5EF4-FFF2-40B4-BE49-F238E27FC236}">
+                  <a16:creationId xmlns:a16="http://schemas.microsoft.com/office/drawing/2014/main" id="{687D59D9-101B-0040-81F6-836A23F4C5BF}"/>
+                </a:ext>
+              </a:extLst>
+            </p:cNvPr>
+            <p:cNvCxnSpPr>
+              <a:cxnSpLocks/>
+            </p:cNvCxnSpPr>
+            <p:nvPr/>
+          </p:nvCxnSpPr>
+          <p:spPr>
+            <a:xfrm flipV="1">
+              <a:off x="4106191" y="4714671"/>
+              <a:ext cx="164422" cy="221208"/>
+            </a:xfrm>
+            <a:prstGeom prst="line">
+              <a:avLst/>
+            </a:prstGeom>
+            <a:ln w="19050">
+              <a:solidFill>
+                <a:schemeClr val="tx1"/>
+              </a:solidFill>
+            </a:ln>
+          </p:spPr>
+          <p:style>
+            <a:lnRef idx="1">
+              <a:schemeClr val="accent1"/>
+            </a:lnRef>
+            <a:fillRef idx="0">
+              <a:schemeClr val="accent1"/>
+            </a:fillRef>
+            <a:effectRef idx="0">
+              <a:schemeClr val="accent1"/>
+            </a:effectRef>
+            <a:fontRef idx="minor">
+              <a:schemeClr val="tx1"/>
+            </a:fontRef>
+          </p:style>
+        </p:cxnSp>
+        <p:grpSp>
+          <p:nvGrpSpPr>
+            <p:cNvPr id="28" name="组合 27">
+              <a:extLst>
+                <a:ext uri="{FF2B5EF4-FFF2-40B4-BE49-F238E27FC236}">
+                  <a16:creationId xmlns:a16="http://schemas.microsoft.com/office/drawing/2014/main" id="{0302FF78-8483-BA42-87C2-7EE11DF37413}"/>
+                </a:ext>
+              </a:extLst>
+            </p:cNvPr>
+            <p:cNvGrpSpPr/>
+            <p:nvPr/>
+          </p:nvGrpSpPr>
+          <p:grpSpPr>
+            <a:xfrm>
+              <a:off x="4589461" y="4802630"/>
+              <a:ext cx="359370" cy="45719"/>
+              <a:chOff x="4432434" y="4817419"/>
+              <a:chExt cx="359370" cy="45719"/>
+            </a:xfrm>
+          </p:grpSpPr>
+          <p:sp>
+            <p:nvSpPr>
+              <p:cNvPr id="30" name="椭圆 29">
+                <a:extLst>
+                  <a:ext uri="{FF2B5EF4-FFF2-40B4-BE49-F238E27FC236}">
+                    <a16:creationId xmlns:a16="http://schemas.microsoft.com/office/drawing/2014/main" id="{40A17CB1-9A00-364F-9A9F-C7553394A2EA}"/>
+                  </a:ext>
+                </a:extLst>
+              </p:cNvPr>
+              <p:cNvSpPr/>
+              <p:nvPr/>
+            </p:nvSpPr>
+            <p:spPr>
+              <a:xfrm>
+                <a:off x="4432434" y="4817419"/>
+                <a:ext cx="45719" cy="45719"/>
+              </a:xfrm>
+              <a:prstGeom prst="ellipse">
+                <a:avLst/>
+              </a:prstGeom>
+              <a:solidFill>
+                <a:schemeClr val="tx1"/>
+              </a:solidFill>
+              <a:ln>
+                <a:noFill/>
+              </a:ln>
+            </p:spPr>
+            <p:style>
+              <a:lnRef idx="2">
+                <a:schemeClr val="accent1">
+                  <a:shade val="50000"/>
+                </a:schemeClr>
+              </a:lnRef>
+              <a:fillRef idx="1">
+                <a:schemeClr val="accent1"/>
+              </a:fillRef>
+              <a:effectRef idx="0">
+                <a:schemeClr val="accent1"/>
+              </a:effectRef>
+              <a:fontRef idx="minor">
+                <a:schemeClr val="lt1"/>
+              </a:fontRef>
+            </p:style>
+            <p:txBody>
+              <a:bodyPr rtlCol="0" anchor="ctr"/>
+              <a:lstStyle/>
+              <a:p>
+                <a:pPr algn="ctr"/>
+                <a:endParaRPr kumimoji="1" lang="zh-CN" altLang="en-US"/>
+              </a:p>
+            </p:txBody>
+          </p:sp>
+          <p:sp>
+            <p:nvSpPr>
+              <p:cNvPr id="31" name="椭圆 30">
+                <a:extLst>
+                  <a:ext uri="{FF2B5EF4-FFF2-40B4-BE49-F238E27FC236}">
+                    <a16:creationId xmlns:a16="http://schemas.microsoft.com/office/drawing/2014/main" id="{DC7D61EB-E824-2842-B8C6-94EBEA60112C}"/>
+                  </a:ext>
+                </a:extLst>
+              </p:cNvPr>
+              <p:cNvSpPr/>
+              <p:nvPr/>
+            </p:nvSpPr>
+            <p:spPr>
+              <a:xfrm>
+                <a:off x="4538545" y="4817419"/>
+                <a:ext cx="45719" cy="45719"/>
+              </a:xfrm>
+              <a:prstGeom prst="ellipse">
+                <a:avLst/>
+              </a:prstGeom>
+              <a:solidFill>
+                <a:schemeClr val="tx1"/>
+              </a:solidFill>
+              <a:ln>
+                <a:noFill/>
+              </a:ln>
+            </p:spPr>
+            <p:style>
+              <a:lnRef idx="2">
+                <a:schemeClr val="accent1">
+                  <a:shade val="50000"/>
+                </a:schemeClr>
+              </a:lnRef>
+              <a:fillRef idx="1">
+                <a:schemeClr val="accent1"/>
+              </a:fillRef>
+              <a:effectRef idx="0">
+                <a:schemeClr val="accent1"/>
+              </a:effectRef>
+              <a:fontRef idx="minor">
+                <a:schemeClr val="lt1"/>
+              </a:fontRef>
+            </p:style>
+            <p:txBody>
+              <a:bodyPr rtlCol="0" anchor="ctr"/>
+              <a:lstStyle/>
+              <a:p>
+                <a:pPr algn="ctr"/>
+                <a:endParaRPr kumimoji="1" lang="zh-CN" altLang="en-US"/>
+              </a:p>
+            </p:txBody>
+          </p:sp>
+          <p:sp>
+            <p:nvSpPr>
+              <p:cNvPr id="32" name="椭圆 31">
+                <a:extLst>
+                  <a:ext uri="{FF2B5EF4-FFF2-40B4-BE49-F238E27FC236}">
+                    <a16:creationId xmlns:a16="http://schemas.microsoft.com/office/drawing/2014/main" id="{4BDBEB18-63A8-A346-8086-5809EC3151A0}"/>
+                  </a:ext>
+                </a:extLst>
+              </p:cNvPr>
+              <p:cNvSpPr/>
+              <p:nvPr/>
+            </p:nvSpPr>
+            <p:spPr>
+              <a:xfrm>
+                <a:off x="4639974" y="4817419"/>
+                <a:ext cx="45719" cy="45719"/>
+              </a:xfrm>
+              <a:prstGeom prst="ellipse">
+                <a:avLst/>
+              </a:prstGeom>
+              <a:solidFill>
+                <a:schemeClr val="tx1"/>
+              </a:solidFill>
+              <a:ln>
+                <a:noFill/>
+              </a:ln>
+            </p:spPr>
+            <p:style>
+              <a:lnRef idx="2">
+                <a:schemeClr val="accent1">
+                  <a:shade val="50000"/>
+                </a:schemeClr>
+              </a:lnRef>
+              <a:fillRef idx="1">
+                <a:schemeClr val="accent1"/>
+              </a:fillRef>
+              <a:effectRef idx="0">
+                <a:schemeClr val="accent1"/>
+              </a:effectRef>
+              <a:fontRef idx="minor">
+                <a:schemeClr val="lt1"/>
+              </a:fontRef>
+            </p:style>
+            <p:txBody>
+              <a:bodyPr rtlCol="0" anchor="ctr"/>
+              <a:lstStyle/>
+              <a:p>
+                <a:pPr algn="ctr"/>
+                <a:endParaRPr kumimoji="1" lang="zh-CN" altLang="en-US"/>
+              </a:p>
+            </p:txBody>
+          </p:sp>
+          <p:sp>
+            <p:nvSpPr>
+              <p:cNvPr id="33" name="椭圆 32">
+                <a:extLst>
+                  <a:ext uri="{FF2B5EF4-FFF2-40B4-BE49-F238E27FC236}">
+                    <a16:creationId xmlns:a16="http://schemas.microsoft.com/office/drawing/2014/main" id="{552A650D-7C21-464B-A5BF-082939815CC6}"/>
+                  </a:ext>
+                </a:extLst>
+              </p:cNvPr>
+              <p:cNvSpPr/>
+              <p:nvPr/>
+            </p:nvSpPr>
+            <p:spPr>
+              <a:xfrm>
+                <a:off x="4746085" y="4817419"/>
+                <a:ext cx="45719" cy="45719"/>
+              </a:xfrm>
+              <a:prstGeom prst="ellipse">
+                <a:avLst/>
+              </a:prstGeom>
+              <a:solidFill>
+                <a:schemeClr val="tx1"/>
+              </a:solidFill>
+              <a:ln>
+                <a:noFill/>
+              </a:ln>
+            </p:spPr>
+            <p:style>
+              <a:lnRef idx="2">
+                <a:schemeClr val="accent1">
+                  <a:shade val="50000"/>
+                </a:schemeClr>
+              </a:lnRef>
+              <a:fillRef idx="1">
+                <a:schemeClr val="accent1"/>
+              </a:fillRef>
+              <a:effectRef idx="0">
+                <a:schemeClr val="accent1"/>
+              </a:effectRef>
+              <a:fontRef idx="minor">
+                <a:schemeClr val="lt1"/>
+              </a:fontRef>
+            </p:style>
+            <p:txBody>
+              <a:bodyPr rtlCol="0" anchor="ctr"/>
+              <a:lstStyle/>
+              <a:p>
+                <a:pPr algn="ctr"/>
+                <a:endParaRPr kumimoji="1" lang="zh-CN" altLang="en-US"/>
+              </a:p>
+            </p:txBody>
+          </p:sp>
+        </p:grpSp>
+        <p:cxnSp>
+          <p:nvCxnSpPr>
+            <p:cNvPr id="29" name="直线连接符 28">
+              <a:extLst>
+                <a:ext uri="{FF2B5EF4-FFF2-40B4-BE49-F238E27FC236}">
+                  <a16:creationId xmlns:a16="http://schemas.microsoft.com/office/drawing/2014/main" id="{8A2DA7AA-EEE2-C142-8644-F54B63F1EBB8}"/>
+                </a:ext>
+              </a:extLst>
+            </p:cNvPr>
+            <p:cNvCxnSpPr>
+              <a:cxnSpLocks/>
+            </p:cNvCxnSpPr>
+            <p:nvPr/>
+          </p:nvCxnSpPr>
+          <p:spPr>
+            <a:xfrm flipV="1">
+              <a:off x="5556481" y="4714671"/>
+              <a:ext cx="164422" cy="221208"/>
+            </a:xfrm>
+            <a:prstGeom prst="line">
+              <a:avLst/>
+            </a:prstGeom>
+            <a:ln w="19050">
+              <a:solidFill>
+                <a:schemeClr val="tx1"/>
+              </a:solidFill>
+            </a:ln>
+          </p:spPr>
+          <p:style>
+            <a:lnRef idx="1">
+              <a:schemeClr val="accent1"/>
+            </a:lnRef>
+            <a:fillRef idx="0">
+              <a:schemeClr val="accent1"/>
+            </a:fillRef>
+            <a:effectRef idx="0">
+              <a:schemeClr val="accent1"/>
+            </a:effectRef>
+            <a:fontRef idx="minor">
+              <a:schemeClr val="tx1"/>
+            </a:fontRef>
+          </p:style>
+        </p:cxnSp>
+      </p:grpSp>
+      <p:sp>
+        <p:nvSpPr>
+          <p:cNvPr id="8" name="文本框 7">
+            <a:extLst>
+              <a:ext uri="{FF2B5EF4-FFF2-40B4-BE49-F238E27FC236}">
+                <a16:creationId xmlns:a16="http://schemas.microsoft.com/office/drawing/2014/main" id="{8613DCA6-3B53-1848-BCDA-1BDEA9770A76}"/>
+              </a:ext>
+            </a:extLst>
+          </p:cNvPr>
+          <p:cNvSpPr txBox="1"/>
+          <p:nvPr/>
+        </p:nvSpPr>
+        <p:spPr>
+          <a:xfrm>
+            <a:off x="540442" y="1593552"/>
+            <a:ext cx="2111475" cy="369332"/>
+          </a:xfrm>
+          <a:prstGeom prst="rect">
+            <a:avLst/>
+          </a:prstGeom>
+          <a:noFill/>
+        </p:spPr>
+        <p:txBody>
+          <a:bodyPr wrap="none" rtlCol="0">
+            <a:spAutoFit/>
+          </a:bodyPr>
+          <a:lstStyle/>
+          <a:p>
+            <a:r>
+              <a:rPr kumimoji="1" lang="en-US" altLang="zh-CN" dirty="0">
+                <a:latin typeface="Times New Roman" panose="02020603050405020304" pitchFamily="18" charset="0"/>
+                <a:cs typeface="Times New Roman" panose="02020603050405020304" pitchFamily="18" charset="0"/>
+              </a:rPr>
+              <a:t>ULA</a:t>
+            </a:r>
+            <a:r>
+              <a:rPr kumimoji="1" lang="zh-CN" altLang="en-US" dirty="0">
+                <a:latin typeface="Times New Roman" panose="02020603050405020304" pitchFamily="18" charset="0"/>
+                <a:cs typeface="Times New Roman" panose="02020603050405020304" pitchFamily="18" charset="0"/>
+              </a:rPr>
+              <a:t> </a:t>
+            </a:r>
+            <a:r>
+              <a:rPr kumimoji="1" lang="en-US" altLang="zh-CN" dirty="0">
+                <a:latin typeface="Times New Roman" panose="02020603050405020304" pitchFamily="18" charset="0"/>
+                <a:cs typeface="Times New Roman" panose="02020603050405020304" pitchFamily="18" charset="0"/>
+              </a:rPr>
+              <a:t>array</a:t>
+            </a:r>
+            <a:r>
+              <a:rPr kumimoji="1" lang="zh-CN" altLang="en-US" dirty="0">
+                <a:latin typeface="Times New Roman" panose="02020603050405020304" pitchFamily="18" charset="0"/>
+                <a:cs typeface="Times New Roman" panose="02020603050405020304" pitchFamily="18" charset="0"/>
+              </a:rPr>
+              <a:t> </a:t>
+            </a:r>
+            <a:r>
+              <a:rPr kumimoji="1" lang="en-US" altLang="zh-CN" dirty="0">
+                <a:latin typeface="Times New Roman" panose="02020603050405020304" pitchFamily="18" charset="0"/>
+                <a:cs typeface="Times New Roman" panose="02020603050405020304" pitchFamily="18" charset="0"/>
+              </a:rPr>
+              <a:t>response</a:t>
+            </a:r>
+            <a:endParaRPr kumimoji="1" lang="zh-CN" altLang="en-US" dirty="0">
+              <a:latin typeface="Times New Roman" panose="02020603050405020304" pitchFamily="18" charset="0"/>
+              <a:cs typeface="Times New Roman" panose="02020603050405020304" pitchFamily="18" charset="0"/>
+            </a:endParaRPr>
+          </a:p>
+        </p:txBody>
+      </p:sp>
+      <p:sp>
+        <p:nvSpPr>
+          <p:cNvPr id="34" name="文本框 33">
+            <a:extLst>
+              <a:ext uri="{FF2B5EF4-FFF2-40B4-BE49-F238E27FC236}">
+                <a16:creationId xmlns:a16="http://schemas.microsoft.com/office/drawing/2014/main" id="{11D47D0B-A58E-0143-9D4F-C101A8A3A42F}"/>
+              </a:ext>
+            </a:extLst>
+          </p:cNvPr>
+          <p:cNvSpPr txBox="1"/>
+          <p:nvPr/>
+        </p:nvSpPr>
+        <p:spPr>
+          <a:xfrm>
+            <a:off x="5980784" y="1593552"/>
+            <a:ext cx="2044149" cy="369332"/>
+          </a:xfrm>
+          <a:prstGeom prst="rect">
+            <a:avLst/>
+          </a:prstGeom>
+          <a:noFill/>
+        </p:spPr>
+        <p:txBody>
+          <a:bodyPr wrap="none" rtlCol="0">
+            <a:spAutoFit/>
+          </a:bodyPr>
+          <a:lstStyle/>
+          <a:p>
+            <a:r>
+              <a:rPr kumimoji="1" lang="en-US" altLang="zh-CN" dirty="0">
+                <a:latin typeface="Times New Roman" panose="02020603050405020304" pitchFamily="18" charset="0"/>
+                <a:cs typeface="Times New Roman" panose="02020603050405020304" pitchFamily="18" charset="0"/>
+              </a:rPr>
+              <a:t>Path</a:t>
+            </a:r>
+            <a:r>
+              <a:rPr kumimoji="1" lang="zh-CN" altLang="en-US" dirty="0">
+                <a:latin typeface="Times New Roman" panose="02020603050405020304" pitchFamily="18" charset="0"/>
+                <a:cs typeface="Times New Roman" panose="02020603050405020304" pitchFamily="18" charset="0"/>
+              </a:rPr>
+              <a:t> </a:t>
+            </a:r>
+            <a:r>
+              <a:rPr kumimoji="1" lang="en-US" altLang="zh-CN" dirty="0">
+                <a:latin typeface="Times New Roman" panose="02020603050405020304" pitchFamily="18" charset="0"/>
+                <a:cs typeface="Times New Roman" panose="02020603050405020304" pitchFamily="18" charset="0"/>
+              </a:rPr>
+              <a:t>loss</a:t>
+            </a:r>
+            <a:r>
+              <a:rPr kumimoji="1" lang="zh-CN" altLang="en-US" dirty="0">
+                <a:latin typeface="Times New Roman" panose="02020603050405020304" pitchFamily="18" charset="0"/>
+                <a:cs typeface="Times New Roman" panose="02020603050405020304" pitchFamily="18" charset="0"/>
+              </a:rPr>
+              <a:t> </a:t>
+            </a:r>
+            <a:r>
+              <a:rPr kumimoji="1" lang="en-US" altLang="zh-CN" dirty="0">
+                <a:latin typeface="Times New Roman" panose="02020603050405020304" pitchFamily="18" charset="0"/>
+                <a:cs typeface="Times New Roman" panose="02020603050405020304" pitchFamily="18" charset="0"/>
+              </a:rPr>
+              <a:t>generation</a:t>
+            </a:r>
+            <a:endParaRPr kumimoji="1" lang="zh-CN" altLang="en-US" dirty="0">
+              <a:latin typeface="Times New Roman" panose="02020603050405020304" pitchFamily="18" charset="0"/>
+              <a:cs typeface="Times New Roman" panose="02020603050405020304" pitchFamily="18" charset="0"/>
+            </a:endParaRPr>
+          </a:p>
+        </p:txBody>
+      </p:sp>
+      <p:cxnSp>
+        <p:nvCxnSpPr>
+          <p:cNvPr id="35" name="直线箭头连接符 34">
+            <a:extLst>
+              <a:ext uri="{FF2B5EF4-FFF2-40B4-BE49-F238E27FC236}">
+                <a16:creationId xmlns:a16="http://schemas.microsoft.com/office/drawing/2014/main" id="{FD41E409-24D8-9746-A5AE-3F257677E7B7}"/>
+              </a:ext>
+            </a:extLst>
+          </p:cNvPr>
+          <p:cNvCxnSpPr>
+            <a:cxnSpLocks/>
+          </p:cNvCxnSpPr>
+          <p:nvPr/>
+        </p:nvCxnSpPr>
+        <p:spPr>
+          <a:xfrm>
+            <a:off x="520891" y="3039431"/>
+            <a:ext cx="1001807" cy="1445157"/>
+          </a:xfrm>
+          <a:prstGeom prst="straightConnector1">
+            <a:avLst/>
+          </a:prstGeom>
+          <a:ln w="28575">
+            <a:tailEnd type="triangle"/>
+          </a:ln>
+        </p:spPr>
+        <p:style>
+          <a:lnRef idx="1">
+            <a:schemeClr val="accent1"/>
+          </a:lnRef>
+          <a:fillRef idx="0">
+            <a:schemeClr val="accent1"/>
+          </a:fillRef>
+          <a:effectRef idx="0">
+            <a:schemeClr val="accent1"/>
+          </a:effectRef>
+          <a:fontRef idx="minor">
+            <a:schemeClr val="tx1"/>
+          </a:fontRef>
+        </p:style>
+      </p:cxnSp>
+      <p:cxnSp>
+        <p:nvCxnSpPr>
+          <p:cNvPr id="38" name="直线箭头连接符 37">
+            <a:extLst>
+              <a:ext uri="{FF2B5EF4-FFF2-40B4-BE49-F238E27FC236}">
+                <a16:creationId xmlns:a16="http://schemas.microsoft.com/office/drawing/2014/main" id="{FA10339B-37B4-FD4C-96F0-AA60BD6A13FE}"/>
+              </a:ext>
+            </a:extLst>
+          </p:cNvPr>
+          <p:cNvCxnSpPr>
+            <a:cxnSpLocks/>
+          </p:cNvCxnSpPr>
+          <p:nvPr/>
+        </p:nvCxnSpPr>
+        <p:spPr>
+          <a:xfrm>
+            <a:off x="1517956" y="2779776"/>
+            <a:ext cx="1" cy="1688649"/>
+          </a:xfrm>
+          <a:prstGeom prst="straightConnector1">
+            <a:avLst/>
+          </a:prstGeom>
+          <a:ln w="28575">
+            <a:solidFill>
+              <a:schemeClr val="tx1"/>
+            </a:solidFill>
+            <a:prstDash val="sysDot"/>
+            <a:tailEnd type="none"/>
+          </a:ln>
+        </p:spPr>
+        <p:style>
+          <a:lnRef idx="1">
+            <a:schemeClr val="accent1"/>
+          </a:lnRef>
+          <a:fillRef idx="0">
+            <a:schemeClr val="accent1"/>
+          </a:fillRef>
+          <a:effectRef idx="0">
+            <a:schemeClr val="accent1"/>
+          </a:effectRef>
+          <a:fontRef idx="minor">
+            <a:schemeClr val="tx1"/>
+          </a:fontRef>
+        </p:style>
+      </p:cxnSp>
+      <p:sp>
+        <p:nvSpPr>
+          <p:cNvPr id="41" name="弧 40">
+            <a:extLst>
+              <a:ext uri="{FF2B5EF4-FFF2-40B4-BE49-F238E27FC236}">
+                <a16:creationId xmlns:a16="http://schemas.microsoft.com/office/drawing/2014/main" id="{FBFE55D7-CAAA-5743-95E0-35F34F2245F3}"/>
+              </a:ext>
+            </a:extLst>
+          </p:cNvPr>
+          <p:cNvSpPr/>
+          <p:nvPr/>
+        </p:nvSpPr>
+        <p:spPr>
+          <a:xfrm flipH="1">
+            <a:off x="1021794" y="3589821"/>
+            <a:ext cx="942328" cy="762000"/>
+          </a:xfrm>
+          <a:prstGeom prst="arc">
+            <a:avLst>
+              <a:gd name="adj1" fmla="val 16200000"/>
+              <a:gd name="adj2" fmla="val 20661465"/>
+            </a:avLst>
+          </a:prstGeom>
+          <a:ln w="22225"/>
+        </p:spPr>
+        <p:style>
+          <a:lnRef idx="1">
+            <a:schemeClr val="accent1"/>
+          </a:lnRef>
+          <a:fillRef idx="0">
+            <a:schemeClr val="accent1"/>
+          </a:fillRef>
+          <a:effectRef idx="0">
+            <a:schemeClr val="accent1"/>
+          </a:effectRef>
+          <a:fontRef idx="minor">
+            <a:schemeClr val="tx1"/>
+          </a:fontRef>
+        </p:style>
+        <p:txBody>
+          <a:bodyPr rtlCol="0" anchor="ctr"/>
+          <a:lstStyle/>
+          <a:p>
+            <a:pPr algn="ctr"/>
+            <a:endParaRPr kumimoji="1" lang="zh-CN" altLang="en-US"/>
+          </a:p>
+        </p:txBody>
+      </p:sp>
+      <p:pic>
+        <p:nvPicPr>
+          <p:cNvPr id="44" name="图片 43">
+            <a:extLst>
+              <a:ext uri="{FF2B5EF4-FFF2-40B4-BE49-F238E27FC236}">
+                <a16:creationId xmlns:a16="http://schemas.microsoft.com/office/drawing/2014/main" id="{4D5B9914-8CD1-F14A-AC93-7383CA8FBAE5}"/>
+              </a:ext>
+            </a:extLst>
+          </p:cNvPr>
+          <p:cNvPicPr>
+            <a:picLocks noChangeAspect="1"/>
+          </p:cNvPicPr>
+          <p:nvPr/>
+        </p:nvPicPr>
+        <p:blipFill>
+          <a:blip r:embed="rId4"/>
+          <a:stretch>
+            <a:fillRect/>
+          </a:stretch>
+        </p:blipFill>
+        <p:spPr>
+          <a:xfrm>
+            <a:off x="574255" y="4803481"/>
+            <a:ext cx="1562100" cy="558800"/>
+          </a:xfrm>
+          <a:prstGeom prst="rect">
+            <a:avLst/>
+          </a:prstGeom>
+        </p:spPr>
+      </p:pic>
+      <p:pic>
+        <p:nvPicPr>
+          <p:cNvPr id="46" name="图片 45">
+            <a:extLst>
+              <a:ext uri="{FF2B5EF4-FFF2-40B4-BE49-F238E27FC236}">
+                <a16:creationId xmlns:a16="http://schemas.microsoft.com/office/drawing/2014/main" id="{917BB7CE-D8FB-154A-92B5-88CCFFF7A809}"/>
+              </a:ext>
+            </a:extLst>
+          </p:cNvPr>
+          <p:cNvPicPr>
+            <a:picLocks noChangeAspect="1"/>
+          </p:cNvPicPr>
+          <p:nvPr/>
+        </p:nvPicPr>
+        <p:blipFill>
+          <a:blip r:embed="rId5"/>
+          <a:stretch>
+            <a:fillRect/>
+          </a:stretch>
+        </p:blipFill>
+        <p:spPr>
+          <a:xfrm>
+            <a:off x="1003801" y="2962432"/>
+            <a:ext cx="292100" cy="520700"/>
+          </a:xfrm>
+          <a:prstGeom prst="rect">
+            <a:avLst/>
+          </a:prstGeom>
+        </p:spPr>
+      </p:pic>
+      <p:pic>
+        <p:nvPicPr>
+          <p:cNvPr id="47" name="图片 46">
+            <a:extLst>
+              <a:ext uri="{FF2B5EF4-FFF2-40B4-BE49-F238E27FC236}">
+                <a16:creationId xmlns:a16="http://schemas.microsoft.com/office/drawing/2014/main" id="{D827BC77-3BDD-C94D-985A-FE1117539EB7}"/>
+              </a:ext>
+            </a:extLst>
+          </p:cNvPr>
+          <p:cNvPicPr>
+            <a:picLocks noChangeAspect="1"/>
+          </p:cNvPicPr>
+          <p:nvPr/>
+        </p:nvPicPr>
+        <p:blipFill>
+          <a:blip r:embed="rId6"/>
+          <a:stretch>
+            <a:fillRect/>
+          </a:stretch>
+        </p:blipFill>
+        <p:spPr>
+          <a:xfrm>
+            <a:off x="198389" y="5317030"/>
+            <a:ext cx="3759200" cy="711200"/>
+          </a:xfrm>
+          <a:prstGeom prst="rect">
+            <a:avLst/>
+          </a:prstGeom>
+        </p:spPr>
+      </p:pic>
+      <p:pic>
+        <p:nvPicPr>
+          <p:cNvPr id="48" name="图片 47">
+            <a:extLst>
+              <a:ext uri="{FF2B5EF4-FFF2-40B4-BE49-F238E27FC236}">
+                <a16:creationId xmlns:a16="http://schemas.microsoft.com/office/drawing/2014/main" id="{CCFF6082-0FD5-EA4E-8DBB-88A6E4143B05}"/>
+              </a:ext>
+            </a:extLst>
+          </p:cNvPr>
+          <p:cNvPicPr>
+            <a:picLocks noChangeAspect="1"/>
+          </p:cNvPicPr>
+          <p:nvPr/>
+        </p:nvPicPr>
+        <p:blipFill>
+          <a:blip r:embed="rId7"/>
+          <a:stretch>
+            <a:fillRect/>
+          </a:stretch>
+        </p:blipFill>
+        <p:spPr>
+          <a:xfrm>
+            <a:off x="830072" y="5940884"/>
+            <a:ext cx="2108200" cy="457200"/>
+          </a:xfrm>
+          <a:prstGeom prst="rect">
+            <a:avLst/>
+          </a:prstGeom>
+        </p:spPr>
+      </p:pic>
+      <p:pic>
+        <p:nvPicPr>
+          <p:cNvPr id="50" name="图片 49">
+            <a:extLst>
+              <a:ext uri="{FF2B5EF4-FFF2-40B4-BE49-F238E27FC236}">
+                <a16:creationId xmlns:a16="http://schemas.microsoft.com/office/drawing/2014/main" id="{6D80E4B9-B11C-7E4C-B6B2-DAEB4973C841}"/>
+              </a:ext>
+            </a:extLst>
+          </p:cNvPr>
+          <p:cNvPicPr>
+            <a:picLocks noChangeAspect="1"/>
+          </p:cNvPicPr>
+          <p:nvPr/>
+        </p:nvPicPr>
+        <p:blipFill>
+          <a:blip r:embed="rId8"/>
+          <a:stretch>
+            <a:fillRect/>
+          </a:stretch>
+        </p:blipFill>
+        <p:spPr>
+          <a:xfrm>
+            <a:off x="2235688" y="4891011"/>
+            <a:ext cx="1473200" cy="393700"/>
+          </a:xfrm>
+          <a:prstGeom prst="rect">
+            <a:avLst/>
+          </a:prstGeom>
+        </p:spPr>
+      </p:pic>
+      <p:sp>
+        <p:nvSpPr>
+          <p:cNvPr id="51" name="左大括号 50">
+            <a:extLst>
+              <a:ext uri="{FF2B5EF4-FFF2-40B4-BE49-F238E27FC236}">
+                <a16:creationId xmlns:a16="http://schemas.microsoft.com/office/drawing/2014/main" id="{6D69108B-C28C-1545-8D6A-5F1937684BB9}"/>
+              </a:ext>
+            </a:extLst>
+          </p:cNvPr>
+          <p:cNvSpPr/>
+          <p:nvPr/>
+        </p:nvSpPr>
+        <p:spPr>
+          <a:xfrm>
+            <a:off x="3007578" y="3453585"/>
+            <a:ext cx="284426" cy="950234"/>
+          </a:xfrm>
+          <a:prstGeom prst="leftBrace">
+            <a:avLst>
+              <a:gd name="adj1" fmla="val 38284"/>
+              <a:gd name="adj2" fmla="val 50000"/>
+            </a:avLst>
+          </a:prstGeom>
+          <a:ln w="25400">
+            <a:solidFill>
+              <a:schemeClr val="tx1"/>
+            </a:solidFill>
+          </a:ln>
+        </p:spPr>
+        <p:style>
+          <a:lnRef idx="1">
+            <a:schemeClr val="accent1"/>
+          </a:lnRef>
+          <a:fillRef idx="0">
+            <a:schemeClr val="accent1"/>
+          </a:fillRef>
+          <a:effectRef idx="0">
+            <a:schemeClr val="accent1"/>
+          </a:effectRef>
+          <a:fontRef idx="minor">
+            <a:schemeClr val="tx1"/>
+          </a:fontRef>
+        </p:style>
+        <p:txBody>
+          <a:bodyPr rtlCol="0" anchor="ctr"/>
+          <a:lstStyle/>
+          <a:p>
+            <a:pPr algn="ctr"/>
+            <a:endParaRPr kumimoji="1" lang="zh-CN" altLang="en-US"/>
+          </a:p>
+        </p:txBody>
+      </p:sp>
+      <p:sp>
+        <p:nvSpPr>
+          <p:cNvPr id="52" name="文本框 51">
+            <a:extLst>
+              <a:ext uri="{FF2B5EF4-FFF2-40B4-BE49-F238E27FC236}">
+                <a16:creationId xmlns:a16="http://schemas.microsoft.com/office/drawing/2014/main" id="{EA3BF5CC-ADDD-2F47-A7DA-4301A4D64910}"/>
+              </a:ext>
+            </a:extLst>
+          </p:cNvPr>
+          <p:cNvSpPr txBox="1"/>
+          <p:nvPr/>
+        </p:nvSpPr>
+        <p:spPr>
+          <a:xfrm>
+            <a:off x="3307965" y="3858420"/>
+            <a:ext cx="1576072" cy="369332"/>
+          </a:xfrm>
+          <a:prstGeom prst="rect">
+            <a:avLst/>
+          </a:prstGeom>
+          <a:noFill/>
+        </p:spPr>
+        <p:txBody>
+          <a:bodyPr wrap="none" rtlCol="0">
+            <a:spAutoFit/>
+          </a:bodyPr>
+          <a:lstStyle/>
+          <a:p>
+            <a:r>
+              <a:rPr kumimoji="1" lang="en-US" altLang="zh-CN" dirty="0">
+                <a:latin typeface="Times New Roman" panose="02020603050405020304" pitchFamily="18" charset="0"/>
+                <a:cs typeface="Times New Roman" panose="02020603050405020304" pitchFamily="18" charset="0"/>
+              </a:rPr>
+              <a:t>Best resolution</a:t>
+            </a:r>
+            <a:endParaRPr kumimoji="1" lang="zh-CN" altLang="en-US" dirty="0">
+              <a:latin typeface="Times New Roman" panose="02020603050405020304" pitchFamily="18" charset="0"/>
+              <a:cs typeface="Times New Roman" panose="02020603050405020304" pitchFamily="18" charset="0"/>
+            </a:endParaRPr>
+          </a:p>
+        </p:txBody>
+      </p:sp>
+      <p:sp>
+        <p:nvSpPr>
+          <p:cNvPr id="53" name="文本框 52">
+            <a:extLst>
+              <a:ext uri="{FF2B5EF4-FFF2-40B4-BE49-F238E27FC236}">
+                <a16:creationId xmlns:a16="http://schemas.microsoft.com/office/drawing/2014/main" id="{6F501F4E-A7F0-2B40-9BF4-4B04104946C6}"/>
+              </a:ext>
+            </a:extLst>
+          </p:cNvPr>
+          <p:cNvSpPr txBox="1"/>
+          <p:nvPr/>
+        </p:nvSpPr>
+        <p:spPr>
+          <a:xfrm>
+            <a:off x="3297727" y="3416980"/>
+            <a:ext cx="2198038" cy="369332"/>
+          </a:xfrm>
+          <a:prstGeom prst="rect">
+            <a:avLst/>
+          </a:prstGeom>
+          <a:noFill/>
+        </p:spPr>
+        <p:txBody>
+          <a:bodyPr wrap="none" rtlCol="0">
+            <a:spAutoFit/>
+          </a:bodyPr>
+          <a:lstStyle/>
+          <a:p>
+            <a:r>
+              <a:rPr kumimoji="1" lang="en-US" altLang="zh-CN" dirty="0">
+                <a:latin typeface="Times New Roman" panose="02020603050405020304" pitchFamily="18" charset="0"/>
+                <a:cs typeface="Times New Roman" panose="02020603050405020304" pitchFamily="18" charset="0"/>
+              </a:rPr>
+              <a:t>Limitation of Nyquist</a:t>
+            </a:r>
+            <a:endParaRPr kumimoji="1" lang="zh-CN" altLang="en-US" dirty="0">
+              <a:latin typeface="Times New Roman" panose="02020603050405020304" pitchFamily="18" charset="0"/>
+              <a:cs typeface="Times New Roman" panose="02020603050405020304" pitchFamily="18" charset="0"/>
+            </a:endParaRPr>
+          </a:p>
+        </p:txBody>
+      </p:sp>
+      <p:sp>
+        <p:nvSpPr>
+          <p:cNvPr id="54" name="文本框 53">
+            <a:extLst>
+              <a:ext uri="{FF2B5EF4-FFF2-40B4-BE49-F238E27FC236}">
+                <a16:creationId xmlns:a16="http://schemas.microsoft.com/office/drawing/2014/main" id="{F80C9B07-A447-FE48-83C9-F08B3601710A}"/>
+              </a:ext>
+            </a:extLst>
+          </p:cNvPr>
+          <p:cNvSpPr txBox="1"/>
+          <p:nvPr/>
+        </p:nvSpPr>
+        <p:spPr>
+          <a:xfrm>
+            <a:off x="4188214" y="4167155"/>
+            <a:ext cx="1114408" cy="369332"/>
+          </a:xfrm>
+          <a:prstGeom prst="rect">
+            <a:avLst/>
+          </a:prstGeom>
+          <a:noFill/>
+        </p:spPr>
+        <p:txBody>
+          <a:bodyPr wrap="none" rtlCol="0">
+            <a:spAutoFit/>
+          </a:bodyPr>
+          <a:lstStyle/>
+          <a:p>
+            <a:r>
+              <a:rPr kumimoji="1" lang="en-US" altLang="zh-CN" b="1" dirty="0">
+                <a:solidFill>
+                  <a:schemeClr val="accent1"/>
+                </a:solidFill>
+                <a:latin typeface="Times New Roman" panose="02020603050405020304" pitchFamily="18" charset="0"/>
+                <a:cs typeface="Times New Roman" panose="02020603050405020304" pitchFamily="18" charset="0"/>
+              </a:rPr>
+              <a:t>Lemma</a:t>
+            </a:r>
+            <a:r>
+              <a:rPr kumimoji="1" lang="zh-CN" altLang="en-US" b="1" dirty="0">
+                <a:solidFill>
+                  <a:schemeClr val="accent1"/>
+                </a:solidFill>
+                <a:latin typeface="Times New Roman" panose="02020603050405020304" pitchFamily="18" charset="0"/>
+                <a:cs typeface="Times New Roman" panose="02020603050405020304" pitchFamily="18" charset="0"/>
+              </a:rPr>
+              <a:t> </a:t>
+            </a:r>
+            <a:r>
+              <a:rPr kumimoji="1" lang="en-US" altLang="zh-CN" b="1" dirty="0">
+                <a:solidFill>
+                  <a:schemeClr val="accent1"/>
+                </a:solidFill>
+                <a:latin typeface="Times New Roman" panose="02020603050405020304" pitchFamily="18" charset="0"/>
+                <a:cs typeface="Times New Roman" panose="02020603050405020304" pitchFamily="18" charset="0"/>
+              </a:rPr>
+              <a:t>1</a:t>
+            </a:r>
+            <a:endParaRPr kumimoji="1" lang="zh-CN" altLang="en-US" b="1" dirty="0">
+              <a:solidFill>
+                <a:schemeClr val="accent1"/>
+              </a:solidFill>
+              <a:latin typeface="Times New Roman" panose="02020603050405020304" pitchFamily="18" charset="0"/>
+              <a:cs typeface="Times New Roman" panose="02020603050405020304" pitchFamily="18" charset="0"/>
+            </a:endParaRPr>
+          </a:p>
+        </p:txBody>
+      </p:sp>
+    </p:spTree>
+    <p:extLst>
+      <p:ext uri="{BB962C8B-B14F-4D97-AF65-F5344CB8AC3E}">
+        <p14:creationId xmlns:p14="http://schemas.microsoft.com/office/powerpoint/2010/main" val="2266962156"/>
+      </p:ext>
+    </p:extLst>
+  </p:cSld>
+  <p:clrMapOvr>
+    <a:masterClrMapping/>
+  </p:clrMapOvr>
+</p:sld>
+</file>
+
+<file path=ppt/slides/slide8.xml><?xml version="1.0" encoding="utf-8"?>
 <p:sld xmlns:a="http://schemas.openxmlformats.org/drawingml/2006/main" xmlns:r="http://schemas.openxmlformats.org/officeDocument/2006/relationships" xmlns:p="http://schemas.openxmlformats.org/presentationml/2006/main">
   <p:cSld>
     <p:spTree>
@@ -13793,90 +15201,6 @@
 </p:sld>
 </file>
 
-<file path=ppt/slides/slide8.xml><?xml version="1.0" encoding="utf-8"?>
-<p:sld xmlns:a="http://schemas.openxmlformats.org/drawingml/2006/main" xmlns:r="http://schemas.openxmlformats.org/officeDocument/2006/relationships" xmlns:p="http://schemas.openxmlformats.org/presentationml/2006/main">
-  <p:cSld>
-    <p:spTree>
-      <p:nvGrpSpPr>
-        <p:cNvPr id="1" name=""/>
-        <p:cNvGrpSpPr/>
-        <p:nvPr/>
-      </p:nvGrpSpPr>
-      <p:grpSpPr>
-        <a:xfrm>
-          <a:off x="0" y="0"/>
-          <a:ext cx="0" cy="0"/>
-          <a:chOff x="0" y="0"/>
-          <a:chExt cx="0" cy="0"/>
-        </a:xfrm>
-      </p:grpSpPr>
-      <p:sp>
-        <p:nvSpPr>
-          <p:cNvPr id="2" name="标题 1">
-            <a:extLst>
-              <a:ext uri="{FF2B5EF4-FFF2-40B4-BE49-F238E27FC236}">
-                <a16:creationId xmlns:a16="http://schemas.microsoft.com/office/drawing/2014/main" id="{E91CE4DB-79AB-714C-9B65-9DD0541E9450}"/>
-              </a:ext>
-            </a:extLst>
-          </p:cNvPr>
-          <p:cNvSpPr>
-            <a:spLocks noGrp="1"/>
-          </p:cNvSpPr>
-          <p:nvPr>
-            <p:ph type="title"/>
-          </p:nvPr>
-        </p:nvSpPr>
-        <p:spPr/>
-        <p:txBody>
-          <a:bodyPr/>
-          <a:lstStyle/>
-          <a:p>
-            <a:r>
-              <a:rPr kumimoji="1" lang="en-US" altLang="zh-CN" dirty="0"/>
-              <a:t>Phase 1</a:t>
-            </a:r>
-            <a:endParaRPr kumimoji="1" lang="zh-CN" altLang="en-US" dirty="0"/>
-          </a:p>
-        </p:txBody>
-      </p:sp>
-      <p:sp>
-        <p:nvSpPr>
-          <p:cNvPr id="3" name="内容占位符 2">
-            <a:extLst>
-              <a:ext uri="{FF2B5EF4-FFF2-40B4-BE49-F238E27FC236}">
-                <a16:creationId xmlns:a16="http://schemas.microsoft.com/office/drawing/2014/main" id="{76368899-9A08-1B42-AB8B-9766D5CF7593}"/>
-              </a:ext>
-            </a:extLst>
-          </p:cNvPr>
-          <p:cNvSpPr>
-            <a:spLocks noGrp="1"/>
-          </p:cNvSpPr>
-          <p:nvPr>
-            <p:ph idx="1"/>
-          </p:nvPr>
-        </p:nvSpPr>
-        <p:spPr/>
-        <p:txBody>
-          <a:bodyPr/>
-          <a:lstStyle/>
-          <a:p>
-            <a:endParaRPr kumimoji="1" lang="zh-CN" altLang="en-US" dirty="0"/>
-          </a:p>
-        </p:txBody>
-      </p:sp>
-    </p:spTree>
-    <p:extLst>
-      <p:ext uri="{BB962C8B-B14F-4D97-AF65-F5344CB8AC3E}">
-        <p14:creationId xmlns:p14="http://schemas.microsoft.com/office/powerpoint/2010/main" val="1769361035"/>
-      </p:ext>
-    </p:extLst>
-  </p:cSld>
-  <p:clrMapOvr>
-    <a:masterClrMapping/>
-  </p:clrMapOvr>
-</p:sld>
-</file>
-
 <file path=ppt/slides/slide9.xml><?xml version="1.0" encoding="utf-8"?>
 <p:sld xmlns:a="http://schemas.openxmlformats.org/drawingml/2006/main" xmlns:r="http://schemas.openxmlformats.org/officeDocument/2006/relationships" xmlns:p="http://schemas.openxmlformats.org/presentationml/2006/main">
   <p:cSld>
@@ -13899,7 +15223,7 @@
           <p:cNvPr id="2" name="标题 1">
             <a:extLst>
               <a:ext uri="{FF2B5EF4-FFF2-40B4-BE49-F238E27FC236}">
-                <a16:creationId xmlns:a16="http://schemas.microsoft.com/office/drawing/2014/main" id="{17A646E0-4B78-BE4B-97C9-4D552876F760}"/>
+                <a16:creationId xmlns:a16="http://schemas.microsoft.com/office/drawing/2014/main" id="{E91CE4DB-79AB-714C-9B65-9DD0541E9450}"/>
               </a:ext>
             </a:extLst>
           </p:cNvPr>
@@ -13917,7 +15241,7 @@
           <a:p>
             <a:r>
               <a:rPr kumimoji="1" lang="en-US" altLang="zh-CN" dirty="0"/>
-              <a:t>Lemma 3/Appendix C</a:t>
+              <a:t>Phase 1</a:t>
             </a:r>
             <a:endParaRPr kumimoji="1" lang="zh-CN" altLang="en-US" dirty="0"/>
           </a:p>
@@ -13928,7 +15252,7 @@
           <p:cNvPr id="3" name="内容占位符 2">
             <a:extLst>
               <a:ext uri="{FF2B5EF4-FFF2-40B4-BE49-F238E27FC236}">
-                <a16:creationId xmlns:a16="http://schemas.microsoft.com/office/drawing/2014/main" id="{1FFF97BC-08DB-B84E-8425-9D39AC0EF65C}"/>
+                <a16:creationId xmlns:a16="http://schemas.microsoft.com/office/drawing/2014/main" id="{76368899-9A08-1B42-AB8B-9766D5CF7593}"/>
               </a:ext>
             </a:extLst>
           </p:cNvPr>
@@ -13951,7 +15275,7 @@
     </p:spTree>
     <p:extLst>
       <p:ext uri="{BB962C8B-B14F-4D97-AF65-F5344CB8AC3E}">
-        <p14:creationId xmlns:p14="http://schemas.microsoft.com/office/powerpoint/2010/main" val="2952872914"/>
+        <p14:creationId xmlns:p14="http://schemas.microsoft.com/office/powerpoint/2010/main" val="1769361035"/>
       </p:ext>
     </p:extLst>
   </p:cSld>

--- a/doc/RIS-angular-domain组会汇报.pptx
+++ b/doc/RIS-angular-domain组会汇报.pptx
@@ -5,7 +5,7 @@
     <p:sldMasterId id="2147483648" r:id="rId1"/>
   </p:sldMasterIdLst>
   <p:notesMasterIdLst>
-    <p:notesMasterId r:id="rId13"/>
+    <p:notesMasterId r:id="rId14"/>
   </p:notesMasterIdLst>
   <p:sldIdLst>
     <p:sldId id="256" r:id="rId2"/>
@@ -15,10 +15,11 @@
     <p:sldId id="257" r:id="rId6"/>
     <p:sldId id="258" r:id="rId7"/>
     <p:sldId id="266" r:id="rId8"/>
-    <p:sldId id="259" r:id="rId9"/>
-    <p:sldId id="263" r:id="rId10"/>
-    <p:sldId id="264" r:id="rId11"/>
-    <p:sldId id="265" r:id="rId12"/>
+    <p:sldId id="267" r:id="rId9"/>
+    <p:sldId id="259" r:id="rId10"/>
+    <p:sldId id="263" r:id="rId11"/>
+    <p:sldId id="264" r:id="rId12"/>
+    <p:sldId id="265" r:id="rId13"/>
   </p:sldIdLst>
   <p:sldSz cx="12192000" cy="6858000"/>
   <p:notesSz cx="6858000" cy="9144000"/>
@@ -633,6 +634,90 @@
     <p:extLst>
       <p:ext uri="{BB962C8B-B14F-4D97-AF65-F5344CB8AC3E}">
         <p14:creationId xmlns:p14="http://schemas.microsoft.com/office/powerpoint/2010/main" val="449461960"/>
+      </p:ext>
+    </p:extLst>
+  </p:cSld>
+  <p:clrMapOvr>
+    <a:masterClrMapping/>
+  </p:clrMapOvr>
+</p:notes>
+</file>
+
+<file path=ppt/notesSlides/notesSlide3.xml><?xml version="1.0" encoding="utf-8"?>
+<p:notes xmlns:a="http://schemas.openxmlformats.org/drawingml/2006/main" xmlns:r="http://schemas.openxmlformats.org/officeDocument/2006/relationships" xmlns:p="http://schemas.openxmlformats.org/presentationml/2006/main">
+  <p:cSld>
+    <p:spTree>
+      <p:nvGrpSpPr>
+        <p:cNvPr id="1" name=""/>
+        <p:cNvGrpSpPr/>
+        <p:nvPr/>
+      </p:nvGrpSpPr>
+      <p:grpSpPr>
+        <a:xfrm>
+          <a:off x="0" y="0"/>
+          <a:ext cx="0" cy="0"/>
+          <a:chOff x="0" y="0"/>
+          <a:chExt cx="0" cy="0"/>
+        </a:xfrm>
+      </p:grpSpPr>
+      <p:sp>
+        <p:nvSpPr>
+          <p:cNvPr id="2" name="幻灯片图像占位符 1"/>
+          <p:cNvSpPr>
+            <a:spLocks noGrp="1" noRot="1" noChangeAspect="1"/>
+          </p:cNvSpPr>
+          <p:nvPr>
+            <p:ph type="sldImg"/>
+          </p:nvPr>
+        </p:nvSpPr>
+        <p:spPr/>
+      </p:sp>
+      <p:sp>
+        <p:nvSpPr>
+          <p:cNvPr id="3" name="备注占位符 2"/>
+          <p:cNvSpPr>
+            <a:spLocks noGrp="1"/>
+          </p:cNvSpPr>
+          <p:nvPr>
+            <p:ph type="body" idx="1"/>
+          </p:nvPr>
+        </p:nvSpPr>
+        <p:spPr/>
+        <p:txBody>
+          <a:bodyPr/>
+          <a:lstStyle/>
+          <a:p>
+            <a:endParaRPr kumimoji="1" lang="zh-CN" altLang="en-US" dirty="0"/>
+          </a:p>
+        </p:txBody>
+      </p:sp>
+      <p:sp>
+        <p:nvSpPr>
+          <p:cNvPr id="4" name="灯片编号占位符 3"/>
+          <p:cNvSpPr>
+            <a:spLocks noGrp="1"/>
+          </p:cNvSpPr>
+          <p:nvPr>
+            <p:ph type="sldNum" sz="quarter" idx="5"/>
+          </p:nvPr>
+        </p:nvSpPr>
+        <p:spPr/>
+        <p:txBody>
+          <a:bodyPr/>
+          <a:lstStyle/>
+          <a:p>
+            <a:fld id="{BA741004-C71F-4F43-AD9C-C1500B5EA0C5}" type="slidenum">
+              <a:rPr kumimoji="1" lang="zh-CN" altLang="en-US" smtClean="0"/>
+              <a:t>8</a:t>
+            </a:fld>
+            <a:endParaRPr kumimoji="1" lang="zh-CN" altLang="en-US"/>
+          </a:p>
+        </p:txBody>
+      </p:sp>
+    </p:spTree>
+    <p:extLst>
+      <p:ext uri="{BB962C8B-B14F-4D97-AF65-F5344CB8AC3E}">
+        <p14:creationId xmlns:p14="http://schemas.microsoft.com/office/powerpoint/2010/main" val="3748728877"/>
       </p:ext>
     </p:extLst>
   </p:cSld>
@@ -4110,6 +4195,90 @@
           <p:cNvPr id="2" name="标题 1">
             <a:extLst>
               <a:ext uri="{FF2B5EF4-FFF2-40B4-BE49-F238E27FC236}">
+                <a16:creationId xmlns:a16="http://schemas.microsoft.com/office/drawing/2014/main" id="{E91CE4DB-79AB-714C-9B65-9DD0541E9450}"/>
+              </a:ext>
+            </a:extLst>
+          </p:cNvPr>
+          <p:cNvSpPr>
+            <a:spLocks noGrp="1"/>
+          </p:cNvSpPr>
+          <p:nvPr>
+            <p:ph type="title"/>
+          </p:nvPr>
+        </p:nvSpPr>
+        <p:spPr/>
+        <p:txBody>
+          <a:bodyPr/>
+          <a:lstStyle/>
+          <a:p>
+            <a:r>
+              <a:rPr kumimoji="1" lang="en-US" altLang="zh-CN" dirty="0"/>
+              <a:t>Phase 1</a:t>
+            </a:r>
+            <a:endParaRPr kumimoji="1" lang="zh-CN" altLang="en-US" dirty="0"/>
+          </a:p>
+        </p:txBody>
+      </p:sp>
+      <p:sp>
+        <p:nvSpPr>
+          <p:cNvPr id="3" name="内容占位符 2">
+            <a:extLst>
+              <a:ext uri="{FF2B5EF4-FFF2-40B4-BE49-F238E27FC236}">
+                <a16:creationId xmlns:a16="http://schemas.microsoft.com/office/drawing/2014/main" id="{76368899-9A08-1B42-AB8B-9766D5CF7593}"/>
+              </a:ext>
+            </a:extLst>
+          </p:cNvPr>
+          <p:cNvSpPr>
+            <a:spLocks noGrp="1"/>
+          </p:cNvSpPr>
+          <p:nvPr>
+            <p:ph idx="1"/>
+          </p:nvPr>
+        </p:nvSpPr>
+        <p:spPr/>
+        <p:txBody>
+          <a:bodyPr/>
+          <a:lstStyle/>
+          <a:p>
+            <a:endParaRPr kumimoji="1" lang="zh-CN" altLang="en-US" dirty="0"/>
+          </a:p>
+        </p:txBody>
+      </p:sp>
+    </p:spTree>
+    <p:extLst>
+      <p:ext uri="{BB962C8B-B14F-4D97-AF65-F5344CB8AC3E}">
+        <p14:creationId xmlns:p14="http://schemas.microsoft.com/office/powerpoint/2010/main" val="1769361035"/>
+      </p:ext>
+    </p:extLst>
+  </p:cSld>
+  <p:clrMapOvr>
+    <a:masterClrMapping/>
+  </p:clrMapOvr>
+</p:sld>
+</file>
+
+<file path=ppt/slides/slide11.xml><?xml version="1.0" encoding="utf-8"?>
+<p:sld xmlns:a="http://schemas.openxmlformats.org/drawingml/2006/main" xmlns:r="http://schemas.openxmlformats.org/officeDocument/2006/relationships" xmlns:p="http://schemas.openxmlformats.org/presentationml/2006/main">
+  <p:cSld>
+    <p:spTree>
+      <p:nvGrpSpPr>
+        <p:cNvPr id="1" name=""/>
+        <p:cNvGrpSpPr/>
+        <p:nvPr/>
+      </p:nvGrpSpPr>
+      <p:grpSpPr>
+        <a:xfrm>
+          <a:off x="0" y="0"/>
+          <a:ext cx="0" cy="0"/>
+          <a:chOff x="0" y="0"/>
+          <a:chExt cx="0" cy="0"/>
+        </a:xfrm>
+      </p:grpSpPr>
+      <p:sp>
+        <p:nvSpPr>
+          <p:cNvPr id="2" name="标题 1">
+            <a:extLst>
+              <a:ext uri="{FF2B5EF4-FFF2-40B4-BE49-F238E27FC236}">
                 <a16:creationId xmlns:a16="http://schemas.microsoft.com/office/drawing/2014/main" id="{17A646E0-4B78-BE4B-97C9-4D552876F760}"/>
               </a:ext>
             </a:extLst>
@@ -4172,7 +4341,7 @@
 </p:sld>
 </file>
 
-<file path=ppt/slides/slide11.xml><?xml version="1.0" encoding="utf-8"?>
+<file path=ppt/slides/slide12.xml><?xml version="1.0" encoding="utf-8"?>
 <p:sld xmlns:a="http://schemas.openxmlformats.org/drawingml/2006/main" xmlns:r="http://schemas.openxmlformats.org/officeDocument/2006/relationships" xmlns:p="http://schemas.openxmlformats.org/presentationml/2006/main">
   <p:cSld>
     <p:spTree>
@@ -5095,6 +5264,60 @@
               <a:latin typeface="SimSun" panose="02010600030101010101" pitchFamily="2" charset="-122"/>
               <a:ea typeface="SimSun" panose="02010600030101010101" pitchFamily="2" charset="-122"/>
             </a:endParaRPr>
+          </a:p>
+        </p:txBody>
+      </p:sp>
+      <p:sp>
+        <p:nvSpPr>
+          <p:cNvPr id="4" name="矩形 3">
+            <a:extLst>
+              <a:ext uri="{FF2B5EF4-FFF2-40B4-BE49-F238E27FC236}">
+                <a16:creationId xmlns:a16="http://schemas.microsoft.com/office/drawing/2014/main" id="{CA606253-3DEC-5A4B-BCCC-8C4BA07B9761}"/>
+              </a:ext>
+            </a:extLst>
+          </p:cNvPr>
+          <p:cNvSpPr/>
+          <p:nvPr/>
+        </p:nvSpPr>
+        <p:spPr>
+          <a:xfrm>
+            <a:off x="3198821" y="2858814"/>
+            <a:ext cx="3727496" cy="294290"/>
+          </a:xfrm>
+          <a:prstGeom prst="rect">
+            <a:avLst/>
+          </a:prstGeom>
+          <a:solidFill>
+            <a:schemeClr val="accent1">
+              <a:alpha val="25985"/>
+            </a:schemeClr>
+          </a:solidFill>
+          <a:ln>
+            <a:noFill/>
+          </a:ln>
+        </p:spPr>
+        <p:style>
+          <a:lnRef idx="2">
+            <a:schemeClr val="accent1">
+              <a:shade val="50000"/>
+            </a:schemeClr>
+          </a:lnRef>
+          <a:fillRef idx="1">
+            <a:schemeClr val="accent1"/>
+          </a:fillRef>
+          <a:effectRef idx="0">
+            <a:schemeClr val="accent1"/>
+          </a:effectRef>
+          <a:fontRef idx="minor">
+            <a:schemeClr val="lt1"/>
+          </a:fontRef>
+        </p:style>
+        <p:txBody>
+          <a:bodyPr rtlCol="0" anchor="ctr"/>
+          <a:lstStyle/>
+          <a:p>
+            <a:pPr algn="ctr"/>
+            <a:endParaRPr kumimoji="1" lang="zh-CN" altLang="en-US" dirty="0"/>
           </a:p>
         </p:txBody>
       </p:sp>
@@ -9055,7 +9278,7 @@
             <a:avLst/>
           </a:prstGeom>
           <a:solidFill>
-            <a:schemeClr val="accent1">
+            <a:schemeClr val="accent6">
               <a:alpha val="25985"/>
             </a:schemeClr>
           </a:solidFill>
@@ -9120,7 +9343,7 @@
             <a:r>
               <a:rPr kumimoji="1" lang="en-US" altLang="zh-CN" b="1" dirty="0">
                 <a:solidFill>
-                  <a:schemeClr val="accent1"/>
+                  <a:schemeClr val="accent6"/>
                 </a:solidFill>
                 <a:latin typeface="SimSun" panose="02010600030101010101" pitchFamily="2" charset="-122"/>
                 <a:ea typeface="SimSun" panose="02010600030101010101" pitchFamily="2" charset="-122"/>
@@ -9129,7 +9352,7 @@
             </a:r>
             <a:endParaRPr kumimoji="1" lang="zh-CN" altLang="en-US" b="1" dirty="0">
               <a:solidFill>
-                <a:schemeClr val="accent1"/>
+                <a:schemeClr val="accent6"/>
               </a:solidFill>
               <a:latin typeface="SimSun" panose="02010600030101010101" pitchFamily="2" charset="-122"/>
               <a:ea typeface="SimSun" panose="02010600030101010101" pitchFamily="2" charset="-122"/>
@@ -10431,6 +10654,66 @@
           </a:p>
         </p:txBody>
       </p:sp>
+      <p:pic>
+        <p:nvPicPr>
+          <p:cNvPr id="57" name="图片 56">
+            <a:extLst>
+              <a:ext uri="{FF2B5EF4-FFF2-40B4-BE49-F238E27FC236}">
+                <a16:creationId xmlns:a16="http://schemas.microsoft.com/office/drawing/2014/main" id="{04B0ACE5-6835-F04D-A4B7-AC9F801A809C}"/>
+              </a:ext>
+            </a:extLst>
+          </p:cNvPr>
+          <p:cNvPicPr>
+            <a:picLocks noChangeAspect="1"/>
+          </p:cNvPicPr>
+          <p:nvPr/>
+        </p:nvPicPr>
+        <p:blipFill>
+          <a:blip r:embed="rId9"/>
+          <a:stretch>
+            <a:fillRect/>
+          </a:stretch>
+        </p:blipFill>
+        <p:spPr>
+          <a:xfrm>
+            <a:off x="7848600" y="2581711"/>
+            <a:ext cx="2324100" cy="609600"/>
+          </a:xfrm>
+          <a:prstGeom prst="rect">
+            <a:avLst/>
+          </a:prstGeom>
+        </p:spPr>
+      </p:pic>
+      <p:pic>
+        <p:nvPicPr>
+          <p:cNvPr id="58" name="图片 57">
+            <a:extLst>
+              <a:ext uri="{FF2B5EF4-FFF2-40B4-BE49-F238E27FC236}">
+                <a16:creationId xmlns:a16="http://schemas.microsoft.com/office/drawing/2014/main" id="{328BF4C4-A69E-8E4D-9A78-AE23127A6433}"/>
+              </a:ext>
+            </a:extLst>
+          </p:cNvPr>
+          <p:cNvPicPr>
+            <a:picLocks noChangeAspect="1"/>
+          </p:cNvPicPr>
+          <p:nvPr/>
+        </p:nvPicPr>
+        <p:blipFill>
+          <a:blip r:embed="rId10"/>
+          <a:stretch>
+            <a:fillRect/>
+          </a:stretch>
+        </p:blipFill>
+        <p:spPr>
+          <a:xfrm>
+            <a:off x="7848600" y="4592188"/>
+            <a:ext cx="2362200" cy="635000"/>
+          </a:xfrm>
+          <a:prstGeom prst="rect">
+            <a:avLst/>
+          </a:prstGeom>
+        </p:spPr>
+      </p:pic>
     </p:spTree>
     <p:extLst>
       <p:ext uri="{BB962C8B-B14F-4D97-AF65-F5344CB8AC3E}">
@@ -10445,6 +10728,2253 @@
 </file>
 
 <file path=ppt/slides/slide8.xml><?xml version="1.0" encoding="utf-8"?>
+<p:sld xmlns:a="http://schemas.openxmlformats.org/drawingml/2006/main" xmlns:r="http://schemas.openxmlformats.org/officeDocument/2006/relationships" xmlns:p="http://schemas.openxmlformats.org/presentationml/2006/main">
+  <p:cSld>
+    <p:spTree>
+      <p:nvGrpSpPr>
+        <p:cNvPr id="1" name=""/>
+        <p:cNvGrpSpPr/>
+        <p:nvPr/>
+      </p:nvGrpSpPr>
+      <p:grpSpPr>
+        <a:xfrm>
+          <a:off x="0" y="0"/>
+          <a:ext cx="0" cy="0"/>
+          <a:chOff x="0" y="0"/>
+          <a:chExt cx="0" cy="0"/>
+        </a:xfrm>
+      </p:grpSpPr>
+      <p:pic>
+        <p:nvPicPr>
+          <p:cNvPr id="36" name="图片 35">
+            <a:extLst>
+              <a:ext uri="{FF2B5EF4-FFF2-40B4-BE49-F238E27FC236}">
+                <a16:creationId xmlns:a16="http://schemas.microsoft.com/office/drawing/2014/main" id="{1CC598C5-2DFA-824F-9302-541858511A9E}"/>
+              </a:ext>
+            </a:extLst>
+          </p:cNvPr>
+          <p:cNvPicPr>
+            <a:picLocks noChangeAspect="1"/>
+          </p:cNvPicPr>
+          <p:nvPr/>
+        </p:nvPicPr>
+        <p:blipFill>
+          <a:blip r:embed="rId3"/>
+          <a:stretch>
+            <a:fillRect/>
+          </a:stretch>
+        </p:blipFill>
+        <p:spPr>
+          <a:xfrm>
+            <a:off x="4216400" y="1335088"/>
+            <a:ext cx="3759200" cy="711200"/>
+          </a:xfrm>
+          <a:prstGeom prst="rect">
+            <a:avLst/>
+          </a:prstGeom>
+        </p:spPr>
+      </p:pic>
+      <p:pic>
+        <p:nvPicPr>
+          <p:cNvPr id="19" name="图片 18">
+            <a:extLst>
+              <a:ext uri="{FF2B5EF4-FFF2-40B4-BE49-F238E27FC236}">
+                <a16:creationId xmlns:a16="http://schemas.microsoft.com/office/drawing/2014/main" id="{A8AAAF24-025D-494E-9ED2-0E70E7DDBC97}"/>
+              </a:ext>
+            </a:extLst>
+          </p:cNvPr>
+          <p:cNvPicPr>
+            <a:picLocks noChangeAspect="1"/>
+          </p:cNvPicPr>
+          <p:nvPr/>
+        </p:nvPicPr>
+        <p:blipFill>
+          <a:blip r:embed="rId4"/>
+          <a:stretch>
+            <a:fillRect/>
+          </a:stretch>
+        </p:blipFill>
+        <p:spPr>
+          <a:xfrm>
+            <a:off x="7944428" y="2810760"/>
+            <a:ext cx="4143133" cy="410981"/>
+          </a:xfrm>
+          <a:prstGeom prst="rect">
+            <a:avLst/>
+          </a:prstGeom>
+        </p:spPr>
+      </p:pic>
+      <p:pic>
+        <p:nvPicPr>
+          <p:cNvPr id="22" name="图片 21">
+            <a:extLst>
+              <a:ext uri="{FF2B5EF4-FFF2-40B4-BE49-F238E27FC236}">
+                <a16:creationId xmlns:a16="http://schemas.microsoft.com/office/drawing/2014/main" id="{E5704313-477C-BF4C-8B00-4FFCE6365DED}"/>
+              </a:ext>
+            </a:extLst>
+          </p:cNvPr>
+          <p:cNvPicPr>
+            <a:picLocks noChangeAspect="1"/>
+          </p:cNvPicPr>
+          <p:nvPr/>
+        </p:nvPicPr>
+        <p:blipFill>
+          <a:blip r:embed="rId5"/>
+          <a:stretch>
+            <a:fillRect/>
+          </a:stretch>
+        </p:blipFill>
+        <p:spPr>
+          <a:xfrm>
+            <a:off x="7939215" y="3388449"/>
+            <a:ext cx="4081900" cy="785820"/>
+          </a:xfrm>
+          <a:prstGeom prst="rect">
+            <a:avLst/>
+          </a:prstGeom>
+        </p:spPr>
+      </p:pic>
+      <p:pic>
+        <p:nvPicPr>
+          <p:cNvPr id="73" name="图片 72">
+            <a:extLst>
+              <a:ext uri="{FF2B5EF4-FFF2-40B4-BE49-F238E27FC236}">
+                <a16:creationId xmlns:a16="http://schemas.microsoft.com/office/drawing/2014/main" id="{429728C0-AF32-6B40-8F51-18316F1BF01B}"/>
+              </a:ext>
+            </a:extLst>
+          </p:cNvPr>
+          <p:cNvPicPr>
+            <a:picLocks noChangeAspect="1"/>
+          </p:cNvPicPr>
+          <p:nvPr/>
+        </p:nvPicPr>
+        <p:blipFill>
+          <a:blip r:embed="rId6"/>
+          <a:stretch>
+            <a:fillRect/>
+          </a:stretch>
+        </p:blipFill>
+        <p:spPr>
+          <a:xfrm>
+            <a:off x="8320497" y="4428030"/>
+            <a:ext cx="3263900" cy="889000"/>
+          </a:xfrm>
+          <a:prstGeom prst="rect">
+            <a:avLst/>
+          </a:prstGeom>
+        </p:spPr>
+      </p:pic>
+      <p:pic>
+        <p:nvPicPr>
+          <p:cNvPr id="74" name="图片 73">
+            <a:extLst>
+              <a:ext uri="{FF2B5EF4-FFF2-40B4-BE49-F238E27FC236}">
+                <a16:creationId xmlns:a16="http://schemas.microsoft.com/office/drawing/2014/main" id="{2099BEEC-24E6-F247-8EAE-E23056F22475}"/>
+              </a:ext>
+            </a:extLst>
+          </p:cNvPr>
+          <p:cNvPicPr>
+            <a:picLocks noChangeAspect="1"/>
+          </p:cNvPicPr>
+          <p:nvPr/>
+        </p:nvPicPr>
+        <p:blipFill>
+          <a:blip r:embed="rId7"/>
+          <a:stretch>
+            <a:fillRect/>
+          </a:stretch>
+        </p:blipFill>
+        <p:spPr>
+          <a:xfrm>
+            <a:off x="8060194" y="5295814"/>
+            <a:ext cx="3911600" cy="850900"/>
+          </a:xfrm>
+          <a:prstGeom prst="rect">
+            <a:avLst/>
+          </a:prstGeom>
+        </p:spPr>
+      </p:pic>
+      <p:sp>
+        <p:nvSpPr>
+          <p:cNvPr id="69" name="矩形 68">
+            <a:extLst>
+              <a:ext uri="{FF2B5EF4-FFF2-40B4-BE49-F238E27FC236}">
+                <a16:creationId xmlns:a16="http://schemas.microsoft.com/office/drawing/2014/main" id="{82E46AEF-6075-A345-89A1-4180F48DEE33}"/>
+              </a:ext>
+            </a:extLst>
+          </p:cNvPr>
+          <p:cNvSpPr/>
+          <p:nvPr/>
+        </p:nvSpPr>
+        <p:spPr>
+          <a:xfrm>
+            <a:off x="7908599" y="1403429"/>
+            <a:ext cx="4143133" cy="5165531"/>
+          </a:xfrm>
+          <a:prstGeom prst="rect">
+            <a:avLst/>
+          </a:prstGeom>
+          <a:solidFill>
+            <a:schemeClr val="accent1">
+              <a:alpha val="25985"/>
+            </a:schemeClr>
+          </a:solidFill>
+          <a:ln>
+            <a:noFill/>
+          </a:ln>
+        </p:spPr>
+        <p:style>
+          <a:lnRef idx="2">
+            <a:schemeClr val="accent1">
+              <a:shade val="50000"/>
+            </a:schemeClr>
+          </a:lnRef>
+          <a:fillRef idx="1">
+            <a:schemeClr val="accent1"/>
+          </a:fillRef>
+          <a:effectRef idx="0">
+            <a:schemeClr val="accent1"/>
+          </a:effectRef>
+          <a:fontRef idx="minor">
+            <a:schemeClr val="lt1"/>
+          </a:fontRef>
+        </p:style>
+        <p:txBody>
+          <a:bodyPr rtlCol="0" anchor="ctr"/>
+          <a:lstStyle/>
+          <a:p>
+            <a:pPr algn="ctr"/>
+            <a:endParaRPr kumimoji="1" lang="zh-CN" altLang="en-US" dirty="0"/>
+          </a:p>
+        </p:txBody>
+      </p:sp>
+      <p:sp>
+        <p:nvSpPr>
+          <p:cNvPr id="2" name="标题 1">
+            <a:extLst>
+              <a:ext uri="{FF2B5EF4-FFF2-40B4-BE49-F238E27FC236}">
+                <a16:creationId xmlns:a16="http://schemas.microsoft.com/office/drawing/2014/main" id="{BE090F5F-9C22-FD48-93EE-F0C2DB7A8203}"/>
+              </a:ext>
+            </a:extLst>
+          </p:cNvPr>
+          <p:cNvSpPr>
+            <a:spLocks noGrp="1"/>
+          </p:cNvSpPr>
+          <p:nvPr>
+            <p:ph type="title"/>
+          </p:nvPr>
+        </p:nvSpPr>
+        <p:spPr/>
+        <p:txBody>
+          <a:bodyPr/>
+          <a:lstStyle/>
+          <a:p>
+            <a:r>
+              <a:rPr kumimoji="1" lang="en-US" altLang="zh-CN" dirty="0"/>
+              <a:t>Channel model 3 (Angular Domain)</a:t>
+            </a:r>
+            <a:endParaRPr kumimoji="1" lang="zh-CN" altLang="en-US" dirty="0"/>
+          </a:p>
+        </p:txBody>
+      </p:sp>
+      <p:grpSp>
+        <p:nvGrpSpPr>
+          <p:cNvPr id="23" name="组合 22">
+            <a:extLst>
+              <a:ext uri="{FF2B5EF4-FFF2-40B4-BE49-F238E27FC236}">
+                <a16:creationId xmlns:a16="http://schemas.microsoft.com/office/drawing/2014/main" id="{D6FB9412-3CE3-C449-B3EE-85F5A74D86D8}"/>
+              </a:ext>
+            </a:extLst>
+          </p:cNvPr>
+          <p:cNvGrpSpPr/>
+          <p:nvPr/>
+        </p:nvGrpSpPr>
+        <p:grpSpPr>
+          <a:xfrm>
+            <a:off x="492044" y="4458510"/>
+            <a:ext cx="2208270" cy="221209"/>
+            <a:chOff x="3512633" y="4714671"/>
+            <a:chExt cx="2208270" cy="221209"/>
+          </a:xfrm>
+        </p:grpSpPr>
+        <p:cxnSp>
+          <p:nvCxnSpPr>
+            <p:cNvPr id="24" name="直线连接符 23">
+              <a:extLst>
+                <a:ext uri="{FF2B5EF4-FFF2-40B4-BE49-F238E27FC236}">
+                  <a16:creationId xmlns:a16="http://schemas.microsoft.com/office/drawing/2014/main" id="{8FB02344-6D03-1643-B3A7-96122B680E60}"/>
+                </a:ext>
+              </a:extLst>
+            </p:cNvPr>
+            <p:cNvCxnSpPr/>
+            <p:nvPr/>
+          </p:nvCxnSpPr>
+          <p:spPr>
+            <a:xfrm>
+              <a:off x="3512633" y="4935879"/>
+              <a:ext cx="2051825" cy="0"/>
+            </a:xfrm>
+            <a:prstGeom prst="line">
+              <a:avLst/>
+            </a:prstGeom>
+            <a:ln w="19050">
+              <a:solidFill>
+                <a:schemeClr val="tx1"/>
+              </a:solidFill>
+            </a:ln>
+          </p:spPr>
+          <p:style>
+            <a:lnRef idx="1">
+              <a:schemeClr val="accent1"/>
+            </a:lnRef>
+            <a:fillRef idx="0">
+              <a:schemeClr val="accent1"/>
+            </a:fillRef>
+            <a:effectRef idx="0">
+              <a:schemeClr val="accent1"/>
+            </a:effectRef>
+            <a:fontRef idx="minor">
+              <a:schemeClr val="tx1"/>
+            </a:fontRef>
+          </p:style>
+        </p:cxnSp>
+        <p:cxnSp>
+          <p:nvCxnSpPr>
+            <p:cNvPr id="25" name="直线连接符 24">
+              <a:extLst>
+                <a:ext uri="{FF2B5EF4-FFF2-40B4-BE49-F238E27FC236}">
+                  <a16:creationId xmlns:a16="http://schemas.microsoft.com/office/drawing/2014/main" id="{4AA4D31A-6111-5F45-A8F9-F454DE60C1DA}"/>
+                </a:ext>
+              </a:extLst>
+            </p:cNvPr>
+            <p:cNvCxnSpPr>
+              <a:cxnSpLocks/>
+            </p:cNvCxnSpPr>
+            <p:nvPr/>
+          </p:nvCxnSpPr>
+          <p:spPr>
+            <a:xfrm flipV="1">
+              <a:off x="3512633" y="4714672"/>
+              <a:ext cx="164422" cy="221208"/>
+            </a:xfrm>
+            <a:prstGeom prst="line">
+              <a:avLst/>
+            </a:prstGeom>
+            <a:ln w="19050">
+              <a:solidFill>
+                <a:schemeClr val="tx1"/>
+              </a:solidFill>
+            </a:ln>
+          </p:spPr>
+          <p:style>
+            <a:lnRef idx="1">
+              <a:schemeClr val="accent1"/>
+            </a:lnRef>
+            <a:fillRef idx="0">
+              <a:schemeClr val="accent1"/>
+            </a:fillRef>
+            <a:effectRef idx="0">
+              <a:schemeClr val="accent1"/>
+            </a:effectRef>
+            <a:fontRef idx="minor">
+              <a:schemeClr val="tx1"/>
+            </a:fontRef>
+          </p:style>
+        </p:cxnSp>
+        <p:cxnSp>
+          <p:nvCxnSpPr>
+            <p:cNvPr id="26" name="直线连接符 25">
+              <a:extLst>
+                <a:ext uri="{FF2B5EF4-FFF2-40B4-BE49-F238E27FC236}">
+                  <a16:creationId xmlns:a16="http://schemas.microsoft.com/office/drawing/2014/main" id="{8A25E121-F243-5C42-A454-A70BB740E8FE}"/>
+                </a:ext>
+              </a:extLst>
+            </p:cNvPr>
+            <p:cNvCxnSpPr>
+              <a:cxnSpLocks/>
+            </p:cNvCxnSpPr>
+            <p:nvPr/>
+          </p:nvCxnSpPr>
+          <p:spPr>
+            <a:xfrm flipV="1">
+              <a:off x="3809412" y="4714672"/>
+              <a:ext cx="164422" cy="221208"/>
+            </a:xfrm>
+            <a:prstGeom prst="line">
+              <a:avLst/>
+            </a:prstGeom>
+            <a:ln w="19050">
+              <a:solidFill>
+                <a:schemeClr val="tx1"/>
+              </a:solidFill>
+            </a:ln>
+          </p:spPr>
+          <p:style>
+            <a:lnRef idx="1">
+              <a:schemeClr val="accent1"/>
+            </a:lnRef>
+            <a:fillRef idx="0">
+              <a:schemeClr val="accent1"/>
+            </a:fillRef>
+            <a:effectRef idx="0">
+              <a:schemeClr val="accent1"/>
+            </a:effectRef>
+            <a:fontRef idx="minor">
+              <a:schemeClr val="tx1"/>
+            </a:fontRef>
+          </p:style>
+        </p:cxnSp>
+        <p:cxnSp>
+          <p:nvCxnSpPr>
+            <p:cNvPr id="27" name="直线连接符 26">
+              <a:extLst>
+                <a:ext uri="{FF2B5EF4-FFF2-40B4-BE49-F238E27FC236}">
+                  <a16:creationId xmlns:a16="http://schemas.microsoft.com/office/drawing/2014/main" id="{687D59D9-101B-0040-81F6-836A23F4C5BF}"/>
+                </a:ext>
+              </a:extLst>
+            </p:cNvPr>
+            <p:cNvCxnSpPr>
+              <a:cxnSpLocks/>
+            </p:cNvCxnSpPr>
+            <p:nvPr/>
+          </p:nvCxnSpPr>
+          <p:spPr>
+            <a:xfrm flipV="1">
+              <a:off x="4106191" y="4714671"/>
+              <a:ext cx="164422" cy="221208"/>
+            </a:xfrm>
+            <a:prstGeom prst="line">
+              <a:avLst/>
+            </a:prstGeom>
+            <a:ln w="19050">
+              <a:solidFill>
+                <a:schemeClr val="tx1"/>
+              </a:solidFill>
+            </a:ln>
+          </p:spPr>
+          <p:style>
+            <a:lnRef idx="1">
+              <a:schemeClr val="accent1"/>
+            </a:lnRef>
+            <a:fillRef idx="0">
+              <a:schemeClr val="accent1"/>
+            </a:fillRef>
+            <a:effectRef idx="0">
+              <a:schemeClr val="accent1"/>
+            </a:effectRef>
+            <a:fontRef idx="minor">
+              <a:schemeClr val="tx1"/>
+            </a:fontRef>
+          </p:style>
+        </p:cxnSp>
+        <p:grpSp>
+          <p:nvGrpSpPr>
+            <p:cNvPr id="28" name="组合 27">
+              <a:extLst>
+                <a:ext uri="{FF2B5EF4-FFF2-40B4-BE49-F238E27FC236}">
+                  <a16:creationId xmlns:a16="http://schemas.microsoft.com/office/drawing/2014/main" id="{0302FF78-8483-BA42-87C2-7EE11DF37413}"/>
+                </a:ext>
+              </a:extLst>
+            </p:cNvPr>
+            <p:cNvGrpSpPr/>
+            <p:nvPr/>
+          </p:nvGrpSpPr>
+          <p:grpSpPr>
+            <a:xfrm>
+              <a:off x="4589461" y="4802630"/>
+              <a:ext cx="359370" cy="45719"/>
+              <a:chOff x="4432434" y="4817419"/>
+              <a:chExt cx="359370" cy="45719"/>
+            </a:xfrm>
+          </p:grpSpPr>
+          <p:sp>
+            <p:nvSpPr>
+              <p:cNvPr id="30" name="椭圆 29">
+                <a:extLst>
+                  <a:ext uri="{FF2B5EF4-FFF2-40B4-BE49-F238E27FC236}">
+                    <a16:creationId xmlns:a16="http://schemas.microsoft.com/office/drawing/2014/main" id="{40A17CB1-9A00-364F-9A9F-C7553394A2EA}"/>
+                  </a:ext>
+                </a:extLst>
+              </p:cNvPr>
+              <p:cNvSpPr/>
+              <p:nvPr/>
+            </p:nvSpPr>
+            <p:spPr>
+              <a:xfrm>
+                <a:off x="4432434" y="4817419"/>
+                <a:ext cx="45719" cy="45719"/>
+              </a:xfrm>
+              <a:prstGeom prst="ellipse">
+                <a:avLst/>
+              </a:prstGeom>
+              <a:solidFill>
+                <a:schemeClr val="tx1"/>
+              </a:solidFill>
+              <a:ln>
+                <a:noFill/>
+              </a:ln>
+            </p:spPr>
+            <p:style>
+              <a:lnRef idx="2">
+                <a:schemeClr val="accent1">
+                  <a:shade val="50000"/>
+                </a:schemeClr>
+              </a:lnRef>
+              <a:fillRef idx="1">
+                <a:schemeClr val="accent1"/>
+              </a:fillRef>
+              <a:effectRef idx="0">
+                <a:schemeClr val="accent1"/>
+              </a:effectRef>
+              <a:fontRef idx="minor">
+                <a:schemeClr val="lt1"/>
+              </a:fontRef>
+            </p:style>
+            <p:txBody>
+              <a:bodyPr rtlCol="0" anchor="ctr"/>
+              <a:lstStyle/>
+              <a:p>
+                <a:pPr algn="ctr"/>
+                <a:endParaRPr kumimoji="1" lang="zh-CN" altLang="en-US"/>
+              </a:p>
+            </p:txBody>
+          </p:sp>
+          <p:sp>
+            <p:nvSpPr>
+              <p:cNvPr id="31" name="椭圆 30">
+                <a:extLst>
+                  <a:ext uri="{FF2B5EF4-FFF2-40B4-BE49-F238E27FC236}">
+                    <a16:creationId xmlns:a16="http://schemas.microsoft.com/office/drawing/2014/main" id="{DC7D61EB-E824-2842-B8C6-94EBEA60112C}"/>
+                  </a:ext>
+                </a:extLst>
+              </p:cNvPr>
+              <p:cNvSpPr/>
+              <p:nvPr/>
+            </p:nvSpPr>
+            <p:spPr>
+              <a:xfrm>
+                <a:off x="4538545" y="4817419"/>
+                <a:ext cx="45719" cy="45719"/>
+              </a:xfrm>
+              <a:prstGeom prst="ellipse">
+                <a:avLst/>
+              </a:prstGeom>
+              <a:solidFill>
+                <a:schemeClr val="tx1"/>
+              </a:solidFill>
+              <a:ln>
+                <a:noFill/>
+              </a:ln>
+            </p:spPr>
+            <p:style>
+              <a:lnRef idx="2">
+                <a:schemeClr val="accent1">
+                  <a:shade val="50000"/>
+                </a:schemeClr>
+              </a:lnRef>
+              <a:fillRef idx="1">
+                <a:schemeClr val="accent1"/>
+              </a:fillRef>
+              <a:effectRef idx="0">
+                <a:schemeClr val="accent1"/>
+              </a:effectRef>
+              <a:fontRef idx="minor">
+                <a:schemeClr val="lt1"/>
+              </a:fontRef>
+            </p:style>
+            <p:txBody>
+              <a:bodyPr rtlCol="0" anchor="ctr"/>
+              <a:lstStyle/>
+              <a:p>
+                <a:pPr algn="ctr"/>
+                <a:endParaRPr kumimoji="1" lang="zh-CN" altLang="en-US"/>
+              </a:p>
+            </p:txBody>
+          </p:sp>
+          <p:sp>
+            <p:nvSpPr>
+              <p:cNvPr id="32" name="椭圆 31">
+                <a:extLst>
+                  <a:ext uri="{FF2B5EF4-FFF2-40B4-BE49-F238E27FC236}">
+                    <a16:creationId xmlns:a16="http://schemas.microsoft.com/office/drawing/2014/main" id="{4BDBEB18-63A8-A346-8086-5809EC3151A0}"/>
+                  </a:ext>
+                </a:extLst>
+              </p:cNvPr>
+              <p:cNvSpPr/>
+              <p:nvPr/>
+            </p:nvSpPr>
+            <p:spPr>
+              <a:xfrm>
+                <a:off x="4639974" y="4817419"/>
+                <a:ext cx="45719" cy="45719"/>
+              </a:xfrm>
+              <a:prstGeom prst="ellipse">
+                <a:avLst/>
+              </a:prstGeom>
+              <a:solidFill>
+                <a:schemeClr val="tx1"/>
+              </a:solidFill>
+              <a:ln>
+                <a:noFill/>
+              </a:ln>
+            </p:spPr>
+            <p:style>
+              <a:lnRef idx="2">
+                <a:schemeClr val="accent1">
+                  <a:shade val="50000"/>
+                </a:schemeClr>
+              </a:lnRef>
+              <a:fillRef idx="1">
+                <a:schemeClr val="accent1"/>
+              </a:fillRef>
+              <a:effectRef idx="0">
+                <a:schemeClr val="accent1"/>
+              </a:effectRef>
+              <a:fontRef idx="minor">
+                <a:schemeClr val="lt1"/>
+              </a:fontRef>
+            </p:style>
+            <p:txBody>
+              <a:bodyPr rtlCol="0" anchor="ctr"/>
+              <a:lstStyle/>
+              <a:p>
+                <a:pPr algn="ctr"/>
+                <a:endParaRPr kumimoji="1" lang="zh-CN" altLang="en-US"/>
+              </a:p>
+            </p:txBody>
+          </p:sp>
+          <p:sp>
+            <p:nvSpPr>
+              <p:cNvPr id="33" name="椭圆 32">
+                <a:extLst>
+                  <a:ext uri="{FF2B5EF4-FFF2-40B4-BE49-F238E27FC236}">
+                    <a16:creationId xmlns:a16="http://schemas.microsoft.com/office/drawing/2014/main" id="{552A650D-7C21-464B-A5BF-082939815CC6}"/>
+                  </a:ext>
+                </a:extLst>
+              </p:cNvPr>
+              <p:cNvSpPr/>
+              <p:nvPr/>
+            </p:nvSpPr>
+            <p:spPr>
+              <a:xfrm>
+                <a:off x="4746085" y="4817419"/>
+                <a:ext cx="45719" cy="45719"/>
+              </a:xfrm>
+              <a:prstGeom prst="ellipse">
+                <a:avLst/>
+              </a:prstGeom>
+              <a:solidFill>
+                <a:schemeClr val="tx1"/>
+              </a:solidFill>
+              <a:ln>
+                <a:noFill/>
+              </a:ln>
+            </p:spPr>
+            <p:style>
+              <a:lnRef idx="2">
+                <a:schemeClr val="accent1">
+                  <a:shade val="50000"/>
+                </a:schemeClr>
+              </a:lnRef>
+              <a:fillRef idx="1">
+                <a:schemeClr val="accent1"/>
+              </a:fillRef>
+              <a:effectRef idx="0">
+                <a:schemeClr val="accent1"/>
+              </a:effectRef>
+              <a:fontRef idx="minor">
+                <a:schemeClr val="lt1"/>
+              </a:fontRef>
+            </p:style>
+            <p:txBody>
+              <a:bodyPr rtlCol="0" anchor="ctr"/>
+              <a:lstStyle/>
+              <a:p>
+                <a:pPr algn="ctr"/>
+                <a:endParaRPr kumimoji="1" lang="zh-CN" altLang="en-US"/>
+              </a:p>
+            </p:txBody>
+          </p:sp>
+        </p:grpSp>
+        <p:cxnSp>
+          <p:nvCxnSpPr>
+            <p:cNvPr id="29" name="直线连接符 28">
+              <a:extLst>
+                <a:ext uri="{FF2B5EF4-FFF2-40B4-BE49-F238E27FC236}">
+                  <a16:creationId xmlns:a16="http://schemas.microsoft.com/office/drawing/2014/main" id="{8A2DA7AA-EEE2-C142-8644-F54B63F1EBB8}"/>
+                </a:ext>
+              </a:extLst>
+            </p:cNvPr>
+            <p:cNvCxnSpPr>
+              <a:cxnSpLocks/>
+            </p:cNvCxnSpPr>
+            <p:nvPr/>
+          </p:nvCxnSpPr>
+          <p:spPr>
+            <a:xfrm flipV="1">
+              <a:off x="5556481" y="4714671"/>
+              <a:ext cx="164422" cy="221208"/>
+            </a:xfrm>
+            <a:prstGeom prst="line">
+              <a:avLst/>
+            </a:prstGeom>
+            <a:ln w="19050">
+              <a:solidFill>
+                <a:schemeClr val="tx1"/>
+              </a:solidFill>
+            </a:ln>
+          </p:spPr>
+          <p:style>
+            <a:lnRef idx="1">
+              <a:schemeClr val="accent1"/>
+            </a:lnRef>
+            <a:fillRef idx="0">
+              <a:schemeClr val="accent1"/>
+            </a:fillRef>
+            <a:effectRef idx="0">
+              <a:schemeClr val="accent1"/>
+            </a:effectRef>
+            <a:fontRef idx="minor">
+              <a:schemeClr val="tx1"/>
+            </a:fontRef>
+          </p:style>
+        </p:cxnSp>
+      </p:grpSp>
+      <p:sp>
+        <p:nvSpPr>
+          <p:cNvPr id="8" name="文本框 7">
+            <a:extLst>
+              <a:ext uri="{FF2B5EF4-FFF2-40B4-BE49-F238E27FC236}">
+                <a16:creationId xmlns:a16="http://schemas.microsoft.com/office/drawing/2014/main" id="{8613DCA6-3B53-1848-BCDA-1BDEA9770A76}"/>
+              </a:ext>
+            </a:extLst>
+          </p:cNvPr>
+          <p:cNvSpPr txBox="1"/>
+          <p:nvPr/>
+        </p:nvSpPr>
+        <p:spPr>
+          <a:xfrm>
+            <a:off x="540442" y="1593552"/>
+            <a:ext cx="2111475" cy="369332"/>
+          </a:xfrm>
+          <a:prstGeom prst="rect">
+            <a:avLst/>
+          </a:prstGeom>
+          <a:noFill/>
+        </p:spPr>
+        <p:txBody>
+          <a:bodyPr wrap="none" rtlCol="0">
+            <a:spAutoFit/>
+          </a:bodyPr>
+          <a:lstStyle/>
+          <a:p>
+            <a:r>
+              <a:rPr kumimoji="1" lang="en-US" altLang="zh-CN" dirty="0">
+                <a:latin typeface="Times New Roman" panose="02020603050405020304" pitchFamily="18" charset="0"/>
+                <a:cs typeface="Times New Roman" panose="02020603050405020304" pitchFamily="18" charset="0"/>
+              </a:rPr>
+              <a:t>ULA</a:t>
+            </a:r>
+            <a:r>
+              <a:rPr kumimoji="1" lang="zh-CN" altLang="en-US" dirty="0">
+                <a:latin typeface="Times New Roman" panose="02020603050405020304" pitchFamily="18" charset="0"/>
+                <a:cs typeface="Times New Roman" panose="02020603050405020304" pitchFamily="18" charset="0"/>
+              </a:rPr>
+              <a:t> </a:t>
+            </a:r>
+            <a:r>
+              <a:rPr kumimoji="1" lang="en-US" altLang="zh-CN" dirty="0">
+                <a:latin typeface="Times New Roman" panose="02020603050405020304" pitchFamily="18" charset="0"/>
+                <a:cs typeface="Times New Roman" panose="02020603050405020304" pitchFamily="18" charset="0"/>
+              </a:rPr>
+              <a:t>array</a:t>
+            </a:r>
+            <a:r>
+              <a:rPr kumimoji="1" lang="zh-CN" altLang="en-US" dirty="0">
+                <a:latin typeface="Times New Roman" panose="02020603050405020304" pitchFamily="18" charset="0"/>
+                <a:cs typeface="Times New Roman" panose="02020603050405020304" pitchFamily="18" charset="0"/>
+              </a:rPr>
+              <a:t> </a:t>
+            </a:r>
+            <a:r>
+              <a:rPr kumimoji="1" lang="en-US" altLang="zh-CN" dirty="0">
+                <a:latin typeface="Times New Roman" panose="02020603050405020304" pitchFamily="18" charset="0"/>
+                <a:cs typeface="Times New Roman" panose="02020603050405020304" pitchFamily="18" charset="0"/>
+              </a:rPr>
+              <a:t>response</a:t>
+            </a:r>
+            <a:endParaRPr kumimoji="1" lang="zh-CN" altLang="en-US" dirty="0">
+              <a:latin typeface="Times New Roman" panose="02020603050405020304" pitchFamily="18" charset="0"/>
+              <a:cs typeface="Times New Roman" panose="02020603050405020304" pitchFamily="18" charset="0"/>
+            </a:endParaRPr>
+          </a:p>
+        </p:txBody>
+      </p:sp>
+      <p:cxnSp>
+        <p:nvCxnSpPr>
+          <p:cNvPr id="35" name="直线箭头连接符 34">
+            <a:extLst>
+              <a:ext uri="{FF2B5EF4-FFF2-40B4-BE49-F238E27FC236}">
+                <a16:creationId xmlns:a16="http://schemas.microsoft.com/office/drawing/2014/main" id="{FD41E409-24D8-9746-A5AE-3F257677E7B7}"/>
+              </a:ext>
+            </a:extLst>
+          </p:cNvPr>
+          <p:cNvCxnSpPr>
+            <a:cxnSpLocks/>
+          </p:cNvCxnSpPr>
+          <p:nvPr/>
+        </p:nvCxnSpPr>
+        <p:spPr>
+          <a:xfrm>
+            <a:off x="520891" y="3039431"/>
+            <a:ext cx="1001807" cy="1445157"/>
+          </a:xfrm>
+          <a:prstGeom prst="straightConnector1">
+            <a:avLst/>
+          </a:prstGeom>
+          <a:ln w="28575">
+            <a:tailEnd type="triangle"/>
+          </a:ln>
+        </p:spPr>
+        <p:style>
+          <a:lnRef idx="1">
+            <a:schemeClr val="accent1"/>
+          </a:lnRef>
+          <a:fillRef idx="0">
+            <a:schemeClr val="accent1"/>
+          </a:fillRef>
+          <a:effectRef idx="0">
+            <a:schemeClr val="accent1"/>
+          </a:effectRef>
+          <a:fontRef idx="minor">
+            <a:schemeClr val="tx1"/>
+          </a:fontRef>
+        </p:style>
+      </p:cxnSp>
+      <p:cxnSp>
+        <p:nvCxnSpPr>
+          <p:cNvPr id="38" name="直线箭头连接符 37">
+            <a:extLst>
+              <a:ext uri="{FF2B5EF4-FFF2-40B4-BE49-F238E27FC236}">
+                <a16:creationId xmlns:a16="http://schemas.microsoft.com/office/drawing/2014/main" id="{FA10339B-37B4-FD4C-96F0-AA60BD6A13FE}"/>
+              </a:ext>
+            </a:extLst>
+          </p:cNvPr>
+          <p:cNvCxnSpPr>
+            <a:cxnSpLocks/>
+          </p:cNvCxnSpPr>
+          <p:nvPr/>
+        </p:nvCxnSpPr>
+        <p:spPr>
+          <a:xfrm>
+            <a:off x="1517956" y="2779776"/>
+            <a:ext cx="1" cy="1688649"/>
+          </a:xfrm>
+          <a:prstGeom prst="straightConnector1">
+            <a:avLst/>
+          </a:prstGeom>
+          <a:ln w="28575">
+            <a:solidFill>
+              <a:schemeClr val="tx1"/>
+            </a:solidFill>
+            <a:prstDash val="sysDot"/>
+            <a:tailEnd type="none"/>
+          </a:ln>
+        </p:spPr>
+        <p:style>
+          <a:lnRef idx="1">
+            <a:schemeClr val="accent1"/>
+          </a:lnRef>
+          <a:fillRef idx="0">
+            <a:schemeClr val="accent1"/>
+          </a:fillRef>
+          <a:effectRef idx="0">
+            <a:schemeClr val="accent1"/>
+          </a:effectRef>
+          <a:fontRef idx="minor">
+            <a:schemeClr val="tx1"/>
+          </a:fontRef>
+        </p:style>
+      </p:cxnSp>
+      <p:sp>
+        <p:nvSpPr>
+          <p:cNvPr id="41" name="弧 40">
+            <a:extLst>
+              <a:ext uri="{FF2B5EF4-FFF2-40B4-BE49-F238E27FC236}">
+                <a16:creationId xmlns:a16="http://schemas.microsoft.com/office/drawing/2014/main" id="{FBFE55D7-CAAA-5743-95E0-35F34F2245F3}"/>
+              </a:ext>
+            </a:extLst>
+          </p:cNvPr>
+          <p:cNvSpPr/>
+          <p:nvPr/>
+        </p:nvSpPr>
+        <p:spPr>
+          <a:xfrm rot="8720844">
+            <a:off x="5009375" y="2440317"/>
+            <a:ext cx="420829" cy="451379"/>
+          </a:xfrm>
+          <a:prstGeom prst="arc">
+            <a:avLst>
+              <a:gd name="adj1" fmla="val 17314412"/>
+              <a:gd name="adj2" fmla="val 20661465"/>
+            </a:avLst>
+          </a:prstGeom>
+          <a:ln w="22225"/>
+        </p:spPr>
+        <p:style>
+          <a:lnRef idx="1">
+            <a:schemeClr val="accent1"/>
+          </a:lnRef>
+          <a:fillRef idx="0">
+            <a:schemeClr val="accent1"/>
+          </a:fillRef>
+          <a:effectRef idx="0">
+            <a:schemeClr val="accent1"/>
+          </a:effectRef>
+          <a:fontRef idx="minor">
+            <a:schemeClr val="tx1"/>
+          </a:fontRef>
+        </p:style>
+        <p:txBody>
+          <a:bodyPr rtlCol="0" anchor="ctr"/>
+          <a:lstStyle/>
+          <a:p>
+            <a:pPr algn="ctr"/>
+            <a:endParaRPr kumimoji="1" lang="zh-CN" altLang="en-US"/>
+          </a:p>
+        </p:txBody>
+      </p:sp>
+      <p:pic>
+        <p:nvPicPr>
+          <p:cNvPr id="44" name="图片 43">
+            <a:extLst>
+              <a:ext uri="{FF2B5EF4-FFF2-40B4-BE49-F238E27FC236}">
+                <a16:creationId xmlns:a16="http://schemas.microsoft.com/office/drawing/2014/main" id="{4D5B9914-8CD1-F14A-AC93-7383CA8FBAE5}"/>
+              </a:ext>
+            </a:extLst>
+          </p:cNvPr>
+          <p:cNvPicPr>
+            <a:picLocks noChangeAspect="1"/>
+          </p:cNvPicPr>
+          <p:nvPr/>
+        </p:nvPicPr>
+        <p:blipFill>
+          <a:blip r:embed="rId8"/>
+          <a:stretch>
+            <a:fillRect/>
+          </a:stretch>
+        </p:blipFill>
+        <p:spPr>
+          <a:xfrm>
+            <a:off x="574255" y="4803481"/>
+            <a:ext cx="1562100" cy="558800"/>
+          </a:xfrm>
+          <a:prstGeom prst="rect">
+            <a:avLst/>
+          </a:prstGeom>
+        </p:spPr>
+      </p:pic>
+      <p:pic>
+        <p:nvPicPr>
+          <p:cNvPr id="46" name="图片 45">
+            <a:extLst>
+              <a:ext uri="{FF2B5EF4-FFF2-40B4-BE49-F238E27FC236}">
+                <a16:creationId xmlns:a16="http://schemas.microsoft.com/office/drawing/2014/main" id="{917BB7CE-D8FB-154A-92B5-88CCFFF7A809}"/>
+              </a:ext>
+            </a:extLst>
+          </p:cNvPr>
+          <p:cNvPicPr>
+            <a:picLocks noChangeAspect="1"/>
+          </p:cNvPicPr>
+          <p:nvPr/>
+        </p:nvPicPr>
+        <p:blipFill>
+          <a:blip r:embed="rId9"/>
+          <a:stretch>
+            <a:fillRect/>
+          </a:stretch>
+        </p:blipFill>
+        <p:spPr>
+          <a:xfrm>
+            <a:off x="5014807" y="2954974"/>
+            <a:ext cx="176779" cy="315127"/>
+          </a:xfrm>
+          <a:prstGeom prst="rect">
+            <a:avLst/>
+          </a:prstGeom>
+        </p:spPr>
+      </p:pic>
+      <p:pic>
+        <p:nvPicPr>
+          <p:cNvPr id="47" name="图片 46">
+            <a:extLst>
+              <a:ext uri="{FF2B5EF4-FFF2-40B4-BE49-F238E27FC236}">
+                <a16:creationId xmlns:a16="http://schemas.microsoft.com/office/drawing/2014/main" id="{D827BC77-3BDD-C94D-985A-FE1117539EB7}"/>
+              </a:ext>
+            </a:extLst>
+          </p:cNvPr>
+          <p:cNvPicPr>
+            <a:picLocks noChangeAspect="1"/>
+          </p:cNvPicPr>
+          <p:nvPr/>
+        </p:nvPicPr>
+        <p:blipFill>
+          <a:blip r:embed="rId3"/>
+          <a:stretch>
+            <a:fillRect/>
+          </a:stretch>
+        </p:blipFill>
+        <p:spPr>
+          <a:xfrm>
+            <a:off x="198389" y="5317030"/>
+            <a:ext cx="3759200" cy="711200"/>
+          </a:xfrm>
+          <a:prstGeom prst="rect">
+            <a:avLst/>
+          </a:prstGeom>
+        </p:spPr>
+      </p:pic>
+      <p:pic>
+        <p:nvPicPr>
+          <p:cNvPr id="48" name="图片 47">
+            <a:extLst>
+              <a:ext uri="{FF2B5EF4-FFF2-40B4-BE49-F238E27FC236}">
+                <a16:creationId xmlns:a16="http://schemas.microsoft.com/office/drawing/2014/main" id="{CCFF6082-0FD5-EA4E-8DBB-88A6E4143B05}"/>
+              </a:ext>
+            </a:extLst>
+          </p:cNvPr>
+          <p:cNvPicPr>
+            <a:picLocks noChangeAspect="1"/>
+          </p:cNvPicPr>
+          <p:nvPr/>
+        </p:nvPicPr>
+        <p:blipFill>
+          <a:blip r:embed="rId10"/>
+          <a:stretch>
+            <a:fillRect/>
+          </a:stretch>
+        </p:blipFill>
+        <p:spPr>
+          <a:xfrm>
+            <a:off x="830072" y="5940884"/>
+            <a:ext cx="2108200" cy="457200"/>
+          </a:xfrm>
+          <a:prstGeom prst="rect">
+            <a:avLst/>
+          </a:prstGeom>
+        </p:spPr>
+      </p:pic>
+      <p:sp>
+        <p:nvSpPr>
+          <p:cNvPr id="3" name="文本框 2">
+            <a:extLst>
+              <a:ext uri="{FF2B5EF4-FFF2-40B4-BE49-F238E27FC236}">
+                <a16:creationId xmlns:a16="http://schemas.microsoft.com/office/drawing/2014/main" id="{003AFF40-3986-EE46-B468-035918E8D907}"/>
+              </a:ext>
+            </a:extLst>
+          </p:cNvPr>
+          <p:cNvSpPr txBox="1"/>
+          <p:nvPr/>
+        </p:nvSpPr>
+        <p:spPr>
+          <a:xfrm>
+            <a:off x="8107957" y="1389741"/>
+            <a:ext cx="3759200" cy="1754326"/>
+          </a:xfrm>
+          <a:prstGeom prst="rect">
+            <a:avLst/>
+          </a:prstGeom>
+          <a:noFill/>
+        </p:spPr>
+        <p:txBody>
+          <a:bodyPr wrap="square" rtlCol="0">
+            <a:spAutoFit/>
+          </a:bodyPr>
+          <a:lstStyle/>
+          <a:p>
+            <a:r>
+              <a:rPr kumimoji="1" lang="en" altLang="zh-CN" dirty="0">
+                <a:latin typeface="Times New Roman" panose="02020603050405020304" pitchFamily="18" charset="0"/>
+                <a:cs typeface="Times New Roman" panose="02020603050405020304" pitchFamily="18" charset="0"/>
+              </a:rPr>
+              <a:t>Essentially an equitization column</a:t>
+            </a:r>
+          </a:p>
+          <a:p>
+            <a:r>
+              <a:rPr kumimoji="1" lang="en" altLang="zh-CN" dirty="0">
+                <a:latin typeface="Times New Roman" panose="02020603050405020304" pitchFamily="18" charset="0"/>
+                <a:cs typeface="Times New Roman" panose="02020603050405020304" pitchFamily="18" charset="0"/>
+              </a:rPr>
+              <a:t>    let</a:t>
+            </a:r>
+            <a:r>
+              <a:rPr kumimoji="1" lang="zh-CN" altLang="en-US" dirty="0">
+                <a:latin typeface="Times New Roman" panose="02020603050405020304" pitchFamily="18" charset="0"/>
+                <a:cs typeface="Times New Roman" panose="02020603050405020304" pitchFamily="18" charset="0"/>
+              </a:rPr>
+              <a:t> </a:t>
+            </a:r>
+            <a:r>
+              <a:rPr kumimoji="1" lang="en-US" altLang="zh-CN" dirty="0">
+                <a:latin typeface="Times New Roman" panose="02020603050405020304" pitchFamily="18" charset="0"/>
+                <a:cs typeface="Times New Roman" panose="02020603050405020304" pitchFamily="18" charset="0"/>
+              </a:rPr>
+              <a:t>“x”</a:t>
+            </a:r>
+            <a:r>
+              <a:rPr kumimoji="1" lang="zh-CN" altLang="en-US" dirty="0">
+                <a:latin typeface="Times New Roman" panose="02020603050405020304" pitchFamily="18" charset="0"/>
+                <a:cs typeface="Times New Roman" panose="02020603050405020304" pitchFamily="18" charset="0"/>
+              </a:rPr>
+              <a:t> </a:t>
+            </a:r>
+            <a:r>
+              <a:rPr kumimoji="1" lang="en-US" altLang="zh-CN" dirty="0">
+                <a:latin typeface="Times New Roman" panose="02020603050405020304" pitchFamily="18" charset="0"/>
+                <a:cs typeface="Times New Roman" panose="02020603050405020304" pitchFamily="18" charset="0"/>
+              </a:rPr>
+              <a:t>be discrete time index: t</a:t>
+            </a:r>
+          </a:p>
+          <a:p>
+            <a:r>
+              <a:rPr kumimoji="1" lang="en-US" altLang="zh-CN" dirty="0">
+                <a:latin typeface="Times New Roman" panose="02020603050405020304" pitchFamily="18" charset="0"/>
+                <a:cs typeface="Times New Roman" panose="02020603050405020304" pitchFamily="18" charset="0"/>
+              </a:rPr>
+              <a:t>    then the FFT of this vector has only one non-zero element</a:t>
+            </a:r>
+          </a:p>
+          <a:p>
+            <a:r>
+              <a:rPr kumimoji="1" lang="en-US" altLang="zh-CN" dirty="0">
+                <a:latin typeface="Times New Roman" panose="02020603050405020304" pitchFamily="18" charset="0"/>
+                <a:cs typeface="Times New Roman" panose="02020603050405020304" pitchFamily="18" charset="0"/>
+              </a:rPr>
+              <a:t>	</a:t>
+            </a:r>
+            <a:r>
+              <a:rPr kumimoji="1" lang="en-US" altLang="zh-CN" dirty="0">
+                <a:solidFill>
+                  <a:srgbClr val="FF0000"/>
+                </a:solidFill>
+                <a:latin typeface="Times New Roman" panose="02020603050405020304" pitchFamily="18" charset="0"/>
+                <a:cs typeface="Times New Roman" panose="02020603050405020304" pitchFamily="18" charset="0"/>
+              </a:rPr>
+              <a:t>under the condition that:</a:t>
+            </a:r>
+          </a:p>
+          <a:p>
+            <a:endParaRPr kumimoji="1" lang="zh-CN" altLang="en-US" dirty="0">
+              <a:latin typeface="Times New Roman" panose="02020603050405020304" pitchFamily="18" charset="0"/>
+              <a:cs typeface="Times New Roman" panose="02020603050405020304" pitchFamily="18" charset="0"/>
+            </a:endParaRPr>
+          </a:p>
+        </p:txBody>
+      </p:sp>
+      <p:grpSp>
+        <p:nvGrpSpPr>
+          <p:cNvPr id="37" name="组合 36">
+            <a:extLst>
+              <a:ext uri="{FF2B5EF4-FFF2-40B4-BE49-F238E27FC236}">
+                <a16:creationId xmlns:a16="http://schemas.microsoft.com/office/drawing/2014/main" id="{3CD04C61-93E6-1F43-91A6-4131A71E1D17}"/>
+              </a:ext>
+            </a:extLst>
+          </p:cNvPr>
+          <p:cNvGrpSpPr/>
+          <p:nvPr/>
+        </p:nvGrpSpPr>
+        <p:grpSpPr>
+          <a:xfrm>
+            <a:off x="5292644" y="2121400"/>
+            <a:ext cx="2208270" cy="221209"/>
+            <a:chOff x="3512633" y="4714671"/>
+            <a:chExt cx="2208270" cy="221209"/>
+          </a:xfrm>
+        </p:grpSpPr>
+        <p:cxnSp>
+          <p:nvCxnSpPr>
+            <p:cNvPr id="39" name="直线连接符 38">
+              <a:extLst>
+                <a:ext uri="{FF2B5EF4-FFF2-40B4-BE49-F238E27FC236}">
+                  <a16:creationId xmlns:a16="http://schemas.microsoft.com/office/drawing/2014/main" id="{F2D6CF81-FDC2-8A48-B46E-AC4F22028FB4}"/>
+                </a:ext>
+              </a:extLst>
+            </p:cNvPr>
+            <p:cNvCxnSpPr/>
+            <p:nvPr/>
+          </p:nvCxnSpPr>
+          <p:spPr>
+            <a:xfrm>
+              <a:off x="3512633" y="4935879"/>
+              <a:ext cx="2051825" cy="0"/>
+            </a:xfrm>
+            <a:prstGeom prst="line">
+              <a:avLst/>
+            </a:prstGeom>
+            <a:ln w="19050">
+              <a:solidFill>
+                <a:schemeClr val="tx1"/>
+              </a:solidFill>
+            </a:ln>
+          </p:spPr>
+          <p:style>
+            <a:lnRef idx="1">
+              <a:schemeClr val="accent1"/>
+            </a:lnRef>
+            <a:fillRef idx="0">
+              <a:schemeClr val="accent1"/>
+            </a:fillRef>
+            <a:effectRef idx="0">
+              <a:schemeClr val="accent1"/>
+            </a:effectRef>
+            <a:fontRef idx="minor">
+              <a:schemeClr val="tx1"/>
+            </a:fontRef>
+          </p:style>
+        </p:cxnSp>
+        <p:cxnSp>
+          <p:nvCxnSpPr>
+            <p:cNvPr id="40" name="直线连接符 39">
+              <a:extLst>
+                <a:ext uri="{FF2B5EF4-FFF2-40B4-BE49-F238E27FC236}">
+                  <a16:creationId xmlns:a16="http://schemas.microsoft.com/office/drawing/2014/main" id="{51C78638-7881-C34D-9266-53758A79903C}"/>
+                </a:ext>
+              </a:extLst>
+            </p:cNvPr>
+            <p:cNvCxnSpPr>
+              <a:cxnSpLocks/>
+            </p:cNvCxnSpPr>
+            <p:nvPr/>
+          </p:nvCxnSpPr>
+          <p:spPr>
+            <a:xfrm flipV="1">
+              <a:off x="3512633" y="4714672"/>
+              <a:ext cx="164422" cy="221208"/>
+            </a:xfrm>
+            <a:prstGeom prst="line">
+              <a:avLst/>
+            </a:prstGeom>
+            <a:ln w="19050">
+              <a:solidFill>
+                <a:schemeClr val="tx1"/>
+              </a:solidFill>
+            </a:ln>
+          </p:spPr>
+          <p:style>
+            <a:lnRef idx="1">
+              <a:schemeClr val="accent1"/>
+            </a:lnRef>
+            <a:fillRef idx="0">
+              <a:schemeClr val="accent1"/>
+            </a:fillRef>
+            <a:effectRef idx="0">
+              <a:schemeClr val="accent1"/>
+            </a:effectRef>
+            <a:fontRef idx="minor">
+              <a:schemeClr val="tx1"/>
+            </a:fontRef>
+          </p:style>
+        </p:cxnSp>
+        <p:cxnSp>
+          <p:nvCxnSpPr>
+            <p:cNvPr id="42" name="直线连接符 41">
+              <a:extLst>
+                <a:ext uri="{FF2B5EF4-FFF2-40B4-BE49-F238E27FC236}">
+                  <a16:creationId xmlns:a16="http://schemas.microsoft.com/office/drawing/2014/main" id="{4220215E-D6B1-464D-8D0A-0867F077862A}"/>
+                </a:ext>
+              </a:extLst>
+            </p:cNvPr>
+            <p:cNvCxnSpPr>
+              <a:cxnSpLocks/>
+            </p:cNvCxnSpPr>
+            <p:nvPr/>
+          </p:nvCxnSpPr>
+          <p:spPr>
+            <a:xfrm flipV="1">
+              <a:off x="3809412" y="4714672"/>
+              <a:ext cx="164422" cy="221208"/>
+            </a:xfrm>
+            <a:prstGeom prst="line">
+              <a:avLst/>
+            </a:prstGeom>
+            <a:ln w="19050">
+              <a:solidFill>
+                <a:schemeClr val="tx1"/>
+              </a:solidFill>
+            </a:ln>
+          </p:spPr>
+          <p:style>
+            <a:lnRef idx="1">
+              <a:schemeClr val="accent1"/>
+            </a:lnRef>
+            <a:fillRef idx="0">
+              <a:schemeClr val="accent1"/>
+            </a:fillRef>
+            <a:effectRef idx="0">
+              <a:schemeClr val="accent1"/>
+            </a:effectRef>
+            <a:fontRef idx="minor">
+              <a:schemeClr val="tx1"/>
+            </a:fontRef>
+          </p:style>
+        </p:cxnSp>
+        <p:cxnSp>
+          <p:nvCxnSpPr>
+            <p:cNvPr id="43" name="直线连接符 42">
+              <a:extLst>
+                <a:ext uri="{FF2B5EF4-FFF2-40B4-BE49-F238E27FC236}">
+                  <a16:creationId xmlns:a16="http://schemas.microsoft.com/office/drawing/2014/main" id="{57A3B4A5-8E30-964D-8317-AFF0CA6136EB}"/>
+                </a:ext>
+              </a:extLst>
+            </p:cNvPr>
+            <p:cNvCxnSpPr>
+              <a:cxnSpLocks/>
+            </p:cNvCxnSpPr>
+            <p:nvPr/>
+          </p:nvCxnSpPr>
+          <p:spPr>
+            <a:xfrm flipV="1">
+              <a:off x="4106191" y="4714671"/>
+              <a:ext cx="164422" cy="221208"/>
+            </a:xfrm>
+            <a:prstGeom prst="line">
+              <a:avLst/>
+            </a:prstGeom>
+            <a:ln w="19050">
+              <a:solidFill>
+                <a:schemeClr val="tx1"/>
+              </a:solidFill>
+            </a:ln>
+          </p:spPr>
+          <p:style>
+            <a:lnRef idx="1">
+              <a:schemeClr val="accent1"/>
+            </a:lnRef>
+            <a:fillRef idx="0">
+              <a:schemeClr val="accent1"/>
+            </a:fillRef>
+            <a:effectRef idx="0">
+              <a:schemeClr val="accent1"/>
+            </a:effectRef>
+            <a:fontRef idx="minor">
+              <a:schemeClr val="tx1"/>
+            </a:fontRef>
+          </p:style>
+        </p:cxnSp>
+        <p:grpSp>
+          <p:nvGrpSpPr>
+            <p:cNvPr id="45" name="组合 44">
+              <a:extLst>
+                <a:ext uri="{FF2B5EF4-FFF2-40B4-BE49-F238E27FC236}">
+                  <a16:creationId xmlns:a16="http://schemas.microsoft.com/office/drawing/2014/main" id="{8CC084D6-E2B7-7942-9470-24AA1AC0C001}"/>
+                </a:ext>
+              </a:extLst>
+            </p:cNvPr>
+            <p:cNvGrpSpPr/>
+            <p:nvPr/>
+          </p:nvGrpSpPr>
+          <p:grpSpPr>
+            <a:xfrm>
+              <a:off x="4589461" y="4802630"/>
+              <a:ext cx="359370" cy="45719"/>
+              <a:chOff x="4432434" y="4817419"/>
+              <a:chExt cx="359370" cy="45719"/>
+            </a:xfrm>
+          </p:grpSpPr>
+          <p:sp>
+            <p:nvSpPr>
+              <p:cNvPr id="59" name="椭圆 58">
+                <a:extLst>
+                  <a:ext uri="{FF2B5EF4-FFF2-40B4-BE49-F238E27FC236}">
+                    <a16:creationId xmlns:a16="http://schemas.microsoft.com/office/drawing/2014/main" id="{DE58AEFE-7898-F949-8116-9187F086EEE7}"/>
+                  </a:ext>
+                </a:extLst>
+              </p:cNvPr>
+              <p:cNvSpPr/>
+              <p:nvPr/>
+            </p:nvSpPr>
+            <p:spPr>
+              <a:xfrm>
+                <a:off x="4432434" y="4817419"/>
+                <a:ext cx="45719" cy="45719"/>
+              </a:xfrm>
+              <a:prstGeom prst="ellipse">
+                <a:avLst/>
+              </a:prstGeom>
+              <a:solidFill>
+                <a:schemeClr val="tx1"/>
+              </a:solidFill>
+              <a:ln>
+                <a:noFill/>
+              </a:ln>
+            </p:spPr>
+            <p:style>
+              <a:lnRef idx="2">
+                <a:schemeClr val="accent1">
+                  <a:shade val="50000"/>
+                </a:schemeClr>
+              </a:lnRef>
+              <a:fillRef idx="1">
+                <a:schemeClr val="accent1"/>
+              </a:fillRef>
+              <a:effectRef idx="0">
+                <a:schemeClr val="accent1"/>
+              </a:effectRef>
+              <a:fontRef idx="minor">
+                <a:schemeClr val="lt1"/>
+              </a:fontRef>
+            </p:style>
+            <p:txBody>
+              <a:bodyPr rtlCol="0" anchor="ctr"/>
+              <a:lstStyle/>
+              <a:p>
+                <a:pPr algn="ctr"/>
+                <a:endParaRPr kumimoji="1" lang="zh-CN" altLang="en-US"/>
+              </a:p>
+            </p:txBody>
+          </p:sp>
+          <p:sp>
+            <p:nvSpPr>
+              <p:cNvPr id="60" name="椭圆 59">
+                <a:extLst>
+                  <a:ext uri="{FF2B5EF4-FFF2-40B4-BE49-F238E27FC236}">
+                    <a16:creationId xmlns:a16="http://schemas.microsoft.com/office/drawing/2014/main" id="{5226C412-4479-9243-8DFE-235BD2EF670A}"/>
+                  </a:ext>
+                </a:extLst>
+              </p:cNvPr>
+              <p:cNvSpPr/>
+              <p:nvPr/>
+            </p:nvSpPr>
+            <p:spPr>
+              <a:xfrm>
+                <a:off x="4538545" y="4817419"/>
+                <a:ext cx="45719" cy="45719"/>
+              </a:xfrm>
+              <a:prstGeom prst="ellipse">
+                <a:avLst/>
+              </a:prstGeom>
+              <a:solidFill>
+                <a:schemeClr val="tx1"/>
+              </a:solidFill>
+              <a:ln>
+                <a:noFill/>
+              </a:ln>
+            </p:spPr>
+            <p:style>
+              <a:lnRef idx="2">
+                <a:schemeClr val="accent1">
+                  <a:shade val="50000"/>
+                </a:schemeClr>
+              </a:lnRef>
+              <a:fillRef idx="1">
+                <a:schemeClr val="accent1"/>
+              </a:fillRef>
+              <a:effectRef idx="0">
+                <a:schemeClr val="accent1"/>
+              </a:effectRef>
+              <a:fontRef idx="minor">
+                <a:schemeClr val="lt1"/>
+              </a:fontRef>
+            </p:style>
+            <p:txBody>
+              <a:bodyPr rtlCol="0" anchor="ctr"/>
+              <a:lstStyle/>
+              <a:p>
+                <a:pPr algn="ctr"/>
+                <a:endParaRPr kumimoji="1" lang="zh-CN" altLang="en-US"/>
+              </a:p>
+            </p:txBody>
+          </p:sp>
+          <p:sp>
+            <p:nvSpPr>
+              <p:cNvPr id="61" name="椭圆 60">
+                <a:extLst>
+                  <a:ext uri="{FF2B5EF4-FFF2-40B4-BE49-F238E27FC236}">
+                    <a16:creationId xmlns:a16="http://schemas.microsoft.com/office/drawing/2014/main" id="{2B200041-1F0C-8343-8766-160CE54225CC}"/>
+                  </a:ext>
+                </a:extLst>
+              </p:cNvPr>
+              <p:cNvSpPr/>
+              <p:nvPr/>
+            </p:nvSpPr>
+            <p:spPr>
+              <a:xfrm>
+                <a:off x="4639974" y="4817419"/>
+                <a:ext cx="45719" cy="45719"/>
+              </a:xfrm>
+              <a:prstGeom prst="ellipse">
+                <a:avLst/>
+              </a:prstGeom>
+              <a:solidFill>
+                <a:schemeClr val="tx1"/>
+              </a:solidFill>
+              <a:ln>
+                <a:noFill/>
+              </a:ln>
+            </p:spPr>
+            <p:style>
+              <a:lnRef idx="2">
+                <a:schemeClr val="accent1">
+                  <a:shade val="50000"/>
+                </a:schemeClr>
+              </a:lnRef>
+              <a:fillRef idx="1">
+                <a:schemeClr val="accent1"/>
+              </a:fillRef>
+              <a:effectRef idx="0">
+                <a:schemeClr val="accent1"/>
+              </a:effectRef>
+              <a:fontRef idx="minor">
+                <a:schemeClr val="lt1"/>
+              </a:fontRef>
+            </p:style>
+            <p:txBody>
+              <a:bodyPr rtlCol="0" anchor="ctr"/>
+              <a:lstStyle/>
+              <a:p>
+                <a:pPr algn="ctr"/>
+                <a:endParaRPr kumimoji="1" lang="zh-CN" altLang="en-US"/>
+              </a:p>
+            </p:txBody>
+          </p:sp>
+          <p:sp>
+            <p:nvSpPr>
+              <p:cNvPr id="62" name="椭圆 61">
+                <a:extLst>
+                  <a:ext uri="{FF2B5EF4-FFF2-40B4-BE49-F238E27FC236}">
+                    <a16:creationId xmlns:a16="http://schemas.microsoft.com/office/drawing/2014/main" id="{102DCC07-87B6-8D4B-9617-E8EF7571F3DB}"/>
+                  </a:ext>
+                </a:extLst>
+              </p:cNvPr>
+              <p:cNvSpPr/>
+              <p:nvPr/>
+            </p:nvSpPr>
+            <p:spPr>
+              <a:xfrm>
+                <a:off x="4746085" y="4817419"/>
+                <a:ext cx="45719" cy="45719"/>
+              </a:xfrm>
+              <a:prstGeom prst="ellipse">
+                <a:avLst/>
+              </a:prstGeom>
+              <a:solidFill>
+                <a:schemeClr val="tx1"/>
+              </a:solidFill>
+              <a:ln>
+                <a:noFill/>
+              </a:ln>
+            </p:spPr>
+            <p:style>
+              <a:lnRef idx="2">
+                <a:schemeClr val="accent1">
+                  <a:shade val="50000"/>
+                </a:schemeClr>
+              </a:lnRef>
+              <a:fillRef idx="1">
+                <a:schemeClr val="accent1"/>
+              </a:fillRef>
+              <a:effectRef idx="0">
+                <a:schemeClr val="accent1"/>
+              </a:effectRef>
+              <a:fontRef idx="minor">
+                <a:schemeClr val="lt1"/>
+              </a:fontRef>
+            </p:style>
+            <p:txBody>
+              <a:bodyPr rtlCol="0" anchor="ctr"/>
+              <a:lstStyle/>
+              <a:p>
+                <a:pPr algn="ctr"/>
+                <a:endParaRPr kumimoji="1" lang="zh-CN" altLang="en-US"/>
+              </a:p>
+            </p:txBody>
+          </p:sp>
+        </p:grpSp>
+        <p:cxnSp>
+          <p:nvCxnSpPr>
+            <p:cNvPr id="56" name="直线连接符 55">
+              <a:extLst>
+                <a:ext uri="{FF2B5EF4-FFF2-40B4-BE49-F238E27FC236}">
+                  <a16:creationId xmlns:a16="http://schemas.microsoft.com/office/drawing/2014/main" id="{65D2887D-51C8-6448-B79C-D7887721569E}"/>
+                </a:ext>
+              </a:extLst>
+            </p:cNvPr>
+            <p:cNvCxnSpPr>
+              <a:cxnSpLocks/>
+            </p:cNvCxnSpPr>
+            <p:nvPr/>
+          </p:nvCxnSpPr>
+          <p:spPr>
+            <a:xfrm flipV="1">
+              <a:off x="5556481" y="4714671"/>
+              <a:ext cx="164422" cy="221208"/>
+            </a:xfrm>
+            <a:prstGeom prst="line">
+              <a:avLst/>
+            </a:prstGeom>
+            <a:ln w="19050">
+              <a:solidFill>
+                <a:schemeClr val="tx1"/>
+              </a:solidFill>
+            </a:ln>
+          </p:spPr>
+          <p:style>
+            <a:lnRef idx="1">
+              <a:schemeClr val="accent1"/>
+            </a:lnRef>
+            <a:fillRef idx="0">
+              <a:schemeClr val="accent1"/>
+            </a:fillRef>
+            <a:effectRef idx="0">
+              <a:schemeClr val="accent1"/>
+            </a:effectRef>
+            <a:fontRef idx="minor">
+              <a:schemeClr val="tx1"/>
+            </a:fontRef>
+          </p:style>
+        </p:cxnSp>
+      </p:grpSp>
+      <p:cxnSp>
+        <p:nvCxnSpPr>
+          <p:cNvPr id="63" name="直线箭头连接符 62">
+            <a:extLst>
+              <a:ext uri="{FF2B5EF4-FFF2-40B4-BE49-F238E27FC236}">
+                <a16:creationId xmlns:a16="http://schemas.microsoft.com/office/drawing/2014/main" id="{4A93692A-A222-3244-830F-08053EBFE4D3}"/>
+              </a:ext>
+            </a:extLst>
+          </p:cNvPr>
+          <p:cNvCxnSpPr>
+            <a:cxnSpLocks/>
+          </p:cNvCxnSpPr>
+          <p:nvPr/>
+        </p:nvCxnSpPr>
+        <p:spPr>
+          <a:xfrm>
+            <a:off x="5276249" y="2368970"/>
+            <a:ext cx="2060243" cy="755230"/>
+          </a:xfrm>
+          <a:prstGeom prst="straightConnector1">
+            <a:avLst/>
+          </a:prstGeom>
+          <a:ln w="28575">
+            <a:solidFill>
+              <a:srgbClr val="FF0000">
+                <a:alpha val="27000"/>
+              </a:srgbClr>
+            </a:solidFill>
+            <a:prstDash val="dash"/>
+            <a:tailEnd type="none"/>
+          </a:ln>
+        </p:spPr>
+        <p:style>
+          <a:lnRef idx="1">
+            <a:schemeClr val="accent1"/>
+          </a:lnRef>
+          <a:fillRef idx="0">
+            <a:schemeClr val="accent1"/>
+          </a:fillRef>
+          <a:effectRef idx="0">
+            <a:schemeClr val="accent1"/>
+          </a:effectRef>
+          <a:fontRef idx="minor">
+            <a:schemeClr val="tx1"/>
+          </a:fontRef>
+        </p:style>
+      </p:cxnSp>
+      <p:cxnSp>
+        <p:nvCxnSpPr>
+          <p:cNvPr id="64" name="直线箭头连接符 63">
+            <a:extLst>
+              <a:ext uri="{FF2B5EF4-FFF2-40B4-BE49-F238E27FC236}">
+                <a16:creationId xmlns:a16="http://schemas.microsoft.com/office/drawing/2014/main" id="{52AB87AD-2476-0A43-9249-825C48E40924}"/>
+              </a:ext>
+            </a:extLst>
+          </p:cNvPr>
+          <p:cNvCxnSpPr>
+            <a:cxnSpLocks/>
+          </p:cNvCxnSpPr>
+          <p:nvPr/>
+        </p:nvCxnSpPr>
+        <p:spPr>
+          <a:xfrm flipV="1">
+            <a:off x="4852353" y="2369578"/>
+            <a:ext cx="428637" cy="979854"/>
+          </a:xfrm>
+          <a:prstGeom prst="straightConnector1">
+            <a:avLst/>
+          </a:prstGeom>
+          <a:ln w="28575">
+            <a:tailEnd type="triangle"/>
+          </a:ln>
+        </p:spPr>
+        <p:style>
+          <a:lnRef idx="1">
+            <a:schemeClr val="accent1"/>
+          </a:lnRef>
+          <a:fillRef idx="0">
+            <a:schemeClr val="accent1"/>
+          </a:fillRef>
+          <a:effectRef idx="0">
+            <a:schemeClr val="accent1"/>
+          </a:effectRef>
+          <a:fontRef idx="minor">
+            <a:schemeClr val="tx1"/>
+          </a:fontRef>
+        </p:style>
+      </p:cxnSp>
+      <p:cxnSp>
+        <p:nvCxnSpPr>
+          <p:cNvPr id="65" name="直线箭头连接符 64">
+            <a:extLst>
+              <a:ext uri="{FF2B5EF4-FFF2-40B4-BE49-F238E27FC236}">
+                <a16:creationId xmlns:a16="http://schemas.microsoft.com/office/drawing/2014/main" id="{4805BD66-5058-4A4E-B445-F4BC0252F207}"/>
+              </a:ext>
+            </a:extLst>
+          </p:cNvPr>
+          <p:cNvCxnSpPr>
+            <a:cxnSpLocks/>
+          </p:cNvCxnSpPr>
+          <p:nvPr/>
+        </p:nvCxnSpPr>
+        <p:spPr>
+          <a:xfrm flipV="1">
+            <a:off x="5416420" y="2459474"/>
+            <a:ext cx="104786" cy="238173"/>
+          </a:xfrm>
+          <a:prstGeom prst="straightConnector1">
+            <a:avLst/>
+          </a:prstGeom>
+          <a:ln w="28575">
+            <a:solidFill>
+              <a:schemeClr val="tx1"/>
+            </a:solidFill>
+            <a:tailEnd type="none"/>
+          </a:ln>
+        </p:spPr>
+        <p:style>
+          <a:lnRef idx="1">
+            <a:schemeClr val="accent1"/>
+          </a:lnRef>
+          <a:fillRef idx="0">
+            <a:schemeClr val="accent1"/>
+          </a:fillRef>
+          <a:effectRef idx="0">
+            <a:schemeClr val="accent1"/>
+          </a:effectRef>
+          <a:fontRef idx="minor">
+            <a:schemeClr val="tx1"/>
+          </a:fontRef>
+        </p:style>
+      </p:cxnSp>
+      <p:cxnSp>
+        <p:nvCxnSpPr>
+          <p:cNvPr id="66" name="直线箭头连接符 65">
+            <a:extLst>
+              <a:ext uri="{FF2B5EF4-FFF2-40B4-BE49-F238E27FC236}">
+                <a16:creationId xmlns:a16="http://schemas.microsoft.com/office/drawing/2014/main" id="{DEA6AC31-152A-0F4F-A2EB-17DE6E00A4C4}"/>
+              </a:ext>
+            </a:extLst>
+          </p:cNvPr>
+          <p:cNvCxnSpPr>
+            <a:cxnSpLocks/>
+          </p:cNvCxnSpPr>
+          <p:nvPr/>
+        </p:nvCxnSpPr>
+        <p:spPr>
+          <a:xfrm flipH="1" flipV="1">
+            <a:off x="5191586" y="2588243"/>
+            <a:ext cx="239675" cy="100594"/>
+          </a:xfrm>
+          <a:prstGeom prst="straightConnector1">
+            <a:avLst/>
+          </a:prstGeom>
+          <a:ln w="28575">
+            <a:solidFill>
+              <a:schemeClr val="tx1"/>
+            </a:solidFill>
+            <a:tailEnd type="none"/>
+          </a:ln>
+        </p:spPr>
+        <p:style>
+          <a:lnRef idx="1">
+            <a:schemeClr val="accent1"/>
+          </a:lnRef>
+          <a:fillRef idx="0">
+            <a:schemeClr val="accent1"/>
+          </a:fillRef>
+          <a:effectRef idx="0">
+            <a:schemeClr val="accent1"/>
+          </a:effectRef>
+          <a:fontRef idx="minor">
+            <a:schemeClr val="tx1"/>
+          </a:fontRef>
+        </p:style>
+      </p:cxnSp>
+      <p:sp>
+        <p:nvSpPr>
+          <p:cNvPr id="67" name="文本框 66">
+            <a:extLst>
+              <a:ext uri="{FF2B5EF4-FFF2-40B4-BE49-F238E27FC236}">
+                <a16:creationId xmlns:a16="http://schemas.microsoft.com/office/drawing/2014/main" id="{A2F96B9E-E6A3-AF45-8587-C8851E03F09A}"/>
+              </a:ext>
+            </a:extLst>
+          </p:cNvPr>
+          <p:cNvSpPr txBox="1"/>
+          <p:nvPr/>
+        </p:nvSpPr>
+        <p:spPr>
+          <a:xfrm>
+            <a:off x="3393805" y="2779776"/>
+            <a:ext cx="1747014" cy="369332"/>
+          </a:xfrm>
+          <a:prstGeom prst="rect">
+            <a:avLst/>
+          </a:prstGeom>
+          <a:noFill/>
+        </p:spPr>
+        <p:txBody>
+          <a:bodyPr wrap="square">
+            <a:spAutoFit/>
+          </a:bodyPr>
+          <a:lstStyle/>
+          <a:p>
+            <a:r>
+              <a:rPr lang="zh-CN" altLang="en-US" dirty="0">
+                <a:solidFill>
+                  <a:schemeClr val="accent1"/>
+                </a:solidFill>
+                <a:latin typeface="Times New Roman" panose="02020603050405020304" pitchFamily="18" charset="0"/>
+                <a:cs typeface="Times New Roman" panose="02020603050405020304" pitchFamily="18" charset="0"/>
+              </a:rPr>
+              <a:t>Incident signal</a:t>
+            </a:r>
+          </a:p>
+        </p:txBody>
+      </p:sp>
+      <p:cxnSp>
+        <p:nvCxnSpPr>
+          <p:cNvPr id="68" name="直线箭头连接符 67">
+            <a:extLst>
+              <a:ext uri="{FF2B5EF4-FFF2-40B4-BE49-F238E27FC236}">
+                <a16:creationId xmlns:a16="http://schemas.microsoft.com/office/drawing/2014/main" id="{4FDC29D5-CE86-2F46-A1F4-11AF91D53D6B}"/>
+              </a:ext>
+            </a:extLst>
+          </p:cNvPr>
+          <p:cNvCxnSpPr>
+            <a:cxnSpLocks/>
+          </p:cNvCxnSpPr>
+          <p:nvPr/>
+        </p:nvCxnSpPr>
+        <p:spPr>
+          <a:xfrm>
+            <a:off x="5292644" y="2329616"/>
+            <a:ext cx="0" cy="1153516"/>
+          </a:xfrm>
+          <a:prstGeom prst="straightConnector1">
+            <a:avLst/>
+          </a:prstGeom>
+          <a:ln w="28575">
+            <a:solidFill>
+              <a:schemeClr val="accent1">
+                <a:alpha val="27000"/>
+              </a:schemeClr>
+            </a:solidFill>
+            <a:prstDash val="dash"/>
+            <a:tailEnd type="none"/>
+          </a:ln>
+        </p:spPr>
+        <p:style>
+          <a:lnRef idx="1">
+            <a:schemeClr val="accent1"/>
+          </a:lnRef>
+          <a:fillRef idx="0">
+            <a:schemeClr val="accent1"/>
+          </a:fillRef>
+          <a:effectRef idx="0">
+            <a:schemeClr val="accent1"/>
+          </a:effectRef>
+          <a:fontRef idx="minor">
+            <a:schemeClr val="tx1"/>
+          </a:fontRef>
+        </p:style>
+      </p:cxnSp>
+      <p:sp>
+        <p:nvSpPr>
+          <p:cNvPr id="70" name="文本框 69">
+            <a:extLst>
+              <a:ext uri="{FF2B5EF4-FFF2-40B4-BE49-F238E27FC236}">
+                <a16:creationId xmlns:a16="http://schemas.microsoft.com/office/drawing/2014/main" id="{EE2FFAEB-7F51-D045-AAA7-4A953E269F42}"/>
+              </a:ext>
+            </a:extLst>
+          </p:cNvPr>
+          <p:cNvSpPr txBox="1"/>
+          <p:nvPr/>
+        </p:nvSpPr>
+        <p:spPr>
+          <a:xfrm>
+            <a:off x="7944428" y="6126135"/>
+            <a:ext cx="1256466" cy="369332"/>
+          </a:xfrm>
+          <a:prstGeom prst="rect">
+            <a:avLst/>
+          </a:prstGeom>
+          <a:noFill/>
+        </p:spPr>
+        <p:txBody>
+          <a:bodyPr wrap="square" rtlCol="0">
+            <a:spAutoFit/>
+          </a:bodyPr>
+          <a:lstStyle/>
+          <a:p>
+            <a:r>
+              <a:rPr kumimoji="1" lang="en-US" altLang="zh-CN" b="1" dirty="0">
+                <a:solidFill>
+                  <a:schemeClr val="accent1"/>
+                </a:solidFill>
+                <a:latin typeface="Times New Roman" panose="02020603050405020304" pitchFamily="18" charset="0"/>
+                <a:cs typeface="Times New Roman" panose="02020603050405020304" pitchFamily="18" charset="0"/>
+              </a:rPr>
+              <a:t>Lemma</a:t>
+            </a:r>
+            <a:r>
+              <a:rPr kumimoji="1" lang="zh-CN" altLang="en-US" b="1" dirty="0">
+                <a:solidFill>
+                  <a:schemeClr val="accent1"/>
+                </a:solidFill>
+                <a:latin typeface="Times New Roman" panose="02020603050405020304" pitchFamily="18" charset="0"/>
+                <a:cs typeface="Times New Roman" panose="02020603050405020304" pitchFamily="18" charset="0"/>
+              </a:rPr>
+              <a:t> </a:t>
+            </a:r>
+            <a:r>
+              <a:rPr kumimoji="1" lang="en-US" altLang="zh-CN" b="1" dirty="0">
+                <a:solidFill>
+                  <a:schemeClr val="accent1"/>
+                </a:solidFill>
+                <a:latin typeface="Times New Roman" panose="02020603050405020304" pitchFamily="18" charset="0"/>
+                <a:cs typeface="Times New Roman" panose="02020603050405020304" pitchFamily="18" charset="0"/>
+              </a:rPr>
+              <a:t>2</a:t>
+            </a:r>
+            <a:endParaRPr kumimoji="1" lang="zh-CN" altLang="en-US" b="1" dirty="0">
+              <a:solidFill>
+                <a:schemeClr val="accent1"/>
+              </a:solidFill>
+              <a:latin typeface="Times New Roman" panose="02020603050405020304" pitchFamily="18" charset="0"/>
+              <a:cs typeface="Times New Roman" panose="02020603050405020304" pitchFamily="18" charset="0"/>
+            </a:endParaRPr>
+          </a:p>
+        </p:txBody>
+      </p:sp>
+      <p:pic>
+        <p:nvPicPr>
+          <p:cNvPr id="20" name="图片 19">
+            <a:extLst>
+              <a:ext uri="{FF2B5EF4-FFF2-40B4-BE49-F238E27FC236}">
+                <a16:creationId xmlns:a16="http://schemas.microsoft.com/office/drawing/2014/main" id="{E9FE2553-9464-7A40-B3EF-FAD4742039BA}"/>
+              </a:ext>
+            </a:extLst>
+          </p:cNvPr>
+          <p:cNvPicPr>
+            <a:picLocks noChangeAspect="1"/>
+          </p:cNvPicPr>
+          <p:nvPr/>
+        </p:nvPicPr>
+        <p:blipFill rotWithShape="1">
+          <a:blip r:embed="rId11"/>
+          <a:srcRect l="11566" t="31148" r="35263" b="16092"/>
+          <a:stretch/>
+        </p:blipFill>
+        <p:spPr>
+          <a:xfrm rot="5400000">
+            <a:off x="5718816" y="3600494"/>
+            <a:ext cx="947433" cy="445314"/>
+          </a:xfrm>
+          <a:prstGeom prst="rect">
+            <a:avLst/>
+          </a:prstGeom>
+        </p:spPr>
+      </p:pic>
+      <p:sp>
+        <p:nvSpPr>
+          <p:cNvPr id="21" name="文本框 20">
+            <a:extLst>
+              <a:ext uri="{FF2B5EF4-FFF2-40B4-BE49-F238E27FC236}">
+                <a16:creationId xmlns:a16="http://schemas.microsoft.com/office/drawing/2014/main" id="{70755F37-EAB1-B04F-8D73-336201AA5AAE}"/>
+              </a:ext>
+            </a:extLst>
+          </p:cNvPr>
+          <p:cNvSpPr txBox="1"/>
+          <p:nvPr/>
+        </p:nvSpPr>
+        <p:spPr>
+          <a:xfrm>
+            <a:off x="5377796" y="3624100"/>
+            <a:ext cx="620683" cy="369332"/>
+          </a:xfrm>
+          <a:prstGeom prst="rect">
+            <a:avLst/>
+          </a:prstGeom>
+          <a:noFill/>
+        </p:spPr>
+        <p:txBody>
+          <a:bodyPr wrap="none" rtlCol="0">
+            <a:spAutoFit/>
+          </a:bodyPr>
+          <a:lstStyle/>
+          <a:p>
+            <a:r>
+              <a:rPr kumimoji="1" lang="en-US" altLang="zh-CN" dirty="0">
+                <a:latin typeface="Times New Roman" panose="02020603050405020304" pitchFamily="18" charset="0"/>
+                <a:cs typeface="Times New Roman" panose="02020603050405020304" pitchFamily="18" charset="0"/>
+              </a:rPr>
+              <a:t>DFT</a:t>
+            </a:r>
+            <a:endParaRPr kumimoji="1" lang="zh-CN" altLang="en-US" dirty="0">
+              <a:latin typeface="Times New Roman" panose="02020603050405020304" pitchFamily="18" charset="0"/>
+              <a:cs typeface="Times New Roman" panose="02020603050405020304" pitchFamily="18" charset="0"/>
+            </a:endParaRPr>
+          </a:p>
+        </p:txBody>
+      </p:sp>
+      <p:sp>
+        <p:nvSpPr>
+          <p:cNvPr id="71" name="文本框 70">
+            <a:extLst>
+              <a:ext uri="{FF2B5EF4-FFF2-40B4-BE49-F238E27FC236}">
+                <a16:creationId xmlns:a16="http://schemas.microsoft.com/office/drawing/2014/main" id="{0089E089-4FB8-B846-8B95-80D296ED7A09}"/>
+              </a:ext>
+            </a:extLst>
+          </p:cNvPr>
+          <p:cNvSpPr txBox="1"/>
+          <p:nvPr/>
+        </p:nvSpPr>
+        <p:spPr>
+          <a:xfrm>
+            <a:off x="9212501" y="3157755"/>
+            <a:ext cx="1479892" cy="369332"/>
+          </a:xfrm>
+          <a:prstGeom prst="rect">
+            <a:avLst/>
+          </a:prstGeom>
+          <a:noFill/>
+        </p:spPr>
+        <p:txBody>
+          <a:bodyPr wrap="none" rtlCol="0">
+            <a:spAutoFit/>
+          </a:bodyPr>
+          <a:lstStyle/>
+          <a:p>
+            <a:r>
+              <a:rPr kumimoji="1" lang="en-US" altLang="zh-CN" dirty="0">
+                <a:latin typeface="Times New Roman" panose="02020603050405020304" pitchFamily="18" charset="0"/>
+                <a:cs typeface="Times New Roman" panose="02020603050405020304" pitchFamily="18" charset="0"/>
+              </a:rPr>
+              <a:t>Then we have</a:t>
+            </a:r>
+            <a:endParaRPr kumimoji="1" lang="zh-CN" altLang="en-US" dirty="0">
+              <a:latin typeface="Times New Roman" panose="02020603050405020304" pitchFamily="18" charset="0"/>
+              <a:cs typeface="Times New Roman" panose="02020603050405020304" pitchFamily="18" charset="0"/>
+            </a:endParaRPr>
+          </a:p>
+        </p:txBody>
+      </p:sp>
+      <p:sp>
+        <p:nvSpPr>
+          <p:cNvPr id="72" name="文本框 71">
+            <a:extLst>
+              <a:ext uri="{FF2B5EF4-FFF2-40B4-BE49-F238E27FC236}">
+                <a16:creationId xmlns:a16="http://schemas.microsoft.com/office/drawing/2014/main" id="{8139F91A-90FC-6444-83ED-B7FE5692271D}"/>
+              </a:ext>
+            </a:extLst>
+          </p:cNvPr>
+          <p:cNvSpPr txBox="1"/>
+          <p:nvPr/>
+        </p:nvSpPr>
+        <p:spPr>
+          <a:xfrm>
+            <a:off x="9683392" y="4140098"/>
+            <a:ext cx="518091" cy="369332"/>
+          </a:xfrm>
+          <a:prstGeom prst="rect">
+            <a:avLst/>
+          </a:prstGeom>
+          <a:noFill/>
+        </p:spPr>
+        <p:txBody>
+          <a:bodyPr wrap="none" rtlCol="0">
+            <a:spAutoFit/>
+          </a:bodyPr>
+          <a:lstStyle/>
+          <a:p>
+            <a:r>
+              <a:rPr kumimoji="1" lang="en-US" altLang="zh-CN" dirty="0">
+                <a:latin typeface="Times New Roman" panose="02020603050405020304" pitchFamily="18" charset="0"/>
+                <a:cs typeface="Times New Roman" panose="02020603050405020304" pitchFamily="18" charset="0"/>
+              </a:rPr>
+              <a:t>and</a:t>
+            </a:r>
+            <a:endParaRPr kumimoji="1" lang="zh-CN" altLang="en-US" dirty="0">
+              <a:latin typeface="Times New Roman" panose="02020603050405020304" pitchFamily="18" charset="0"/>
+              <a:cs typeface="Times New Roman" panose="02020603050405020304" pitchFamily="18" charset="0"/>
+            </a:endParaRPr>
+          </a:p>
+        </p:txBody>
+      </p:sp>
+      <p:pic>
+        <p:nvPicPr>
+          <p:cNvPr id="76" name="图片 75">
+            <a:extLst>
+              <a:ext uri="{FF2B5EF4-FFF2-40B4-BE49-F238E27FC236}">
+                <a16:creationId xmlns:a16="http://schemas.microsoft.com/office/drawing/2014/main" id="{E2B8B7B2-29F1-9243-A120-06ACF8D38104}"/>
+              </a:ext>
+            </a:extLst>
+          </p:cNvPr>
+          <p:cNvPicPr>
+            <a:picLocks noChangeAspect="1"/>
+          </p:cNvPicPr>
+          <p:nvPr/>
+        </p:nvPicPr>
+        <p:blipFill>
+          <a:blip r:embed="rId12"/>
+          <a:stretch>
+            <a:fillRect/>
+          </a:stretch>
+        </p:blipFill>
+        <p:spPr>
+          <a:xfrm>
+            <a:off x="3828351" y="4120395"/>
+            <a:ext cx="4064940" cy="446697"/>
+          </a:xfrm>
+          <a:prstGeom prst="rect">
+            <a:avLst/>
+          </a:prstGeom>
+        </p:spPr>
+      </p:pic>
+      <p:pic>
+        <p:nvPicPr>
+          <p:cNvPr id="77" name="图片 76">
+            <a:extLst>
+              <a:ext uri="{FF2B5EF4-FFF2-40B4-BE49-F238E27FC236}">
+                <a16:creationId xmlns:a16="http://schemas.microsoft.com/office/drawing/2014/main" id="{EB723730-A9D9-1F40-BE4F-B2C77A1E3B1A}"/>
+              </a:ext>
+            </a:extLst>
+          </p:cNvPr>
+          <p:cNvPicPr>
+            <a:picLocks noChangeAspect="1"/>
+          </p:cNvPicPr>
+          <p:nvPr/>
+        </p:nvPicPr>
+        <p:blipFill>
+          <a:blip r:embed="rId13"/>
+          <a:stretch>
+            <a:fillRect/>
+          </a:stretch>
+        </p:blipFill>
+        <p:spPr>
+          <a:xfrm>
+            <a:off x="5219789" y="4690307"/>
+            <a:ext cx="1130300" cy="508000"/>
+          </a:xfrm>
+          <a:prstGeom prst="rect">
+            <a:avLst/>
+          </a:prstGeom>
+        </p:spPr>
+      </p:pic>
+      <p:sp>
+        <p:nvSpPr>
+          <p:cNvPr id="78" name="文本框 77">
+            <a:extLst>
+              <a:ext uri="{FF2B5EF4-FFF2-40B4-BE49-F238E27FC236}">
+                <a16:creationId xmlns:a16="http://schemas.microsoft.com/office/drawing/2014/main" id="{E7CFE636-EE39-1844-9777-D0729FDF8B18}"/>
+              </a:ext>
+            </a:extLst>
+          </p:cNvPr>
+          <p:cNvSpPr txBox="1"/>
+          <p:nvPr/>
+        </p:nvSpPr>
+        <p:spPr>
+          <a:xfrm>
+            <a:off x="3766010" y="4733225"/>
+            <a:ext cx="1755195" cy="369332"/>
+          </a:xfrm>
+          <a:prstGeom prst="rect">
+            <a:avLst/>
+          </a:prstGeom>
+          <a:noFill/>
+        </p:spPr>
+        <p:txBody>
+          <a:bodyPr wrap="square" rtlCol="0">
+            <a:spAutoFit/>
+          </a:bodyPr>
+          <a:lstStyle/>
+          <a:p>
+            <a:r>
+              <a:rPr kumimoji="1" lang="en-US" altLang="zh-CN" b="1" dirty="0">
+                <a:solidFill>
+                  <a:schemeClr val="accent1"/>
+                </a:solidFill>
+                <a:latin typeface="Times New Roman" panose="02020603050405020304" pitchFamily="18" charset="0"/>
+                <a:cs typeface="Times New Roman" panose="02020603050405020304" pitchFamily="18" charset="0"/>
+              </a:rPr>
+              <a:t>For example</a:t>
+            </a:r>
+            <a:endParaRPr kumimoji="1" lang="zh-CN" altLang="en-US" b="1" dirty="0">
+              <a:solidFill>
+                <a:schemeClr val="accent1"/>
+              </a:solidFill>
+              <a:latin typeface="Times New Roman" panose="02020603050405020304" pitchFamily="18" charset="0"/>
+              <a:cs typeface="Times New Roman" panose="02020603050405020304" pitchFamily="18" charset="0"/>
+            </a:endParaRPr>
+          </a:p>
+        </p:txBody>
+      </p:sp>
+      <p:pic>
+        <p:nvPicPr>
+          <p:cNvPr id="79" name="图片 78">
+            <a:extLst>
+              <a:ext uri="{FF2B5EF4-FFF2-40B4-BE49-F238E27FC236}">
+                <a16:creationId xmlns:a16="http://schemas.microsoft.com/office/drawing/2014/main" id="{A05AEB8F-943A-3149-BE8F-E48033CCFA21}"/>
+              </a:ext>
+            </a:extLst>
+          </p:cNvPr>
+          <p:cNvPicPr>
+            <a:picLocks noChangeAspect="1"/>
+          </p:cNvPicPr>
+          <p:nvPr/>
+        </p:nvPicPr>
+        <p:blipFill>
+          <a:blip r:embed="rId14"/>
+          <a:stretch>
+            <a:fillRect/>
+          </a:stretch>
+        </p:blipFill>
+        <p:spPr>
+          <a:xfrm>
+            <a:off x="4147182" y="5110728"/>
+            <a:ext cx="2476839" cy="1671696"/>
+          </a:xfrm>
+          <a:prstGeom prst="rect">
+            <a:avLst/>
+          </a:prstGeom>
+        </p:spPr>
+      </p:pic>
+    </p:spTree>
+    <p:extLst>
+      <p:ext uri="{BB962C8B-B14F-4D97-AF65-F5344CB8AC3E}">
+        <p14:creationId xmlns:p14="http://schemas.microsoft.com/office/powerpoint/2010/main" val="4256397079"/>
+      </p:ext>
+    </p:extLst>
+  </p:cSld>
+  <p:clrMapOvr>
+    <a:masterClrMapping/>
+  </p:clrMapOvr>
+</p:sld>
+</file>
+
+<file path=ppt/slides/slide9.xml><?xml version="1.0" encoding="utf-8"?>
 <p:sld xmlns:a="http://schemas.openxmlformats.org/drawingml/2006/main" xmlns:r="http://schemas.openxmlformats.org/officeDocument/2006/relationships" xmlns:p="http://schemas.openxmlformats.org/presentationml/2006/main">
   <p:cSld>
     <p:spTree>
@@ -15201,90 +17731,6 @@
 </p:sld>
 </file>
 
-<file path=ppt/slides/slide9.xml><?xml version="1.0" encoding="utf-8"?>
-<p:sld xmlns:a="http://schemas.openxmlformats.org/drawingml/2006/main" xmlns:r="http://schemas.openxmlformats.org/officeDocument/2006/relationships" xmlns:p="http://schemas.openxmlformats.org/presentationml/2006/main">
-  <p:cSld>
-    <p:spTree>
-      <p:nvGrpSpPr>
-        <p:cNvPr id="1" name=""/>
-        <p:cNvGrpSpPr/>
-        <p:nvPr/>
-      </p:nvGrpSpPr>
-      <p:grpSpPr>
-        <a:xfrm>
-          <a:off x="0" y="0"/>
-          <a:ext cx="0" cy="0"/>
-          <a:chOff x="0" y="0"/>
-          <a:chExt cx="0" cy="0"/>
-        </a:xfrm>
-      </p:grpSpPr>
-      <p:sp>
-        <p:nvSpPr>
-          <p:cNvPr id="2" name="标题 1">
-            <a:extLst>
-              <a:ext uri="{FF2B5EF4-FFF2-40B4-BE49-F238E27FC236}">
-                <a16:creationId xmlns:a16="http://schemas.microsoft.com/office/drawing/2014/main" id="{E91CE4DB-79AB-714C-9B65-9DD0541E9450}"/>
-              </a:ext>
-            </a:extLst>
-          </p:cNvPr>
-          <p:cNvSpPr>
-            <a:spLocks noGrp="1"/>
-          </p:cNvSpPr>
-          <p:nvPr>
-            <p:ph type="title"/>
-          </p:nvPr>
-        </p:nvSpPr>
-        <p:spPr/>
-        <p:txBody>
-          <a:bodyPr/>
-          <a:lstStyle/>
-          <a:p>
-            <a:r>
-              <a:rPr kumimoji="1" lang="en-US" altLang="zh-CN" dirty="0"/>
-              <a:t>Phase 1</a:t>
-            </a:r>
-            <a:endParaRPr kumimoji="1" lang="zh-CN" altLang="en-US" dirty="0"/>
-          </a:p>
-        </p:txBody>
-      </p:sp>
-      <p:sp>
-        <p:nvSpPr>
-          <p:cNvPr id="3" name="内容占位符 2">
-            <a:extLst>
-              <a:ext uri="{FF2B5EF4-FFF2-40B4-BE49-F238E27FC236}">
-                <a16:creationId xmlns:a16="http://schemas.microsoft.com/office/drawing/2014/main" id="{76368899-9A08-1B42-AB8B-9766D5CF7593}"/>
-              </a:ext>
-            </a:extLst>
-          </p:cNvPr>
-          <p:cNvSpPr>
-            <a:spLocks noGrp="1"/>
-          </p:cNvSpPr>
-          <p:nvPr>
-            <p:ph idx="1"/>
-          </p:nvPr>
-        </p:nvSpPr>
-        <p:spPr/>
-        <p:txBody>
-          <a:bodyPr/>
-          <a:lstStyle/>
-          <a:p>
-            <a:endParaRPr kumimoji="1" lang="zh-CN" altLang="en-US" dirty="0"/>
-          </a:p>
-        </p:txBody>
-      </p:sp>
-    </p:spTree>
-    <p:extLst>
-      <p:ext uri="{BB962C8B-B14F-4D97-AF65-F5344CB8AC3E}">
-        <p14:creationId xmlns:p14="http://schemas.microsoft.com/office/powerpoint/2010/main" val="1769361035"/>
-      </p:ext>
-    </p:extLst>
-  </p:cSld>
-  <p:clrMapOvr>
-    <a:masterClrMapping/>
-  </p:clrMapOvr>
-</p:sld>
-</file>
-
 <file path=ppt/theme/theme1.xml><?xml version="1.0" encoding="utf-8"?>
 <a:theme xmlns:a="http://schemas.openxmlformats.org/drawingml/2006/main" name="Office 主题​​">
   <a:themeElements>

--- a/doc/RIS-angular-domain组会汇报.pptx
+++ b/doc/RIS-angular-domain组会汇报.pptx
@@ -208,7 +208,7 @@
           <a:p>
             <a:fld id="{E581D415-6A2C-0845-8471-1E507F90D7EF}" type="datetimeFigureOut">
               <a:rPr kumimoji="1" lang="zh-CN" altLang="en-US" smtClean="0"/>
-              <a:t>2021/10/8</a:t>
+              <a:t>2021/10/9</a:t>
             </a:fld>
             <a:endParaRPr kumimoji="1" lang="zh-CN" altLang="en-US"/>
           </a:p>
@@ -874,7 +874,7 @@
           <a:p>
             <a:fld id="{D9924F02-9B59-7149-9D63-411B09DD1C0A}" type="datetimeFigureOut">
               <a:rPr kumimoji="1" lang="zh-CN" altLang="en-US" smtClean="0"/>
-              <a:t>2021/10/8</a:t>
+              <a:t>2021/10/9</a:t>
             </a:fld>
             <a:endParaRPr kumimoji="1" lang="zh-CN" altLang="en-US"/>
           </a:p>
@@ -1072,7 +1072,7 @@
           <a:p>
             <a:fld id="{D9924F02-9B59-7149-9D63-411B09DD1C0A}" type="datetimeFigureOut">
               <a:rPr kumimoji="1" lang="zh-CN" altLang="en-US" smtClean="0"/>
-              <a:t>2021/10/8</a:t>
+              <a:t>2021/10/9</a:t>
             </a:fld>
             <a:endParaRPr kumimoji="1" lang="zh-CN" altLang="en-US"/>
           </a:p>
@@ -1280,7 +1280,7 @@
           <a:p>
             <a:fld id="{D9924F02-9B59-7149-9D63-411B09DD1C0A}" type="datetimeFigureOut">
               <a:rPr kumimoji="1" lang="zh-CN" altLang="en-US" smtClean="0"/>
-              <a:t>2021/10/8</a:t>
+              <a:t>2021/10/9</a:t>
             </a:fld>
             <a:endParaRPr kumimoji="1" lang="zh-CN" altLang="en-US"/>
           </a:p>
@@ -1478,7 +1478,7 @@
           <a:p>
             <a:fld id="{D9924F02-9B59-7149-9D63-411B09DD1C0A}" type="datetimeFigureOut">
               <a:rPr kumimoji="1" lang="zh-CN" altLang="en-US" smtClean="0"/>
-              <a:t>2021/10/8</a:t>
+              <a:t>2021/10/9</a:t>
             </a:fld>
             <a:endParaRPr kumimoji="1" lang="zh-CN" altLang="en-US"/>
           </a:p>
@@ -1753,7 +1753,7 @@
           <a:p>
             <a:fld id="{D9924F02-9B59-7149-9D63-411B09DD1C0A}" type="datetimeFigureOut">
               <a:rPr kumimoji="1" lang="zh-CN" altLang="en-US" smtClean="0"/>
-              <a:t>2021/10/8</a:t>
+              <a:t>2021/10/9</a:t>
             </a:fld>
             <a:endParaRPr kumimoji="1" lang="zh-CN" altLang="en-US"/>
           </a:p>
@@ -2018,7 +2018,7 @@
           <a:p>
             <a:fld id="{D9924F02-9B59-7149-9D63-411B09DD1C0A}" type="datetimeFigureOut">
               <a:rPr kumimoji="1" lang="zh-CN" altLang="en-US" smtClean="0"/>
-              <a:t>2021/10/8</a:t>
+              <a:t>2021/10/9</a:t>
             </a:fld>
             <a:endParaRPr kumimoji="1" lang="zh-CN" altLang="en-US"/>
           </a:p>
@@ -2430,7 +2430,7 @@
           <a:p>
             <a:fld id="{D9924F02-9B59-7149-9D63-411B09DD1C0A}" type="datetimeFigureOut">
               <a:rPr kumimoji="1" lang="zh-CN" altLang="en-US" smtClean="0"/>
-              <a:t>2021/10/8</a:t>
+              <a:t>2021/10/9</a:t>
             </a:fld>
             <a:endParaRPr kumimoji="1" lang="zh-CN" altLang="en-US"/>
           </a:p>
@@ -2571,7 +2571,7 @@
           <a:p>
             <a:fld id="{D9924F02-9B59-7149-9D63-411B09DD1C0A}" type="datetimeFigureOut">
               <a:rPr kumimoji="1" lang="zh-CN" altLang="en-US" smtClean="0"/>
-              <a:t>2021/10/8</a:t>
+              <a:t>2021/10/9</a:t>
             </a:fld>
             <a:endParaRPr kumimoji="1" lang="zh-CN" altLang="en-US"/>
           </a:p>
@@ -2684,7 +2684,7 @@
           <a:p>
             <a:fld id="{D9924F02-9B59-7149-9D63-411B09DD1C0A}" type="datetimeFigureOut">
               <a:rPr kumimoji="1" lang="zh-CN" altLang="en-US" smtClean="0"/>
-              <a:t>2021/10/8</a:t>
+              <a:t>2021/10/9</a:t>
             </a:fld>
             <a:endParaRPr kumimoji="1" lang="zh-CN" altLang="en-US"/>
           </a:p>
@@ -2995,7 +2995,7 @@
           <a:p>
             <a:fld id="{D9924F02-9B59-7149-9D63-411B09DD1C0A}" type="datetimeFigureOut">
               <a:rPr kumimoji="1" lang="zh-CN" altLang="en-US" smtClean="0"/>
-              <a:t>2021/10/8</a:t>
+              <a:t>2021/10/9</a:t>
             </a:fld>
             <a:endParaRPr kumimoji="1" lang="zh-CN" altLang="en-US"/>
           </a:p>
@@ -3283,7 +3283,7 @@
           <a:p>
             <a:fld id="{D9924F02-9B59-7149-9D63-411B09DD1C0A}" type="datetimeFigureOut">
               <a:rPr kumimoji="1" lang="zh-CN" altLang="en-US" smtClean="0"/>
-              <a:t>2021/10/8</a:t>
+              <a:t>2021/10/9</a:t>
             </a:fld>
             <a:endParaRPr kumimoji="1" lang="zh-CN" altLang="en-US"/>
           </a:p>
@@ -3524,7 +3524,7 @@
           <a:p>
             <a:fld id="{D9924F02-9B59-7149-9D63-411B09DD1C0A}" type="datetimeFigureOut">
               <a:rPr kumimoji="1" lang="zh-CN" altLang="en-US" smtClean="0"/>
-              <a:t>2021/10/8</a:t>
+              <a:t>2021/10/9</a:t>
             </a:fld>
             <a:endParaRPr kumimoji="1" lang="zh-CN" altLang="en-US"/>
           </a:p>

--- a/doc/RIS-angular-domain组会汇报.pptx
+++ b/doc/RIS-angular-domain组会汇报.pptx
@@ -5406,7 +5406,9 @@
         </p:nvSpPr>
         <p:spPr/>
         <p:txBody>
-          <a:bodyPr/>
+          <a:bodyPr>
+            <a:normAutofit lnSpcReduction="10000"/>
+          </a:bodyPr>
           <a:lstStyle/>
           <a:p>
             <a:r>
@@ -5479,6 +5481,97 @@
               </a:rPr>
               <a:t> </a:t>
             </a:r>
+            <a:endParaRPr kumimoji="1" lang="en-US" altLang="zh-CN" dirty="0">
+              <a:latin typeface="SimSun" panose="02010600030101010101" pitchFamily="2" charset="-122"/>
+              <a:ea typeface="SimSun" panose="02010600030101010101" pitchFamily="2" charset="-122"/>
+            </a:endParaRPr>
+          </a:p>
+          <a:p>
+            <a:pPr lvl="2"/>
+            <a:r>
+              <a:rPr kumimoji="1" lang="en-US" altLang="zh-CN" dirty="0">
+                <a:latin typeface="SimSun" panose="02010600030101010101" pitchFamily="2" charset="-122"/>
+                <a:ea typeface="SimSun" panose="02010600030101010101" pitchFamily="2" charset="-122"/>
+              </a:rPr>
+              <a:t>RIS vs MIMO</a:t>
+            </a:r>
+          </a:p>
+          <a:p>
+            <a:pPr lvl="2"/>
+            <a:endParaRPr kumimoji="1" lang="en-US" altLang="zh-CN" dirty="0">
+              <a:latin typeface="SimSun" panose="02010600030101010101" pitchFamily="2" charset="-122"/>
+              <a:ea typeface="SimSun" panose="02010600030101010101" pitchFamily="2" charset="-122"/>
+            </a:endParaRPr>
+          </a:p>
+          <a:p>
+            <a:pPr lvl="2"/>
+            <a:endParaRPr kumimoji="1" lang="en-US" altLang="zh-CN" dirty="0">
+              <a:latin typeface="SimSun" panose="02010600030101010101" pitchFamily="2" charset="-122"/>
+              <a:ea typeface="SimSun" panose="02010600030101010101" pitchFamily="2" charset="-122"/>
+            </a:endParaRPr>
+          </a:p>
+          <a:p>
+            <a:pPr lvl="2"/>
+            <a:r>
+              <a:rPr kumimoji="1" lang="en" altLang="zh-CN" dirty="0">
+                <a:latin typeface="SimSun" panose="02010600030101010101" pitchFamily="2" charset="-122"/>
+                <a:ea typeface="SimSun" panose="02010600030101010101" pitchFamily="2" charset="-122"/>
+              </a:rPr>
+              <a:t>https://</a:t>
+            </a:r>
+            <a:r>
+              <a:rPr kumimoji="1" lang="en" altLang="zh-CN" dirty="0" err="1">
+                <a:latin typeface="SimSun" panose="02010600030101010101" pitchFamily="2" charset="-122"/>
+                <a:ea typeface="SimSun" panose="02010600030101010101" pitchFamily="2" charset="-122"/>
+              </a:rPr>
+              <a:t>v.youku.com</a:t>
+            </a:r>
+            <a:r>
+              <a:rPr kumimoji="1" lang="en" altLang="zh-CN" dirty="0">
+                <a:latin typeface="SimSun" panose="02010600030101010101" pitchFamily="2" charset="-122"/>
+                <a:ea typeface="SimSun" panose="02010600030101010101" pitchFamily="2" charset="-122"/>
+              </a:rPr>
+              <a:t>/</a:t>
+            </a:r>
+            <a:r>
+              <a:rPr kumimoji="1" lang="en" altLang="zh-CN" dirty="0" err="1">
+                <a:latin typeface="SimSun" panose="02010600030101010101" pitchFamily="2" charset="-122"/>
+                <a:ea typeface="SimSun" panose="02010600030101010101" pitchFamily="2" charset="-122"/>
+              </a:rPr>
+              <a:t>v_show</a:t>
+            </a:r>
+            <a:r>
+              <a:rPr kumimoji="1" lang="en" altLang="zh-CN" dirty="0">
+                <a:latin typeface="SimSun" panose="02010600030101010101" pitchFamily="2" charset="-122"/>
+                <a:ea typeface="SimSun" panose="02010600030101010101" pitchFamily="2" charset="-122"/>
+              </a:rPr>
+              <a:t>/id_XMTM1Njc5NzkxNg==.</a:t>
+            </a:r>
+            <a:r>
+              <a:rPr kumimoji="1" lang="en" altLang="zh-CN" dirty="0" err="1">
+                <a:latin typeface="SimSun" panose="02010600030101010101" pitchFamily="2" charset="-122"/>
+                <a:ea typeface="SimSun" panose="02010600030101010101" pitchFamily="2" charset="-122"/>
+              </a:rPr>
+              <a:t>html?spm</a:t>
+            </a:r>
+            <a:r>
+              <a:rPr kumimoji="1" lang="en" altLang="zh-CN" dirty="0">
+                <a:latin typeface="SimSun" panose="02010600030101010101" pitchFamily="2" charset="-122"/>
+                <a:ea typeface="SimSun" panose="02010600030101010101" pitchFamily="2" charset="-122"/>
+              </a:rPr>
+              <a:t>=a2hbt.13141534.1_2.d_1_22&amp;f=51634930&amp;scm=20140719.apircmd.46307.video_XMTM1Njc5NzkxNg==</a:t>
+            </a:r>
+            <a:endParaRPr kumimoji="1" lang="zh-CN" altLang="en-US">
+              <a:latin typeface="SimSun" panose="02010600030101010101" pitchFamily="2" charset="-122"/>
+              <a:ea typeface="SimSun" panose="02010600030101010101" pitchFamily="2" charset="-122"/>
+            </a:endParaRPr>
+          </a:p>
+          <a:p>
+            <a:pPr lvl="2"/>
+            <a:endParaRPr kumimoji="1" lang="en-US" altLang="zh-CN" dirty="0">
+              <a:latin typeface="SimSun" panose="02010600030101010101" pitchFamily="2" charset="-122"/>
+              <a:ea typeface="SimSun" panose="02010600030101010101" pitchFamily="2" charset="-122"/>
+            </a:endParaRPr>
           </a:p>
         </p:txBody>
       </p:sp>

--- a/doc/RIS-angular-domain组会汇报.pptx
+++ b/doc/RIS-angular-domain组会汇报.pptx
@@ -5,7 +5,7 @@
     <p:sldMasterId id="2147483648" r:id="rId1"/>
   </p:sldMasterIdLst>
   <p:notesMasterIdLst>
-    <p:notesMasterId r:id="rId14"/>
+    <p:notesMasterId r:id="rId16"/>
   </p:notesMasterIdLst>
   <p:sldIdLst>
     <p:sldId id="256" r:id="rId2"/>
@@ -17,9 +17,11 @@
     <p:sldId id="266" r:id="rId8"/>
     <p:sldId id="267" r:id="rId9"/>
     <p:sldId id="259" r:id="rId10"/>
-    <p:sldId id="263" r:id="rId11"/>
-    <p:sldId id="264" r:id="rId12"/>
-    <p:sldId id="265" r:id="rId13"/>
+    <p:sldId id="269" r:id="rId11"/>
+    <p:sldId id="268" r:id="rId12"/>
+    <p:sldId id="263" r:id="rId13"/>
+    <p:sldId id="264" r:id="rId14"/>
+    <p:sldId id="265" r:id="rId15"/>
   </p:sldIdLst>
   <p:sldSz cx="12192000" cy="6858000"/>
   <p:notesSz cx="6858000" cy="9144000"/>
@@ -4195,7 +4197,7 @@
           <p:cNvPr id="2" name="标题 1">
             <a:extLst>
               <a:ext uri="{FF2B5EF4-FFF2-40B4-BE49-F238E27FC236}">
-                <a16:creationId xmlns:a16="http://schemas.microsoft.com/office/drawing/2014/main" id="{E91CE4DB-79AB-714C-9B65-9DD0541E9450}"/>
+                <a16:creationId xmlns:a16="http://schemas.microsoft.com/office/drawing/2014/main" id="{C0B8567E-0B6D-064F-8112-A6D8249DCA29}"/>
               </a:ext>
             </a:extLst>
           </p:cNvPr>
@@ -4213,7 +4215,7 @@
           <a:p>
             <a:r>
               <a:rPr kumimoji="1" lang="en-US" altLang="zh-CN" dirty="0"/>
-              <a:t>Phase 1</a:t>
+              <a:t>EM alg.</a:t>
             </a:r>
             <a:endParaRPr kumimoji="1" lang="zh-CN" altLang="en-US" dirty="0"/>
           </a:p>
@@ -4224,7 +4226,7 @@
           <p:cNvPr id="3" name="内容占位符 2">
             <a:extLst>
               <a:ext uri="{FF2B5EF4-FFF2-40B4-BE49-F238E27FC236}">
-                <a16:creationId xmlns:a16="http://schemas.microsoft.com/office/drawing/2014/main" id="{76368899-9A08-1B42-AB8B-9766D5CF7593}"/>
+                <a16:creationId xmlns:a16="http://schemas.microsoft.com/office/drawing/2014/main" id="{6CF3950E-9C9A-3547-80BF-5C7BCB5BEE33}"/>
               </a:ext>
             </a:extLst>
           </p:cNvPr>
@@ -4240,14 +4242,43 @@
           <a:bodyPr/>
           <a:lstStyle/>
           <a:p>
-            <a:endParaRPr kumimoji="1" lang="zh-CN" altLang="en-US" dirty="0"/>
+            <a:endParaRPr kumimoji="1" lang="zh-CN" altLang="en-US"/>
           </a:p>
         </p:txBody>
       </p:sp>
+      <p:pic>
+        <p:nvPicPr>
+          <p:cNvPr id="5" name="图片 4">
+            <a:extLst>
+              <a:ext uri="{FF2B5EF4-FFF2-40B4-BE49-F238E27FC236}">
+                <a16:creationId xmlns:a16="http://schemas.microsoft.com/office/drawing/2014/main" id="{36CE16A6-1EE6-8449-81A6-D67645CC01B4}"/>
+              </a:ext>
+            </a:extLst>
+          </p:cNvPr>
+          <p:cNvPicPr>
+            <a:picLocks noChangeAspect="1"/>
+          </p:cNvPicPr>
+          <p:nvPr/>
+        </p:nvPicPr>
+        <p:blipFill rotWithShape="1">
+          <a:blip r:embed="rId2"/>
+          <a:srcRect t="6420" r="10364"/>
+          <a:stretch/>
+        </p:blipFill>
+        <p:spPr>
+          <a:xfrm>
+            <a:off x="10285313" y="0"/>
+            <a:ext cx="1906687" cy="1934907"/>
+          </a:xfrm>
+          <a:prstGeom prst="rect">
+            <a:avLst/>
+          </a:prstGeom>
+        </p:spPr>
+      </p:pic>
     </p:spTree>
     <p:extLst>
       <p:ext uri="{BB962C8B-B14F-4D97-AF65-F5344CB8AC3E}">
-        <p14:creationId xmlns:p14="http://schemas.microsoft.com/office/powerpoint/2010/main" val="1769361035"/>
+        <p14:creationId xmlns:p14="http://schemas.microsoft.com/office/powerpoint/2010/main" val="670627246"/>
       </p:ext>
     </p:extLst>
   </p:cSld>
@@ -4279,6 +4310,174 @@
           <p:cNvPr id="2" name="标题 1">
             <a:extLst>
               <a:ext uri="{FF2B5EF4-FFF2-40B4-BE49-F238E27FC236}">
+                <a16:creationId xmlns:a16="http://schemas.microsoft.com/office/drawing/2014/main" id="{E8A3B09B-F418-4E4B-9127-D7E8E3B1177F}"/>
+              </a:ext>
+            </a:extLst>
+          </p:cNvPr>
+          <p:cNvSpPr>
+            <a:spLocks noGrp="1"/>
+          </p:cNvSpPr>
+          <p:nvPr>
+            <p:ph type="title"/>
+          </p:nvPr>
+        </p:nvSpPr>
+        <p:spPr/>
+        <p:txBody>
+          <a:bodyPr/>
+          <a:lstStyle/>
+          <a:p>
+            <a:r>
+              <a:rPr kumimoji="1" lang="en-US" altLang="zh-CN" dirty="0"/>
+              <a:t>VBI explain</a:t>
+            </a:r>
+            <a:endParaRPr kumimoji="1" lang="zh-CN" altLang="en-US" dirty="0"/>
+          </a:p>
+        </p:txBody>
+      </p:sp>
+      <p:sp>
+        <p:nvSpPr>
+          <p:cNvPr id="3" name="内容占位符 2">
+            <a:extLst>
+              <a:ext uri="{FF2B5EF4-FFF2-40B4-BE49-F238E27FC236}">
+                <a16:creationId xmlns:a16="http://schemas.microsoft.com/office/drawing/2014/main" id="{208947FA-FDA3-1449-A1A7-E6FA0E247DB9}"/>
+              </a:ext>
+            </a:extLst>
+          </p:cNvPr>
+          <p:cNvSpPr>
+            <a:spLocks noGrp="1"/>
+          </p:cNvSpPr>
+          <p:nvPr>
+            <p:ph idx="1"/>
+          </p:nvPr>
+        </p:nvSpPr>
+        <p:spPr/>
+        <p:txBody>
+          <a:bodyPr/>
+          <a:lstStyle/>
+          <a:p>
+            <a:endParaRPr kumimoji="1" lang="zh-CN" altLang="en-US" dirty="0"/>
+          </a:p>
+        </p:txBody>
+      </p:sp>
+    </p:spTree>
+    <p:extLst>
+      <p:ext uri="{BB962C8B-B14F-4D97-AF65-F5344CB8AC3E}">
+        <p14:creationId xmlns:p14="http://schemas.microsoft.com/office/powerpoint/2010/main" val="1428603440"/>
+      </p:ext>
+    </p:extLst>
+  </p:cSld>
+  <p:clrMapOvr>
+    <a:masterClrMapping/>
+  </p:clrMapOvr>
+</p:sld>
+</file>
+
+<file path=ppt/slides/slide12.xml><?xml version="1.0" encoding="utf-8"?>
+<p:sld xmlns:a="http://schemas.openxmlformats.org/drawingml/2006/main" xmlns:r="http://schemas.openxmlformats.org/officeDocument/2006/relationships" xmlns:p="http://schemas.openxmlformats.org/presentationml/2006/main">
+  <p:cSld>
+    <p:spTree>
+      <p:nvGrpSpPr>
+        <p:cNvPr id="1" name=""/>
+        <p:cNvGrpSpPr/>
+        <p:nvPr/>
+      </p:nvGrpSpPr>
+      <p:grpSpPr>
+        <a:xfrm>
+          <a:off x="0" y="0"/>
+          <a:ext cx="0" cy="0"/>
+          <a:chOff x="0" y="0"/>
+          <a:chExt cx="0" cy="0"/>
+        </a:xfrm>
+      </p:grpSpPr>
+      <p:sp>
+        <p:nvSpPr>
+          <p:cNvPr id="2" name="标题 1">
+            <a:extLst>
+              <a:ext uri="{FF2B5EF4-FFF2-40B4-BE49-F238E27FC236}">
+                <a16:creationId xmlns:a16="http://schemas.microsoft.com/office/drawing/2014/main" id="{E91CE4DB-79AB-714C-9B65-9DD0541E9450}"/>
+              </a:ext>
+            </a:extLst>
+          </p:cNvPr>
+          <p:cNvSpPr>
+            <a:spLocks noGrp="1"/>
+          </p:cNvSpPr>
+          <p:nvPr>
+            <p:ph type="title"/>
+          </p:nvPr>
+        </p:nvSpPr>
+        <p:spPr/>
+        <p:txBody>
+          <a:bodyPr/>
+          <a:lstStyle/>
+          <a:p>
+            <a:r>
+              <a:rPr kumimoji="1" lang="en-US" altLang="zh-CN" dirty="0"/>
+              <a:t>Phase 1</a:t>
+            </a:r>
+            <a:endParaRPr kumimoji="1" lang="zh-CN" altLang="en-US" dirty="0"/>
+          </a:p>
+        </p:txBody>
+      </p:sp>
+      <p:sp>
+        <p:nvSpPr>
+          <p:cNvPr id="3" name="内容占位符 2">
+            <a:extLst>
+              <a:ext uri="{FF2B5EF4-FFF2-40B4-BE49-F238E27FC236}">
+                <a16:creationId xmlns:a16="http://schemas.microsoft.com/office/drawing/2014/main" id="{76368899-9A08-1B42-AB8B-9766D5CF7593}"/>
+              </a:ext>
+            </a:extLst>
+          </p:cNvPr>
+          <p:cNvSpPr>
+            <a:spLocks noGrp="1"/>
+          </p:cNvSpPr>
+          <p:nvPr>
+            <p:ph idx="1"/>
+          </p:nvPr>
+        </p:nvSpPr>
+        <p:spPr/>
+        <p:txBody>
+          <a:bodyPr/>
+          <a:lstStyle/>
+          <a:p>
+            <a:endParaRPr kumimoji="1" lang="zh-CN" altLang="en-US" dirty="0"/>
+          </a:p>
+        </p:txBody>
+      </p:sp>
+    </p:spTree>
+    <p:extLst>
+      <p:ext uri="{BB962C8B-B14F-4D97-AF65-F5344CB8AC3E}">
+        <p14:creationId xmlns:p14="http://schemas.microsoft.com/office/powerpoint/2010/main" val="1769361035"/>
+      </p:ext>
+    </p:extLst>
+  </p:cSld>
+  <p:clrMapOvr>
+    <a:masterClrMapping/>
+  </p:clrMapOvr>
+</p:sld>
+</file>
+
+<file path=ppt/slides/slide13.xml><?xml version="1.0" encoding="utf-8"?>
+<p:sld xmlns:a="http://schemas.openxmlformats.org/drawingml/2006/main" xmlns:r="http://schemas.openxmlformats.org/officeDocument/2006/relationships" xmlns:p="http://schemas.openxmlformats.org/presentationml/2006/main">
+  <p:cSld>
+    <p:spTree>
+      <p:nvGrpSpPr>
+        <p:cNvPr id="1" name=""/>
+        <p:cNvGrpSpPr/>
+        <p:nvPr/>
+      </p:nvGrpSpPr>
+      <p:grpSpPr>
+        <a:xfrm>
+          <a:off x="0" y="0"/>
+          <a:ext cx="0" cy="0"/>
+          <a:chOff x="0" y="0"/>
+          <a:chExt cx="0" cy="0"/>
+        </a:xfrm>
+      </p:grpSpPr>
+      <p:sp>
+        <p:nvSpPr>
+          <p:cNvPr id="2" name="标题 1">
+            <a:extLst>
+              <a:ext uri="{FF2B5EF4-FFF2-40B4-BE49-F238E27FC236}">
                 <a16:creationId xmlns:a16="http://schemas.microsoft.com/office/drawing/2014/main" id="{17A646E0-4B78-BE4B-97C9-4D552876F760}"/>
               </a:ext>
             </a:extLst>
@@ -4341,7 +4540,7 @@
 </p:sld>
 </file>
 
-<file path=ppt/slides/slide12.xml><?xml version="1.0" encoding="utf-8"?>
+<file path=ppt/slides/slide14.xml><?xml version="1.0" encoding="utf-8"?>
 <p:sld xmlns:a="http://schemas.openxmlformats.org/drawingml/2006/main" xmlns:r="http://schemas.openxmlformats.org/officeDocument/2006/relationships" xmlns:p="http://schemas.openxmlformats.org/presentationml/2006/main">
   <p:cSld>
     <p:spTree>
@@ -5561,7 +5760,7 @@
               </a:rPr>
               <a:t>=a2hbt.13141534.1_2.d_1_22&amp;f=51634930&amp;scm=20140719.apircmd.46307.video_XMTM1Njc5NzkxNg==</a:t>
             </a:r>
-            <a:endParaRPr kumimoji="1" lang="zh-CN" altLang="en-US">
+            <a:endParaRPr kumimoji="1" lang="zh-CN" altLang="en-US" dirty="0">
               <a:latin typeface="SimSun" panose="02010600030101010101" pitchFamily="2" charset="-122"/>
               <a:ea typeface="SimSun" panose="02010600030101010101" pitchFamily="2" charset="-122"/>
             </a:endParaRPr>

--- a/doc/RIS-angular-domain组会汇报.pptx
+++ b/doc/RIS-angular-domain组会汇报.pptx
@@ -13307,6 +13307,14 @@
             <a:r>
               <a:rPr kumimoji="1" lang="en-US" altLang="zh-CN" dirty="0"/>
               <a:t>Frame Design</a:t>
+            </a:r>
+            <a:r>
+              <a:rPr kumimoji="1" lang="zh-CN" altLang="en-US" dirty="0"/>
+              <a:t> </a:t>
+            </a:r>
+            <a:r>
+              <a:rPr kumimoji="1" lang="zh-CN" altLang="en-US" sz="2800" dirty="0"/>
+              <a:t>提出完方案，往后放？</a:t>
             </a:r>
             <a:endParaRPr kumimoji="1" lang="zh-CN" altLang="en-US" dirty="0"/>
           </a:p>
@@ -16543,526 +16551,12 @@
           </a:p>
         </p:txBody>
       </p:sp>
-      <p:sp>
-        <p:nvSpPr>
-          <p:cNvPr id="246" name="矩形 245">
-            <a:extLst>
-              <a:ext uri="{FF2B5EF4-FFF2-40B4-BE49-F238E27FC236}">
-                <a16:creationId xmlns:a16="http://schemas.microsoft.com/office/drawing/2014/main" id="{0049825D-C576-8B4E-A432-1AADD7E6B619}"/>
-              </a:ext>
-            </a:extLst>
-          </p:cNvPr>
-          <p:cNvSpPr/>
-          <p:nvPr/>
-        </p:nvSpPr>
-        <p:spPr>
-          <a:xfrm>
-            <a:off x="1936781" y="5581158"/>
-            <a:ext cx="8675753" cy="653387"/>
-          </a:xfrm>
-          <a:prstGeom prst="rect">
-            <a:avLst/>
-          </a:prstGeom>
-          <a:noFill/>
-          <a:ln w="38100">
-            <a:solidFill>
-              <a:schemeClr val="tx1"/>
-            </a:solidFill>
-          </a:ln>
-        </p:spPr>
-        <p:style>
-          <a:lnRef idx="2">
-            <a:schemeClr val="accent1">
-              <a:shade val="50000"/>
-            </a:schemeClr>
-          </a:lnRef>
-          <a:fillRef idx="1">
-            <a:schemeClr val="accent1"/>
-          </a:fillRef>
-          <a:effectRef idx="0">
-            <a:schemeClr val="accent1"/>
-          </a:effectRef>
-          <a:fontRef idx="minor">
-            <a:schemeClr val="lt1"/>
-          </a:fontRef>
-        </p:style>
-        <p:txBody>
-          <a:bodyPr rtlCol="0" anchor="ctr"/>
-          <a:lstStyle/>
-          <a:p>
-            <a:pPr algn="ctr"/>
-            <a:endParaRPr kumimoji="1" lang="zh-CN" altLang="en-US"/>
-          </a:p>
-        </p:txBody>
-      </p:sp>
-      <p:sp>
-        <p:nvSpPr>
-          <p:cNvPr id="247" name="矩形 246">
-            <a:extLst>
-              <a:ext uri="{FF2B5EF4-FFF2-40B4-BE49-F238E27FC236}">
-                <a16:creationId xmlns:a16="http://schemas.microsoft.com/office/drawing/2014/main" id="{2E5FF078-8C1A-904A-AC91-67808C90407C}"/>
-              </a:ext>
-            </a:extLst>
-          </p:cNvPr>
-          <p:cNvSpPr/>
-          <p:nvPr/>
-        </p:nvSpPr>
-        <p:spPr>
-          <a:xfrm>
-            <a:off x="1958058" y="5578218"/>
-            <a:ext cx="289053" cy="653387"/>
-          </a:xfrm>
-          <a:prstGeom prst="rect">
-            <a:avLst/>
-          </a:prstGeom>
-          <a:solidFill>
-            <a:srgbClr val="FF0000">
-              <a:alpha val="25985"/>
-            </a:srgbClr>
-          </a:solidFill>
-          <a:ln>
-            <a:noFill/>
-          </a:ln>
-        </p:spPr>
-        <p:style>
-          <a:lnRef idx="2">
-            <a:schemeClr val="accent1">
-              <a:shade val="50000"/>
-            </a:schemeClr>
-          </a:lnRef>
-          <a:fillRef idx="1">
-            <a:schemeClr val="accent1"/>
-          </a:fillRef>
-          <a:effectRef idx="0">
-            <a:schemeClr val="accent1"/>
-          </a:effectRef>
-          <a:fontRef idx="minor">
-            <a:schemeClr val="lt1"/>
-          </a:fontRef>
-        </p:style>
-        <p:txBody>
-          <a:bodyPr rtlCol="0" anchor="ctr"/>
-          <a:lstStyle/>
-          <a:p>
-            <a:pPr algn="ctr"/>
-            <a:endParaRPr kumimoji="1" lang="zh-CN" altLang="en-US"/>
-          </a:p>
-        </p:txBody>
-      </p:sp>
-      <p:sp>
-        <p:nvSpPr>
-          <p:cNvPr id="248" name="矩形 247">
-            <a:extLst>
-              <a:ext uri="{FF2B5EF4-FFF2-40B4-BE49-F238E27FC236}">
-                <a16:creationId xmlns:a16="http://schemas.microsoft.com/office/drawing/2014/main" id="{1C310851-2942-2E42-805C-BE67F39E120C}"/>
-              </a:ext>
-            </a:extLst>
-          </p:cNvPr>
-          <p:cNvSpPr/>
-          <p:nvPr/>
-        </p:nvSpPr>
-        <p:spPr>
-          <a:xfrm>
-            <a:off x="2268388" y="5578218"/>
-            <a:ext cx="289053" cy="653387"/>
-          </a:xfrm>
-          <a:prstGeom prst="rect">
-            <a:avLst/>
-          </a:prstGeom>
-          <a:solidFill>
-            <a:schemeClr val="accent5">
-              <a:alpha val="25985"/>
-            </a:schemeClr>
-          </a:solidFill>
-          <a:ln>
-            <a:noFill/>
-          </a:ln>
-        </p:spPr>
-        <p:style>
-          <a:lnRef idx="2">
-            <a:schemeClr val="accent1">
-              <a:shade val="50000"/>
-            </a:schemeClr>
-          </a:lnRef>
-          <a:fillRef idx="1">
-            <a:schemeClr val="accent1"/>
-          </a:fillRef>
-          <a:effectRef idx="0">
-            <a:schemeClr val="accent1"/>
-          </a:effectRef>
-          <a:fontRef idx="minor">
-            <a:schemeClr val="lt1"/>
-          </a:fontRef>
-        </p:style>
-        <p:txBody>
-          <a:bodyPr rtlCol="0" anchor="ctr"/>
-          <a:lstStyle/>
-          <a:p>
-            <a:pPr algn="ctr"/>
-            <a:endParaRPr kumimoji="1" lang="zh-CN" altLang="en-US"/>
-          </a:p>
-        </p:txBody>
-      </p:sp>
-      <p:cxnSp>
-        <p:nvCxnSpPr>
-          <p:cNvPr id="250" name="直线连接符 249">
-            <a:extLst>
-              <a:ext uri="{FF2B5EF4-FFF2-40B4-BE49-F238E27FC236}">
-                <a16:creationId xmlns:a16="http://schemas.microsoft.com/office/drawing/2014/main" id="{340CAC8F-C042-7E40-ABFC-A183DFA35273}"/>
-              </a:ext>
-            </a:extLst>
-          </p:cNvPr>
-          <p:cNvCxnSpPr/>
-          <p:nvPr/>
-        </p:nvCxnSpPr>
-        <p:spPr>
-          <a:xfrm>
-            <a:off x="2247111" y="5578218"/>
-            <a:ext cx="0" cy="659266"/>
-          </a:xfrm>
-          <a:prstGeom prst="line">
-            <a:avLst/>
-          </a:prstGeom>
-          <a:ln w="38100">
-            <a:solidFill>
-              <a:schemeClr val="tx1"/>
-            </a:solidFill>
-          </a:ln>
-        </p:spPr>
-        <p:style>
-          <a:lnRef idx="1">
-            <a:schemeClr val="accent1"/>
-          </a:lnRef>
-          <a:fillRef idx="0">
-            <a:schemeClr val="accent1"/>
-          </a:fillRef>
-          <a:effectRef idx="0">
-            <a:schemeClr val="accent1"/>
-          </a:effectRef>
-          <a:fontRef idx="minor">
-            <a:schemeClr val="tx1"/>
-          </a:fontRef>
-        </p:style>
-      </p:cxnSp>
-      <p:cxnSp>
-        <p:nvCxnSpPr>
-          <p:cNvPr id="251" name="直线连接符 250">
-            <a:extLst>
-              <a:ext uri="{FF2B5EF4-FFF2-40B4-BE49-F238E27FC236}">
-                <a16:creationId xmlns:a16="http://schemas.microsoft.com/office/drawing/2014/main" id="{D0912AD3-B004-4D4F-9E9A-C3DE64F6FEB7}"/>
-              </a:ext>
-            </a:extLst>
-          </p:cNvPr>
-          <p:cNvCxnSpPr/>
-          <p:nvPr/>
-        </p:nvCxnSpPr>
-        <p:spPr>
-          <a:xfrm>
-            <a:off x="2547708" y="5578218"/>
-            <a:ext cx="0" cy="659266"/>
-          </a:xfrm>
-          <a:prstGeom prst="line">
-            <a:avLst/>
-          </a:prstGeom>
-          <a:ln w="38100">
-            <a:solidFill>
-              <a:schemeClr val="tx1"/>
-            </a:solidFill>
-          </a:ln>
-        </p:spPr>
-        <p:style>
-          <a:lnRef idx="1">
-            <a:schemeClr val="accent1"/>
-          </a:lnRef>
-          <a:fillRef idx="0">
-            <a:schemeClr val="accent1"/>
-          </a:fillRef>
-          <a:effectRef idx="0">
-            <a:schemeClr val="accent1"/>
-          </a:effectRef>
-          <a:fontRef idx="minor">
-            <a:schemeClr val="tx1"/>
-          </a:fontRef>
-        </p:style>
-      </p:cxnSp>
-      <p:sp>
-        <p:nvSpPr>
-          <p:cNvPr id="252" name="矩形 251">
-            <a:extLst>
-              <a:ext uri="{FF2B5EF4-FFF2-40B4-BE49-F238E27FC236}">
-                <a16:creationId xmlns:a16="http://schemas.microsoft.com/office/drawing/2014/main" id="{DA8B2421-C16B-FC45-8184-3C214102935A}"/>
-              </a:ext>
-            </a:extLst>
-          </p:cNvPr>
-          <p:cNvSpPr/>
-          <p:nvPr/>
-        </p:nvSpPr>
-        <p:spPr>
-          <a:xfrm>
-            <a:off x="4581525" y="5578218"/>
-            <a:ext cx="289053" cy="653387"/>
-          </a:xfrm>
-          <a:prstGeom prst="rect">
-            <a:avLst/>
-          </a:prstGeom>
-          <a:solidFill>
-            <a:schemeClr val="accent6">
-              <a:alpha val="25985"/>
-            </a:schemeClr>
-          </a:solidFill>
-          <a:ln>
-            <a:noFill/>
-          </a:ln>
-        </p:spPr>
-        <p:style>
-          <a:lnRef idx="2">
-            <a:schemeClr val="accent1">
-              <a:shade val="50000"/>
-            </a:schemeClr>
-          </a:lnRef>
-          <a:fillRef idx="1">
-            <a:schemeClr val="accent1"/>
-          </a:fillRef>
-          <a:effectRef idx="0">
-            <a:schemeClr val="accent1"/>
-          </a:effectRef>
-          <a:fontRef idx="minor">
-            <a:schemeClr val="lt1"/>
-          </a:fontRef>
-        </p:style>
-        <p:txBody>
-          <a:bodyPr rtlCol="0" anchor="ctr"/>
-          <a:lstStyle/>
-          <a:p>
-            <a:pPr algn="ctr"/>
-            <a:endParaRPr kumimoji="1" lang="zh-CN" altLang="en-US"/>
-          </a:p>
-        </p:txBody>
-      </p:sp>
-      <p:cxnSp>
-        <p:nvCxnSpPr>
-          <p:cNvPr id="253" name="直线连接符 252">
-            <a:extLst>
-              <a:ext uri="{FF2B5EF4-FFF2-40B4-BE49-F238E27FC236}">
-                <a16:creationId xmlns:a16="http://schemas.microsoft.com/office/drawing/2014/main" id="{B2A2074F-B6FD-4744-BDCE-AAA7A08730FB}"/>
-              </a:ext>
-            </a:extLst>
-          </p:cNvPr>
-          <p:cNvCxnSpPr/>
-          <p:nvPr/>
-        </p:nvCxnSpPr>
-        <p:spPr>
-          <a:xfrm>
-            <a:off x="4560248" y="5578218"/>
-            <a:ext cx="0" cy="659266"/>
-          </a:xfrm>
-          <a:prstGeom prst="line">
-            <a:avLst/>
-          </a:prstGeom>
-          <a:ln w="38100">
-            <a:solidFill>
-              <a:schemeClr val="tx1"/>
-            </a:solidFill>
-          </a:ln>
-        </p:spPr>
-        <p:style>
-          <a:lnRef idx="1">
-            <a:schemeClr val="accent1"/>
-          </a:lnRef>
-          <a:fillRef idx="0">
-            <a:schemeClr val="accent1"/>
-          </a:fillRef>
-          <a:effectRef idx="0">
-            <a:schemeClr val="accent1"/>
-          </a:effectRef>
-          <a:fontRef idx="minor">
-            <a:schemeClr val="tx1"/>
-          </a:fontRef>
-        </p:style>
-      </p:cxnSp>
-      <p:cxnSp>
-        <p:nvCxnSpPr>
-          <p:cNvPr id="254" name="直线连接符 253">
-            <a:extLst>
-              <a:ext uri="{FF2B5EF4-FFF2-40B4-BE49-F238E27FC236}">
-                <a16:creationId xmlns:a16="http://schemas.microsoft.com/office/drawing/2014/main" id="{360720F9-9BA4-354B-83D2-99DE6E6DFEAC}"/>
-              </a:ext>
-            </a:extLst>
-          </p:cNvPr>
-          <p:cNvCxnSpPr/>
-          <p:nvPr/>
-        </p:nvCxnSpPr>
-        <p:spPr>
-          <a:xfrm>
-            <a:off x="4860845" y="5578218"/>
-            <a:ext cx="0" cy="659266"/>
-          </a:xfrm>
-          <a:prstGeom prst="line">
-            <a:avLst/>
-          </a:prstGeom>
-          <a:ln w="38100">
-            <a:solidFill>
-              <a:schemeClr val="tx1"/>
-            </a:solidFill>
-          </a:ln>
-        </p:spPr>
-        <p:style>
-          <a:lnRef idx="1">
-            <a:schemeClr val="accent1"/>
-          </a:lnRef>
-          <a:fillRef idx="0">
-            <a:schemeClr val="accent1"/>
-          </a:fillRef>
-          <a:effectRef idx="0">
-            <a:schemeClr val="accent1"/>
-          </a:effectRef>
-          <a:fontRef idx="minor">
-            <a:schemeClr val="tx1"/>
-          </a:fontRef>
-        </p:style>
-      </p:cxnSp>
-      <p:sp>
-        <p:nvSpPr>
-          <p:cNvPr id="255" name="矩形 254">
-            <a:extLst>
-              <a:ext uri="{FF2B5EF4-FFF2-40B4-BE49-F238E27FC236}">
-                <a16:creationId xmlns:a16="http://schemas.microsoft.com/office/drawing/2014/main" id="{5467333E-44E5-9643-B802-FCD658B3E5BE}"/>
-              </a:ext>
-            </a:extLst>
-          </p:cNvPr>
-          <p:cNvSpPr/>
-          <p:nvPr/>
-        </p:nvSpPr>
-        <p:spPr>
-          <a:xfrm>
-            <a:off x="6883733" y="5578218"/>
-            <a:ext cx="289053" cy="653387"/>
-          </a:xfrm>
-          <a:prstGeom prst="rect">
-            <a:avLst/>
-          </a:prstGeom>
-          <a:solidFill>
-            <a:schemeClr val="accent6">
-              <a:alpha val="25985"/>
-            </a:schemeClr>
-          </a:solidFill>
-          <a:ln>
-            <a:noFill/>
-          </a:ln>
-        </p:spPr>
-        <p:style>
-          <a:lnRef idx="2">
-            <a:schemeClr val="accent1">
-              <a:shade val="50000"/>
-            </a:schemeClr>
-          </a:lnRef>
-          <a:fillRef idx="1">
-            <a:schemeClr val="accent1"/>
-          </a:fillRef>
-          <a:effectRef idx="0">
-            <a:schemeClr val="accent1"/>
-          </a:effectRef>
-          <a:fontRef idx="minor">
-            <a:schemeClr val="lt1"/>
-          </a:fontRef>
-        </p:style>
-        <p:txBody>
-          <a:bodyPr rtlCol="0" anchor="ctr"/>
-          <a:lstStyle/>
-          <a:p>
-            <a:pPr algn="ctr"/>
-            <a:endParaRPr kumimoji="1" lang="zh-CN" altLang="en-US"/>
-          </a:p>
-        </p:txBody>
-      </p:sp>
-      <p:cxnSp>
-        <p:nvCxnSpPr>
-          <p:cNvPr id="256" name="直线连接符 255">
-            <a:extLst>
-              <a:ext uri="{FF2B5EF4-FFF2-40B4-BE49-F238E27FC236}">
-                <a16:creationId xmlns:a16="http://schemas.microsoft.com/office/drawing/2014/main" id="{95F309F1-58DF-194C-8763-B260F64231AF}"/>
-              </a:ext>
-            </a:extLst>
-          </p:cNvPr>
-          <p:cNvCxnSpPr/>
-          <p:nvPr/>
-        </p:nvCxnSpPr>
-        <p:spPr>
-          <a:xfrm>
-            <a:off x="6862456" y="5578218"/>
-            <a:ext cx="0" cy="659266"/>
-          </a:xfrm>
-          <a:prstGeom prst="line">
-            <a:avLst/>
-          </a:prstGeom>
-          <a:ln w="38100">
-            <a:solidFill>
-              <a:schemeClr val="tx1"/>
-            </a:solidFill>
-          </a:ln>
-        </p:spPr>
-        <p:style>
-          <a:lnRef idx="1">
-            <a:schemeClr val="accent1"/>
-          </a:lnRef>
-          <a:fillRef idx="0">
-            <a:schemeClr val="accent1"/>
-          </a:fillRef>
-          <a:effectRef idx="0">
-            <a:schemeClr val="accent1"/>
-          </a:effectRef>
-          <a:fontRef idx="minor">
-            <a:schemeClr val="tx1"/>
-          </a:fontRef>
-        </p:style>
-      </p:cxnSp>
-      <p:cxnSp>
-        <p:nvCxnSpPr>
-          <p:cNvPr id="257" name="直线连接符 256">
-            <a:extLst>
-              <a:ext uri="{FF2B5EF4-FFF2-40B4-BE49-F238E27FC236}">
-                <a16:creationId xmlns:a16="http://schemas.microsoft.com/office/drawing/2014/main" id="{A3943845-6D25-6B42-9696-B94CAC1112E0}"/>
-              </a:ext>
-            </a:extLst>
-          </p:cNvPr>
-          <p:cNvCxnSpPr/>
-          <p:nvPr/>
-        </p:nvCxnSpPr>
-        <p:spPr>
-          <a:xfrm>
-            <a:off x="7163053" y="5578218"/>
-            <a:ext cx="0" cy="659266"/>
-          </a:xfrm>
-          <a:prstGeom prst="line">
-            <a:avLst/>
-          </a:prstGeom>
-          <a:ln w="38100">
-            <a:solidFill>
-              <a:schemeClr val="tx1"/>
-            </a:solidFill>
-          </a:ln>
-        </p:spPr>
-        <p:style>
-          <a:lnRef idx="1">
-            <a:schemeClr val="accent1"/>
-          </a:lnRef>
-          <a:fillRef idx="0">
-            <a:schemeClr val="accent1"/>
-          </a:fillRef>
-          <a:effectRef idx="0">
-            <a:schemeClr val="accent1"/>
-          </a:effectRef>
-          <a:fontRef idx="minor">
-            <a:schemeClr val="tx1"/>
-          </a:fontRef>
-        </p:style>
-      </p:cxnSp>
       <p:grpSp>
         <p:nvGrpSpPr>
-          <p:cNvPr id="258" name="组合 257">
-            <a:extLst>
-              <a:ext uri="{FF2B5EF4-FFF2-40B4-BE49-F238E27FC236}">
-                <a16:creationId xmlns:a16="http://schemas.microsoft.com/office/drawing/2014/main" id="{D379CF21-CD4A-C941-84C4-48FE548884CD}"/>
+          <p:cNvPr id="3" name="组合 2">
+            <a:extLst>
+              <a:ext uri="{FF2B5EF4-FFF2-40B4-BE49-F238E27FC236}">
+                <a16:creationId xmlns:a16="http://schemas.microsoft.com/office/drawing/2014/main" id="{81C058E9-FD22-954A-BC1E-6F51E72DF28B}"/>
               </a:ext>
             </a:extLst>
           </p:cNvPr>
@@ -17070,19 +16564,19 @@
           <p:nvPr/>
         </p:nvGrpSpPr>
         <p:grpSpPr>
-          <a:xfrm rot="5400000">
-            <a:off x="7762317" y="5748087"/>
-            <a:ext cx="45719" cy="359370"/>
-            <a:chOff x="3307229" y="2523890"/>
-            <a:chExt cx="45719" cy="359370"/>
+          <a:xfrm>
+            <a:off x="1936781" y="5567359"/>
+            <a:ext cx="8675753" cy="670125"/>
+            <a:chOff x="1936781" y="5567359"/>
+            <a:chExt cx="8675753" cy="670125"/>
           </a:xfrm>
         </p:grpSpPr>
         <p:sp>
           <p:nvSpPr>
-            <p:cNvPr id="259" name="椭圆 258">
+            <p:cNvPr id="246" name="矩形 245">
               <a:extLst>
                 <a:ext uri="{FF2B5EF4-FFF2-40B4-BE49-F238E27FC236}">
-                  <a16:creationId xmlns:a16="http://schemas.microsoft.com/office/drawing/2014/main" id="{159E9F49-56AF-CE42-9EF1-99BC83D57188}"/>
+                  <a16:creationId xmlns:a16="http://schemas.microsoft.com/office/drawing/2014/main" id="{0049825D-C576-8B4E-A432-1AADD7E6B619}"/>
                 </a:ext>
               </a:extLst>
             </p:cNvPr>
@@ -17090,15 +16584,69 @@
             <p:nvPr/>
           </p:nvSpPr>
           <p:spPr>
-            <a:xfrm rot="5400000">
-              <a:off x="3307229" y="2523890"/>
-              <a:ext cx="45719" cy="45719"/>
+            <a:xfrm>
+              <a:off x="1936781" y="5581158"/>
+              <a:ext cx="8675753" cy="653387"/>
             </a:xfrm>
-            <a:prstGeom prst="ellipse">
+            <a:prstGeom prst="rect">
+              <a:avLst/>
+            </a:prstGeom>
+            <a:noFill/>
+            <a:ln w="38100">
+              <a:solidFill>
+                <a:schemeClr val="tx1"/>
+              </a:solidFill>
+            </a:ln>
+          </p:spPr>
+          <p:style>
+            <a:lnRef idx="2">
+              <a:schemeClr val="accent1">
+                <a:shade val="50000"/>
+              </a:schemeClr>
+            </a:lnRef>
+            <a:fillRef idx="1">
+              <a:schemeClr val="accent1"/>
+            </a:fillRef>
+            <a:effectRef idx="0">
+              <a:schemeClr val="accent1"/>
+            </a:effectRef>
+            <a:fontRef idx="minor">
+              <a:schemeClr val="lt1"/>
+            </a:fontRef>
+          </p:style>
+          <p:txBody>
+            <a:bodyPr rtlCol="0" anchor="ctr"/>
+            <a:lstStyle/>
+            <a:p>
+              <a:pPr algn="ctr"/>
+              <a:endParaRPr kumimoji="1" lang="zh-CN" altLang="en-US"/>
+            </a:p>
+          </p:txBody>
+        </p:sp>
+        <p:sp>
+          <p:nvSpPr>
+            <p:cNvPr id="247" name="矩形 246">
+              <a:extLst>
+                <a:ext uri="{FF2B5EF4-FFF2-40B4-BE49-F238E27FC236}">
+                  <a16:creationId xmlns:a16="http://schemas.microsoft.com/office/drawing/2014/main" id="{2E5FF078-8C1A-904A-AC91-67808C90407C}"/>
+                </a:ext>
+              </a:extLst>
+            </p:cNvPr>
+            <p:cNvSpPr/>
+            <p:nvPr/>
+          </p:nvSpPr>
+          <p:spPr>
+            <a:xfrm>
+              <a:off x="1958058" y="5578218"/>
+              <a:ext cx="289053" cy="653387"/>
+            </a:xfrm>
+            <a:prstGeom prst="rect">
               <a:avLst/>
             </a:prstGeom>
             <a:solidFill>
-              <a:schemeClr val="tx1"/>
+              <a:srgbClr val="FF0000">
+                <a:alpha val="25985"/>
+              </a:srgbClr>
             </a:solidFill>
             <a:ln>
               <a:noFill/>
@@ -17131,10 +16679,10 @@
         </p:sp>
         <p:sp>
           <p:nvSpPr>
-            <p:cNvPr id="260" name="椭圆 259">
+            <p:cNvPr id="248" name="矩形 247">
               <a:extLst>
                 <a:ext uri="{FF2B5EF4-FFF2-40B4-BE49-F238E27FC236}">
-                  <a16:creationId xmlns:a16="http://schemas.microsoft.com/office/drawing/2014/main" id="{EDE472B8-AE9D-AB4E-B691-C342BB5C003D}"/>
+                  <a16:creationId xmlns:a16="http://schemas.microsoft.com/office/drawing/2014/main" id="{1C310851-2942-2E42-805C-BE67F39E120C}"/>
                 </a:ext>
               </a:extLst>
             </p:cNvPr>
@@ -17142,15 +16690,17 @@
             <p:nvPr/>
           </p:nvSpPr>
           <p:spPr>
-            <a:xfrm rot="5400000">
-              <a:off x="3307229" y="2630001"/>
-              <a:ext cx="45719" cy="45719"/>
+            <a:xfrm>
+              <a:off x="2268388" y="5578218"/>
+              <a:ext cx="289053" cy="653387"/>
             </a:xfrm>
-            <a:prstGeom prst="ellipse">
+            <a:prstGeom prst="rect">
               <a:avLst/>
             </a:prstGeom>
             <a:solidFill>
-              <a:schemeClr val="tx1"/>
+              <a:schemeClr val="accent5">
+                <a:alpha val="25985"/>
+              </a:schemeClr>
             </a:solidFill>
             <a:ln>
               <a:noFill/>
@@ -17181,12 +16731,94 @@
             </a:p>
           </p:txBody>
         </p:sp>
+        <p:cxnSp>
+          <p:nvCxnSpPr>
+            <p:cNvPr id="250" name="直线连接符 249">
+              <a:extLst>
+                <a:ext uri="{FF2B5EF4-FFF2-40B4-BE49-F238E27FC236}">
+                  <a16:creationId xmlns:a16="http://schemas.microsoft.com/office/drawing/2014/main" id="{340CAC8F-C042-7E40-ABFC-A183DFA35273}"/>
+                </a:ext>
+              </a:extLst>
+            </p:cNvPr>
+            <p:cNvCxnSpPr/>
+            <p:nvPr/>
+          </p:nvCxnSpPr>
+          <p:spPr>
+            <a:xfrm>
+              <a:off x="2247111" y="5578218"/>
+              <a:ext cx="0" cy="659266"/>
+            </a:xfrm>
+            <a:prstGeom prst="line">
+              <a:avLst/>
+            </a:prstGeom>
+            <a:ln w="38100">
+              <a:solidFill>
+                <a:schemeClr val="tx1"/>
+              </a:solidFill>
+            </a:ln>
+          </p:spPr>
+          <p:style>
+            <a:lnRef idx="1">
+              <a:schemeClr val="accent1"/>
+            </a:lnRef>
+            <a:fillRef idx="0">
+              <a:schemeClr val="accent1"/>
+            </a:fillRef>
+            <a:effectRef idx="0">
+              <a:schemeClr val="accent1"/>
+            </a:effectRef>
+            <a:fontRef idx="minor">
+              <a:schemeClr val="tx1"/>
+            </a:fontRef>
+          </p:style>
+        </p:cxnSp>
+        <p:cxnSp>
+          <p:nvCxnSpPr>
+            <p:cNvPr id="251" name="直线连接符 250">
+              <a:extLst>
+                <a:ext uri="{FF2B5EF4-FFF2-40B4-BE49-F238E27FC236}">
+                  <a16:creationId xmlns:a16="http://schemas.microsoft.com/office/drawing/2014/main" id="{D0912AD3-B004-4D4F-9E9A-C3DE64F6FEB7}"/>
+                </a:ext>
+              </a:extLst>
+            </p:cNvPr>
+            <p:cNvCxnSpPr/>
+            <p:nvPr/>
+          </p:nvCxnSpPr>
+          <p:spPr>
+            <a:xfrm>
+              <a:off x="2547708" y="5578218"/>
+              <a:ext cx="0" cy="659266"/>
+            </a:xfrm>
+            <a:prstGeom prst="line">
+              <a:avLst/>
+            </a:prstGeom>
+            <a:ln w="38100">
+              <a:solidFill>
+                <a:schemeClr val="tx1"/>
+              </a:solidFill>
+            </a:ln>
+          </p:spPr>
+          <p:style>
+            <a:lnRef idx="1">
+              <a:schemeClr val="accent1"/>
+            </a:lnRef>
+            <a:fillRef idx="0">
+              <a:schemeClr val="accent1"/>
+            </a:fillRef>
+            <a:effectRef idx="0">
+              <a:schemeClr val="accent1"/>
+            </a:effectRef>
+            <a:fontRef idx="minor">
+              <a:schemeClr val="tx1"/>
+            </a:fontRef>
+          </p:style>
+        </p:cxnSp>
         <p:sp>
           <p:nvSpPr>
-            <p:cNvPr id="261" name="椭圆 260">
+            <p:cNvPr id="252" name="矩形 251">
               <a:extLst>
                 <a:ext uri="{FF2B5EF4-FFF2-40B4-BE49-F238E27FC236}">
-                  <a16:creationId xmlns:a16="http://schemas.microsoft.com/office/drawing/2014/main" id="{8E3366A9-E595-3D4A-8965-5901BA53A9E3}"/>
+                  <a16:creationId xmlns:a16="http://schemas.microsoft.com/office/drawing/2014/main" id="{DA8B2421-C16B-FC45-8184-3C214102935A}"/>
                 </a:ext>
               </a:extLst>
             </p:cNvPr>
@@ -17194,15 +16826,17 @@
             <p:nvPr/>
           </p:nvSpPr>
           <p:spPr>
-            <a:xfrm rot="5400000">
-              <a:off x="3307229" y="2731430"/>
-              <a:ext cx="45719" cy="45719"/>
+            <a:xfrm>
+              <a:off x="4581525" y="5578218"/>
+              <a:ext cx="289053" cy="653387"/>
             </a:xfrm>
-            <a:prstGeom prst="ellipse">
+            <a:prstGeom prst="rect">
               <a:avLst/>
             </a:prstGeom>
             <a:solidFill>
-              <a:schemeClr val="tx1"/>
+              <a:schemeClr val="accent6">
+                <a:alpha val="25985"/>
+              </a:schemeClr>
             </a:solidFill>
             <a:ln>
               <a:noFill/>
@@ -17233,12 +16867,94 @@
             </a:p>
           </p:txBody>
         </p:sp>
+        <p:cxnSp>
+          <p:nvCxnSpPr>
+            <p:cNvPr id="253" name="直线连接符 252">
+              <a:extLst>
+                <a:ext uri="{FF2B5EF4-FFF2-40B4-BE49-F238E27FC236}">
+                  <a16:creationId xmlns:a16="http://schemas.microsoft.com/office/drawing/2014/main" id="{B2A2074F-B6FD-4744-BDCE-AAA7A08730FB}"/>
+                </a:ext>
+              </a:extLst>
+            </p:cNvPr>
+            <p:cNvCxnSpPr/>
+            <p:nvPr/>
+          </p:nvCxnSpPr>
+          <p:spPr>
+            <a:xfrm>
+              <a:off x="4560248" y="5578218"/>
+              <a:ext cx="0" cy="659266"/>
+            </a:xfrm>
+            <a:prstGeom prst="line">
+              <a:avLst/>
+            </a:prstGeom>
+            <a:ln w="38100">
+              <a:solidFill>
+                <a:schemeClr val="tx1"/>
+              </a:solidFill>
+            </a:ln>
+          </p:spPr>
+          <p:style>
+            <a:lnRef idx="1">
+              <a:schemeClr val="accent1"/>
+            </a:lnRef>
+            <a:fillRef idx="0">
+              <a:schemeClr val="accent1"/>
+            </a:fillRef>
+            <a:effectRef idx="0">
+              <a:schemeClr val="accent1"/>
+            </a:effectRef>
+            <a:fontRef idx="minor">
+              <a:schemeClr val="tx1"/>
+            </a:fontRef>
+          </p:style>
+        </p:cxnSp>
+        <p:cxnSp>
+          <p:nvCxnSpPr>
+            <p:cNvPr id="254" name="直线连接符 253">
+              <a:extLst>
+                <a:ext uri="{FF2B5EF4-FFF2-40B4-BE49-F238E27FC236}">
+                  <a16:creationId xmlns:a16="http://schemas.microsoft.com/office/drawing/2014/main" id="{360720F9-9BA4-354B-83D2-99DE6E6DFEAC}"/>
+                </a:ext>
+              </a:extLst>
+            </p:cNvPr>
+            <p:cNvCxnSpPr/>
+            <p:nvPr/>
+          </p:nvCxnSpPr>
+          <p:spPr>
+            <a:xfrm>
+              <a:off x="4860845" y="5578218"/>
+              <a:ext cx="0" cy="659266"/>
+            </a:xfrm>
+            <a:prstGeom prst="line">
+              <a:avLst/>
+            </a:prstGeom>
+            <a:ln w="38100">
+              <a:solidFill>
+                <a:schemeClr val="tx1"/>
+              </a:solidFill>
+            </a:ln>
+          </p:spPr>
+          <p:style>
+            <a:lnRef idx="1">
+              <a:schemeClr val="accent1"/>
+            </a:lnRef>
+            <a:fillRef idx="0">
+              <a:schemeClr val="accent1"/>
+            </a:fillRef>
+            <a:effectRef idx="0">
+              <a:schemeClr val="accent1"/>
+            </a:effectRef>
+            <a:fontRef idx="minor">
+              <a:schemeClr val="tx1"/>
+            </a:fontRef>
+          </p:style>
+        </p:cxnSp>
         <p:sp>
           <p:nvSpPr>
-            <p:cNvPr id="262" name="椭圆 261">
+            <p:cNvPr id="255" name="矩形 254">
               <a:extLst>
                 <a:ext uri="{FF2B5EF4-FFF2-40B4-BE49-F238E27FC236}">
-                  <a16:creationId xmlns:a16="http://schemas.microsoft.com/office/drawing/2014/main" id="{2E02340A-C425-C44A-9E11-1CD9EAB631F8}"/>
+                  <a16:creationId xmlns:a16="http://schemas.microsoft.com/office/drawing/2014/main" id="{5467333E-44E5-9643-B802-FCD658B3E5BE}"/>
                 </a:ext>
               </a:extLst>
             </p:cNvPr>
@@ -17246,15 +16962,17 @@
             <p:nvPr/>
           </p:nvSpPr>
           <p:spPr>
-            <a:xfrm rot="5400000">
-              <a:off x="3307229" y="2837541"/>
-              <a:ext cx="45719" cy="45719"/>
+            <a:xfrm>
+              <a:off x="6883733" y="5578218"/>
+              <a:ext cx="289053" cy="653387"/>
             </a:xfrm>
-            <a:prstGeom prst="ellipse">
+            <a:prstGeom prst="rect">
               <a:avLst/>
             </a:prstGeom>
             <a:solidFill>
-              <a:schemeClr val="tx1"/>
+              <a:schemeClr val="accent6">
+                <a:alpha val="25985"/>
+              </a:schemeClr>
             </a:solidFill>
             <a:ln>
               <a:noFill/>
@@ -17285,269 +17003,580 @@
             </a:p>
           </p:txBody>
         </p:sp>
-      </p:grpSp>
-      <p:sp>
-        <p:nvSpPr>
-          <p:cNvPr id="263" name="矩形 262">
-            <a:extLst>
-              <a:ext uri="{FF2B5EF4-FFF2-40B4-BE49-F238E27FC236}">
-                <a16:creationId xmlns:a16="http://schemas.microsoft.com/office/drawing/2014/main" id="{2927F2E3-56CA-A948-8783-BFC82DA32129}"/>
-              </a:ext>
-            </a:extLst>
-          </p:cNvPr>
-          <p:cNvSpPr/>
-          <p:nvPr/>
-        </p:nvSpPr>
-        <p:spPr>
-          <a:xfrm>
-            <a:off x="8439431" y="5567359"/>
-            <a:ext cx="289053" cy="653387"/>
-          </a:xfrm>
-          <a:prstGeom prst="rect">
-            <a:avLst/>
-          </a:prstGeom>
-          <a:solidFill>
-            <a:schemeClr val="accent6">
-              <a:alpha val="25985"/>
-            </a:schemeClr>
-          </a:solidFill>
-          <a:ln>
+        <p:cxnSp>
+          <p:nvCxnSpPr>
+            <p:cNvPr id="256" name="直线连接符 255">
+              <a:extLst>
+                <a:ext uri="{FF2B5EF4-FFF2-40B4-BE49-F238E27FC236}">
+                  <a16:creationId xmlns:a16="http://schemas.microsoft.com/office/drawing/2014/main" id="{95F309F1-58DF-194C-8763-B260F64231AF}"/>
+                </a:ext>
+              </a:extLst>
+            </p:cNvPr>
+            <p:cNvCxnSpPr/>
+            <p:nvPr/>
+          </p:nvCxnSpPr>
+          <p:spPr>
+            <a:xfrm>
+              <a:off x="6862456" y="5578218"/>
+              <a:ext cx="0" cy="659266"/>
+            </a:xfrm>
+            <a:prstGeom prst="line">
+              <a:avLst/>
+            </a:prstGeom>
+            <a:ln w="38100">
+              <a:solidFill>
+                <a:schemeClr val="tx1"/>
+              </a:solidFill>
+            </a:ln>
+          </p:spPr>
+          <p:style>
+            <a:lnRef idx="1">
+              <a:schemeClr val="accent1"/>
+            </a:lnRef>
+            <a:fillRef idx="0">
+              <a:schemeClr val="accent1"/>
+            </a:fillRef>
+            <a:effectRef idx="0">
+              <a:schemeClr val="accent1"/>
+            </a:effectRef>
+            <a:fontRef idx="minor">
+              <a:schemeClr val="tx1"/>
+            </a:fontRef>
+          </p:style>
+        </p:cxnSp>
+        <p:cxnSp>
+          <p:nvCxnSpPr>
+            <p:cNvPr id="257" name="直线连接符 256">
+              <a:extLst>
+                <a:ext uri="{FF2B5EF4-FFF2-40B4-BE49-F238E27FC236}">
+                  <a16:creationId xmlns:a16="http://schemas.microsoft.com/office/drawing/2014/main" id="{A3943845-6D25-6B42-9696-B94CAC1112E0}"/>
+                </a:ext>
+              </a:extLst>
+            </p:cNvPr>
+            <p:cNvCxnSpPr/>
+            <p:nvPr/>
+          </p:nvCxnSpPr>
+          <p:spPr>
+            <a:xfrm>
+              <a:off x="7163053" y="5578218"/>
+              <a:ext cx="0" cy="659266"/>
+            </a:xfrm>
+            <a:prstGeom prst="line">
+              <a:avLst/>
+            </a:prstGeom>
+            <a:ln w="38100">
+              <a:solidFill>
+                <a:schemeClr val="tx1"/>
+              </a:solidFill>
+            </a:ln>
+          </p:spPr>
+          <p:style>
+            <a:lnRef idx="1">
+              <a:schemeClr val="accent1"/>
+            </a:lnRef>
+            <a:fillRef idx="0">
+              <a:schemeClr val="accent1"/>
+            </a:fillRef>
+            <a:effectRef idx="0">
+              <a:schemeClr val="accent1"/>
+            </a:effectRef>
+            <a:fontRef idx="minor">
+              <a:schemeClr val="tx1"/>
+            </a:fontRef>
+          </p:style>
+        </p:cxnSp>
+        <p:grpSp>
+          <p:nvGrpSpPr>
+            <p:cNvPr id="258" name="组合 257">
+              <a:extLst>
+                <a:ext uri="{FF2B5EF4-FFF2-40B4-BE49-F238E27FC236}">
+                  <a16:creationId xmlns:a16="http://schemas.microsoft.com/office/drawing/2014/main" id="{D379CF21-CD4A-C941-84C4-48FE548884CD}"/>
+                </a:ext>
+              </a:extLst>
+            </p:cNvPr>
+            <p:cNvGrpSpPr/>
+            <p:nvPr/>
+          </p:nvGrpSpPr>
+          <p:grpSpPr>
+            <a:xfrm rot="5400000">
+              <a:off x="7762317" y="5748087"/>
+              <a:ext cx="45719" cy="359370"/>
+              <a:chOff x="3307229" y="2523890"/>
+              <a:chExt cx="45719" cy="359370"/>
+            </a:xfrm>
+          </p:grpSpPr>
+          <p:sp>
+            <p:nvSpPr>
+              <p:cNvPr id="259" name="椭圆 258">
+                <a:extLst>
+                  <a:ext uri="{FF2B5EF4-FFF2-40B4-BE49-F238E27FC236}">
+                    <a16:creationId xmlns:a16="http://schemas.microsoft.com/office/drawing/2014/main" id="{159E9F49-56AF-CE42-9EF1-99BC83D57188}"/>
+                  </a:ext>
+                </a:extLst>
+              </p:cNvPr>
+              <p:cNvSpPr/>
+              <p:nvPr/>
+            </p:nvSpPr>
+            <p:spPr>
+              <a:xfrm rot="5400000">
+                <a:off x="3307229" y="2523890"/>
+                <a:ext cx="45719" cy="45719"/>
+              </a:xfrm>
+              <a:prstGeom prst="ellipse">
+                <a:avLst/>
+              </a:prstGeom>
+              <a:solidFill>
+                <a:schemeClr val="tx1"/>
+              </a:solidFill>
+              <a:ln>
+                <a:noFill/>
+              </a:ln>
+            </p:spPr>
+            <p:style>
+              <a:lnRef idx="2">
+                <a:schemeClr val="accent1">
+                  <a:shade val="50000"/>
+                </a:schemeClr>
+              </a:lnRef>
+              <a:fillRef idx="1">
+                <a:schemeClr val="accent1"/>
+              </a:fillRef>
+              <a:effectRef idx="0">
+                <a:schemeClr val="accent1"/>
+              </a:effectRef>
+              <a:fontRef idx="minor">
+                <a:schemeClr val="lt1"/>
+              </a:fontRef>
+            </p:style>
+            <p:txBody>
+              <a:bodyPr rtlCol="0" anchor="ctr"/>
+              <a:lstStyle/>
+              <a:p>
+                <a:pPr algn="ctr"/>
+                <a:endParaRPr kumimoji="1" lang="zh-CN" altLang="en-US"/>
+              </a:p>
+            </p:txBody>
+          </p:sp>
+          <p:sp>
+            <p:nvSpPr>
+              <p:cNvPr id="260" name="椭圆 259">
+                <a:extLst>
+                  <a:ext uri="{FF2B5EF4-FFF2-40B4-BE49-F238E27FC236}">
+                    <a16:creationId xmlns:a16="http://schemas.microsoft.com/office/drawing/2014/main" id="{EDE472B8-AE9D-AB4E-B691-C342BB5C003D}"/>
+                  </a:ext>
+                </a:extLst>
+              </p:cNvPr>
+              <p:cNvSpPr/>
+              <p:nvPr/>
+            </p:nvSpPr>
+            <p:spPr>
+              <a:xfrm rot="5400000">
+                <a:off x="3307229" y="2630001"/>
+                <a:ext cx="45719" cy="45719"/>
+              </a:xfrm>
+              <a:prstGeom prst="ellipse">
+                <a:avLst/>
+              </a:prstGeom>
+              <a:solidFill>
+                <a:schemeClr val="tx1"/>
+              </a:solidFill>
+              <a:ln>
+                <a:noFill/>
+              </a:ln>
+            </p:spPr>
+            <p:style>
+              <a:lnRef idx="2">
+                <a:schemeClr val="accent1">
+                  <a:shade val="50000"/>
+                </a:schemeClr>
+              </a:lnRef>
+              <a:fillRef idx="1">
+                <a:schemeClr val="accent1"/>
+              </a:fillRef>
+              <a:effectRef idx="0">
+                <a:schemeClr val="accent1"/>
+              </a:effectRef>
+              <a:fontRef idx="minor">
+                <a:schemeClr val="lt1"/>
+              </a:fontRef>
+            </p:style>
+            <p:txBody>
+              <a:bodyPr rtlCol="0" anchor="ctr"/>
+              <a:lstStyle/>
+              <a:p>
+                <a:pPr algn="ctr"/>
+                <a:endParaRPr kumimoji="1" lang="zh-CN" altLang="en-US"/>
+              </a:p>
+            </p:txBody>
+          </p:sp>
+          <p:sp>
+            <p:nvSpPr>
+              <p:cNvPr id="261" name="椭圆 260">
+                <a:extLst>
+                  <a:ext uri="{FF2B5EF4-FFF2-40B4-BE49-F238E27FC236}">
+                    <a16:creationId xmlns:a16="http://schemas.microsoft.com/office/drawing/2014/main" id="{8E3366A9-E595-3D4A-8965-5901BA53A9E3}"/>
+                  </a:ext>
+                </a:extLst>
+              </p:cNvPr>
+              <p:cNvSpPr/>
+              <p:nvPr/>
+            </p:nvSpPr>
+            <p:spPr>
+              <a:xfrm rot="5400000">
+                <a:off x="3307229" y="2731430"/>
+                <a:ext cx="45719" cy="45719"/>
+              </a:xfrm>
+              <a:prstGeom prst="ellipse">
+                <a:avLst/>
+              </a:prstGeom>
+              <a:solidFill>
+                <a:schemeClr val="tx1"/>
+              </a:solidFill>
+              <a:ln>
+                <a:noFill/>
+              </a:ln>
+            </p:spPr>
+            <p:style>
+              <a:lnRef idx="2">
+                <a:schemeClr val="accent1">
+                  <a:shade val="50000"/>
+                </a:schemeClr>
+              </a:lnRef>
+              <a:fillRef idx="1">
+                <a:schemeClr val="accent1"/>
+              </a:fillRef>
+              <a:effectRef idx="0">
+                <a:schemeClr val="accent1"/>
+              </a:effectRef>
+              <a:fontRef idx="minor">
+                <a:schemeClr val="lt1"/>
+              </a:fontRef>
+            </p:style>
+            <p:txBody>
+              <a:bodyPr rtlCol="0" anchor="ctr"/>
+              <a:lstStyle/>
+              <a:p>
+                <a:pPr algn="ctr"/>
+                <a:endParaRPr kumimoji="1" lang="zh-CN" altLang="en-US"/>
+              </a:p>
+            </p:txBody>
+          </p:sp>
+          <p:sp>
+            <p:nvSpPr>
+              <p:cNvPr id="262" name="椭圆 261">
+                <a:extLst>
+                  <a:ext uri="{FF2B5EF4-FFF2-40B4-BE49-F238E27FC236}">
+                    <a16:creationId xmlns:a16="http://schemas.microsoft.com/office/drawing/2014/main" id="{2E02340A-C425-C44A-9E11-1CD9EAB631F8}"/>
+                  </a:ext>
+                </a:extLst>
+              </p:cNvPr>
+              <p:cNvSpPr/>
+              <p:nvPr/>
+            </p:nvSpPr>
+            <p:spPr>
+              <a:xfrm rot="5400000">
+                <a:off x="3307229" y="2837541"/>
+                <a:ext cx="45719" cy="45719"/>
+              </a:xfrm>
+              <a:prstGeom prst="ellipse">
+                <a:avLst/>
+              </a:prstGeom>
+              <a:solidFill>
+                <a:schemeClr val="tx1"/>
+              </a:solidFill>
+              <a:ln>
+                <a:noFill/>
+              </a:ln>
+            </p:spPr>
+            <p:style>
+              <a:lnRef idx="2">
+                <a:schemeClr val="accent1">
+                  <a:shade val="50000"/>
+                </a:schemeClr>
+              </a:lnRef>
+              <a:fillRef idx="1">
+                <a:schemeClr val="accent1"/>
+              </a:fillRef>
+              <a:effectRef idx="0">
+                <a:schemeClr val="accent1"/>
+              </a:effectRef>
+              <a:fontRef idx="minor">
+                <a:schemeClr val="lt1"/>
+              </a:fontRef>
+            </p:style>
+            <p:txBody>
+              <a:bodyPr rtlCol="0" anchor="ctr"/>
+              <a:lstStyle/>
+              <a:p>
+                <a:pPr algn="ctr"/>
+                <a:endParaRPr kumimoji="1" lang="zh-CN" altLang="en-US"/>
+              </a:p>
+            </p:txBody>
+          </p:sp>
+        </p:grpSp>
+        <p:sp>
+          <p:nvSpPr>
+            <p:cNvPr id="263" name="矩形 262">
+              <a:extLst>
+                <a:ext uri="{FF2B5EF4-FFF2-40B4-BE49-F238E27FC236}">
+                  <a16:creationId xmlns:a16="http://schemas.microsoft.com/office/drawing/2014/main" id="{2927F2E3-56CA-A948-8783-BFC82DA32129}"/>
+                </a:ext>
+              </a:extLst>
+            </p:cNvPr>
+            <p:cNvSpPr/>
+            <p:nvPr/>
+          </p:nvSpPr>
+          <p:spPr>
+            <a:xfrm>
+              <a:off x="8439431" y="5567359"/>
+              <a:ext cx="289053" cy="653387"/>
+            </a:xfrm>
+            <a:prstGeom prst="rect">
+              <a:avLst/>
+            </a:prstGeom>
+            <a:solidFill>
+              <a:schemeClr val="accent6">
+                <a:alpha val="25985"/>
+              </a:schemeClr>
+            </a:solidFill>
+            <a:ln>
+              <a:noFill/>
+            </a:ln>
+          </p:spPr>
+          <p:style>
+            <a:lnRef idx="2">
+              <a:schemeClr val="accent1">
+                <a:shade val="50000"/>
+              </a:schemeClr>
+            </a:lnRef>
+            <a:fillRef idx="1">
+              <a:schemeClr val="accent1"/>
+            </a:fillRef>
+            <a:effectRef idx="0">
+              <a:schemeClr val="accent1"/>
+            </a:effectRef>
+            <a:fontRef idx="minor">
+              <a:schemeClr val="lt1"/>
+            </a:fontRef>
+          </p:style>
+          <p:txBody>
+            <a:bodyPr rtlCol="0" anchor="ctr"/>
+            <a:lstStyle/>
+            <a:p>
+              <a:pPr algn="ctr"/>
+              <a:endParaRPr kumimoji="1" lang="zh-CN" altLang="en-US"/>
+            </a:p>
+          </p:txBody>
+        </p:sp>
+        <p:cxnSp>
+          <p:nvCxnSpPr>
+            <p:cNvPr id="264" name="直线连接符 263">
+              <a:extLst>
+                <a:ext uri="{FF2B5EF4-FFF2-40B4-BE49-F238E27FC236}">
+                  <a16:creationId xmlns:a16="http://schemas.microsoft.com/office/drawing/2014/main" id="{6003A4F1-597F-6F4A-B4D6-2932DAB17429}"/>
+                </a:ext>
+              </a:extLst>
+            </p:cNvPr>
+            <p:cNvCxnSpPr/>
+            <p:nvPr/>
+          </p:nvCxnSpPr>
+          <p:spPr>
+            <a:xfrm>
+              <a:off x="8418154" y="5567359"/>
+              <a:ext cx="0" cy="659266"/>
+            </a:xfrm>
+            <a:prstGeom prst="line">
+              <a:avLst/>
+            </a:prstGeom>
+            <a:ln w="38100">
+              <a:solidFill>
+                <a:schemeClr val="tx1"/>
+              </a:solidFill>
+            </a:ln>
+          </p:spPr>
+          <p:style>
+            <a:lnRef idx="1">
+              <a:schemeClr val="accent1"/>
+            </a:lnRef>
+            <a:fillRef idx="0">
+              <a:schemeClr val="accent1"/>
+            </a:fillRef>
+            <a:effectRef idx="0">
+              <a:schemeClr val="accent1"/>
+            </a:effectRef>
+            <a:fontRef idx="minor">
+              <a:schemeClr val="tx1"/>
+            </a:fontRef>
+          </p:style>
+        </p:cxnSp>
+        <p:cxnSp>
+          <p:nvCxnSpPr>
+            <p:cNvPr id="265" name="直线连接符 264">
+              <a:extLst>
+                <a:ext uri="{FF2B5EF4-FFF2-40B4-BE49-F238E27FC236}">
+                  <a16:creationId xmlns:a16="http://schemas.microsoft.com/office/drawing/2014/main" id="{6133408D-565B-FA44-9E10-867811F499B0}"/>
+                </a:ext>
+              </a:extLst>
+            </p:cNvPr>
+            <p:cNvCxnSpPr/>
+            <p:nvPr/>
+          </p:nvCxnSpPr>
+          <p:spPr>
+            <a:xfrm>
+              <a:off x="8718751" y="5567359"/>
+              <a:ext cx="0" cy="659266"/>
+            </a:xfrm>
+            <a:prstGeom prst="line">
+              <a:avLst/>
+            </a:prstGeom>
+            <a:ln w="38100">
+              <a:solidFill>
+                <a:schemeClr val="tx1"/>
+              </a:solidFill>
+            </a:ln>
+          </p:spPr>
+          <p:style>
+            <a:lnRef idx="1">
+              <a:schemeClr val="accent1"/>
+            </a:lnRef>
+            <a:fillRef idx="0">
+              <a:schemeClr val="accent1"/>
+            </a:fillRef>
+            <a:effectRef idx="0">
+              <a:schemeClr val="accent1"/>
+            </a:effectRef>
+            <a:fontRef idx="minor">
+              <a:schemeClr val="tx1"/>
+            </a:fontRef>
+          </p:style>
+        </p:cxnSp>
+        <p:sp>
+          <p:nvSpPr>
+            <p:cNvPr id="266" name="文本框 265">
+              <a:extLst>
+                <a:ext uri="{FF2B5EF4-FFF2-40B4-BE49-F238E27FC236}">
+                  <a16:creationId xmlns:a16="http://schemas.microsoft.com/office/drawing/2014/main" id="{476E4F2D-A09D-9641-9688-F530BFF387B9}"/>
+                </a:ext>
+              </a:extLst>
+            </p:cNvPr>
+            <p:cNvSpPr txBox="1"/>
+            <p:nvPr/>
+          </p:nvSpPr>
+          <p:spPr>
+            <a:xfrm>
+              <a:off x="2746909" y="5709386"/>
+              <a:ext cx="1588897" cy="369332"/>
+            </a:xfrm>
+            <a:prstGeom prst="rect">
+              <a:avLst/>
+            </a:prstGeom>
             <a:noFill/>
-          </a:ln>
-        </p:spPr>
-        <p:style>
-          <a:lnRef idx="2">
-            <a:schemeClr val="accent1">
-              <a:shade val="50000"/>
-            </a:schemeClr>
-          </a:lnRef>
-          <a:fillRef idx="1">
-            <a:schemeClr val="accent1"/>
-          </a:fillRef>
-          <a:effectRef idx="0">
-            <a:schemeClr val="accent1"/>
-          </a:effectRef>
-          <a:fontRef idx="minor">
-            <a:schemeClr val="lt1"/>
-          </a:fontRef>
-        </p:style>
-        <p:txBody>
-          <a:bodyPr rtlCol="0" anchor="ctr"/>
-          <a:lstStyle/>
-          <a:p>
-            <a:pPr algn="ctr"/>
-            <a:endParaRPr kumimoji="1" lang="zh-CN" altLang="en-US"/>
-          </a:p>
-        </p:txBody>
-      </p:sp>
-      <p:cxnSp>
-        <p:nvCxnSpPr>
-          <p:cNvPr id="264" name="直线连接符 263">
-            <a:extLst>
-              <a:ext uri="{FF2B5EF4-FFF2-40B4-BE49-F238E27FC236}">
-                <a16:creationId xmlns:a16="http://schemas.microsoft.com/office/drawing/2014/main" id="{6003A4F1-597F-6F4A-B4D6-2932DAB17429}"/>
-              </a:ext>
-            </a:extLst>
-          </p:cNvPr>
-          <p:cNvCxnSpPr/>
-          <p:nvPr/>
-        </p:nvCxnSpPr>
-        <p:spPr>
-          <a:xfrm>
-            <a:off x="8418154" y="5567359"/>
-            <a:ext cx="0" cy="659266"/>
-          </a:xfrm>
-          <a:prstGeom prst="line">
-            <a:avLst/>
-          </a:prstGeom>
-          <a:ln w="38100">
-            <a:solidFill>
-              <a:schemeClr val="tx1"/>
-            </a:solidFill>
-          </a:ln>
-        </p:spPr>
-        <p:style>
-          <a:lnRef idx="1">
-            <a:schemeClr val="accent1"/>
-          </a:lnRef>
-          <a:fillRef idx="0">
-            <a:schemeClr val="accent1"/>
-          </a:fillRef>
-          <a:effectRef idx="0">
-            <a:schemeClr val="accent1"/>
-          </a:effectRef>
-          <a:fontRef idx="minor">
-            <a:schemeClr val="tx1"/>
-          </a:fontRef>
-        </p:style>
-      </p:cxnSp>
-      <p:cxnSp>
-        <p:nvCxnSpPr>
-          <p:cNvPr id="265" name="直线连接符 264">
-            <a:extLst>
-              <a:ext uri="{FF2B5EF4-FFF2-40B4-BE49-F238E27FC236}">
-                <a16:creationId xmlns:a16="http://schemas.microsoft.com/office/drawing/2014/main" id="{6133408D-565B-FA44-9E10-867811F499B0}"/>
-              </a:ext>
-            </a:extLst>
-          </p:cNvPr>
-          <p:cNvCxnSpPr/>
-          <p:nvPr/>
-        </p:nvCxnSpPr>
-        <p:spPr>
-          <a:xfrm>
-            <a:off x="8718751" y="5567359"/>
-            <a:ext cx="0" cy="659266"/>
-          </a:xfrm>
-          <a:prstGeom prst="line">
-            <a:avLst/>
-          </a:prstGeom>
-          <a:ln w="38100">
-            <a:solidFill>
-              <a:schemeClr val="tx1"/>
-            </a:solidFill>
-          </a:ln>
-        </p:spPr>
-        <p:style>
-          <a:lnRef idx="1">
-            <a:schemeClr val="accent1"/>
-          </a:lnRef>
-          <a:fillRef idx="0">
-            <a:schemeClr val="accent1"/>
-          </a:fillRef>
-          <a:effectRef idx="0">
-            <a:schemeClr val="accent1"/>
-          </a:effectRef>
-          <a:fontRef idx="minor">
-            <a:schemeClr val="tx1"/>
-          </a:fontRef>
-        </p:style>
-      </p:cxnSp>
-      <p:sp>
-        <p:nvSpPr>
-          <p:cNvPr id="266" name="文本框 265">
-            <a:extLst>
-              <a:ext uri="{FF2B5EF4-FFF2-40B4-BE49-F238E27FC236}">
-                <a16:creationId xmlns:a16="http://schemas.microsoft.com/office/drawing/2014/main" id="{476E4F2D-A09D-9641-9688-F530BFF387B9}"/>
-              </a:ext>
-            </a:extLst>
-          </p:cNvPr>
-          <p:cNvSpPr txBox="1"/>
-          <p:nvPr/>
-        </p:nvSpPr>
-        <p:spPr>
-          <a:xfrm>
-            <a:off x="2746909" y="5709386"/>
-            <a:ext cx="1588897" cy="369332"/>
-          </a:xfrm>
-          <a:prstGeom prst="rect">
-            <a:avLst/>
-          </a:prstGeom>
-          <a:noFill/>
-        </p:spPr>
-        <p:txBody>
-          <a:bodyPr wrap="none" rtlCol="0">
-            <a:spAutoFit/>
-          </a:bodyPr>
-          <a:lstStyle/>
-          <a:p>
-            <a:r>
-              <a:rPr kumimoji="1" lang="en-US" altLang="zh-CN" b="1" dirty="0">
+          </p:spPr>
+          <p:txBody>
+            <a:bodyPr wrap="none" rtlCol="0">
+              <a:spAutoFit/>
+            </a:bodyPr>
+            <a:lstStyle/>
+            <a:p>
+              <a:r>
+                <a:rPr kumimoji="1" lang="en-US" altLang="zh-CN" b="1" dirty="0">
+                  <a:latin typeface="SimSun" panose="02010600030101010101" pitchFamily="2" charset="-122"/>
+                  <a:ea typeface="SimSun" panose="02010600030101010101" pitchFamily="2" charset="-122"/>
+                </a:rPr>
+                <a:t>transmission</a:t>
+              </a:r>
+              <a:endParaRPr kumimoji="1" lang="zh-CN" altLang="en-US" b="1" dirty="0">
                 <a:latin typeface="SimSun" panose="02010600030101010101" pitchFamily="2" charset="-122"/>
                 <a:ea typeface="SimSun" panose="02010600030101010101" pitchFamily="2" charset="-122"/>
-              </a:rPr>
-              <a:t>transmission</a:t>
-            </a:r>
-            <a:endParaRPr kumimoji="1" lang="zh-CN" altLang="en-US" b="1" dirty="0">
-              <a:latin typeface="SimSun" panose="02010600030101010101" pitchFamily="2" charset="-122"/>
-              <a:ea typeface="SimSun" panose="02010600030101010101" pitchFamily="2" charset="-122"/>
-            </a:endParaRPr>
-          </a:p>
-        </p:txBody>
-      </p:sp>
-      <p:sp>
-        <p:nvSpPr>
-          <p:cNvPr id="267" name="文本框 266">
-            <a:extLst>
-              <a:ext uri="{FF2B5EF4-FFF2-40B4-BE49-F238E27FC236}">
-                <a16:creationId xmlns:a16="http://schemas.microsoft.com/office/drawing/2014/main" id="{99014307-9C5D-3349-A854-A12DBB20A833}"/>
-              </a:ext>
-            </a:extLst>
-          </p:cNvPr>
-          <p:cNvSpPr txBox="1"/>
-          <p:nvPr/>
-        </p:nvSpPr>
-        <p:spPr>
-          <a:xfrm>
-            <a:off x="5000424" y="5709386"/>
-            <a:ext cx="1588897" cy="369332"/>
-          </a:xfrm>
-          <a:prstGeom prst="rect">
-            <a:avLst/>
-          </a:prstGeom>
-          <a:noFill/>
-        </p:spPr>
-        <p:txBody>
-          <a:bodyPr wrap="none" rtlCol="0">
-            <a:spAutoFit/>
-          </a:bodyPr>
-          <a:lstStyle/>
-          <a:p>
-            <a:r>
-              <a:rPr kumimoji="1" lang="en-US" altLang="zh-CN" b="1" dirty="0">
+              </a:endParaRPr>
+            </a:p>
+          </p:txBody>
+        </p:sp>
+        <p:sp>
+          <p:nvSpPr>
+            <p:cNvPr id="267" name="文本框 266">
+              <a:extLst>
+                <a:ext uri="{FF2B5EF4-FFF2-40B4-BE49-F238E27FC236}">
+                  <a16:creationId xmlns:a16="http://schemas.microsoft.com/office/drawing/2014/main" id="{99014307-9C5D-3349-A854-A12DBB20A833}"/>
+                </a:ext>
+              </a:extLst>
+            </p:cNvPr>
+            <p:cNvSpPr txBox="1"/>
+            <p:nvPr/>
+          </p:nvSpPr>
+          <p:spPr>
+            <a:xfrm>
+              <a:off x="5000424" y="5709386"/>
+              <a:ext cx="1588897" cy="369332"/>
+            </a:xfrm>
+            <a:prstGeom prst="rect">
+              <a:avLst/>
+            </a:prstGeom>
+            <a:noFill/>
+          </p:spPr>
+          <p:txBody>
+            <a:bodyPr wrap="none" rtlCol="0">
+              <a:spAutoFit/>
+            </a:bodyPr>
+            <a:lstStyle/>
+            <a:p>
+              <a:r>
+                <a:rPr kumimoji="1" lang="en-US" altLang="zh-CN" b="1" dirty="0">
+                  <a:latin typeface="SimSun" panose="02010600030101010101" pitchFamily="2" charset="-122"/>
+                  <a:ea typeface="SimSun" panose="02010600030101010101" pitchFamily="2" charset="-122"/>
+                </a:rPr>
+                <a:t>transmission</a:t>
+              </a:r>
+              <a:endParaRPr kumimoji="1" lang="zh-CN" altLang="en-US" b="1" dirty="0">
                 <a:latin typeface="SimSun" panose="02010600030101010101" pitchFamily="2" charset="-122"/>
                 <a:ea typeface="SimSun" panose="02010600030101010101" pitchFamily="2" charset="-122"/>
-              </a:rPr>
-              <a:t>transmission</a:t>
-            </a:r>
-            <a:endParaRPr kumimoji="1" lang="zh-CN" altLang="en-US" b="1" dirty="0">
-              <a:latin typeface="SimSun" panose="02010600030101010101" pitchFamily="2" charset="-122"/>
-              <a:ea typeface="SimSun" panose="02010600030101010101" pitchFamily="2" charset="-122"/>
-            </a:endParaRPr>
-          </a:p>
-        </p:txBody>
-      </p:sp>
-      <p:sp>
-        <p:nvSpPr>
-          <p:cNvPr id="268" name="文本框 267">
-            <a:extLst>
-              <a:ext uri="{FF2B5EF4-FFF2-40B4-BE49-F238E27FC236}">
-                <a16:creationId xmlns:a16="http://schemas.microsoft.com/office/drawing/2014/main" id="{F1E63D82-7737-7343-B76E-47B57F64D3CC}"/>
-              </a:ext>
-            </a:extLst>
-          </p:cNvPr>
-          <p:cNvSpPr txBox="1"/>
-          <p:nvPr/>
-        </p:nvSpPr>
-        <p:spPr>
-          <a:xfrm>
-            <a:off x="8851873" y="5701664"/>
-            <a:ext cx="1588897" cy="369332"/>
-          </a:xfrm>
-          <a:prstGeom prst="rect">
-            <a:avLst/>
-          </a:prstGeom>
-          <a:noFill/>
-        </p:spPr>
-        <p:txBody>
-          <a:bodyPr wrap="none" rtlCol="0">
-            <a:spAutoFit/>
-          </a:bodyPr>
-          <a:lstStyle/>
-          <a:p>
-            <a:r>
-              <a:rPr kumimoji="1" lang="en-US" altLang="zh-CN" b="1" dirty="0">
+              </a:endParaRPr>
+            </a:p>
+          </p:txBody>
+        </p:sp>
+        <p:sp>
+          <p:nvSpPr>
+            <p:cNvPr id="268" name="文本框 267">
+              <a:extLst>
+                <a:ext uri="{FF2B5EF4-FFF2-40B4-BE49-F238E27FC236}">
+                  <a16:creationId xmlns:a16="http://schemas.microsoft.com/office/drawing/2014/main" id="{F1E63D82-7737-7343-B76E-47B57F64D3CC}"/>
+                </a:ext>
+              </a:extLst>
+            </p:cNvPr>
+            <p:cNvSpPr txBox="1"/>
+            <p:nvPr/>
+          </p:nvSpPr>
+          <p:spPr>
+            <a:xfrm>
+              <a:off x="8851873" y="5701664"/>
+              <a:ext cx="1588897" cy="369332"/>
+            </a:xfrm>
+            <a:prstGeom prst="rect">
+              <a:avLst/>
+            </a:prstGeom>
+            <a:noFill/>
+          </p:spPr>
+          <p:txBody>
+            <a:bodyPr wrap="none" rtlCol="0">
+              <a:spAutoFit/>
+            </a:bodyPr>
+            <a:lstStyle/>
+            <a:p>
+              <a:r>
+                <a:rPr kumimoji="1" lang="en-US" altLang="zh-CN" b="1" dirty="0">
+                  <a:latin typeface="SimSun" panose="02010600030101010101" pitchFamily="2" charset="-122"/>
+                  <a:ea typeface="SimSun" panose="02010600030101010101" pitchFamily="2" charset="-122"/>
+                </a:rPr>
+                <a:t>transmission</a:t>
+              </a:r>
+              <a:endParaRPr kumimoji="1" lang="zh-CN" altLang="en-US" b="1" dirty="0">
                 <a:latin typeface="SimSun" panose="02010600030101010101" pitchFamily="2" charset="-122"/>
                 <a:ea typeface="SimSun" panose="02010600030101010101" pitchFamily="2" charset="-122"/>
-              </a:rPr>
-              <a:t>transmission</a:t>
-            </a:r>
-            <a:endParaRPr kumimoji="1" lang="zh-CN" altLang="en-US" b="1" dirty="0">
-              <a:latin typeface="SimSun" panose="02010600030101010101" pitchFamily="2" charset="-122"/>
-              <a:ea typeface="SimSun" panose="02010600030101010101" pitchFamily="2" charset="-122"/>
-            </a:endParaRPr>
-          </a:p>
-        </p:txBody>
-      </p:sp>
+              </a:endParaRPr>
+            </a:p>
+          </p:txBody>
+        </p:sp>
+      </p:grpSp>
       <p:sp>
         <p:nvSpPr>
           <p:cNvPr id="269" name="矩形 268">

--- a/doc/RIS-angular-domain组会汇报.pptx
+++ b/doc/RIS-angular-domain组会汇报.pptx
@@ -9288,7 +9288,7 @@
         </p:blipFill>
         <p:spPr>
           <a:xfrm>
-            <a:off x="7992532" y="4505854"/>
+            <a:off x="7916332" y="4699000"/>
             <a:ext cx="3238500" cy="533400"/>
           </a:xfrm>
           <a:prstGeom prst="rect">

--- a/doc/RIS-angular-domain组会汇报.pptx
+++ b/doc/RIS-angular-domain组会汇报.pptx
@@ -5,7 +5,7 @@
     <p:sldMasterId id="2147483648" r:id="rId1"/>
   </p:sldMasterIdLst>
   <p:notesMasterIdLst>
-    <p:notesMasterId r:id="rId16"/>
+    <p:notesMasterId r:id="rId17"/>
   </p:notesMasterIdLst>
   <p:sldIdLst>
     <p:sldId id="256" r:id="rId2"/>
@@ -20,8 +20,9 @@
     <p:sldId id="269" r:id="rId11"/>
     <p:sldId id="268" r:id="rId12"/>
     <p:sldId id="263" r:id="rId13"/>
-    <p:sldId id="264" r:id="rId14"/>
-    <p:sldId id="265" r:id="rId15"/>
+    <p:sldId id="270" r:id="rId14"/>
+    <p:sldId id="264" r:id="rId15"/>
+    <p:sldId id="265" r:id="rId16"/>
   </p:sldIdLst>
   <p:sldSz cx="12192000" cy="6858000"/>
   <p:notesSz cx="6858000" cy="9144000"/>
@@ -210,7 +211,7 @@
           <a:p>
             <a:fld id="{E581D415-6A2C-0845-8471-1E507F90D7EF}" type="datetimeFigureOut">
               <a:rPr kumimoji="1" lang="zh-CN" altLang="en-US" smtClean="0"/>
-              <a:t>2021/10/9</a:t>
+              <a:t>2021/10/17</a:t>
             </a:fld>
             <a:endParaRPr kumimoji="1" lang="zh-CN" altLang="en-US"/>
           </a:p>
@@ -876,7 +877,7 @@
           <a:p>
             <a:fld id="{D9924F02-9B59-7149-9D63-411B09DD1C0A}" type="datetimeFigureOut">
               <a:rPr kumimoji="1" lang="zh-CN" altLang="en-US" smtClean="0"/>
-              <a:t>2021/10/9</a:t>
+              <a:t>2021/10/17</a:t>
             </a:fld>
             <a:endParaRPr kumimoji="1" lang="zh-CN" altLang="en-US"/>
           </a:p>
@@ -1074,7 +1075,7 @@
           <a:p>
             <a:fld id="{D9924F02-9B59-7149-9D63-411B09DD1C0A}" type="datetimeFigureOut">
               <a:rPr kumimoji="1" lang="zh-CN" altLang="en-US" smtClean="0"/>
-              <a:t>2021/10/9</a:t>
+              <a:t>2021/10/17</a:t>
             </a:fld>
             <a:endParaRPr kumimoji="1" lang="zh-CN" altLang="en-US"/>
           </a:p>
@@ -1282,7 +1283,7 @@
           <a:p>
             <a:fld id="{D9924F02-9B59-7149-9D63-411B09DD1C0A}" type="datetimeFigureOut">
               <a:rPr kumimoji="1" lang="zh-CN" altLang="en-US" smtClean="0"/>
-              <a:t>2021/10/9</a:t>
+              <a:t>2021/10/17</a:t>
             </a:fld>
             <a:endParaRPr kumimoji="1" lang="zh-CN" altLang="en-US"/>
           </a:p>
@@ -1480,7 +1481,7 @@
           <a:p>
             <a:fld id="{D9924F02-9B59-7149-9D63-411B09DD1C0A}" type="datetimeFigureOut">
               <a:rPr kumimoji="1" lang="zh-CN" altLang="en-US" smtClean="0"/>
-              <a:t>2021/10/9</a:t>
+              <a:t>2021/10/17</a:t>
             </a:fld>
             <a:endParaRPr kumimoji="1" lang="zh-CN" altLang="en-US"/>
           </a:p>
@@ -1755,7 +1756,7 @@
           <a:p>
             <a:fld id="{D9924F02-9B59-7149-9D63-411B09DD1C0A}" type="datetimeFigureOut">
               <a:rPr kumimoji="1" lang="zh-CN" altLang="en-US" smtClean="0"/>
-              <a:t>2021/10/9</a:t>
+              <a:t>2021/10/17</a:t>
             </a:fld>
             <a:endParaRPr kumimoji="1" lang="zh-CN" altLang="en-US"/>
           </a:p>
@@ -2020,7 +2021,7 @@
           <a:p>
             <a:fld id="{D9924F02-9B59-7149-9D63-411B09DD1C0A}" type="datetimeFigureOut">
               <a:rPr kumimoji="1" lang="zh-CN" altLang="en-US" smtClean="0"/>
-              <a:t>2021/10/9</a:t>
+              <a:t>2021/10/17</a:t>
             </a:fld>
             <a:endParaRPr kumimoji="1" lang="zh-CN" altLang="en-US"/>
           </a:p>
@@ -2432,7 +2433,7 @@
           <a:p>
             <a:fld id="{D9924F02-9B59-7149-9D63-411B09DD1C0A}" type="datetimeFigureOut">
               <a:rPr kumimoji="1" lang="zh-CN" altLang="en-US" smtClean="0"/>
-              <a:t>2021/10/9</a:t>
+              <a:t>2021/10/17</a:t>
             </a:fld>
             <a:endParaRPr kumimoji="1" lang="zh-CN" altLang="en-US"/>
           </a:p>
@@ -2573,7 +2574,7 @@
           <a:p>
             <a:fld id="{D9924F02-9B59-7149-9D63-411B09DD1C0A}" type="datetimeFigureOut">
               <a:rPr kumimoji="1" lang="zh-CN" altLang="en-US" smtClean="0"/>
-              <a:t>2021/10/9</a:t>
+              <a:t>2021/10/17</a:t>
             </a:fld>
             <a:endParaRPr kumimoji="1" lang="zh-CN" altLang="en-US"/>
           </a:p>
@@ -2686,7 +2687,7 @@
           <a:p>
             <a:fld id="{D9924F02-9B59-7149-9D63-411B09DD1C0A}" type="datetimeFigureOut">
               <a:rPr kumimoji="1" lang="zh-CN" altLang="en-US" smtClean="0"/>
-              <a:t>2021/10/9</a:t>
+              <a:t>2021/10/17</a:t>
             </a:fld>
             <a:endParaRPr kumimoji="1" lang="zh-CN" altLang="en-US"/>
           </a:p>
@@ -2997,7 +2998,7 @@
           <a:p>
             <a:fld id="{D9924F02-9B59-7149-9D63-411B09DD1C0A}" type="datetimeFigureOut">
               <a:rPr kumimoji="1" lang="zh-CN" altLang="en-US" smtClean="0"/>
-              <a:t>2021/10/9</a:t>
+              <a:t>2021/10/17</a:t>
             </a:fld>
             <a:endParaRPr kumimoji="1" lang="zh-CN" altLang="en-US"/>
           </a:p>
@@ -3285,7 +3286,7 @@
           <a:p>
             <a:fld id="{D9924F02-9B59-7149-9D63-411B09DD1C0A}" type="datetimeFigureOut">
               <a:rPr kumimoji="1" lang="zh-CN" altLang="en-US" smtClean="0"/>
-              <a:t>2021/10/9</a:t>
+              <a:t>2021/10/17</a:t>
             </a:fld>
             <a:endParaRPr kumimoji="1" lang="zh-CN" altLang="en-US"/>
           </a:p>
@@ -3526,7 +3527,7 @@
           <a:p>
             <a:fld id="{D9924F02-9B59-7149-9D63-411B09DD1C0A}" type="datetimeFigureOut">
               <a:rPr kumimoji="1" lang="zh-CN" altLang="en-US" smtClean="0"/>
-              <a:t>2021/10/9</a:t>
+              <a:t>2021/10/17</a:t>
             </a:fld>
             <a:endParaRPr kumimoji="1" lang="zh-CN" altLang="en-US"/>
           </a:p>
@@ -4192,6 +4193,36 @@
           <a:chExt cx="0" cy="0"/>
         </a:xfrm>
       </p:grpSpPr>
+      <p:pic>
+        <p:nvPicPr>
+          <p:cNvPr id="37" name="图片 36">
+            <a:extLst>
+              <a:ext uri="{FF2B5EF4-FFF2-40B4-BE49-F238E27FC236}">
+                <a16:creationId xmlns:a16="http://schemas.microsoft.com/office/drawing/2014/main" id="{9D54F1CC-DED9-1F43-8BCB-EB8D3911461D}"/>
+              </a:ext>
+            </a:extLst>
+          </p:cNvPr>
+          <p:cNvPicPr>
+            <a:picLocks noChangeAspect="1"/>
+          </p:cNvPicPr>
+          <p:nvPr/>
+        </p:nvPicPr>
+        <p:blipFill>
+          <a:blip r:embed="rId2"/>
+          <a:stretch>
+            <a:fillRect/>
+          </a:stretch>
+        </p:blipFill>
+        <p:spPr>
+          <a:xfrm>
+            <a:off x="7644353" y="3698810"/>
+            <a:ext cx="4268930" cy="2215879"/>
+          </a:xfrm>
+          <a:prstGeom prst="rect">
+            <a:avLst/>
+          </a:prstGeom>
+        </p:spPr>
+      </p:pic>
       <p:sp>
         <p:nvSpPr>
           <p:cNvPr id="2" name="标题 1">
@@ -4221,37 +4252,470 @@
           </a:p>
         </p:txBody>
       </p:sp>
-      <p:sp>
-        <p:nvSpPr>
-          <p:cNvPr id="3" name="内容占位符 2">
-            <a:extLst>
-              <a:ext uri="{FF2B5EF4-FFF2-40B4-BE49-F238E27FC236}">
-                <a16:creationId xmlns:a16="http://schemas.microsoft.com/office/drawing/2014/main" id="{6CF3950E-9C9A-3547-80BF-5C7BCB5BEE33}"/>
-              </a:ext>
-            </a:extLst>
-          </p:cNvPr>
-          <p:cNvSpPr>
-            <a:spLocks noGrp="1"/>
-          </p:cNvSpPr>
+      <p:pic>
+        <p:nvPicPr>
+          <p:cNvPr id="9" name="内容占位符 8" descr="图表, 散点图&#10;&#10;描述已自动生成">
+            <a:extLst>
+              <a:ext uri="{FF2B5EF4-FFF2-40B4-BE49-F238E27FC236}">
+                <a16:creationId xmlns:a16="http://schemas.microsoft.com/office/drawing/2014/main" id="{814AEF45-D3AA-0741-91E3-78DE74FA2E4E}"/>
+              </a:ext>
+            </a:extLst>
+          </p:cNvPr>
+          <p:cNvPicPr>
+            <a:picLocks noGrp="1" noChangeAspect="1"/>
+          </p:cNvPicPr>
           <p:nvPr>
             <p:ph idx="1"/>
           </p:nvPr>
+        </p:nvPicPr>
+        <p:blipFill>
+          <a:blip r:embed="rId3"/>
+          <a:stretch>
+            <a:fillRect/>
+          </a:stretch>
+        </p:blipFill>
+        <p:spPr>
+          <a:xfrm>
+            <a:off x="122157" y="1690688"/>
+            <a:ext cx="4995273" cy="4273734"/>
+          </a:xfrm>
+        </p:spPr>
+      </p:pic>
+      <p:sp>
+        <p:nvSpPr>
+          <p:cNvPr id="12" name="椭圆 11">
+            <a:extLst>
+              <a:ext uri="{FF2B5EF4-FFF2-40B4-BE49-F238E27FC236}">
+                <a16:creationId xmlns:a16="http://schemas.microsoft.com/office/drawing/2014/main" id="{8C1BB652-7178-AE41-8D3D-35CFF682B590}"/>
+              </a:ext>
+            </a:extLst>
+          </p:cNvPr>
+          <p:cNvSpPr/>
+          <p:nvPr/>
         </p:nvSpPr>
-        <p:spPr/>
+        <p:spPr>
+          <a:xfrm>
+            <a:off x="2612572" y="4042426"/>
+            <a:ext cx="279204" cy="279204"/>
+          </a:xfrm>
+          <a:prstGeom prst="ellipse">
+            <a:avLst/>
+          </a:prstGeom>
+          <a:noFill/>
+          <a:ln w="25400">
+            <a:solidFill>
+              <a:srgbClr val="FF0000"/>
+            </a:solidFill>
+          </a:ln>
+        </p:spPr>
+        <p:style>
+          <a:lnRef idx="2">
+            <a:schemeClr val="accent1">
+              <a:shade val="50000"/>
+            </a:schemeClr>
+          </a:lnRef>
+          <a:fillRef idx="1">
+            <a:schemeClr val="accent1"/>
+          </a:fillRef>
+          <a:effectRef idx="0">
+            <a:schemeClr val="accent1"/>
+          </a:effectRef>
+          <a:fontRef idx="minor">
+            <a:schemeClr val="lt1"/>
+          </a:fontRef>
+        </p:style>
         <p:txBody>
-          <a:bodyPr/>
+          <a:bodyPr rtlCol="0" anchor="ctr"/>
           <a:lstStyle/>
           <a:p>
+            <a:pPr algn="ctr"/>
             <a:endParaRPr kumimoji="1" lang="zh-CN" altLang="en-US"/>
           </a:p>
         </p:txBody>
       </p:sp>
+      <p:cxnSp>
+        <p:nvCxnSpPr>
+          <p:cNvPr id="16" name="直线箭头连接符 15">
+            <a:extLst>
+              <a:ext uri="{FF2B5EF4-FFF2-40B4-BE49-F238E27FC236}">
+                <a16:creationId xmlns:a16="http://schemas.microsoft.com/office/drawing/2014/main" id="{DCE26157-1CD9-6E46-9398-11B24F1F7B6C}"/>
+              </a:ext>
+            </a:extLst>
+          </p:cNvPr>
+          <p:cNvCxnSpPr>
+            <a:cxnSpLocks/>
+          </p:cNvCxnSpPr>
+          <p:nvPr/>
+        </p:nvCxnSpPr>
+        <p:spPr>
+          <a:xfrm flipV="1">
+            <a:off x="2891776" y="4182028"/>
+            <a:ext cx="2490415" cy="1"/>
+          </a:xfrm>
+          <a:prstGeom prst="straightConnector1">
+            <a:avLst/>
+          </a:prstGeom>
+          <a:ln w="34925">
+            <a:solidFill>
+              <a:srgbClr val="FF0000"/>
+            </a:solidFill>
+            <a:tailEnd type="triangle"/>
+          </a:ln>
+        </p:spPr>
+        <p:style>
+          <a:lnRef idx="1">
+            <a:schemeClr val="accent1"/>
+          </a:lnRef>
+          <a:fillRef idx="0">
+            <a:schemeClr val="accent1"/>
+          </a:fillRef>
+          <a:effectRef idx="0">
+            <a:schemeClr val="accent1"/>
+          </a:effectRef>
+          <a:fontRef idx="minor">
+            <a:schemeClr val="tx1"/>
+          </a:fontRef>
+        </p:style>
+      </p:cxnSp>
+      <p:sp>
+        <p:nvSpPr>
+          <p:cNvPr id="18" name="椭圆 17">
+            <a:extLst>
+              <a:ext uri="{FF2B5EF4-FFF2-40B4-BE49-F238E27FC236}">
+                <a16:creationId xmlns:a16="http://schemas.microsoft.com/office/drawing/2014/main" id="{A01B8463-BD48-EA43-947D-B55278514439}"/>
+              </a:ext>
+            </a:extLst>
+          </p:cNvPr>
+          <p:cNvSpPr/>
+          <p:nvPr/>
+        </p:nvSpPr>
+        <p:spPr>
+          <a:xfrm rot="2203822">
+            <a:off x="2373086" y="2002973"/>
+            <a:ext cx="1513114" cy="2235397"/>
+          </a:xfrm>
+          <a:custGeom>
+            <a:avLst/>
+            <a:gdLst>
+              <a:gd name="connsiteX0" fmla="*/ 0 w 1513114"/>
+              <a:gd name="connsiteY0" fmla="*/ 1117699 h 2235397"/>
+              <a:gd name="connsiteX1" fmla="*/ 756557 w 1513114"/>
+              <a:gd name="connsiteY1" fmla="*/ 0 h 2235397"/>
+              <a:gd name="connsiteX2" fmla="*/ 1513114 w 1513114"/>
+              <a:gd name="connsiteY2" fmla="*/ 1117699 h 2235397"/>
+              <a:gd name="connsiteX3" fmla="*/ 756557 w 1513114"/>
+              <a:gd name="connsiteY3" fmla="*/ 2235398 h 2235397"/>
+              <a:gd name="connsiteX4" fmla="*/ 0 w 1513114"/>
+              <a:gd name="connsiteY4" fmla="*/ 1117699 h 2235397"/>
+            </a:gdLst>
+            <a:ahLst/>
+            <a:cxnLst>
+              <a:cxn ang="0">
+                <a:pos x="connsiteX0" y="connsiteY0"/>
+              </a:cxn>
+              <a:cxn ang="0">
+                <a:pos x="connsiteX1" y="connsiteY1"/>
+              </a:cxn>
+              <a:cxn ang="0">
+                <a:pos x="connsiteX2" y="connsiteY2"/>
+              </a:cxn>
+              <a:cxn ang="0">
+                <a:pos x="connsiteX3" y="connsiteY3"/>
+              </a:cxn>
+              <a:cxn ang="0">
+                <a:pos x="connsiteX4" y="connsiteY4"/>
+              </a:cxn>
+            </a:cxnLst>
+            <a:rect l="l" t="t" r="r" b="b"/>
+            <a:pathLst>
+              <a:path w="1513114" h="2235397" extrusionOk="0">
+                <a:moveTo>
+                  <a:pt x="0" y="1117699"/>
+                </a:moveTo>
+                <a:cubicBezTo>
+                  <a:pt x="-77151" y="452822"/>
+                  <a:pt x="245053" y="35155"/>
+                  <a:pt x="756557" y="0"/>
+                </a:cubicBezTo>
+                <a:cubicBezTo>
+                  <a:pt x="1260743" y="18179"/>
+                  <a:pt x="1367713" y="505034"/>
+                  <a:pt x="1513114" y="1117699"/>
+                </a:cubicBezTo>
+                <a:cubicBezTo>
+                  <a:pt x="1462018" y="1784885"/>
+                  <a:pt x="1171391" y="2251988"/>
+                  <a:pt x="756557" y="2235398"/>
+                </a:cubicBezTo>
+                <a:cubicBezTo>
+                  <a:pt x="225035" y="2173197"/>
+                  <a:pt x="132155" y="1798132"/>
+                  <a:pt x="0" y="1117699"/>
+                </a:cubicBezTo>
+                <a:close/>
+              </a:path>
+            </a:pathLst>
+          </a:custGeom>
+          <a:noFill/>
+          <a:ln w="34925">
+            <a:prstDash val="sysDash"/>
+            <a:extLst>
+              <a:ext uri="{C807C97D-BFC1-408E-A445-0C87EB9F89A2}">
+                <ask:lineSketchStyleProps xmlns:ask="http://schemas.microsoft.com/office/drawing/2018/sketchyshapes" sd="1219033472">
+                  <a:prstGeom prst="ellipse">
+                    <a:avLst/>
+                  </a:prstGeom>
+                  <ask:type>
+                    <ask:lineSketchScribble/>
+                  </ask:type>
+                </ask:lineSketchStyleProps>
+              </a:ext>
+            </a:extLst>
+          </a:ln>
+        </p:spPr>
+        <p:style>
+          <a:lnRef idx="2">
+            <a:schemeClr val="accent1">
+              <a:shade val="50000"/>
+            </a:schemeClr>
+          </a:lnRef>
+          <a:fillRef idx="1">
+            <a:schemeClr val="accent1"/>
+          </a:fillRef>
+          <a:effectRef idx="0">
+            <a:schemeClr val="accent1"/>
+          </a:effectRef>
+          <a:fontRef idx="minor">
+            <a:schemeClr val="lt1"/>
+          </a:fontRef>
+        </p:style>
+        <p:txBody>
+          <a:bodyPr rtlCol="0" anchor="ctr"/>
+          <a:lstStyle/>
+          <a:p>
+            <a:pPr algn="ctr"/>
+            <a:endParaRPr kumimoji="1" lang="zh-CN" altLang="en-US"/>
+          </a:p>
+        </p:txBody>
+      </p:sp>
+      <p:sp>
+        <p:nvSpPr>
+          <p:cNvPr id="19" name="椭圆 18">
+            <a:extLst>
+              <a:ext uri="{FF2B5EF4-FFF2-40B4-BE49-F238E27FC236}">
+                <a16:creationId xmlns:a16="http://schemas.microsoft.com/office/drawing/2014/main" id="{A6AE1D84-3F78-1D4F-AC9C-96C336765982}"/>
+              </a:ext>
+            </a:extLst>
+          </p:cNvPr>
+          <p:cNvSpPr/>
+          <p:nvPr/>
+        </p:nvSpPr>
+        <p:spPr>
+          <a:xfrm rot="6793789">
+            <a:off x="479793" y="4085732"/>
+            <a:ext cx="2053375" cy="1198595"/>
+          </a:xfrm>
+          <a:custGeom>
+            <a:avLst/>
+            <a:gdLst>
+              <a:gd name="connsiteX0" fmla="*/ 0 w 2053375"/>
+              <a:gd name="connsiteY0" fmla="*/ 599298 h 1198595"/>
+              <a:gd name="connsiteX1" fmla="*/ 1026688 w 2053375"/>
+              <a:gd name="connsiteY1" fmla="*/ 0 h 1198595"/>
+              <a:gd name="connsiteX2" fmla="*/ 2053376 w 2053375"/>
+              <a:gd name="connsiteY2" fmla="*/ 599298 h 1198595"/>
+              <a:gd name="connsiteX3" fmla="*/ 1026688 w 2053375"/>
+              <a:gd name="connsiteY3" fmla="*/ 1198596 h 1198595"/>
+              <a:gd name="connsiteX4" fmla="*/ 0 w 2053375"/>
+              <a:gd name="connsiteY4" fmla="*/ 599298 h 1198595"/>
+            </a:gdLst>
+            <a:ahLst/>
+            <a:cxnLst>
+              <a:cxn ang="0">
+                <a:pos x="connsiteX0" y="connsiteY0"/>
+              </a:cxn>
+              <a:cxn ang="0">
+                <a:pos x="connsiteX1" y="connsiteY1"/>
+              </a:cxn>
+              <a:cxn ang="0">
+                <a:pos x="connsiteX2" y="connsiteY2"/>
+              </a:cxn>
+              <a:cxn ang="0">
+                <a:pos x="connsiteX3" y="connsiteY3"/>
+              </a:cxn>
+              <a:cxn ang="0">
+                <a:pos x="connsiteX4" y="connsiteY4"/>
+              </a:cxn>
+            </a:cxnLst>
+            <a:rect l="l" t="t" r="r" b="b"/>
+            <a:pathLst>
+              <a:path w="2053375" h="1198595" extrusionOk="0">
+                <a:moveTo>
+                  <a:pt x="0" y="599298"/>
+                </a:moveTo>
+                <a:cubicBezTo>
+                  <a:pt x="-19271" y="256428"/>
+                  <a:pt x="322498" y="51481"/>
+                  <a:pt x="1026688" y="0"/>
+                </a:cubicBezTo>
+                <a:cubicBezTo>
+                  <a:pt x="1636575" y="9024"/>
+                  <a:pt x="1959456" y="271301"/>
+                  <a:pt x="2053376" y="599298"/>
+                </a:cubicBezTo>
+                <a:cubicBezTo>
+                  <a:pt x="1970999" y="1010727"/>
+                  <a:pt x="1588102" y="1229602"/>
+                  <a:pt x="1026688" y="1198596"/>
+                </a:cubicBezTo>
+                <a:cubicBezTo>
+                  <a:pt x="379240" y="1154594"/>
+                  <a:pt x="66426" y="962020"/>
+                  <a:pt x="0" y="599298"/>
+                </a:cubicBezTo>
+                <a:close/>
+              </a:path>
+            </a:pathLst>
+          </a:custGeom>
+          <a:noFill/>
+          <a:ln w="34925">
+            <a:solidFill>
+              <a:schemeClr val="accent6"/>
+            </a:solidFill>
+            <a:prstDash val="sysDash"/>
+            <a:extLst>
+              <a:ext uri="{C807C97D-BFC1-408E-A445-0C87EB9F89A2}">
+                <ask:lineSketchStyleProps xmlns:ask="http://schemas.microsoft.com/office/drawing/2018/sketchyshapes" sd="1219033472">
+                  <a:prstGeom prst="ellipse">
+                    <a:avLst/>
+                  </a:prstGeom>
+                  <ask:type>
+                    <ask:lineSketchScribble/>
+                  </ask:type>
+                </ask:lineSketchStyleProps>
+              </a:ext>
+            </a:extLst>
+          </a:ln>
+        </p:spPr>
+        <p:style>
+          <a:lnRef idx="2">
+            <a:schemeClr val="accent1">
+              <a:shade val="50000"/>
+            </a:schemeClr>
+          </a:lnRef>
+          <a:fillRef idx="1">
+            <a:schemeClr val="accent1"/>
+          </a:fillRef>
+          <a:effectRef idx="0">
+            <a:schemeClr val="accent1"/>
+          </a:effectRef>
+          <a:fontRef idx="minor">
+            <a:schemeClr val="lt1"/>
+          </a:fontRef>
+        </p:style>
+        <p:txBody>
+          <a:bodyPr rtlCol="0" anchor="ctr"/>
+          <a:lstStyle/>
+          <a:p>
+            <a:pPr algn="ctr"/>
+            <a:endParaRPr kumimoji="1" lang="zh-CN" altLang="en-US"/>
+          </a:p>
+        </p:txBody>
+      </p:sp>
+      <p:cxnSp>
+        <p:nvCxnSpPr>
+          <p:cNvPr id="20" name="直线箭头连接符 19">
+            <a:extLst>
+              <a:ext uri="{FF2B5EF4-FFF2-40B4-BE49-F238E27FC236}">
+                <a16:creationId xmlns:a16="http://schemas.microsoft.com/office/drawing/2014/main" id="{FFF1C2FE-F948-3D4B-82EE-9A95F29402DB}"/>
+              </a:ext>
+            </a:extLst>
+          </p:cNvPr>
+          <p:cNvCxnSpPr>
+            <a:cxnSpLocks/>
+          </p:cNvCxnSpPr>
+          <p:nvPr/>
+        </p:nvCxnSpPr>
+        <p:spPr>
+          <a:xfrm flipV="1">
+            <a:off x="1490336" y="2204463"/>
+            <a:ext cx="0" cy="1551072"/>
+          </a:xfrm>
+          <a:prstGeom prst="straightConnector1">
+            <a:avLst/>
+          </a:prstGeom>
+          <a:ln w="34925">
+            <a:solidFill>
+              <a:schemeClr val="accent6"/>
+            </a:solidFill>
+            <a:tailEnd type="triangle"/>
+          </a:ln>
+        </p:spPr>
+        <p:style>
+          <a:lnRef idx="1">
+            <a:schemeClr val="accent1"/>
+          </a:lnRef>
+          <a:fillRef idx="0">
+            <a:schemeClr val="accent1"/>
+          </a:fillRef>
+          <a:effectRef idx="0">
+            <a:schemeClr val="accent1"/>
+          </a:effectRef>
+          <a:fontRef idx="minor">
+            <a:schemeClr val="tx1"/>
+          </a:fontRef>
+        </p:style>
+      </p:cxnSp>
+      <p:cxnSp>
+        <p:nvCxnSpPr>
+          <p:cNvPr id="23" name="直线箭头连接符 22">
+            <a:extLst>
+              <a:ext uri="{FF2B5EF4-FFF2-40B4-BE49-F238E27FC236}">
+                <a16:creationId xmlns:a16="http://schemas.microsoft.com/office/drawing/2014/main" id="{C0941EC3-5612-D642-ADA7-681514F94845}"/>
+              </a:ext>
+            </a:extLst>
+          </p:cNvPr>
+          <p:cNvCxnSpPr>
+            <a:cxnSpLocks/>
+          </p:cNvCxnSpPr>
+          <p:nvPr/>
+        </p:nvCxnSpPr>
+        <p:spPr>
+          <a:xfrm flipH="1" flipV="1">
+            <a:off x="1712686" y="2204463"/>
+            <a:ext cx="576512" cy="637956"/>
+          </a:xfrm>
+          <a:prstGeom prst="straightConnector1">
+            <a:avLst/>
+          </a:prstGeom>
+          <a:ln w="34925">
+            <a:solidFill>
+              <a:schemeClr val="accent1"/>
+            </a:solidFill>
+            <a:tailEnd type="triangle"/>
+          </a:ln>
+        </p:spPr>
+        <p:style>
+          <a:lnRef idx="1">
+            <a:schemeClr val="accent1"/>
+          </a:lnRef>
+          <a:fillRef idx="0">
+            <a:schemeClr val="accent1"/>
+          </a:fillRef>
+          <a:effectRef idx="0">
+            <a:schemeClr val="accent1"/>
+          </a:effectRef>
+          <a:fontRef idx="minor">
+            <a:schemeClr val="tx1"/>
+          </a:fontRef>
+        </p:style>
+      </p:cxnSp>
       <p:pic>
         <p:nvPicPr>
-          <p:cNvPr id="5" name="图片 4">
-            <a:extLst>
-              <a:ext uri="{FF2B5EF4-FFF2-40B4-BE49-F238E27FC236}">
-                <a16:creationId xmlns:a16="http://schemas.microsoft.com/office/drawing/2014/main" id="{36CE16A6-1EE6-8449-81A6-D67645CC01B4}"/>
+          <p:cNvPr id="26" name="图片 25">
+            <a:extLst>
+              <a:ext uri="{FF2B5EF4-FFF2-40B4-BE49-F238E27FC236}">
+                <a16:creationId xmlns:a16="http://schemas.microsoft.com/office/drawing/2014/main" id="{86F3F572-B04A-C546-9633-B2341858095C}"/>
               </a:ext>
             </a:extLst>
           </p:cNvPr>
@@ -4260,15 +4724,322 @@
           </p:cNvPicPr>
           <p:nvPr/>
         </p:nvPicPr>
-        <p:blipFill rotWithShape="1">
-          <a:blip r:embed="rId2"/>
-          <a:srcRect t="6420" r="10364"/>
-          <a:stretch/>
+        <p:blipFill>
+          <a:blip r:embed="rId4"/>
+          <a:stretch>
+            <a:fillRect/>
+          </a:stretch>
         </p:blipFill>
         <p:spPr>
           <a:xfrm>
-            <a:off x="10285313" y="0"/>
-            <a:ext cx="1906687" cy="1934907"/>
+            <a:off x="7798699" y="20063"/>
+            <a:ext cx="3911600" cy="2184400"/>
+          </a:xfrm>
+          <a:prstGeom prst="rect">
+            <a:avLst/>
+          </a:prstGeom>
+        </p:spPr>
+      </p:pic>
+      <p:pic>
+        <p:nvPicPr>
+          <p:cNvPr id="27" name="图片 26">
+            <a:extLst>
+              <a:ext uri="{FF2B5EF4-FFF2-40B4-BE49-F238E27FC236}">
+                <a16:creationId xmlns:a16="http://schemas.microsoft.com/office/drawing/2014/main" id="{57BAA9B9-1B8D-0D46-B7AB-0229EBC31BE9}"/>
+              </a:ext>
+            </a:extLst>
+          </p:cNvPr>
+          <p:cNvPicPr>
+            <a:picLocks noChangeAspect="1"/>
+          </p:cNvPicPr>
+          <p:nvPr/>
+        </p:nvPicPr>
+        <p:blipFill>
+          <a:blip r:embed="rId5"/>
+          <a:stretch>
+            <a:fillRect/>
+          </a:stretch>
+        </p:blipFill>
+        <p:spPr>
+          <a:xfrm>
+            <a:off x="7521120" y="2035750"/>
+            <a:ext cx="4557291" cy="1154696"/>
+          </a:xfrm>
+          <a:prstGeom prst="rect">
+            <a:avLst/>
+          </a:prstGeom>
+        </p:spPr>
+      </p:pic>
+      <p:sp>
+        <p:nvSpPr>
+          <p:cNvPr id="28" name="文本框 27">
+            <a:extLst>
+              <a:ext uri="{FF2B5EF4-FFF2-40B4-BE49-F238E27FC236}">
+                <a16:creationId xmlns:a16="http://schemas.microsoft.com/office/drawing/2014/main" id="{3967F5DA-C709-8F4E-AC72-448CA04627AF}"/>
+              </a:ext>
+            </a:extLst>
+          </p:cNvPr>
+          <p:cNvSpPr txBox="1"/>
+          <p:nvPr/>
+        </p:nvSpPr>
+        <p:spPr>
+          <a:xfrm>
+            <a:off x="5481948" y="3952298"/>
+            <a:ext cx="2537874" cy="369332"/>
+          </a:xfrm>
+          <a:prstGeom prst="rect">
+            <a:avLst/>
+          </a:prstGeom>
+          <a:noFill/>
+        </p:spPr>
+        <p:txBody>
+          <a:bodyPr wrap="none" rtlCol="0">
+            <a:spAutoFit/>
+          </a:bodyPr>
+          <a:lstStyle/>
+          <a:p>
+            <a:r>
+              <a:rPr kumimoji="1" lang="en-US" altLang="zh-CN" dirty="0">
+                <a:solidFill>
+                  <a:srgbClr val="FF0000"/>
+                </a:solidFill>
+                <a:latin typeface="Times New Roman" panose="02020603050405020304" pitchFamily="18" charset="0"/>
+                <a:cs typeface="Times New Roman" panose="02020603050405020304" pitchFamily="18" charset="0"/>
+              </a:rPr>
+              <a:t>Samples of received pilot</a:t>
+            </a:r>
+            <a:endParaRPr kumimoji="1" lang="zh-CN" altLang="en-US" dirty="0">
+              <a:solidFill>
+                <a:srgbClr val="FF0000"/>
+              </a:solidFill>
+              <a:latin typeface="Times New Roman" panose="02020603050405020304" pitchFamily="18" charset="0"/>
+              <a:cs typeface="Times New Roman" panose="02020603050405020304" pitchFamily="18" charset="0"/>
+            </a:endParaRPr>
+          </a:p>
+        </p:txBody>
+      </p:sp>
+      <p:sp>
+        <p:nvSpPr>
+          <p:cNvPr id="29" name="文本框 28">
+            <a:extLst>
+              <a:ext uri="{FF2B5EF4-FFF2-40B4-BE49-F238E27FC236}">
+                <a16:creationId xmlns:a16="http://schemas.microsoft.com/office/drawing/2014/main" id="{DE738D78-A69B-C743-A3A1-9FF78E2AD0AE}"/>
+              </a:ext>
+            </a:extLst>
+          </p:cNvPr>
+          <p:cNvSpPr txBox="1"/>
+          <p:nvPr/>
+        </p:nvSpPr>
+        <p:spPr>
+          <a:xfrm>
+            <a:off x="654775" y="1441786"/>
+            <a:ext cx="4846198" cy="646331"/>
+          </a:xfrm>
+          <a:prstGeom prst="rect">
+            <a:avLst/>
+          </a:prstGeom>
+          <a:noFill/>
+        </p:spPr>
+        <p:txBody>
+          <a:bodyPr wrap="none" rtlCol="0">
+            <a:spAutoFit/>
+          </a:bodyPr>
+          <a:lstStyle/>
+          <a:p>
+            <a:r>
+              <a:rPr kumimoji="1" lang="en-US" altLang="zh-CN" dirty="0">
+                <a:latin typeface="Times" pitchFamily="2" charset="0"/>
+              </a:rPr>
+              <a:t>Hidden variables, </a:t>
+            </a:r>
+            <a:r>
+              <a:rPr kumimoji="1" lang="en-US" altLang="zh-CN" dirty="0">
+                <a:solidFill>
+                  <a:srgbClr val="FF0000"/>
+                </a:solidFill>
+                <a:latin typeface="Times" pitchFamily="2" charset="0"/>
+              </a:rPr>
+              <a:t>grid parameters/channel support</a:t>
+            </a:r>
+          </a:p>
+          <a:p>
+            <a:r>
+              <a:rPr kumimoji="1" lang="en-US" altLang="zh-CN" dirty="0">
+                <a:latin typeface="Times" pitchFamily="2" charset="0"/>
+              </a:rPr>
+              <a:t> (sample belong to which cluster)</a:t>
+            </a:r>
+            <a:endParaRPr kumimoji="1" lang="zh-CN" altLang="en-US" dirty="0">
+              <a:latin typeface="Times" pitchFamily="2" charset="0"/>
+            </a:endParaRPr>
+          </a:p>
+        </p:txBody>
+      </p:sp>
+      <p:cxnSp>
+        <p:nvCxnSpPr>
+          <p:cNvPr id="32" name="直线箭头连接符 31">
+            <a:extLst>
+              <a:ext uri="{FF2B5EF4-FFF2-40B4-BE49-F238E27FC236}">
+                <a16:creationId xmlns:a16="http://schemas.microsoft.com/office/drawing/2014/main" id="{84F72C98-78A4-0541-AE47-24EF4E860554}"/>
+              </a:ext>
+            </a:extLst>
+          </p:cNvPr>
+          <p:cNvCxnSpPr>
+            <a:cxnSpLocks/>
+          </p:cNvCxnSpPr>
+          <p:nvPr/>
+        </p:nvCxnSpPr>
+        <p:spPr>
+          <a:xfrm flipV="1">
+            <a:off x="3384714" y="2686526"/>
+            <a:ext cx="1087961" cy="308424"/>
+          </a:xfrm>
+          <a:prstGeom prst="straightConnector1">
+            <a:avLst/>
+          </a:prstGeom>
+          <a:ln w="34925">
+            <a:solidFill>
+              <a:schemeClr val="accent1"/>
+            </a:solidFill>
+            <a:tailEnd type="triangle"/>
+          </a:ln>
+        </p:spPr>
+        <p:style>
+          <a:lnRef idx="1">
+            <a:schemeClr val="accent1"/>
+          </a:lnRef>
+          <a:fillRef idx="0">
+            <a:schemeClr val="accent1"/>
+          </a:fillRef>
+          <a:effectRef idx="0">
+            <a:schemeClr val="accent1"/>
+          </a:effectRef>
+          <a:fontRef idx="minor">
+            <a:schemeClr val="tx1"/>
+          </a:fontRef>
+        </p:style>
+      </p:cxnSp>
+      <p:sp>
+        <p:nvSpPr>
+          <p:cNvPr id="34" name="文本框 33">
+            <a:extLst>
+              <a:ext uri="{FF2B5EF4-FFF2-40B4-BE49-F238E27FC236}">
+                <a16:creationId xmlns:a16="http://schemas.microsoft.com/office/drawing/2014/main" id="{8811D474-7C29-F846-9D16-F2D9C227F157}"/>
+              </a:ext>
+            </a:extLst>
+          </p:cNvPr>
+          <p:cNvSpPr txBox="1"/>
+          <p:nvPr/>
+        </p:nvSpPr>
+        <p:spPr>
+          <a:xfrm>
+            <a:off x="4404432" y="2267116"/>
+            <a:ext cx="3422732" cy="1200329"/>
+          </a:xfrm>
+          <a:prstGeom prst="rect">
+            <a:avLst/>
+          </a:prstGeom>
+          <a:noFill/>
+        </p:spPr>
+        <p:txBody>
+          <a:bodyPr wrap="none" rtlCol="0">
+            <a:spAutoFit/>
+          </a:bodyPr>
+          <a:lstStyle/>
+          <a:p>
+            <a:r>
+              <a:rPr kumimoji="1" lang="en-US" altLang="zh-CN" dirty="0">
+                <a:latin typeface="Times" pitchFamily="2" charset="0"/>
+              </a:rPr>
+              <a:t>Parameters to estimate</a:t>
+            </a:r>
+          </a:p>
+          <a:p>
+            <a:r>
+              <a:rPr kumimoji="1" lang="en-US" altLang="zh-CN" dirty="0">
+                <a:solidFill>
+                  <a:srgbClr val="FF0000"/>
+                </a:solidFill>
+                <a:latin typeface="Times" pitchFamily="2" charset="0"/>
+              </a:rPr>
+              <a:t>Theta rotation with respect to grids</a:t>
+            </a:r>
+          </a:p>
+          <a:p>
+            <a:r>
+              <a:rPr kumimoji="1" lang="en-US" altLang="zh-CN" dirty="0">
+                <a:latin typeface="Times" pitchFamily="2" charset="0"/>
+              </a:rPr>
+              <a:t> (the distribution parameters</a:t>
+            </a:r>
+          </a:p>
+          <a:p>
+            <a:r>
+              <a:rPr kumimoji="1" lang="en-US" altLang="zh-CN" dirty="0">
+                <a:latin typeface="Times" pitchFamily="2" charset="0"/>
+              </a:rPr>
+              <a:t> under each cluster)</a:t>
+            </a:r>
+            <a:endParaRPr kumimoji="1" lang="zh-CN" altLang="en-US" dirty="0">
+              <a:latin typeface="Times" pitchFamily="2" charset="0"/>
+            </a:endParaRPr>
+          </a:p>
+        </p:txBody>
+      </p:sp>
+      <p:pic>
+        <p:nvPicPr>
+          <p:cNvPr id="35" name="图片 34">
+            <a:extLst>
+              <a:ext uri="{FF2B5EF4-FFF2-40B4-BE49-F238E27FC236}">
+                <a16:creationId xmlns:a16="http://schemas.microsoft.com/office/drawing/2014/main" id="{026C5CA8-A874-A040-8B3B-1C3D3B0FB2E1}"/>
+              </a:ext>
+            </a:extLst>
+          </p:cNvPr>
+          <p:cNvPicPr>
+            <a:picLocks noChangeAspect="1"/>
+          </p:cNvPicPr>
+          <p:nvPr/>
+        </p:nvPicPr>
+        <p:blipFill>
+          <a:blip r:embed="rId6"/>
+          <a:stretch>
+            <a:fillRect/>
+          </a:stretch>
+        </p:blipFill>
+        <p:spPr>
+          <a:xfrm>
+            <a:off x="6519927" y="4321630"/>
+            <a:ext cx="330200" cy="444500"/>
+          </a:xfrm>
+          <a:prstGeom prst="rect">
+            <a:avLst/>
+          </a:prstGeom>
+        </p:spPr>
+      </p:pic>
+      <p:pic>
+        <p:nvPicPr>
+          <p:cNvPr id="36" name="图片 35">
+            <a:extLst>
+              <a:ext uri="{FF2B5EF4-FFF2-40B4-BE49-F238E27FC236}">
+                <a16:creationId xmlns:a16="http://schemas.microsoft.com/office/drawing/2014/main" id="{62388A88-D8C5-B645-95E3-9C60B562EA91}"/>
+              </a:ext>
+            </a:extLst>
+          </p:cNvPr>
+          <p:cNvPicPr>
+            <a:picLocks noChangeAspect="1"/>
+          </p:cNvPicPr>
+          <p:nvPr/>
+        </p:nvPicPr>
+        <p:blipFill>
+          <a:blip r:embed="rId7"/>
+          <a:stretch>
+            <a:fillRect/>
+          </a:stretch>
+        </p:blipFill>
+        <p:spPr>
+          <a:xfrm>
+            <a:off x="7613782" y="5923123"/>
+            <a:ext cx="4557291" cy="891090"/>
           </a:xfrm>
           <a:prstGeom prst="rect">
             <a:avLst/>
@@ -4418,28 +5189,1643 @@
           </a:p>
         </p:txBody>
       </p:sp>
+      <p:pic>
+        <p:nvPicPr>
+          <p:cNvPr id="4" name="图片 3">
+            <a:extLst>
+              <a:ext uri="{FF2B5EF4-FFF2-40B4-BE49-F238E27FC236}">
+                <a16:creationId xmlns:a16="http://schemas.microsoft.com/office/drawing/2014/main" id="{B5986605-1D03-6A45-A425-5E02817303AA}"/>
+              </a:ext>
+            </a:extLst>
+          </p:cNvPr>
+          <p:cNvPicPr>
+            <a:picLocks noChangeAspect="1"/>
+          </p:cNvPicPr>
+          <p:nvPr/>
+        </p:nvPicPr>
+        <p:blipFill>
+          <a:blip r:embed="rId2"/>
+          <a:stretch>
+            <a:fillRect/>
+          </a:stretch>
+        </p:blipFill>
+        <p:spPr>
+          <a:xfrm>
+            <a:off x="8309026" y="3501173"/>
+            <a:ext cx="609600" cy="457200"/>
+          </a:xfrm>
+          <a:prstGeom prst="rect">
+            <a:avLst/>
+          </a:prstGeom>
+        </p:spPr>
+      </p:pic>
       <p:sp>
         <p:nvSpPr>
-          <p:cNvPr id="3" name="内容占位符 2">
-            <a:extLst>
-              <a:ext uri="{FF2B5EF4-FFF2-40B4-BE49-F238E27FC236}">
-                <a16:creationId xmlns:a16="http://schemas.microsoft.com/office/drawing/2014/main" id="{76368899-9A08-1B42-AB8B-9766D5CF7593}"/>
-              </a:ext>
-            </a:extLst>
-          </p:cNvPr>
-          <p:cNvSpPr>
-            <a:spLocks noGrp="1"/>
-          </p:cNvSpPr>
-          <p:nvPr>
-            <p:ph idx="1"/>
-          </p:nvPr>
+          <p:cNvPr id="5" name="文本框 4">
+            <a:extLst>
+              <a:ext uri="{FF2B5EF4-FFF2-40B4-BE49-F238E27FC236}">
+                <a16:creationId xmlns:a16="http://schemas.microsoft.com/office/drawing/2014/main" id="{20F74684-695E-B548-ADCF-C2B606D5FA1E}"/>
+              </a:ext>
+            </a:extLst>
+          </p:cNvPr>
+          <p:cNvSpPr txBox="1"/>
+          <p:nvPr/>
         </p:nvSpPr>
-        <p:spPr/>
+        <p:spPr>
+          <a:xfrm>
+            <a:off x="564293" y="3807901"/>
+            <a:ext cx="1945233" cy="830997"/>
+          </a:xfrm>
+          <a:prstGeom prst="rect">
+            <a:avLst/>
+          </a:prstGeom>
+          <a:noFill/>
+        </p:spPr>
         <p:txBody>
-          <a:bodyPr/>
+          <a:bodyPr wrap="square" rtlCol="0">
+            <a:spAutoFit/>
+          </a:bodyPr>
           <a:lstStyle/>
           <a:p>
-            <a:endParaRPr kumimoji="1" lang="zh-CN" altLang="en-US" dirty="0"/>
+            <a:pPr algn="ctr"/>
+            <a:r>
+              <a:rPr kumimoji="1" lang="en-US" altLang="zh-CN" sz="2400" dirty="0">
+                <a:latin typeface="SimSun" panose="02010600030101010101" pitchFamily="2" charset="-122"/>
+                <a:ea typeface="SimSun" panose="02010600030101010101" pitchFamily="2" charset="-122"/>
+              </a:rPr>
+              <a:t>BS</a:t>
+            </a:r>
+          </a:p>
+          <a:p>
+            <a:pPr algn="ctr"/>
+            <a:r>
+              <a:rPr kumimoji="1" lang="zh-CN" altLang="en-US" sz="2400" dirty="0">
+                <a:latin typeface="SimSun" panose="02010600030101010101" pitchFamily="2" charset="-122"/>
+                <a:ea typeface="SimSun" panose="02010600030101010101" pitchFamily="2" charset="-122"/>
+              </a:rPr>
+              <a:t>（</a:t>
+            </a:r>
+            <a:r>
+              <a:rPr kumimoji="1" lang="en-US" altLang="zh-CN" sz="2400" dirty="0">
+                <a:latin typeface="SimSun" panose="02010600030101010101" pitchFamily="2" charset="-122"/>
+                <a:ea typeface="SimSun" panose="02010600030101010101" pitchFamily="2" charset="-122"/>
+              </a:rPr>
+              <a:t>N-ULA</a:t>
+            </a:r>
+            <a:r>
+              <a:rPr kumimoji="1" lang="zh-CN" altLang="en-US" sz="2400" dirty="0">
+                <a:latin typeface="SimSun" panose="02010600030101010101" pitchFamily="2" charset="-122"/>
+                <a:ea typeface="SimSun" panose="02010600030101010101" pitchFamily="2" charset="-122"/>
+              </a:rPr>
+              <a:t>）</a:t>
+            </a:r>
+          </a:p>
+        </p:txBody>
+      </p:sp>
+      <p:pic>
+        <p:nvPicPr>
+          <p:cNvPr id="6" name="图片 5" descr="手机屏幕截图&#10;&#10;中度可信度描述已自动生成">
+            <a:extLst>
+              <a:ext uri="{FF2B5EF4-FFF2-40B4-BE49-F238E27FC236}">
+                <a16:creationId xmlns:a16="http://schemas.microsoft.com/office/drawing/2014/main" id="{1DFBC8F0-CD3E-A34E-A3FD-AB8EBB230000}"/>
+              </a:ext>
+            </a:extLst>
+          </p:cNvPr>
+          <p:cNvPicPr>
+            <a:picLocks noChangeAspect="1"/>
+          </p:cNvPicPr>
+          <p:nvPr/>
+        </p:nvPicPr>
+        <p:blipFill>
+          <a:blip r:embed="rId3"/>
+          <a:stretch>
+            <a:fillRect/>
+          </a:stretch>
+        </p:blipFill>
+        <p:spPr>
+          <a:xfrm>
+            <a:off x="1131225" y="2111949"/>
+            <a:ext cx="811371" cy="1690190"/>
+          </a:xfrm>
+          <a:prstGeom prst="rect">
+            <a:avLst/>
+          </a:prstGeom>
+        </p:spPr>
+      </p:pic>
+      <p:pic>
+        <p:nvPicPr>
+          <p:cNvPr id="7" name="图片 6" descr="形状, 正方形&#10;&#10;描述已自动生成">
+            <a:extLst>
+              <a:ext uri="{FF2B5EF4-FFF2-40B4-BE49-F238E27FC236}">
+                <a16:creationId xmlns:a16="http://schemas.microsoft.com/office/drawing/2014/main" id="{B835E776-1C30-1941-99AD-8A9DAE4B807A}"/>
+              </a:ext>
+            </a:extLst>
+          </p:cNvPr>
+          <p:cNvPicPr>
+            <a:picLocks noChangeAspect="1"/>
+          </p:cNvPicPr>
+          <p:nvPr/>
+        </p:nvPicPr>
+        <p:blipFill>
+          <a:blip r:embed="rId4"/>
+          <a:stretch>
+            <a:fillRect/>
+          </a:stretch>
+        </p:blipFill>
+        <p:spPr>
+          <a:xfrm>
+            <a:off x="6177776" y="1141092"/>
+            <a:ext cx="3074174" cy="318763"/>
+          </a:xfrm>
+          <a:prstGeom prst="rect">
+            <a:avLst/>
+          </a:prstGeom>
+        </p:spPr>
+      </p:pic>
+      <p:pic>
+        <p:nvPicPr>
+          <p:cNvPr id="8" name="图片 7" descr="背景图案&#10;&#10;描述已自动生成">
+            <a:extLst>
+              <a:ext uri="{FF2B5EF4-FFF2-40B4-BE49-F238E27FC236}">
+                <a16:creationId xmlns:a16="http://schemas.microsoft.com/office/drawing/2014/main" id="{9FE1EEA7-29E1-DE44-9EAB-484F4176926B}"/>
+              </a:ext>
+            </a:extLst>
+          </p:cNvPr>
+          <p:cNvPicPr>
+            <a:picLocks noChangeAspect="1"/>
+          </p:cNvPicPr>
+          <p:nvPr/>
+        </p:nvPicPr>
+        <p:blipFill>
+          <a:blip r:embed="rId5"/>
+          <a:stretch>
+            <a:fillRect/>
+          </a:stretch>
+        </p:blipFill>
+        <p:spPr>
+          <a:xfrm>
+            <a:off x="8972299" y="4859139"/>
+            <a:ext cx="559302" cy="1078010"/>
+          </a:xfrm>
+          <a:prstGeom prst="rect">
+            <a:avLst/>
+          </a:prstGeom>
+        </p:spPr>
+      </p:pic>
+      <p:grpSp>
+        <p:nvGrpSpPr>
+          <p:cNvPr id="9" name="组合 8">
+            <a:extLst>
+              <a:ext uri="{FF2B5EF4-FFF2-40B4-BE49-F238E27FC236}">
+                <a16:creationId xmlns:a16="http://schemas.microsoft.com/office/drawing/2014/main" id="{59685458-B5A3-CA4D-BB9B-C99C96B40340}"/>
+              </a:ext>
+            </a:extLst>
+          </p:cNvPr>
+          <p:cNvGrpSpPr/>
+          <p:nvPr/>
+        </p:nvGrpSpPr>
+        <p:grpSpPr>
+          <a:xfrm>
+            <a:off x="8226038" y="4519470"/>
+            <a:ext cx="2208270" cy="221209"/>
+            <a:chOff x="3512633" y="4714671"/>
+            <a:chExt cx="2208270" cy="221209"/>
+          </a:xfrm>
+        </p:grpSpPr>
+        <p:cxnSp>
+          <p:nvCxnSpPr>
+            <p:cNvPr id="10" name="直线连接符 9">
+              <a:extLst>
+                <a:ext uri="{FF2B5EF4-FFF2-40B4-BE49-F238E27FC236}">
+                  <a16:creationId xmlns:a16="http://schemas.microsoft.com/office/drawing/2014/main" id="{2BC1B947-2FBB-164A-8219-F4CA72C67E31}"/>
+                </a:ext>
+              </a:extLst>
+            </p:cNvPr>
+            <p:cNvCxnSpPr/>
+            <p:nvPr/>
+          </p:nvCxnSpPr>
+          <p:spPr>
+            <a:xfrm>
+              <a:off x="3512633" y="4935879"/>
+              <a:ext cx="2051825" cy="0"/>
+            </a:xfrm>
+            <a:prstGeom prst="line">
+              <a:avLst/>
+            </a:prstGeom>
+            <a:ln w="19050">
+              <a:solidFill>
+                <a:schemeClr val="tx1"/>
+              </a:solidFill>
+            </a:ln>
+          </p:spPr>
+          <p:style>
+            <a:lnRef idx="1">
+              <a:schemeClr val="accent1"/>
+            </a:lnRef>
+            <a:fillRef idx="0">
+              <a:schemeClr val="accent1"/>
+            </a:fillRef>
+            <a:effectRef idx="0">
+              <a:schemeClr val="accent1"/>
+            </a:effectRef>
+            <a:fontRef idx="minor">
+              <a:schemeClr val="tx1"/>
+            </a:fontRef>
+          </p:style>
+        </p:cxnSp>
+        <p:cxnSp>
+          <p:nvCxnSpPr>
+            <p:cNvPr id="11" name="直线连接符 10">
+              <a:extLst>
+                <a:ext uri="{FF2B5EF4-FFF2-40B4-BE49-F238E27FC236}">
+                  <a16:creationId xmlns:a16="http://schemas.microsoft.com/office/drawing/2014/main" id="{2027012F-9569-1D4F-89D3-2068FAC51226}"/>
+                </a:ext>
+              </a:extLst>
+            </p:cNvPr>
+            <p:cNvCxnSpPr>
+              <a:cxnSpLocks/>
+            </p:cNvCxnSpPr>
+            <p:nvPr/>
+          </p:nvCxnSpPr>
+          <p:spPr>
+            <a:xfrm flipV="1">
+              <a:off x="3512633" y="4714672"/>
+              <a:ext cx="164422" cy="221208"/>
+            </a:xfrm>
+            <a:prstGeom prst="line">
+              <a:avLst/>
+            </a:prstGeom>
+            <a:ln w="19050">
+              <a:solidFill>
+                <a:schemeClr val="tx1"/>
+              </a:solidFill>
+            </a:ln>
+          </p:spPr>
+          <p:style>
+            <a:lnRef idx="1">
+              <a:schemeClr val="accent1"/>
+            </a:lnRef>
+            <a:fillRef idx="0">
+              <a:schemeClr val="accent1"/>
+            </a:fillRef>
+            <a:effectRef idx="0">
+              <a:schemeClr val="accent1"/>
+            </a:effectRef>
+            <a:fontRef idx="minor">
+              <a:schemeClr val="tx1"/>
+            </a:fontRef>
+          </p:style>
+        </p:cxnSp>
+        <p:cxnSp>
+          <p:nvCxnSpPr>
+            <p:cNvPr id="12" name="直线连接符 11">
+              <a:extLst>
+                <a:ext uri="{FF2B5EF4-FFF2-40B4-BE49-F238E27FC236}">
+                  <a16:creationId xmlns:a16="http://schemas.microsoft.com/office/drawing/2014/main" id="{11C7F863-E73E-704A-992C-676595B22EAB}"/>
+                </a:ext>
+              </a:extLst>
+            </p:cNvPr>
+            <p:cNvCxnSpPr>
+              <a:cxnSpLocks/>
+            </p:cNvCxnSpPr>
+            <p:nvPr/>
+          </p:nvCxnSpPr>
+          <p:spPr>
+            <a:xfrm flipV="1">
+              <a:off x="3809412" y="4714672"/>
+              <a:ext cx="164422" cy="221208"/>
+            </a:xfrm>
+            <a:prstGeom prst="line">
+              <a:avLst/>
+            </a:prstGeom>
+            <a:ln w="19050">
+              <a:solidFill>
+                <a:schemeClr val="tx1"/>
+              </a:solidFill>
+            </a:ln>
+          </p:spPr>
+          <p:style>
+            <a:lnRef idx="1">
+              <a:schemeClr val="accent1"/>
+            </a:lnRef>
+            <a:fillRef idx="0">
+              <a:schemeClr val="accent1"/>
+            </a:fillRef>
+            <a:effectRef idx="0">
+              <a:schemeClr val="accent1"/>
+            </a:effectRef>
+            <a:fontRef idx="minor">
+              <a:schemeClr val="tx1"/>
+            </a:fontRef>
+          </p:style>
+        </p:cxnSp>
+        <p:cxnSp>
+          <p:nvCxnSpPr>
+            <p:cNvPr id="13" name="直线连接符 12">
+              <a:extLst>
+                <a:ext uri="{FF2B5EF4-FFF2-40B4-BE49-F238E27FC236}">
+                  <a16:creationId xmlns:a16="http://schemas.microsoft.com/office/drawing/2014/main" id="{40E398F4-CCC9-AD4E-8CE1-C24E33483EAF}"/>
+                </a:ext>
+              </a:extLst>
+            </p:cNvPr>
+            <p:cNvCxnSpPr>
+              <a:cxnSpLocks/>
+            </p:cNvCxnSpPr>
+            <p:nvPr/>
+          </p:nvCxnSpPr>
+          <p:spPr>
+            <a:xfrm flipV="1">
+              <a:off x="4106191" y="4714671"/>
+              <a:ext cx="164422" cy="221208"/>
+            </a:xfrm>
+            <a:prstGeom prst="line">
+              <a:avLst/>
+            </a:prstGeom>
+            <a:ln w="19050">
+              <a:solidFill>
+                <a:schemeClr val="tx1"/>
+              </a:solidFill>
+            </a:ln>
+          </p:spPr>
+          <p:style>
+            <a:lnRef idx="1">
+              <a:schemeClr val="accent1"/>
+            </a:lnRef>
+            <a:fillRef idx="0">
+              <a:schemeClr val="accent1"/>
+            </a:fillRef>
+            <a:effectRef idx="0">
+              <a:schemeClr val="accent1"/>
+            </a:effectRef>
+            <a:fontRef idx="minor">
+              <a:schemeClr val="tx1"/>
+            </a:fontRef>
+          </p:style>
+        </p:cxnSp>
+        <p:grpSp>
+          <p:nvGrpSpPr>
+            <p:cNvPr id="14" name="组合 13">
+              <a:extLst>
+                <a:ext uri="{FF2B5EF4-FFF2-40B4-BE49-F238E27FC236}">
+                  <a16:creationId xmlns:a16="http://schemas.microsoft.com/office/drawing/2014/main" id="{58E57F23-DD93-3843-BD4C-262E11A0526A}"/>
+                </a:ext>
+              </a:extLst>
+            </p:cNvPr>
+            <p:cNvGrpSpPr/>
+            <p:nvPr/>
+          </p:nvGrpSpPr>
+          <p:grpSpPr>
+            <a:xfrm>
+              <a:off x="4589461" y="4802630"/>
+              <a:ext cx="359370" cy="45719"/>
+              <a:chOff x="4432434" y="4817419"/>
+              <a:chExt cx="359370" cy="45719"/>
+            </a:xfrm>
+          </p:grpSpPr>
+          <p:sp>
+            <p:nvSpPr>
+              <p:cNvPr id="16" name="椭圆 15">
+                <a:extLst>
+                  <a:ext uri="{FF2B5EF4-FFF2-40B4-BE49-F238E27FC236}">
+                    <a16:creationId xmlns:a16="http://schemas.microsoft.com/office/drawing/2014/main" id="{4A5C217A-3323-C948-A6DD-8D286877F67C}"/>
+                  </a:ext>
+                </a:extLst>
+              </p:cNvPr>
+              <p:cNvSpPr/>
+              <p:nvPr/>
+            </p:nvSpPr>
+            <p:spPr>
+              <a:xfrm>
+                <a:off x="4432434" y="4817419"/>
+                <a:ext cx="45719" cy="45719"/>
+              </a:xfrm>
+              <a:prstGeom prst="ellipse">
+                <a:avLst/>
+              </a:prstGeom>
+              <a:solidFill>
+                <a:schemeClr val="tx1"/>
+              </a:solidFill>
+              <a:ln>
+                <a:noFill/>
+              </a:ln>
+            </p:spPr>
+            <p:style>
+              <a:lnRef idx="2">
+                <a:schemeClr val="accent1">
+                  <a:shade val="50000"/>
+                </a:schemeClr>
+              </a:lnRef>
+              <a:fillRef idx="1">
+                <a:schemeClr val="accent1"/>
+              </a:fillRef>
+              <a:effectRef idx="0">
+                <a:schemeClr val="accent1"/>
+              </a:effectRef>
+              <a:fontRef idx="minor">
+                <a:schemeClr val="lt1"/>
+              </a:fontRef>
+            </p:style>
+            <p:txBody>
+              <a:bodyPr rtlCol="0" anchor="ctr"/>
+              <a:lstStyle/>
+              <a:p>
+                <a:pPr algn="ctr"/>
+                <a:endParaRPr kumimoji="1" lang="zh-CN" altLang="en-US"/>
+              </a:p>
+            </p:txBody>
+          </p:sp>
+          <p:sp>
+            <p:nvSpPr>
+              <p:cNvPr id="17" name="椭圆 16">
+                <a:extLst>
+                  <a:ext uri="{FF2B5EF4-FFF2-40B4-BE49-F238E27FC236}">
+                    <a16:creationId xmlns:a16="http://schemas.microsoft.com/office/drawing/2014/main" id="{B846F69B-B000-AC48-AD93-1E868CFAC2D7}"/>
+                  </a:ext>
+                </a:extLst>
+              </p:cNvPr>
+              <p:cNvSpPr/>
+              <p:nvPr/>
+            </p:nvSpPr>
+            <p:spPr>
+              <a:xfrm>
+                <a:off x="4538545" y="4817419"/>
+                <a:ext cx="45719" cy="45719"/>
+              </a:xfrm>
+              <a:prstGeom prst="ellipse">
+                <a:avLst/>
+              </a:prstGeom>
+              <a:solidFill>
+                <a:schemeClr val="tx1"/>
+              </a:solidFill>
+              <a:ln>
+                <a:noFill/>
+              </a:ln>
+            </p:spPr>
+            <p:style>
+              <a:lnRef idx="2">
+                <a:schemeClr val="accent1">
+                  <a:shade val="50000"/>
+                </a:schemeClr>
+              </a:lnRef>
+              <a:fillRef idx="1">
+                <a:schemeClr val="accent1"/>
+              </a:fillRef>
+              <a:effectRef idx="0">
+                <a:schemeClr val="accent1"/>
+              </a:effectRef>
+              <a:fontRef idx="minor">
+                <a:schemeClr val="lt1"/>
+              </a:fontRef>
+            </p:style>
+            <p:txBody>
+              <a:bodyPr rtlCol="0" anchor="ctr"/>
+              <a:lstStyle/>
+              <a:p>
+                <a:pPr algn="ctr"/>
+                <a:endParaRPr kumimoji="1" lang="zh-CN" altLang="en-US"/>
+              </a:p>
+            </p:txBody>
+          </p:sp>
+          <p:sp>
+            <p:nvSpPr>
+              <p:cNvPr id="18" name="椭圆 17">
+                <a:extLst>
+                  <a:ext uri="{FF2B5EF4-FFF2-40B4-BE49-F238E27FC236}">
+                    <a16:creationId xmlns:a16="http://schemas.microsoft.com/office/drawing/2014/main" id="{C6F26B46-0D01-1846-A896-36E267BF6CF2}"/>
+                  </a:ext>
+                </a:extLst>
+              </p:cNvPr>
+              <p:cNvSpPr/>
+              <p:nvPr/>
+            </p:nvSpPr>
+            <p:spPr>
+              <a:xfrm>
+                <a:off x="4639974" y="4817419"/>
+                <a:ext cx="45719" cy="45719"/>
+              </a:xfrm>
+              <a:prstGeom prst="ellipse">
+                <a:avLst/>
+              </a:prstGeom>
+              <a:solidFill>
+                <a:schemeClr val="tx1"/>
+              </a:solidFill>
+              <a:ln>
+                <a:noFill/>
+              </a:ln>
+            </p:spPr>
+            <p:style>
+              <a:lnRef idx="2">
+                <a:schemeClr val="accent1">
+                  <a:shade val="50000"/>
+                </a:schemeClr>
+              </a:lnRef>
+              <a:fillRef idx="1">
+                <a:schemeClr val="accent1"/>
+              </a:fillRef>
+              <a:effectRef idx="0">
+                <a:schemeClr val="accent1"/>
+              </a:effectRef>
+              <a:fontRef idx="minor">
+                <a:schemeClr val="lt1"/>
+              </a:fontRef>
+            </p:style>
+            <p:txBody>
+              <a:bodyPr rtlCol="0" anchor="ctr"/>
+              <a:lstStyle/>
+              <a:p>
+                <a:pPr algn="ctr"/>
+                <a:endParaRPr kumimoji="1" lang="zh-CN" altLang="en-US"/>
+              </a:p>
+            </p:txBody>
+          </p:sp>
+          <p:sp>
+            <p:nvSpPr>
+              <p:cNvPr id="19" name="椭圆 18">
+                <a:extLst>
+                  <a:ext uri="{FF2B5EF4-FFF2-40B4-BE49-F238E27FC236}">
+                    <a16:creationId xmlns:a16="http://schemas.microsoft.com/office/drawing/2014/main" id="{6181222C-F633-E54E-ADC9-42A5B2ADAF48}"/>
+                  </a:ext>
+                </a:extLst>
+              </p:cNvPr>
+              <p:cNvSpPr/>
+              <p:nvPr/>
+            </p:nvSpPr>
+            <p:spPr>
+              <a:xfrm>
+                <a:off x="4746085" y="4817419"/>
+                <a:ext cx="45719" cy="45719"/>
+              </a:xfrm>
+              <a:prstGeom prst="ellipse">
+                <a:avLst/>
+              </a:prstGeom>
+              <a:solidFill>
+                <a:schemeClr val="tx1"/>
+              </a:solidFill>
+              <a:ln>
+                <a:noFill/>
+              </a:ln>
+            </p:spPr>
+            <p:style>
+              <a:lnRef idx="2">
+                <a:schemeClr val="accent1">
+                  <a:shade val="50000"/>
+                </a:schemeClr>
+              </a:lnRef>
+              <a:fillRef idx="1">
+                <a:schemeClr val="accent1"/>
+              </a:fillRef>
+              <a:effectRef idx="0">
+                <a:schemeClr val="accent1"/>
+              </a:effectRef>
+              <a:fontRef idx="minor">
+                <a:schemeClr val="lt1"/>
+              </a:fontRef>
+            </p:style>
+            <p:txBody>
+              <a:bodyPr rtlCol="0" anchor="ctr"/>
+              <a:lstStyle/>
+              <a:p>
+                <a:pPr algn="ctr"/>
+                <a:endParaRPr kumimoji="1" lang="zh-CN" altLang="en-US"/>
+              </a:p>
+            </p:txBody>
+          </p:sp>
+        </p:grpSp>
+        <p:cxnSp>
+          <p:nvCxnSpPr>
+            <p:cNvPr id="15" name="直线连接符 14">
+              <a:extLst>
+                <a:ext uri="{FF2B5EF4-FFF2-40B4-BE49-F238E27FC236}">
+                  <a16:creationId xmlns:a16="http://schemas.microsoft.com/office/drawing/2014/main" id="{A55C331B-570C-1747-8883-3BA52A694242}"/>
+                </a:ext>
+              </a:extLst>
+            </p:cNvPr>
+            <p:cNvCxnSpPr>
+              <a:cxnSpLocks/>
+            </p:cNvCxnSpPr>
+            <p:nvPr/>
+          </p:nvCxnSpPr>
+          <p:spPr>
+            <a:xfrm flipV="1">
+              <a:off x="5556481" y="4714671"/>
+              <a:ext cx="164422" cy="221208"/>
+            </a:xfrm>
+            <a:prstGeom prst="line">
+              <a:avLst/>
+            </a:prstGeom>
+            <a:ln w="19050">
+              <a:solidFill>
+                <a:schemeClr val="tx1"/>
+              </a:solidFill>
+            </a:ln>
+          </p:spPr>
+          <p:style>
+            <a:lnRef idx="1">
+              <a:schemeClr val="accent1"/>
+            </a:lnRef>
+            <a:fillRef idx="0">
+              <a:schemeClr val="accent1"/>
+            </a:fillRef>
+            <a:effectRef idx="0">
+              <a:schemeClr val="accent1"/>
+            </a:effectRef>
+            <a:fontRef idx="minor">
+              <a:schemeClr val="tx1"/>
+            </a:fontRef>
+          </p:style>
+        </p:cxnSp>
+      </p:grpSp>
+      <p:grpSp>
+        <p:nvGrpSpPr>
+          <p:cNvPr id="20" name="组合 19">
+            <a:extLst>
+              <a:ext uri="{FF2B5EF4-FFF2-40B4-BE49-F238E27FC236}">
+                <a16:creationId xmlns:a16="http://schemas.microsoft.com/office/drawing/2014/main" id="{58FA7655-6A44-C846-977F-472F428AC597}"/>
+              </a:ext>
+            </a:extLst>
+          </p:cNvPr>
+          <p:cNvGrpSpPr/>
+          <p:nvPr/>
+        </p:nvGrpSpPr>
+        <p:grpSpPr>
+          <a:xfrm rot="5400000">
+            <a:off x="949065" y="2453386"/>
+            <a:ext cx="2208270" cy="221209"/>
+            <a:chOff x="3512633" y="4714671"/>
+            <a:chExt cx="2208270" cy="221209"/>
+          </a:xfrm>
+        </p:grpSpPr>
+        <p:cxnSp>
+          <p:nvCxnSpPr>
+            <p:cNvPr id="21" name="直线连接符 20">
+              <a:extLst>
+                <a:ext uri="{FF2B5EF4-FFF2-40B4-BE49-F238E27FC236}">
+                  <a16:creationId xmlns:a16="http://schemas.microsoft.com/office/drawing/2014/main" id="{353716B1-3540-304D-92F4-4758525B4CFF}"/>
+                </a:ext>
+              </a:extLst>
+            </p:cNvPr>
+            <p:cNvCxnSpPr/>
+            <p:nvPr/>
+          </p:nvCxnSpPr>
+          <p:spPr>
+            <a:xfrm>
+              <a:off x="3512633" y="4935879"/>
+              <a:ext cx="2051825" cy="0"/>
+            </a:xfrm>
+            <a:prstGeom prst="line">
+              <a:avLst/>
+            </a:prstGeom>
+            <a:ln w="19050">
+              <a:solidFill>
+                <a:schemeClr val="tx1"/>
+              </a:solidFill>
+            </a:ln>
+          </p:spPr>
+          <p:style>
+            <a:lnRef idx="1">
+              <a:schemeClr val="accent1"/>
+            </a:lnRef>
+            <a:fillRef idx="0">
+              <a:schemeClr val="accent1"/>
+            </a:fillRef>
+            <a:effectRef idx="0">
+              <a:schemeClr val="accent1"/>
+            </a:effectRef>
+            <a:fontRef idx="minor">
+              <a:schemeClr val="tx1"/>
+            </a:fontRef>
+          </p:style>
+        </p:cxnSp>
+        <p:cxnSp>
+          <p:nvCxnSpPr>
+            <p:cNvPr id="22" name="直线连接符 21">
+              <a:extLst>
+                <a:ext uri="{FF2B5EF4-FFF2-40B4-BE49-F238E27FC236}">
+                  <a16:creationId xmlns:a16="http://schemas.microsoft.com/office/drawing/2014/main" id="{26E8C92A-5F17-894D-9950-D893916B8FAE}"/>
+                </a:ext>
+              </a:extLst>
+            </p:cNvPr>
+            <p:cNvCxnSpPr>
+              <a:cxnSpLocks/>
+            </p:cNvCxnSpPr>
+            <p:nvPr/>
+          </p:nvCxnSpPr>
+          <p:spPr>
+            <a:xfrm flipV="1">
+              <a:off x="3512633" y="4714672"/>
+              <a:ext cx="164422" cy="221208"/>
+            </a:xfrm>
+            <a:prstGeom prst="line">
+              <a:avLst/>
+            </a:prstGeom>
+            <a:ln w="19050">
+              <a:solidFill>
+                <a:schemeClr val="tx1"/>
+              </a:solidFill>
+            </a:ln>
+          </p:spPr>
+          <p:style>
+            <a:lnRef idx="1">
+              <a:schemeClr val="accent1"/>
+            </a:lnRef>
+            <a:fillRef idx="0">
+              <a:schemeClr val="accent1"/>
+            </a:fillRef>
+            <a:effectRef idx="0">
+              <a:schemeClr val="accent1"/>
+            </a:effectRef>
+            <a:fontRef idx="minor">
+              <a:schemeClr val="tx1"/>
+            </a:fontRef>
+          </p:style>
+        </p:cxnSp>
+        <p:cxnSp>
+          <p:nvCxnSpPr>
+            <p:cNvPr id="23" name="直线连接符 22">
+              <a:extLst>
+                <a:ext uri="{FF2B5EF4-FFF2-40B4-BE49-F238E27FC236}">
+                  <a16:creationId xmlns:a16="http://schemas.microsoft.com/office/drawing/2014/main" id="{1815A270-D8AE-684C-8F50-ACD447DF7BCE}"/>
+                </a:ext>
+              </a:extLst>
+            </p:cNvPr>
+            <p:cNvCxnSpPr>
+              <a:cxnSpLocks/>
+            </p:cNvCxnSpPr>
+            <p:nvPr/>
+          </p:nvCxnSpPr>
+          <p:spPr>
+            <a:xfrm flipV="1">
+              <a:off x="3809412" y="4714672"/>
+              <a:ext cx="164422" cy="221208"/>
+            </a:xfrm>
+            <a:prstGeom prst="line">
+              <a:avLst/>
+            </a:prstGeom>
+            <a:ln w="19050">
+              <a:solidFill>
+                <a:schemeClr val="tx1"/>
+              </a:solidFill>
+            </a:ln>
+          </p:spPr>
+          <p:style>
+            <a:lnRef idx="1">
+              <a:schemeClr val="accent1"/>
+            </a:lnRef>
+            <a:fillRef idx="0">
+              <a:schemeClr val="accent1"/>
+            </a:fillRef>
+            <a:effectRef idx="0">
+              <a:schemeClr val="accent1"/>
+            </a:effectRef>
+            <a:fontRef idx="minor">
+              <a:schemeClr val="tx1"/>
+            </a:fontRef>
+          </p:style>
+        </p:cxnSp>
+        <p:cxnSp>
+          <p:nvCxnSpPr>
+            <p:cNvPr id="24" name="直线连接符 23">
+              <a:extLst>
+                <a:ext uri="{FF2B5EF4-FFF2-40B4-BE49-F238E27FC236}">
+                  <a16:creationId xmlns:a16="http://schemas.microsoft.com/office/drawing/2014/main" id="{4555B05D-36F6-F740-8A91-AE783F46BCD9}"/>
+                </a:ext>
+              </a:extLst>
+            </p:cNvPr>
+            <p:cNvCxnSpPr>
+              <a:cxnSpLocks/>
+            </p:cNvCxnSpPr>
+            <p:nvPr/>
+          </p:nvCxnSpPr>
+          <p:spPr>
+            <a:xfrm flipV="1">
+              <a:off x="4106191" y="4714671"/>
+              <a:ext cx="164422" cy="221208"/>
+            </a:xfrm>
+            <a:prstGeom prst="line">
+              <a:avLst/>
+            </a:prstGeom>
+            <a:ln w="19050">
+              <a:solidFill>
+                <a:schemeClr val="tx1"/>
+              </a:solidFill>
+            </a:ln>
+          </p:spPr>
+          <p:style>
+            <a:lnRef idx="1">
+              <a:schemeClr val="accent1"/>
+            </a:lnRef>
+            <a:fillRef idx="0">
+              <a:schemeClr val="accent1"/>
+            </a:fillRef>
+            <a:effectRef idx="0">
+              <a:schemeClr val="accent1"/>
+            </a:effectRef>
+            <a:fontRef idx="minor">
+              <a:schemeClr val="tx1"/>
+            </a:fontRef>
+          </p:style>
+        </p:cxnSp>
+        <p:grpSp>
+          <p:nvGrpSpPr>
+            <p:cNvPr id="25" name="组合 24">
+              <a:extLst>
+                <a:ext uri="{FF2B5EF4-FFF2-40B4-BE49-F238E27FC236}">
+                  <a16:creationId xmlns:a16="http://schemas.microsoft.com/office/drawing/2014/main" id="{C860F352-419C-1D4A-9BC0-CB930FD93268}"/>
+                </a:ext>
+              </a:extLst>
+            </p:cNvPr>
+            <p:cNvGrpSpPr/>
+            <p:nvPr/>
+          </p:nvGrpSpPr>
+          <p:grpSpPr>
+            <a:xfrm>
+              <a:off x="4589461" y="4802630"/>
+              <a:ext cx="359370" cy="45719"/>
+              <a:chOff x="4432434" y="4817419"/>
+              <a:chExt cx="359370" cy="45719"/>
+            </a:xfrm>
+          </p:grpSpPr>
+          <p:sp>
+            <p:nvSpPr>
+              <p:cNvPr id="27" name="椭圆 26">
+                <a:extLst>
+                  <a:ext uri="{FF2B5EF4-FFF2-40B4-BE49-F238E27FC236}">
+                    <a16:creationId xmlns:a16="http://schemas.microsoft.com/office/drawing/2014/main" id="{3B201A84-C4D0-9146-B593-78611EA72932}"/>
+                  </a:ext>
+                </a:extLst>
+              </p:cNvPr>
+              <p:cNvSpPr/>
+              <p:nvPr/>
+            </p:nvSpPr>
+            <p:spPr>
+              <a:xfrm>
+                <a:off x="4432434" y="4817419"/>
+                <a:ext cx="45719" cy="45719"/>
+              </a:xfrm>
+              <a:prstGeom prst="ellipse">
+                <a:avLst/>
+              </a:prstGeom>
+              <a:solidFill>
+                <a:schemeClr val="tx1"/>
+              </a:solidFill>
+              <a:ln>
+                <a:noFill/>
+              </a:ln>
+            </p:spPr>
+            <p:style>
+              <a:lnRef idx="2">
+                <a:schemeClr val="accent1">
+                  <a:shade val="50000"/>
+                </a:schemeClr>
+              </a:lnRef>
+              <a:fillRef idx="1">
+                <a:schemeClr val="accent1"/>
+              </a:fillRef>
+              <a:effectRef idx="0">
+                <a:schemeClr val="accent1"/>
+              </a:effectRef>
+              <a:fontRef idx="minor">
+                <a:schemeClr val="lt1"/>
+              </a:fontRef>
+            </p:style>
+            <p:txBody>
+              <a:bodyPr rtlCol="0" anchor="ctr"/>
+              <a:lstStyle/>
+              <a:p>
+                <a:pPr algn="ctr"/>
+                <a:endParaRPr kumimoji="1" lang="zh-CN" altLang="en-US"/>
+              </a:p>
+            </p:txBody>
+          </p:sp>
+          <p:sp>
+            <p:nvSpPr>
+              <p:cNvPr id="28" name="椭圆 27">
+                <a:extLst>
+                  <a:ext uri="{FF2B5EF4-FFF2-40B4-BE49-F238E27FC236}">
+                    <a16:creationId xmlns:a16="http://schemas.microsoft.com/office/drawing/2014/main" id="{4A79D075-BB44-BF40-BFF5-AB8109E3D6DA}"/>
+                  </a:ext>
+                </a:extLst>
+              </p:cNvPr>
+              <p:cNvSpPr/>
+              <p:nvPr/>
+            </p:nvSpPr>
+            <p:spPr>
+              <a:xfrm>
+                <a:off x="4538545" y="4817419"/>
+                <a:ext cx="45719" cy="45719"/>
+              </a:xfrm>
+              <a:prstGeom prst="ellipse">
+                <a:avLst/>
+              </a:prstGeom>
+              <a:solidFill>
+                <a:schemeClr val="tx1"/>
+              </a:solidFill>
+              <a:ln>
+                <a:noFill/>
+              </a:ln>
+            </p:spPr>
+            <p:style>
+              <a:lnRef idx="2">
+                <a:schemeClr val="accent1">
+                  <a:shade val="50000"/>
+                </a:schemeClr>
+              </a:lnRef>
+              <a:fillRef idx="1">
+                <a:schemeClr val="accent1"/>
+              </a:fillRef>
+              <a:effectRef idx="0">
+                <a:schemeClr val="accent1"/>
+              </a:effectRef>
+              <a:fontRef idx="minor">
+                <a:schemeClr val="lt1"/>
+              </a:fontRef>
+            </p:style>
+            <p:txBody>
+              <a:bodyPr rtlCol="0" anchor="ctr"/>
+              <a:lstStyle/>
+              <a:p>
+                <a:pPr algn="ctr"/>
+                <a:endParaRPr kumimoji="1" lang="zh-CN" altLang="en-US"/>
+              </a:p>
+            </p:txBody>
+          </p:sp>
+          <p:sp>
+            <p:nvSpPr>
+              <p:cNvPr id="29" name="椭圆 28">
+                <a:extLst>
+                  <a:ext uri="{FF2B5EF4-FFF2-40B4-BE49-F238E27FC236}">
+                    <a16:creationId xmlns:a16="http://schemas.microsoft.com/office/drawing/2014/main" id="{C9E4E444-5489-414F-82FA-362F53AEA3C8}"/>
+                  </a:ext>
+                </a:extLst>
+              </p:cNvPr>
+              <p:cNvSpPr/>
+              <p:nvPr/>
+            </p:nvSpPr>
+            <p:spPr>
+              <a:xfrm>
+                <a:off x="4639974" y="4817419"/>
+                <a:ext cx="45719" cy="45719"/>
+              </a:xfrm>
+              <a:prstGeom prst="ellipse">
+                <a:avLst/>
+              </a:prstGeom>
+              <a:solidFill>
+                <a:schemeClr val="tx1"/>
+              </a:solidFill>
+              <a:ln>
+                <a:noFill/>
+              </a:ln>
+            </p:spPr>
+            <p:style>
+              <a:lnRef idx="2">
+                <a:schemeClr val="accent1">
+                  <a:shade val="50000"/>
+                </a:schemeClr>
+              </a:lnRef>
+              <a:fillRef idx="1">
+                <a:schemeClr val="accent1"/>
+              </a:fillRef>
+              <a:effectRef idx="0">
+                <a:schemeClr val="accent1"/>
+              </a:effectRef>
+              <a:fontRef idx="minor">
+                <a:schemeClr val="lt1"/>
+              </a:fontRef>
+            </p:style>
+            <p:txBody>
+              <a:bodyPr rtlCol="0" anchor="ctr"/>
+              <a:lstStyle/>
+              <a:p>
+                <a:pPr algn="ctr"/>
+                <a:endParaRPr kumimoji="1" lang="zh-CN" altLang="en-US"/>
+              </a:p>
+            </p:txBody>
+          </p:sp>
+          <p:sp>
+            <p:nvSpPr>
+              <p:cNvPr id="30" name="椭圆 29">
+                <a:extLst>
+                  <a:ext uri="{FF2B5EF4-FFF2-40B4-BE49-F238E27FC236}">
+                    <a16:creationId xmlns:a16="http://schemas.microsoft.com/office/drawing/2014/main" id="{32FC2634-0493-9944-B24B-A6249B7E4027}"/>
+                  </a:ext>
+                </a:extLst>
+              </p:cNvPr>
+              <p:cNvSpPr/>
+              <p:nvPr/>
+            </p:nvSpPr>
+            <p:spPr>
+              <a:xfrm>
+                <a:off x="4746085" y="4817419"/>
+                <a:ext cx="45719" cy="45719"/>
+              </a:xfrm>
+              <a:prstGeom prst="ellipse">
+                <a:avLst/>
+              </a:prstGeom>
+              <a:solidFill>
+                <a:schemeClr val="tx1"/>
+              </a:solidFill>
+              <a:ln>
+                <a:noFill/>
+              </a:ln>
+            </p:spPr>
+            <p:style>
+              <a:lnRef idx="2">
+                <a:schemeClr val="accent1">
+                  <a:shade val="50000"/>
+                </a:schemeClr>
+              </a:lnRef>
+              <a:fillRef idx="1">
+                <a:schemeClr val="accent1"/>
+              </a:fillRef>
+              <a:effectRef idx="0">
+                <a:schemeClr val="accent1"/>
+              </a:effectRef>
+              <a:fontRef idx="minor">
+                <a:schemeClr val="lt1"/>
+              </a:fontRef>
+            </p:style>
+            <p:txBody>
+              <a:bodyPr rtlCol="0" anchor="ctr"/>
+              <a:lstStyle/>
+              <a:p>
+                <a:pPr algn="ctr"/>
+                <a:endParaRPr kumimoji="1" lang="zh-CN" altLang="en-US"/>
+              </a:p>
+            </p:txBody>
+          </p:sp>
+        </p:grpSp>
+        <p:cxnSp>
+          <p:nvCxnSpPr>
+            <p:cNvPr id="26" name="直线连接符 25">
+              <a:extLst>
+                <a:ext uri="{FF2B5EF4-FFF2-40B4-BE49-F238E27FC236}">
+                  <a16:creationId xmlns:a16="http://schemas.microsoft.com/office/drawing/2014/main" id="{F053CA22-2BC3-3543-9E47-02EF30A5698B}"/>
+                </a:ext>
+              </a:extLst>
+            </p:cNvPr>
+            <p:cNvCxnSpPr>
+              <a:cxnSpLocks/>
+            </p:cNvCxnSpPr>
+            <p:nvPr/>
+          </p:nvCxnSpPr>
+          <p:spPr>
+            <a:xfrm flipV="1">
+              <a:off x="5556481" y="4714671"/>
+              <a:ext cx="164422" cy="221208"/>
+            </a:xfrm>
+            <a:prstGeom prst="line">
+              <a:avLst/>
+            </a:prstGeom>
+            <a:ln w="19050">
+              <a:solidFill>
+                <a:schemeClr val="tx1"/>
+              </a:solidFill>
+            </a:ln>
+          </p:spPr>
+          <p:style>
+            <a:lnRef idx="1">
+              <a:schemeClr val="accent1"/>
+            </a:lnRef>
+            <a:fillRef idx="0">
+              <a:schemeClr val="accent1"/>
+            </a:fillRef>
+            <a:effectRef idx="0">
+              <a:schemeClr val="accent1"/>
+            </a:effectRef>
+            <a:fontRef idx="minor">
+              <a:schemeClr val="tx1"/>
+            </a:fontRef>
+          </p:style>
+        </p:cxnSp>
+      </p:grpSp>
+      <p:sp>
+        <p:nvSpPr>
+          <p:cNvPr id="31" name="文本框 30">
+            <a:extLst>
+              <a:ext uri="{FF2B5EF4-FFF2-40B4-BE49-F238E27FC236}">
+                <a16:creationId xmlns:a16="http://schemas.microsoft.com/office/drawing/2014/main" id="{AFE7CA2D-88E4-514A-B61A-50201141A08D}"/>
+              </a:ext>
+            </a:extLst>
+          </p:cNvPr>
+          <p:cNvSpPr txBox="1"/>
+          <p:nvPr/>
+        </p:nvSpPr>
+        <p:spPr>
+          <a:xfrm>
+            <a:off x="8279333" y="5831802"/>
+            <a:ext cx="1945233" cy="830997"/>
+          </a:xfrm>
+          <a:prstGeom prst="rect">
+            <a:avLst/>
+          </a:prstGeom>
+          <a:noFill/>
+        </p:spPr>
+        <p:txBody>
+          <a:bodyPr wrap="square" rtlCol="0">
+            <a:spAutoFit/>
+          </a:bodyPr>
+          <a:lstStyle/>
+          <a:p>
+            <a:pPr algn="ctr"/>
+            <a:r>
+              <a:rPr kumimoji="1" lang="en-US" altLang="zh-CN" sz="2400" dirty="0">
+                <a:latin typeface="SimSun" panose="02010600030101010101" pitchFamily="2" charset="-122"/>
+                <a:ea typeface="SimSun" panose="02010600030101010101" pitchFamily="2" charset="-122"/>
+              </a:rPr>
+              <a:t>k-</a:t>
+            </a:r>
+            <a:r>
+              <a:rPr kumimoji="1" lang="en-US" altLang="zh-CN" sz="2400" dirty="0" err="1">
+                <a:latin typeface="SimSun" panose="02010600030101010101" pitchFamily="2" charset="-122"/>
+                <a:ea typeface="SimSun" panose="02010600030101010101" pitchFamily="2" charset="-122"/>
+              </a:rPr>
+              <a:t>th</a:t>
+            </a:r>
+            <a:r>
+              <a:rPr kumimoji="1" lang="zh-CN" altLang="en-US" sz="2400" dirty="0">
+                <a:latin typeface="SimSun" panose="02010600030101010101" pitchFamily="2" charset="-122"/>
+                <a:ea typeface="SimSun" panose="02010600030101010101" pitchFamily="2" charset="-122"/>
+              </a:rPr>
+              <a:t> </a:t>
+            </a:r>
+            <a:r>
+              <a:rPr kumimoji="1" lang="en-US" altLang="zh-CN" sz="2400" dirty="0">
+                <a:latin typeface="SimSun" panose="02010600030101010101" pitchFamily="2" charset="-122"/>
+                <a:ea typeface="SimSun" panose="02010600030101010101" pitchFamily="2" charset="-122"/>
+              </a:rPr>
+              <a:t>User</a:t>
+            </a:r>
+          </a:p>
+          <a:p>
+            <a:pPr algn="ctr"/>
+            <a:r>
+              <a:rPr kumimoji="1" lang="zh-CN" altLang="en-US" sz="2400" dirty="0">
+                <a:latin typeface="SimSun" panose="02010600030101010101" pitchFamily="2" charset="-122"/>
+                <a:ea typeface="SimSun" panose="02010600030101010101" pitchFamily="2" charset="-122"/>
+              </a:rPr>
+              <a:t>（</a:t>
+            </a:r>
+            <a:r>
+              <a:rPr kumimoji="1" lang="en-US" altLang="zh-CN" sz="2400" dirty="0">
+                <a:latin typeface="SimSun" panose="02010600030101010101" pitchFamily="2" charset="-122"/>
+                <a:ea typeface="SimSun" panose="02010600030101010101" pitchFamily="2" charset="-122"/>
+              </a:rPr>
+              <a:t>A-ULA</a:t>
+            </a:r>
+            <a:r>
+              <a:rPr kumimoji="1" lang="zh-CN" altLang="en-US" sz="2400" dirty="0">
+                <a:latin typeface="SimSun" panose="02010600030101010101" pitchFamily="2" charset="-122"/>
+                <a:ea typeface="SimSun" panose="02010600030101010101" pitchFamily="2" charset="-122"/>
+              </a:rPr>
+              <a:t>）</a:t>
+            </a:r>
+          </a:p>
+        </p:txBody>
+      </p:sp>
+      <p:sp>
+        <p:nvSpPr>
+          <p:cNvPr id="32" name="三角形 31">
+            <a:extLst>
+              <a:ext uri="{FF2B5EF4-FFF2-40B4-BE49-F238E27FC236}">
+                <a16:creationId xmlns:a16="http://schemas.microsoft.com/office/drawing/2014/main" id="{1C1CF557-9076-0B47-8E6C-F22467750C97}"/>
+              </a:ext>
+            </a:extLst>
+          </p:cNvPr>
+          <p:cNvSpPr/>
+          <p:nvPr/>
+        </p:nvSpPr>
+        <p:spPr>
+          <a:xfrm>
+            <a:off x="7568843" y="1555209"/>
+            <a:ext cx="346795" cy="353736"/>
+          </a:xfrm>
+          <a:prstGeom prst="triangle">
+            <a:avLst/>
+          </a:prstGeom>
+          <a:noFill/>
+          <a:ln w="38100">
+            <a:solidFill>
+              <a:schemeClr val="tx1"/>
+            </a:solidFill>
+          </a:ln>
+        </p:spPr>
+        <p:style>
+          <a:lnRef idx="2">
+            <a:schemeClr val="accent1">
+              <a:shade val="50000"/>
+            </a:schemeClr>
+          </a:lnRef>
+          <a:fillRef idx="1">
+            <a:schemeClr val="accent1"/>
+          </a:fillRef>
+          <a:effectRef idx="0">
+            <a:schemeClr val="accent1"/>
+          </a:effectRef>
+          <a:fontRef idx="minor">
+            <a:schemeClr val="lt1"/>
+          </a:fontRef>
+        </p:style>
+        <p:txBody>
+          <a:bodyPr rtlCol="0" anchor="ctr"/>
+          <a:lstStyle/>
+          <a:p>
+            <a:pPr algn="ctr"/>
+            <a:endParaRPr kumimoji="1" lang="zh-CN" altLang="en-US"/>
+          </a:p>
+        </p:txBody>
+      </p:sp>
+      <p:cxnSp>
+        <p:nvCxnSpPr>
+          <p:cNvPr id="33" name="直线箭头连接符 32">
+            <a:extLst>
+              <a:ext uri="{FF2B5EF4-FFF2-40B4-BE49-F238E27FC236}">
+                <a16:creationId xmlns:a16="http://schemas.microsoft.com/office/drawing/2014/main" id="{B8FB5C44-9F37-D74F-9FDE-66B7E36E5052}"/>
+              </a:ext>
+            </a:extLst>
+          </p:cNvPr>
+          <p:cNvCxnSpPr>
+            <a:cxnSpLocks/>
+          </p:cNvCxnSpPr>
+          <p:nvPr/>
+        </p:nvCxnSpPr>
+        <p:spPr>
+          <a:xfrm flipH="1" flipV="1">
+            <a:off x="7808224" y="1990191"/>
+            <a:ext cx="1395717" cy="2280876"/>
+          </a:xfrm>
+          <a:prstGeom prst="straightConnector1">
+            <a:avLst/>
+          </a:prstGeom>
+          <a:ln w="28575">
+            <a:solidFill>
+              <a:srgbClr val="FF0000">
+                <a:alpha val="30000"/>
+              </a:srgbClr>
+            </a:solidFill>
+            <a:tailEnd type="triangle"/>
+          </a:ln>
+        </p:spPr>
+        <p:style>
+          <a:lnRef idx="1">
+            <a:schemeClr val="accent1"/>
+          </a:lnRef>
+          <a:fillRef idx="0">
+            <a:schemeClr val="accent1"/>
+          </a:fillRef>
+          <a:effectRef idx="0">
+            <a:schemeClr val="accent1"/>
+          </a:effectRef>
+          <a:fontRef idx="minor">
+            <a:schemeClr val="tx1"/>
+          </a:fontRef>
+        </p:style>
+      </p:cxnSp>
+      <p:pic>
+        <p:nvPicPr>
+          <p:cNvPr id="34" name="图片 33">
+            <a:extLst>
+              <a:ext uri="{FF2B5EF4-FFF2-40B4-BE49-F238E27FC236}">
+                <a16:creationId xmlns:a16="http://schemas.microsoft.com/office/drawing/2014/main" id="{74C358F3-56A8-8347-898C-EEB82B38B4C3}"/>
+              </a:ext>
+            </a:extLst>
+          </p:cNvPr>
+          <p:cNvPicPr>
+            <a:picLocks noChangeAspect="1"/>
+          </p:cNvPicPr>
+          <p:nvPr/>
+        </p:nvPicPr>
+        <p:blipFill>
+          <a:blip r:embed="rId6"/>
+          <a:stretch>
+            <a:fillRect/>
+          </a:stretch>
+        </p:blipFill>
+        <p:spPr>
+          <a:xfrm>
+            <a:off x="6907994" y="2042132"/>
+            <a:ext cx="546100" cy="419100"/>
+          </a:xfrm>
+          <a:prstGeom prst="rect">
+            <a:avLst/>
+          </a:prstGeom>
+        </p:spPr>
+      </p:pic>
+      <p:cxnSp>
+        <p:nvCxnSpPr>
+          <p:cNvPr id="35" name="直线箭头连接符 34">
+            <a:extLst>
+              <a:ext uri="{FF2B5EF4-FFF2-40B4-BE49-F238E27FC236}">
+                <a16:creationId xmlns:a16="http://schemas.microsoft.com/office/drawing/2014/main" id="{0E323A03-37E7-B44C-AFC8-A4C3DA25AB78}"/>
+              </a:ext>
+            </a:extLst>
+          </p:cNvPr>
+          <p:cNvCxnSpPr>
+            <a:cxnSpLocks/>
+          </p:cNvCxnSpPr>
+          <p:nvPr/>
+        </p:nvCxnSpPr>
+        <p:spPr>
+          <a:xfrm flipV="1">
+            <a:off x="2544417" y="2009400"/>
+            <a:ext cx="5129741" cy="505391"/>
+          </a:xfrm>
+          <a:prstGeom prst="straightConnector1">
+            <a:avLst/>
+          </a:prstGeom>
+          <a:ln w="28575">
+            <a:solidFill>
+              <a:srgbClr val="FF0000">
+                <a:alpha val="30000"/>
+              </a:srgbClr>
+            </a:solidFill>
+            <a:tailEnd type="triangle"/>
+          </a:ln>
+        </p:spPr>
+        <p:style>
+          <a:lnRef idx="1">
+            <a:schemeClr val="accent1"/>
+          </a:lnRef>
+          <a:fillRef idx="0">
+            <a:schemeClr val="accent1"/>
+          </a:fillRef>
+          <a:effectRef idx="0">
+            <a:schemeClr val="accent1"/>
+          </a:effectRef>
+          <a:fontRef idx="minor">
+            <a:schemeClr val="tx1"/>
+          </a:fontRef>
+        </p:style>
+      </p:cxnSp>
+      <p:pic>
+        <p:nvPicPr>
+          <p:cNvPr id="36" name="图片 35">
+            <a:extLst>
+              <a:ext uri="{FF2B5EF4-FFF2-40B4-BE49-F238E27FC236}">
+                <a16:creationId xmlns:a16="http://schemas.microsoft.com/office/drawing/2014/main" id="{3DB0BB87-AC98-5848-9172-C635AD870D0C}"/>
+              </a:ext>
+            </a:extLst>
+          </p:cNvPr>
+          <p:cNvPicPr>
+            <a:picLocks noChangeAspect="1"/>
+          </p:cNvPicPr>
+          <p:nvPr/>
+        </p:nvPicPr>
+        <p:blipFill>
+          <a:blip r:embed="rId7"/>
+          <a:stretch>
+            <a:fillRect/>
+          </a:stretch>
+        </p:blipFill>
+        <p:spPr>
+          <a:xfrm>
+            <a:off x="3323554" y="2896054"/>
+            <a:ext cx="3162300" cy="698500"/>
+          </a:xfrm>
+          <a:prstGeom prst="rect">
+            <a:avLst/>
+          </a:prstGeom>
+        </p:spPr>
+      </p:pic>
+      <p:pic>
+        <p:nvPicPr>
+          <p:cNvPr id="37" name="图片 36">
+            <a:extLst>
+              <a:ext uri="{FF2B5EF4-FFF2-40B4-BE49-F238E27FC236}">
+                <a16:creationId xmlns:a16="http://schemas.microsoft.com/office/drawing/2014/main" id="{BB3F8A91-E058-E24C-9985-FE9E31E94C45}"/>
+              </a:ext>
+            </a:extLst>
+          </p:cNvPr>
+          <p:cNvPicPr>
+            <a:picLocks noChangeAspect="1"/>
+          </p:cNvPicPr>
+          <p:nvPr/>
+        </p:nvPicPr>
+        <p:blipFill>
+          <a:blip r:embed="rId8"/>
+          <a:stretch>
+            <a:fillRect/>
+          </a:stretch>
+        </p:blipFill>
+        <p:spPr>
+          <a:xfrm>
+            <a:off x="3561919" y="3585915"/>
+            <a:ext cx="2476839" cy="1671696"/>
+          </a:xfrm>
+          <a:prstGeom prst="rect">
+            <a:avLst/>
+          </a:prstGeom>
+        </p:spPr>
+      </p:pic>
+      <p:pic>
+        <p:nvPicPr>
+          <p:cNvPr id="38" name="图片 37">
+            <a:extLst>
+              <a:ext uri="{FF2B5EF4-FFF2-40B4-BE49-F238E27FC236}">
+                <a16:creationId xmlns:a16="http://schemas.microsoft.com/office/drawing/2014/main" id="{120EB624-92CE-4943-ABC2-6E1BAFCE2B21}"/>
+              </a:ext>
+            </a:extLst>
+          </p:cNvPr>
+          <p:cNvPicPr>
+            <a:picLocks noChangeAspect="1"/>
+          </p:cNvPicPr>
+          <p:nvPr/>
+        </p:nvPicPr>
+        <p:blipFill>
+          <a:blip r:embed="rId9"/>
+          <a:stretch>
+            <a:fillRect/>
+          </a:stretch>
+        </p:blipFill>
+        <p:spPr>
+          <a:xfrm>
+            <a:off x="1132040" y="5252618"/>
+            <a:ext cx="5156200" cy="1003300"/>
+          </a:xfrm>
+          <a:prstGeom prst="rect">
+            <a:avLst/>
+          </a:prstGeom>
+        </p:spPr>
+      </p:pic>
+      <p:sp>
+        <p:nvSpPr>
+          <p:cNvPr id="39" name="椭圆 38">
+            <a:extLst>
+              <a:ext uri="{FF2B5EF4-FFF2-40B4-BE49-F238E27FC236}">
+                <a16:creationId xmlns:a16="http://schemas.microsoft.com/office/drawing/2014/main" id="{D278FC1F-B4F3-D146-8E5E-1154D1779124}"/>
+              </a:ext>
+            </a:extLst>
+          </p:cNvPr>
+          <p:cNvSpPr/>
+          <p:nvPr/>
+        </p:nvSpPr>
+        <p:spPr>
+          <a:xfrm>
+            <a:off x="4206284" y="3590171"/>
+            <a:ext cx="166191" cy="166191"/>
+          </a:xfrm>
+          <a:prstGeom prst="ellipse">
+            <a:avLst/>
+          </a:prstGeom>
+          <a:noFill/>
+          <a:ln w="25400">
+            <a:solidFill>
+              <a:srgbClr val="FF0000"/>
+            </a:solidFill>
+          </a:ln>
+        </p:spPr>
+        <p:style>
+          <a:lnRef idx="2">
+            <a:schemeClr val="accent1">
+              <a:shade val="50000"/>
+            </a:schemeClr>
+          </a:lnRef>
+          <a:fillRef idx="1">
+            <a:schemeClr val="accent1"/>
+          </a:fillRef>
+          <a:effectRef idx="0">
+            <a:schemeClr val="accent1"/>
+          </a:effectRef>
+          <a:fontRef idx="minor">
+            <a:schemeClr val="lt1"/>
+          </a:fontRef>
+        </p:style>
+        <p:txBody>
+          <a:bodyPr rtlCol="0" anchor="ctr"/>
+          <a:lstStyle/>
+          <a:p>
+            <a:pPr algn="ctr"/>
+            <a:endParaRPr kumimoji="1" lang="zh-CN" altLang="en-US"/>
+          </a:p>
+        </p:txBody>
+      </p:sp>
+      <p:cxnSp>
+        <p:nvCxnSpPr>
+          <p:cNvPr id="40" name="直线箭头连接符 39">
+            <a:extLst>
+              <a:ext uri="{FF2B5EF4-FFF2-40B4-BE49-F238E27FC236}">
+                <a16:creationId xmlns:a16="http://schemas.microsoft.com/office/drawing/2014/main" id="{C2D452A0-F838-9C4E-966D-460F4AFB4B00}"/>
+              </a:ext>
+            </a:extLst>
+          </p:cNvPr>
+          <p:cNvCxnSpPr>
+            <a:cxnSpLocks/>
+          </p:cNvCxnSpPr>
+          <p:nvPr/>
+        </p:nvCxnSpPr>
+        <p:spPr>
+          <a:xfrm flipV="1">
+            <a:off x="2899100" y="3756362"/>
+            <a:ext cx="1307184" cy="1854841"/>
+          </a:xfrm>
+          <a:prstGeom prst="straightConnector1">
+            <a:avLst/>
+          </a:prstGeom>
+          <a:ln w="34925">
+            <a:solidFill>
+              <a:srgbClr val="FF0000"/>
+            </a:solidFill>
+            <a:tailEnd type="triangle"/>
+          </a:ln>
+        </p:spPr>
+        <p:style>
+          <a:lnRef idx="1">
+            <a:schemeClr val="accent1"/>
+          </a:lnRef>
+          <a:fillRef idx="0">
+            <a:schemeClr val="accent1"/>
+          </a:fillRef>
+          <a:effectRef idx="0">
+            <a:schemeClr val="accent1"/>
+          </a:effectRef>
+          <a:fontRef idx="minor">
+            <a:schemeClr val="tx1"/>
+          </a:fontRef>
+        </p:style>
+      </p:cxnSp>
+      <p:sp>
+        <p:nvSpPr>
+          <p:cNvPr id="42" name="椭圆 41">
+            <a:extLst>
+              <a:ext uri="{FF2B5EF4-FFF2-40B4-BE49-F238E27FC236}">
+                <a16:creationId xmlns:a16="http://schemas.microsoft.com/office/drawing/2014/main" id="{B8CA604A-1D6E-5F4D-9E95-601D2A35DF1A}"/>
+              </a:ext>
+            </a:extLst>
+          </p:cNvPr>
+          <p:cNvSpPr/>
+          <p:nvPr/>
+        </p:nvSpPr>
+        <p:spPr>
+          <a:xfrm>
+            <a:off x="3567973" y="5299244"/>
+            <a:ext cx="2662553" cy="835328"/>
+          </a:xfrm>
+          <a:prstGeom prst="ellipse">
+            <a:avLst/>
+          </a:prstGeom>
+          <a:noFill/>
+        </p:spPr>
+        <p:style>
+          <a:lnRef idx="2">
+            <a:schemeClr val="accent1">
+              <a:shade val="50000"/>
+            </a:schemeClr>
+          </a:lnRef>
+          <a:fillRef idx="1">
+            <a:schemeClr val="accent1"/>
+          </a:fillRef>
+          <a:effectRef idx="0">
+            <a:schemeClr val="accent1"/>
+          </a:effectRef>
+          <a:fontRef idx="minor">
+            <a:schemeClr val="lt1"/>
+          </a:fontRef>
+        </p:style>
+        <p:txBody>
+          <a:bodyPr rtlCol="0" anchor="ctr"/>
+          <a:lstStyle/>
+          <a:p>
+            <a:pPr algn="ctr"/>
+            <a:endParaRPr kumimoji="1" lang="zh-CN" altLang="en-US"/>
+          </a:p>
+        </p:txBody>
+      </p:sp>
+      <p:sp>
+        <p:nvSpPr>
+          <p:cNvPr id="43" name="文本框 42">
+            <a:extLst>
+              <a:ext uri="{FF2B5EF4-FFF2-40B4-BE49-F238E27FC236}">
+                <a16:creationId xmlns:a16="http://schemas.microsoft.com/office/drawing/2014/main" id="{D55A1247-7F71-854A-A676-1C191D0E33D3}"/>
+              </a:ext>
+            </a:extLst>
+          </p:cNvPr>
+          <p:cNvSpPr txBox="1"/>
+          <p:nvPr/>
+        </p:nvSpPr>
+        <p:spPr>
+          <a:xfrm>
+            <a:off x="4111413" y="6168746"/>
+            <a:ext cx="1672253" cy="369332"/>
+          </a:xfrm>
+          <a:prstGeom prst="rect">
+            <a:avLst/>
+          </a:prstGeom>
+          <a:noFill/>
+        </p:spPr>
+        <p:txBody>
+          <a:bodyPr wrap="none" rtlCol="0">
+            <a:spAutoFit/>
+          </a:bodyPr>
+          <a:lstStyle/>
+          <a:p>
+            <a:r>
+              <a:rPr kumimoji="1" lang="en-US" altLang="zh-CN" dirty="0">
+                <a:latin typeface="Times" pitchFamily="2" charset="0"/>
+              </a:rPr>
+              <a:t>Scaled path loss</a:t>
+            </a:r>
+            <a:endParaRPr kumimoji="1" lang="zh-CN" altLang="en-US" dirty="0">
+              <a:latin typeface="Times" pitchFamily="2" charset="0"/>
+            </a:endParaRPr>
           </a:p>
         </p:txBody>
       </p:sp>
@@ -4478,6 +6864,487 @@
           <p:cNvPr id="2" name="标题 1">
             <a:extLst>
               <a:ext uri="{FF2B5EF4-FFF2-40B4-BE49-F238E27FC236}">
+                <a16:creationId xmlns:a16="http://schemas.microsoft.com/office/drawing/2014/main" id="{E91CE4DB-79AB-714C-9B65-9DD0541E9450}"/>
+              </a:ext>
+            </a:extLst>
+          </p:cNvPr>
+          <p:cNvSpPr>
+            <a:spLocks noGrp="1"/>
+          </p:cNvSpPr>
+          <p:nvPr>
+            <p:ph type="title"/>
+          </p:nvPr>
+        </p:nvSpPr>
+        <p:spPr/>
+        <p:txBody>
+          <a:bodyPr/>
+          <a:lstStyle/>
+          <a:p>
+            <a:r>
+              <a:rPr kumimoji="1" lang="en-US" altLang="zh-CN" dirty="0"/>
+              <a:t>Phase 2</a:t>
+            </a:r>
+            <a:endParaRPr kumimoji="1" lang="zh-CN" altLang="en-US" dirty="0"/>
+          </a:p>
+        </p:txBody>
+      </p:sp>
+      <p:pic>
+        <p:nvPicPr>
+          <p:cNvPr id="4" name="图片 3">
+            <a:extLst>
+              <a:ext uri="{FF2B5EF4-FFF2-40B4-BE49-F238E27FC236}">
+                <a16:creationId xmlns:a16="http://schemas.microsoft.com/office/drawing/2014/main" id="{D8836975-847D-E94C-ABEF-CDC8B1AEE90F}"/>
+              </a:ext>
+            </a:extLst>
+          </p:cNvPr>
+          <p:cNvPicPr>
+            <a:picLocks noChangeAspect="1"/>
+          </p:cNvPicPr>
+          <p:nvPr/>
+        </p:nvPicPr>
+        <p:blipFill>
+          <a:blip r:embed="rId2"/>
+          <a:stretch>
+            <a:fillRect/>
+          </a:stretch>
+        </p:blipFill>
+        <p:spPr>
+          <a:xfrm>
+            <a:off x="-281406" y="1302419"/>
+            <a:ext cx="7493000" cy="1943100"/>
+          </a:xfrm>
+          <a:prstGeom prst="rect">
+            <a:avLst/>
+          </a:prstGeom>
+        </p:spPr>
+      </p:pic>
+      <p:pic>
+        <p:nvPicPr>
+          <p:cNvPr id="5" name="图片 4">
+            <a:extLst>
+              <a:ext uri="{FF2B5EF4-FFF2-40B4-BE49-F238E27FC236}">
+                <a16:creationId xmlns:a16="http://schemas.microsoft.com/office/drawing/2014/main" id="{97191E6D-62A7-3C45-94DB-30918190F060}"/>
+              </a:ext>
+            </a:extLst>
+          </p:cNvPr>
+          <p:cNvPicPr>
+            <a:picLocks noChangeAspect="1"/>
+          </p:cNvPicPr>
+          <p:nvPr/>
+        </p:nvPicPr>
+        <p:blipFill>
+          <a:blip r:embed="rId3"/>
+          <a:stretch>
+            <a:fillRect/>
+          </a:stretch>
+        </p:blipFill>
+        <p:spPr>
+          <a:xfrm>
+            <a:off x="7010400" y="613904"/>
+            <a:ext cx="5181600" cy="3069021"/>
+          </a:xfrm>
+          <a:prstGeom prst="rect">
+            <a:avLst/>
+          </a:prstGeom>
+        </p:spPr>
+      </p:pic>
+      <p:sp>
+        <p:nvSpPr>
+          <p:cNvPr id="6" name="文本框 5">
+            <a:extLst>
+              <a:ext uri="{FF2B5EF4-FFF2-40B4-BE49-F238E27FC236}">
+                <a16:creationId xmlns:a16="http://schemas.microsoft.com/office/drawing/2014/main" id="{6CB0BB62-B200-7C45-BB62-4A819CCF88C1}"/>
+              </a:ext>
+            </a:extLst>
+          </p:cNvPr>
+          <p:cNvSpPr txBox="1"/>
+          <p:nvPr/>
+        </p:nvSpPr>
+        <p:spPr>
+          <a:xfrm>
+            <a:off x="1876926" y="3465095"/>
+            <a:ext cx="3910045" cy="369332"/>
+          </a:xfrm>
+          <a:prstGeom prst="rect">
+            <a:avLst/>
+          </a:prstGeom>
+          <a:noFill/>
+        </p:spPr>
+        <p:txBody>
+          <a:bodyPr wrap="none" rtlCol="0">
+            <a:spAutoFit/>
+          </a:bodyPr>
+          <a:lstStyle/>
+          <a:p>
+            <a:r>
+              <a:rPr kumimoji="1" lang="en-US" altLang="zh-CN" dirty="0">
+                <a:solidFill>
+                  <a:srgbClr val="FF0000"/>
+                </a:solidFill>
+                <a:latin typeface="Times" pitchFamily="2" charset="0"/>
+              </a:rPr>
+              <a:t>Let                         be the only variables </a:t>
+            </a:r>
+            <a:endParaRPr kumimoji="1" lang="zh-CN" altLang="en-US" dirty="0">
+              <a:solidFill>
+                <a:srgbClr val="FF0000"/>
+              </a:solidFill>
+              <a:latin typeface="Times" pitchFamily="2" charset="0"/>
+            </a:endParaRPr>
+          </a:p>
+        </p:txBody>
+      </p:sp>
+      <p:pic>
+        <p:nvPicPr>
+          <p:cNvPr id="7" name="图片 6">
+            <a:extLst>
+              <a:ext uri="{FF2B5EF4-FFF2-40B4-BE49-F238E27FC236}">
+                <a16:creationId xmlns:a16="http://schemas.microsoft.com/office/drawing/2014/main" id="{34EB53A9-9837-584E-BE8F-99CC9A10A505}"/>
+              </a:ext>
+            </a:extLst>
+          </p:cNvPr>
+          <p:cNvPicPr>
+            <a:picLocks noChangeAspect="1"/>
+          </p:cNvPicPr>
+          <p:nvPr/>
+        </p:nvPicPr>
+        <p:blipFill>
+          <a:blip r:embed="rId4"/>
+          <a:stretch>
+            <a:fillRect/>
+          </a:stretch>
+        </p:blipFill>
+        <p:spPr>
+          <a:xfrm>
+            <a:off x="2427829" y="3414625"/>
+            <a:ext cx="444500" cy="406400"/>
+          </a:xfrm>
+          <a:prstGeom prst="rect">
+            <a:avLst/>
+          </a:prstGeom>
+        </p:spPr>
+      </p:pic>
+      <p:pic>
+        <p:nvPicPr>
+          <p:cNvPr id="8" name="图片 7">
+            <a:extLst>
+              <a:ext uri="{FF2B5EF4-FFF2-40B4-BE49-F238E27FC236}">
+                <a16:creationId xmlns:a16="http://schemas.microsoft.com/office/drawing/2014/main" id="{9E4F2994-796B-5E4D-B89D-7F59FB47367F}"/>
+              </a:ext>
+            </a:extLst>
+          </p:cNvPr>
+          <p:cNvPicPr>
+            <a:picLocks noChangeAspect="1"/>
+          </p:cNvPicPr>
+          <p:nvPr/>
+        </p:nvPicPr>
+        <p:blipFill rotWithShape="1">
+          <a:blip r:embed="rId5"/>
+          <a:srcRect l="8975" b="20000"/>
+          <a:stretch/>
+        </p:blipFill>
+        <p:spPr>
+          <a:xfrm>
+            <a:off x="3112476" y="3409282"/>
+            <a:ext cx="520212" cy="406400"/>
+          </a:xfrm>
+          <a:prstGeom prst="rect">
+            <a:avLst/>
+          </a:prstGeom>
+        </p:spPr>
+      </p:pic>
+      <p:cxnSp>
+        <p:nvCxnSpPr>
+          <p:cNvPr id="10" name="直线箭头连接符 9">
+            <a:extLst>
+              <a:ext uri="{FF2B5EF4-FFF2-40B4-BE49-F238E27FC236}">
+                <a16:creationId xmlns:a16="http://schemas.microsoft.com/office/drawing/2014/main" id="{689396E4-346E-7841-949C-1E3489030495}"/>
+              </a:ext>
+            </a:extLst>
+          </p:cNvPr>
+          <p:cNvCxnSpPr/>
+          <p:nvPr/>
+        </p:nvCxnSpPr>
+        <p:spPr>
+          <a:xfrm flipV="1">
+            <a:off x="6001407" y="1027906"/>
+            <a:ext cx="1210187" cy="2655019"/>
+          </a:xfrm>
+          <a:prstGeom prst="straightConnector1">
+            <a:avLst/>
+          </a:prstGeom>
+          <a:ln w="28575">
+            <a:tailEnd type="triangle"/>
+          </a:ln>
+        </p:spPr>
+        <p:style>
+          <a:lnRef idx="1">
+            <a:schemeClr val="accent1"/>
+          </a:lnRef>
+          <a:fillRef idx="0">
+            <a:schemeClr val="accent1"/>
+          </a:fillRef>
+          <a:effectRef idx="0">
+            <a:schemeClr val="accent1"/>
+          </a:effectRef>
+          <a:fontRef idx="minor">
+            <a:schemeClr val="tx1"/>
+          </a:fontRef>
+        </p:style>
+      </p:cxnSp>
+      <p:cxnSp>
+        <p:nvCxnSpPr>
+          <p:cNvPr id="11" name="直线箭头连接符 10">
+            <a:extLst>
+              <a:ext uri="{FF2B5EF4-FFF2-40B4-BE49-F238E27FC236}">
+                <a16:creationId xmlns:a16="http://schemas.microsoft.com/office/drawing/2014/main" id="{56B6B70B-6ACF-8544-91F1-F208E59A63CA}"/>
+              </a:ext>
+            </a:extLst>
+          </p:cNvPr>
+          <p:cNvCxnSpPr>
+            <a:cxnSpLocks/>
+          </p:cNvCxnSpPr>
+          <p:nvPr/>
+        </p:nvCxnSpPr>
+        <p:spPr>
+          <a:xfrm>
+            <a:off x="8795895" y="3601479"/>
+            <a:ext cx="0" cy="450778"/>
+          </a:xfrm>
+          <a:prstGeom prst="straightConnector1">
+            <a:avLst/>
+          </a:prstGeom>
+          <a:ln w="28575">
+            <a:tailEnd type="triangle"/>
+          </a:ln>
+        </p:spPr>
+        <p:style>
+          <a:lnRef idx="1">
+            <a:schemeClr val="accent1"/>
+          </a:lnRef>
+          <a:fillRef idx="0">
+            <a:schemeClr val="accent1"/>
+          </a:fillRef>
+          <a:effectRef idx="0">
+            <a:schemeClr val="accent1"/>
+          </a:effectRef>
+          <a:fontRef idx="minor">
+            <a:schemeClr val="tx1"/>
+          </a:fontRef>
+        </p:style>
+      </p:cxnSp>
+      <p:sp>
+        <p:nvSpPr>
+          <p:cNvPr id="13" name="文本框 12">
+            <a:extLst>
+              <a:ext uri="{FF2B5EF4-FFF2-40B4-BE49-F238E27FC236}">
+                <a16:creationId xmlns:a16="http://schemas.microsoft.com/office/drawing/2014/main" id="{9E2ED104-A3CC-374E-8191-91867DE73179}"/>
+              </a:ext>
+            </a:extLst>
+          </p:cNvPr>
+          <p:cNvSpPr txBox="1"/>
+          <p:nvPr/>
+        </p:nvSpPr>
+        <p:spPr>
+          <a:xfrm>
+            <a:off x="9044529" y="3682925"/>
+            <a:ext cx="1281120" cy="369332"/>
+          </a:xfrm>
+          <a:prstGeom prst="rect">
+            <a:avLst/>
+          </a:prstGeom>
+          <a:noFill/>
+        </p:spPr>
+        <p:txBody>
+          <a:bodyPr wrap="none" rtlCol="0">
+            <a:spAutoFit/>
+          </a:bodyPr>
+          <a:lstStyle/>
+          <a:p>
+            <a:r>
+              <a:rPr kumimoji="1" lang="en-US" altLang="zh-CN" dirty="0">
+                <a:solidFill>
+                  <a:srgbClr val="FF0000"/>
+                </a:solidFill>
+                <a:latin typeface="Times" pitchFamily="2" charset="0"/>
+              </a:rPr>
+              <a:t>Pilot design</a:t>
+            </a:r>
+            <a:endParaRPr kumimoji="1" lang="zh-CN" altLang="en-US" dirty="0">
+              <a:solidFill>
+                <a:srgbClr val="FF0000"/>
+              </a:solidFill>
+              <a:latin typeface="Times" pitchFamily="2" charset="0"/>
+            </a:endParaRPr>
+          </a:p>
+        </p:txBody>
+      </p:sp>
+      <p:pic>
+        <p:nvPicPr>
+          <p:cNvPr id="14" name="图片 13">
+            <a:extLst>
+              <a:ext uri="{FF2B5EF4-FFF2-40B4-BE49-F238E27FC236}">
+                <a16:creationId xmlns:a16="http://schemas.microsoft.com/office/drawing/2014/main" id="{D016DD02-66C5-F846-BA33-6F49BEE50530}"/>
+              </a:ext>
+            </a:extLst>
+          </p:cNvPr>
+          <p:cNvPicPr>
+            <a:picLocks noChangeAspect="1"/>
+          </p:cNvPicPr>
+          <p:nvPr/>
+        </p:nvPicPr>
+        <p:blipFill>
+          <a:blip r:embed="rId6"/>
+          <a:stretch>
+            <a:fillRect/>
+          </a:stretch>
+        </p:blipFill>
+        <p:spPr>
+          <a:xfrm>
+            <a:off x="7380890" y="4052257"/>
+            <a:ext cx="3972910" cy="1048923"/>
+          </a:xfrm>
+          <a:prstGeom prst="rect">
+            <a:avLst/>
+          </a:prstGeom>
+        </p:spPr>
+      </p:pic>
+      <p:pic>
+        <p:nvPicPr>
+          <p:cNvPr id="16" name="图片 15">
+            <a:extLst>
+              <a:ext uri="{FF2B5EF4-FFF2-40B4-BE49-F238E27FC236}">
+                <a16:creationId xmlns:a16="http://schemas.microsoft.com/office/drawing/2014/main" id="{D168F772-4D0A-DE43-9C6D-5CE98A22DCF1}"/>
+              </a:ext>
+            </a:extLst>
+          </p:cNvPr>
+          <p:cNvPicPr>
+            <a:picLocks noChangeAspect="1"/>
+          </p:cNvPicPr>
+          <p:nvPr/>
+        </p:nvPicPr>
+        <p:blipFill>
+          <a:blip r:embed="rId7"/>
+          <a:stretch>
+            <a:fillRect/>
+          </a:stretch>
+        </p:blipFill>
+        <p:spPr>
+          <a:xfrm>
+            <a:off x="8288502" y="5101180"/>
+            <a:ext cx="2157686" cy="1388610"/>
+          </a:xfrm>
+          <a:prstGeom prst="rect">
+            <a:avLst/>
+          </a:prstGeom>
+        </p:spPr>
+      </p:pic>
+      <p:cxnSp>
+        <p:nvCxnSpPr>
+          <p:cNvPr id="17" name="直线箭头连接符 16">
+            <a:extLst>
+              <a:ext uri="{FF2B5EF4-FFF2-40B4-BE49-F238E27FC236}">
+                <a16:creationId xmlns:a16="http://schemas.microsoft.com/office/drawing/2014/main" id="{5C2A5F17-A33A-C349-84EE-F7004CF3F4DC}"/>
+              </a:ext>
+            </a:extLst>
+          </p:cNvPr>
+          <p:cNvCxnSpPr>
+            <a:cxnSpLocks/>
+          </p:cNvCxnSpPr>
+          <p:nvPr/>
+        </p:nvCxnSpPr>
+        <p:spPr>
+          <a:xfrm flipH="1" flipV="1">
+            <a:off x="6495393" y="5555581"/>
+            <a:ext cx="1303283" cy="1"/>
+          </a:xfrm>
+          <a:prstGeom prst="straightConnector1">
+            <a:avLst/>
+          </a:prstGeom>
+          <a:ln w="28575">
+            <a:tailEnd type="triangle"/>
+          </a:ln>
+        </p:spPr>
+        <p:style>
+          <a:lnRef idx="1">
+            <a:schemeClr val="accent1"/>
+          </a:lnRef>
+          <a:fillRef idx="0">
+            <a:schemeClr val="accent1"/>
+          </a:fillRef>
+          <a:effectRef idx="0">
+            <a:schemeClr val="accent1"/>
+          </a:effectRef>
+          <a:fontRef idx="minor">
+            <a:schemeClr val="tx1"/>
+          </a:fontRef>
+        </p:style>
+      </p:cxnSp>
+      <p:pic>
+        <p:nvPicPr>
+          <p:cNvPr id="21" name="图片 20">
+            <a:extLst>
+              <a:ext uri="{FF2B5EF4-FFF2-40B4-BE49-F238E27FC236}">
+                <a16:creationId xmlns:a16="http://schemas.microsoft.com/office/drawing/2014/main" id="{17887045-1E2E-A841-B6C6-517C500D2929}"/>
+              </a:ext>
+            </a:extLst>
+          </p:cNvPr>
+          <p:cNvPicPr>
+            <a:picLocks noChangeAspect="1"/>
+          </p:cNvPicPr>
+          <p:nvPr/>
+        </p:nvPicPr>
+        <p:blipFill>
+          <a:blip r:embed="rId8"/>
+          <a:stretch>
+            <a:fillRect/>
+          </a:stretch>
+        </p:blipFill>
+        <p:spPr>
+          <a:xfrm>
+            <a:off x="2100139" y="4960888"/>
+            <a:ext cx="3546633" cy="715987"/>
+          </a:xfrm>
+          <a:prstGeom prst="rect">
+            <a:avLst/>
+          </a:prstGeom>
+        </p:spPr>
+      </p:pic>
+    </p:spTree>
+    <p:extLst>
+      <p:ext uri="{BB962C8B-B14F-4D97-AF65-F5344CB8AC3E}">
+        <p14:creationId xmlns:p14="http://schemas.microsoft.com/office/powerpoint/2010/main" val="908913661"/>
+      </p:ext>
+    </p:extLst>
+  </p:cSld>
+  <p:clrMapOvr>
+    <a:masterClrMapping/>
+  </p:clrMapOvr>
+</p:sld>
+</file>
+
+<file path=ppt/slides/slide14.xml><?xml version="1.0" encoding="utf-8"?>
+<p:sld xmlns:a="http://schemas.openxmlformats.org/drawingml/2006/main" xmlns:r="http://schemas.openxmlformats.org/officeDocument/2006/relationships" xmlns:p="http://schemas.openxmlformats.org/presentationml/2006/main">
+  <p:cSld>
+    <p:spTree>
+      <p:nvGrpSpPr>
+        <p:cNvPr id="1" name=""/>
+        <p:cNvGrpSpPr/>
+        <p:nvPr/>
+      </p:nvGrpSpPr>
+      <p:grpSpPr>
+        <a:xfrm>
+          <a:off x="0" y="0"/>
+          <a:ext cx="0" cy="0"/>
+          <a:chOff x="0" y="0"/>
+          <a:chExt cx="0" cy="0"/>
+        </a:xfrm>
+      </p:grpSpPr>
+      <p:sp>
+        <p:nvSpPr>
+          <p:cNvPr id="2" name="标题 1">
+            <a:extLst>
+              <a:ext uri="{FF2B5EF4-FFF2-40B4-BE49-F238E27FC236}">
                 <a16:creationId xmlns:a16="http://schemas.microsoft.com/office/drawing/2014/main" id="{17A646E0-4B78-BE4B-97C9-4D552876F760}"/>
               </a:ext>
             </a:extLst>
@@ -4540,7 +7407,7 @@
 </p:sld>
 </file>
 
-<file path=ppt/slides/slide14.xml><?xml version="1.0" encoding="utf-8"?>
+<file path=ppt/slides/slide15.xml><?xml version="1.0" encoding="utf-8"?>
 <p:sld xmlns:a="http://schemas.openxmlformats.org/drawingml/2006/main" xmlns:r="http://schemas.openxmlformats.org/officeDocument/2006/relationships" xmlns:p="http://schemas.openxmlformats.org/presentationml/2006/main">
   <p:cSld>
     <p:spTree>

--- a/doc/RIS-angular-domain组会汇报.pptx
+++ b/doc/RIS-angular-domain组会汇报.pptx
@@ -211,7 +211,7 @@
           <a:p>
             <a:fld id="{E581D415-6A2C-0845-8471-1E507F90D7EF}" type="datetimeFigureOut">
               <a:rPr kumimoji="1" lang="zh-CN" altLang="en-US" smtClean="0"/>
-              <a:t>2021/10/17</a:t>
+              <a:t>2021/10/18</a:t>
             </a:fld>
             <a:endParaRPr kumimoji="1" lang="zh-CN" altLang="en-US"/>
           </a:p>
@@ -877,7 +877,7 @@
           <a:p>
             <a:fld id="{D9924F02-9B59-7149-9D63-411B09DD1C0A}" type="datetimeFigureOut">
               <a:rPr kumimoji="1" lang="zh-CN" altLang="en-US" smtClean="0"/>
-              <a:t>2021/10/17</a:t>
+              <a:t>2021/10/18</a:t>
             </a:fld>
             <a:endParaRPr kumimoji="1" lang="zh-CN" altLang="en-US"/>
           </a:p>
@@ -1075,7 +1075,7 @@
           <a:p>
             <a:fld id="{D9924F02-9B59-7149-9D63-411B09DD1C0A}" type="datetimeFigureOut">
               <a:rPr kumimoji="1" lang="zh-CN" altLang="en-US" smtClean="0"/>
-              <a:t>2021/10/17</a:t>
+              <a:t>2021/10/18</a:t>
             </a:fld>
             <a:endParaRPr kumimoji="1" lang="zh-CN" altLang="en-US"/>
           </a:p>
@@ -1283,7 +1283,7 @@
           <a:p>
             <a:fld id="{D9924F02-9B59-7149-9D63-411B09DD1C0A}" type="datetimeFigureOut">
               <a:rPr kumimoji="1" lang="zh-CN" altLang="en-US" smtClean="0"/>
-              <a:t>2021/10/17</a:t>
+              <a:t>2021/10/18</a:t>
             </a:fld>
             <a:endParaRPr kumimoji="1" lang="zh-CN" altLang="en-US"/>
           </a:p>
@@ -1481,7 +1481,7 @@
           <a:p>
             <a:fld id="{D9924F02-9B59-7149-9D63-411B09DD1C0A}" type="datetimeFigureOut">
               <a:rPr kumimoji="1" lang="zh-CN" altLang="en-US" smtClean="0"/>
-              <a:t>2021/10/17</a:t>
+              <a:t>2021/10/18</a:t>
             </a:fld>
             <a:endParaRPr kumimoji="1" lang="zh-CN" altLang="en-US"/>
           </a:p>
@@ -1756,7 +1756,7 @@
           <a:p>
             <a:fld id="{D9924F02-9B59-7149-9D63-411B09DD1C0A}" type="datetimeFigureOut">
               <a:rPr kumimoji="1" lang="zh-CN" altLang="en-US" smtClean="0"/>
-              <a:t>2021/10/17</a:t>
+              <a:t>2021/10/18</a:t>
             </a:fld>
             <a:endParaRPr kumimoji="1" lang="zh-CN" altLang="en-US"/>
           </a:p>
@@ -2021,7 +2021,7 @@
           <a:p>
             <a:fld id="{D9924F02-9B59-7149-9D63-411B09DD1C0A}" type="datetimeFigureOut">
               <a:rPr kumimoji="1" lang="zh-CN" altLang="en-US" smtClean="0"/>
-              <a:t>2021/10/17</a:t>
+              <a:t>2021/10/18</a:t>
             </a:fld>
             <a:endParaRPr kumimoji="1" lang="zh-CN" altLang="en-US"/>
           </a:p>
@@ -2433,7 +2433,7 @@
           <a:p>
             <a:fld id="{D9924F02-9B59-7149-9D63-411B09DD1C0A}" type="datetimeFigureOut">
               <a:rPr kumimoji="1" lang="zh-CN" altLang="en-US" smtClean="0"/>
-              <a:t>2021/10/17</a:t>
+              <a:t>2021/10/18</a:t>
             </a:fld>
             <a:endParaRPr kumimoji="1" lang="zh-CN" altLang="en-US"/>
           </a:p>
@@ -2574,7 +2574,7 @@
           <a:p>
             <a:fld id="{D9924F02-9B59-7149-9D63-411B09DD1C0A}" type="datetimeFigureOut">
               <a:rPr kumimoji="1" lang="zh-CN" altLang="en-US" smtClean="0"/>
-              <a:t>2021/10/17</a:t>
+              <a:t>2021/10/18</a:t>
             </a:fld>
             <a:endParaRPr kumimoji="1" lang="zh-CN" altLang="en-US"/>
           </a:p>
@@ -2687,7 +2687,7 @@
           <a:p>
             <a:fld id="{D9924F02-9B59-7149-9D63-411B09DD1C0A}" type="datetimeFigureOut">
               <a:rPr kumimoji="1" lang="zh-CN" altLang="en-US" smtClean="0"/>
-              <a:t>2021/10/17</a:t>
+              <a:t>2021/10/18</a:t>
             </a:fld>
             <a:endParaRPr kumimoji="1" lang="zh-CN" altLang="en-US"/>
           </a:p>
@@ -2998,7 +2998,7 @@
           <a:p>
             <a:fld id="{D9924F02-9B59-7149-9D63-411B09DD1C0A}" type="datetimeFigureOut">
               <a:rPr kumimoji="1" lang="zh-CN" altLang="en-US" smtClean="0"/>
-              <a:t>2021/10/17</a:t>
+              <a:t>2021/10/18</a:t>
             </a:fld>
             <a:endParaRPr kumimoji="1" lang="zh-CN" altLang="en-US"/>
           </a:p>
@@ -3286,7 +3286,7 @@
           <a:p>
             <a:fld id="{D9924F02-9B59-7149-9D63-411B09DD1C0A}" type="datetimeFigureOut">
               <a:rPr kumimoji="1" lang="zh-CN" altLang="en-US" smtClean="0"/>
-              <a:t>2021/10/17</a:t>
+              <a:t>2021/10/18</a:t>
             </a:fld>
             <a:endParaRPr kumimoji="1" lang="zh-CN" altLang="en-US"/>
           </a:p>
@@ -3527,7 +3527,7 @@
           <a:p>
             <a:fld id="{D9924F02-9B59-7149-9D63-411B09DD1C0A}" type="datetimeFigureOut">
               <a:rPr kumimoji="1" lang="zh-CN" altLang="en-US" smtClean="0"/>
-              <a:t>2021/10/17</a:t>
+              <a:t>2021/10/18</a:t>
             </a:fld>
             <a:endParaRPr kumimoji="1" lang="zh-CN" altLang="en-US"/>
           </a:p>
@@ -3979,13 +3979,6 @@
               </a:rPr>
             </a:br>
             <a:r>
-              <a:rPr kumimoji="1" lang="en-US" altLang="zh-CN" dirty="0">
-                <a:latin typeface="SimSun" panose="02010600030101010101" pitchFamily="2" charset="-122"/>
-                <a:ea typeface="SimSun" panose="02010600030101010101" pitchFamily="2" charset="-122"/>
-              </a:rPr>
-              <a:t>Trans</a:t>
-            </a:r>
-            <a:r>
               <a:rPr kumimoji="1" lang="zh-CN" altLang="en-US" dirty="0">
                 <a:latin typeface="SimSun" panose="02010600030101010101" pitchFamily="2" charset="-122"/>
                 <a:ea typeface="SimSun" panose="02010600030101010101" pitchFamily="2" charset="-122"/>
@@ -4031,7 +4024,7 @@
                 <a:latin typeface="SimSun" panose="02010600030101010101" pitchFamily="2" charset="-122"/>
                 <a:ea typeface="SimSun" panose="02010600030101010101" pitchFamily="2" charset="-122"/>
               </a:rPr>
-              <a:t>Divide</a:t>
+              <a:t>Divided</a:t>
             </a:r>
             <a:r>
               <a:rPr kumimoji="1" lang="zh-CN" altLang="en-US" dirty="0">
@@ -6829,6 +6822,106 @@
           </a:p>
         </p:txBody>
       </p:sp>
+      <p:pic>
+        <p:nvPicPr>
+          <p:cNvPr id="3" name="图片 2">
+            <a:extLst>
+              <a:ext uri="{FF2B5EF4-FFF2-40B4-BE49-F238E27FC236}">
+                <a16:creationId xmlns:a16="http://schemas.microsoft.com/office/drawing/2014/main" id="{8B2F0476-CE97-D64B-94C9-484B4C2737F8}"/>
+              </a:ext>
+            </a:extLst>
+          </p:cNvPr>
+          <p:cNvPicPr>
+            <a:picLocks noChangeAspect="1"/>
+          </p:cNvPicPr>
+          <p:nvPr/>
+        </p:nvPicPr>
+        <p:blipFill>
+          <a:blip r:embed="rId10"/>
+          <a:stretch>
+            <a:fillRect/>
+          </a:stretch>
+        </p:blipFill>
+        <p:spPr>
+          <a:xfrm>
+            <a:off x="6808809" y="18112"/>
+            <a:ext cx="5383191" cy="998051"/>
+          </a:xfrm>
+          <a:prstGeom prst="rect">
+            <a:avLst/>
+          </a:prstGeom>
+        </p:spPr>
+      </p:pic>
+      <p:pic>
+        <p:nvPicPr>
+          <p:cNvPr id="41" name="图片 40">
+            <a:extLst>
+              <a:ext uri="{FF2B5EF4-FFF2-40B4-BE49-F238E27FC236}">
+                <a16:creationId xmlns:a16="http://schemas.microsoft.com/office/drawing/2014/main" id="{54884854-87A9-0640-82D4-B6AE1D92AA83}"/>
+              </a:ext>
+            </a:extLst>
+          </p:cNvPr>
+          <p:cNvPicPr>
+            <a:picLocks noChangeAspect="1"/>
+          </p:cNvPicPr>
+          <p:nvPr/>
+        </p:nvPicPr>
+        <p:blipFill>
+          <a:blip r:embed="rId11"/>
+          <a:stretch>
+            <a:fillRect/>
+          </a:stretch>
+        </p:blipFill>
+        <p:spPr>
+          <a:xfrm>
+            <a:off x="10113505" y="1896474"/>
+            <a:ext cx="1445651" cy="353723"/>
+          </a:xfrm>
+          <a:prstGeom prst="rect">
+            <a:avLst/>
+          </a:prstGeom>
+        </p:spPr>
+      </p:pic>
+      <p:sp>
+        <p:nvSpPr>
+          <p:cNvPr id="44" name="文本框 43">
+            <a:extLst>
+              <a:ext uri="{FF2B5EF4-FFF2-40B4-BE49-F238E27FC236}">
+                <a16:creationId xmlns:a16="http://schemas.microsoft.com/office/drawing/2014/main" id="{865355D2-DF3E-C24E-A6F2-20F7F593D641}"/>
+              </a:ext>
+            </a:extLst>
+          </p:cNvPr>
+          <p:cNvSpPr txBox="1"/>
+          <p:nvPr/>
+        </p:nvSpPr>
+        <p:spPr>
+          <a:xfrm>
+            <a:off x="9837739" y="1439612"/>
+            <a:ext cx="1896673" cy="369332"/>
+          </a:xfrm>
+          <a:prstGeom prst="rect">
+            <a:avLst/>
+          </a:prstGeom>
+          <a:noFill/>
+        </p:spPr>
+        <p:txBody>
+          <a:bodyPr wrap="none" rtlCol="0">
+            <a:spAutoFit/>
+          </a:bodyPr>
+          <a:lstStyle/>
+          <a:p>
+            <a:r>
+              <a:rPr kumimoji="1" lang="en-US" altLang="zh-CN" dirty="0">
+                <a:latin typeface="Times" pitchFamily="2" charset="0"/>
+              </a:rPr>
+              <a:t>Compress Sensing</a:t>
+            </a:r>
+            <a:endParaRPr kumimoji="1" lang="zh-CN" altLang="en-US" dirty="0">
+              <a:latin typeface="Times" pitchFamily="2" charset="0"/>
+            </a:endParaRPr>
+          </a:p>
+        </p:txBody>
+      </p:sp>
     </p:spTree>
     <p:extLst>
       <p:ext uri="{BB962C8B-B14F-4D97-AF65-F5344CB8AC3E}">
@@ -8559,7 +8652,45 @@
                 <a:latin typeface="SimSun" panose="02010600030101010101" pitchFamily="2" charset="-122"/>
                 <a:ea typeface="SimSun" panose="02010600030101010101" pitchFamily="2" charset="-122"/>
               </a:rPr>
-              <a:t>RIS vs MIMO</a:t>
+              <a:t>RIS in MIMO</a:t>
+            </a:r>
+          </a:p>
+          <a:p>
+            <a:pPr lvl="2"/>
+            <a:r>
+              <a:rPr kumimoji="1" lang="en-US" altLang="zh-CN" dirty="0">
+                <a:latin typeface="SimSun" panose="02010600030101010101" pitchFamily="2" charset="-122"/>
+                <a:ea typeface="SimSun" panose="02010600030101010101" pitchFamily="2" charset="-122"/>
+              </a:rPr>
+              <a:t>VS.</a:t>
+            </a:r>
+            <a:r>
+              <a:rPr kumimoji="1" lang="zh-CN" altLang="en-US" dirty="0">
+                <a:latin typeface="SimSun" panose="02010600030101010101" pitchFamily="2" charset="-122"/>
+                <a:ea typeface="SimSun" panose="02010600030101010101" pitchFamily="2" charset="-122"/>
+              </a:rPr>
+              <a:t> </a:t>
+            </a:r>
+            <a:r>
+              <a:rPr kumimoji="1" lang="en-US" altLang="zh-CN" dirty="0">
+                <a:latin typeface="SimSun" panose="02010600030101010101" pitchFamily="2" charset="-122"/>
+                <a:ea typeface="SimSun" panose="02010600030101010101" pitchFamily="2" charset="-122"/>
+              </a:rPr>
+              <a:t>LASSO</a:t>
+            </a:r>
+            <a:r>
+              <a:rPr kumimoji="1" lang="zh-CN" altLang="en-US" dirty="0">
+                <a:latin typeface="SimSun" panose="02010600030101010101" pitchFamily="2" charset="-122"/>
+                <a:ea typeface="SimSun" panose="02010600030101010101" pitchFamily="2" charset="-122"/>
+              </a:rPr>
+              <a:t>、</a:t>
+            </a:r>
+            <a:r>
+              <a:rPr kumimoji="1" lang="en-US" altLang="zh-CN" dirty="0">
+                <a:latin typeface="SimSun" panose="02010600030101010101" pitchFamily="2" charset="-122"/>
+                <a:ea typeface="SimSun" panose="02010600030101010101" pitchFamily="2" charset="-122"/>
+              </a:rPr>
+              <a:t>AMP</a:t>
             </a:r>
           </a:p>
           <a:p>
@@ -8571,13 +8702,6 @@
           </a:p>
           <a:p>
             <a:pPr lvl="2"/>
-            <a:endParaRPr kumimoji="1" lang="en-US" altLang="zh-CN" dirty="0">
-              <a:latin typeface="SimSun" panose="02010600030101010101" pitchFamily="2" charset="-122"/>
-              <a:ea typeface="SimSun" panose="02010600030101010101" pitchFamily="2" charset="-122"/>
-            </a:endParaRPr>
-          </a:p>
-          <a:p>
-            <a:pPr lvl="2"/>
             <a:r>
               <a:rPr kumimoji="1" lang="en" altLang="zh-CN" dirty="0">
                 <a:latin typeface="SimSun" panose="02010600030101010101" pitchFamily="2" charset="-122"/>
@@ -8641,6 +8765,77 @@
           </a:p>
         </p:txBody>
       </p:sp>
+      <p:pic>
+        <p:nvPicPr>
+          <p:cNvPr id="4" name="图片 3">
+            <a:extLst>
+              <a:ext uri="{FF2B5EF4-FFF2-40B4-BE49-F238E27FC236}">
+                <a16:creationId xmlns:a16="http://schemas.microsoft.com/office/drawing/2014/main" id="{985EACFA-7F11-8040-A965-589589F30D36}"/>
+              </a:ext>
+            </a:extLst>
+          </p:cNvPr>
+          <p:cNvPicPr>
+            <a:picLocks noChangeAspect="1"/>
+          </p:cNvPicPr>
+          <p:nvPr/>
+        </p:nvPicPr>
+        <p:blipFill>
+          <a:blip r:embed="rId2"/>
+          <a:stretch>
+            <a:fillRect/>
+          </a:stretch>
+        </p:blipFill>
+        <p:spPr>
+          <a:xfrm>
+            <a:off x="5880656" y="3546010"/>
+            <a:ext cx="6114120" cy="1133566"/>
+          </a:xfrm>
+          <a:prstGeom prst="rect">
+            <a:avLst/>
+          </a:prstGeom>
+        </p:spPr>
+      </p:pic>
+      <p:cxnSp>
+        <p:nvCxnSpPr>
+          <p:cNvPr id="6" name="直线箭头连接符 5">
+            <a:extLst>
+              <a:ext uri="{FF2B5EF4-FFF2-40B4-BE49-F238E27FC236}">
+                <a16:creationId xmlns:a16="http://schemas.microsoft.com/office/drawing/2014/main" id="{621D3442-4715-5941-871A-5A70624DB99B}"/>
+              </a:ext>
+            </a:extLst>
+          </p:cNvPr>
+          <p:cNvCxnSpPr>
+            <a:cxnSpLocks/>
+          </p:cNvCxnSpPr>
+          <p:nvPr/>
+        </p:nvCxnSpPr>
+        <p:spPr>
+          <a:xfrm flipH="1">
+            <a:off x="3920648" y="4338918"/>
+            <a:ext cx="1870055" cy="558759"/>
+          </a:xfrm>
+          <a:prstGeom prst="straightConnector1">
+            <a:avLst/>
+          </a:prstGeom>
+          <a:ln w="38100">
+            <a:tailEnd type="triangle"/>
+          </a:ln>
+        </p:spPr>
+        <p:style>
+          <a:lnRef idx="1">
+            <a:schemeClr val="accent1"/>
+          </a:lnRef>
+          <a:fillRef idx="0">
+            <a:schemeClr val="accent1"/>
+          </a:fillRef>
+          <a:effectRef idx="0">
+            <a:schemeClr val="accent1"/>
+          </a:effectRef>
+          <a:fontRef idx="minor">
+            <a:schemeClr val="tx1"/>
+          </a:fontRef>
+        </p:style>
+      </p:cxnSp>
     </p:spTree>
     <p:extLst>
       <p:ext uri="{BB962C8B-B14F-4D97-AF65-F5344CB8AC3E}">

--- a/doc/RIS-angular-domain组会汇报.pptx
+++ b/doc/RIS-angular-domain组会汇报.pptx
@@ -5,7 +5,7 @@
     <p:sldMasterId id="2147483648" r:id="rId1"/>
   </p:sldMasterIdLst>
   <p:notesMasterIdLst>
-    <p:notesMasterId r:id="rId17"/>
+    <p:notesMasterId r:id="rId18"/>
   </p:notesMasterIdLst>
   <p:sldIdLst>
     <p:sldId id="256" r:id="rId2"/>
@@ -17,12 +17,13 @@
     <p:sldId id="266" r:id="rId8"/>
     <p:sldId id="267" r:id="rId9"/>
     <p:sldId id="259" r:id="rId10"/>
-    <p:sldId id="269" r:id="rId11"/>
-    <p:sldId id="268" r:id="rId12"/>
-    <p:sldId id="263" r:id="rId13"/>
-    <p:sldId id="270" r:id="rId14"/>
-    <p:sldId id="264" r:id="rId15"/>
-    <p:sldId id="265" r:id="rId16"/>
+    <p:sldId id="271" r:id="rId11"/>
+    <p:sldId id="269" r:id="rId12"/>
+    <p:sldId id="268" r:id="rId13"/>
+    <p:sldId id="263" r:id="rId14"/>
+    <p:sldId id="270" r:id="rId15"/>
+    <p:sldId id="264" r:id="rId16"/>
+    <p:sldId id="265" r:id="rId17"/>
   </p:sldIdLst>
   <p:sldSz cx="12192000" cy="6858000"/>
   <p:notesSz cx="6858000" cy="9144000"/>
@@ -211,7 +212,7 @@
           <a:p>
             <a:fld id="{E581D415-6A2C-0845-8471-1E507F90D7EF}" type="datetimeFigureOut">
               <a:rPr kumimoji="1" lang="zh-CN" altLang="en-US" smtClean="0"/>
-              <a:t>2021/10/18</a:t>
+              <a:t>2021/10/27</a:t>
             </a:fld>
             <a:endParaRPr kumimoji="1" lang="zh-CN" altLang="en-US"/>
           </a:p>
@@ -877,7 +878,7 @@
           <a:p>
             <a:fld id="{D9924F02-9B59-7149-9D63-411B09DD1C0A}" type="datetimeFigureOut">
               <a:rPr kumimoji="1" lang="zh-CN" altLang="en-US" smtClean="0"/>
-              <a:t>2021/10/18</a:t>
+              <a:t>2021/10/27</a:t>
             </a:fld>
             <a:endParaRPr kumimoji="1" lang="zh-CN" altLang="en-US"/>
           </a:p>
@@ -1075,7 +1076,7 @@
           <a:p>
             <a:fld id="{D9924F02-9B59-7149-9D63-411B09DD1C0A}" type="datetimeFigureOut">
               <a:rPr kumimoji="1" lang="zh-CN" altLang="en-US" smtClean="0"/>
-              <a:t>2021/10/18</a:t>
+              <a:t>2021/10/27</a:t>
             </a:fld>
             <a:endParaRPr kumimoji="1" lang="zh-CN" altLang="en-US"/>
           </a:p>
@@ -1283,7 +1284,7 @@
           <a:p>
             <a:fld id="{D9924F02-9B59-7149-9D63-411B09DD1C0A}" type="datetimeFigureOut">
               <a:rPr kumimoji="1" lang="zh-CN" altLang="en-US" smtClean="0"/>
-              <a:t>2021/10/18</a:t>
+              <a:t>2021/10/27</a:t>
             </a:fld>
             <a:endParaRPr kumimoji="1" lang="zh-CN" altLang="en-US"/>
           </a:p>
@@ -1481,7 +1482,7 @@
           <a:p>
             <a:fld id="{D9924F02-9B59-7149-9D63-411B09DD1C0A}" type="datetimeFigureOut">
               <a:rPr kumimoji="1" lang="zh-CN" altLang="en-US" smtClean="0"/>
-              <a:t>2021/10/18</a:t>
+              <a:t>2021/10/27</a:t>
             </a:fld>
             <a:endParaRPr kumimoji="1" lang="zh-CN" altLang="en-US"/>
           </a:p>
@@ -1756,7 +1757,7 @@
           <a:p>
             <a:fld id="{D9924F02-9B59-7149-9D63-411B09DD1C0A}" type="datetimeFigureOut">
               <a:rPr kumimoji="1" lang="zh-CN" altLang="en-US" smtClean="0"/>
-              <a:t>2021/10/18</a:t>
+              <a:t>2021/10/27</a:t>
             </a:fld>
             <a:endParaRPr kumimoji="1" lang="zh-CN" altLang="en-US"/>
           </a:p>
@@ -2021,7 +2022,7 @@
           <a:p>
             <a:fld id="{D9924F02-9B59-7149-9D63-411B09DD1C0A}" type="datetimeFigureOut">
               <a:rPr kumimoji="1" lang="zh-CN" altLang="en-US" smtClean="0"/>
-              <a:t>2021/10/18</a:t>
+              <a:t>2021/10/27</a:t>
             </a:fld>
             <a:endParaRPr kumimoji="1" lang="zh-CN" altLang="en-US"/>
           </a:p>
@@ -2433,7 +2434,7 @@
           <a:p>
             <a:fld id="{D9924F02-9B59-7149-9D63-411B09DD1C0A}" type="datetimeFigureOut">
               <a:rPr kumimoji="1" lang="zh-CN" altLang="en-US" smtClean="0"/>
-              <a:t>2021/10/18</a:t>
+              <a:t>2021/10/27</a:t>
             </a:fld>
             <a:endParaRPr kumimoji="1" lang="zh-CN" altLang="en-US"/>
           </a:p>
@@ -2574,7 +2575,7 @@
           <a:p>
             <a:fld id="{D9924F02-9B59-7149-9D63-411B09DD1C0A}" type="datetimeFigureOut">
               <a:rPr kumimoji="1" lang="zh-CN" altLang="en-US" smtClean="0"/>
-              <a:t>2021/10/18</a:t>
+              <a:t>2021/10/27</a:t>
             </a:fld>
             <a:endParaRPr kumimoji="1" lang="zh-CN" altLang="en-US"/>
           </a:p>
@@ -2687,7 +2688,7 @@
           <a:p>
             <a:fld id="{D9924F02-9B59-7149-9D63-411B09DD1C0A}" type="datetimeFigureOut">
               <a:rPr kumimoji="1" lang="zh-CN" altLang="en-US" smtClean="0"/>
-              <a:t>2021/10/18</a:t>
+              <a:t>2021/10/27</a:t>
             </a:fld>
             <a:endParaRPr kumimoji="1" lang="zh-CN" altLang="en-US"/>
           </a:p>
@@ -2998,7 +2999,7 @@
           <a:p>
             <a:fld id="{D9924F02-9B59-7149-9D63-411B09DD1C0A}" type="datetimeFigureOut">
               <a:rPr kumimoji="1" lang="zh-CN" altLang="en-US" smtClean="0"/>
-              <a:t>2021/10/18</a:t>
+              <a:t>2021/10/27</a:t>
             </a:fld>
             <a:endParaRPr kumimoji="1" lang="zh-CN" altLang="en-US"/>
           </a:p>
@@ -3286,7 +3287,7 @@
           <a:p>
             <a:fld id="{D9924F02-9B59-7149-9D63-411B09DD1C0A}" type="datetimeFigureOut">
               <a:rPr kumimoji="1" lang="zh-CN" altLang="en-US" smtClean="0"/>
-              <a:t>2021/10/18</a:t>
+              <a:t>2021/10/27</a:t>
             </a:fld>
             <a:endParaRPr kumimoji="1" lang="zh-CN" altLang="en-US"/>
           </a:p>
@@ -3527,7 +3528,7 @@
           <a:p>
             <a:fld id="{D9924F02-9B59-7149-9D63-411B09DD1C0A}" type="datetimeFigureOut">
               <a:rPr kumimoji="1" lang="zh-CN" altLang="en-US" smtClean="0"/>
-              <a:t>2021/10/18</a:t>
+              <a:t>2021/10/27</a:t>
             </a:fld>
             <a:endParaRPr kumimoji="1" lang="zh-CN" altLang="en-US"/>
           </a:p>
@@ -4186,6 +4187,966 @@
           <a:chExt cx="0" cy="0"/>
         </a:xfrm>
       </p:grpSpPr>
+      <p:sp>
+        <p:nvSpPr>
+          <p:cNvPr id="2" name="标题 1">
+            <a:extLst>
+              <a:ext uri="{FF2B5EF4-FFF2-40B4-BE49-F238E27FC236}">
+                <a16:creationId xmlns:a16="http://schemas.microsoft.com/office/drawing/2014/main" id="{1D22156D-E02F-4DF1-BC26-9B4730BB6EAD}"/>
+              </a:ext>
+            </a:extLst>
+          </p:cNvPr>
+          <p:cNvSpPr>
+            <a:spLocks noGrp="1"/>
+          </p:cNvSpPr>
+          <p:nvPr>
+            <p:ph type="title"/>
+          </p:nvPr>
+        </p:nvSpPr>
+        <p:spPr/>
+        <p:txBody>
+          <a:bodyPr/>
+          <a:lstStyle/>
+          <a:p>
+            <a:r>
+              <a:rPr lang="en-US" altLang="zh-CN" dirty="0"/>
+              <a:t>Structured Sparse-1 BS-RIS</a:t>
+            </a:r>
+            <a:endParaRPr lang="zh-CN" altLang="en-US" dirty="0"/>
+          </a:p>
+        </p:txBody>
+      </p:sp>
+      <p:sp>
+        <p:nvSpPr>
+          <p:cNvPr id="4" name="矩形 3">
+            <a:extLst>
+              <a:ext uri="{FF2B5EF4-FFF2-40B4-BE49-F238E27FC236}">
+                <a16:creationId xmlns:a16="http://schemas.microsoft.com/office/drawing/2014/main" id="{08B5B12A-633B-4692-84C1-371545E1ED78}"/>
+              </a:ext>
+            </a:extLst>
+          </p:cNvPr>
+          <p:cNvSpPr/>
+          <p:nvPr/>
+        </p:nvSpPr>
+        <p:spPr>
+          <a:xfrm>
+            <a:off x="838200" y="2065536"/>
+            <a:ext cx="2967734" cy="2967734"/>
+          </a:xfrm>
+          <a:prstGeom prst="rect">
+            <a:avLst/>
+          </a:prstGeom>
+          <a:noFill/>
+          <a:ln w="38100">
+            <a:solidFill>
+              <a:schemeClr val="tx1"/>
+            </a:solidFill>
+          </a:ln>
+        </p:spPr>
+        <p:style>
+          <a:lnRef idx="2">
+            <a:schemeClr val="accent1">
+              <a:shade val="50000"/>
+            </a:schemeClr>
+          </a:lnRef>
+          <a:fillRef idx="1">
+            <a:schemeClr val="accent1"/>
+          </a:fillRef>
+          <a:effectRef idx="0">
+            <a:schemeClr val="accent1"/>
+          </a:effectRef>
+          <a:fontRef idx="minor">
+            <a:schemeClr val="lt1"/>
+          </a:fontRef>
+        </p:style>
+        <p:txBody>
+          <a:bodyPr rtlCol="0" anchor="ctr"/>
+          <a:lstStyle/>
+          <a:p>
+            <a:pPr algn="ctr"/>
+            <a:endParaRPr kumimoji="1" lang="zh-CN" altLang="en-US"/>
+          </a:p>
+        </p:txBody>
+      </p:sp>
+      <p:cxnSp>
+        <p:nvCxnSpPr>
+          <p:cNvPr id="6" name="直接连接符 5">
+            <a:extLst>
+              <a:ext uri="{FF2B5EF4-FFF2-40B4-BE49-F238E27FC236}">
+                <a16:creationId xmlns:a16="http://schemas.microsoft.com/office/drawing/2014/main" id="{9AB1590D-E5E8-4568-A97D-054F82217309}"/>
+              </a:ext>
+            </a:extLst>
+          </p:cNvPr>
+          <p:cNvCxnSpPr>
+            <a:cxnSpLocks/>
+            <a:stCxn id="4" idx="1"/>
+            <a:endCxn id="4" idx="3"/>
+          </p:cNvCxnSpPr>
+          <p:nvPr/>
+        </p:nvCxnSpPr>
+        <p:spPr>
+          <a:xfrm>
+            <a:off x="838200" y="3549403"/>
+            <a:ext cx="2967734" cy="0"/>
+          </a:xfrm>
+          <a:prstGeom prst="line">
+            <a:avLst/>
+          </a:prstGeom>
+          <a:ln w="38100">
+            <a:solidFill>
+              <a:schemeClr val="tx1"/>
+            </a:solidFill>
+            <a:prstDash val="sysDot"/>
+          </a:ln>
+        </p:spPr>
+        <p:style>
+          <a:lnRef idx="1">
+            <a:schemeClr val="accent1"/>
+          </a:lnRef>
+          <a:fillRef idx="0">
+            <a:schemeClr val="accent1"/>
+          </a:fillRef>
+          <a:effectRef idx="0">
+            <a:schemeClr val="accent1"/>
+          </a:effectRef>
+          <a:fontRef idx="minor">
+            <a:schemeClr val="tx1"/>
+          </a:fontRef>
+        </p:style>
+      </p:cxnSp>
+      <p:cxnSp>
+        <p:nvCxnSpPr>
+          <p:cNvPr id="7" name="直接连接符 6">
+            <a:extLst>
+              <a:ext uri="{FF2B5EF4-FFF2-40B4-BE49-F238E27FC236}">
+                <a16:creationId xmlns:a16="http://schemas.microsoft.com/office/drawing/2014/main" id="{469C0DB0-75EA-49B2-80D1-BFE7B5F67766}"/>
+              </a:ext>
+            </a:extLst>
+          </p:cNvPr>
+          <p:cNvCxnSpPr/>
+          <p:nvPr/>
+        </p:nvCxnSpPr>
+        <p:spPr>
+          <a:xfrm>
+            <a:off x="838200" y="2802643"/>
+            <a:ext cx="2967734" cy="0"/>
+          </a:xfrm>
+          <a:prstGeom prst="line">
+            <a:avLst/>
+          </a:prstGeom>
+          <a:ln w="38100">
+            <a:solidFill>
+              <a:schemeClr val="tx1"/>
+            </a:solidFill>
+            <a:prstDash val="sysDot"/>
+          </a:ln>
+        </p:spPr>
+        <p:style>
+          <a:lnRef idx="1">
+            <a:schemeClr val="accent1"/>
+          </a:lnRef>
+          <a:fillRef idx="0">
+            <a:schemeClr val="accent1"/>
+          </a:fillRef>
+          <a:effectRef idx="0">
+            <a:schemeClr val="accent1"/>
+          </a:effectRef>
+          <a:fontRef idx="minor">
+            <a:schemeClr val="tx1"/>
+          </a:fontRef>
+        </p:style>
+      </p:cxnSp>
+      <p:cxnSp>
+        <p:nvCxnSpPr>
+          <p:cNvPr id="8" name="直接连接符 7">
+            <a:extLst>
+              <a:ext uri="{FF2B5EF4-FFF2-40B4-BE49-F238E27FC236}">
+                <a16:creationId xmlns:a16="http://schemas.microsoft.com/office/drawing/2014/main" id="{AF244AB8-C9CE-49DD-A832-EA7D77332DD1}"/>
+              </a:ext>
+            </a:extLst>
+          </p:cNvPr>
+          <p:cNvCxnSpPr/>
+          <p:nvPr/>
+        </p:nvCxnSpPr>
+        <p:spPr>
+          <a:xfrm>
+            <a:off x="838200" y="4280923"/>
+            <a:ext cx="2967734" cy="0"/>
+          </a:xfrm>
+          <a:prstGeom prst="line">
+            <a:avLst/>
+          </a:prstGeom>
+          <a:ln w="38100">
+            <a:solidFill>
+              <a:schemeClr val="tx1"/>
+            </a:solidFill>
+            <a:prstDash val="sysDot"/>
+          </a:ln>
+        </p:spPr>
+        <p:style>
+          <a:lnRef idx="1">
+            <a:schemeClr val="accent1"/>
+          </a:lnRef>
+          <a:fillRef idx="0">
+            <a:schemeClr val="accent1"/>
+          </a:fillRef>
+          <a:effectRef idx="0">
+            <a:schemeClr val="accent1"/>
+          </a:effectRef>
+          <a:fontRef idx="minor">
+            <a:schemeClr val="tx1"/>
+          </a:fontRef>
+        </p:style>
+      </p:cxnSp>
+      <p:cxnSp>
+        <p:nvCxnSpPr>
+          <p:cNvPr id="9" name="直接连接符 8">
+            <a:extLst>
+              <a:ext uri="{FF2B5EF4-FFF2-40B4-BE49-F238E27FC236}">
+                <a16:creationId xmlns:a16="http://schemas.microsoft.com/office/drawing/2014/main" id="{74917D58-C8EA-437E-B416-4CE8A0B9393E}"/>
+              </a:ext>
+            </a:extLst>
+          </p:cNvPr>
+          <p:cNvCxnSpPr>
+            <a:cxnSpLocks/>
+            <a:stCxn id="4" idx="0"/>
+            <a:endCxn id="4" idx="2"/>
+          </p:cNvCxnSpPr>
+          <p:nvPr/>
+        </p:nvCxnSpPr>
+        <p:spPr>
+          <a:xfrm>
+            <a:off x="2322067" y="2065536"/>
+            <a:ext cx="0" cy="2967734"/>
+          </a:xfrm>
+          <a:prstGeom prst="line">
+            <a:avLst/>
+          </a:prstGeom>
+          <a:ln w="38100">
+            <a:solidFill>
+              <a:schemeClr val="tx1"/>
+            </a:solidFill>
+            <a:prstDash val="sysDot"/>
+          </a:ln>
+        </p:spPr>
+        <p:style>
+          <a:lnRef idx="1">
+            <a:schemeClr val="accent1"/>
+          </a:lnRef>
+          <a:fillRef idx="0">
+            <a:schemeClr val="accent1"/>
+          </a:fillRef>
+          <a:effectRef idx="0">
+            <a:schemeClr val="accent1"/>
+          </a:effectRef>
+          <a:fontRef idx="minor">
+            <a:schemeClr val="tx1"/>
+          </a:fontRef>
+        </p:style>
+      </p:cxnSp>
+      <p:cxnSp>
+        <p:nvCxnSpPr>
+          <p:cNvPr id="13" name="直接连接符 12">
+            <a:extLst>
+              <a:ext uri="{FF2B5EF4-FFF2-40B4-BE49-F238E27FC236}">
+                <a16:creationId xmlns:a16="http://schemas.microsoft.com/office/drawing/2014/main" id="{E075A43C-0D6A-441C-B244-91F611D08DCF}"/>
+              </a:ext>
+            </a:extLst>
+          </p:cNvPr>
+          <p:cNvCxnSpPr>
+            <a:cxnSpLocks/>
+          </p:cNvCxnSpPr>
+          <p:nvPr/>
+        </p:nvCxnSpPr>
+        <p:spPr>
+          <a:xfrm>
+            <a:off x="1590547" y="2065536"/>
+            <a:ext cx="0" cy="2967734"/>
+          </a:xfrm>
+          <a:prstGeom prst="line">
+            <a:avLst/>
+          </a:prstGeom>
+          <a:ln w="38100">
+            <a:solidFill>
+              <a:schemeClr val="tx1"/>
+            </a:solidFill>
+            <a:prstDash val="sysDot"/>
+          </a:ln>
+        </p:spPr>
+        <p:style>
+          <a:lnRef idx="1">
+            <a:schemeClr val="accent1"/>
+          </a:lnRef>
+          <a:fillRef idx="0">
+            <a:schemeClr val="accent1"/>
+          </a:fillRef>
+          <a:effectRef idx="0">
+            <a:schemeClr val="accent1"/>
+          </a:effectRef>
+          <a:fontRef idx="minor">
+            <a:schemeClr val="tx1"/>
+          </a:fontRef>
+        </p:style>
+      </p:cxnSp>
+      <p:cxnSp>
+        <p:nvCxnSpPr>
+          <p:cNvPr id="14" name="直接连接符 13">
+            <a:extLst>
+              <a:ext uri="{FF2B5EF4-FFF2-40B4-BE49-F238E27FC236}">
+                <a16:creationId xmlns:a16="http://schemas.microsoft.com/office/drawing/2014/main" id="{CF66D54D-E9B7-436D-BFAF-35053186FDD3}"/>
+              </a:ext>
+            </a:extLst>
+          </p:cNvPr>
+          <p:cNvCxnSpPr>
+            <a:cxnSpLocks/>
+          </p:cNvCxnSpPr>
+          <p:nvPr/>
+        </p:nvCxnSpPr>
+        <p:spPr>
+          <a:xfrm>
+            <a:off x="3038347" y="2065536"/>
+            <a:ext cx="0" cy="2967734"/>
+          </a:xfrm>
+          <a:prstGeom prst="line">
+            <a:avLst/>
+          </a:prstGeom>
+          <a:ln w="38100">
+            <a:solidFill>
+              <a:schemeClr val="tx1"/>
+            </a:solidFill>
+            <a:prstDash val="sysDot"/>
+          </a:ln>
+        </p:spPr>
+        <p:style>
+          <a:lnRef idx="1">
+            <a:schemeClr val="accent1"/>
+          </a:lnRef>
+          <a:fillRef idx="0">
+            <a:schemeClr val="accent1"/>
+          </a:fillRef>
+          <a:effectRef idx="0">
+            <a:schemeClr val="accent1"/>
+          </a:effectRef>
+          <a:fontRef idx="minor">
+            <a:schemeClr val="tx1"/>
+          </a:fontRef>
+        </p:style>
+      </p:cxnSp>
+      <p:sp>
+        <p:nvSpPr>
+          <p:cNvPr id="15" name="矩形 14">
+            <a:extLst>
+              <a:ext uri="{FF2B5EF4-FFF2-40B4-BE49-F238E27FC236}">
+                <a16:creationId xmlns:a16="http://schemas.microsoft.com/office/drawing/2014/main" id="{BA69DA71-EB66-4DDB-A126-1B622E7BD261}"/>
+              </a:ext>
+            </a:extLst>
+          </p:cNvPr>
+          <p:cNvSpPr/>
+          <p:nvPr/>
+        </p:nvSpPr>
+        <p:spPr>
+          <a:xfrm>
+            <a:off x="1605788" y="2817884"/>
+            <a:ext cx="701036" cy="710679"/>
+          </a:xfrm>
+          <a:prstGeom prst="rect">
+            <a:avLst/>
+          </a:prstGeom>
+          <a:solidFill>
+            <a:srgbClr val="C00000">
+              <a:alpha val="34000"/>
+            </a:srgbClr>
+          </a:solidFill>
+          <a:ln>
+            <a:noFill/>
+          </a:ln>
+        </p:spPr>
+        <p:style>
+          <a:lnRef idx="2">
+            <a:schemeClr val="accent1">
+              <a:shade val="50000"/>
+            </a:schemeClr>
+          </a:lnRef>
+          <a:fillRef idx="1">
+            <a:schemeClr val="accent1"/>
+          </a:fillRef>
+          <a:effectRef idx="0">
+            <a:schemeClr val="accent1"/>
+          </a:effectRef>
+          <a:fontRef idx="minor">
+            <a:schemeClr val="lt1"/>
+          </a:fontRef>
+        </p:style>
+        <p:txBody>
+          <a:bodyPr rtlCol="0" anchor="ctr"/>
+          <a:lstStyle/>
+          <a:p>
+            <a:pPr algn="ctr"/>
+            <a:endParaRPr lang="zh-CN" altLang="en-US"/>
+          </a:p>
+        </p:txBody>
+      </p:sp>
+      <p:sp>
+        <p:nvSpPr>
+          <p:cNvPr id="16" name="矩形 15">
+            <a:extLst>
+              <a:ext uri="{FF2B5EF4-FFF2-40B4-BE49-F238E27FC236}">
+                <a16:creationId xmlns:a16="http://schemas.microsoft.com/office/drawing/2014/main" id="{BA663579-5F70-4A32-B1C9-56240FB79A03}"/>
+              </a:ext>
+            </a:extLst>
+          </p:cNvPr>
+          <p:cNvSpPr/>
+          <p:nvPr/>
+        </p:nvSpPr>
+        <p:spPr>
+          <a:xfrm>
+            <a:off x="2329689" y="3559824"/>
+            <a:ext cx="701036" cy="710679"/>
+          </a:xfrm>
+          <a:prstGeom prst="rect">
+            <a:avLst/>
+          </a:prstGeom>
+          <a:solidFill>
+            <a:srgbClr val="C00000">
+              <a:alpha val="34000"/>
+            </a:srgbClr>
+          </a:solidFill>
+          <a:ln>
+            <a:noFill/>
+          </a:ln>
+        </p:spPr>
+        <p:style>
+          <a:lnRef idx="2">
+            <a:schemeClr val="accent1">
+              <a:shade val="50000"/>
+            </a:schemeClr>
+          </a:lnRef>
+          <a:fillRef idx="1">
+            <a:schemeClr val="accent1"/>
+          </a:fillRef>
+          <a:effectRef idx="0">
+            <a:schemeClr val="accent1"/>
+          </a:effectRef>
+          <a:fontRef idx="minor">
+            <a:schemeClr val="lt1"/>
+          </a:fontRef>
+        </p:style>
+        <p:txBody>
+          <a:bodyPr rtlCol="0" anchor="ctr"/>
+          <a:lstStyle/>
+          <a:p>
+            <a:pPr algn="ctr"/>
+            <a:endParaRPr lang="zh-CN" altLang="en-US"/>
+          </a:p>
+        </p:txBody>
+      </p:sp>
+      <p:sp>
+        <p:nvSpPr>
+          <p:cNvPr id="17" name="矩形 16">
+            <a:extLst>
+              <a:ext uri="{FF2B5EF4-FFF2-40B4-BE49-F238E27FC236}">
+                <a16:creationId xmlns:a16="http://schemas.microsoft.com/office/drawing/2014/main" id="{783FF0D4-1D0F-457B-81DE-FF36AA4FD7D0}"/>
+              </a:ext>
+            </a:extLst>
+          </p:cNvPr>
+          <p:cNvSpPr/>
+          <p:nvPr/>
+        </p:nvSpPr>
+        <p:spPr>
+          <a:xfrm>
+            <a:off x="822957" y="5471415"/>
+            <a:ext cx="2967734" cy="773187"/>
+          </a:xfrm>
+          <a:prstGeom prst="rect">
+            <a:avLst/>
+          </a:prstGeom>
+          <a:noFill/>
+          <a:ln w="38100">
+            <a:solidFill>
+              <a:schemeClr val="tx1"/>
+            </a:solidFill>
+          </a:ln>
+        </p:spPr>
+        <p:style>
+          <a:lnRef idx="2">
+            <a:schemeClr val="accent1">
+              <a:shade val="50000"/>
+            </a:schemeClr>
+          </a:lnRef>
+          <a:fillRef idx="1">
+            <a:schemeClr val="accent1"/>
+          </a:fillRef>
+          <a:effectRef idx="0">
+            <a:schemeClr val="accent1"/>
+          </a:effectRef>
+          <a:fontRef idx="minor">
+            <a:schemeClr val="lt1"/>
+          </a:fontRef>
+        </p:style>
+        <p:txBody>
+          <a:bodyPr rtlCol="0" anchor="ctr"/>
+          <a:lstStyle/>
+          <a:p>
+            <a:pPr algn="ctr"/>
+            <a:endParaRPr kumimoji="1" lang="zh-CN" altLang="en-US"/>
+          </a:p>
+        </p:txBody>
+      </p:sp>
+      <p:sp>
+        <p:nvSpPr>
+          <p:cNvPr id="18" name="矩形 17">
+            <a:extLst>
+              <a:ext uri="{FF2B5EF4-FFF2-40B4-BE49-F238E27FC236}">
+                <a16:creationId xmlns:a16="http://schemas.microsoft.com/office/drawing/2014/main" id="{23C8BE0C-1A39-408B-800C-928D3126BCAA}"/>
+              </a:ext>
+            </a:extLst>
+          </p:cNvPr>
+          <p:cNvSpPr/>
+          <p:nvPr/>
+        </p:nvSpPr>
+        <p:spPr>
+          <a:xfrm>
+            <a:off x="4369811" y="2065536"/>
+            <a:ext cx="716278" cy="2967734"/>
+          </a:xfrm>
+          <a:prstGeom prst="rect">
+            <a:avLst/>
+          </a:prstGeom>
+          <a:noFill/>
+          <a:ln w="38100">
+            <a:solidFill>
+              <a:schemeClr val="tx1"/>
+            </a:solidFill>
+          </a:ln>
+        </p:spPr>
+        <p:style>
+          <a:lnRef idx="2">
+            <a:schemeClr val="accent1">
+              <a:shade val="50000"/>
+            </a:schemeClr>
+          </a:lnRef>
+          <a:fillRef idx="1">
+            <a:schemeClr val="accent1"/>
+          </a:fillRef>
+          <a:effectRef idx="0">
+            <a:schemeClr val="accent1"/>
+          </a:effectRef>
+          <a:fontRef idx="minor">
+            <a:schemeClr val="lt1"/>
+          </a:fontRef>
+        </p:style>
+        <p:txBody>
+          <a:bodyPr rtlCol="0" anchor="ctr"/>
+          <a:lstStyle/>
+          <a:p>
+            <a:pPr algn="ctr"/>
+            <a:endParaRPr kumimoji="1" lang="zh-CN" altLang="en-US"/>
+          </a:p>
+        </p:txBody>
+      </p:sp>
+      <p:cxnSp>
+        <p:nvCxnSpPr>
+          <p:cNvPr id="19" name="直接连接符 18">
+            <a:extLst>
+              <a:ext uri="{FF2B5EF4-FFF2-40B4-BE49-F238E27FC236}">
+                <a16:creationId xmlns:a16="http://schemas.microsoft.com/office/drawing/2014/main" id="{768ABF46-E56B-4BD3-8634-7E2DF43FF943}"/>
+              </a:ext>
+            </a:extLst>
+          </p:cNvPr>
+          <p:cNvCxnSpPr>
+            <a:cxnSpLocks/>
+          </p:cNvCxnSpPr>
+          <p:nvPr/>
+        </p:nvCxnSpPr>
+        <p:spPr>
+          <a:xfrm>
+            <a:off x="1590547" y="5473191"/>
+            <a:ext cx="0" cy="771411"/>
+          </a:xfrm>
+          <a:prstGeom prst="line">
+            <a:avLst/>
+          </a:prstGeom>
+          <a:ln w="38100">
+            <a:solidFill>
+              <a:schemeClr val="tx1"/>
+            </a:solidFill>
+            <a:prstDash val="sysDot"/>
+          </a:ln>
+        </p:spPr>
+        <p:style>
+          <a:lnRef idx="1">
+            <a:schemeClr val="accent1"/>
+          </a:lnRef>
+          <a:fillRef idx="0">
+            <a:schemeClr val="accent1"/>
+          </a:fillRef>
+          <a:effectRef idx="0">
+            <a:schemeClr val="accent1"/>
+          </a:effectRef>
+          <a:fontRef idx="minor">
+            <a:schemeClr val="tx1"/>
+          </a:fontRef>
+        </p:style>
+      </p:cxnSp>
+      <p:cxnSp>
+        <p:nvCxnSpPr>
+          <p:cNvPr id="21" name="直接连接符 20">
+            <a:extLst>
+              <a:ext uri="{FF2B5EF4-FFF2-40B4-BE49-F238E27FC236}">
+                <a16:creationId xmlns:a16="http://schemas.microsoft.com/office/drawing/2014/main" id="{4441A4F8-886B-40A8-95DE-3BDAD340131C}"/>
+              </a:ext>
+            </a:extLst>
+          </p:cNvPr>
+          <p:cNvCxnSpPr>
+            <a:cxnSpLocks/>
+          </p:cNvCxnSpPr>
+          <p:nvPr/>
+        </p:nvCxnSpPr>
+        <p:spPr>
+          <a:xfrm>
+            <a:off x="2322067" y="5473191"/>
+            <a:ext cx="0" cy="771411"/>
+          </a:xfrm>
+          <a:prstGeom prst="line">
+            <a:avLst/>
+          </a:prstGeom>
+          <a:ln w="38100">
+            <a:solidFill>
+              <a:schemeClr val="tx1"/>
+            </a:solidFill>
+            <a:prstDash val="sysDot"/>
+          </a:ln>
+        </p:spPr>
+        <p:style>
+          <a:lnRef idx="1">
+            <a:schemeClr val="accent1"/>
+          </a:lnRef>
+          <a:fillRef idx="0">
+            <a:schemeClr val="accent1"/>
+          </a:fillRef>
+          <a:effectRef idx="0">
+            <a:schemeClr val="accent1"/>
+          </a:effectRef>
+          <a:fontRef idx="minor">
+            <a:schemeClr val="tx1"/>
+          </a:fontRef>
+        </p:style>
+      </p:cxnSp>
+      <p:cxnSp>
+        <p:nvCxnSpPr>
+          <p:cNvPr id="22" name="直接连接符 21">
+            <a:extLst>
+              <a:ext uri="{FF2B5EF4-FFF2-40B4-BE49-F238E27FC236}">
+                <a16:creationId xmlns:a16="http://schemas.microsoft.com/office/drawing/2014/main" id="{B36C123D-F1EF-4D80-8F1A-69127583C91C}"/>
+              </a:ext>
+            </a:extLst>
+          </p:cNvPr>
+          <p:cNvCxnSpPr>
+            <a:cxnSpLocks/>
+          </p:cNvCxnSpPr>
+          <p:nvPr/>
+        </p:nvCxnSpPr>
+        <p:spPr>
+          <a:xfrm>
+            <a:off x="3059174" y="5471415"/>
+            <a:ext cx="0" cy="771411"/>
+          </a:xfrm>
+          <a:prstGeom prst="line">
+            <a:avLst/>
+          </a:prstGeom>
+          <a:ln w="38100">
+            <a:solidFill>
+              <a:schemeClr val="tx1"/>
+            </a:solidFill>
+            <a:prstDash val="sysDot"/>
+          </a:ln>
+        </p:spPr>
+        <p:style>
+          <a:lnRef idx="1">
+            <a:schemeClr val="accent1"/>
+          </a:lnRef>
+          <a:fillRef idx="0">
+            <a:schemeClr val="accent1"/>
+          </a:fillRef>
+          <a:effectRef idx="0">
+            <a:schemeClr val="accent1"/>
+          </a:effectRef>
+          <a:fontRef idx="minor">
+            <a:schemeClr val="tx1"/>
+          </a:fontRef>
+        </p:style>
+      </p:cxnSp>
+      <p:cxnSp>
+        <p:nvCxnSpPr>
+          <p:cNvPr id="23" name="直接连接符 22">
+            <a:extLst>
+              <a:ext uri="{FF2B5EF4-FFF2-40B4-BE49-F238E27FC236}">
+                <a16:creationId xmlns:a16="http://schemas.microsoft.com/office/drawing/2014/main" id="{8BA0AA24-7BAE-453A-8AB0-E1179C985F47}"/>
+              </a:ext>
+            </a:extLst>
+          </p:cNvPr>
+          <p:cNvCxnSpPr>
+            <a:cxnSpLocks/>
+            <a:stCxn id="18" idx="1"/>
+          </p:cNvCxnSpPr>
+          <p:nvPr/>
+        </p:nvCxnSpPr>
+        <p:spPr>
+          <a:xfrm>
+            <a:off x="4369811" y="3549403"/>
+            <a:ext cx="716278" cy="10421"/>
+          </a:xfrm>
+          <a:prstGeom prst="line">
+            <a:avLst/>
+          </a:prstGeom>
+          <a:ln w="38100">
+            <a:solidFill>
+              <a:schemeClr val="tx1"/>
+            </a:solidFill>
+            <a:prstDash val="sysDot"/>
+          </a:ln>
+        </p:spPr>
+        <p:style>
+          <a:lnRef idx="1">
+            <a:schemeClr val="accent1"/>
+          </a:lnRef>
+          <a:fillRef idx="0">
+            <a:schemeClr val="accent1"/>
+          </a:fillRef>
+          <a:effectRef idx="0">
+            <a:schemeClr val="accent1"/>
+          </a:effectRef>
+          <a:fontRef idx="minor">
+            <a:schemeClr val="tx1"/>
+          </a:fontRef>
+        </p:style>
+      </p:cxnSp>
+      <p:cxnSp>
+        <p:nvCxnSpPr>
+          <p:cNvPr id="26" name="直接连接符 25">
+            <a:extLst>
+              <a:ext uri="{FF2B5EF4-FFF2-40B4-BE49-F238E27FC236}">
+                <a16:creationId xmlns:a16="http://schemas.microsoft.com/office/drawing/2014/main" id="{39FBBC37-6E93-4754-9890-164E72410036}"/>
+              </a:ext>
+            </a:extLst>
+          </p:cNvPr>
+          <p:cNvCxnSpPr>
+            <a:cxnSpLocks/>
+          </p:cNvCxnSpPr>
+          <p:nvPr/>
+        </p:nvCxnSpPr>
+        <p:spPr>
+          <a:xfrm>
+            <a:off x="4369811" y="4291336"/>
+            <a:ext cx="716278" cy="10421"/>
+          </a:xfrm>
+          <a:prstGeom prst="line">
+            <a:avLst/>
+          </a:prstGeom>
+          <a:ln w="38100">
+            <a:solidFill>
+              <a:schemeClr val="tx1"/>
+            </a:solidFill>
+            <a:prstDash val="sysDot"/>
+          </a:ln>
+        </p:spPr>
+        <p:style>
+          <a:lnRef idx="1">
+            <a:schemeClr val="accent1"/>
+          </a:lnRef>
+          <a:fillRef idx="0">
+            <a:schemeClr val="accent1"/>
+          </a:fillRef>
+          <a:effectRef idx="0">
+            <a:schemeClr val="accent1"/>
+          </a:effectRef>
+          <a:fontRef idx="minor">
+            <a:schemeClr val="tx1"/>
+          </a:fontRef>
+        </p:style>
+      </p:cxnSp>
+      <p:cxnSp>
+        <p:nvCxnSpPr>
+          <p:cNvPr id="27" name="直接连接符 26">
+            <a:extLst>
+              <a:ext uri="{FF2B5EF4-FFF2-40B4-BE49-F238E27FC236}">
+                <a16:creationId xmlns:a16="http://schemas.microsoft.com/office/drawing/2014/main" id="{5695ED4F-3C27-4BDB-983F-3B7C4C00CC91}"/>
+              </a:ext>
+            </a:extLst>
+          </p:cNvPr>
+          <p:cNvCxnSpPr>
+            <a:cxnSpLocks/>
+          </p:cNvCxnSpPr>
+          <p:nvPr/>
+        </p:nvCxnSpPr>
+        <p:spPr>
+          <a:xfrm>
+            <a:off x="4369811" y="2777882"/>
+            <a:ext cx="716278" cy="10421"/>
+          </a:xfrm>
+          <a:prstGeom prst="line">
+            <a:avLst/>
+          </a:prstGeom>
+          <a:ln w="38100">
+            <a:solidFill>
+              <a:schemeClr val="tx1"/>
+            </a:solidFill>
+            <a:prstDash val="sysDot"/>
+          </a:ln>
+        </p:spPr>
+        <p:style>
+          <a:lnRef idx="1">
+            <a:schemeClr val="accent1"/>
+          </a:lnRef>
+          <a:fillRef idx="0">
+            <a:schemeClr val="accent1"/>
+          </a:fillRef>
+          <a:effectRef idx="0">
+            <a:schemeClr val="accent1"/>
+          </a:effectRef>
+          <a:fontRef idx="minor">
+            <a:schemeClr val="tx1"/>
+          </a:fontRef>
+        </p:style>
+      </p:cxnSp>
+      <p:sp>
+        <p:nvSpPr>
+          <p:cNvPr id="28" name="矩形 27">
+            <a:extLst>
+              <a:ext uri="{FF2B5EF4-FFF2-40B4-BE49-F238E27FC236}">
+                <a16:creationId xmlns:a16="http://schemas.microsoft.com/office/drawing/2014/main" id="{E2E30EB7-7969-4EF6-B913-83BE9EA26240}"/>
+              </a:ext>
+            </a:extLst>
+          </p:cNvPr>
+          <p:cNvSpPr/>
+          <p:nvPr/>
+        </p:nvSpPr>
+        <p:spPr>
+          <a:xfrm>
+            <a:off x="4385053" y="2802643"/>
+            <a:ext cx="701036" cy="757180"/>
+          </a:xfrm>
+          <a:prstGeom prst="rect">
+            <a:avLst/>
+          </a:prstGeom>
+          <a:solidFill>
+            <a:schemeClr val="accent1">
+              <a:alpha val="34000"/>
+            </a:schemeClr>
+          </a:solidFill>
+          <a:ln>
+            <a:noFill/>
+          </a:ln>
+        </p:spPr>
+        <p:style>
+          <a:lnRef idx="2">
+            <a:schemeClr val="accent1">
+              <a:shade val="50000"/>
+            </a:schemeClr>
+          </a:lnRef>
+          <a:fillRef idx="1">
+            <a:schemeClr val="accent1"/>
+          </a:fillRef>
+          <a:effectRef idx="0">
+            <a:schemeClr val="accent1"/>
+          </a:effectRef>
+          <a:fontRef idx="minor">
+            <a:schemeClr val="lt1"/>
+          </a:fontRef>
+        </p:style>
+        <p:txBody>
+          <a:bodyPr rtlCol="0" anchor="ctr"/>
+          <a:lstStyle/>
+          <a:p>
+            <a:pPr algn="ctr"/>
+            <a:endParaRPr lang="zh-CN" altLang="en-US"/>
+          </a:p>
+        </p:txBody>
+      </p:sp>
+      <p:sp>
+        <p:nvSpPr>
+          <p:cNvPr id="29" name="矩形 28">
+            <a:extLst>
+              <a:ext uri="{FF2B5EF4-FFF2-40B4-BE49-F238E27FC236}">
+                <a16:creationId xmlns:a16="http://schemas.microsoft.com/office/drawing/2014/main" id="{EAB5C05B-4964-408A-86DC-D6E01B4EC899}"/>
+              </a:ext>
+            </a:extLst>
+          </p:cNvPr>
+          <p:cNvSpPr/>
+          <p:nvPr/>
+        </p:nvSpPr>
+        <p:spPr>
+          <a:xfrm>
+            <a:off x="4385053" y="3568955"/>
+            <a:ext cx="701036" cy="710679"/>
+          </a:xfrm>
+          <a:prstGeom prst="rect">
+            <a:avLst/>
+          </a:prstGeom>
+          <a:solidFill>
+            <a:schemeClr val="accent1">
+              <a:alpha val="34000"/>
+            </a:schemeClr>
+          </a:solidFill>
+          <a:ln>
+            <a:noFill/>
+          </a:ln>
+        </p:spPr>
+        <p:style>
+          <a:lnRef idx="2">
+            <a:schemeClr val="accent1">
+              <a:shade val="50000"/>
+            </a:schemeClr>
+          </a:lnRef>
+          <a:fillRef idx="1">
+            <a:schemeClr val="accent1"/>
+          </a:fillRef>
+          <a:effectRef idx="0">
+            <a:schemeClr val="accent1"/>
+          </a:effectRef>
+          <a:fontRef idx="minor">
+            <a:schemeClr val="lt1"/>
+          </a:fontRef>
+        </p:style>
+        <p:txBody>
+          <a:bodyPr rtlCol="0" anchor="ctr"/>
+          <a:lstStyle/>
+          <a:p>
+            <a:pPr algn="ctr"/>
+            <a:endParaRPr lang="zh-CN" altLang="en-US"/>
+          </a:p>
+        </p:txBody>
+      </p:sp>
+    </p:spTree>
+    <p:extLst>
+      <p:ext uri="{BB962C8B-B14F-4D97-AF65-F5344CB8AC3E}">
+        <p14:creationId xmlns:p14="http://schemas.microsoft.com/office/powerpoint/2010/main" val="1574415851"/>
+      </p:ext>
+    </p:extLst>
+  </p:cSld>
+  <p:clrMapOvr>
+    <a:masterClrMapping/>
+  </p:clrMapOvr>
+</p:sld>
+</file>
+
+<file path=ppt/slides/slide11.xml><?xml version="1.0" encoding="utf-8"?>
+<p:sld xmlns:a="http://schemas.openxmlformats.org/drawingml/2006/main" xmlns:r="http://schemas.openxmlformats.org/officeDocument/2006/relationships" xmlns:p="http://schemas.openxmlformats.org/presentationml/2006/main">
+  <p:cSld>
+    <p:spTree>
+      <p:nvGrpSpPr>
+        <p:cNvPr id="1" name=""/>
+        <p:cNvGrpSpPr/>
+        <p:nvPr/>
+      </p:nvGrpSpPr>
+      <p:grpSpPr>
+        <a:xfrm>
+          <a:off x="0" y="0"/>
+          <a:ext cx="0" cy="0"/>
+          <a:chOff x="0" y="0"/>
+          <a:chExt cx="0" cy="0"/>
+        </a:xfrm>
+      </p:grpSpPr>
       <p:pic>
         <p:nvPicPr>
           <p:cNvPr id="37" name="图片 36">
@@ -4454,7 +5415,7 @@
             <a:prstDash val="sysDash"/>
             <a:extLst>
               <a:ext uri="{C807C97D-BFC1-408E-A445-0C87EB9F89A2}">
-                <ask:lineSketchStyleProps xmlns:ask="http://schemas.microsoft.com/office/drawing/2018/sketchyshapes" sd="1219033472">
+                <ask:lineSketchStyleProps xmlns:ask="http://schemas.microsoft.com/office/drawing/2018/sketchyshapes" xmlns="" sd="1219033472">
                   <a:prstGeom prst="ellipse">
                     <a:avLst/>
                   </a:prstGeom>
@@ -4578,7 +5539,7 @@
             <a:prstDash val="sysDash"/>
             <a:extLst>
               <a:ext uri="{C807C97D-BFC1-408E-A445-0C87EB9F89A2}">
-                <ask:lineSketchStyleProps xmlns:ask="http://schemas.microsoft.com/office/drawing/2018/sketchyshapes" sd="1219033472">
+                <ask:lineSketchStyleProps xmlns:ask="http://schemas.microsoft.com/office/drawing/2018/sketchyshapes" xmlns="" sd="1219033472">
                   <a:prstGeom prst="ellipse">
                     <a:avLst/>
                   </a:prstGeom>
@@ -5052,7 +6013,7 @@
 </p:sld>
 </file>
 
-<file path=ppt/slides/slide11.xml><?xml version="1.0" encoding="utf-8"?>
+<file path=ppt/slides/slide12.xml><?xml version="1.0" encoding="utf-8"?>
 <p:sld xmlns:a="http://schemas.openxmlformats.org/drawingml/2006/main" xmlns:r="http://schemas.openxmlformats.org/officeDocument/2006/relationships" xmlns:p="http://schemas.openxmlformats.org/presentationml/2006/main">
   <p:cSld>
     <p:spTree>
@@ -5136,7 +6097,7 @@
 </p:sld>
 </file>
 
-<file path=ppt/slides/slide12.xml><?xml version="1.0" encoding="utf-8"?>
+<file path=ppt/slides/slide13.xml><?xml version="1.0" encoding="utf-8"?>
 <p:sld xmlns:a="http://schemas.openxmlformats.org/drawingml/2006/main" xmlns:r="http://schemas.openxmlformats.org/officeDocument/2006/relationships" xmlns:p="http://schemas.openxmlformats.org/presentationml/2006/main">
   <p:cSld>
     <p:spTree>
@@ -6935,487 +7896,6 @@
 </p:sld>
 </file>
 
-<file path=ppt/slides/slide13.xml><?xml version="1.0" encoding="utf-8"?>
-<p:sld xmlns:a="http://schemas.openxmlformats.org/drawingml/2006/main" xmlns:r="http://schemas.openxmlformats.org/officeDocument/2006/relationships" xmlns:p="http://schemas.openxmlformats.org/presentationml/2006/main">
-  <p:cSld>
-    <p:spTree>
-      <p:nvGrpSpPr>
-        <p:cNvPr id="1" name=""/>
-        <p:cNvGrpSpPr/>
-        <p:nvPr/>
-      </p:nvGrpSpPr>
-      <p:grpSpPr>
-        <a:xfrm>
-          <a:off x="0" y="0"/>
-          <a:ext cx="0" cy="0"/>
-          <a:chOff x="0" y="0"/>
-          <a:chExt cx="0" cy="0"/>
-        </a:xfrm>
-      </p:grpSpPr>
-      <p:sp>
-        <p:nvSpPr>
-          <p:cNvPr id="2" name="标题 1">
-            <a:extLst>
-              <a:ext uri="{FF2B5EF4-FFF2-40B4-BE49-F238E27FC236}">
-                <a16:creationId xmlns:a16="http://schemas.microsoft.com/office/drawing/2014/main" id="{E91CE4DB-79AB-714C-9B65-9DD0541E9450}"/>
-              </a:ext>
-            </a:extLst>
-          </p:cNvPr>
-          <p:cNvSpPr>
-            <a:spLocks noGrp="1"/>
-          </p:cNvSpPr>
-          <p:nvPr>
-            <p:ph type="title"/>
-          </p:nvPr>
-        </p:nvSpPr>
-        <p:spPr/>
-        <p:txBody>
-          <a:bodyPr/>
-          <a:lstStyle/>
-          <a:p>
-            <a:r>
-              <a:rPr kumimoji="1" lang="en-US" altLang="zh-CN" dirty="0"/>
-              <a:t>Phase 2</a:t>
-            </a:r>
-            <a:endParaRPr kumimoji="1" lang="zh-CN" altLang="en-US" dirty="0"/>
-          </a:p>
-        </p:txBody>
-      </p:sp>
-      <p:pic>
-        <p:nvPicPr>
-          <p:cNvPr id="4" name="图片 3">
-            <a:extLst>
-              <a:ext uri="{FF2B5EF4-FFF2-40B4-BE49-F238E27FC236}">
-                <a16:creationId xmlns:a16="http://schemas.microsoft.com/office/drawing/2014/main" id="{D8836975-847D-E94C-ABEF-CDC8B1AEE90F}"/>
-              </a:ext>
-            </a:extLst>
-          </p:cNvPr>
-          <p:cNvPicPr>
-            <a:picLocks noChangeAspect="1"/>
-          </p:cNvPicPr>
-          <p:nvPr/>
-        </p:nvPicPr>
-        <p:blipFill>
-          <a:blip r:embed="rId2"/>
-          <a:stretch>
-            <a:fillRect/>
-          </a:stretch>
-        </p:blipFill>
-        <p:spPr>
-          <a:xfrm>
-            <a:off x="-281406" y="1302419"/>
-            <a:ext cx="7493000" cy="1943100"/>
-          </a:xfrm>
-          <a:prstGeom prst="rect">
-            <a:avLst/>
-          </a:prstGeom>
-        </p:spPr>
-      </p:pic>
-      <p:pic>
-        <p:nvPicPr>
-          <p:cNvPr id="5" name="图片 4">
-            <a:extLst>
-              <a:ext uri="{FF2B5EF4-FFF2-40B4-BE49-F238E27FC236}">
-                <a16:creationId xmlns:a16="http://schemas.microsoft.com/office/drawing/2014/main" id="{97191E6D-62A7-3C45-94DB-30918190F060}"/>
-              </a:ext>
-            </a:extLst>
-          </p:cNvPr>
-          <p:cNvPicPr>
-            <a:picLocks noChangeAspect="1"/>
-          </p:cNvPicPr>
-          <p:nvPr/>
-        </p:nvPicPr>
-        <p:blipFill>
-          <a:blip r:embed="rId3"/>
-          <a:stretch>
-            <a:fillRect/>
-          </a:stretch>
-        </p:blipFill>
-        <p:spPr>
-          <a:xfrm>
-            <a:off x="7010400" y="613904"/>
-            <a:ext cx="5181600" cy="3069021"/>
-          </a:xfrm>
-          <a:prstGeom prst="rect">
-            <a:avLst/>
-          </a:prstGeom>
-        </p:spPr>
-      </p:pic>
-      <p:sp>
-        <p:nvSpPr>
-          <p:cNvPr id="6" name="文本框 5">
-            <a:extLst>
-              <a:ext uri="{FF2B5EF4-FFF2-40B4-BE49-F238E27FC236}">
-                <a16:creationId xmlns:a16="http://schemas.microsoft.com/office/drawing/2014/main" id="{6CB0BB62-B200-7C45-BB62-4A819CCF88C1}"/>
-              </a:ext>
-            </a:extLst>
-          </p:cNvPr>
-          <p:cNvSpPr txBox="1"/>
-          <p:nvPr/>
-        </p:nvSpPr>
-        <p:spPr>
-          <a:xfrm>
-            <a:off x="1876926" y="3465095"/>
-            <a:ext cx="3910045" cy="369332"/>
-          </a:xfrm>
-          <a:prstGeom prst="rect">
-            <a:avLst/>
-          </a:prstGeom>
-          <a:noFill/>
-        </p:spPr>
-        <p:txBody>
-          <a:bodyPr wrap="none" rtlCol="0">
-            <a:spAutoFit/>
-          </a:bodyPr>
-          <a:lstStyle/>
-          <a:p>
-            <a:r>
-              <a:rPr kumimoji="1" lang="en-US" altLang="zh-CN" dirty="0">
-                <a:solidFill>
-                  <a:srgbClr val="FF0000"/>
-                </a:solidFill>
-                <a:latin typeface="Times" pitchFamily="2" charset="0"/>
-              </a:rPr>
-              <a:t>Let                         be the only variables </a:t>
-            </a:r>
-            <a:endParaRPr kumimoji="1" lang="zh-CN" altLang="en-US" dirty="0">
-              <a:solidFill>
-                <a:srgbClr val="FF0000"/>
-              </a:solidFill>
-              <a:latin typeface="Times" pitchFamily="2" charset="0"/>
-            </a:endParaRPr>
-          </a:p>
-        </p:txBody>
-      </p:sp>
-      <p:pic>
-        <p:nvPicPr>
-          <p:cNvPr id="7" name="图片 6">
-            <a:extLst>
-              <a:ext uri="{FF2B5EF4-FFF2-40B4-BE49-F238E27FC236}">
-                <a16:creationId xmlns:a16="http://schemas.microsoft.com/office/drawing/2014/main" id="{34EB53A9-9837-584E-BE8F-99CC9A10A505}"/>
-              </a:ext>
-            </a:extLst>
-          </p:cNvPr>
-          <p:cNvPicPr>
-            <a:picLocks noChangeAspect="1"/>
-          </p:cNvPicPr>
-          <p:nvPr/>
-        </p:nvPicPr>
-        <p:blipFill>
-          <a:blip r:embed="rId4"/>
-          <a:stretch>
-            <a:fillRect/>
-          </a:stretch>
-        </p:blipFill>
-        <p:spPr>
-          <a:xfrm>
-            <a:off x="2427829" y="3414625"/>
-            <a:ext cx="444500" cy="406400"/>
-          </a:xfrm>
-          <a:prstGeom prst="rect">
-            <a:avLst/>
-          </a:prstGeom>
-        </p:spPr>
-      </p:pic>
-      <p:pic>
-        <p:nvPicPr>
-          <p:cNvPr id="8" name="图片 7">
-            <a:extLst>
-              <a:ext uri="{FF2B5EF4-FFF2-40B4-BE49-F238E27FC236}">
-                <a16:creationId xmlns:a16="http://schemas.microsoft.com/office/drawing/2014/main" id="{9E4F2994-796B-5E4D-B89D-7F59FB47367F}"/>
-              </a:ext>
-            </a:extLst>
-          </p:cNvPr>
-          <p:cNvPicPr>
-            <a:picLocks noChangeAspect="1"/>
-          </p:cNvPicPr>
-          <p:nvPr/>
-        </p:nvPicPr>
-        <p:blipFill rotWithShape="1">
-          <a:blip r:embed="rId5"/>
-          <a:srcRect l="8975" b="20000"/>
-          <a:stretch/>
-        </p:blipFill>
-        <p:spPr>
-          <a:xfrm>
-            <a:off x="3112476" y="3409282"/>
-            <a:ext cx="520212" cy="406400"/>
-          </a:xfrm>
-          <a:prstGeom prst="rect">
-            <a:avLst/>
-          </a:prstGeom>
-        </p:spPr>
-      </p:pic>
-      <p:cxnSp>
-        <p:nvCxnSpPr>
-          <p:cNvPr id="10" name="直线箭头连接符 9">
-            <a:extLst>
-              <a:ext uri="{FF2B5EF4-FFF2-40B4-BE49-F238E27FC236}">
-                <a16:creationId xmlns:a16="http://schemas.microsoft.com/office/drawing/2014/main" id="{689396E4-346E-7841-949C-1E3489030495}"/>
-              </a:ext>
-            </a:extLst>
-          </p:cNvPr>
-          <p:cNvCxnSpPr/>
-          <p:nvPr/>
-        </p:nvCxnSpPr>
-        <p:spPr>
-          <a:xfrm flipV="1">
-            <a:off x="6001407" y="1027906"/>
-            <a:ext cx="1210187" cy="2655019"/>
-          </a:xfrm>
-          <a:prstGeom prst="straightConnector1">
-            <a:avLst/>
-          </a:prstGeom>
-          <a:ln w="28575">
-            <a:tailEnd type="triangle"/>
-          </a:ln>
-        </p:spPr>
-        <p:style>
-          <a:lnRef idx="1">
-            <a:schemeClr val="accent1"/>
-          </a:lnRef>
-          <a:fillRef idx="0">
-            <a:schemeClr val="accent1"/>
-          </a:fillRef>
-          <a:effectRef idx="0">
-            <a:schemeClr val="accent1"/>
-          </a:effectRef>
-          <a:fontRef idx="minor">
-            <a:schemeClr val="tx1"/>
-          </a:fontRef>
-        </p:style>
-      </p:cxnSp>
-      <p:cxnSp>
-        <p:nvCxnSpPr>
-          <p:cNvPr id="11" name="直线箭头连接符 10">
-            <a:extLst>
-              <a:ext uri="{FF2B5EF4-FFF2-40B4-BE49-F238E27FC236}">
-                <a16:creationId xmlns:a16="http://schemas.microsoft.com/office/drawing/2014/main" id="{56B6B70B-6ACF-8544-91F1-F208E59A63CA}"/>
-              </a:ext>
-            </a:extLst>
-          </p:cNvPr>
-          <p:cNvCxnSpPr>
-            <a:cxnSpLocks/>
-          </p:cNvCxnSpPr>
-          <p:nvPr/>
-        </p:nvCxnSpPr>
-        <p:spPr>
-          <a:xfrm>
-            <a:off x="8795895" y="3601479"/>
-            <a:ext cx="0" cy="450778"/>
-          </a:xfrm>
-          <a:prstGeom prst="straightConnector1">
-            <a:avLst/>
-          </a:prstGeom>
-          <a:ln w="28575">
-            <a:tailEnd type="triangle"/>
-          </a:ln>
-        </p:spPr>
-        <p:style>
-          <a:lnRef idx="1">
-            <a:schemeClr val="accent1"/>
-          </a:lnRef>
-          <a:fillRef idx="0">
-            <a:schemeClr val="accent1"/>
-          </a:fillRef>
-          <a:effectRef idx="0">
-            <a:schemeClr val="accent1"/>
-          </a:effectRef>
-          <a:fontRef idx="minor">
-            <a:schemeClr val="tx1"/>
-          </a:fontRef>
-        </p:style>
-      </p:cxnSp>
-      <p:sp>
-        <p:nvSpPr>
-          <p:cNvPr id="13" name="文本框 12">
-            <a:extLst>
-              <a:ext uri="{FF2B5EF4-FFF2-40B4-BE49-F238E27FC236}">
-                <a16:creationId xmlns:a16="http://schemas.microsoft.com/office/drawing/2014/main" id="{9E2ED104-A3CC-374E-8191-91867DE73179}"/>
-              </a:ext>
-            </a:extLst>
-          </p:cNvPr>
-          <p:cNvSpPr txBox="1"/>
-          <p:nvPr/>
-        </p:nvSpPr>
-        <p:spPr>
-          <a:xfrm>
-            <a:off x="9044529" y="3682925"/>
-            <a:ext cx="1281120" cy="369332"/>
-          </a:xfrm>
-          <a:prstGeom prst="rect">
-            <a:avLst/>
-          </a:prstGeom>
-          <a:noFill/>
-        </p:spPr>
-        <p:txBody>
-          <a:bodyPr wrap="none" rtlCol="0">
-            <a:spAutoFit/>
-          </a:bodyPr>
-          <a:lstStyle/>
-          <a:p>
-            <a:r>
-              <a:rPr kumimoji="1" lang="en-US" altLang="zh-CN" dirty="0">
-                <a:solidFill>
-                  <a:srgbClr val="FF0000"/>
-                </a:solidFill>
-                <a:latin typeface="Times" pitchFamily="2" charset="0"/>
-              </a:rPr>
-              <a:t>Pilot design</a:t>
-            </a:r>
-            <a:endParaRPr kumimoji="1" lang="zh-CN" altLang="en-US" dirty="0">
-              <a:solidFill>
-                <a:srgbClr val="FF0000"/>
-              </a:solidFill>
-              <a:latin typeface="Times" pitchFamily="2" charset="0"/>
-            </a:endParaRPr>
-          </a:p>
-        </p:txBody>
-      </p:sp>
-      <p:pic>
-        <p:nvPicPr>
-          <p:cNvPr id="14" name="图片 13">
-            <a:extLst>
-              <a:ext uri="{FF2B5EF4-FFF2-40B4-BE49-F238E27FC236}">
-                <a16:creationId xmlns:a16="http://schemas.microsoft.com/office/drawing/2014/main" id="{D016DD02-66C5-F846-BA33-6F49BEE50530}"/>
-              </a:ext>
-            </a:extLst>
-          </p:cNvPr>
-          <p:cNvPicPr>
-            <a:picLocks noChangeAspect="1"/>
-          </p:cNvPicPr>
-          <p:nvPr/>
-        </p:nvPicPr>
-        <p:blipFill>
-          <a:blip r:embed="rId6"/>
-          <a:stretch>
-            <a:fillRect/>
-          </a:stretch>
-        </p:blipFill>
-        <p:spPr>
-          <a:xfrm>
-            <a:off x="7380890" y="4052257"/>
-            <a:ext cx="3972910" cy="1048923"/>
-          </a:xfrm>
-          <a:prstGeom prst="rect">
-            <a:avLst/>
-          </a:prstGeom>
-        </p:spPr>
-      </p:pic>
-      <p:pic>
-        <p:nvPicPr>
-          <p:cNvPr id="16" name="图片 15">
-            <a:extLst>
-              <a:ext uri="{FF2B5EF4-FFF2-40B4-BE49-F238E27FC236}">
-                <a16:creationId xmlns:a16="http://schemas.microsoft.com/office/drawing/2014/main" id="{D168F772-4D0A-DE43-9C6D-5CE98A22DCF1}"/>
-              </a:ext>
-            </a:extLst>
-          </p:cNvPr>
-          <p:cNvPicPr>
-            <a:picLocks noChangeAspect="1"/>
-          </p:cNvPicPr>
-          <p:nvPr/>
-        </p:nvPicPr>
-        <p:blipFill>
-          <a:blip r:embed="rId7"/>
-          <a:stretch>
-            <a:fillRect/>
-          </a:stretch>
-        </p:blipFill>
-        <p:spPr>
-          <a:xfrm>
-            <a:off x="8288502" y="5101180"/>
-            <a:ext cx="2157686" cy="1388610"/>
-          </a:xfrm>
-          <a:prstGeom prst="rect">
-            <a:avLst/>
-          </a:prstGeom>
-        </p:spPr>
-      </p:pic>
-      <p:cxnSp>
-        <p:nvCxnSpPr>
-          <p:cNvPr id="17" name="直线箭头连接符 16">
-            <a:extLst>
-              <a:ext uri="{FF2B5EF4-FFF2-40B4-BE49-F238E27FC236}">
-                <a16:creationId xmlns:a16="http://schemas.microsoft.com/office/drawing/2014/main" id="{5C2A5F17-A33A-C349-84EE-F7004CF3F4DC}"/>
-              </a:ext>
-            </a:extLst>
-          </p:cNvPr>
-          <p:cNvCxnSpPr>
-            <a:cxnSpLocks/>
-          </p:cNvCxnSpPr>
-          <p:nvPr/>
-        </p:nvCxnSpPr>
-        <p:spPr>
-          <a:xfrm flipH="1" flipV="1">
-            <a:off x="6495393" y="5555581"/>
-            <a:ext cx="1303283" cy="1"/>
-          </a:xfrm>
-          <a:prstGeom prst="straightConnector1">
-            <a:avLst/>
-          </a:prstGeom>
-          <a:ln w="28575">
-            <a:tailEnd type="triangle"/>
-          </a:ln>
-        </p:spPr>
-        <p:style>
-          <a:lnRef idx="1">
-            <a:schemeClr val="accent1"/>
-          </a:lnRef>
-          <a:fillRef idx="0">
-            <a:schemeClr val="accent1"/>
-          </a:fillRef>
-          <a:effectRef idx="0">
-            <a:schemeClr val="accent1"/>
-          </a:effectRef>
-          <a:fontRef idx="minor">
-            <a:schemeClr val="tx1"/>
-          </a:fontRef>
-        </p:style>
-      </p:cxnSp>
-      <p:pic>
-        <p:nvPicPr>
-          <p:cNvPr id="21" name="图片 20">
-            <a:extLst>
-              <a:ext uri="{FF2B5EF4-FFF2-40B4-BE49-F238E27FC236}">
-                <a16:creationId xmlns:a16="http://schemas.microsoft.com/office/drawing/2014/main" id="{17887045-1E2E-A841-B6C6-517C500D2929}"/>
-              </a:ext>
-            </a:extLst>
-          </p:cNvPr>
-          <p:cNvPicPr>
-            <a:picLocks noChangeAspect="1"/>
-          </p:cNvPicPr>
-          <p:nvPr/>
-        </p:nvPicPr>
-        <p:blipFill>
-          <a:blip r:embed="rId8"/>
-          <a:stretch>
-            <a:fillRect/>
-          </a:stretch>
-        </p:blipFill>
-        <p:spPr>
-          <a:xfrm>
-            <a:off x="2100139" y="4960888"/>
-            <a:ext cx="3546633" cy="715987"/>
-          </a:xfrm>
-          <a:prstGeom prst="rect">
-            <a:avLst/>
-          </a:prstGeom>
-        </p:spPr>
-      </p:pic>
-    </p:spTree>
-    <p:extLst>
-      <p:ext uri="{BB962C8B-B14F-4D97-AF65-F5344CB8AC3E}">
-        <p14:creationId xmlns:p14="http://schemas.microsoft.com/office/powerpoint/2010/main" val="908913661"/>
-      </p:ext>
-    </p:extLst>
-  </p:cSld>
-  <p:clrMapOvr>
-    <a:masterClrMapping/>
-  </p:clrMapOvr>
-</p:sld>
-</file>
-
 <file path=ppt/slides/slide14.xml><?xml version="1.0" encoding="utf-8"?>
 <p:sld xmlns:a="http://schemas.openxmlformats.org/drawingml/2006/main" xmlns:r="http://schemas.openxmlformats.org/officeDocument/2006/relationships" xmlns:p="http://schemas.openxmlformats.org/presentationml/2006/main">
   <p:cSld>
@@ -7438,6 +7918,487 @@
           <p:cNvPr id="2" name="标题 1">
             <a:extLst>
               <a:ext uri="{FF2B5EF4-FFF2-40B4-BE49-F238E27FC236}">
+                <a16:creationId xmlns:a16="http://schemas.microsoft.com/office/drawing/2014/main" id="{E91CE4DB-79AB-714C-9B65-9DD0541E9450}"/>
+              </a:ext>
+            </a:extLst>
+          </p:cNvPr>
+          <p:cNvSpPr>
+            <a:spLocks noGrp="1"/>
+          </p:cNvSpPr>
+          <p:nvPr>
+            <p:ph type="title"/>
+          </p:nvPr>
+        </p:nvSpPr>
+        <p:spPr/>
+        <p:txBody>
+          <a:bodyPr/>
+          <a:lstStyle/>
+          <a:p>
+            <a:r>
+              <a:rPr kumimoji="1" lang="en-US" altLang="zh-CN" dirty="0"/>
+              <a:t>Phase 2</a:t>
+            </a:r>
+            <a:endParaRPr kumimoji="1" lang="zh-CN" altLang="en-US" dirty="0"/>
+          </a:p>
+        </p:txBody>
+      </p:sp>
+      <p:pic>
+        <p:nvPicPr>
+          <p:cNvPr id="4" name="图片 3">
+            <a:extLst>
+              <a:ext uri="{FF2B5EF4-FFF2-40B4-BE49-F238E27FC236}">
+                <a16:creationId xmlns:a16="http://schemas.microsoft.com/office/drawing/2014/main" id="{D8836975-847D-E94C-ABEF-CDC8B1AEE90F}"/>
+              </a:ext>
+            </a:extLst>
+          </p:cNvPr>
+          <p:cNvPicPr>
+            <a:picLocks noChangeAspect="1"/>
+          </p:cNvPicPr>
+          <p:nvPr/>
+        </p:nvPicPr>
+        <p:blipFill>
+          <a:blip r:embed="rId2"/>
+          <a:stretch>
+            <a:fillRect/>
+          </a:stretch>
+        </p:blipFill>
+        <p:spPr>
+          <a:xfrm>
+            <a:off x="-281406" y="1302419"/>
+            <a:ext cx="7493000" cy="1943100"/>
+          </a:xfrm>
+          <a:prstGeom prst="rect">
+            <a:avLst/>
+          </a:prstGeom>
+        </p:spPr>
+      </p:pic>
+      <p:pic>
+        <p:nvPicPr>
+          <p:cNvPr id="5" name="图片 4">
+            <a:extLst>
+              <a:ext uri="{FF2B5EF4-FFF2-40B4-BE49-F238E27FC236}">
+                <a16:creationId xmlns:a16="http://schemas.microsoft.com/office/drawing/2014/main" id="{97191E6D-62A7-3C45-94DB-30918190F060}"/>
+              </a:ext>
+            </a:extLst>
+          </p:cNvPr>
+          <p:cNvPicPr>
+            <a:picLocks noChangeAspect="1"/>
+          </p:cNvPicPr>
+          <p:nvPr/>
+        </p:nvPicPr>
+        <p:blipFill>
+          <a:blip r:embed="rId3"/>
+          <a:stretch>
+            <a:fillRect/>
+          </a:stretch>
+        </p:blipFill>
+        <p:spPr>
+          <a:xfrm>
+            <a:off x="7010400" y="613904"/>
+            <a:ext cx="5181600" cy="3069021"/>
+          </a:xfrm>
+          <a:prstGeom prst="rect">
+            <a:avLst/>
+          </a:prstGeom>
+        </p:spPr>
+      </p:pic>
+      <p:sp>
+        <p:nvSpPr>
+          <p:cNvPr id="6" name="文本框 5">
+            <a:extLst>
+              <a:ext uri="{FF2B5EF4-FFF2-40B4-BE49-F238E27FC236}">
+                <a16:creationId xmlns:a16="http://schemas.microsoft.com/office/drawing/2014/main" id="{6CB0BB62-B200-7C45-BB62-4A819CCF88C1}"/>
+              </a:ext>
+            </a:extLst>
+          </p:cNvPr>
+          <p:cNvSpPr txBox="1"/>
+          <p:nvPr/>
+        </p:nvSpPr>
+        <p:spPr>
+          <a:xfrm>
+            <a:off x="1876926" y="3465095"/>
+            <a:ext cx="3910045" cy="369332"/>
+          </a:xfrm>
+          <a:prstGeom prst="rect">
+            <a:avLst/>
+          </a:prstGeom>
+          <a:noFill/>
+        </p:spPr>
+        <p:txBody>
+          <a:bodyPr wrap="none" rtlCol="0">
+            <a:spAutoFit/>
+          </a:bodyPr>
+          <a:lstStyle/>
+          <a:p>
+            <a:r>
+              <a:rPr kumimoji="1" lang="en-US" altLang="zh-CN" dirty="0">
+                <a:solidFill>
+                  <a:srgbClr val="FF0000"/>
+                </a:solidFill>
+                <a:latin typeface="Times" pitchFamily="2" charset="0"/>
+              </a:rPr>
+              <a:t>Let                         be the only variables </a:t>
+            </a:r>
+            <a:endParaRPr kumimoji="1" lang="zh-CN" altLang="en-US" dirty="0">
+              <a:solidFill>
+                <a:srgbClr val="FF0000"/>
+              </a:solidFill>
+              <a:latin typeface="Times" pitchFamily="2" charset="0"/>
+            </a:endParaRPr>
+          </a:p>
+        </p:txBody>
+      </p:sp>
+      <p:pic>
+        <p:nvPicPr>
+          <p:cNvPr id="7" name="图片 6">
+            <a:extLst>
+              <a:ext uri="{FF2B5EF4-FFF2-40B4-BE49-F238E27FC236}">
+                <a16:creationId xmlns:a16="http://schemas.microsoft.com/office/drawing/2014/main" id="{34EB53A9-9837-584E-BE8F-99CC9A10A505}"/>
+              </a:ext>
+            </a:extLst>
+          </p:cNvPr>
+          <p:cNvPicPr>
+            <a:picLocks noChangeAspect="1"/>
+          </p:cNvPicPr>
+          <p:nvPr/>
+        </p:nvPicPr>
+        <p:blipFill>
+          <a:blip r:embed="rId4"/>
+          <a:stretch>
+            <a:fillRect/>
+          </a:stretch>
+        </p:blipFill>
+        <p:spPr>
+          <a:xfrm>
+            <a:off x="2427829" y="3414625"/>
+            <a:ext cx="444500" cy="406400"/>
+          </a:xfrm>
+          <a:prstGeom prst="rect">
+            <a:avLst/>
+          </a:prstGeom>
+        </p:spPr>
+      </p:pic>
+      <p:pic>
+        <p:nvPicPr>
+          <p:cNvPr id="8" name="图片 7">
+            <a:extLst>
+              <a:ext uri="{FF2B5EF4-FFF2-40B4-BE49-F238E27FC236}">
+                <a16:creationId xmlns:a16="http://schemas.microsoft.com/office/drawing/2014/main" id="{9E4F2994-796B-5E4D-B89D-7F59FB47367F}"/>
+              </a:ext>
+            </a:extLst>
+          </p:cNvPr>
+          <p:cNvPicPr>
+            <a:picLocks noChangeAspect="1"/>
+          </p:cNvPicPr>
+          <p:nvPr/>
+        </p:nvPicPr>
+        <p:blipFill rotWithShape="1">
+          <a:blip r:embed="rId5"/>
+          <a:srcRect l="8975" b="20000"/>
+          <a:stretch/>
+        </p:blipFill>
+        <p:spPr>
+          <a:xfrm>
+            <a:off x="3112476" y="3409282"/>
+            <a:ext cx="520212" cy="406400"/>
+          </a:xfrm>
+          <a:prstGeom prst="rect">
+            <a:avLst/>
+          </a:prstGeom>
+        </p:spPr>
+      </p:pic>
+      <p:cxnSp>
+        <p:nvCxnSpPr>
+          <p:cNvPr id="10" name="直线箭头连接符 9">
+            <a:extLst>
+              <a:ext uri="{FF2B5EF4-FFF2-40B4-BE49-F238E27FC236}">
+                <a16:creationId xmlns:a16="http://schemas.microsoft.com/office/drawing/2014/main" id="{689396E4-346E-7841-949C-1E3489030495}"/>
+              </a:ext>
+            </a:extLst>
+          </p:cNvPr>
+          <p:cNvCxnSpPr/>
+          <p:nvPr/>
+        </p:nvCxnSpPr>
+        <p:spPr>
+          <a:xfrm flipV="1">
+            <a:off x="6001407" y="1027906"/>
+            <a:ext cx="1210187" cy="2655019"/>
+          </a:xfrm>
+          <a:prstGeom prst="straightConnector1">
+            <a:avLst/>
+          </a:prstGeom>
+          <a:ln w="28575">
+            <a:tailEnd type="triangle"/>
+          </a:ln>
+        </p:spPr>
+        <p:style>
+          <a:lnRef idx="1">
+            <a:schemeClr val="accent1"/>
+          </a:lnRef>
+          <a:fillRef idx="0">
+            <a:schemeClr val="accent1"/>
+          </a:fillRef>
+          <a:effectRef idx="0">
+            <a:schemeClr val="accent1"/>
+          </a:effectRef>
+          <a:fontRef idx="minor">
+            <a:schemeClr val="tx1"/>
+          </a:fontRef>
+        </p:style>
+      </p:cxnSp>
+      <p:cxnSp>
+        <p:nvCxnSpPr>
+          <p:cNvPr id="11" name="直线箭头连接符 10">
+            <a:extLst>
+              <a:ext uri="{FF2B5EF4-FFF2-40B4-BE49-F238E27FC236}">
+                <a16:creationId xmlns:a16="http://schemas.microsoft.com/office/drawing/2014/main" id="{56B6B70B-6ACF-8544-91F1-F208E59A63CA}"/>
+              </a:ext>
+            </a:extLst>
+          </p:cNvPr>
+          <p:cNvCxnSpPr>
+            <a:cxnSpLocks/>
+          </p:cNvCxnSpPr>
+          <p:nvPr/>
+        </p:nvCxnSpPr>
+        <p:spPr>
+          <a:xfrm>
+            <a:off x="8795895" y="3601479"/>
+            <a:ext cx="0" cy="450778"/>
+          </a:xfrm>
+          <a:prstGeom prst="straightConnector1">
+            <a:avLst/>
+          </a:prstGeom>
+          <a:ln w="28575">
+            <a:tailEnd type="triangle"/>
+          </a:ln>
+        </p:spPr>
+        <p:style>
+          <a:lnRef idx="1">
+            <a:schemeClr val="accent1"/>
+          </a:lnRef>
+          <a:fillRef idx="0">
+            <a:schemeClr val="accent1"/>
+          </a:fillRef>
+          <a:effectRef idx="0">
+            <a:schemeClr val="accent1"/>
+          </a:effectRef>
+          <a:fontRef idx="minor">
+            <a:schemeClr val="tx1"/>
+          </a:fontRef>
+        </p:style>
+      </p:cxnSp>
+      <p:sp>
+        <p:nvSpPr>
+          <p:cNvPr id="13" name="文本框 12">
+            <a:extLst>
+              <a:ext uri="{FF2B5EF4-FFF2-40B4-BE49-F238E27FC236}">
+                <a16:creationId xmlns:a16="http://schemas.microsoft.com/office/drawing/2014/main" id="{9E2ED104-A3CC-374E-8191-91867DE73179}"/>
+              </a:ext>
+            </a:extLst>
+          </p:cNvPr>
+          <p:cNvSpPr txBox="1"/>
+          <p:nvPr/>
+        </p:nvSpPr>
+        <p:spPr>
+          <a:xfrm>
+            <a:off x="9044529" y="3682925"/>
+            <a:ext cx="1281120" cy="369332"/>
+          </a:xfrm>
+          <a:prstGeom prst="rect">
+            <a:avLst/>
+          </a:prstGeom>
+          <a:noFill/>
+        </p:spPr>
+        <p:txBody>
+          <a:bodyPr wrap="none" rtlCol="0">
+            <a:spAutoFit/>
+          </a:bodyPr>
+          <a:lstStyle/>
+          <a:p>
+            <a:r>
+              <a:rPr kumimoji="1" lang="en-US" altLang="zh-CN" dirty="0">
+                <a:solidFill>
+                  <a:srgbClr val="FF0000"/>
+                </a:solidFill>
+                <a:latin typeface="Times" pitchFamily="2" charset="0"/>
+              </a:rPr>
+              <a:t>Pilot design</a:t>
+            </a:r>
+            <a:endParaRPr kumimoji="1" lang="zh-CN" altLang="en-US" dirty="0">
+              <a:solidFill>
+                <a:srgbClr val="FF0000"/>
+              </a:solidFill>
+              <a:latin typeface="Times" pitchFamily="2" charset="0"/>
+            </a:endParaRPr>
+          </a:p>
+        </p:txBody>
+      </p:sp>
+      <p:pic>
+        <p:nvPicPr>
+          <p:cNvPr id="14" name="图片 13">
+            <a:extLst>
+              <a:ext uri="{FF2B5EF4-FFF2-40B4-BE49-F238E27FC236}">
+                <a16:creationId xmlns:a16="http://schemas.microsoft.com/office/drawing/2014/main" id="{D016DD02-66C5-F846-BA33-6F49BEE50530}"/>
+              </a:ext>
+            </a:extLst>
+          </p:cNvPr>
+          <p:cNvPicPr>
+            <a:picLocks noChangeAspect="1"/>
+          </p:cNvPicPr>
+          <p:nvPr/>
+        </p:nvPicPr>
+        <p:blipFill>
+          <a:blip r:embed="rId6"/>
+          <a:stretch>
+            <a:fillRect/>
+          </a:stretch>
+        </p:blipFill>
+        <p:spPr>
+          <a:xfrm>
+            <a:off x="7380890" y="4052257"/>
+            <a:ext cx="3972910" cy="1048923"/>
+          </a:xfrm>
+          <a:prstGeom prst="rect">
+            <a:avLst/>
+          </a:prstGeom>
+        </p:spPr>
+      </p:pic>
+      <p:pic>
+        <p:nvPicPr>
+          <p:cNvPr id="16" name="图片 15">
+            <a:extLst>
+              <a:ext uri="{FF2B5EF4-FFF2-40B4-BE49-F238E27FC236}">
+                <a16:creationId xmlns:a16="http://schemas.microsoft.com/office/drawing/2014/main" id="{D168F772-4D0A-DE43-9C6D-5CE98A22DCF1}"/>
+              </a:ext>
+            </a:extLst>
+          </p:cNvPr>
+          <p:cNvPicPr>
+            <a:picLocks noChangeAspect="1"/>
+          </p:cNvPicPr>
+          <p:nvPr/>
+        </p:nvPicPr>
+        <p:blipFill>
+          <a:blip r:embed="rId7"/>
+          <a:stretch>
+            <a:fillRect/>
+          </a:stretch>
+        </p:blipFill>
+        <p:spPr>
+          <a:xfrm>
+            <a:off x="8288502" y="5101180"/>
+            <a:ext cx="2157686" cy="1388610"/>
+          </a:xfrm>
+          <a:prstGeom prst="rect">
+            <a:avLst/>
+          </a:prstGeom>
+        </p:spPr>
+      </p:pic>
+      <p:cxnSp>
+        <p:nvCxnSpPr>
+          <p:cNvPr id="17" name="直线箭头连接符 16">
+            <a:extLst>
+              <a:ext uri="{FF2B5EF4-FFF2-40B4-BE49-F238E27FC236}">
+                <a16:creationId xmlns:a16="http://schemas.microsoft.com/office/drawing/2014/main" id="{5C2A5F17-A33A-C349-84EE-F7004CF3F4DC}"/>
+              </a:ext>
+            </a:extLst>
+          </p:cNvPr>
+          <p:cNvCxnSpPr>
+            <a:cxnSpLocks/>
+          </p:cNvCxnSpPr>
+          <p:nvPr/>
+        </p:nvCxnSpPr>
+        <p:spPr>
+          <a:xfrm flipH="1" flipV="1">
+            <a:off x="6495393" y="5555581"/>
+            <a:ext cx="1303283" cy="1"/>
+          </a:xfrm>
+          <a:prstGeom prst="straightConnector1">
+            <a:avLst/>
+          </a:prstGeom>
+          <a:ln w="28575">
+            <a:tailEnd type="triangle"/>
+          </a:ln>
+        </p:spPr>
+        <p:style>
+          <a:lnRef idx="1">
+            <a:schemeClr val="accent1"/>
+          </a:lnRef>
+          <a:fillRef idx="0">
+            <a:schemeClr val="accent1"/>
+          </a:fillRef>
+          <a:effectRef idx="0">
+            <a:schemeClr val="accent1"/>
+          </a:effectRef>
+          <a:fontRef idx="minor">
+            <a:schemeClr val="tx1"/>
+          </a:fontRef>
+        </p:style>
+      </p:cxnSp>
+      <p:pic>
+        <p:nvPicPr>
+          <p:cNvPr id="21" name="图片 20">
+            <a:extLst>
+              <a:ext uri="{FF2B5EF4-FFF2-40B4-BE49-F238E27FC236}">
+                <a16:creationId xmlns:a16="http://schemas.microsoft.com/office/drawing/2014/main" id="{17887045-1E2E-A841-B6C6-517C500D2929}"/>
+              </a:ext>
+            </a:extLst>
+          </p:cNvPr>
+          <p:cNvPicPr>
+            <a:picLocks noChangeAspect="1"/>
+          </p:cNvPicPr>
+          <p:nvPr/>
+        </p:nvPicPr>
+        <p:blipFill>
+          <a:blip r:embed="rId8"/>
+          <a:stretch>
+            <a:fillRect/>
+          </a:stretch>
+        </p:blipFill>
+        <p:spPr>
+          <a:xfrm>
+            <a:off x="2100139" y="4960888"/>
+            <a:ext cx="3546633" cy="715987"/>
+          </a:xfrm>
+          <a:prstGeom prst="rect">
+            <a:avLst/>
+          </a:prstGeom>
+        </p:spPr>
+      </p:pic>
+    </p:spTree>
+    <p:extLst>
+      <p:ext uri="{BB962C8B-B14F-4D97-AF65-F5344CB8AC3E}">
+        <p14:creationId xmlns:p14="http://schemas.microsoft.com/office/powerpoint/2010/main" val="908913661"/>
+      </p:ext>
+    </p:extLst>
+  </p:cSld>
+  <p:clrMapOvr>
+    <a:masterClrMapping/>
+  </p:clrMapOvr>
+</p:sld>
+</file>
+
+<file path=ppt/slides/slide15.xml><?xml version="1.0" encoding="utf-8"?>
+<p:sld xmlns:a="http://schemas.openxmlformats.org/drawingml/2006/main" xmlns:r="http://schemas.openxmlformats.org/officeDocument/2006/relationships" xmlns:p="http://schemas.openxmlformats.org/presentationml/2006/main">
+  <p:cSld>
+    <p:spTree>
+      <p:nvGrpSpPr>
+        <p:cNvPr id="1" name=""/>
+        <p:cNvGrpSpPr/>
+        <p:nvPr/>
+      </p:nvGrpSpPr>
+      <p:grpSpPr>
+        <a:xfrm>
+          <a:off x="0" y="0"/>
+          <a:ext cx="0" cy="0"/>
+          <a:chOff x="0" y="0"/>
+          <a:chExt cx="0" cy="0"/>
+        </a:xfrm>
+      </p:grpSpPr>
+      <p:sp>
+        <p:nvSpPr>
+          <p:cNvPr id="2" name="标题 1">
+            <a:extLst>
+              <a:ext uri="{FF2B5EF4-FFF2-40B4-BE49-F238E27FC236}">
                 <a16:creationId xmlns:a16="http://schemas.microsoft.com/office/drawing/2014/main" id="{17A646E0-4B78-BE4B-97C9-4D552876F760}"/>
               </a:ext>
             </a:extLst>
@@ -7500,7 +8461,7 @@
 </p:sld>
 </file>
 
-<file path=ppt/slides/slide15.xml><?xml version="1.0" encoding="utf-8"?>
+<file path=ppt/slides/slide16.xml><?xml version="1.0" encoding="utf-8"?>
 <p:sld xmlns:a="http://schemas.openxmlformats.org/drawingml/2006/main" xmlns:r="http://schemas.openxmlformats.org/officeDocument/2006/relationships" xmlns:p="http://schemas.openxmlformats.org/presentationml/2006/main">
   <p:cSld>
     <p:spTree>

--- a/doc/RIS-angular-domain组会汇报.pptx
+++ b/doc/RIS-angular-domain组会汇报.pptx
@@ -5,7 +5,7 @@
     <p:sldMasterId id="2147483648" r:id="rId1"/>
   </p:sldMasterIdLst>
   <p:notesMasterIdLst>
-    <p:notesMasterId r:id="rId18"/>
+    <p:notesMasterId r:id="rId20"/>
   </p:notesMasterIdLst>
   <p:sldIdLst>
     <p:sldId id="256" r:id="rId2"/>
@@ -20,10 +20,12 @@
     <p:sldId id="271" r:id="rId11"/>
     <p:sldId id="269" r:id="rId12"/>
     <p:sldId id="268" r:id="rId13"/>
-    <p:sldId id="263" r:id="rId14"/>
-    <p:sldId id="270" r:id="rId15"/>
-    <p:sldId id="264" r:id="rId16"/>
-    <p:sldId id="265" r:id="rId17"/>
+    <p:sldId id="272" r:id="rId14"/>
+    <p:sldId id="273" r:id="rId15"/>
+    <p:sldId id="263" r:id="rId16"/>
+    <p:sldId id="270" r:id="rId17"/>
+    <p:sldId id="264" r:id="rId18"/>
+    <p:sldId id="265" r:id="rId19"/>
   </p:sldIdLst>
   <p:sldSz cx="12192000" cy="6858000"/>
   <p:notesSz cx="6858000" cy="9144000"/>
@@ -212,7 +214,7 @@
           <a:p>
             <a:fld id="{E581D415-6A2C-0845-8471-1E507F90D7EF}" type="datetimeFigureOut">
               <a:rPr kumimoji="1" lang="zh-CN" altLang="en-US" smtClean="0"/>
-              <a:t>2021/10/27</a:t>
+              <a:t>2021/11/19</a:t>
             </a:fld>
             <a:endParaRPr kumimoji="1" lang="zh-CN" altLang="en-US"/>
           </a:p>
@@ -878,7 +880,7 @@
           <a:p>
             <a:fld id="{D9924F02-9B59-7149-9D63-411B09DD1C0A}" type="datetimeFigureOut">
               <a:rPr kumimoji="1" lang="zh-CN" altLang="en-US" smtClean="0"/>
-              <a:t>2021/10/27</a:t>
+              <a:t>2021/11/19</a:t>
             </a:fld>
             <a:endParaRPr kumimoji="1" lang="zh-CN" altLang="en-US"/>
           </a:p>
@@ -1076,7 +1078,7 @@
           <a:p>
             <a:fld id="{D9924F02-9B59-7149-9D63-411B09DD1C0A}" type="datetimeFigureOut">
               <a:rPr kumimoji="1" lang="zh-CN" altLang="en-US" smtClean="0"/>
-              <a:t>2021/10/27</a:t>
+              <a:t>2021/11/19</a:t>
             </a:fld>
             <a:endParaRPr kumimoji="1" lang="zh-CN" altLang="en-US"/>
           </a:p>
@@ -1284,7 +1286,7 @@
           <a:p>
             <a:fld id="{D9924F02-9B59-7149-9D63-411B09DD1C0A}" type="datetimeFigureOut">
               <a:rPr kumimoji="1" lang="zh-CN" altLang="en-US" smtClean="0"/>
-              <a:t>2021/10/27</a:t>
+              <a:t>2021/11/19</a:t>
             </a:fld>
             <a:endParaRPr kumimoji="1" lang="zh-CN" altLang="en-US"/>
           </a:p>
@@ -1482,7 +1484,7 @@
           <a:p>
             <a:fld id="{D9924F02-9B59-7149-9D63-411B09DD1C0A}" type="datetimeFigureOut">
               <a:rPr kumimoji="1" lang="zh-CN" altLang="en-US" smtClean="0"/>
-              <a:t>2021/10/27</a:t>
+              <a:t>2021/11/19</a:t>
             </a:fld>
             <a:endParaRPr kumimoji="1" lang="zh-CN" altLang="en-US"/>
           </a:p>
@@ -1757,7 +1759,7 @@
           <a:p>
             <a:fld id="{D9924F02-9B59-7149-9D63-411B09DD1C0A}" type="datetimeFigureOut">
               <a:rPr kumimoji="1" lang="zh-CN" altLang="en-US" smtClean="0"/>
-              <a:t>2021/10/27</a:t>
+              <a:t>2021/11/19</a:t>
             </a:fld>
             <a:endParaRPr kumimoji="1" lang="zh-CN" altLang="en-US"/>
           </a:p>
@@ -2022,7 +2024,7 @@
           <a:p>
             <a:fld id="{D9924F02-9B59-7149-9D63-411B09DD1C0A}" type="datetimeFigureOut">
               <a:rPr kumimoji="1" lang="zh-CN" altLang="en-US" smtClean="0"/>
-              <a:t>2021/10/27</a:t>
+              <a:t>2021/11/19</a:t>
             </a:fld>
             <a:endParaRPr kumimoji="1" lang="zh-CN" altLang="en-US"/>
           </a:p>
@@ -2434,7 +2436,7 @@
           <a:p>
             <a:fld id="{D9924F02-9B59-7149-9D63-411B09DD1C0A}" type="datetimeFigureOut">
               <a:rPr kumimoji="1" lang="zh-CN" altLang="en-US" smtClean="0"/>
-              <a:t>2021/10/27</a:t>
+              <a:t>2021/11/19</a:t>
             </a:fld>
             <a:endParaRPr kumimoji="1" lang="zh-CN" altLang="en-US"/>
           </a:p>
@@ -2575,7 +2577,7 @@
           <a:p>
             <a:fld id="{D9924F02-9B59-7149-9D63-411B09DD1C0A}" type="datetimeFigureOut">
               <a:rPr kumimoji="1" lang="zh-CN" altLang="en-US" smtClean="0"/>
-              <a:t>2021/10/27</a:t>
+              <a:t>2021/11/19</a:t>
             </a:fld>
             <a:endParaRPr kumimoji="1" lang="zh-CN" altLang="en-US"/>
           </a:p>
@@ -2688,7 +2690,7 @@
           <a:p>
             <a:fld id="{D9924F02-9B59-7149-9D63-411B09DD1C0A}" type="datetimeFigureOut">
               <a:rPr kumimoji="1" lang="zh-CN" altLang="en-US" smtClean="0"/>
-              <a:t>2021/10/27</a:t>
+              <a:t>2021/11/19</a:t>
             </a:fld>
             <a:endParaRPr kumimoji="1" lang="zh-CN" altLang="en-US"/>
           </a:p>
@@ -2999,7 +3001,7 @@
           <a:p>
             <a:fld id="{D9924F02-9B59-7149-9D63-411B09DD1C0A}" type="datetimeFigureOut">
               <a:rPr kumimoji="1" lang="zh-CN" altLang="en-US" smtClean="0"/>
-              <a:t>2021/10/27</a:t>
+              <a:t>2021/11/19</a:t>
             </a:fld>
             <a:endParaRPr kumimoji="1" lang="zh-CN" altLang="en-US"/>
           </a:p>
@@ -3287,7 +3289,7 @@
           <a:p>
             <a:fld id="{D9924F02-9B59-7149-9D63-411B09DD1C0A}" type="datetimeFigureOut">
               <a:rPr kumimoji="1" lang="zh-CN" altLang="en-US" smtClean="0"/>
-              <a:t>2021/10/27</a:t>
+              <a:t>2021/11/19</a:t>
             </a:fld>
             <a:endParaRPr kumimoji="1" lang="zh-CN" altLang="en-US"/>
           </a:p>
@@ -3528,7 +3530,7 @@
           <a:p>
             <a:fld id="{D9924F02-9B59-7149-9D63-411B09DD1C0A}" type="datetimeFigureOut">
               <a:rPr kumimoji="1" lang="zh-CN" altLang="en-US" smtClean="0"/>
-              <a:t>2021/10/27</a:t>
+              <a:t>2021/11/19</a:t>
             </a:fld>
             <a:endParaRPr kumimoji="1" lang="zh-CN" altLang="en-US"/>
           </a:p>
@@ -5415,7 +5417,7 @@
             <a:prstDash val="sysDash"/>
             <a:extLst>
               <a:ext uri="{C807C97D-BFC1-408E-A445-0C87EB9F89A2}">
-                <ask:lineSketchStyleProps xmlns:ask="http://schemas.microsoft.com/office/drawing/2018/sketchyshapes" xmlns="" sd="1219033472">
+                <ask:lineSketchStyleProps xmlns:ask="http://schemas.microsoft.com/office/drawing/2018/sketchyshapes" sd="1219033472">
                   <a:prstGeom prst="ellipse">
                     <a:avLst/>
                   </a:prstGeom>
@@ -5539,7 +5541,7 @@
             <a:prstDash val="sysDash"/>
             <a:extLst>
               <a:ext uri="{C807C97D-BFC1-408E-A445-0C87EB9F89A2}">
-                <ask:lineSketchStyleProps xmlns:ask="http://schemas.microsoft.com/office/drawing/2018/sketchyshapes" xmlns="" sd="1219033472">
+                <ask:lineSketchStyleProps xmlns:ask="http://schemas.microsoft.com/office/drawing/2018/sketchyshapes" sd="1219033472">
                   <a:prstGeom prst="ellipse">
                     <a:avLst/>
                   </a:prstGeom>
@@ -6098,6 +6100,6789 @@
 </file>
 
 <file path=ppt/slides/slide13.xml><?xml version="1.0" encoding="utf-8"?>
+<p:sld xmlns:a="http://schemas.openxmlformats.org/drawingml/2006/main" xmlns:r="http://schemas.openxmlformats.org/officeDocument/2006/relationships" xmlns:p="http://schemas.openxmlformats.org/presentationml/2006/main">
+  <p:cSld>
+    <p:spTree>
+      <p:nvGrpSpPr>
+        <p:cNvPr id="1" name=""/>
+        <p:cNvGrpSpPr/>
+        <p:nvPr/>
+      </p:nvGrpSpPr>
+      <p:grpSpPr>
+        <a:xfrm>
+          <a:off x="0" y="0"/>
+          <a:ext cx="0" cy="0"/>
+          <a:chOff x="0" y="0"/>
+          <a:chExt cx="0" cy="0"/>
+        </a:xfrm>
+      </p:grpSpPr>
+      <p:sp>
+        <p:nvSpPr>
+          <p:cNvPr id="2" name="标题 1">
+            <a:extLst>
+              <a:ext uri="{FF2B5EF4-FFF2-40B4-BE49-F238E27FC236}">
+                <a16:creationId xmlns:a16="http://schemas.microsoft.com/office/drawing/2014/main" id="{513ED5B6-3F15-AE42-8B8E-5D939E2C89C4}"/>
+              </a:ext>
+            </a:extLst>
+          </p:cNvPr>
+          <p:cNvSpPr>
+            <a:spLocks noGrp="1"/>
+          </p:cNvSpPr>
+          <p:nvPr>
+            <p:ph type="title"/>
+          </p:nvPr>
+        </p:nvSpPr>
+        <p:spPr/>
+        <p:txBody>
+          <a:bodyPr/>
+          <a:lstStyle/>
+          <a:p>
+            <a:r>
+              <a:rPr kumimoji="1" lang="en-US" altLang="zh-CN" dirty="0"/>
+              <a:t>Belief propagation-1</a:t>
+            </a:r>
+            <a:endParaRPr kumimoji="1" lang="zh-CN" altLang="en-US" dirty="0"/>
+          </a:p>
+        </p:txBody>
+      </p:sp>
+      <p:grpSp>
+        <p:nvGrpSpPr>
+          <p:cNvPr id="24" name="组合 23">
+            <a:extLst>
+              <a:ext uri="{FF2B5EF4-FFF2-40B4-BE49-F238E27FC236}">
+                <a16:creationId xmlns:a16="http://schemas.microsoft.com/office/drawing/2014/main" id="{69EF7A89-C2CF-E54F-A0DA-F1EC4FBF3235}"/>
+              </a:ext>
+            </a:extLst>
+          </p:cNvPr>
+          <p:cNvGrpSpPr/>
+          <p:nvPr/>
+        </p:nvGrpSpPr>
+        <p:grpSpPr>
+          <a:xfrm>
+            <a:off x="156683" y="1563688"/>
+            <a:ext cx="6426704" cy="4660872"/>
+            <a:chOff x="1198083" y="1371558"/>
+            <a:chExt cx="6426704" cy="4660872"/>
+          </a:xfrm>
+        </p:grpSpPr>
+        <p:sp>
+          <p:nvSpPr>
+            <p:cNvPr id="4" name="椭圆 3">
+              <a:extLst>
+                <a:ext uri="{FF2B5EF4-FFF2-40B4-BE49-F238E27FC236}">
+                  <a16:creationId xmlns:a16="http://schemas.microsoft.com/office/drawing/2014/main" id="{3977D279-8743-AD4B-9B12-CE9923944389}"/>
+                </a:ext>
+              </a:extLst>
+            </p:cNvPr>
+            <p:cNvSpPr/>
+            <p:nvPr/>
+          </p:nvSpPr>
+          <p:spPr>
+            <a:xfrm>
+              <a:off x="6636327" y="2854036"/>
+              <a:ext cx="678873" cy="678873"/>
+            </a:xfrm>
+            <a:prstGeom prst="ellipse">
+              <a:avLst/>
+            </a:prstGeom>
+            <a:noFill/>
+            <a:ln w="38100">
+              <a:solidFill>
+                <a:schemeClr val="tx1"/>
+              </a:solidFill>
+            </a:ln>
+          </p:spPr>
+          <p:style>
+            <a:lnRef idx="2">
+              <a:schemeClr val="accent1">
+                <a:shade val="50000"/>
+              </a:schemeClr>
+            </a:lnRef>
+            <a:fillRef idx="1">
+              <a:schemeClr val="accent1"/>
+            </a:fillRef>
+            <a:effectRef idx="0">
+              <a:schemeClr val="accent1"/>
+            </a:effectRef>
+            <a:fontRef idx="minor">
+              <a:schemeClr val="lt1"/>
+            </a:fontRef>
+          </p:style>
+          <p:txBody>
+            <a:bodyPr rtlCol="0" anchor="ctr"/>
+            <a:lstStyle/>
+            <a:p>
+              <a:pPr algn="ctr"/>
+              <a:endParaRPr kumimoji="1" lang="zh-CN" altLang="en-US"/>
+            </a:p>
+          </p:txBody>
+        </p:sp>
+        <p:sp>
+          <p:nvSpPr>
+            <p:cNvPr id="5" name="椭圆 4">
+              <a:extLst>
+                <a:ext uri="{FF2B5EF4-FFF2-40B4-BE49-F238E27FC236}">
+                  <a16:creationId xmlns:a16="http://schemas.microsoft.com/office/drawing/2014/main" id="{D877A0E3-78CB-E245-8144-A983758646B3}"/>
+                </a:ext>
+              </a:extLst>
+            </p:cNvPr>
+            <p:cNvSpPr/>
+            <p:nvPr/>
+          </p:nvSpPr>
+          <p:spPr>
+            <a:xfrm>
+              <a:off x="1507671" y="2854036"/>
+              <a:ext cx="678873" cy="678873"/>
+            </a:xfrm>
+            <a:prstGeom prst="ellipse">
+              <a:avLst/>
+            </a:prstGeom>
+            <a:noFill/>
+            <a:ln w="38100">
+              <a:solidFill>
+                <a:schemeClr val="tx1"/>
+              </a:solidFill>
+            </a:ln>
+          </p:spPr>
+          <p:style>
+            <a:lnRef idx="2">
+              <a:schemeClr val="accent1">
+                <a:shade val="50000"/>
+              </a:schemeClr>
+            </a:lnRef>
+            <a:fillRef idx="1">
+              <a:schemeClr val="accent1"/>
+            </a:fillRef>
+            <a:effectRef idx="0">
+              <a:schemeClr val="accent1"/>
+            </a:effectRef>
+            <a:fontRef idx="minor">
+              <a:schemeClr val="lt1"/>
+            </a:fontRef>
+          </p:style>
+          <p:txBody>
+            <a:bodyPr rtlCol="0" anchor="ctr"/>
+            <a:lstStyle/>
+            <a:p>
+              <a:pPr algn="ctr"/>
+              <a:endParaRPr kumimoji="1" lang="zh-CN" altLang="en-US"/>
+            </a:p>
+          </p:txBody>
+        </p:sp>
+        <p:sp>
+          <p:nvSpPr>
+            <p:cNvPr id="6" name="矩形 5">
+              <a:extLst>
+                <a:ext uri="{FF2B5EF4-FFF2-40B4-BE49-F238E27FC236}">
+                  <a16:creationId xmlns:a16="http://schemas.microsoft.com/office/drawing/2014/main" id="{8019CE39-77AA-0645-B5C4-17EF0CFD75E6}"/>
+                </a:ext>
+              </a:extLst>
+            </p:cNvPr>
+            <p:cNvSpPr/>
+            <p:nvPr/>
+          </p:nvSpPr>
+          <p:spPr>
+            <a:xfrm>
+              <a:off x="4071999" y="2854036"/>
+              <a:ext cx="678873" cy="678873"/>
+            </a:xfrm>
+            <a:prstGeom prst="rect">
+              <a:avLst/>
+            </a:prstGeom>
+            <a:noFill/>
+            <a:ln w="38100">
+              <a:solidFill>
+                <a:schemeClr val="tx1"/>
+              </a:solidFill>
+            </a:ln>
+          </p:spPr>
+          <p:style>
+            <a:lnRef idx="2">
+              <a:schemeClr val="accent1">
+                <a:shade val="50000"/>
+              </a:schemeClr>
+            </a:lnRef>
+            <a:fillRef idx="1">
+              <a:schemeClr val="accent1"/>
+            </a:fillRef>
+            <a:effectRef idx="0">
+              <a:schemeClr val="accent1"/>
+            </a:effectRef>
+            <a:fontRef idx="minor">
+              <a:schemeClr val="lt1"/>
+            </a:fontRef>
+          </p:style>
+          <p:txBody>
+            <a:bodyPr rtlCol="0" anchor="ctr"/>
+            <a:lstStyle/>
+            <a:p>
+              <a:pPr algn="ctr"/>
+              <a:endParaRPr kumimoji="1" lang="zh-CN" altLang="en-US"/>
+            </a:p>
+          </p:txBody>
+        </p:sp>
+        <p:cxnSp>
+          <p:nvCxnSpPr>
+            <p:cNvPr id="8" name="直线箭头连接符 7">
+              <a:extLst>
+                <a:ext uri="{FF2B5EF4-FFF2-40B4-BE49-F238E27FC236}">
+                  <a16:creationId xmlns:a16="http://schemas.microsoft.com/office/drawing/2014/main" id="{79D76DB7-0083-524C-99A6-00BFF40A46DC}"/>
+                </a:ext>
+              </a:extLst>
+            </p:cNvPr>
+            <p:cNvCxnSpPr>
+              <a:stCxn id="4" idx="2"/>
+              <a:endCxn id="6" idx="3"/>
+            </p:cNvCxnSpPr>
+            <p:nvPr/>
+          </p:nvCxnSpPr>
+          <p:spPr>
+            <a:xfrm flipH="1">
+              <a:off x="4750872" y="3193473"/>
+              <a:ext cx="1885455" cy="0"/>
+            </a:xfrm>
+            <a:prstGeom prst="straightConnector1">
+              <a:avLst/>
+            </a:prstGeom>
+            <a:ln w="38100">
+              <a:solidFill>
+                <a:schemeClr val="tx1"/>
+              </a:solidFill>
+              <a:tailEnd type="none"/>
+            </a:ln>
+          </p:spPr>
+          <p:style>
+            <a:lnRef idx="1">
+              <a:schemeClr val="accent1"/>
+            </a:lnRef>
+            <a:fillRef idx="0">
+              <a:schemeClr val="accent1"/>
+            </a:fillRef>
+            <a:effectRef idx="0">
+              <a:schemeClr val="accent1"/>
+            </a:effectRef>
+            <a:fontRef idx="minor">
+              <a:schemeClr val="tx1"/>
+            </a:fontRef>
+          </p:style>
+        </p:cxnSp>
+        <p:cxnSp>
+          <p:nvCxnSpPr>
+            <p:cNvPr id="9" name="直线箭头连接符 8">
+              <a:extLst>
+                <a:ext uri="{FF2B5EF4-FFF2-40B4-BE49-F238E27FC236}">
+                  <a16:creationId xmlns:a16="http://schemas.microsoft.com/office/drawing/2014/main" id="{EE0E56C0-5942-4B46-8C49-C55A9D2AB01C}"/>
+                </a:ext>
+              </a:extLst>
+            </p:cNvPr>
+            <p:cNvCxnSpPr/>
+            <p:nvPr/>
+          </p:nvCxnSpPr>
+          <p:spPr>
+            <a:xfrm flipH="1">
+              <a:off x="2186544" y="3193472"/>
+              <a:ext cx="1885455" cy="0"/>
+            </a:xfrm>
+            <a:prstGeom prst="straightConnector1">
+              <a:avLst/>
+            </a:prstGeom>
+            <a:ln w="38100">
+              <a:solidFill>
+                <a:schemeClr val="tx1"/>
+              </a:solidFill>
+              <a:tailEnd type="none"/>
+            </a:ln>
+          </p:spPr>
+          <p:style>
+            <a:lnRef idx="1">
+              <a:schemeClr val="accent1"/>
+            </a:lnRef>
+            <a:fillRef idx="0">
+              <a:schemeClr val="accent1"/>
+            </a:fillRef>
+            <a:effectRef idx="0">
+              <a:schemeClr val="accent1"/>
+            </a:effectRef>
+            <a:fontRef idx="minor">
+              <a:schemeClr val="tx1"/>
+            </a:fontRef>
+          </p:style>
+        </p:cxnSp>
+        <mc:AlternateContent xmlns:mc="http://schemas.openxmlformats.org/markup-compatibility/2006">
+          <mc:Choice xmlns:a14="http://schemas.microsoft.com/office/drawing/2010/main" Requires="a14">
+            <p:sp>
+              <p:nvSpPr>
+                <p:cNvPr id="10" name="文本框 9">
+                  <a:extLst>
+                    <a:ext uri="{FF2B5EF4-FFF2-40B4-BE49-F238E27FC236}">
+                      <a16:creationId xmlns:a16="http://schemas.microsoft.com/office/drawing/2014/main" id="{C3BC6A33-349A-4846-BA47-37F8DF99AD7A}"/>
+                    </a:ext>
+                  </a:extLst>
+                </p:cNvPr>
+                <p:cNvSpPr txBox="1"/>
+                <p:nvPr/>
+              </p:nvSpPr>
+              <p:spPr>
+                <a:xfrm>
+                  <a:off x="6733486" y="2978028"/>
+                  <a:ext cx="490967" cy="430887"/>
+                </a:xfrm>
+                <a:prstGeom prst="rect">
+                  <a:avLst/>
+                </a:prstGeom>
+                <a:noFill/>
+              </p:spPr>
+              <p:txBody>
+                <a:bodyPr wrap="none" lIns="0" tIns="0" rIns="0" bIns="0" rtlCol="0">
+                  <a:spAutoFit/>
+                </a:bodyPr>
+                <a:lstStyle/>
+                <a:p>
+                  <a:pPr/>
+                  <a14:m>
+                    <m:oMathPara xmlns:m="http://schemas.openxmlformats.org/officeDocument/2006/math">
+                      <m:oMathParaPr>
+                        <m:jc m:val="centerGroup"/>
+                      </m:oMathParaPr>
+                      <m:oMath xmlns:m="http://schemas.openxmlformats.org/officeDocument/2006/math">
+                        <m:sSub>
+                          <m:sSubPr>
+                            <m:ctrlPr>
+                              <a:rPr kumimoji="1" lang="en-US" altLang="zh-CN" sz="2800" b="1" i="1" smtClean="0">
+                                <a:latin typeface="Cambria Math" panose="02040503050406030204" pitchFamily="18" charset="0"/>
+                              </a:rPr>
+                            </m:ctrlPr>
+                          </m:sSubPr>
+                          <m:e>
+                            <m:r>
+                              <a:rPr kumimoji="1" lang="en-US" altLang="zh-CN" sz="2800" b="1" i="1">
+                                <a:latin typeface="Cambria Math" panose="02040503050406030204" pitchFamily="18" charset="0"/>
+                              </a:rPr>
+                              <m:t>𝒙</m:t>
+                            </m:r>
+                          </m:e>
+                          <m:sub>
+                            <m:r>
+                              <a:rPr kumimoji="1" lang="en-US" altLang="zh-CN" sz="2800" b="0" i="1" smtClean="0">
+                                <a:latin typeface="Cambria Math" panose="02040503050406030204" pitchFamily="18" charset="0"/>
+                              </a:rPr>
+                              <m:t>𝑎</m:t>
+                            </m:r>
+                          </m:sub>
+                        </m:sSub>
+                      </m:oMath>
+                    </m:oMathPara>
+                  </a14:m>
+                  <a:endParaRPr kumimoji="1" lang="zh-CN" altLang="en-US" sz="2800" b="1" dirty="0"/>
+                </a:p>
+              </p:txBody>
+            </p:sp>
+          </mc:Choice>
+          <mc:Fallback>
+            <p:sp>
+              <p:nvSpPr>
+                <p:cNvPr id="10" name="文本框 9">
+                  <a:extLst>
+                    <a:ext uri="{FF2B5EF4-FFF2-40B4-BE49-F238E27FC236}">
+                      <a16:creationId xmlns:a16="http://schemas.microsoft.com/office/drawing/2014/main" id="{C3BC6A33-349A-4846-BA47-37F8DF99AD7A}"/>
+                    </a:ext>
+                  </a:extLst>
+                </p:cNvPr>
+                <p:cNvSpPr txBox="1">
+                  <a:spLocks noRot="1" noChangeAspect="1" noMove="1" noResize="1" noEditPoints="1" noAdjustHandles="1" noChangeArrowheads="1" noChangeShapeType="1" noTextEdit="1"/>
+                </p:cNvSpPr>
+                <p:nvPr/>
+              </p:nvSpPr>
+              <p:spPr>
+                <a:xfrm>
+                  <a:off x="6733486" y="2978028"/>
+                  <a:ext cx="490967" cy="430887"/>
+                </a:xfrm>
+                <a:prstGeom prst="rect">
+                  <a:avLst/>
+                </a:prstGeom>
+                <a:blipFill>
+                  <a:blip r:embed="rId2"/>
+                  <a:stretch>
+                    <a:fillRect l="-10256" b="-8571"/>
+                  </a:stretch>
+                </a:blipFill>
+              </p:spPr>
+              <p:txBody>
+                <a:bodyPr/>
+                <a:lstStyle/>
+                <a:p>
+                  <a:r>
+                    <a:rPr lang="zh-CN" altLang="en-US">
+                      <a:noFill/>
+                    </a:rPr>
+                    <a:t> </a:t>
+                  </a:r>
+                </a:p>
+              </p:txBody>
+            </p:sp>
+          </mc:Fallback>
+        </mc:AlternateContent>
+        <mc:AlternateContent xmlns:mc="http://schemas.openxmlformats.org/markup-compatibility/2006">
+          <mc:Choice xmlns:a14="http://schemas.microsoft.com/office/drawing/2010/main" Requires="a14">
+            <p:sp>
+              <p:nvSpPr>
+                <p:cNvPr id="11" name="文本框 10">
+                  <a:extLst>
+                    <a:ext uri="{FF2B5EF4-FFF2-40B4-BE49-F238E27FC236}">
+                      <a16:creationId xmlns:a16="http://schemas.microsoft.com/office/drawing/2014/main" id="{0D3BD828-D77D-7648-BD06-F01513AB0D07}"/>
+                    </a:ext>
+                  </a:extLst>
+                </p:cNvPr>
+                <p:cNvSpPr txBox="1"/>
+                <p:nvPr/>
+              </p:nvSpPr>
+              <p:spPr>
+                <a:xfrm>
+                  <a:off x="4169157" y="2998113"/>
+                  <a:ext cx="411202" cy="430887"/>
+                </a:xfrm>
+                <a:prstGeom prst="rect">
+                  <a:avLst/>
+                </a:prstGeom>
+                <a:noFill/>
+              </p:spPr>
+              <p:txBody>
+                <a:bodyPr wrap="none" lIns="0" tIns="0" rIns="0" bIns="0" rtlCol="0">
+                  <a:spAutoFit/>
+                </a:bodyPr>
+                <a:lstStyle/>
+                <a:p>
+                  <a:pPr/>
+                  <a14:m>
+                    <m:oMathPara xmlns:m="http://schemas.openxmlformats.org/officeDocument/2006/math">
+                      <m:oMathParaPr>
+                        <m:jc m:val="centerGroup"/>
+                      </m:oMathParaPr>
+                      <m:oMath xmlns:m="http://schemas.openxmlformats.org/officeDocument/2006/math">
+                        <m:sSub>
+                          <m:sSubPr>
+                            <m:ctrlPr>
+                              <a:rPr kumimoji="1" lang="en-US" altLang="zh-CN" sz="2800" b="1" i="1" smtClean="0">
+                                <a:latin typeface="Cambria Math" panose="02040503050406030204" pitchFamily="18" charset="0"/>
+                              </a:rPr>
+                            </m:ctrlPr>
+                          </m:sSubPr>
+                          <m:e>
+                            <m:r>
+                              <a:rPr kumimoji="1" lang="en-US" altLang="zh-CN" sz="2800" b="0" i="1" smtClean="0">
+                                <a:latin typeface="Cambria Math" panose="02040503050406030204" pitchFamily="18" charset="0"/>
+                              </a:rPr>
+                              <m:t>𝑓</m:t>
+                            </m:r>
+                          </m:e>
+                          <m:sub>
+                            <m:r>
+                              <a:rPr kumimoji="1" lang="en-US" altLang="zh-CN" sz="2800" b="0" i="1" smtClean="0">
+                                <a:latin typeface="Cambria Math" panose="02040503050406030204" pitchFamily="18" charset="0"/>
+                              </a:rPr>
+                              <m:t>𝑎</m:t>
+                            </m:r>
+                          </m:sub>
+                        </m:sSub>
+                      </m:oMath>
+                    </m:oMathPara>
+                  </a14:m>
+                  <a:endParaRPr kumimoji="1" lang="zh-CN" altLang="en-US" sz="2800" b="1" dirty="0"/>
+                </a:p>
+              </p:txBody>
+            </p:sp>
+          </mc:Choice>
+          <mc:Fallback>
+            <p:sp>
+              <p:nvSpPr>
+                <p:cNvPr id="11" name="文本框 10">
+                  <a:extLst>
+                    <a:ext uri="{FF2B5EF4-FFF2-40B4-BE49-F238E27FC236}">
+                      <a16:creationId xmlns:a16="http://schemas.microsoft.com/office/drawing/2014/main" id="{0D3BD828-D77D-7648-BD06-F01513AB0D07}"/>
+                    </a:ext>
+                  </a:extLst>
+                </p:cNvPr>
+                <p:cNvSpPr txBox="1">
+                  <a:spLocks noRot="1" noChangeAspect="1" noMove="1" noResize="1" noEditPoints="1" noAdjustHandles="1" noChangeArrowheads="1" noChangeShapeType="1" noTextEdit="1"/>
+                </p:cNvSpPr>
+                <p:nvPr/>
+              </p:nvSpPr>
+              <p:spPr>
+                <a:xfrm>
+                  <a:off x="4169157" y="2998113"/>
+                  <a:ext cx="411202" cy="430887"/>
+                </a:xfrm>
+                <a:prstGeom prst="rect">
+                  <a:avLst/>
+                </a:prstGeom>
+                <a:blipFill>
+                  <a:blip r:embed="rId3"/>
+                  <a:stretch>
+                    <a:fillRect l="-27273" t="-2857" b="-31429"/>
+                  </a:stretch>
+                </a:blipFill>
+              </p:spPr>
+              <p:txBody>
+                <a:bodyPr/>
+                <a:lstStyle/>
+                <a:p>
+                  <a:r>
+                    <a:rPr lang="zh-CN" altLang="en-US">
+                      <a:noFill/>
+                    </a:rPr>
+                    <a:t> </a:t>
+                  </a:r>
+                </a:p>
+              </p:txBody>
+            </p:sp>
+          </mc:Fallback>
+        </mc:AlternateContent>
+        <mc:AlternateContent xmlns:mc="http://schemas.openxmlformats.org/markup-compatibility/2006">
+          <mc:Choice xmlns:a14="http://schemas.microsoft.com/office/drawing/2010/main" Requires="a14">
+            <p:sp>
+              <p:nvSpPr>
+                <p:cNvPr id="12" name="文本框 11">
+                  <a:extLst>
+                    <a:ext uri="{FF2B5EF4-FFF2-40B4-BE49-F238E27FC236}">
+                      <a16:creationId xmlns:a16="http://schemas.microsoft.com/office/drawing/2014/main" id="{F800A7F0-4798-A143-93CF-4B6B64546B61}"/>
+                    </a:ext>
+                  </a:extLst>
+                </p:cNvPr>
+                <p:cNvSpPr txBox="1"/>
+                <p:nvPr/>
+              </p:nvSpPr>
+              <p:spPr>
+                <a:xfrm>
+                  <a:off x="6326739" y="2180816"/>
+                  <a:ext cx="1298048" cy="369332"/>
+                </a:xfrm>
+                <a:prstGeom prst="rect">
+                  <a:avLst/>
+                </a:prstGeom>
+                <a:noFill/>
+              </p:spPr>
+              <p:txBody>
+                <a:bodyPr wrap="none" rtlCol="0">
+                  <a:spAutoFit/>
+                </a:bodyPr>
+                <a:lstStyle/>
+                <a:p>
+                  <a:r>
+                    <a:rPr kumimoji="1" lang="en-US" altLang="zh-CN" dirty="0"/>
+                    <a:t>Variables </a:t>
+                  </a:r>
+                  <a14:m>
+                    <m:oMath xmlns:m="http://schemas.openxmlformats.org/officeDocument/2006/math">
+                      <m:r>
+                        <a:rPr kumimoji="1" lang="en-US" altLang="zh-CN" b="1" i="1" smtClean="0">
+                          <a:latin typeface="Cambria Math" panose="02040503050406030204" pitchFamily="18" charset="0"/>
+                        </a:rPr>
+                        <m:t>𝑽</m:t>
+                      </m:r>
+                    </m:oMath>
+                  </a14:m>
+                  <a:endParaRPr kumimoji="1" lang="zh-CN" altLang="en-US" b="1" dirty="0"/>
+                </a:p>
+              </p:txBody>
+            </p:sp>
+          </mc:Choice>
+          <mc:Fallback>
+            <p:sp>
+              <p:nvSpPr>
+                <p:cNvPr id="12" name="文本框 11">
+                  <a:extLst>
+                    <a:ext uri="{FF2B5EF4-FFF2-40B4-BE49-F238E27FC236}">
+                      <a16:creationId xmlns:a16="http://schemas.microsoft.com/office/drawing/2014/main" id="{F800A7F0-4798-A143-93CF-4B6B64546B61}"/>
+                    </a:ext>
+                  </a:extLst>
+                </p:cNvPr>
+                <p:cNvSpPr txBox="1">
+                  <a:spLocks noRot="1" noChangeAspect="1" noMove="1" noResize="1" noEditPoints="1" noAdjustHandles="1" noChangeArrowheads="1" noChangeShapeType="1" noTextEdit="1"/>
+                </p:cNvSpPr>
+                <p:nvPr/>
+              </p:nvSpPr>
+              <p:spPr>
+                <a:xfrm>
+                  <a:off x="6326739" y="2180816"/>
+                  <a:ext cx="1298048" cy="369332"/>
+                </a:xfrm>
+                <a:prstGeom prst="rect">
+                  <a:avLst/>
+                </a:prstGeom>
+                <a:blipFill>
+                  <a:blip r:embed="rId4"/>
+                  <a:stretch>
+                    <a:fillRect l="-3883" t="-6452" b="-22581"/>
+                  </a:stretch>
+                </a:blipFill>
+              </p:spPr>
+              <p:txBody>
+                <a:bodyPr/>
+                <a:lstStyle/>
+                <a:p>
+                  <a:r>
+                    <a:rPr lang="zh-CN" altLang="en-US">
+                      <a:noFill/>
+                    </a:rPr>
+                    <a:t> </a:t>
+                  </a:r>
+                </a:p>
+              </p:txBody>
+            </p:sp>
+          </mc:Fallback>
+        </mc:AlternateContent>
+        <mc:AlternateContent xmlns:mc="http://schemas.openxmlformats.org/markup-compatibility/2006">
+          <mc:Choice xmlns:a14="http://schemas.microsoft.com/office/drawing/2010/main" Requires="a14">
+            <p:sp>
+              <p:nvSpPr>
+                <p:cNvPr id="13" name="文本框 12">
+                  <a:extLst>
+                    <a:ext uri="{FF2B5EF4-FFF2-40B4-BE49-F238E27FC236}">
+                      <a16:creationId xmlns:a16="http://schemas.microsoft.com/office/drawing/2014/main" id="{E656783F-909D-CF40-BA57-60ADE66DA404}"/>
+                    </a:ext>
+                  </a:extLst>
+                </p:cNvPr>
+                <p:cNvSpPr txBox="1"/>
+                <p:nvPr/>
+              </p:nvSpPr>
+              <p:spPr>
+                <a:xfrm>
+                  <a:off x="3839996" y="2180816"/>
+                  <a:ext cx="1063112" cy="369332"/>
+                </a:xfrm>
+                <a:prstGeom prst="rect">
+                  <a:avLst/>
+                </a:prstGeom>
+                <a:noFill/>
+              </p:spPr>
+              <p:txBody>
+                <a:bodyPr wrap="none" rtlCol="0">
+                  <a:spAutoFit/>
+                </a:bodyPr>
+                <a:lstStyle/>
+                <a:p>
+                  <a:r>
+                    <a:rPr kumimoji="1" lang="en-US" altLang="zh-CN" dirty="0"/>
+                    <a:t>factors </a:t>
+                  </a:r>
+                  <a14:m>
+                    <m:oMath xmlns:m="http://schemas.openxmlformats.org/officeDocument/2006/math">
+                      <m:r>
+                        <a:rPr kumimoji="1" lang="en-US" altLang="zh-CN" b="1" i="1" smtClean="0">
+                          <a:latin typeface="Cambria Math" panose="02040503050406030204" pitchFamily="18" charset="0"/>
+                        </a:rPr>
+                        <m:t>𝑭</m:t>
+                      </m:r>
+                    </m:oMath>
+                  </a14:m>
+                  <a:endParaRPr kumimoji="1" lang="zh-CN" altLang="en-US" b="1" dirty="0"/>
+                </a:p>
+              </p:txBody>
+            </p:sp>
+          </mc:Choice>
+          <mc:Fallback>
+            <p:sp>
+              <p:nvSpPr>
+                <p:cNvPr id="13" name="文本框 12">
+                  <a:extLst>
+                    <a:ext uri="{FF2B5EF4-FFF2-40B4-BE49-F238E27FC236}">
+                      <a16:creationId xmlns:a16="http://schemas.microsoft.com/office/drawing/2014/main" id="{E656783F-909D-CF40-BA57-60ADE66DA404}"/>
+                    </a:ext>
+                  </a:extLst>
+                </p:cNvPr>
+                <p:cNvSpPr txBox="1">
+                  <a:spLocks noRot="1" noChangeAspect="1" noMove="1" noResize="1" noEditPoints="1" noAdjustHandles="1" noChangeArrowheads="1" noChangeShapeType="1" noTextEdit="1"/>
+                </p:cNvSpPr>
+                <p:nvPr/>
+              </p:nvSpPr>
+              <p:spPr>
+                <a:xfrm>
+                  <a:off x="3839996" y="2180816"/>
+                  <a:ext cx="1063112" cy="369332"/>
+                </a:xfrm>
+                <a:prstGeom prst="rect">
+                  <a:avLst/>
+                </a:prstGeom>
+                <a:blipFill>
+                  <a:blip r:embed="rId5"/>
+                  <a:stretch>
+                    <a:fillRect l="-4762" t="-6452" b="-22581"/>
+                  </a:stretch>
+                </a:blipFill>
+              </p:spPr>
+              <p:txBody>
+                <a:bodyPr/>
+                <a:lstStyle/>
+                <a:p>
+                  <a:r>
+                    <a:rPr lang="zh-CN" altLang="en-US">
+                      <a:noFill/>
+                    </a:rPr>
+                    <a:t> </a:t>
+                  </a:r>
+                </a:p>
+              </p:txBody>
+            </p:sp>
+          </mc:Fallback>
+        </mc:AlternateContent>
+        <mc:AlternateContent xmlns:mc="http://schemas.openxmlformats.org/markup-compatibility/2006">
+          <mc:Choice xmlns:a14="http://schemas.microsoft.com/office/drawing/2010/main" Requires="a14">
+            <p:sp>
+              <p:nvSpPr>
+                <p:cNvPr id="14" name="文本框 13">
+                  <a:extLst>
+                    <a:ext uri="{FF2B5EF4-FFF2-40B4-BE49-F238E27FC236}">
+                      <a16:creationId xmlns:a16="http://schemas.microsoft.com/office/drawing/2014/main" id="{A6E82172-7565-FA4B-8BD0-D6CF4F78D345}"/>
+                    </a:ext>
+                  </a:extLst>
+                </p:cNvPr>
+                <p:cNvSpPr txBox="1"/>
+                <p:nvPr/>
+              </p:nvSpPr>
+              <p:spPr>
+                <a:xfrm>
+                  <a:off x="1198083" y="2186408"/>
+                  <a:ext cx="1298048" cy="369332"/>
+                </a:xfrm>
+                <a:prstGeom prst="rect">
+                  <a:avLst/>
+                </a:prstGeom>
+                <a:noFill/>
+              </p:spPr>
+              <p:txBody>
+                <a:bodyPr wrap="none" rtlCol="0">
+                  <a:spAutoFit/>
+                </a:bodyPr>
+                <a:lstStyle/>
+                <a:p>
+                  <a:r>
+                    <a:rPr kumimoji="1" lang="en-US" altLang="zh-CN" dirty="0"/>
+                    <a:t>Variables </a:t>
+                  </a:r>
+                  <a14:m>
+                    <m:oMath xmlns:m="http://schemas.openxmlformats.org/officeDocument/2006/math">
+                      <m:r>
+                        <a:rPr kumimoji="1" lang="en-US" altLang="zh-CN" b="1" i="1" smtClean="0">
+                          <a:latin typeface="Cambria Math" panose="02040503050406030204" pitchFamily="18" charset="0"/>
+                        </a:rPr>
+                        <m:t>𝑽</m:t>
+                      </m:r>
+                    </m:oMath>
+                  </a14:m>
+                  <a:endParaRPr kumimoji="1" lang="zh-CN" altLang="en-US" b="1" dirty="0"/>
+                </a:p>
+              </p:txBody>
+            </p:sp>
+          </mc:Choice>
+          <mc:Fallback>
+            <p:sp>
+              <p:nvSpPr>
+                <p:cNvPr id="14" name="文本框 13">
+                  <a:extLst>
+                    <a:ext uri="{FF2B5EF4-FFF2-40B4-BE49-F238E27FC236}">
+                      <a16:creationId xmlns:a16="http://schemas.microsoft.com/office/drawing/2014/main" id="{A6E82172-7565-FA4B-8BD0-D6CF4F78D345}"/>
+                    </a:ext>
+                  </a:extLst>
+                </p:cNvPr>
+                <p:cNvSpPr txBox="1">
+                  <a:spLocks noRot="1" noChangeAspect="1" noMove="1" noResize="1" noEditPoints="1" noAdjustHandles="1" noChangeArrowheads="1" noChangeShapeType="1" noTextEdit="1"/>
+                </p:cNvSpPr>
+                <p:nvPr/>
+              </p:nvSpPr>
+              <p:spPr>
+                <a:xfrm>
+                  <a:off x="1198083" y="2186408"/>
+                  <a:ext cx="1298048" cy="369332"/>
+                </a:xfrm>
+                <a:prstGeom prst="rect">
+                  <a:avLst/>
+                </a:prstGeom>
+                <a:blipFill>
+                  <a:blip r:embed="rId6"/>
+                  <a:stretch>
+                    <a:fillRect l="-3883" t="-6667" b="-26667"/>
+                  </a:stretch>
+                </a:blipFill>
+              </p:spPr>
+              <p:txBody>
+                <a:bodyPr/>
+                <a:lstStyle/>
+                <a:p>
+                  <a:r>
+                    <a:rPr lang="zh-CN" altLang="en-US">
+                      <a:noFill/>
+                    </a:rPr>
+                    <a:t> </a:t>
+                  </a:r>
+                </a:p>
+              </p:txBody>
+            </p:sp>
+          </mc:Fallback>
+        </mc:AlternateContent>
+        <mc:AlternateContent xmlns:mc="http://schemas.openxmlformats.org/markup-compatibility/2006">
+          <mc:Choice xmlns:a14="http://schemas.microsoft.com/office/drawing/2010/main" Requires="a14">
+            <p:sp>
+              <p:nvSpPr>
+                <p:cNvPr id="15" name="文本框 14">
+                  <a:extLst>
+                    <a:ext uri="{FF2B5EF4-FFF2-40B4-BE49-F238E27FC236}">
+                      <a16:creationId xmlns:a16="http://schemas.microsoft.com/office/drawing/2014/main" id="{2B5FAAA6-77CD-1E40-A1BC-B9E82D7E1EB1}"/>
+                    </a:ext>
+                  </a:extLst>
+                </p:cNvPr>
+                <p:cNvSpPr txBox="1"/>
+                <p:nvPr/>
+              </p:nvSpPr>
+              <p:spPr>
+                <a:xfrm>
+                  <a:off x="1613526" y="2978027"/>
+                  <a:ext cx="490967" cy="430887"/>
+                </a:xfrm>
+                <a:prstGeom prst="rect">
+                  <a:avLst/>
+                </a:prstGeom>
+                <a:noFill/>
+              </p:spPr>
+              <p:txBody>
+                <a:bodyPr wrap="none" lIns="0" tIns="0" rIns="0" bIns="0" rtlCol="0">
+                  <a:spAutoFit/>
+                </a:bodyPr>
+                <a:lstStyle/>
+                <a:p>
+                  <a:pPr/>
+                  <a14:m>
+                    <m:oMathPara xmlns:m="http://schemas.openxmlformats.org/officeDocument/2006/math">
+                      <m:oMathParaPr>
+                        <m:jc m:val="centerGroup"/>
+                      </m:oMathParaPr>
+                      <m:oMath xmlns:m="http://schemas.openxmlformats.org/officeDocument/2006/math">
+                        <m:sSub>
+                          <m:sSubPr>
+                            <m:ctrlPr>
+                              <a:rPr kumimoji="1" lang="en-US" altLang="zh-CN" sz="2800" b="1" i="1" smtClean="0">
+                                <a:latin typeface="Cambria Math" panose="02040503050406030204" pitchFamily="18" charset="0"/>
+                              </a:rPr>
+                            </m:ctrlPr>
+                          </m:sSubPr>
+                          <m:e>
+                            <m:r>
+                              <a:rPr kumimoji="1" lang="en-US" altLang="zh-CN" sz="2800" b="1" i="1">
+                                <a:latin typeface="Cambria Math" panose="02040503050406030204" pitchFamily="18" charset="0"/>
+                              </a:rPr>
+                              <m:t>𝒙</m:t>
+                            </m:r>
+                          </m:e>
+                          <m:sub>
+                            <m:r>
+                              <a:rPr kumimoji="1" lang="en-US" altLang="zh-CN" sz="2800" b="0" i="1" smtClean="0">
+                                <a:latin typeface="Cambria Math" panose="02040503050406030204" pitchFamily="18" charset="0"/>
+                              </a:rPr>
+                              <m:t>𝑎</m:t>
+                            </m:r>
+                          </m:sub>
+                        </m:sSub>
+                      </m:oMath>
+                    </m:oMathPara>
+                  </a14:m>
+                  <a:endParaRPr kumimoji="1" lang="zh-CN" altLang="en-US" sz="2800" b="1" dirty="0"/>
+                </a:p>
+              </p:txBody>
+            </p:sp>
+          </mc:Choice>
+          <mc:Fallback>
+            <p:sp>
+              <p:nvSpPr>
+                <p:cNvPr id="15" name="文本框 14">
+                  <a:extLst>
+                    <a:ext uri="{FF2B5EF4-FFF2-40B4-BE49-F238E27FC236}">
+                      <a16:creationId xmlns:a16="http://schemas.microsoft.com/office/drawing/2014/main" id="{2B5FAAA6-77CD-1E40-A1BC-B9E82D7E1EB1}"/>
+                    </a:ext>
+                  </a:extLst>
+                </p:cNvPr>
+                <p:cNvSpPr txBox="1">
+                  <a:spLocks noRot="1" noChangeAspect="1" noMove="1" noResize="1" noEditPoints="1" noAdjustHandles="1" noChangeArrowheads="1" noChangeShapeType="1" noTextEdit="1"/>
+                </p:cNvSpPr>
+                <p:nvPr/>
+              </p:nvSpPr>
+              <p:spPr>
+                <a:xfrm>
+                  <a:off x="1613526" y="2978027"/>
+                  <a:ext cx="490967" cy="430887"/>
+                </a:xfrm>
+                <a:prstGeom prst="rect">
+                  <a:avLst/>
+                </a:prstGeom>
+                <a:blipFill>
+                  <a:blip r:embed="rId7"/>
+                  <a:stretch>
+                    <a:fillRect l="-10256" b="-8571"/>
+                  </a:stretch>
+                </a:blipFill>
+              </p:spPr>
+              <p:txBody>
+                <a:bodyPr/>
+                <a:lstStyle/>
+                <a:p>
+                  <a:r>
+                    <a:rPr lang="zh-CN" altLang="en-US">
+                      <a:noFill/>
+                    </a:rPr>
+                    <a:t> </a:t>
+                  </a:r>
+                </a:p>
+              </p:txBody>
+            </p:sp>
+          </mc:Fallback>
+        </mc:AlternateContent>
+        <mc:AlternateContent xmlns:mc="http://schemas.openxmlformats.org/markup-compatibility/2006">
+          <mc:Choice xmlns:a14="http://schemas.microsoft.com/office/drawing/2010/main" Requires="a14">
+            <p:sp>
+              <p:nvSpPr>
+                <p:cNvPr id="16" name="文本框 15">
+                  <a:extLst>
+                    <a:ext uri="{FF2B5EF4-FFF2-40B4-BE49-F238E27FC236}">
+                      <a16:creationId xmlns:a16="http://schemas.microsoft.com/office/drawing/2014/main" id="{F7EE5879-3627-B646-85EF-715C89D970A7}"/>
+                    </a:ext>
+                  </a:extLst>
+                </p:cNvPr>
+                <p:cNvSpPr txBox="1"/>
+                <p:nvPr/>
+              </p:nvSpPr>
+              <p:spPr>
+                <a:xfrm>
+                  <a:off x="3332613" y="3563944"/>
+                  <a:ext cx="1570495" cy="369332"/>
+                </a:xfrm>
+                <a:prstGeom prst="rect">
+                  <a:avLst/>
+                </a:prstGeom>
+                <a:noFill/>
+              </p:spPr>
+              <p:txBody>
+                <a:bodyPr wrap="none" rtlCol="0">
+                  <a:spAutoFit/>
+                </a:bodyPr>
+                <a:lstStyle/>
+                <a:p>
+                  <a:r>
+                    <a:rPr kumimoji="1" lang="en-US" altLang="zh-CN" dirty="0"/>
+                    <a:t>Factor node </a:t>
+                  </a:r>
+                  <a14:m>
+                    <m:oMath xmlns:m="http://schemas.openxmlformats.org/officeDocument/2006/math">
+                      <m:r>
+                        <a:rPr kumimoji="1" lang="en-US" altLang="zh-CN" b="0" i="1" smtClean="0">
+                          <a:latin typeface="Cambria Math" panose="02040503050406030204" pitchFamily="18" charset="0"/>
+                        </a:rPr>
+                        <m:t>𝑎</m:t>
+                      </m:r>
+                    </m:oMath>
+                  </a14:m>
+                  <a:endParaRPr kumimoji="1" lang="zh-CN" altLang="en-US" dirty="0"/>
+                </a:p>
+              </p:txBody>
+            </p:sp>
+          </mc:Choice>
+          <mc:Fallback>
+            <p:sp>
+              <p:nvSpPr>
+                <p:cNvPr id="16" name="文本框 15">
+                  <a:extLst>
+                    <a:ext uri="{FF2B5EF4-FFF2-40B4-BE49-F238E27FC236}">
+                      <a16:creationId xmlns:a16="http://schemas.microsoft.com/office/drawing/2014/main" id="{F7EE5879-3627-B646-85EF-715C89D970A7}"/>
+                    </a:ext>
+                  </a:extLst>
+                </p:cNvPr>
+                <p:cNvSpPr txBox="1">
+                  <a:spLocks noRot="1" noChangeAspect="1" noMove="1" noResize="1" noEditPoints="1" noAdjustHandles="1" noChangeArrowheads="1" noChangeShapeType="1" noTextEdit="1"/>
+                </p:cNvSpPr>
+                <p:nvPr/>
+              </p:nvSpPr>
+              <p:spPr>
+                <a:xfrm>
+                  <a:off x="3332613" y="3563944"/>
+                  <a:ext cx="1570495" cy="369332"/>
+                </a:xfrm>
+                <a:prstGeom prst="rect">
+                  <a:avLst/>
+                </a:prstGeom>
+                <a:blipFill>
+                  <a:blip r:embed="rId8"/>
+                  <a:stretch>
+                    <a:fillRect l="-3226" t="-6667" b="-26667"/>
+                  </a:stretch>
+                </a:blipFill>
+              </p:spPr>
+              <p:txBody>
+                <a:bodyPr/>
+                <a:lstStyle/>
+                <a:p>
+                  <a:r>
+                    <a:rPr lang="zh-CN" altLang="en-US">
+                      <a:noFill/>
+                    </a:rPr>
+                    <a:t> </a:t>
+                  </a:r>
+                </a:p>
+              </p:txBody>
+            </p:sp>
+          </mc:Fallback>
+        </mc:AlternateContent>
+        <mc:AlternateContent xmlns:mc="http://schemas.openxmlformats.org/markup-compatibility/2006">
+          <mc:Choice xmlns:a14="http://schemas.microsoft.com/office/drawing/2010/main" Requires="a14">
+            <p:sp>
+              <p:nvSpPr>
+                <p:cNvPr id="17" name="文本框 16">
+                  <a:extLst>
+                    <a:ext uri="{FF2B5EF4-FFF2-40B4-BE49-F238E27FC236}">
+                      <a16:creationId xmlns:a16="http://schemas.microsoft.com/office/drawing/2014/main" id="{EC4353B3-2B23-B94E-AAFF-98EC4CB56D72}"/>
+                    </a:ext>
+                  </a:extLst>
+                </p:cNvPr>
+                <p:cNvSpPr txBox="1"/>
+                <p:nvPr/>
+              </p:nvSpPr>
+              <p:spPr>
+                <a:xfrm>
+                  <a:off x="1677981" y="4363539"/>
+                  <a:ext cx="3023585" cy="646331"/>
+                </a:xfrm>
+                <a:prstGeom prst="rect">
+                  <a:avLst/>
+                </a:prstGeom>
+                <a:noFill/>
+              </p:spPr>
+              <p:txBody>
+                <a:bodyPr wrap="none" rtlCol="0">
+                  <a:spAutoFit/>
+                </a:bodyPr>
+                <a:lstStyle/>
+                <a:p>
+                  <a:r>
+                    <a:rPr kumimoji="1" lang="en" altLang="zh-CN" dirty="0"/>
+                    <a:t>neighboring variable nodes </a:t>
+                  </a:r>
+                </a:p>
+                <a:p>
+                  <a:r>
+                    <a:rPr kumimoji="1" lang="en" altLang="zh-CN" dirty="0"/>
+                    <a:t>to the factor node </a:t>
+                  </a:r>
+                  <a14:m>
+                    <m:oMath xmlns:m="http://schemas.openxmlformats.org/officeDocument/2006/math">
+                      <m:r>
+                        <a:rPr kumimoji="1" lang="en-US" altLang="zh-CN" i="1">
+                          <a:latin typeface="Cambria Math" panose="02040503050406030204" pitchFamily="18" charset="0"/>
+                        </a:rPr>
+                        <m:t>𝑎</m:t>
+                      </m:r>
+                    </m:oMath>
+                  </a14:m>
+                  <a:endParaRPr kumimoji="1" lang="zh-CN" altLang="en-US" dirty="0"/>
+                </a:p>
+              </p:txBody>
+            </p:sp>
+          </mc:Choice>
+          <mc:Fallback>
+            <p:sp>
+              <p:nvSpPr>
+                <p:cNvPr id="17" name="文本框 16">
+                  <a:extLst>
+                    <a:ext uri="{FF2B5EF4-FFF2-40B4-BE49-F238E27FC236}">
+                      <a16:creationId xmlns:a16="http://schemas.microsoft.com/office/drawing/2014/main" id="{EC4353B3-2B23-B94E-AAFF-98EC4CB56D72}"/>
+                    </a:ext>
+                  </a:extLst>
+                </p:cNvPr>
+                <p:cNvSpPr txBox="1">
+                  <a:spLocks noRot="1" noChangeAspect="1" noMove="1" noResize="1" noEditPoints="1" noAdjustHandles="1" noChangeArrowheads="1" noChangeShapeType="1" noTextEdit="1"/>
+                </p:cNvSpPr>
+                <p:nvPr/>
+              </p:nvSpPr>
+              <p:spPr>
+                <a:xfrm>
+                  <a:off x="1677981" y="4363539"/>
+                  <a:ext cx="3023585" cy="646331"/>
+                </a:xfrm>
+                <a:prstGeom prst="rect">
+                  <a:avLst/>
+                </a:prstGeom>
+                <a:blipFill>
+                  <a:blip r:embed="rId9"/>
+                  <a:stretch>
+                    <a:fillRect l="-1255" t="-3846" b="-13462"/>
+                  </a:stretch>
+                </a:blipFill>
+              </p:spPr>
+              <p:txBody>
+                <a:bodyPr/>
+                <a:lstStyle/>
+                <a:p>
+                  <a:r>
+                    <a:rPr lang="zh-CN" altLang="en-US">
+                      <a:noFill/>
+                    </a:rPr>
+                    <a:t> </a:t>
+                  </a:r>
+                </a:p>
+              </p:txBody>
+            </p:sp>
+          </mc:Fallback>
+        </mc:AlternateContent>
+        <p:cxnSp>
+          <p:nvCxnSpPr>
+            <p:cNvPr id="19" name="直线箭头连接符 18">
+              <a:extLst>
+                <a:ext uri="{FF2B5EF4-FFF2-40B4-BE49-F238E27FC236}">
+                  <a16:creationId xmlns:a16="http://schemas.microsoft.com/office/drawing/2014/main" id="{D69472A0-A279-DC4B-ABCC-225F30495FE7}"/>
+                </a:ext>
+              </a:extLst>
+            </p:cNvPr>
+            <p:cNvCxnSpPr>
+              <a:stCxn id="17" idx="1"/>
+              <a:endCxn id="5" idx="5"/>
+            </p:cNvCxnSpPr>
+            <p:nvPr/>
+          </p:nvCxnSpPr>
+          <p:spPr>
+            <a:xfrm flipV="1">
+              <a:off x="1677981" y="3433490"/>
+              <a:ext cx="409144" cy="1253215"/>
+            </a:xfrm>
+            <a:prstGeom prst="straightConnector1">
+              <a:avLst/>
+            </a:prstGeom>
+            <a:ln w="38100">
+              <a:solidFill>
+                <a:schemeClr val="tx1"/>
+              </a:solidFill>
+              <a:prstDash val="sysDot"/>
+              <a:tailEnd type="triangle"/>
+            </a:ln>
+          </p:spPr>
+          <p:style>
+            <a:lnRef idx="1">
+              <a:schemeClr val="accent1"/>
+            </a:lnRef>
+            <a:fillRef idx="0">
+              <a:schemeClr val="accent1"/>
+            </a:fillRef>
+            <a:effectRef idx="0">
+              <a:schemeClr val="accent1"/>
+            </a:effectRef>
+            <a:fontRef idx="minor">
+              <a:schemeClr val="tx1"/>
+            </a:fontRef>
+          </p:style>
+        </p:cxnSp>
+        <p:cxnSp>
+          <p:nvCxnSpPr>
+            <p:cNvPr id="21" name="直线箭头连接符 20">
+              <a:extLst>
+                <a:ext uri="{FF2B5EF4-FFF2-40B4-BE49-F238E27FC236}">
+                  <a16:creationId xmlns:a16="http://schemas.microsoft.com/office/drawing/2014/main" id="{828EB230-7ABC-0046-A933-C97583E792FD}"/>
+                </a:ext>
+              </a:extLst>
+            </p:cNvPr>
+            <p:cNvCxnSpPr>
+              <a:stCxn id="17" idx="3"/>
+              <a:endCxn id="4" idx="3"/>
+            </p:cNvCxnSpPr>
+            <p:nvPr/>
+          </p:nvCxnSpPr>
+          <p:spPr>
+            <a:xfrm flipV="1">
+              <a:off x="4701566" y="3433490"/>
+              <a:ext cx="2034180" cy="1253215"/>
+            </a:xfrm>
+            <a:prstGeom prst="straightConnector1">
+              <a:avLst/>
+            </a:prstGeom>
+            <a:ln w="38100">
+              <a:solidFill>
+                <a:schemeClr val="tx1"/>
+              </a:solidFill>
+              <a:prstDash val="sysDot"/>
+              <a:tailEnd type="triangle"/>
+            </a:ln>
+          </p:spPr>
+          <p:style>
+            <a:lnRef idx="1">
+              <a:schemeClr val="accent1"/>
+            </a:lnRef>
+            <a:fillRef idx="0">
+              <a:schemeClr val="accent1"/>
+            </a:fillRef>
+            <a:effectRef idx="0">
+              <a:schemeClr val="accent1"/>
+            </a:effectRef>
+            <a:fontRef idx="minor">
+              <a:schemeClr val="tx1"/>
+            </a:fontRef>
+          </p:style>
+        </p:cxnSp>
+        <mc:AlternateContent xmlns:mc="http://schemas.openxmlformats.org/markup-compatibility/2006">
+          <mc:Choice xmlns:a14="http://schemas.microsoft.com/office/drawing/2010/main" Requires="a14">
+            <p:sp>
+              <p:nvSpPr>
+                <p:cNvPr id="26" name="文本框 25">
+                  <a:extLst>
+                    <a:ext uri="{FF2B5EF4-FFF2-40B4-BE49-F238E27FC236}">
+                      <a16:creationId xmlns:a16="http://schemas.microsoft.com/office/drawing/2014/main" id="{7E77C45B-4E9B-7D48-8129-87F330EB3D1D}"/>
+                    </a:ext>
+                  </a:extLst>
+                </p:cNvPr>
+                <p:cNvSpPr txBox="1"/>
+                <p:nvPr/>
+              </p:nvSpPr>
+              <p:spPr>
+                <a:xfrm>
+                  <a:off x="1398556" y="5193226"/>
+                  <a:ext cx="2972996" cy="839204"/>
+                </a:xfrm>
+                <a:prstGeom prst="rect">
+                  <a:avLst/>
+                </a:prstGeom>
+                <a:noFill/>
+              </p:spPr>
+              <p:txBody>
+                <a:bodyPr wrap="square">
+                  <a:spAutoFit/>
+                </a:bodyPr>
+                <a:lstStyle/>
+                <a:p>
+                  <a:pPr/>
+                  <a14:m>
+                    <m:oMathPara xmlns:m="http://schemas.openxmlformats.org/officeDocument/2006/math">
+                      <m:oMathParaPr>
+                        <m:jc m:val="centerGroup"/>
+                      </m:oMathParaPr>
+                      <m:oMath xmlns:m="http://schemas.openxmlformats.org/officeDocument/2006/math">
+                        <m:r>
+                          <a:rPr lang="zh-CN" altLang="en-US" sz="2000" i="1" smtClean="0">
+                            <a:latin typeface="Cambria Math" panose="02040503050406030204" pitchFamily="18" charset="0"/>
+                          </a:rPr>
+                          <m:t>𝑝</m:t>
+                        </m:r>
+                        <m:d>
+                          <m:dPr>
+                            <m:ctrlPr>
+                              <a:rPr lang="zh-CN" altLang="en-US" sz="2000" i="1">
+                                <a:latin typeface="Cambria Math" panose="02040503050406030204" pitchFamily="18" charset="0"/>
+                              </a:rPr>
+                            </m:ctrlPr>
+                          </m:dPr>
+                          <m:e>
+                            <m:r>
+                              <a:rPr lang="zh-CN" altLang="en-US" sz="2000" b="1" i="0">
+                                <a:latin typeface="Cambria Math" panose="02040503050406030204" pitchFamily="18" charset="0"/>
+                              </a:rPr>
+                              <m:t>𝐱</m:t>
+                            </m:r>
+                          </m:e>
+                        </m:d>
+                        <m:r>
+                          <a:rPr lang="zh-CN" altLang="en-US" sz="2000" b="0" i="0">
+                            <a:latin typeface="Cambria Math" panose="02040503050406030204" pitchFamily="18" charset="0"/>
+                          </a:rPr>
+                          <m:t>=</m:t>
+                        </m:r>
+                        <m:nary>
+                          <m:naryPr>
+                            <m:chr m:val="∏"/>
+                            <m:limLoc m:val="undOvr"/>
+                            <m:grow m:val="on"/>
+                            <m:supHide m:val="on"/>
+                            <m:ctrlPr>
+                              <a:rPr lang="zh-CN" altLang="en-US" sz="2000" b="0" i="1">
+                                <a:latin typeface="Cambria Math" panose="02040503050406030204" pitchFamily="18" charset="0"/>
+                              </a:rPr>
+                            </m:ctrlPr>
+                          </m:naryPr>
+                          <m:sub>
+                            <m:r>
+                              <a:rPr lang="zh-CN" altLang="en-US" sz="2000" b="0" i="1">
+                                <a:latin typeface="Cambria Math" panose="02040503050406030204" pitchFamily="18" charset="0"/>
+                              </a:rPr>
+                              <m:t>𝑎</m:t>
+                            </m:r>
+                            <m:r>
+                              <a:rPr lang="zh-CN" altLang="en-US" sz="2000" b="0" i="0">
+                                <a:latin typeface="Cambria Math" panose="02040503050406030204" pitchFamily="18" charset="0"/>
+                              </a:rPr>
+                              <m:t>∈</m:t>
+                            </m:r>
+                            <m:r>
+                              <a:rPr lang="zh-CN" altLang="en-US" sz="2000" b="0" i="1">
+                                <a:latin typeface="Cambria Math" panose="02040503050406030204" pitchFamily="18" charset="0"/>
+                              </a:rPr>
+                              <m:t>𝐹</m:t>
+                            </m:r>
+                          </m:sub>
+                          <m:sup/>
+                          <m:e>
+                            <m:r>
+                              <a:rPr lang="zh-CN" altLang="en-US" sz="2000" b="0" i="0">
+                                <a:latin typeface="Cambria Math" panose="02040503050406030204" pitchFamily="18" charset="0"/>
+                              </a:rPr>
+                              <m:t> </m:t>
+                            </m:r>
+                          </m:e>
+                        </m:nary>
+                        <m:sSub>
+                          <m:sSubPr>
+                            <m:ctrlPr>
+                              <a:rPr lang="zh-CN" altLang="en-US" sz="2000" b="0" i="1">
+                                <a:solidFill>
+                                  <a:srgbClr val="836967"/>
+                                </a:solidFill>
+                                <a:latin typeface="Cambria Math" panose="02040503050406030204" pitchFamily="18" charset="0"/>
+                              </a:rPr>
+                            </m:ctrlPr>
+                          </m:sSubPr>
+                          <m:e>
+                            <m:r>
+                              <a:rPr lang="zh-CN" altLang="en-US" sz="2000" b="0" i="1">
+                                <a:latin typeface="Cambria Math" panose="02040503050406030204" pitchFamily="18" charset="0"/>
+                              </a:rPr>
+                              <m:t>𝑓</m:t>
+                            </m:r>
+                          </m:e>
+                          <m:sub>
+                            <m:r>
+                              <a:rPr lang="zh-CN" altLang="en-US" sz="2000" b="0" i="1">
+                                <a:latin typeface="Cambria Math" panose="02040503050406030204" pitchFamily="18" charset="0"/>
+                              </a:rPr>
+                              <m:t>𝑎</m:t>
+                            </m:r>
+                          </m:sub>
+                        </m:sSub>
+                        <m:d>
+                          <m:dPr>
+                            <m:ctrlPr>
+                              <a:rPr lang="zh-CN" altLang="en-US" sz="2000" b="0" i="1">
+                                <a:solidFill>
+                                  <a:srgbClr val="836967"/>
+                                </a:solidFill>
+                                <a:latin typeface="Cambria Math" panose="02040503050406030204" pitchFamily="18" charset="0"/>
+                              </a:rPr>
+                            </m:ctrlPr>
+                          </m:dPr>
+                          <m:e>
+                            <m:sSub>
+                              <m:sSubPr>
+                                <m:ctrlPr>
+                                  <a:rPr lang="zh-CN" altLang="en-US" sz="2000" b="0" i="1">
+                                    <a:solidFill>
+                                      <a:srgbClr val="836967"/>
+                                    </a:solidFill>
+                                    <a:latin typeface="Cambria Math" panose="02040503050406030204" pitchFamily="18" charset="0"/>
+                                  </a:rPr>
+                                </m:ctrlPr>
+                              </m:sSubPr>
+                              <m:e>
+                                <m:r>
+                                  <a:rPr lang="zh-CN" altLang="en-US" sz="2000" b="1" i="0">
+                                    <a:latin typeface="Cambria Math" panose="02040503050406030204" pitchFamily="18" charset="0"/>
+                                  </a:rPr>
+                                  <m:t>𝐱</m:t>
+                                </m:r>
+                              </m:e>
+                              <m:sub>
+                                <m:r>
+                                  <a:rPr lang="zh-CN" altLang="en-US" sz="2000" b="0" i="1">
+                                    <a:latin typeface="Cambria Math" panose="02040503050406030204" pitchFamily="18" charset="0"/>
+                                  </a:rPr>
+                                  <m:t>𝑎</m:t>
+                                </m:r>
+                              </m:sub>
+                            </m:sSub>
+                          </m:e>
+                        </m:d>
+                      </m:oMath>
+                    </m:oMathPara>
+                  </a14:m>
+                  <a:endParaRPr lang="zh-CN" altLang="en-US" sz="2000" dirty="0"/>
+                </a:p>
+              </p:txBody>
+            </p:sp>
+          </mc:Choice>
+          <mc:Fallback>
+            <p:sp>
+              <p:nvSpPr>
+                <p:cNvPr id="26" name="文本框 25">
+                  <a:extLst>
+                    <a:ext uri="{FF2B5EF4-FFF2-40B4-BE49-F238E27FC236}">
+                      <a16:creationId xmlns:a16="http://schemas.microsoft.com/office/drawing/2014/main" id="{7E77C45B-4E9B-7D48-8129-87F330EB3D1D}"/>
+                    </a:ext>
+                  </a:extLst>
+                </p:cNvPr>
+                <p:cNvSpPr txBox="1">
+                  <a:spLocks noRot="1" noChangeAspect="1" noMove="1" noResize="1" noEditPoints="1" noAdjustHandles="1" noChangeArrowheads="1" noChangeShapeType="1" noTextEdit="1"/>
+                </p:cNvSpPr>
+                <p:nvPr/>
+              </p:nvSpPr>
+              <p:spPr>
+                <a:xfrm>
+                  <a:off x="1398556" y="5193226"/>
+                  <a:ext cx="2972996" cy="839204"/>
+                </a:xfrm>
+                <a:prstGeom prst="rect">
+                  <a:avLst/>
+                </a:prstGeom>
+                <a:blipFill>
+                  <a:blip r:embed="rId10"/>
+                  <a:stretch>
+                    <a:fillRect t="-122059" b="-170588"/>
+                  </a:stretch>
+                </a:blipFill>
+              </p:spPr>
+              <p:txBody>
+                <a:bodyPr/>
+                <a:lstStyle/>
+                <a:p>
+                  <a:r>
+                    <a:rPr lang="zh-CN" altLang="en-US">
+                      <a:noFill/>
+                    </a:rPr>
+                    <a:t> </a:t>
+                  </a:r>
+                </a:p>
+              </p:txBody>
+            </p:sp>
+          </mc:Fallback>
+        </mc:AlternateContent>
+        <p:cxnSp>
+          <p:nvCxnSpPr>
+            <p:cNvPr id="28" name="直线箭头连接符 27">
+              <a:extLst>
+                <a:ext uri="{FF2B5EF4-FFF2-40B4-BE49-F238E27FC236}">
+                  <a16:creationId xmlns:a16="http://schemas.microsoft.com/office/drawing/2014/main" id="{BCC73F43-112A-804E-B55A-78A8A75F00C9}"/>
+                </a:ext>
+              </a:extLst>
+            </p:cNvPr>
+            <p:cNvCxnSpPr/>
+            <p:nvPr/>
+          </p:nvCxnSpPr>
+          <p:spPr>
+            <a:xfrm>
+              <a:off x="4903108" y="3009398"/>
+              <a:ext cx="1588127" cy="0"/>
+            </a:xfrm>
+            <a:prstGeom prst="straightConnector1">
+              <a:avLst/>
+            </a:prstGeom>
+            <a:ln w="38100">
+              <a:solidFill>
+                <a:srgbClr val="FF0000"/>
+              </a:solidFill>
+              <a:prstDash val="sysDot"/>
+              <a:tailEnd type="triangle"/>
+            </a:ln>
+          </p:spPr>
+          <p:style>
+            <a:lnRef idx="1">
+              <a:schemeClr val="accent1"/>
+            </a:lnRef>
+            <a:fillRef idx="0">
+              <a:schemeClr val="accent1"/>
+            </a:fillRef>
+            <a:effectRef idx="0">
+              <a:schemeClr val="accent1"/>
+            </a:effectRef>
+            <a:fontRef idx="minor">
+              <a:schemeClr val="tx1"/>
+            </a:fontRef>
+          </p:style>
+        </p:cxnSp>
+        <mc:AlternateContent xmlns:mc="http://schemas.openxmlformats.org/markup-compatibility/2006">
+          <mc:Choice xmlns:a14="http://schemas.microsoft.com/office/drawing/2010/main" Requires="a14">
+            <p:sp>
+              <p:nvSpPr>
+                <p:cNvPr id="29" name="文本框 28">
+                  <a:extLst>
+                    <a:ext uri="{FF2B5EF4-FFF2-40B4-BE49-F238E27FC236}">
+                      <a16:creationId xmlns:a16="http://schemas.microsoft.com/office/drawing/2014/main" id="{28287FB1-686F-B94F-9375-B83515C2933D}"/>
+                    </a:ext>
+                  </a:extLst>
+                </p:cNvPr>
+                <p:cNvSpPr txBox="1"/>
+                <p:nvPr/>
+              </p:nvSpPr>
+              <p:spPr>
+                <a:xfrm>
+                  <a:off x="5245240" y="2542233"/>
+                  <a:ext cx="805092" cy="394532"/>
+                </a:xfrm>
+                <a:prstGeom prst="rect">
+                  <a:avLst/>
+                </a:prstGeom>
+                <a:noFill/>
+              </p:spPr>
+              <p:txBody>
+                <a:bodyPr wrap="none" rtlCol="0">
+                  <a:spAutoFit/>
+                </a:bodyPr>
+                <a:lstStyle/>
+                <a:p>
+                  <a:pPr/>
+                  <a14:m>
+                    <m:oMathPara xmlns:m="http://schemas.openxmlformats.org/officeDocument/2006/math">
+                      <m:oMathParaPr>
+                        <m:jc m:val="centerGroup"/>
+                      </m:oMathParaPr>
+                      <m:oMath xmlns:m="http://schemas.openxmlformats.org/officeDocument/2006/math">
+                        <m:sSub>
+                          <m:sSubPr>
+                            <m:ctrlPr>
+                              <a:rPr kumimoji="1" lang="en-US" altLang="zh-CN" b="0" i="1" smtClean="0">
+                                <a:solidFill>
+                                  <a:srgbClr val="FF0000"/>
+                                </a:solidFill>
+                                <a:latin typeface="Cambria Math" panose="02040503050406030204" pitchFamily="18" charset="0"/>
+                              </a:rPr>
+                            </m:ctrlPr>
+                          </m:sSubPr>
+                          <m:e>
+                            <m:r>
+                              <a:rPr kumimoji="1" lang="en-US" altLang="zh-CN" i="1">
+                                <a:solidFill>
+                                  <a:srgbClr val="FF0000"/>
+                                </a:solidFill>
+                                <a:latin typeface="Cambria Math" panose="02040503050406030204" pitchFamily="18" charset="0"/>
+                              </a:rPr>
+                              <m:t>𝜇</m:t>
+                            </m:r>
+                          </m:e>
+                          <m:sub>
+                            <m:sSub>
+                              <m:sSubPr>
+                                <m:ctrlPr>
+                                  <a:rPr kumimoji="1" lang="en-US" altLang="zh-CN" b="0" i="1" smtClean="0">
+                                    <a:solidFill>
+                                      <a:srgbClr val="FF0000"/>
+                                    </a:solidFill>
+                                    <a:latin typeface="Cambria Math" panose="02040503050406030204" pitchFamily="18" charset="0"/>
+                                  </a:rPr>
+                                </m:ctrlPr>
+                              </m:sSubPr>
+                              <m:e>
+                                <m:r>
+                                  <a:rPr kumimoji="1" lang="en-US" altLang="zh-CN" b="0" i="1" smtClean="0">
+                                    <a:solidFill>
+                                      <a:srgbClr val="FF0000"/>
+                                    </a:solidFill>
+                                    <a:latin typeface="Cambria Math" panose="02040503050406030204" pitchFamily="18" charset="0"/>
+                                  </a:rPr>
+                                  <m:t>𝑓</m:t>
+                                </m:r>
+                              </m:e>
+                              <m:sub>
+                                <m:r>
+                                  <a:rPr kumimoji="1" lang="en-US" altLang="zh-CN" b="0" i="1" smtClean="0">
+                                    <a:solidFill>
+                                      <a:srgbClr val="FF0000"/>
+                                    </a:solidFill>
+                                    <a:latin typeface="Cambria Math" panose="02040503050406030204" pitchFamily="18" charset="0"/>
+                                  </a:rPr>
+                                  <m:t>𝑎</m:t>
+                                </m:r>
+                              </m:sub>
+                            </m:sSub>
+                            <m:r>
+                              <a:rPr kumimoji="1" lang="en-US" altLang="zh-CN" b="0" i="1" smtClean="0">
+                                <a:solidFill>
+                                  <a:srgbClr val="FF0000"/>
+                                </a:solidFill>
+                                <a:latin typeface="Cambria Math" panose="02040503050406030204" pitchFamily="18" charset="0"/>
+                              </a:rPr>
+                              <m:t>→</m:t>
+                            </m:r>
+                            <m:r>
+                              <a:rPr kumimoji="1" lang="en-US" altLang="zh-CN" b="0" i="1" smtClean="0">
+                                <a:solidFill>
+                                  <a:srgbClr val="FF0000"/>
+                                </a:solidFill>
+                                <a:latin typeface="Cambria Math" panose="02040503050406030204" pitchFamily="18" charset="0"/>
+                              </a:rPr>
+                              <m:t>𝑎</m:t>
+                            </m:r>
+                          </m:sub>
+                        </m:sSub>
+                      </m:oMath>
+                    </m:oMathPara>
+                  </a14:m>
+                  <a:endParaRPr kumimoji="1" lang="en-US" altLang="zh-CN" dirty="0">
+                    <a:solidFill>
+                      <a:srgbClr val="FF0000"/>
+                    </a:solidFill>
+                  </a:endParaRPr>
+                </a:p>
+              </p:txBody>
+            </p:sp>
+          </mc:Choice>
+          <mc:Fallback>
+            <p:sp>
+              <p:nvSpPr>
+                <p:cNvPr id="29" name="文本框 28">
+                  <a:extLst>
+                    <a:ext uri="{FF2B5EF4-FFF2-40B4-BE49-F238E27FC236}">
+                      <a16:creationId xmlns:a16="http://schemas.microsoft.com/office/drawing/2014/main" id="{28287FB1-686F-B94F-9375-B83515C2933D}"/>
+                    </a:ext>
+                  </a:extLst>
+                </p:cNvPr>
+                <p:cNvSpPr txBox="1">
+                  <a:spLocks noRot="1" noChangeAspect="1" noMove="1" noResize="1" noEditPoints="1" noAdjustHandles="1" noChangeArrowheads="1" noChangeShapeType="1" noTextEdit="1"/>
+                </p:cNvSpPr>
+                <p:nvPr/>
+              </p:nvSpPr>
+              <p:spPr>
+                <a:xfrm>
+                  <a:off x="5245240" y="2542233"/>
+                  <a:ext cx="805092" cy="394532"/>
+                </a:xfrm>
+                <a:prstGeom prst="rect">
+                  <a:avLst/>
+                </a:prstGeom>
+                <a:blipFill>
+                  <a:blip r:embed="rId11"/>
+                  <a:stretch>
+                    <a:fillRect b="-6250"/>
+                  </a:stretch>
+                </a:blipFill>
+              </p:spPr>
+              <p:txBody>
+                <a:bodyPr/>
+                <a:lstStyle/>
+                <a:p>
+                  <a:r>
+                    <a:rPr lang="zh-CN" altLang="en-US">
+                      <a:noFill/>
+                    </a:rPr>
+                    <a:t> </a:t>
+                  </a:r>
+                </a:p>
+              </p:txBody>
+            </p:sp>
+          </mc:Fallback>
+        </mc:AlternateContent>
+        <mc:AlternateContent xmlns:mc="http://schemas.openxmlformats.org/markup-compatibility/2006">
+          <mc:Choice xmlns:a14="http://schemas.microsoft.com/office/drawing/2010/main" Requires="a14">
+            <p:sp>
+              <p:nvSpPr>
+                <p:cNvPr id="30" name="文本框 29">
+                  <a:extLst>
+                    <a:ext uri="{FF2B5EF4-FFF2-40B4-BE49-F238E27FC236}">
+                      <a16:creationId xmlns:a16="http://schemas.microsoft.com/office/drawing/2014/main" id="{0E676B7A-6D65-CD41-A2DF-8626D9B7E0D8}"/>
+                    </a:ext>
+                  </a:extLst>
+                </p:cNvPr>
+                <p:cNvSpPr txBox="1"/>
+                <p:nvPr/>
+              </p:nvSpPr>
+              <p:spPr>
+                <a:xfrm>
+                  <a:off x="5260775" y="3416984"/>
+                  <a:ext cx="805092" cy="394532"/>
+                </a:xfrm>
+                <a:prstGeom prst="rect">
+                  <a:avLst/>
+                </a:prstGeom>
+                <a:noFill/>
+              </p:spPr>
+              <p:txBody>
+                <a:bodyPr wrap="none" rtlCol="0">
+                  <a:spAutoFit/>
+                </a:bodyPr>
+                <a:lstStyle/>
+                <a:p>
+                  <a:pPr/>
+                  <a14:m>
+                    <m:oMathPara xmlns:m="http://schemas.openxmlformats.org/officeDocument/2006/math">
+                      <m:oMathParaPr>
+                        <m:jc m:val="centerGroup"/>
+                      </m:oMathParaPr>
+                      <m:oMath xmlns:m="http://schemas.openxmlformats.org/officeDocument/2006/math">
+                        <m:sSub>
+                          <m:sSubPr>
+                            <m:ctrlPr>
+                              <a:rPr kumimoji="1" lang="en-US" altLang="zh-CN" b="0" i="1" smtClean="0">
+                                <a:solidFill>
+                                  <a:srgbClr val="FF0000"/>
+                                </a:solidFill>
+                                <a:latin typeface="Cambria Math" panose="02040503050406030204" pitchFamily="18" charset="0"/>
+                              </a:rPr>
+                            </m:ctrlPr>
+                          </m:sSubPr>
+                          <m:e>
+                            <m:r>
+                              <a:rPr kumimoji="1" lang="en-US" altLang="zh-CN" i="1">
+                                <a:solidFill>
+                                  <a:srgbClr val="FF0000"/>
+                                </a:solidFill>
+                                <a:latin typeface="Cambria Math" panose="02040503050406030204" pitchFamily="18" charset="0"/>
+                              </a:rPr>
+                              <m:t>𝜇</m:t>
+                            </m:r>
+                          </m:e>
+                          <m:sub>
+                            <m:r>
+                              <a:rPr kumimoji="1" lang="en-US" altLang="zh-CN" i="1">
+                                <a:solidFill>
+                                  <a:srgbClr val="FF0000"/>
+                                </a:solidFill>
+                                <a:latin typeface="Cambria Math" panose="02040503050406030204" pitchFamily="18" charset="0"/>
+                              </a:rPr>
+                              <m:t>𝑎</m:t>
+                            </m:r>
+                            <m:r>
+                              <a:rPr kumimoji="1" lang="en-US" altLang="zh-CN" b="0" i="1" smtClean="0">
+                                <a:solidFill>
+                                  <a:srgbClr val="FF0000"/>
+                                </a:solidFill>
+                                <a:latin typeface="Cambria Math" panose="02040503050406030204" pitchFamily="18" charset="0"/>
+                              </a:rPr>
+                              <m:t>→</m:t>
+                            </m:r>
+                            <m:sSub>
+                              <m:sSubPr>
+                                <m:ctrlPr>
+                                  <a:rPr kumimoji="1" lang="en-US" altLang="zh-CN" i="1">
+                                    <a:solidFill>
+                                      <a:srgbClr val="FF0000"/>
+                                    </a:solidFill>
+                                    <a:latin typeface="Cambria Math" panose="02040503050406030204" pitchFamily="18" charset="0"/>
+                                  </a:rPr>
+                                </m:ctrlPr>
+                              </m:sSubPr>
+                              <m:e>
+                                <m:r>
+                                  <a:rPr kumimoji="1" lang="en-US" altLang="zh-CN" i="1">
+                                    <a:solidFill>
+                                      <a:srgbClr val="FF0000"/>
+                                    </a:solidFill>
+                                    <a:latin typeface="Cambria Math" panose="02040503050406030204" pitchFamily="18" charset="0"/>
+                                  </a:rPr>
+                                  <m:t>𝑓</m:t>
+                                </m:r>
+                              </m:e>
+                              <m:sub>
+                                <m:r>
+                                  <a:rPr kumimoji="1" lang="en-US" altLang="zh-CN" i="1">
+                                    <a:solidFill>
+                                      <a:srgbClr val="FF0000"/>
+                                    </a:solidFill>
+                                    <a:latin typeface="Cambria Math" panose="02040503050406030204" pitchFamily="18" charset="0"/>
+                                  </a:rPr>
+                                  <m:t>𝑎</m:t>
+                                </m:r>
+                              </m:sub>
+                            </m:sSub>
+                          </m:sub>
+                        </m:sSub>
+                      </m:oMath>
+                    </m:oMathPara>
+                  </a14:m>
+                  <a:endParaRPr kumimoji="1" lang="en-US" altLang="zh-CN" dirty="0">
+                    <a:solidFill>
+                      <a:srgbClr val="FF0000"/>
+                    </a:solidFill>
+                  </a:endParaRPr>
+                </a:p>
+              </p:txBody>
+            </p:sp>
+          </mc:Choice>
+          <mc:Fallback>
+            <p:sp>
+              <p:nvSpPr>
+                <p:cNvPr id="30" name="文本框 29">
+                  <a:extLst>
+                    <a:ext uri="{FF2B5EF4-FFF2-40B4-BE49-F238E27FC236}">
+                      <a16:creationId xmlns:a16="http://schemas.microsoft.com/office/drawing/2014/main" id="{0E676B7A-6D65-CD41-A2DF-8626D9B7E0D8}"/>
+                    </a:ext>
+                  </a:extLst>
+                </p:cNvPr>
+                <p:cNvSpPr txBox="1">
+                  <a:spLocks noRot="1" noChangeAspect="1" noMove="1" noResize="1" noEditPoints="1" noAdjustHandles="1" noChangeArrowheads="1" noChangeShapeType="1" noTextEdit="1"/>
+                </p:cNvSpPr>
+                <p:nvPr/>
+              </p:nvSpPr>
+              <p:spPr>
+                <a:xfrm>
+                  <a:off x="5260775" y="3416984"/>
+                  <a:ext cx="805092" cy="394532"/>
+                </a:xfrm>
+                <a:prstGeom prst="rect">
+                  <a:avLst/>
+                </a:prstGeom>
+                <a:blipFill>
+                  <a:blip r:embed="rId12"/>
+                  <a:stretch>
+                    <a:fillRect b="-6250"/>
+                  </a:stretch>
+                </a:blipFill>
+              </p:spPr>
+              <p:txBody>
+                <a:bodyPr/>
+                <a:lstStyle/>
+                <a:p>
+                  <a:r>
+                    <a:rPr lang="zh-CN" altLang="en-US">
+                      <a:noFill/>
+                    </a:rPr>
+                    <a:t> </a:t>
+                  </a:r>
+                </a:p>
+              </p:txBody>
+            </p:sp>
+          </mc:Fallback>
+        </mc:AlternateContent>
+        <p:cxnSp>
+          <p:nvCxnSpPr>
+            <p:cNvPr id="31" name="直线箭头连接符 30">
+              <a:extLst>
+                <a:ext uri="{FF2B5EF4-FFF2-40B4-BE49-F238E27FC236}">
+                  <a16:creationId xmlns:a16="http://schemas.microsoft.com/office/drawing/2014/main" id="{45675D57-837A-FF48-8739-9D387CF641A8}"/>
+                </a:ext>
+              </a:extLst>
+            </p:cNvPr>
+            <p:cNvCxnSpPr>
+              <a:cxnSpLocks/>
+            </p:cNvCxnSpPr>
+            <p:nvPr/>
+          </p:nvCxnSpPr>
+          <p:spPr>
+            <a:xfrm flipH="1">
+              <a:off x="4903108" y="3396247"/>
+              <a:ext cx="1562706" cy="12667"/>
+            </a:xfrm>
+            <a:prstGeom prst="straightConnector1">
+              <a:avLst/>
+            </a:prstGeom>
+            <a:ln w="38100">
+              <a:solidFill>
+                <a:srgbClr val="FF0000"/>
+              </a:solidFill>
+              <a:prstDash val="sysDot"/>
+              <a:tailEnd type="triangle"/>
+            </a:ln>
+          </p:spPr>
+          <p:style>
+            <a:lnRef idx="1">
+              <a:schemeClr val="accent1"/>
+            </a:lnRef>
+            <a:fillRef idx="0">
+              <a:schemeClr val="accent1"/>
+            </a:fillRef>
+            <a:effectRef idx="0">
+              <a:schemeClr val="accent1"/>
+            </a:effectRef>
+            <a:fontRef idx="minor">
+              <a:schemeClr val="tx1"/>
+            </a:fontRef>
+          </p:style>
+        </p:cxnSp>
+        <p:cxnSp>
+          <p:nvCxnSpPr>
+            <p:cNvPr id="36" name="直线箭头连接符 35">
+              <a:extLst>
+                <a:ext uri="{FF2B5EF4-FFF2-40B4-BE49-F238E27FC236}">
+                  <a16:creationId xmlns:a16="http://schemas.microsoft.com/office/drawing/2014/main" id="{8DCE3518-2FBC-2048-B1B2-24E4DDE5FD22}"/>
+                </a:ext>
+              </a:extLst>
+            </p:cNvPr>
+            <p:cNvCxnSpPr>
+              <a:cxnSpLocks/>
+              <a:stCxn id="29" idx="0"/>
+            </p:cNvCxnSpPr>
+            <p:nvPr/>
+          </p:nvCxnSpPr>
+          <p:spPr>
+            <a:xfrm flipH="1" flipV="1">
+              <a:off x="4659245" y="1679217"/>
+              <a:ext cx="988541" cy="863016"/>
+            </a:xfrm>
+            <a:prstGeom prst="straightConnector1">
+              <a:avLst/>
+            </a:prstGeom>
+            <a:ln w="12700">
+              <a:solidFill>
+                <a:schemeClr val="tx1"/>
+              </a:solidFill>
+              <a:tailEnd type="triangle"/>
+            </a:ln>
+          </p:spPr>
+          <p:style>
+            <a:lnRef idx="1">
+              <a:schemeClr val="accent1"/>
+            </a:lnRef>
+            <a:fillRef idx="0">
+              <a:schemeClr val="accent1"/>
+            </a:fillRef>
+            <a:effectRef idx="0">
+              <a:schemeClr val="accent1"/>
+            </a:effectRef>
+            <a:fontRef idx="minor">
+              <a:schemeClr val="tx1"/>
+            </a:fontRef>
+          </p:style>
+        </p:cxnSp>
+        <p:sp>
+          <p:nvSpPr>
+            <p:cNvPr id="37" name="文本框 36">
+              <a:extLst>
+                <a:ext uri="{FF2B5EF4-FFF2-40B4-BE49-F238E27FC236}">
+                  <a16:creationId xmlns:a16="http://schemas.microsoft.com/office/drawing/2014/main" id="{176E69C1-C957-EC41-8CC2-523B5B508C46}"/>
+                </a:ext>
+              </a:extLst>
+            </p:cNvPr>
+            <p:cNvSpPr txBox="1"/>
+            <p:nvPr/>
+          </p:nvSpPr>
+          <p:spPr>
+            <a:xfrm>
+              <a:off x="3370935" y="1371558"/>
+              <a:ext cx="2385589" cy="646331"/>
+            </a:xfrm>
+            <a:prstGeom prst="rect">
+              <a:avLst/>
+            </a:prstGeom>
+            <a:noFill/>
+          </p:spPr>
+          <p:txBody>
+            <a:bodyPr wrap="none" rtlCol="0">
+              <a:spAutoFit/>
+            </a:bodyPr>
+            <a:lstStyle/>
+            <a:p>
+              <a:r>
+                <a:rPr kumimoji="1" lang="en-US" altLang="zh-CN" b="1" dirty="0">
+                  <a:solidFill>
+                    <a:srgbClr val="FF0000"/>
+                  </a:solidFill>
+                </a:rPr>
+                <a:t>Messages</a:t>
+              </a:r>
+            </a:p>
+            <a:p>
+              <a:r>
+                <a:rPr kumimoji="1" lang="en-US" altLang="zh-CN" dirty="0"/>
+                <a:t> (real-valued function)</a:t>
+              </a:r>
+              <a:endParaRPr kumimoji="1" lang="zh-CN" altLang="en-US" dirty="0"/>
+            </a:p>
+          </p:txBody>
+        </p:sp>
+      </p:grpSp>
+      <mc:AlternateContent xmlns:mc="http://schemas.openxmlformats.org/markup-compatibility/2006">
+        <mc:Choice xmlns:a14="http://schemas.microsoft.com/office/drawing/2010/main" Requires="a14">
+          <p:sp>
+            <p:nvSpPr>
+              <p:cNvPr id="27" name="文本框 26">
+                <a:extLst>
+                  <a:ext uri="{FF2B5EF4-FFF2-40B4-BE49-F238E27FC236}">
+                    <a16:creationId xmlns:a16="http://schemas.microsoft.com/office/drawing/2014/main" id="{69F13B81-5E1C-5247-8097-D646AA470B1E}"/>
+                  </a:ext>
+                </a:extLst>
+              </p:cNvPr>
+              <p:cNvSpPr txBox="1"/>
+              <p:nvPr/>
+            </p:nvSpPr>
+            <p:spPr>
+              <a:xfrm>
+                <a:off x="6520765" y="2924920"/>
+                <a:ext cx="5470948" cy="881460"/>
+              </a:xfrm>
+              <a:prstGeom prst="rect">
+                <a:avLst/>
+              </a:prstGeom>
+              <a:noFill/>
+            </p:spPr>
+            <p:txBody>
+              <a:bodyPr wrap="square">
+                <a:spAutoFit/>
+              </a:bodyPr>
+              <a:lstStyle/>
+              <a:p>
+                <a:pPr/>
+                <a14:m>
+                  <m:oMathPara xmlns:m="http://schemas.openxmlformats.org/officeDocument/2006/math">
+                    <m:oMathParaPr>
+                      <m:jc m:val="left"/>
+                    </m:oMathParaPr>
+                    <m:oMath xmlns:m="http://schemas.openxmlformats.org/officeDocument/2006/math">
+                      <m:sSub>
+                        <m:sSubPr>
+                          <m:ctrlPr>
+                            <a:rPr lang="zh-CN" altLang="zh-CN" sz="2400" i="1" smtClean="0">
+                              <a:solidFill>
+                                <a:srgbClr val="FF0000"/>
+                              </a:solidFill>
+                            </a:rPr>
+                          </m:ctrlPr>
+                        </m:sSubPr>
+                        <m:e>
+                          <m:r>
+                            <a:rPr lang="en-US" altLang="zh-CN" sz="2400" i="1">
+                              <a:solidFill>
+                                <a:srgbClr val="FF0000"/>
+                              </a:solidFill>
+                            </a:rPr>
+                            <m:t>𝜇</m:t>
+                          </m:r>
+                        </m:e>
+                        <m:sub>
+                          <m:r>
+                            <a:rPr lang="en-US" altLang="zh-CN" sz="2400" i="1">
+                              <a:solidFill>
+                                <a:srgbClr val="FF0000"/>
+                              </a:solidFill>
+                            </a:rPr>
+                            <m:t>𝑣</m:t>
+                          </m:r>
+                          <m:r>
+                            <a:rPr lang="en-US" altLang="zh-CN" sz="2400" i="1">
+                              <a:solidFill>
+                                <a:srgbClr val="FF0000"/>
+                              </a:solidFill>
+                            </a:rPr>
+                            <m:t>→</m:t>
+                          </m:r>
+                          <m:r>
+                            <a:rPr lang="en-US" altLang="zh-CN" sz="2400" i="1">
+                              <a:solidFill>
+                                <a:srgbClr val="FF0000"/>
+                              </a:solidFill>
+                            </a:rPr>
+                            <m:t>𝑎</m:t>
+                          </m:r>
+                        </m:sub>
+                      </m:sSub>
+                      <m:d>
+                        <m:dPr>
+                          <m:ctrlPr>
+                            <a:rPr lang="zh-CN" altLang="zh-CN" sz="2400" i="1">
+                              <a:solidFill>
+                                <a:srgbClr val="FF0000"/>
+                              </a:solidFill>
+                            </a:rPr>
+                          </m:ctrlPr>
+                        </m:dPr>
+                        <m:e>
+                          <m:sSub>
+                            <m:sSubPr>
+                              <m:ctrlPr>
+                                <a:rPr lang="zh-CN" altLang="zh-CN" sz="2400" i="1">
+                                  <a:solidFill>
+                                    <a:srgbClr val="FF0000"/>
+                                  </a:solidFill>
+                                </a:rPr>
+                              </m:ctrlPr>
+                            </m:sSubPr>
+                            <m:e>
+                              <m:r>
+                                <a:rPr lang="en-US" altLang="zh-CN" sz="2400" i="1">
+                                  <a:solidFill>
+                                    <a:srgbClr val="FF0000"/>
+                                  </a:solidFill>
+                                </a:rPr>
+                                <m:t>𝑥</m:t>
+                              </m:r>
+                            </m:e>
+                            <m:sub>
+                              <m:r>
+                                <a:rPr lang="en-US" altLang="zh-CN" sz="2400" i="1">
+                                  <a:solidFill>
+                                    <a:srgbClr val="FF0000"/>
+                                  </a:solidFill>
+                                </a:rPr>
+                                <m:t>𝑣</m:t>
+                              </m:r>
+                            </m:sub>
+                          </m:sSub>
+                        </m:e>
+                      </m:d>
+                      <m:r>
+                        <a:rPr lang="en-US" altLang="zh-CN" sz="2400" i="1"/>
+                        <m:t>=</m:t>
+                      </m:r>
+                    </m:oMath>
+                  </m:oMathPara>
+                </a14:m>
+                <a:endParaRPr lang="en-US" altLang="zh-CN" sz="2400" i="1" dirty="0"/>
+              </a:p>
+              <a:p>
+                <a14:m>
+                  <m:oMath xmlns:m="http://schemas.openxmlformats.org/officeDocument/2006/math">
+                    <m:nary>
+                      <m:naryPr>
+                        <m:chr m:val="∏"/>
+                        <m:limLoc m:val="undOvr"/>
+                        <m:grow m:val="on"/>
+                        <m:supHide m:val="on"/>
+                        <m:ctrlPr>
+                          <a:rPr lang="zh-CN" altLang="zh-CN" sz="2400" i="1"/>
+                        </m:ctrlPr>
+                      </m:naryPr>
+                      <m:sub>
+                        <m:sSup>
+                          <m:sSupPr>
+                            <m:ctrlPr>
+                              <a:rPr lang="zh-CN" altLang="zh-CN" sz="2400" i="1"/>
+                            </m:ctrlPr>
+                          </m:sSupPr>
+                          <m:e>
+                            <m:r>
+                              <a:rPr lang="en-US" altLang="zh-CN" sz="2400" i="1"/>
+                              <m:t>𝑎</m:t>
+                            </m:r>
+                          </m:e>
+                          <m:sup>
+                            <m:r>
+                              <a:rPr lang="en-US" altLang="zh-CN" sz="2400" i="1"/>
+                              <m:t>∗</m:t>
+                            </m:r>
+                          </m:sup>
+                        </m:sSup>
+                        <m:r>
+                          <a:rPr lang="en-US" altLang="zh-CN" sz="2400" i="1"/>
+                          <m:t>∈</m:t>
+                        </m:r>
+                        <m:r>
+                          <a:rPr lang="en-US" altLang="zh-CN" sz="2400" i="1"/>
+                          <m:t>𝑁</m:t>
+                        </m:r>
+                        <m:r>
+                          <a:rPr lang="en-US" altLang="zh-CN" sz="2400" i="1"/>
+                          <m:t>(</m:t>
+                        </m:r>
+                        <m:r>
+                          <a:rPr lang="en-US" altLang="zh-CN" sz="2400" i="1"/>
+                          <m:t>𝑣</m:t>
+                        </m:r>
+                        <m:r>
+                          <a:rPr lang="en-US" altLang="zh-CN" sz="2400" i="1"/>
+                          <m:t>)</m:t>
+                        </m:r>
+                        <m:r>
+                          <a:rPr lang="en-US" altLang="zh-CN" sz="2400"/>
+                          <m:t>∖</m:t>
+                        </m:r>
+                        <m:r>
+                          <a:rPr lang="en-US" altLang="zh-CN" sz="2400" i="1"/>
+                          <m:t>{</m:t>
+                        </m:r>
+                        <m:r>
+                          <a:rPr lang="en-US" altLang="zh-CN" sz="2400" i="1"/>
+                          <m:t>𝑎</m:t>
+                        </m:r>
+                        <m:r>
+                          <a:rPr lang="en-US" altLang="zh-CN" sz="2400" i="1"/>
+                          <m:t>}</m:t>
+                        </m:r>
+                      </m:sub>
+                      <m:sup/>
+                      <m:e>
+                        <m:r>
+                          <a:rPr lang="en-US" altLang="zh-CN" sz="2400" i="1"/>
+                          <m:t> </m:t>
+                        </m:r>
+                      </m:e>
+                    </m:nary>
+                    <m:sSub>
+                      <m:sSubPr>
+                        <m:ctrlPr>
+                          <a:rPr lang="zh-CN" altLang="zh-CN" sz="2400" i="1"/>
+                        </m:ctrlPr>
+                      </m:sSubPr>
+                      <m:e>
+                        <m:r>
+                          <a:rPr lang="en-US" altLang="zh-CN" sz="2400" i="1"/>
+                          <m:t>𝜇</m:t>
+                        </m:r>
+                      </m:e>
+                      <m:sub>
+                        <m:sSup>
+                          <m:sSupPr>
+                            <m:ctrlPr>
+                              <a:rPr lang="zh-CN" altLang="zh-CN" sz="2400" i="1"/>
+                            </m:ctrlPr>
+                          </m:sSupPr>
+                          <m:e>
+                            <m:r>
+                              <a:rPr lang="en-US" altLang="zh-CN" sz="2400" i="1"/>
+                              <m:t>𝑎</m:t>
+                            </m:r>
+                          </m:e>
+                          <m:sup>
+                            <m:r>
+                              <a:rPr lang="en-US" altLang="zh-CN" sz="2400" i="1"/>
+                              <m:t>∗</m:t>
+                            </m:r>
+                          </m:sup>
+                        </m:sSup>
+                        <m:r>
+                          <a:rPr lang="en-US" altLang="zh-CN" sz="2400" i="1"/>
+                          <m:t>→</m:t>
+                        </m:r>
+                        <m:r>
+                          <a:rPr lang="en-US" altLang="zh-CN" sz="2400" i="1"/>
+                          <m:t>𝑣</m:t>
+                        </m:r>
+                      </m:sub>
+                    </m:sSub>
+                    <m:d>
+                      <m:dPr>
+                        <m:ctrlPr>
+                          <a:rPr lang="zh-CN" altLang="zh-CN" sz="2400" i="1"/>
+                        </m:ctrlPr>
+                      </m:dPr>
+                      <m:e>
+                        <m:sSub>
+                          <m:sSubPr>
+                            <m:ctrlPr>
+                              <a:rPr lang="zh-CN" altLang="zh-CN" sz="2400" i="1"/>
+                            </m:ctrlPr>
+                          </m:sSubPr>
+                          <m:e>
+                            <m:r>
+                              <a:rPr lang="en-US" altLang="zh-CN" sz="2400" i="1"/>
+                              <m:t>𝑥</m:t>
+                            </m:r>
+                          </m:e>
+                          <m:sub>
+                            <m:r>
+                              <a:rPr lang="en-US" altLang="zh-CN" sz="2400" i="1"/>
+                              <m:t>𝑣</m:t>
+                            </m:r>
+                          </m:sub>
+                        </m:sSub>
+                      </m:e>
+                    </m:d>
+                  </m:oMath>
+                </a14:m>
+                <a:r>
+                  <a:rPr lang="en-US" altLang="zh-CN" sz="2400" dirty="0"/>
+                  <a:t> </a:t>
+                </a:r>
+                <a14:m>
+                  <m:oMath xmlns:m="http://schemas.openxmlformats.org/officeDocument/2006/math">
+                    <m:r>
+                      <a:rPr lang="en-US" altLang="zh-CN" sz="2400" b="0" i="0" smtClean="0">
+                        <a:latin typeface="Cambria Math" panose="02040503050406030204" pitchFamily="18" charset="0"/>
+                      </a:rPr>
+                      <m:t>,    </m:t>
+                    </m:r>
+                    <m:r>
+                      <a:rPr lang="en-US" altLang="zh-CN" sz="2400">
+                        <a:latin typeface="Cambria Math" panose="02040503050406030204" pitchFamily="18" charset="0"/>
+                      </a:rPr>
+                      <m:t>∀</m:t>
+                    </m:r>
+                    <m:sSub>
+                      <m:sSubPr>
+                        <m:ctrlPr>
+                          <a:rPr lang="zh-CN" altLang="zh-CN" sz="2400" i="1">
+                            <a:latin typeface="Cambria Math" panose="02040503050406030204" pitchFamily="18" charset="0"/>
+                          </a:rPr>
+                        </m:ctrlPr>
+                      </m:sSubPr>
+                      <m:e>
+                        <m:r>
+                          <a:rPr lang="en-US" altLang="zh-CN" sz="2400" i="1">
+                            <a:latin typeface="Cambria Math" panose="02040503050406030204" pitchFamily="18" charset="0"/>
+                          </a:rPr>
+                          <m:t>𝑥</m:t>
+                        </m:r>
+                      </m:e>
+                      <m:sub>
+                        <m:r>
+                          <a:rPr lang="en-US" altLang="zh-CN" sz="2400" i="1">
+                            <a:latin typeface="Cambria Math" panose="02040503050406030204" pitchFamily="18" charset="0"/>
+                          </a:rPr>
+                          <m:t>𝑣</m:t>
+                        </m:r>
+                      </m:sub>
+                    </m:sSub>
+                    <m:r>
+                      <a:rPr lang="en-US" altLang="zh-CN" sz="2400" i="1">
+                        <a:latin typeface="Cambria Math" panose="02040503050406030204" pitchFamily="18" charset="0"/>
+                      </a:rPr>
+                      <m:t>∈</m:t>
+                    </m:r>
+                    <m:r>
+                      <m:rPr>
+                        <m:sty m:val="p"/>
+                      </m:rPr>
+                      <a:rPr lang="en-US" altLang="zh-CN" sz="2400">
+                        <a:latin typeface="Cambria Math" panose="02040503050406030204" pitchFamily="18" charset="0"/>
+                      </a:rPr>
+                      <m:t>Dom</m:t>
+                    </m:r>
+                    <m:r>
+                      <a:rPr lang="en-US" altLang="zh-CN" sz="2400" i="1">
+                        <a:latin typeface="Cambria Math" panose="02040503050406030204" pitchFamily="18" charset="0"/>
+                      </a:rPr>
+                      <m:t>(</m:t>
+                    </m:r>
+                    <m:r>
+                      <a:rPr lang="en-US" altLang="zh-CN" sz="2400" i="1">
+                        <a:latin typeface="Cambria Math" panose="02040503050406030204" pitchFamily="18" charset="0"/>
+                      </a:rPr>
+                      <m:t>𝑣</m:t>
+                    </m:r>
+                    <m:r>
+                      <a:rPr lang="en-US" altLang="zh-CN" sz="2400" i="1">
+                        <a:latin typeface="Cambria Math" panose="02040503050406030204" pitchFamily="18" charset="0"/>
+                      </a:rPr>
+                      <m:t>)</m:t>
+                    </m:r>
+                  </m:oMath>
+                </a14:m>
+                <a:endParaRPr lang="zh-CN" altLang="zh-CN" sz="2400" dirty="0"/>
+              </a:p>
+            </p:txBody>
+          </p:sp>
+        </mc:Choice>
+        <mc:Fallback>
+          <p:sp>
+            <p:nvSpPr>
+              <p:cNvPr id="27" name="文本框 26">
+                <a:extLst>
+                  <a:ext uri="{FF2B5EF4-FFF2-40B4-BE49-F238E27FC236}">
+                    <a16:creationId xmlns:a16="http://schemas.microsoft.com/office/drawing/2014/main" id="{69F13B81-5E1C-5247-8097-D646AA470B1E}"/>
+                  </a:ext>
+                </a:extLst>
+              </p:cNvPr>
+              <p:cNvSpPr txBox="1">
+                <a:spLocks noRot="1" noChangeAspect="1" noMove="1" noResize="1" noEditPoints="1" noAdjustHandles="1" noChangeArrowheads="1" noChangeShapeType="1" noTextEdit="1"/>
+              </p:cNvSpPr>
+              <p:nvPr/>
+            </p:nvSpPr>
+            <p:spPr>
+              <a:xfrm>
+                <a:off x="6520765" y="2924920"/>
+                <a:ext cx="5470948" cy="881460"/>
+              </a:xfrm>
+              <a:prstGeom prst="rect">
+                <a:avLst/>
+              </a:prstGeom>
+              <a:blipFill>
+                <a:blip r:embed="rId13"/>
+                <a:stretch>
+                  <a:fillRect l="-8565" t="-25714" b="-97143"/>
+                </a:stretch>
+              </a:blipFill>
+            </p:spPr>
+            <p:txBody>
+              <a:bodyPr/>
+              <a:lstStyle/>
+              <a:p>
+                <a:r>
+                  <a:rPr lang="zh-CN" altLang="en-US">
+                    <a:noFill/>
+                  </a:rPr>
+                  <a:t> </a:t>
+                </a:r>
+              </a:p>
+            </p:txBody>
+          </p:sp>
+        </mc:Fallback>
+      </mc:AlternateContent>
+      <mc:AlternateContent xmlns:mc="http://schemas.openxmlformats.org/markup-compatibility/2006">
+        <mc:Choice xmlns:a14="http://schemas.microsoft.com/office/drawing/2010/main" Requires="a14">
+          <p:sp>
+            <p:nvSpPr>
+              <p:cNvPr id="32" name="文本框 31">
+                <a:extLst>
+                  <a:ext uri="{FF2B5EF4-FFF2-40B4-BE49-F238E27FC236}">
+                    <a16:creationId xmlns:a16="http://schemas.microsoft.com/office/drawing/2014/main" id="{3E28F1B8-249F-FF4F-81A2-A94220D05688}"/>
+                  </a:ext>
+                </a:extLst>
+              </p:cNvPr>
+              <p:cNvSpPr txBox="1"/>
+              <p:nvPr/>
+            </p:nvSpPr>
+            <p:spPr>
+              <a:xfrm>
+                <a:off x="5949117" y="4555669"/>
+                <a:ext cx="6696323" cy="1835311"/>
+              </a:xfrm>
+              <a:prstGeom prst="rect">
+                <a:avLst/>
+              </a:prstGeom>
+              <a:noFill/>
+            </p:spPr>
+            <p:txBody>
+              <a:bodyPr wrap="square">
+                <a:spAutoFit/>
+              </a:bodyPr>
+              <a:lstStyle/>
+              <a:p>
+                <a:pPr/>
+                <a14:m>
+                  <m:oMathPara xmlns:m="http://schemas.openxmlformats.org/officeDocument/2006/math">
+                    <m:oMathParaPr>
+                      <m:jc m:val="left"/>
+                    </m:oMathParaPr>
+                    <m:oMath xmlns:m="http://schemas.openxmlformats.org/officeDocument/2006/math">
+                      <m:sSub>
+                        <m:sSubPr>
+                          <m:ctrlPr>
+                            <a:rPr lang="zh-CN" altLang="zh-CN" sz="2400" i="1" smtClean="0">
+                              <a:solidFill>
+                                <a:srgbClr val="FF0000"/>
+                              </a:solidFill>
+                            </a:rPr>
+                          </m:ctrlPr>
+                        </m:sSubPr>
+                        <m:e>
+                          <m:r>
+                            <a:rPr lang="en-US" altLang="zh-CN" sz="2400" i="1">
+                              <a:solidFill>
+                                <a:srgbClr val="FF0000"/>
+                              </a:solidFill>
+                            </a:rPr>
+                            <m:t>𝜇</m:t>
+                          </m:r>
+                        </m:e>
+                        <m:sub>
+                          <m:r>
+                            <a:rPr lang="en-US" altLang="zh-CN" sz="2400" i="1">
+                              <a:solidFill>
+                                <a:srgbClr val="FF0000"/>
+                              </a:solidFill>
+                            </a:rPr>
+                            <m:t>𝑎</m:t>
+                          </m:r>
+                          <m:r>
+                            <a:rPr lang="en-US" altLang="zh-CN" sz="2400" i="1">
+                              <a:solidFill>
+                                <a:srgbClr val="FF0000"/>
+                              </a:solidFill>
+                            </a:rPr>
+                            <m:t>→</m:t>
+                          </m:r>
+                          <m:r>
+                            <a:rPr lang="en-US" altLang="zh-CN" sz="2400" i="1">
+                              <a:solidFill>
+                                <a:srgbClr val="FF0000"/>
+                              </a:solidFill>
+                            </a:rPr>
+                            <m:t>𝑣</m:t>
+                          </m:r>
+                        </m:sub>
+                      </m:sSub>
+                      <m:d>
+                        <m:dPr>
+                          <m:ctrlPr>
+                            <a:rPr lang="zh-CN" altLang="zh-CN" sz="2400" i="1">
+                              <a:solidFill>
+                                <a:srgbClr val="FF0000"/>
+                              </a:solidFill>
+                            </a:rPr>
+                          </m:ctrlPr>
+                        </m:dPr>
+                        <m:e>
+                          <m:sSub>
+                            <m:sSubPr>
+                              <m:ctrlPr>
+                                <a:rPr lang="zh-CN" altLang="zh-CN" sz="2400" i="1">
+                                  <a:solidFill>
+                                    <a:srgbClr val="FF0000"/>
+                                  </a:solidFill>
+                                </a:rPr>
+                              </m:ctrlPr>
+                            </m:sSubPr>
+                            <m:e>
+                              <m:r>
+                                <a:rPr lang="en-US" altLang="zh-CN" sz="2400" i="1">
+                                  <a:solidFill>
+                                    <a:srgbClr val="FF0000"/>
+                                  </a:solidFill>
+                                </a:rPr>
+                                <m:t>𝑥</m:t>
+                              </m:r>
+                            </m:e>
+                            <m:sub>
+                              <m:r>
+                                <a:rPr lang="en-US" altLang="zh-CN" sz="2400" i="1">
+                                  <a:solidFill>
+                                    <a:srgbClr val="FF0000"/>
+                                  </a:solidFill>
+                                </a:rPr>
+                                <m:t>𝑣</m:t>
+                              </m:r>
+                            </m:sub>
+                          </m:sSub>
+                        </m:e>
+                      </m:d>
+                      <m:r>
+                        <a:rPr lang="en-US" altLang="zh-CN" sz="2400" i="1"/>
+                        <m:t>=</m:t>
+                      </m:r>
+                    </m:oMath>
+                  </m:oMathPara>
+                </a14:m>
+                <a:endParaRPr lang="en-US" altLang="zh-CN" sz="2400" i="1" dirty="0"/>
+              </a:p>
+              <a:p>
+                <a:pPr/>
+                <a14:m>
+                  <m:oMathPara xmlns:m="http://schemas.openxmlformats.org/officeDocument/2006/math">
+                    <m:oMathParaPr>
+                      <m:jc m:val="left"/>
+                    </m:oMathParaPr>
+                    <m:oMath xmlns:m="http://schemas.openxmlformats.org/officeDocument/2006/math">
+                      <m:nary>
+                        <m:naryPr>
+                          <m:chr m:val="∑"/>
+                          <m:limLoc m:val="undOvr"/>
+                          <m:grow m:val="on"/>
+                          <m:supHide m:val="on"/>
+                          <m:ctrlPr>
+                            <a:rPr lang="zh-CN" altLang="zh-CN" sz="2400" i="1"/>
+                          </m:ctrlPr>
+                        </m:naryPr>
+                        <m:sub>
+                          <m:sSubSup>
+                            <m:sSubSupPr>
+                              <m:ctrlPr>
+                                <a:rPr lang="zh-CN" altLang="zh-CN" sz="2400" i="1"/>
+                              </m:ctrlPr>
+                            </m:sSubSupPr>
+                            <m:e>
+                              <m:r>
+                                <a:rPr lang="en-US" altLang="zh-CN" sz="2400" b="1" i="1"/>
+                                <m:t>𝐱</m:t>
+                              </m:r>
+                            </m:e>
+                            <m:sub>
+                              <m:r>
+                                <a:rPr lang="en-US" altLang="zh-CN" sz="2400" i="1"/>
+                                <m:t>𝑎</m:t>
+                              </m:r>
+                            </m:sub>
+                            <m:sup>
+                              <m:r>
+                                <a:rPr lang="en-US" altLang="zh-CN" sz="2400" i="1"/>
+                                <m:t>′</m:t>
+                              </m:r>
+                            </m:sup>
+                          </m:sSubSup>
+                          <m:r>
+                            <a:rPr lang="en-US" altLang="zh-CN" sz="2400" i="1"/>
+                            <m:t>:</m:t>
+                          </m:r>
+                          <m:sSubSup>
+                            <m:sSubSupPr>
+                              <m:ctrlPr>
+                                <a:rPr lang="zh-CN" altLang="zh-CN" sz="2400" i="1"/>
+                              </m:ctrlPr>
+                            </m:sSubSupPr>
+                            <m:e>
+                              <m:r>
+                                <a:rPr lang="en-US" altLang="zh-CN" sz="2400" i="1"/>
+                                <m:t>𝑥</m:t>
+                              </m:r>
+                            </m:e>
+                            <m:sub>
+                              <m:r>
+                                <a:rPr lang="en-US" altLang="zh-CN" sz="2400" i="1"/>
+                                <m:t>𝑣</m:t>
+                              </m:r>
+                            </m:sub>
+                            <m:sup>
+                              <m:r>
+                                <a:rPr lang="en-US" altLang="zh-CN" sz="2400" i="1"/>
+                                <m:t>′</m:t>
+                              </m:r>
+                            </m:sup>
+                          </m:sSubSup>
+                          <m:r>
+                            <a:rPr lang="en-US" altLang="zh-CN" sz="2400" i="1"/>
+                            <m:t>=</m:t>
+                          </m:r>
+                          <m:sSub>
+                            <m:sSubPr>
+                              <m:ctrlPr>
+                                <a:rPr lang="zh-CN" altLang="zh-CN" sz="2400" i="1"/>
+                              </m:ctrlPr>
+                            </m:sSubPr>
+                            <m:e>
+                              <m:r>
+                                <a:rPr lang="en-US" altLang="zh-CN" sz="2400" i="1"/>
+                                <m:t>𝑥</m:t>
+                              </m:r>
+                            </m:e>
+                            <m:sub>
+                              <m:r>
+                                <a:rPr lang="en-US" altLang="zh-CN" sz="2400" i="1"/>
+                                <m:t>𝑣</m:t>
+                              </m:r>
+                            </m:sub>
+                          </m:sSub>
+                        </m:sub>
+                        <m:sup/>
+                        <m:e>
+                          <m:r>
+                            <a:rPr lang="en-US" altLang="zh-CN" sz="2400" i="1"/>
+                            <m:t> </m:t>
+                          </m:r>
+                        </m:e>
+                      </m:nary>
+                      <m:sSub>
+                        <m:sSubPr>
+                          <m:ctrlPr>
+                            <a:rPr lang="zh-CN" altLang="zh-CN" sz="2400" i="1"/>
+                          </m:ctrlPr>
+                        </m:sSubPr>
+                        <m:e>
+                          <m:r>
+                            <a:rPr lang="en-US" altLang="zh-CN" sz="2400" i="1"/>
+                            <m:t>𝑓</m:t>
+                          </m:r>
+                        </m:e>
+                        <m:sub>
+                          <m:r>
+                            <a:rPr lang="en-US" altLang="zh-CN" sz="2400" i="1"/>
+                            <m:t>𝑎</m:t>
+                          </m:r>
+                        </m:sub>
+                      </m:sSub>
+                      <m:d>
+                        <m:dPr>
+                          <m:ctrlPr>
+                            <a:rPr lang="zh-CN" altLang="zh-CN" sz="2400" i="1"/>
+                          </m:ctrlPr>
+                        </m:dPr>
+                        <m:e>
+                          <m:sSubSup>
+                            <m:sSubSupPr>
+                              <m:ctrlPr>
+                                <a:rPr lang="zh-CN" altLang="zh-CN" sz="2400" i="1"/>
+                              </m:ctrlPr>
+                            </m:sSubSupPr>
+                            <m:e>
+                              <m:r>
+                                <a:rPr lang="en-US" altLang="zh-CN" sz="2400" b="1" i="1"/>
+                                <m:t>𝐱</m:t>
+                              </m:r>
+                            </m:e>
+                            <m:sub>
+                              <m:r>
+                                <a:rPr lang="en-US" altLang="zh-CN" sz="2400" i="1"/>
+                                <m:t>𝑎</m:t>
+                              </m:r>
+                            </m:sub>
+                            <m:sup>
+                              <m:r>
+                                <a:rPr lang="en-US" altLang="zh-CN" sz="2400" i="1"/>
+                                <m:t>′</m:t>
+                              </m:r>
+                            </m:sup>
+                          </m:sSubSup>
+                        </m:e>
+                      </m:d>
+                      <m:nary>
+                        <m:naryPr>
+                          <m:chr m:val="∏"/>
+                          <m:limLoc m:val="undOvr"/>
+                          <m:grow m:val="on"/>
+                          <m:supHide m:val="on"/>
+                          <m:ctrlPr>
+                            <a:rPr lang="zh-CN" altLang="zh-CN" sz="2400" i="1"/>
+                          </m:ctrlPr>
+                        </m:naryPr>
+                        <m:sub>
+                          <m:sSup>
+                            <m:sSupPr>
+                              <m:ctrlPr>
+                                <a:rPr lang="zh-CN" altLang="zh-CN" sz="2400" i="1"/>
+                              </m:ctrlPr>
+                            </m:sSupPr>
+                            <m:e>
+                              <m:r>
+                                <a:rPr lang="en-US" altLang="zh-CN" sz="2400" i="1"/>
+                                <m:t>𝑣</m:t>
+                              </m:r>
+                            </m:e>
+                            <m:sup>
+                              <m:r>
+                                <a:rPr lang="en-US" altLang="zh-CN" sz="2400" i="1"/>
+                                <m:t>∗</m:t>
+                              </m:r>
+                            </m:sup>
+                          </m:sSup>
+                          <m:r>
+                            <a:rPr lang="en-US" altLang="zh-CN" sz="2400" i="1"/>
+                            <m:t>∈</m:t>
+                          </m:r>
+                          <m:r>
+                            <a:rPr lang="en-US" altLang="zh-CN" sz="2400" i="1"/>
+                            <m:t>𝑁</m:t>
+                          </m:r>
+                          <m:r>
+                            <a:rPr lang="en-US" altLang="zh-CN" sz="2400" i="1"/>
+                            <m:t>(</m:t>
+                          </m:r>
+                          <m:r>
+                            <a:rPr lang="en-US" altLang="zh-CN" sz="2400" i="1"/>
+                            <m:t>𝑎</m:t>
+                          </m:r>
+                          <m:r>
+                            <a:rPr lang="en-US" altLang="zh-CN" sz="2400" i="1"/>
+                            <m:t>)</m:t>
+                          </m:r>
+                          <m:r>
+                            <a:rPr lang="en-US" altLang="zh-CN" sz="2400"/>
+                            <m:t>∖</m:t>
+                          </m:r>
+                          <m:r>
+                            <a:rPr lang="en-US" altLang="zh-CN" sz="2400" i="1"/>
+                            <m:t>{</m:t>
+                          </m:r>
+                          <m:r>
+                            <a:rPr lang="en-US" altLang="zh-CN" sz="2400" i="1"/>
+                            <m:t>𝑣</m:t>
+                          </m:r>
+                          <m:r>
+                            <a:rPr lang="en-US" altLang="zh-CN" sz="2400" i="1"/>
+                            <m:t>}</m:t>
+                          </m:r>
+                        </m:sub>
+                        <m:sup/>
+                        <m:e>
+                          <m:r>
+                            <a:rPr lang="en-US" altLang="zh-CN" sz="2400" i="1"/>
+                            <m:t> </m:t>
+                          </m:r>
+                        </m:e>
+                      </m:nary>
+                      <m:sSub>
+                        <m:sSubPr>
+                          <m:ctrlPr>
+                            <a:rPr lang="zh-CN" altLang="zh-CN" sz="2400" i="1"/>
+                          </m:ctrlPr>
+                        </m:sSubPr>
+                        <m:e>
+                          <m:r>
+                            <a:rPr lang="en-US" altLang="zh-CN" sz="2400" i="1"/>
+                            <m:t>𝜇</m:t>
+                          </m:r>
+                        </m:e>
+                        <m:sub>
+                          <m:sSup>
+                            <m:sSupPr>
+                              <m:ctrlPr>
+                                <a:rPr lang="zh-CN" altLang="zh-CN" sz="2400" i="1"/>
+                              </m:ctrlPr>
+                            </m:sSupPr>
+                            <m:e>
+                              <m:r>
+                                <a:rPr lang="en-US" altLang="zh-CN" sz="2400" i="1"/>
+                                <m:t>𝑣</m:t>
+                              </m:r>
+                            </m:e>
+                            <m:sup>
+                              <m:r>
+                                <a:rPr lang="en-US" altLang="zh-CN" sz="2400" i="1"/>
+                                <m:t>∗</m:t>
+                              </m:r>
+                            </m:sup>
+                          </m:sSup>
+                          <m:r>
+                            <a:rPr lang="en-US" altLang="zh-CN" sz="2400" i="1"/>
+                            <m:t>→</m:t>
+                          </m:r>
+                          <m:r>
+                            <a:rPr lang="en-US" altLang="zh-CN" sz="2400" i="1"/>
+                            <m:t>𝑎</m:t>
+                          </m:r>
+                        </m:sub>
+                      </m:sSub>
+                      <m:d>
+                        <m:dPr>
+                          <m:ctrlPr>
+                            <a:rPr lang="zh-CN" altLang="zh-CN" sz="2400" i="1"/>
+                          </m:ctrlPr>
+                        </m:dPr>
+                        <m:e>
+                          <m:sSubSup>
+                            <m:sSubSupPr>
+                              <m:ctrlPr>
+                                <a:rPr lang="zh-CN" altLang="zh-CN" sz="2400" i="1"/>
+                              </m:ctrlPr>
+                            </m:sSubSupPr>
+                            <m:e>
+                              <m:r>
+                                <a:rPr lang="en-US" altLang="zh-CN" sz="2400" i="1"/>
+                                <m:t>𝑥</m:t>
+                              </m:r>
+                            </m:e>
+                            <m:sub>
+                              <m:sSup>
+                                <m:sSupPr>
+                                  <m:ctrlPr>
+                                    <a:rPr lang="zh-CN" altLang="zh-CN" sz="2400" i="1"/>
+                                  </m:ctrlPr>
+                                </m:sSupPr>
+                                <m:e>
+                                  <m:r>
+                                    <a:rPr lang="en-US" altLang="zh-CN" sz="2400" i="1"/>
+                                    <m:t>𝑣</m:t>
+                                  </m:r>
+                                </m:e>
+                                <m:sup>
+                                  <m:r>
+                                    <a:rPr lang="en-US" altLang="zh-CN" sz="2400" i="1"/>
+                                    <m:t>∗</m:t>
+                                  </m:r>
+                                </m:sup>
+                              </m:sSup>
+                            </m:sub>
+                            <m:sup>
+                              <m:r>
+                                <a:rPr lang="en-US" altLang="zh-CN" sz="2400" i="1"/>
+                                <m:t>′</m:t>
+                              </m:r>
+                            </m:sup>
+                          </m:sSubSup>
+                        </m:e>
+                      </m:d>
+                      <m:r>
+                        <a:rPr lang="en-US" altLang="zh-CN" sz="2400" b="0" i="1" smtClean="0">
+                          <a:latin typeface="Cambria Math" panose="02040503050406030204" pitchFamily="18" charset="0"/>
+                        </a:rPr>
+                        <m:t>.</m:t>
+                      </m:r>
+                      <m:r>
+                        <a:rPr lang="en-US" altLang="zh-CN" sz="2400" b="0" i="0" smtClean="0">
+                          <a:latin typeface="Cambria Math" panose="02040503050406030204" pitchFamily="18" charset="0"/>
+                        </a:rPr>
+                        <m:t>   </m:t>
+                      </m:r>
+                      <m:r>
+                        <a:rPr lang="en-US" altLang="zh-CN" sz="2400">
+                          <a:latin typeface="Cambria Math" panose="02040503050406030204" pitchFamily="18" charset="0"/>
+                        </a:rPr>
+                        <m:t>∀</m:t>
+                      </m:r>
+                      <m:sSub>
+                        <m:sSubPr>
+                          <m:ctrlPr>
+                            <a:rPr lang="zh-CN" altLang="zh-CN" sz="2400" i="1">
+                              <a:latin typeface="Cambria Math" panose="02040503050406030204" pitchFamily="18" charset="0"/>
+                            </a:rPr>
+                          </m:ctrlPr>
+                        </m:sSubPr>
+                        <m:e>
+                          <m:r>
+                            <a:rPr lang="en-US" altLang="zh-CN" sz="2400" i="1">
+                              <a:latin typeface="Cambria Math" panose="02040503050406030204" pitchFamily="18" charset="0"/>
+                            </a:rPr>
+                            <m:t>𝑥</m:t>
+                          </m:r>
+                        </m:e>
+                        <m:sub>
+                          <m:r>
+                            <a:rPr lang="en-US" altLang="zh-CN" sz="2400" i="1">
+                              <a:latin typeface="Cambria Math" panose="02040503050406030204" pitchFamily="18" charset="0"/>
+                            </a:rPr>
+                            <m:t>𝑣</m:t>
+                          </m:r>
+                        </m:sub>
+                      </m:sSub>
+                      <m:r>
+                        <a:rPr lang="en-US" altLang="zh-CN" sz="2400" i="1">
+                          <a:latin typeface="Cambria Math" panose="02040503050406030204" pitchFamily="18" charset="0"/>
+                        </a:rPr>
+                        <m:t>∈</m:t>
+                      </m:r>
+                      <m:r>
+                        <m:rPr>
+                          <m:sty m:val="p"/>
+                        </m:rPr>
+                        <a:rPr lang="en-US" altLang="zh-CN" sz="2400">
+                          <a:latin typeface="Cambria Math" panose="02040503050406030204" pitchFamily="18" charset="0"/>
+                        </a:rPr>
+                        <m:t>Dom</m:t>
+                      </m:r>
+                      <m:d>
+                        <m:dPr>
+                          <m:ctrlPr>
+                            <a:rPr lang="en-US" altLang="zh-CN" sz="2400" i="1">
+                              <a:latin typeface="Cambria Math" panose="02040503050406030204" pitchFamily="18" charset="0"/>
+                            </a:rPr>
+                          </m:ctrlPr>
+                        </m:dPr>
+                        <m:e>
+                          <m:r>
+                            <a:rPr lang="en-US" altLang="zh-CN" sz="2400" i="1">
+                              <a:latin typeface="Cambria Math" panose="02040503050406030204" pitchFamily="18" charset="0"/>
+                            </a:rPr>
+                            <m:t>𝑣</m:t>
+                          </m:r>
+                        </m:e>
+                      </m:d>
+                    </m:oMath>
+                  </m:oMathPara>
+                </a14:m>
+                <a:endParaRPr lang="zh-CN" altLang="en-US" sz="2400" dirty="0"/>
+              </a:p>
+            </p:txBody>
+          </p:sp>
+        </mc:Choice>
+        <mc:Fallback>
+          <p:sp>
+            <p:nvSpPr>
+              <p:cNvPr id="32" name="文本框 31">
+                <a:extLst>
+                  <a:ext uri="{FF2B5EF4-FFF2-40B4-BE49-F238E27FC236}">
+                    <a16:creationId xmlns:a16="http://schemas.microsoft.com/office/drawing/2014/main" id="{3E28F1B8-249F-FF4F-81A2-A94220D05688}"/>
+                  </a:ext>
+                </a:extLst>
+              </p:cNvPr>
+              <p:cNvSpPr txBox="1">
+                <a:spLocks noRot="1" noChangeAspect="1" noMove="1" noResize="1" noEditPoints="1" noAdjustHandles="1" noChangeArrowheads="1" noChangeShapeType="1" noTextEdit="1"/>
+              </p:cNvSpPr>
+              <p:nvPr/>
+            </p:nvSpPr>
+            <p:spPr>
+              <a:xfrm>
+                <a:off x="5949117" y="4555669"/>
+                <a:ext cx="6696323" cy="1835311"/>
+              </a:xfrm>
+              <a:prstGeom prst="rect">
+                <a:avLst/>
+              </a:prstGeom>
+              <a:blipFill>
+                <a:blip r:embed="rId14"/>
+                <a:stretch>
+                  <a:fillRect l="-12121" t="-50000" b="-71233"/>
+                </a:stretch>
+              </a:blipFill>
+            </p:spPr>
+            <p:txBody>
+              <a:bodyPr/>
+              <a:lstStyle/>
+              <a:p>
+                <a:r>
+                  <a:rPr lang="zh-CN" altLang="en-US">
+                    <a:noFill/>
+                  </a:rPr>
+                  <a:t> </a:t>
+                </a:r>
+              </a:p>
+            </p:txBody>
+          </p:sp>
+        </mc:Fallback>
+      </mc:AlternateContent>
+    </p:spTree>
+    <p:extLst>
+      <p:ext uri="{BB962C8B-B14F-4D97-AF65-F5344CB8AC3E}">
+        <p14:creationId xmlns:p14="http://schemas.microsoft.com/office/powerpoint/2010/main" val="1621227286"/>
+      </p:ext>
+    </p:extLst>
+  </p:cSld>
+  <p:clrMapOvr>
+    <a:masterClrMapping/>
+  </p:clrMapOvr>
+</p:sld>
+</file>
+
+<file path=ppt/slides/slide14.xml><?xml version="1.0" encoding="utf-8"?>
+<p:sld xmlns:a="http://schemas.openxmlformats.org/drawingml/2006/main" xmlns:r="http://schemas.openxmlformats.org/officeDocument/2006/relationships" xmlns:p="http://schemas.openxmlformats.org/presentationml/2006/main">
+  <p:cSld>
+    <p:spTree>
+      <p:nvGrpSpPr>
+        <p:cNvPr id="1" name=""/>
+        <p:cNvGrpSpPr/>
+        <p:nvPr/>
+      </p:nvGrpSpPr>
+      <p:grpSpPr>
+        <a:xfrm>
+          <a:off x="0" y="0"/>
+          <a:ext cx="0" cy="0"/>
+          <a:chOff x="0" y="0"/>
+          <a:chExt cx="0" cy="0"/>
+        </a:xfrm>
+      </p:grpSpPr>
+      <p:sp>
+        <p:nvSpPr>
+          <p:cNvPr id="2" name="标题 1">
+            <a:extLst>
+              <a:ext uri="{FF2B5EF4-FFF2-40B4-BE49-F238E27FC236}">
+                <a16:creationId xmlns:a16="http://schemas.microsoft.com/office/drawing/2014/main" id="{A06F5F0E-7128-3942-8CF2-0CB6A58F4395}"/>
+              </a:ext>
+            </a:extLst>
+          </p:cNvPr>
+          <p:cNvSpPr>
+            <a:spLocks noGrp="1"/>
+          </p:cNvSpPr>
+          <p:nvPr>
+            <p:ph type="title"/>
+          </p:nvPr>
+        </p:nvSpPr>
+        <p:spPr/>
+        <p:txBody>
+          <a:bodyPr/>
+          <a:lstStyle/>
+          <a:p>
+            <a:r>
+              <a:rPr kumimoji="1" lang="en-US" altLang="zh-CN" dirty="0"/>
+              <a:t>Belief propagation-2</a:t>
+            </a:r>
+            <a:endParaRPr kumimoji="1" lang="zh-CN" altLang="en-US" dirty="0"/>
+          </a:p>
+        </p:txBody>
+      </p:sp>
+      <mc:AlternateContent xmlns:mc="http://schemas.openxmlformats.org/markup-compatibility/2006">
+        <mc:Choice xmlns:a14="http://schemas.microsoft.com/office/drawing/2010/main" Requires="a14">
+          <p:sp>
+            <p:nvSpPr>
+              <p:cNvPr id="31" name="文本框 30">
+                <a:extLst>
+                  <a:ext uri="{FF2B5EF4-FFF2-40B4-BE49-F238E27FC236}">
+                    <a16:creationId xmlns:a16="http://schemas.microsoft.com/office/drawing/2014/main" id="{6937DBA1-AA6F-724B-BA17-5E6E0923E6BB}"/>
+                  </a:ext>
+                </a:extLst>
+              </p:cNvPr>
+              <p:cNvSpPr txBox="1"/>
+              <p:nvPr/>
+            </p:nvSpPr>
+            <p:spPr>
+              <a:xfrm>
+                <a:off x="140878" y="5611415"/>
+                <a:ext cx="5470948" cy="881460"/>
+              </a:xfrm>
+              <a:prstGeom prst="rect">
+                <a:avLst/>
+              </a:prstGeom>
+              <a:noFill/>
+            </p:spPr>
+            <p:txBody>
+              <a:bodyPr wrap="square">
+                <a:spAutoFit/>
+              </a:bodyPr>
+              <a:lstStyle/>
+              <a:p>
+                <a:pPr/>
+                <a14:m>
+                  <m:oMathPara xmlns:m="http://schemas.openxmlformats.org/officeDocument/2006/math">
+                    <m:oMathParaPr>
+                      <m:jc m:val="left"/>
+                    </m:oMathParaPr>
+                    <m:oMath xmlns:m="http://schemas.openxmlformats.org/officeDocument/2006/math">
+                      <m:sSub>
+                        <m:sSubPr>
+                          <m:ctrlPr>
+                            <a:rPr lang="zh-CN" altLang="zh-CN" sz="2400" i="1" smtClean="0">
+                              <a:solidFill>
+                                <a:srgbClr val="00B050"/>
+                              </a:solidFill>
+                            </a:rPr>
+                          </m:ctrlPr>
+                        </m:sSubPr>
+                        <m:e>
+                          <m:r>
+                            <a:rPr lang="en-US" altLang="zh-CN" sz="2400" i="1">
+                              <a:solidFill>
+                                <a:srgbClr val="00B050"/>
+                              </a:solidFill>
+                            </a:rPr>
+                            <m:t>𝜇</m:t>
+                          </m:r>
+                        </m:e>
+                        <m:sub>
+                          <m:r>
+                            <a:rPr lang="en-US" altLang="zh-CN" sz="2400" i="1">
+                              <a:solidFill>
+                                <a:srgbClr val="00B050"/>
+                              </a:solidFill>
+                            </a:rPr>
+                            <m:t>𝑣</m:t>
+                          </m:r>
+                          <m:r>
+                            <a:rPr lang="en-US" altLang="zh-CN" sz="2400" i="1">
+                              <a:solidFill>
+                                <a:srgbClr val="00B050"/>
+                              </a:solidFill>
+                            </a:rPr>
+                            <m:t>→</m:t>
+                          </m:r>
+                          <m:r>
+                            <a:rPr lang="en-US" altLang="zh-CN" sz="2400" i="1">
+                              <a:solidFill>
+                                <a:srgbClr val="00B050"/>
+                              </a:solidFill>
+                            </a:rPr>
+                            <m:t>𝑎</m:t>
+                          </m:r>
+                        </m:sub>
+                      </m:sSub>
+                      <m:d>
+                        <m:dPr>
+                          <m:ctrlPr>
+                            <a:rPr lang="zh-CN" altLang="zh-CN" sz="2400" i="1">
+                              <a:solidFill>
+                                <a:srgbClr val="00B050"/>
+                              </a:solidFill>
+                            </a:rPr>
+                          </m:ctrlPr>
+                        </m:dPr>
+                        <m:e>
+                          <m:sSub>
+                            <m:sSubPr>
+                              <m:ctrlPr>
+                                <a:rPr lang="zh-CN" altLang="zh-CN" sz="2400" i="1">
+                                  <a:solidFill>
+                                    <a:srgbClr val="00B050"/>
+                                  </a:solidFill>
+                                </a:rPr>
+                              </m:ctrlPr>
+                            </m:sSubPr>
+                            <m:e>
+                              <m:r>
+                                <a:rPr lang="en-US" altLang="zh-CN" sz="2400" i="1">
+                                  <a:solidFill>
+                                    <a:srgbClr val="00B050"/>
+                                  </a:solidFill>
+                                </a:rPr>
+                                <m:t>𝑥</m:t>
+                              </m:r>
+                            </m:e>
+                            <m:sub>
+                              <m:r>
+                                <a:rPr lang="en-US" altLang="zh-CN" sz="2400" i="1">
+                                  <a:solidFill>
+                                    <a:srgbClr val="00B050"/>
+                                  </a:solidFill>
+                                </a:rPr>
+                                <m:t>𝑣</m:t>
+                              </m:r>
+                            </m:sub>
+                          </m:sSub>
+                        </m:e>
+                      </m:d>
+                      <m:r>
+                        <a:rPr lang="en-US" altLang="zh-CN" sz="2400" i="1"/>
+                        <m:t>=</m:t>
+                      </m:r>
+                    </m:oMath>
+                  </m:oMathPara>
+                </a14:m>
+                <a:endParaRPr lang="en-US" altLang="zh-CN" sz="2400" i="1" dirty="0"/>
+              </a:p>
+              <a:p>
+                <a14:m>
+                  <m:oMath xmlns:m="http://schemas.openxmlformats.org/officeDocument/2006/math">
+                    <m:nary>
+                      <m:naryPr>
+                        <m:chr m:val="∏"/>
+                        <m:limLoc m:val="undOvr"/>
+                        <m:grow m:val="on"/>
+                        <m:supHide m:val="on"/>
+                        <m:ctrlPr>
+                          <a:rPr lang="zh-CN" altLang="zh-CN" sz="2400" i="1"/>
+                        </m:ctrlPr>
+                      </m:naryPr>
+                      <m:sub>
+                        <m:sSup>
+                          <m:sSupPr>
+                            <m:ctrlPr>
+                              <a:rPr lang="zh-CN" altLang="zh-CN" sz="2400" i="1"/>
+                            </m:ctrlPr>
+                          </m:sSupPr>
+                          <m:e>
+                            <m:r>
+                              <a:rPr lang="en-US" altLang="zh-CN" sz="2400" i="1"/>
+                              <m:t>𝑎</m:t>
+                            </m:r>
+                          </m:e>
+                          <m:sup>
+                            <m:r>
+                              <a:rPr lang="en-US" altLang="zh-CN" sz="2400" i="1"/>
+                              <m:t>∗</m:t>
+                            </m:r>
+                          </m:sup>
+                        </m:sSup>
+                        <m:r>
+                          <a:rPr lang="en-US" altLang="zh-CN" sz="2400" i="1"/>
+                          <m:t>∈</m:t>
+                        </m:r>
+                        <m:r>
+                          <a:rPr lang="en-US" altLang="zh-CN" sz="2400" i="1"/>
+                          <m:t>𝑁</m:t>
+                        </m:r>
+                        <m:r>
+                          <a:rPr lang="en-US" altLang="zh-CN" sz="2400" i="1"/>
+                          <m:t>(</m:t>
+                        </m:r>
+                        <m:r>
+                          <a:rPr lang="en-US" altLang="zh-CN" sz="2400" i="1"/>
+                          <m:t>𝑣</m:t>
+                        </m:r>
+                        <m:r>
+                          <a:rPr lang="en-US" altLang="zh-CN" sz="2400" i="1"/>
+                          <m:t>)</m:t>
+                        </m:r>
+                        <m:r>
+                          <a:rPr lang="en-US" altLang="zh-CN" sz="2400"/>
+                          <m:t>∖</m:t>
+                        </m:r>
+                        <m:r>
+                          <a:rPr lang="en-US" altLang="zh-CN" sz="2400" i="1"/>
+                          <m:t>{</m:t>
+                        </m:r>
+                        <m:r>
+                          <a:rPr lang="en-US" altLang="zh-CN" sz="2400" i="1"/>
+                          <m:t>𝑎</m:t>
+                        </m:r>
+                        <m:r>
+                          <a:rPr lang="en-US" altLang="zh-CN" sz="2400" i="1"/>
+                          <m:t>}</m:t>
+                        </m:r>
+                      </m:sub>
+                      <m:sup/>
+                      <m:e>
+                        <m:r>
+                          <a:rPr lang="en-US" altLang="zh-CN" sz="2400" i="1"/>
+                          <m:t> </m:t>
+                        </m:r>
+                      </m:e>
+                    </m:nary>
+                    <m:sSub>
+                      <m:sSubPr>
+                        <m:ctrlPr>
+                          <a:rPr lang="zh-CN" altLang="zh-CN" sz="2400" i="1" smtClean="0">
+                            <a:solidFill>
+                              <a:srgbClr val="00B050"/>
+                            </a:solidFill>
+                          </a:rPr>
+                        </m:ctrlPr>
+                      </m:sSubPr>
+                      <m:e>
+                        <m:r>
+                          <a:rPr lang="en-US" altLang="zh-CN" sz="2400" i="1">
+                            <a:solidFill>
+                              <a:srgbClr val="00B050"/>
+                            </a:solidFill>
+                          </a:rPr>
+                          <m:t>𝜇</m:t>
+                        </m:r>
+                      </m:e>
+                      <m:sub>
+                        <m:sSup>
+                          <m:sSupPr>
+                            <m:ctrlPr>
+                              <a:rPr lang="zh-CN" altLang="zh-CN" sz="2400" i="1">
+                                <a:solidFill>
+                                  <a:srgbClr val="00B050"/>
+                                </a:solidFill>
+                              </a:rPr>
+                            </m:ctrlPr>
+                          </m:sSupPr>
+                          <m:e>
+                            <m:r>
+                              <a:rPr lang="en-US" altLang="zh-CN" sz="2400" i="1">
+                                <a:solidFill>
+                                  <a:srgbClr val="00B050"/>
+                                </a:solidFill>
+                              </a:rPr>
+                              <m:t>𝑎</m:t>
+                            </m:r>
+                          </m:e>
+                          <m:sup>
+                            <m:r>
+                              <a:rPr lang="en-US" altLang="zh-CN" sz="2400" i="1">
+                                <a:solidFill>
+                                  <a:srgbClr val="00B050"/>
+                                </a:solidFill>
+                              </a:rPr>
+                              <m:t>∗</m:t>
+                            </m:r>
+                          </m:sup>
+                        </m:sSup>
+                        <m:r>
+                          <a:rPr lang="en-US" altLang="zh-CN" sz="2400" i="1">
+                            <a:solidFill>
+                              <a:srgbClr val="00B050"/>
+                            </a:solidFill>
+                          </a:rPr>
+                          <m:t>→</m:t>
+                        </m:r>
+                        <m:r>
+                          <a:rPr lang="en-US" altLang="zh-CN" sz="2400" i="1">
+                            <a:solidFill>
+                              <a:srgbClr val="00B050"/>
+                            </a:solidFill>
+                          </a:rPr>
+                          <m:t>𝑣</m:t>
+                        </m:r>
+                      </m:sub>
+                    </m:sSub>
+                    <m:d>
+                      <m:dPr>
+                        <m:ctrlPr>
+                          <a:rPr lang="zh-CN" altLang="zh-CN" sz="2400" i="1">
+                            <a:solidFill>
+                              <a:srgbClr val="00B050"/>
+                            </a:solidFill>
+                          </a:rPr>
+                        </m:ctrlPr>
+                      </m:dPr>
+                      <m:e>
+                        <m:sSub>
+                          <m:sSubPr>
+                            <m:ctrlPr>
+                              <a:rPr lang="zh-CN" altLang="zh-CN" sz="2400" i="1">
+                                <a:solidFill>
+                                  <a:srgbClr val="00B050"/>
+                                </a:solidFill>
+                              </a:rPr>
+                            </m:ctrlPr>
+                          </m:sSubPr>
+                          <m:e>
+                            <m:r>
+                              <a:rPr lang="en-US" altLang="zh-CN" sz="2400" i="1">
+                                <a:solidFill>
+                                  <a:srgbClr val="00B050"/>
+                                </a:solidFill>
+                              </a:rPr>
+                              <m:t>𝑥</m:t>
+                            </m:r>
+                          </m:e>
+                          <m:sub>
+                            <m:r>
+                              <a:rPr lang="en-US" altLang="zh-CN" sz="2400" i="1">
+                                <a:solidFill>
+                                  <a:srgbClr val="00B050"/>
+                                </a:solidFill>
+                              </a:rPr>
+                              <m:t>𝑣</m:t>
+                            </m:r>
+                          </m:sub>
+                        </m:sSub>
+                      </m:e>
+                    </m:d>
+                  </m:oMath>
+                </a14:m>
+                <a:r>
+                  <a:rPr lang="en-US" altLang="zh-CN" sz="2400" dirty="0"/>
+                  <a:t> </a:t>
+                </a:r>
+                <a14:m>
+                  <m:oMath xmlns:m="http://schemas.openxmlformats.org/officeDocument/2006/math">
+                    <m:r>
+                      <a:rPr lang="en-US" altLang="zh-CN" sz="2400" b="0" i="0" smtClean="0">
+                        <a:latin typeface="Cambria Math" panose="02040503050406030204" pitchFamily="18" charset="0"/>
+                      </a:rPr>
+                      <m:t>,    </m:t>
+                    </m:r>
+                    <m:r>
+                      <a:rPr lang="en-US" altLang="zh-CN" sz="2400">
+                        <a:latin typeface="Cambria Math" panose="02040503050406030204" pitchFamily="18" charset="0"/>
+                      </a:rPr>
+                      <m:t>∀</m:t>
+                    </m:r>
+                    <m:sSub>
+                      <m:sSubPr>
+                        <m:ctrlPr>
+                          <a:rPr lang="zh-CN" altLang="zh-CN" sz="2400" i="1">
+                            <a:latin typeface="Cambria Math" panose="02040503050406030204" pitchFamily="18" charset="0"/>
+                          </a:rPr>
+                        </m:ctrlPr>
+                      </m:sSubPr>
+                      <m:e>
+                        <m:r>
+                          <a:rPr lang="en-US" altLang="zh-CN" sz="2400" i="1">
+                            <a:latin typeface="Cambria Math" panose="02040503050406030204" pitchFamily="18" charset="0"/>
+                          </a:rPr>
+                          <m:t>𝑥</m:t>
+                        </m:r>
+                      </m:e>
+                      <m:sub>
+                        <m:r>
+                          <a:rPr lang="en-US" altLang="zh-CN" sz="2400" i="1">
+                            <a:latin typeface="Cambria Math" panose="02040503050406030204" pitchFamily="18" charset="0"/>
+                          </a:rPr>
+                          <m:t>𝑣</m:t>
+                        </m:r>
+                      </m:sub>
+                    </m:sSub>
+                    <m:r>
+                      <a:rPr lang="en-US" altLang="zh-CN" sz="2400" i="1">
+                        <a:latin typeface="Cambria Math" panose="02040503050406030204" pitchFamily="18" charset="0"/>
+                      </a:rPr>
+                      <m:t>∈</m:t>
+                    </m:r>
+                    <m:r>
+                      <m:rPr>
+                        <m:sty m:val="p"/>
+                      </m:rPr>
+                      <a:rPr lang="en-US" altLang="zh-CN" sz="2400">
+                        <a:latin typeface="Cambria Math" panose="02040503050406030204" pitchFamily="18" charset="0"/>
+                      </a:rPr>
+                      <m:t>Dom</m:t>
+                    </m:r>
+                    <m:r>
+                      <a:rPr lang="en-US" altLang="zh-CN" sz="2400" i="1">
+                        <a:latin typeface="Cambria Math" panose="02040503050406030204" pitchFamily="18" charset="0"/>
+                      </a:rPr>
+                      <m:t>(</m:t>
+                    </m:r>
+                    <m:r>
+                      <a:rPr lang="en-US" altLang="zh-CN" sz="2400" i="1">
+                        <a:latin typeface="Cambria Math" panose="02040503050406030204" pitchFamily="18" charset="0"/>
+                      </a:rPr>
+                      <m:t>𝑣</m:t>
+                    </m:r>
+                    <m:r>
+                      <a:rPr lang="en-US" altLang="zh-CN" sz="2400" i="1">
+                        <a:latin typeface="Cambria Math" panose="02040503050406030204" pitchFamily="18" charset="0"/>
+                      </a:rPr>
+                      <m:t>)</m:t>
+                    </m:r>
+                  </m:oMath>
+                </a14:m>
+                <a:endParaRPr lang="zh-CN" altLang="zh-CN" sz="2400" dirty="0"/>
+              </a:p>
+            </p:txBody>
+          </p:sp>
+        </mc:Choice>
+        <mc:Fallback>
+          <p:sp>
+            <p:nvSpPr>
+              <p:cNvPr id="31" name="文本框 30">
+                <a:extLst>
+                  <a:ext uri="{FF2B5EF4-FFF2-40B4-BE49-F238E27FC236}">
+                    <a16:creationId xmlns:a16="http://schemas.microsoft.com/office/drawing/2014/main" id="{6937DBA1-AA6F-724B-BA17-5E6E0923E6BB}"/>
+                  </a:ext>
+                </a:extLst>
+              </p:cNvPr>
+              <p:cNvSpPr txBox="1">
+                <a:spLocks noRot="1" noChangeAspect="1" noMove="1" noResize="1" noEditPoints="1" noAdjustHandles="1" noChangeArrowheads="1" noChangeShapeType="1" noTextEdit="1"/>
+              </p:cNvSpPr>
+              <p:nvPr/>
+            </p:nvSpPr>
+            <p:spPr>
+              <a:xfrm>
+                <a:off x="140878" y="5611415"/>
+                <a:ext cx="5470948" cy="881460"/>
+              </a:xfrm>
+              <a:prstGeom prst="rect">
+                <a:avLst/>
+              </a:prstGeom>
+              <a:blipFill>
+                <a:blip r:embed="rId2"/>
+                <a:stretch>
+                  <a:fillRect l="-8565" t="-25714" b="-95714"/>
+                </a:stretch>
+              </a:blipFill>
+            </p:spPr>
+            <p:txBody>
+              <a:bodyPr/>
+              <a:lstStyle/>
+              <a:p>
+                <a:r>
+                  <a:rPr lang="zh-CN" altLang="en-US">
+                    <a:noFill/>
+                  </a:rPr>
+                  <a:t> </a:t>
+                </a:r>
+              </a:p>
+            </p:txBody>
+          </p:sp>
+        </mc:Fallback>
+      </mc:AlternateContent>
+      <mc:AlternateContent xmlns:mc="http://schemas.openxmlformats.org/markup-compatibility/2006">
+        <mc:Choice xmlns:a14="http://schemas.microsoft.com/office/drawing/2010/main" Requires="a14">
+          <p:sp>
+            <p:nvSpPr>
+              <p:cNvPr id="63" name="文本框 62">
+                <a:extLst>
+                  <a:ext uri="{FF2B5EF4-FFF2-40B4-BE49-F238E27FC236}">
+                    <a16:creationId xmlns:a16="http://schemas.microsoft.com/office/drawing/2014/main" id="{1B88BADB-ED5E-F949-80C1-A12A5F6DF4DB}"/>
+                  </a:ext>
+                </a:extLst>
+              </p:cNvPr>
+              <p:cNvSpPr txBox="1"/>
+              <p:nvPr/>
+            </p:nvSpPr>
+            <p:spPr>
+              <a:xfrm>
+                <a:off x="4750989" y="1364730"/>
+                <a:ext cx="7690671" cy="1465979"/>
+              </a:xfrm>
+              <a:prstGeom prst="rect">
+                <a:avLst/>
+              </a:prstGeom>
+              <a:noFill/>
+            </p:spPr>
+            <p:txBody>
+              <a:bodyPr wrap="square">
+                <a:spAutoFit/>
+              </a:bodyPr>
+              <a:lstStyle/>
+              <a:p>
+                <a:pPr/>
+                <a14:m>
+                  <m:oMathPara xmlns:m="http://schemas.openxmlformats.org/officeDocument/2006/math">
+                    <m:oMathParaPr>
+                      <m:jc m:val="left"/>
+                    </m:oMathParaPr>
+                    <m:oMath xmlns:m="http://schemas.openxmlformats.org/officeDocument/2006/math">
+                      <m:sSub>
+                        <m:sSubPr>
+                          <m:ctrlPr>
+                            <a:rPr lang="zh-CN" altLang="zh-CN" sz="2400" i="1" smtClean="0">
+                              <a:solidFill>
+                                <a:srgbClr val="FF0000"/>
+                              </a:solidFill>
+                            </a:rPr>
+                          </m:ctrlPr>
+                        </m:sSubPr>
+                        <m:e>
+                          <m:r>
+                            <a:rPr lang="en-US" altLang="zh-CN" sz="2400" i="1">
+                              <a:solidFill>
+                                <a:srgbClr val="FF0000"/>
+                              </a:solidFill>
+                            </a:rPr>
+                            <m:t>𝜇</m:t>
+                          </m:r>
+                        </m:e>
+                        <m:sub>
+                          <m:r>
+                            <a:rPr lang="en-US" altLang="zh-CN" sz="2400" i="1">
+                              <a:solidFill>
+                                <a:srgbClr val="FF0000"/>
+                              </a:solidFill>
+                            </a:rPr>
+                            <m:t>𝑎</m:t>
+                          </m:r>
+                          <m:r>
+                            <a:rPr lang="en-US" altLang="zh-CN" sz="2400" i="1">
+                              <a:solidFill>
+                                <a:srgbClr val="FF0000"/>
+                              </a:solidFill>
+                            </a:rPr>
+                            <m:t>→</m:t>
+                          </m:r>
+                          <m:r>
+                            <a:rPr lang="en-US" altLang="zh-CN" sz="2400" i="1">
+                              <a:solidFill>
+                                <a:srgbClr val="FF0000"/>
+                              </a:solidFill>
+                            </a:rPr>
+                            <m:t>𝑣</m:t>
+                          </m:r>
+                        </m:sub>
+                      </m:sSub>
+                      <m:d>
+                        <m:dPr>
+                          <m:ctrlPr>
+                            <a:rPr lang="zh-CN" altLang="zh-CN" sz="2400" i="1">
+                              <a:solidFill>
+                                <a:srgbClr val="FF0000"/>
+                              </a:solidFill>
+                            </a:rPr>
+                          </m:ctrlPr>
+                        </m:dPr>
+                        <m:e>
+                          <m:sSub>
+                            <m:sSubPr>
+                              <m:ctrlPr>
+                                <a:rPr lang="zh-CN" altLang="zh-CN" sz="2400" i="1">
+                                  <a:solidFill>
+                                    <a:srgbClr val="FF0000"/>
+                                  </a:solidFill>
+                                </a:rPr>
+                              </m:ctrlPr>
+                            </m:sSubPr>
+                            <m:e>
+                              <m:r>
+                                <a:rPr lang="en-US" altLang="zh-CN" sz="2400" i="1">
+                                  <a:solidFill>
+                                    <a:srgbClr val="FF0000"/>
+                                  </a:solidFill>
+                                </a:rPr>
+                                <m:t>𝑥</m:t>
+                              </m:r>
+                            </m:e>
+                            <m:sub>
+                              <m:r>
+                                <a:rPr lang="en-US" altLang="zh-CN" sz="2400" i="1">
+                                  <a:solidFill>
+                                    <a:srgbClr val="FF0000"/>
+                                  </a:solidFill>
+                                </a:rPr>
+                                <m:t>𝑣</m:t>
+                              </m:r>
+                            </m:sub>
+                          </m:sSub>
+                        </m:e>
+                      </m:d>
+                      <m:r>
+                        <a:rPr lang="en-US" altLang="zh-CN" sz="2400" i="1"/>
+                        <m:t>=</m:t>
+                      </m:r>
+                    </m:oMath>
+                  </m:oMathPara>
+                </a14:m>
+                <a:endParaRPr lang="en-US" altLang="zh-CN" sz="2400" i="1" dirty="0"/>
+              </a:p>
+              <a:p>
+                <a:pPr/>
+                <a14:m>
+                  <m:oMathPara xmlns:m="http://schemas.openxmlformats.org/officeDocument/2006/math">
+                    <m:oMathParaPr>
+                      <m:jc m:val="left"/>
+                    </m:oMathParaPr>
+                    <m:oMath xmlns:m="http://schemas.openxmlformats.org/officeDocument/2006/math">
+                      <m:nary>
+                        <m:naryPr>
+                          <m:chr m:val="∑"/>
+                          <m:limLoc m:val="undOvr"/>
+                          <m:grow m:val="on"/>
+                          <m:supHide m:val="on"/>
+                          <m:ctrlPr>
+                            <a:rPr lang="zh-CN" altLang="zh-CN" sz="2400" i="1"/>
+                          </m:ctrlPr>
+                        </m:naryPr>
+                        <m:sub>
+                          <m:sSubSup>
+                            <m:sSubSupPr>
+                              <m:ctrlPr>
+                                <a:rPr lang="zh-CN" altLang="zh-CN" sz="2400" i="1"/>
+                              </m:ctrlPr>
+                            </m:sSubSupPr>
+                            <m:e>
+                              <m:r>
+                                <a:rPr lang="en-US" altLang="zh-CN" sz="2400" b="1" i="1"/>
+                                <m:t>𝐱</m:t>
+                              </m:r>
+                            </m:e>
+                            <m:sub>
+                              <m:r>
+                                <a:rPr lang="en-US" altLang="zh-CN" sz="2400" i="1"/>
+                                <m:t>𝑎</m:t>
+                              </m:r>
+                            </m:sub>
+                            <m:sup>
+                              <m:r>
+                                <a:rPr lang="en-US" altLang="zh-CN" sz="2400" i="1"/>
+                                <m:t>′</m:t>
+                              </m:r>
+                            </m:sup>
+                          </m:sSubSup>
+                          <m:r>
+                            <a:rPr lang="en-US" altLang="zh-CN" sz="2400" i="1"/>
+                            <m:t>:</m:t>
+                          </m:r>
+                          <m:sSubSup>
+                            <m:sSubSupPr>
+                              <m:ctrlPr>
+                                <a:rPr lang="zh-CN" altLang="zh-CN" sz="2400" i="1"/>
+                              </m:ctrlPr>
+                            </m:sSubSupPr>
+                            <m:e>
+                              <m:r>
+                                <a:rPr lang="en-US" altLang="zh-CN" sz="2400" i="1"/>
+                                <m:t>𝑥</m:t>
+                              </m:r>
+                            </m:e>
+                            <m:sub>
+                              <m:r>
+                                <a:rPr lang="en-US" altLang="zh-CN" sz="2400" i="1"/>
+                                <m:t>𝑣</m:t>
+                              </m:r>
+                            </m:sub>
+                            <m:sup>
+                              <m:r>
+                                <a:rPr lang="en-US" altLang="zh-CN" sz="2400" i="1"/>
+                                <m:t>′</m:t>
+                              </m:r>
+                            </m:sup>
+                          </m:sSubSup>
+                          <m:r>
+                            <a:rPr lang="en-US" altLang="zh-CN" sz="2400" i="1"/>
+                            <m:t>=</m:t>
+                          </m:r>
+                          <m:sSub>
+                            <m:sSubPr>
+                              <m:ctrlPr>
+                                <a:rPr lang="zh-CN" altLang="zh-CN" sz="2400" i="1"/>
+                              </m:ctrlPr>
+                            </m:sSubPr>
+                            <m:e>
+                              <m:r>
+                                <a:rPr lang="en-US" altLang="zh-CN" sz="2400" i="1"/>
+                                <m:t>𝑥</m:t>
+                              </m:r>
+                            </m:e>
+                            <m:sub>
+                              <m:r>
+                                <a:rPr lang="en-US" altLang="zh-CN" sz="2400" i="1"/>
+                                <m:t>𝑣</m:t>
+                              </m:r>
+                            </m:sub>
+                          </m:sSub>
+                        </m:sub>
+                        <m:sup/>
+                        <m:e>
+                          <m:r>
+                            <a:rPr lang="en-US" altLang="zh-CN" sz="2400" i="1"/>
+                            <m:t> </m:t>
+                          </m:r>
+                        </m:e>
+                      </m:nary>
+                      <m:sSub>
+                        <m:sSubPr>
+                          <m:ctrlPr>
+                            <a:rPr lang="zh-CN" altLang="zh-CN" sz="2400" i="1"/>
+                          </m:ctrlPr>
+                        </m:sSubPr>
+                        <m:e>
+                          <m:r>
+                            <a:rPr lang="en-US" altLang="zh-CN" sz="2400" i="1"/>
+                            <m:t>𝑓</m:t>
+                          </m:r>
+                        </m:e>
+                        <m:sub>
+                          <m:r>
+                            <a:rPr lang="en-US" altLang="zh-CN" sz="2400" i="1"/>
+                            <m:t>𝑎</m:t>
+                          </m:r>
+                        </m:sub>
+                      </m:sSub>
+                      <m:d>
+                        <m:dPr>
+                          <m:ctrlPr>
+                            <a:rPr lang="zh-CN" altLang="zh-CN" sz="2400" i="1"/>
+                          </m:ctrlPr>
+                        </m:dPr>
+                        <m:e>
+                          <m:sSubSup>
+                            <m:sSubSupPr>
+                              <m:ctrlPr>
+                                <a:rPr lang="zh-CN" altLang="zh-CN" sz="2400" i="1"/>
+                              </m:ctrlPr>
+                            </m:sSubSupPr>
+                            <m:e>
+                              <m:r>
+                                <a:rPr lang="en-US" altLang="zh-CN" sz="2400" b="1" i="1"/>
+                                <m:t>𝐱</m:t>
+                              </m:r>
+                            </m:e>
+                            <m:sub>
+                              <m:r>
+                                <a:rPr lang="en-US" altLang="zh-CN" sz="2400" i="1"/>
+                                <m:t>𝑎</m:t>
+                              </m:r>
+                            </m:sub>
+                            <m:sup>
+                              <m:r>
+                                <a:rPr lang="en-US" altLang="zh-CN" sz="2400" i="1"/>
+                                <m:t>′</m:t>
+                              </m:r>
+                            </m:sup>
+                          </m:sSubSup>
+                        </m:e>
+                      </m:d>
+                      <m:nary>
+                        <m:naryPr>
+                          <m:chr m:val="∏"/>
+                          <m:limLoc m:val="undOvr"/>
+                          <m:grow m:val="on"/>
+                          <m:supHide m:val="on"/>
+                          <m:ctrlPr>
+                            <a:rPr lang="zh-CN" altLang="zh-CN" sz="2400" i="1"/>
+                          </m:ctrlPr>
+                        </m:naryPr>
+                        <m:sub>
+                          <m:sSup>
+                            <m:sSupPr>
+                              <m:ctrlPr>
+                                <a:rPr lang="zh-CN" altLang="zh-CN" sz="2400" i="1"/>
+                              </m:ctrlPr>
+                            </m:sSupPr>
+                            <m:e>
+                              <m:r>
+                                <a:rPr lang="en-US" altLang="zh-CN" sz="2400" i="1"/>
+                                <m:t>𝑣</m:t>
+                              </m:r>
+                            </m:e>
+                            <m:sup>
+                              <m:r>
+                                <a:rPr lang="en-US" altLang="zh-CN" sz="2400" i="1"/>
+                                <m:t>∗</m:t>
+                              </m:r>
+                            </m:sup>
+                          </m:sSup>
+                          <m:r>
+                            <a:rPr lang="en-US" altLang="zh-CN" sz="2400" i="1"/>
+                            <m:t>∈</m:t>
+                          </m:r>
+                          <m:r>
+                            <a:rPr lang="en-US" altLang="zh-CN" sz="2400" i="1"/>
+                            <m:t>𝑁</m:t>
+                          </m:r>
+                          <m:r>
+                            <a:rPr lang="en-US" altLang="zh-CN" sz="2400" i="1"/>
+                            <m:t>(</m:t>
+                          </m:r>
+                          <m:r>
+                            <a:rPr lang="en-US" altLang="zh-CN" sz="2400" i="1"/>
+                            <m:t>𝑎</m:t>
+                          </m:r>
+                          <m:r>
+                            <a:rPr lang="en-US" altLang="zh-CN" sz="2400" i="1"/>
+                            <m:t>)</m:t>
+                          </m:r>
+                          <m:r>
+                            <a:rPr lang="en-US" altLang="zh-CN" sz="2400"/>
+                            <m:t>∖</m:t>
+                          </m:r>
+                          <m:r>
+                            <a:rPr lang="en-US" altLang="zh-CN" sz="2400" i="1"/>
+                            <m:t>{</m:t>
+                          </m:r>
+                          <m:r>
+                            <a:rPr lang="en-US" altLang="zh-CN" sz="2400" i="1"/>
+                            <m:t>𝑣</m:t>
+                          </m:r>
+                          <m:r>
+                            <a:rPr lang="en-US" altLang="zh-CN" sz="2400" i="1"/>
+                            <m:t>}</m:t>
+                          </m:r>
+                        </m:sub>
+                        <m:sup/>
+                        <m:e>
+                          <m:r>
+                            <a:rPr lang="en-US" altLang="zh-CN" sz="2400" i="1"/>
+                            <m:t> </m:t>
+                          </m:r>
+                        </m:e>
+                      </m:nary>
+                      <m:sSub>
+                        <m:sSubPr>
+                          <m:ctrlPr>
+                            <a:rPr lang="zh-CN" altLang="zh-CN" sz="2400" i="1" smtClean="0">
+                              <a:solidFill>
+                                <a:srgbClr val="FF0000"/>
+                              </a:solidFill>
+                            </a:rPr>
+                          </m:ctrlPr>
+                        </m:sSubPr>
+                        <m:e>
+                          <m:r>
+                            <a:rPr lang="en-US" altLang="zh-CN" sz="2400" i="1">
+                              <a:solidFill>
+                                <a:srgbClr val="FF0000"/>
+                              </a:solidFill>
+                            </a:rPr>
+                            <m:t>𝜇</m:t>
+                          </m:r>
+                        </m:e>
+                        <m:sub>
+                          <m:sSup>
+                            <m:sSupPr>
+                              <m:ctrlPr>
+                                <a:rPr lang="zh-CN" altLang="zh-CN" sz="2400" i="1">
+                                  <a:solidFill>
+                                    <a:srgbClr val="FF0000"/>
+                                  </a:solidFill>
+                                </a:rPr>
+                              </m:ctrlPr>
+                            </m:sSupPr>
+                            <m:e>
+                              <m:r>
+                                <a:rPr lang="en-US" altLang="zh-CN" sz="2400" i="1">
+                                  <a:solidFill>
+                                    <a:srgbClr val="FF0000"/>
+                                  </a:solidFill>
+                                </a:rPr>
+                                <m:t>𝑣</m:t>
+                              </m:r>
+                            </m:e>
+                            <m:sup>
+                              <m:r>
+                                <a:rPr lang="en-US" altLang="zh-CN" sz="2400" i="1">
+                                  <a:solidFill>
+                                    <a:srgbClr val="FF0000"/>
+                                  </a:solidFill>
+                                </a:rPr>
+                                <m:t>∗</m:t>
+                              </m:r>
+                            </m:sup>
+                          </m:sSup>
+                          <m:r>
+                            <a:rPr lang="en-US" altLang="zh-CN" sz="2400" i="1">
+                              <a:solidFill>
+                                <a:srgbClr val="FF0000"/>
+                              </a:solidFill>
+                            </a:rPr>
+                            <m:t>→</m:t>
+                          </m:r>
+                          <m:r>
+                            <a:rPr lang="en-US" altLang="zh-CN" sz="2400" i="1">
+                              <a:solidFill>
+                                <a:srgbClr val="FF0000"/>
+                              </a:solidFill>
+                            </a:rPr>
+                            <m:t>𝑎</m:t>
+                          </m:r>
+                        </m:sub>
+                      </m:sSub>
+                      <m:d>
+                        <m:dPr>
+                          <m:ctrlPr>
+                            <a:rPr lang="zh-CN" altLang="zh-CN" sz="2400" i="1">
+                              <a:solidFill>
+                                <a:srgbClr val="FF0000"/>
+                              </a:solidFill>
+                            </a:rPr>
+                          </m:ctrlPr>
+                        </m:dPr>
+                        <m:e>
+                          <m:sSubSup>
+                            <m:sSubSupPr>
+                              <m:ctrlPr>
+                                <a:rPr lang="zh-CN" altLang="zh-CN" sz="2400" i="1">
+                                  <a:solidFill>
+                                    <a:srgbClr val="FF0000"/>
+                                  </a:solidFill>
+                                </a:rPr>
+                              </m:ctrlPr>
+                            </m:sSubSupPr>
+                            <m:e>
+                              <m:r>
+                                <a:rPr lang="en-US" altLang="zh-CN" sz="2400" i="1">
+                                  <a:solidFill>
+                                    <a:srgbClr val="FF0000"/>
+                                  </a:solidFill>
+                                </a:rPr>
+                                <m:t>𝑥</m:t>
+                              </m:r>
+                            </m:e>
+                            <m:sub>
+                              <m:sSup>
+                                <m:sSupPr>
+                                  <m:ctrlPr>
+                                    <a:rPr lang="zh-CN" altLang="zh-CN" sz="2400" i="1">
+                                      <a:solidFill>
+                                        <a:srgbClr val="FF0000"/>
+                                      </a:solidFill>
+                                    </a:rPr>
+                                  </m:ctrlPr>
+                                </m:sSupPr>
+                                <m:e>
+                                  <m:r>
+                                    <a:rPr lang="en-US" altLang="zh-CN" sz="2400" i="1">
+                                      <a:solidFill>
+                                        <a:srgbClr val="FF0000"/>
+                                      </a:solidFill>
+                                    </a:rPr>
+                                    <m:t>𝑣</m:t>
+                                  </m:r>
+                                </m:e>
+                                <m:sup>
+                                  <m:r>
+                                    <a:rPr lang="en-US" altLang="zh-CN" sz="2400" i="1">
+                                      <a:solidFill>
+                                        <a:srgbClr val="FF0000"/>
+                                      </a:solidFill>
+                                    </a:rPr>
+                                    <m:t>∗</m:t>
+                                  </m:r>
+                                </m:sup>
+                              </m:sSup>
+                            </m:sub>
+                            <m:sup>
+                              <m:r>
+                                <a:rPr lang="en-US" altLang="zh-CN" sz="2400" i="1">
+                                  <a:solidFill>
+                                    <a:srgbClr val="FF0000"/>
+                                  </a:solidFill>
+                                </a:rPr>
+                                <m:t>′</m:t>
+                              </m:r>
+                            </m:sup>
+                          </m:sSubSup>
+                        </m:e>
+                      </m:d>
+                      <m:r>
+                        <a:rPr lang="en-US" altLang="zh-CN" sz="2400" b="0" i="1" smtClean="0">
+                          <a:solidFill>
+                            <a:srgbClr val="FF0000"/>
+                          </a:solidFill>
+                          <a:latin typeface="Cambria Math" panose="02040503050406030204" pitchFamily="18" charset="0"/>
+                        </a:rPr>
+                        <m:t>.</m:t>
+                      </m:r>
+                      <m:r>
+                        <a:rPr lang="en-US" altLang="zh-CN" sz="2400" b="0" i="0" smtClean="0">
+                          <a:solidFill>
+                            <a:srgbClr val="FF0000"/>
+                          </a:solidFill>
+                          <a:latin typeface="Cambria Math" panose="02040503050406030204" pitchFamily="18" charset="0"/>
+                        </a:rPr>
+                        <m:t>   </m:t>
+                      </m:r>
+                      <m:r>
+                        <a:rPr lang="en-US" altLang="zh-CN" sz="2400">
+                          <a:latin typeface="Cambria Math" panose="02040503050406030204" pitchFamily="18" charset="0"/>
+                        </a:rPr>
+                        <m:t>∀</m:t>
+                      </m:r>
+                      <m:sSub>
+                        <m:sSubPr>
+                          <m:ctrlPr>
+                            <a:rPr lang="zh-CN" altLang="zh-CN" sz="2400" i="1">
+                              <a:latin typeface="Cambria Math" panose="02040503050406030204" pitchFamily="18" charset="0"/>
+                            </a:rPr>
+                          </m:ctrlPr>
+                        </m:sSubPr>
+                        <m:e>
+                          <m:r>
+                            <a:rPr lang="en-US" altLang="zh-CN" sz="2400" i="1">
+                              <a:latin typeface="Cambria Math" panose="02040503050406030204" pitchFamily="18" charset="0"/>
+                            </a:rPr>
+                            <m:t>𝑥</m:t>
+                          </m:r>
+                        </m:e>
+                        <m:sub>
+                          <m:r>
+                            <a:rPr lang="en-US" altLang="zh-CN" sz="2400" i="1">
+                              <a:latin typeface="Cambria Math" panose="02040503050406030204" pitchFamily="18" charset="0"/>
+                            </a:rPr>
+                            <m:t>𝑣</m:t>
+                          </m:r>
+                        </m:sub>
+                      </m:sSub>
+                      <m:r>
+                        <a:rPr lang="en-US" altLang="zh-CN" sz="2400" i="1">
+                          <a:latin typeface="Cambria Math" panose="02040503050406030204" pitchFamily="18" charset="0"/>
+                        </a:rPr>
+                        <m:t>∈</m:t>
+                      </m:r>
+                      <m:r>
+                        <m:rPr>
+                          <m:sty m:val="p"/>
+                        </m:rPr>
+                        <a:rPr lang="en-US" altLang="zh-CN" sz="2400">
+                          <a:latin typeface="Cambria Math" panose="02040503050406030204" pitchFamily="18" charset="0"/>
+                        </a:rPr>
+                        <m:t>Dom</m:t>
+                      </m:r>
+                      <m:d>
+                        <m:dPr>
+                          <m:ctrlPr>
+                            <a:rPr lang="en-US" altLang="zh-CN" sz="2400" i="1">
+                              <a:latin typeface="Cambria Math" panose="02040503050406030204" pitchFamily="18" charset="0"/>
+                            </a:rPr>
+                          </m:ctrlPr>
+                        </m:dPr>
+                        <m:e>
+                          <m:r>
+                            <a:rPr lang="en-US" altLang="zh-CN" sz="2400" i="1">
+                              <a:latin typeface="Cambria Math" panose="02040503050406030204" pitchFamily="18" charset="0"/>
+                            </a:rPr>
+                            <m:t>𝑣</m:t>
+                          </m:r>
+                        </m:e>
+                      </m:d>
+                    </m:oMath>
+                  </m:oMathPara>
+                </a14:m>
+                <a:endParaRPr lang="zh-CN" altLang="en-US" sz="2400" dirty="0"/>
+              </a:p>
+            </p:txBody>
+          </p:sp>
+        </mc:Choice>
+        <mc:Fallback>
+          <p:sp>
+            <p:nvSpPr>
+              <p:cNvPr id="63" name="文本框 62">
+                <a:extLst>
+                  <a:ext uri="{FF2B5EF4-FFF2-40B4-BE49-F238E27FC236}">
+                    <a16:creationId xmlns:a16="http://schemas.microsoft.com/office/drawing/2014/main" id="{1B88BADB-ED5E-F949-80C1-A12A5F6DF4DB}"/>
+                  </a:ext>
+                </a:extLst>
+              </p:cNvPr>
+              <p:cNvSpPr txBox="1">
+                <a:spLocks noRot="1" noChangeAspect="1" noMove="1" noResize="1" noEditPoints="1" noAdjustHandles="1" noChangeArrowheads="1" noChangeShapeType="1" noTextEdit="1"/>
+              </p:cNvSpPr>
+              <p:nvPr/>
+            </p:nvSpPr>
+            <p:spPr>
+              <a:xfrm>
+                <a:off x="4750989" y="1364730"/>
+                <a:ext cx="7690671" cy="1465979"/>
+              </a:xfrm>
+              <a:prstGeom prst="rect">
+                <a:avLst/>
+              </a:prstGeom>
+              <a:blipFill>
+                <a:blip r:embed="rId3"/>
+                <a:stretch>
+                  <a:fillRect l="-10544" t="-63793" b="-115517"/>
+                </a:stretch>
+              </a:blipFill>
+            </p:spPr>
+            <p:txBody>
+              <a:bodyPr/>
+              <a:lstStyle/>
+              <a:p>
+                <a:r>
+                  <a:rPr lang="zh-CN" altLang="en-US">
+                    <a:noFill/>
+                  </a:rPr>
+                  <a:t> </a:t>
+                </a:r>
+              </a:p>
+            </p:txBody>
+          </p:sp>
+        </mc:Fallback>
+      </mc:AlternateContent>
+      <p:grpSp>
+        <p:nvGrpSpPr>
+          <p:cNvPr id="68" name="组合 67">
+            <a:extLst>
+              <a:ext uri="{FF2B5EF4-FFF2-40B4-BE49-F238E27FC236}">
+                <a16:creationId xmlns:a16="http://schemas.microsoft.com/office/drawing/2014/main" id="{7B9A8A51-0298-6145-923F-40492C65C659}"/>
+              </a:ext>
+            </a:extLst>
+          </p:cNvPr>
+          <p:cNvGrpSpPr/>
+          <p:nvPr/>
+        </p:nvGrpSpPr>
+        <p:grpSpPr>
+          <a:xfrm>
+            <a:off x="1815711" y="1936775"/>
+            <a:ext cx="6417167" cy="4556100"/>
+            <a:chOff x="1815711" y="1936775"/>
+            <a:chExt cx="6417167" cy="4556100"/>
+          </a:xfrm>
+        </p:grpSpPr>
+        <p:grpSp>
+          <p:nvGrpSpPr>
+            <p:cNvPr id="62" name="组合 61">
+              <a:extLst>
+                <a:ext uri="{FF2B5EF4-FFF2-40B4-BE49-F238E27FC236}">
+                  <a16:creationId xmlns:a16="http://schemas.microsoft.com/office/drawing/2014/main" id="{587D92C6-97BB-A040-BFB0-5541ED1721B8}"/>
+                </a:ext>
+              </a:extLst>
+            </p:cNvPr>
+            <p:cNvGrpSpPr/>
+            <p:nvPr/>
+          </p:nvGrpSpPr>
+          <p:grpSpPr>
+            <a:xfrm>
+              <a:off x="1815711" y="1936775"/>
+              <a:ext cx="6417167" cy="4556100"/>
+              <a:chOff x="934362" y="1920676"/>
+              <a:chExt cx="6417167" cy="4556100"/>
+            </a:xfrm>
+          </p:grpSpPr>
+          <p:grpSp>
+            <p:nvGrpSpPr>
+              <p:cNvPr id="15" name="组合 14">
+                <a:extLst>
+                  <a:ext uri="{FF2B5EF4-FFF2-40B4-BE49-F238E27FC236}">
+                    <a16:creationId xmlns:a16="http://schemas.microsoft.com/office/drawing/2014/main" id="{BB185810-5F77-8A41-8A8B-2EA25811E1D7}"/>
+                  </a:ext>
+                </a:extLst>
+              </p:cNvPr>
+              <p:cNvGrpSpPr/>
+              <p:nvPr/>
+            </p:nvGrpSpPr>
+            <p:grpSpPr>
+              <a:xfrm>
+                <a:off x="2141599" y="3420995"/>
+                <a:ext cx="3520039" cy="1467279"/>
+                <a:chOff x="3030599" y="2603500"/>
+                <a:chExt cx="3520039" cy="1467279"/>
+              </a:xfrm>
+            </p:grpSpPr>
+            <p:sp>
+              <p:nvSpPr>
+                <p:cNvPr id="4" name="椭圆 3">
+                  <a:extLst>
+                    <a:ext uri="{FF2B5EF4-FFF2-40B4-BE49-F238E27FC236}">
+                      <a16:creationId xmlns:a16="http://schemas.microsoft.com/office/drawing/2014/main" id="{0CEF0CFA-ACA5-1541-8EA0-0E53BB8BEE8C}"/>
+                    </a:ext>
+                  </a:extLst>
+                </p:cNvPr>
+                <p:cNvSpPr/>
+                <p:nvPr/>
+              </p:nvSpPr>
+              <p:spPr>
+                <a:xfrm>
+                  <a:off x="5594927" y="3046166"/>
+                  <a:ext cx="678873" cy="678873"/>
+                </a:xfrm>
+                <a:prstGeom prst="ellipse">
+                  <a:avLst/>
+                </a:prstGeom>
+                <a:noFill/>
+                <a:ln w="38100">
+                  <a:solidFill>
+                    <a:schemeClr val="tx1"/>
+                  </a:solidFill>
+                </a:ln>
+              </p:spPr>
+              <p:style>
+                <a:lnRef idx="2">
+                  <a:schemeClr val="accent1">
+                    <a:shade val="50000"/>
+                  </a:schemeClr>
+                </a:lnRef>
+                <a:fillRef idx="1">
+                  <a:schemeClr val="accent1"/>
+                </a:fillRef>
+                <a:effectRef idx="0">
+                  <a:schemeClr val="accent1"/>
+                </a:effectRef>
+                <a:fontRef idx="minor">
+                  <a:schemeClr val="lt1"/>
+                </a:fontRef>
+              </p:style>
+              <p:txBody>
+                <a:bodyPr rtlCol="0" anchor="ctr"/>
+                <a:lstStyle/>
+                <a:p>
+                  <a:pPr algn="ctr"/>
+                  <a:endParaRPr kumimoji="1" lang="zh-CN" altLang="en-US" dirty="0"/>
+                </a:p>
+              </p:txBody>
+            </p:sp>
+            <p:sp>
+              <p:nvSpPr>
+                <p:cNvPr id="5" name="矩形 4">
+                  <a:extLst>
+                    <a:ext uri="{FF2B5EF4-FFF2-40B4-BE49-F238E27FC236}">
+                      <a16:creationId xmlns:a16="http://schemas.microsoft.com/office/drawing/2014/main" id="{C1B6171A-3E51-8C4B-BBD9-B195489ED0BE}"/>
+                    </a:ext>
+                  </a:extLst>
+                </p:cNvPr>
+                <p:cNvSpPr/>
+                <p:nvPr/>
+              </p:nvSpPr>
+              <p:spPr>
+                <a:xfrm>
+                  <a:off x="3030599" y="3046166"/>
+                  <a:ext cx="678873" cy="678873"/>
+                </a:xfrm>
+                <a:prstGeom prst="rect">
+                  <a:avLst/>
+                </a:prstGeom>
+                <a:noFill/>
+                <a:ln w="38100">
+                  <a:solidFill>
+                    <a:schemeClr val="tx1"/>
+                  </a:solidFill>
+                </a:ln>
+              </p:spPr>
+              <p:style>
+                <a:lnRef idx="2">
+                  <a:schemeClr val="accent1">
+                    <a:shade val="50000"/>
+                  </a:schemeClr>
+                </a:lnRef>
+                <a:fillRef idx="1">
+                  <a:schemeClr val="accent1"/>
+                </a:fillRef>
+                <a:effectRef idx="0">
+                  <a:schemeClr val="accent1"/>
+                </a:effectRef>
+                <a:fontRef idx="minor">
+                  <a:schemeClr val="lt1"/>
+                </a:fontRef>
+              </p:style>
+              <p:txBody>
+                <a:bodyPr rtlCol="0" anchor="ctr"/>
+                <a:lstStyle/>
+                <a:p>
+                  <a:pPr algn="ctr"/>
+                  <a:endParaRPr kumimoji="1" lang="zh-CN" altLang="en-US"/>
+                </a:p>
+              </p:txBody>
+            </p:sp>
+            <p:cxnSp>
+              <p:nvCxnSpPr>
+                <p:cNvPr id="6" name="直线箭头连接符 5">
+                  <a:extLst>
+                    <a:ext uri="{FF2B5EF4-FFF2-40B4-BE49-F238E27FC236}">
+                      <a16:creationId xmlns:a16="http://schemas.microsoft.com/office/drawing/2014/main" id="{69792B61-B4D6-8042-B75A-A139101F41A8}"/>
+                    </a:ext>
+                  </a:extLst>
+                </p:cNvPr>
+                <p:cNvCxnSpPr>
+                  <a:stCxn id="4" idx="2"/>
+                  <a:endCxn id="5" idx="3"/>
+                </p:cNvCxnSpPr>
+                <p:nvPr/>
+              </p:nvCxnSpPr>
+              <p:spPr>
+                <a:xfrm flipH="1">
+                  <a:off x="3709472" y="3385603"/>
+                  <a:ext cx="1885455" cy="0"/>
+                </a:xfrm>
+                <a:prstGeom prst="straightConnector1">
+                  <a:avLst/>
+                </a:prstGeom>
+                <a:ln w="38100">
+                  <a:solidFill>
+                    <a:schemeClr val="tx1"/>
+                  </a:solidFill>
+                  <a:tailEnd type="none"/>
+                </a:ln>
+              </p:spPr>
+              <p:style>
+                <a:lnRef idx="1">
+                  <a:schemeClr val="accent1"/>
+                </a:lnRef>
+                <a:fillRef idx="0">
+                  <a:schemeClr val="accent1"/>
+                </a:fillRef>
+                <a:effectRef idx="0">
+                  <a:schemeClr val="accent1"/>
+                </a:effectRef>
+                <a:fontRef idx="minor">
+                  <a:schemeClr val="tx1"/>
+                </a:fontRef>
+              </p:style>
+            </p:cxnSp>
+            <mc:AlternateContent xmlns:mc="http://schemas.openxmlformats.org/markup-compatibility/2006">
+              <mc:Choice xmlns:a14="http://schemas.microsoft.com/office/drawing/2010/main" Requires="a14">
+                <p:sp>
+                  <p:nvSpPr>
+                    <p:cNvPr id="7" name="文本框 6">
+                      <a:extLst>
+                        <a:ext uri="{FF2B5EF4-FFF2-40B4-BE49-F238E27FC236}">
+                          <a16:creationId xmlns:a16="http://schemas.microsoft.com/office/drawing/2014/main" id="{0C2AD61E-F13A-2048-A72F-277CD2FDF59F}"/>
+                        </a:ext>
+                      </a:extLst>
+                    </p:cNvPr>
+                    <p:cNvSpPr txBox="1"/>
+                    <p:nvPr/>
+                  </p:nvSpPr>
+                  <p:spPr>
+                    <a:xfrm>
+                      <a:off x="5765440" y="3157490"/>
+                      <a:ext cx="314189" cy="430887"/>
+                    </a:xfrm>
+                    <a:prstGeom prst="rect">
+                      <a:avLst/>
+                    </a:prstGeom>
+                    <a:noFill/>
+                  </p:spPr>
+                  <p:txBody>
+                    <a:bodyPr wrap="none" lIns="0" tIns="0" rIns="0" bIns="0" rtlCol="0">
+                      <a:spAutoFit/>
+                    </a:bodyPr>
+                    <a:lstStyle/>
+                    <a:p>
+                      <a:pPr/>
+                      <a14:m>
+                        <m:oMathPara xmlns:m="http://schemas.openxmlformats.org/officeDocument/2006/math">
+                          <m:oMathParaPr>
+                            <m:jc m:val="centerGroup"/>
+                          </m:oMathParaPr>
+                          <m:oMath xmlns:m="http://schemas.openxmlformats.org/officeDocument/2006/math">
+                            <m:r>
+                              <a:rPr kumimoji="1" lang="en-US" altLang="zh-CN" sz="2800" b="0" i="1" smtClean="0">
+                                <a:latin typeface="Cambria Math" panose="02040503050406030204" pitchFamily="18" charset="0"/>
+                              </a:rPr>
+                              <m:t>𝑣</m:t>
+                            </m:r>
+                          </m:oMath>
+                        </m:oMathPara>
+                      </a14:m>
+                      <a:endParaRPr kumimoji="1" lang="zh-CN" altLang="en-US" sz="2800" dirty="0"/>
+                    </a:p>
+                  </p:txBody>
+                </p:sp>
+              </mc:Choice>
+              <mc:Fallback>
+                <p:sp>
+                  <p:nvSpPr>
+                    <p:cNvPr id="7" name="文本框 6">
+                      <a:extLst>
+                        <a:ext uri="{FF2B5EF4-FFF2-40B4-BE49-F238E27FC236}">
+                          <a16:creationId xmlns:a16="http://schemas.microsoft.com/office/drawing/2014/main" id="{0C2AD61E-F13A-2048-A72F-277CD2FDF59F}"/>
+                        </a:ext>
+                      </a:extLst>
+                    </p:cNvPr>
+                    <p:cNvSpPr txBox="1">
+                      <a:spLocks noRot="1" noChangeAspect="1" noMove="1" noResize="1" noEditPoints="1" noAdjustHandles="1" noChangeArrowheads="1" noChangeShapeType="1" noTextEdit="1"/>
+                    </p:cNvSpPr>
+                    <p:nvPr/>
+                  </p:nvSpPr>
+                  <p:spPr>
+                    <a:xfrm>
+                      <a:off x="5765440" y="3157490"/>
+                      <a:ext cx="314189" cy="430887"/>
+                    </a:xfrm>
+                    <a:prstGeom prst="rect">
+                      <a:avLst/>
+                    </a:prstGeom>
+                    <a:blipFill>
+                      <a:blip r:embed="rId4"/>
+                      <a:stretch>
+                        <a:fillRect l="-11538" r="-3846"/>
+                      </a:stretch>
+                    </a:blipFill>
+                  </p:spPr>
+                  <p:txBody>
+                    <a:bodyPr/>
+                    <a:lstStyle/>
+                    <a:p>
+                      <a:r>
+                        <a:rPr lang="zh-CN" altLang="en-US">
+                          <a:noFill/>
+                        </a:rPr>
+                        <a:t> </a:t>
+                      </a:r>
+                    </a:p>
+                  </p:txBody>
+                </p:sp>
+              </mc:Fallback>
+            </mc:AlternateContent>
+            <mc:AlternateContent xmlns:mc="http://schemas.openxmlformats.org/markup-compatibility/2006">
+              <mc:Choice xmlns:a14="http://schemas.microsoft.com/office/drawing/2010/main" Requires="a14">
+                <p:sp>
+                  <p:nvSpPr>
+                    <p:cNvPr id="8" name="文本框 7">
+                      <a:extLst>
+                        <a:ext uri="{FF2B5EF4-FFF2-40B4-BE49-F238E27FC236}">
+                          <a16:creationId xmlns:a16="http://schemas.microsoft.com/office/drawing/2014/main" id="{3BC4A281-53A9-4B4A-AC73-9581E8171F37}"/>
+                        </a:ext>
+                      </a:extLst>
+                    </p:cNvPr>
+                    <p:cNvSpPr txBox="1"/>
+                    <p:nvPr/>
+                  </p:nvSpPr>
+                  <p:spPr>
+                    <a:xfrm>
+                      <a:off x="3202363" y="3170157"/>
+                      <a:ext cx="306944" cy="430887"/>
+                    </a:xfrm>
+                    <a:prstGeom prst="rect">
+                      <a:avLst/>
+                    </a:prstGeom>
+                    <a:noFill/>
+                  </p:spPr>
+                  <p:txBody>
+                    <a:bodyPr wrap="none" lIns="0" tIns="0" rIns="0" bIns="0" rtlCol="0">
+                      <a:spAutoFit/>
+                    </a:bodyPr>
+                    <a:lstStyle/>
+                    <a:p>
+                      <a:pPr/>
+                      <a14:m>
+                        <m:oMathPara xmlns:m="http://schemas.openxmlformats.org/officeDocument/2006/math">
+                          <m:oMathParaPr>
+                            <m:jc m:val="centerGroup"/>
+                          </m:oMathParaPr>
+                          <m:oMath xmlns:m="http://schemas.openxmlformats.org/officeDocument/2006/math">
+                            <m:r>
+                              <a:rPr kumimoji="1" lang="en-US" altLang="zh-CN" sz="2800" b="0" i="1" dirty="0" smtClean="0">
+                                <a:latin typeface="Cambria Math" panose="02040503050406030204" pitchFamily="18" charset="0"/>
+                              </a:rPr>
+                              <m:t>𝑎</m:t>
+                            </m:r>
+                          </m:oMath>
+                        </m:oMathPara>
+                      </a14:m>
+                      <a:endParaRPr kumimoji="1" lang="zh-CN" altLang="en-US" sz="2800" dirty="0"/>
+                    </a:p>
+                  </p:txBody>
+                </p:sp>
+              </mc:Choice>
+              <mc:Fallback>
+                <p:sp>
+                  <p:nvSpPr>
+                    <p:cNvPr id="8" name="文本框 7">
+                      <a:extLst>
+                        <a:ext uri="{FF2B5EF4-FFF2-40B4-BE49-F238E27FC236}">
+                          <a16:creationId xmlns:a16="http://schemas.microsoft.com/office/drawing/2014/main" id="{3BC4A281-53A9-4B4A-AC73-9581E8171F37}"/>
+                        </a:ext>
+                      </a:extLst>
+                    </p:cNvPr>
+                    <p:cNvSpPr txBox="1">
+                      <a:spLocks noRot="1" noChangeAspect="1" noMove="1" noResize="1" noEditPoints="1" noAdjustHandles="1" noChangeArrowheads="1" noChangeShapeType="1" noTextEdit="1"/>
+                    </p:cNvSpPr>
+                    <p:nvPr/>
+                  </p:nvSpPr>
+                  <p:spPr>
+                    <a:xfrm>
+                      <a:off x="3202363" y="3170157"/>
+                      <a:ext cx="306944" cy="430887"/>
+                    </a:xfrm>
+                    <a:prstGeom prst="rect">
+                      <a:avLst/>
+                    </a:prstGeom>
+                    <a:blipFill>
+                      <a:blip r:embed="rId5"/>
+                      <a:stretch>
+                        <a:fillRect l="-12000" r="-8000"/>
+                      </a:stretch>
+                    </a:blipFill>
+                  </p:spPr>
+                  <p:txBody>
+                    <a:bodyPr/>
+                    <a:lstStyle/>
+                    <a:p>
+                      <a:r>
+                        <a:rPr lang="zh-CN" altLang="en-US">
+                          <a:noFill/>
+                        </a:rPr>
+                        <a:t> </a:t>
+                      </a:r>
+                    </a:p>
+                  </p:txBody>
+                </p:sp>
+              </mc:Fallback>
+            </mc:AlternateContent>
+            <p:cxnSp>
+              <p:nvCxnSpPr>
+                <p:cNvPr id="9" name="直线箭头连接符 8">
+                  <a:extLst>
+                    <a:ext uri="{FF2B5EF4-FFF2-40B4-BE49-F238E27FC236}">
+                      <a16:creationId xmlns:a16="http://schemas.microsoft.com/office/drawing/2014/main" id="{ED75DF10-4AAE-6B4D-B158-7898BC3DD9DD}"/>
+                    </a:ext>
+                  </a:extLst>
+                </p:cNvPr>
+                <p:cNvCxnSpPr/>
+                <p:nvPr/>
+              </p:nvCxnSpPr>
+              <p:spPr>
+                <a:xfrm>
+                  <a:off x="3861708" y="3201528"/>
+                  <a:ext cx="1588127" cy="0"/>
+                </a:xfrm>
+                <a:prstGeom prst="straightConnector1">
+                  <a:avLst/>
+                </a:prstGeom>
+                <a:ln w="38100">
+                  <a:solidFill>
+                    <a:srgbClr val="FF0000"/>
+                  </a:solidFill>
+                  <a:prstDash val="sysDot"/>
+                  <a:tailEnd type="triangle"/>
+                </a:ln>
+              </p:spPr>
+              <p:style>
+                <a:lnRef idx="1">
+                  <a:schemeClr val="accent1"/>
+                </a:lnRef>
+                <a:fillRef idx="0">
+                  <a:schemeClr val="accent1"/>
+                </a:fillRef>
+                <a:effectRef idx="0">
+                  <a:schemeClr val="accent1"/>
+                </a:effectRef>
+                <a:fontRef idx="minor">
+                  <a:schemeClr val="tx1"/>
+                </a:fontRef>
+              </p:style>
+            </p:cxnSp>
+            <mc:AlternateContent xmlns:mc="http://schemas.openxmlformats.org/markup-compatibility/2006">
+              <mc:Choice xmlns:a14="http://schemas.microsoft.com/office/drawing/2010/main" Requires="a14">
+                <p:sp>
+                  <p:nvSpPr>
+                    <p:cNvPr id="10" name="文本框 9">
+                      <a:extLst>
+                        <a:ext uri="{FF2B5EF4-FFF2-40B4-BE49-F238E27FC236}">
+                          <a16:creationId xmlns:a16="http://schemas.microsoft.com/office/drawing/2014/main" id="{0DAD0095-8715-8348-9ABD-2131FA453490}"/>
+                        </a:ext>
+                      </a:extLst>
+                    </p:cNvPr>
+                    <p:cNvSpPr txBox="1"/>
+                    <p:nvPr/>
+                  </p:nvSpPr>
+                  <p:spPr>
+                    <a:xfrm>
+                      <a:off x="4203840" y="2734363"/>
+                      <a:ext cx="917111" cy="461665"/>
+                    </a:xfrm>
+                    <a:prstGeom prst="rect">
+                      <a:avLst/>
+                    </a:prstGeom>
+                    <a:noFill/>
+                  </p:spPr>
+                  <p:txBody>
+                    <a:bodyPr wrap="none" rtlCol="0">
+                      <a:spAutoFit/>
+                    </a:bodyPr>
+                    <a:lstStyle/>
+                    <a:p>
+                      <a:pPr/>
+                      <a14:m>
+                        <m:oMathPara xmlns:m="http://schemas.openxmlformats.org/officeDocument/2006/math">
+                          <m:oMathParaPr>
+                            <m:jc m:val="centerGroup"/>
+                          </m:oMathParaPr>
+                          <m:oMath xmlns:m="http://schemas.openxmlformats.org/officeDocument/2006/math">
+                            <m:sSub>
+                              <m:sSubPr>
+                                <m:ctrlPr>
+                                  <a:rPr kumimoji="1" lang="en-US" altLang="zh-CN" sz="2400" b="0" i="1" smtClean="0">
+                                    <a:solidFill>
+                                      <a:srgbClr val="FF0000"/>
+                                    </a:solidFill>
+                                    <a:latin typeface="Cambria Math" panose="02040503050406030204" pitchFamily="18" charset="0"/>
+                                  </a:rPr>
+                                </m:ctrlPr>
+                              </m:sSubPr>
+                              <m:e>
+                                <m:r>
+                                  <a:rPr kumimoji="1" lang="en-US" altLang="zh-CN" sz="2400" i="1">
+                                    <a:solidFill>
+                                      <a:srgbClr val="FF0000"/>
+                                    </a:solidFill>
+                                    <a:latin typeface="Cambria Math" panose="02040503050406030204" pitchFamily="18" charset="0"/>
+                                  </a:rPr>
+                                  <m:t>𝜇</m:t>
+                                </m:r>
+                              </m:e>
+                              <m:sub>
+                                <m:r>
+                                  <a:rPr kumimoji="1" lang="en-US" altLang="zh-CN" sz="2400" b="0" i="1" smtClean="0">
+                                    <a:solidFill>
+                                      <a:srgbClr val="FF0000"/>
+                                    </a:solidFill>
+                                    <a:latin typeface="Cambria Math" panose="02040503050406030204" pitchFamily="18" charset="0"/>
+                                  </a:rPr>
+                                  <m:t>𝑎</m:t>
+                                </m:r>
+                                <m:r>
+                                  <a:rPr kumimoji="1" lang="en-US" altLang="zh-CN" sz="2400" b="0" i="1" smtClean="0">
+                                    <a:solidFill>
+                                      <a:srgbClr val="FF0000"/>
+                                    </a:solidFill>
+                                    <a:latin typeface="Cambria Math" panose="02040503050406030204" pitchFamily="18" charset="0"/>
+                                  </a:rPr>
+                                  <m:t>→</m:t>
+                                </m:r>
+                                <m:r>
+                                  <a:rPr kumimoji="1" lang="en-US" altLang="zh-CN" sz="2400" b="0" i="1" smtClean="0">
+                                    <a:solidFill>
+                                      <a:srgbClr val="FF0000"/>
+                                    </a:solidFill>
+                                    <a:latin typeface="Cambria Math" panose="02040503050406030204" pitchFamily="18" charset="0"/>
+                                  </a:rPr>
+                                  <m:t>𝑣</m:t>
+                                </m:r>
+                              </m:sub>
+                            </m:sSub>
+                          </m:oMath>
+                        </m:oMathPara>
+                      </a14:m>
+                      <a:endParaRPr kumimoji="1" lang="en-US" altLang="zh-CN" sz="2400" dirty="0">
+                        <a:solidFill>
+                          <a:srgbClr val="FF0000"/>
+                        </a:solidFill>
+                      </a:endParaRPr>
+                    </a:p>
+                  </p:txBody>
+                </p:sp>
+              </mc:Choice>
+              <mc:Fallback>
+                <p:sp>
+                  <p:nvSpPr>
+                    <p:cNvPr id="10" name="文本框 9">
+                      <a:extLst>
+                        <a:ext uri="{FF2B5EF4-FFF2-40B4-BE49-F238E27FC236}">
+                          <a16:creationId xmlns:a16="http://schemas.microsoft.com/office/drawing/2014/main" id="{0DAD0095-8715-8348-9ABD-2131FA453490}"/>
+                        </a:ext>
+                      </a:extLst>
+                    </p:cNvPr>
+                    <p:cNvSpPr txBox="1">
+                      <a:spLocks noRot="1" noChangeAspect="1" noMove="1" noResize="1" noEditPoints="1" noAdjustHandles="1" noChangeArrowheads="1" noChangeShapeType="1" noTextEdit="1"/>
+                    </p:cNvSpPr>
+                    <p:nvPr/>
+                  </p:nvSpPr>
+                  <p:spPr>
+                    <a:xfrm>
+                      <a:off x="4203840" y="2734363"/>
+                      <a:ext cx="917111" cy="461665"/>
+                    </a:xfrm>
+                    <a:prstGeom prst="rect">
+                      <a:avLst/>
+                    </a:prstGeom>
+                    <a:blipFill>
+                      <a:blip r:embed="rId6"/>
+                      <a:stretch>
+                        <a:fillRect b="-5263"/>
+                      </a:stretch>
+                    </a:blipFill>
+                  </p:spPr>
+                  <p:txBody>
+                    <a:bodyPr/>
+                    <a:lstStyle/>
+                    <a:p>
+                      <a:r>
+                        <a:rPr lang="zh-CN" altLang="en-US">
+                          <a:noFill/>
+                        </a:rPr>
+                        <a:t> </a:t>
+                      </a:r>
+                    </a:p>
+                  </p:txBody>
+                </p:sp>
+              </mc:Fallback>
+            </mc:AlternateContent>
+            <mc:AlternateContent xmlns:mc="http://schemas.openxmlformats.org/markup-compatibility/2006">
+              <mc:Choice xmlns:a14="http://schemas.microsoft.com/office/drawing/2010/main" Requires="a14">
+                <p:sp>
+                  <p:nvSpPr>
+                    <p:cNvPr id="11" name="文本框 10">
+                      <a:extLst>
+                        <a:ext uri="{FF2B5EF4-FFF2-40B4-BE49-F238E27FC236}">
+                          <a16:creationId xmlns:a16="http://schemas.microsoft.com/office/drawing/2014/main" id="{042C08C8-4A5B-BD4D-983C-834BB7943FF3}"/>
+                        </a:ext>
+                      </a:extLst>
+                    </p:cNvPr>
+                    <p:cNvSpPr txBox="1"/>
+                    <p:nvPr/>
+                  </p:nvSpPr>
+                  <p:spPr>
+                    <a:xfrm>
+                      <a:off x="4219375" y="3609114"/>
+                      <a:ext cx="917111" cy="461665"/>
+                    </a:xfrm>
+                    <a:prstGeom prst="rect">
+                      <a:avLst/>
+                    </a:prstGeom>
+                    <a:noFill/>
+                  </p:spPr>
+                  <p:txBody>
+                    <a:bodyPr wrap="none" rtlCol="0">
+                      <a:spAutoFit/>
+                    </a:bodyPr>
+                    <a:lstStyle/>
+                    <a:p>
+                      <a:pPr/>
+                      <a14:m>
+                        <m:oMathPara xmlns:m="http://schemas.openxmlformats.org/officeDocument/2006/math">
+                          <m:oMathParaPr>
+                            <m:jc m:val="centerGroup"/>
+                          </m:oMathParaPr>
+                          <m:oMath xmlns:m="http://schemas.openxmlformats.org/officeDocument/2006/math">
+                            <m:sSub>
+                              <m:sSubPr>
+                                <m:ctrlPr>
+                                  <a:rPr kumimoji="1" lang="en-US" altLang="zh-CN" sz="2400" b="0" i="1" smtClean="0">
+                                    <a:solidFill>
+                                      <a:srgbClr val="00B050"/>
+                                    </a:solidFill>
+                                    <a:latin typeface="Cambria Math" panose="02040503050406030204" pitchFamily="18" charset="0"/>
+                                  </a:rPr>
+                                </m:ctrlPr>
+                              </m:sSubPr>
+                              <m:e>
+                                <m:r>
+                                  <a:rPr kumimoji="1" lang="en-US" altLang="zh-CN" sz="2400" i="1">
+                                    <a:solidFill>
+                                      <a:srgbClr val="00B050"/>
+                                    </a:solidFill>
+                                    <a:latin typeface="Cambria Math" panose="02040503050406030204" pitchFamily="18" charset="0"/>
+                                  </a:rPr>
+                                  <m:t>𝜇</m:t>
+                                </m:r>
+                              </m:e>
+                              <m:sub>
+                                <m:r>
+                                  <a:rPr kumimoji="1" lang="en-US" altLang="zh-CN" sz="2400" b="0" i="1" smtClean="0">
+                                    <a:solidFill>
+                                      <a:srgbClr val="00B050"/>
+                                    </a:solidFill>
+                                    <a:latin typeface="Cambria Math" panose="02040503050406030204" pitchFamily="18" charset="0"/>
+                                  </a:rPr>
+                                  <m:t>𝑣</m:t>
+                                </m:r>
+                                <m:r>
+                                  <a:rPr kumimoji="1" lang="en-US" altLang="zh-CN" sz="2400" b="0" i="1" smtClean="0">
+                                    <a:solidFill>
+                                      <a:srgbClr val="00B050"/>
+                                    </a:solidFill>
+                                    <a:latin typeface="Cambria Math" panose="02040503050406030204" pitchFamily="18" charset="0"/>
+                                  </a:rPr>
+                                  <m:t>→</m:t>
+                                </m:r>
+                                <m:r>
+                                  <a:rPr kumimoji="1" lang="en-US" altLang="zh-CN" sz="2400" b="0" i="1" smtClean="0">
+                                    <a:solidFill>
+                                      <a:srgbClr val="00B050"/>
+                                    </a:solidFill>
+                                    <a:latin typeface="Cambria Math" panose="02040503050406030204" pitchFamily="18" charset="0"/>
+                                  </a:rPr>
+                                  <m:t>𝑎</m:t>
+                                </m:r>
+                              </m:sub>
+                            </m:sSub>
+                          </m:oMath>
+                        </m:oMathPara>
+                      </a14:m>
+                      <a:endParaRPr kumimoji="1" lang="en-US" altLang="zh-CN" sz="2400" dirty="0">
+                        <a:solidFill>
+                          <a:srgbClr val="00B050"/>
+                        </a:solidFill>
+                      </a:endParaRPr>
+                    </a:p>
+                  </p:txBody>
+                </p:sp>
+              </mc:Choice>
+              <mc:Fallback>
+                <p:sp>
+                  <p:nvSpPr>
+                    <p:cNvPr id="11" name="文本框 10">
+                      <a:extLst>
+                        <a:ext uri="{FF2B5EF4-FFF2-40B4-BE49-F238E27FC236}">
+                          <a16:creationId xmlns:a16="http://schemas.microsoft.com/office/drawing/2014/main" id="{042C08C8-4A5B-BD4D-983C-834BB7943FF3}"/>
+                        </a:ext>
+                      </a:extLst>
+                    </p:cNvPr>
+                    <p:cNvSpPr txBox="1">
+                      <a:spLocks noRot="1" noChangeAspect="1" noMove="1" noResize="1" noEditPoints="1" noAdjustHandles="1" noChangeArrowheads="1" noChangeShapeType="1" noTextEdit="1"/>
+                    </p:cNvSpPr>
+                    <p:nvPr/>
+                  </p:nvSpPr>
+                  <p:spPr>
+                    <a:xfrm>
+                      <a:off x="4219375" y="3609114"/>
+                      <a:ext cx="917111" cy="461665"/>
+                    </a:xfrm>
+                    <a:prstGeom prst="rect">
+                      <a:avLst/>
+                    </a:prstGeom>
+                    <a:blipFill>
+                      <a:blip r:embed="rId7"/>
+                      <a:stretch>
+                        <a:fillRect b="-5263"/>
+                      </a:stretch>
+                    </a:blipFill>
+                  </p:spPr>
+                  <p:txBody>
+                    <a:bodyPr/>
+                    <a:lstStyle/>
+                    <a:p>
+                      <a:r>
+                        <a:rPr lang="zh-CN" altLang="en-US">
+                          <a:noFill/>
+                        </a:rPr>
+                        <a:t> </a:t>
+                      </a:r>
+                    </a:p>
+                  </p:txBody>
+                </p:sp>
+              </mc:Fallback>
+            </mc:AlternateContent>
+            <p:cxnSp>
+              <p:nvCxnSpPr>
+                <p:cNvPr id="12" name="直线箭头连接符 11">
+                  <a:extLst>
+                    <a:ext uri="{FF2B5EF4-FFF2-40B4-BE49-F238E27FC236}">
+                      <a16:creationId xmlns:a16="http://schemas.microsoft.com/office/drawing/2014/main" id="{A3CD5D59-5275-2744-A6A1-FB82D29EEDA2}"/>
+                    </a:ext>
+                  </a:extLst>
+                </p:cNvPr>
+                <p:cNvCxnSpPr>
+                  <a:cxnSpLocks/>
+                </p:cNvCxnSpPr>
+                <p:nvPr/>
+              </p:nvCxnSpPr>
+              <p:spPr>
+                <a:xfrm flipH="1">
+                  <a:off x="3861708" y="3588377"/>
+                  <a:ext cx="1562706" cy="12667"/>
+                </a:xfrm>
+                <a:prstGeom prst="straightConnector1">
+                  <a:avLst/>
+                </a:prstGeom>
+                <a:ln w="38100">
+                  <a:solidFill>
+                    <a:srgbClr val="00B050"/>
+                  </a:solidFill>
+                  <a:prstDash val="sysDot"/>
+                  <a:tailEnd type="triangle"/>
+                </a:ln>
+              </p:spPr>
+              <p:style>
+                <a:lnRef idx="1">
+                  <a:schemeClr val="accent1"/>
+                </a:lnRef>
+                <a:fillRef idx="0">
+                  <a:schemeClr val="accent1"/>
+                </a:fillRef>
+                <a:effectRef idx="0">
+                  <a:schemeClr val="accent1"/>
+                </a:effectRef>
+                <a:fontRef idx="minor">
+                  <a:schemeClr val="tx1"/>
+                </a:fontRef>
+              </p:style>
+            </p:cxnSp>
+            <p:sp>
+              <p:nvSpPr>
+                <p:cNvPr id="14" name="文本框 13">
+                  <a:extLst>
+                    <a:ext uri="{FF2B5EF4-FFF2-40B4-BE49-F238E27FC236}">
+                      <a16:creationId xmlns:a16="http://schemas.microsoft.com/office/drawing/2014/main" id="{DB2657DC-C040-DA46-A634-3702CB5599D1}"/>
+                    </a:ext>
+                  </a:extLst>
+                </p:cNvPr>
+                <p:cNvSpPr txBox="1"/>
+                <p:nvPr/>
+              </p:nvSpPr>
+              <p:spPr>
+                <a:xfrm>
+                  <a:off x="5594927" y="2603500"/>
+                  <a:ext cx="955711" cy="369332"/>
+                </a:xfrm>
+                <a:prstGeom prst="rect">
+                  <a:avLst/>
+                </a:prstGeom>
+                <a:noFill/>
+              </p:spPr>
+              <p:txBody>
+                <a:bodyPr wrap="none" rtlCol="0">
+                  <a:spAutoFit/>
+                </a:bodyPr>
+                <a:lstStyle/>
+                <a:p>
+                  <a:r>
+                    <a:rPr kumimoji="1" lang="en-US" altLang="zh-CN" dirty="0"/>
+                    <a:t>variable</a:t>
+                  </a:r>
+                  <a:endParaRPr kumimoji="1" lang="zh-CN" altLang="en-US" dirty="0"/>
+                </a:p>
+              </p:txBody>
+            </p:sp>
+          </p:grpSp>
+          <p:grpSp>
+            <p:nvGrpSpPr>
+              <p:cNvPr id="18" name="组合 17">
+                <a:extLst>
+                  <a:ext uri="{FF2B5EF4-FFF2-40B4-BE49-F238E27FC236}">
+                    <a16:creationId xmlns:a16="http://schemas.microsoft.com/office/drawing/2014/main" id="{128C895D-786F-9C41-B89D-12282EFCB02F}"/>
+                  </a:ext>
+                </a:extLst>
+              </p:cNvPr>
+              <p:cNvGrpSpPr/>
+              <p:nvPr/>
+            </p:nvGrpSpPr>
+            <p:grpSpPr>
+              <a:xfrm>
+                <a:off x="2035455" y="1920676"/>
+                <a:ext cx="678873" cy="678873"/>
+                <a:chOff x="4858327" y="4016061"/>
+                <a:chExt cx="678873" cy="678873"/>
+              </a:xfrm>
+            </p:grpSpPr>
+            <p:sp>
+              <p:nvSpPr>
+                <p:cNvPr id="16" name="椭圆 15">
+                  <a:extLst>
+                    <a:ext uri="{FF2B5EF4-FFF2-40B4-BE49-F238E27FC236}">
+                      <a16:creationId xmlns:a16="http://schemas.microsoft.com/office/drawing/2014/main" id="{633440FE-69FA-2446-A824-9879511A729A}"/>
+                    </a:ext>
+                  </a:extLst>
+                </p:cNvPr>
+                <p:cNvSpPr/>
+                <p:nvPr/>
+              </p:nvSpPr>
+              <p:spPr>
+                <a:xfrm>
+                  <a:off x="4858327" y="4016061"/>
+                  <a:ext cx="678873" cy="678873"/>
+                </a:xfrm>
+                <a:prstGeom prst="ellipse">
+                  <a:avLst/>
+                </a:prstGeom>
+                <a:noFill/>
+                <a:ln w="38100">
+                  <a:solidFill>
+                    <a:schemeClr val="tx1"/>
+                  </a:solidFill>
+                </a:ln>
+              </p:spPr>
+              <p:style>
+                <a:lnRef idx="2">
+                  <a:schemeClr val="accent1">
+                    <a:shade val="50000"/>
+                  </a:schemeClr>
+                </a:lnRef>
+                <a:fillRef idx="1">
+                  <a:schemeClr val="accent1"/>
+                </a:fillRef>
+                <a:effectRef idx="0">
+                  <a:schemeClr val="accent1"/>
+                </a:effectRef>
+                <a:fontRef idx="minor">
+                  <a:schemeClr val="lt1"/>
+                </a:fontRef>
+              </p:style>
+              <p:txBody>
+                <a:bodyPr rtlCol="0" anchor="ctr"/>
+                <a:lstStyle/>
+                <a:p>
+                  <a:pPr algn="ctr"/>
+                  <a:endParaRPr kumimoji="1" lang="zh-CN" altLang="en-US" dirty="0"/>
+                </a:p>
+              </p:txBody>
+            </p:sp>
+            <mc:AlternateContent xmlns:mc="http://schemas.openxmlformats.org/markup-compatibility/2006">
+              <mc:Choice xmlns:a14="http://schemas.microsoft.com/office/drawing/2010/main" Requires="a14">
+                <p:sp>
+                  <p:nvSpPr>
+                    <p:cNvPr id="17" name="文本框 16">
+                      <a:extLst>
+                        <a:ext uri="{FF2B5EF4-FFF2-40B4-BE49-F238E27FC236}">
+                          <a16:creationId xmlns:a16="http://schemas.microsoft.com/office/drawing/2014/main" id="{B186A878-76D9-014F-9739-BBE3A0430349}"/>
+                        </a:ext>
+                      </a:extLst>
+                    </p:cNvPr>
+                    <p:cNvSpPr txBox="1"/>
+                    <p:nvPr/>
+                  </p:nvSpPr>
+                  <p:spPr>
+                    <a:xfrm>
+                      <a:off x="4992518" y="4130085"/>
+                      <a:ext cx="461601" cy="430887"/>
+                    </a:xfrm>
+                    <a:prstGeom prst="rect">
+                      <a:avLst/>
+                    </a:prstGeom>
+                    <a:noFill/>
+                  </p:spPr>
+                  <p:txBody>
+                    <a:bodyPr wrap="none" lIns="0" tIns="0" rIns="0" bIns="0" rtlCol="0">
+                      <a:spAutoFit/>
+                    </a:bodyPr>
+                    <a:lstStyle/>
+                    <a:p>
+                      <a:pPr/>
+                      <a14:m>
+                        <m:oMathPara xmlns:m="http://schemas.openxmlformats.org/officeDocument/2006/math">
+                          <m:oMathParaPr>
+                            <m:jc m:val="centerGroup"/>
+                          </m:oMathParaPr>
+                          <m:oMath xmlns:m="http://schemas.openxmlformats.org/officeDocument/2006/math">
+                            <m:sSubSup>
+                              <m:sSubSupPr>
+                                <m:ctrlPr>
+                                  <a:rPr kumimoji="1" lang="en-US" altLang="zh-CN" sz="2800" b="0" i="1" smtClean="0">
+                                    <a:latin typeface="Cambria Math" panose="02040503050406030204" pitchFamily="18" charset="0"/>
+                                  </a:rPr>
+                                </m:ctrlPr>
+                              </m:sSubSupPr>
+                              <m:e>
+                                <m:r>
+                                  <a:rPr kumimoji="1" lang="en-US" altLang="zh-CN" sz="2800" b="0" i="1" smtClean="0">
+                                    <a:latin typeface="Cambria Math" panose="02040503050406030204" pitchFamily="18" charset="0"/>
+                                  </a:rPr>
+                                  <m:t>𝑣</m:t>
+                                </m:r>
+                              </m:e>
+                              <m:sub>
+                                <m:r>
+                                  <a:rPr kumimoji="1" lang="en-US" altLang="zh-CN" sz="2800" b="0" i="1" smtClean="0">
+                                    <a:latin typeface="Cambria Math" panose="02040503050406030204" pitchFamily="18" charset="0"/>
+                                  </a:rPr>
+                                  <m:t>𝑛</m:t>
+                                </m:r>
+                              </m:sub>
+                              <m:sup>
+                                <m:r>
+                                  <a:rPr kumimoji="1" lang="en-US" altLang="zh-CN" sz="2800" b="0" i="1" smtClean="0">
+                                    <a:latin typeface="Cambria Math" panose="02040503050406030204" pitchFamily="18" charset="0"/>
+                                  </a:rPr>
+                                  <m:t>∗</m:t>
+                                </m:r>
+                              </m:sup>
+                            </m:sSubSup>
+                          </m:oMath>
+                        </m:oMathPara>
+                      </a14:m>
+                      <a:endParaRPr kumimoji="1" lang="zh-CN" altLang="en-US" sz="2800" dirty="0"/>
+                    </a:p>
+                  </p:txBody>
+                </p:sp>
+              </mc:Choice>
+              <mc:Fallback>
+                <p:sp>
+                  <p:nvSpPr>
+                    <p:cNvPr id="17" name="文本框 16">
+                      <a:extLst>
+                        <a:ext uri="{FF2B5EF4-FFF2-40B4-BE49-F238E27FC236}">
+                          <a16:creationId xmlns:a16="http://schemas.microsoft.com/office/drawing/2014/main" id="{B186A878-76D9-014F-9739-BBE3A0430349}"/>
+                        </a:ext>
+                      </a:extLst>
+                    </p:cNvPr>
+                    <p:cNvSpPr txBox="1">
+                      <a:spLocks noRot="1" noChangeAspect="1" noMove="1" noResize="1" noEditPoints="1" noAdjustHandles="1" noChangeArrowheads="1" noChangeShapeType="1" noTextEdit="1"/>
+                    </p:cNvSpPr>
+                    <p:nvPr/>
+                  </p:nvSpPr>
+                  <p:spPr>
+                    <a:xfrm>
+                      <a:off x="4992518" y="4130085"/>
+                      <a:ext cx="461601" cy="430887"/>
+                    </a:xfrm>
+                    <a:prstGeom prst="rect">
+                      <a:avLst/>
+                    </a:prstGeom>
+                    <a:blipFill>
+                      <a:blip r:embed="rId8"/>
+                      <a:stretch>
+                        <a:fillRect l="-8108" b="-8571"/>
+                      </a:stretch>
+                    </a:blipFill>
+                  </p:spPr>
+                  <p:txBody>
+                    <a:bodyPr/>
+                    <a:lstStyle/>
+                    <a:p>
+                      <a:r>
+                        <a:rPr lang="zh-CN" altLang="en-US">
+                          <a:noFill/>
+                        </a:rPr>
+                        <a:t> </a:t>
+                      </a:r>
+                    </a:p>
+                  </p:txBody>
+                </p:sp>
+              </mc:Fallback>
+            </mc:AlternateContent>
+          </p:grpSp>
+          <p:grpSp>
+            <p:nvGrpSpPr>
+              <p:cNvPr id="19" name="组合 18">
+                <a:extLst>
+                  <a:ext uri="{FF2B5EF4-FFF2-40B4-BE49-F238E27FC236}">
+                    <a16:creationId xmlns:a16="http://schemas.microsoft.com/office/drawing/2014/main" id="{68996415-F85D-E744-8609-1E03A1FA6D1F}"/>
+                  </a:ext>
+                </a:extLst>
+              </p:cNvPr>
+              <p:cNvGrpSpPr/>
+              <p:nvPr/>
+            </p:nvGrpSpPr>
+            <p:grpSpPr>
+              <a:xfrm>
+                <a:off x="934362" y="2444898"/>
+                <a:ext cx="678873" cy="678873"/>
+                <a:chOff x="4858327" y="4016061"/>
+                <a:chExt cx="678873" cy="678873"/>
+              </a:xfrm>
+            </p:grpSpPr>
+            <p:sp>
+              <p:nvSpPr>
+                <p:cNvPr id="20" name="椭圆 19">
+                  <a:extLst>
+                    <a:ext uri="{FF2B5EF4-FFF2-40B4-BE49-F238E27FC236}">
+                      <a16:creationId xmlns:a16="http://schemas.microsoft.com/office/drawing/2014/main" id="{0E75511F-6D5F-484D-86B8-8EBFE19E048D}"/>
+                    </a:ext>
+                  </a:extLst>
+                </p:cNvPr>
+                <p:cNvSpPr/>
+                <p:nvPr/>
+              </p:nvSpPr>
+              <p:spPr>
+                <a:xfrm>
+                  <a:off x="4858327" y="4016061"/>
+                  <a:ext cx="678873" cy="678873"/>
+                </a:xfrm>
+                <a:prstGeom prst="ellipse">
+                  <a:avLst/>
+                </a:prstGeom>
+                <a:noFill/>
+                <a:ln w="38100">
+                  <a:solidFill>
+                    <a:schemeClr val="tx1"/>
+                  </a:solidFill>
+                </a:ln>
+              </p:spPr>
+              <p:style>
+                <a:lnRef idx="2">
+                  <a:schemeClr val="accent1">
+                    <a:shade val="50000"/>
+                  </a:schemeClr>
+                </a:lnRef>
+                <a:fillRef idx="1">
+                  <a:schemeClr val="accent1"/>
+                </a:fillRef>
+                <a:effectRef idx="0">
+                  <a:schemeClr val="accent1"/>
+                </a:effectRef>
+                <a:fontRef idx="minor">
+                  <a:schemeClr val="lt1"/>
+                </a:fontRef>
+              </p:style>
+              <p:txBody>
+                <a:bodyPr rtlCol="0" anchor="ctr"/>
+                <a:lstStyle/>
+                <a:p>
+                  <a:pPr algn="ctr"/>
+                  <a:endParaRPr kumimoji="1" lang="zh-CN" altLang="en-US" dirty="0"/>
+                </a:p>
+              </p:txBody>
+            </p:sp>
+            <mc:AlternateContent xmlns:mc="http://schemas.openxmlformats.org/markup-compatibility/2006">
+              <mc:Choice xmlns:a14="http://schemas.microsoft.com/office/drawing/2010/main" Requires="a14">
+                <p:sp>
+                  <p:nvSpPr>
+                    <p:cNvPr id="21" name="文本框 20">
+                      <a:extLst>
+                        <a:ext uri="{FF2B5EF4-FFF2-40B4-BE49-F238E27FC236}">
+                          <a16:creationId xmlns:a16="http://schemas.microsoft.com/office/drawing/2014/main" id="{E7C904DE-69A5-0D45-9550-7978B0FA8592}"/>
+                        </a:ext>
+                      </a:extLst>
+                    </p:cNvPr>
+                    <p:cNvSpPr txBox="1"/>
+                    <p:nvPr/>
+                  </p:nvSpPr>
+                  <p:spPr>
+                    <a:xfrm>
+                      <a:off x="4992518" y="4130085"/>
+                      <a:ext cx="455894" cy="430887"/>
+                    </a:xfrm>
+                    <a:prstGeom prst="rect">
+                      <a:avLst/>
+                    </a:prstGeom>
+                    <a:noFill/>
+                  </p:spPr>
+                  <p:txBody>
+                    <a:bodyPr wrap="none" lIns="0" tIns="0" rIns="0" bIns="0" rtlCol="0">
+                      <a:spAutoFit/>
+                    </a:bodyPr>
+                    <a:lstStyle/>
+                    <a:p>
+                      <a:pPr/>
+                      <a14:m>
+                        <m:oMathPara xmlns:m="http://schemas.openxmlformats.org/officeDocument/2006/math">
+                          <m:oMathParaPr>
+                            <m:jc m:val="centerGroup"/>
+                          </m:oMathParaPr>
+                          <m:oMath xmlns:m="http://schemas.openxmlformats.org/officeDocument/2006/math">
+                            <m:sSubSup>
+                              <m:sSubSupPr>
+                                <m:ctrlPr>
+                                  <a:rPr kumimoji="1" lang="en-US" altLang="zh-CN" sz="2800" b="0" i="1" smtClean="0">
+                                    <a:latin typeface="Cambria Math" panose="02040503050406030204" pitchFamily="18" charset="0"/>
+                                  </a:rPr>
+                                </m:ctrlPr>
+                              </m:sSubSupPr>
+                              <m:e>
+                                <m:r>
+                                  <a:rPr kumimoji="1" lang="en-US" altLang="zh-CN" sz="2800" b="0" i="1" smtClean="0">
+                                    <a:latin typeface="Cambria Math" panose="02040503050406030204" pitchFamily="18" charset="0"/>
+                                  </a:rPr>
+                                  <m:t>𝑣</m:t>
+                                </m:r>
+                              </m:e>
+                              <m:sub>
+                                <m:r>
+                                  <a:rPr kumimoji="1" lang="en-US" altLang="zh-CN" sz="2800" b="0" i="1" smtClean="0">
+                                    <a:latin typeface="Cambria Math" panose="02040503050406030204" pitchFamily="18" charset="0"/>
+                                  </a:rPr>
+                                  <m:t>1</m:t>
+                                </m:r>
+                              </m:sub>
+                              <m:sup>
+                                <m:r>
+                                  <a:rPr kumimoji="1" lang="en-US" altLang="zh-CN" sz="2800" b="0" i="1" smtClean="0">
+                                    <a:latin typeface="Cambria Math" panose="02040503050406030204" pitchFamily="18" charset="0"/>
+                                  </a:rPr>
+                                  <m:t>∗</m:t>
+                                </m:r>
+                              </m:sup>
+                            </m:sSubSup>
+                          </m:oMath>
+                        </m:oMathPara>
+                      </a14:m>
+                      <a:endParaRPr kumimoji="1" lang="zh-CN" altLang="en-US" sz="2800" dirty="0"/>
+                    </a:p>
+                  </p:txBody>
+                </p:sp>
+              </mc:Choice>
+              <mc:Fallback>
+                <p:sp>
+                  <p:nvSpPr>
+                    <p:cNvPr id="21" name="文本框 20">
+                      <a:extLst>
+                        <a:ext uri="{FF2B5EF4-FFF2-40B4-BE49-F238E27FC236}">
+                          <a16:creationId xmlns:a16="http://schemas.microsoft.com/office/drawing/2014/main" id="{E7C904DE-69A5-0D45-9550-7978B0FA8592}"/>
+                        </a:ext>
+                      </a:extLst>
+                    </p:cNvPr>
+                    <p:cNvSpPr txBox="1">
+                      <a:spLocks noRot="1" noChangeAspect="1" noMove="1" noResize="1" noEditPoints="1" noAdjustHandles="1" noChangeArrowheads="1" noChangeShapeType="1" noTextEdit="1"/>
+                    </p:cNvSpPr>
+                    <p:nvPr/>
+                  </p:nvSpPr>
+                  <p:spPr>
+                    <a:xfrm>
+                      <a:off x="4992518" y="4130085"/>
+                      <a:ext cx="455894" cy="430887"/>
+                    </a:xfrm>
+                    <a:prstGeom prst="rect">
+                      <a:avLst/>
+                    </a:prstGeom>
+                    <a:blipFill>
+                      <a:blip r:embed="rId9"/>
+                      <a:stretch>
+                        <a:fillRect l="-8108" r="-2703" b="-14286"/>
+                      </a:stretch>
+                    </a:blipFill>
+                  </p:spPr>
+                  <p:txBody>
+                    <a:bodyPr/>
+                    <a:lstStyle/>
+                    <a:p>
+                      <a:r>
+                        <a:rPr lang="zh-CN" altLang="en-US">
+                          <a:noFill/>
+                        </a:rPr>
+                        <a:t> </a:t>
+                      </a:r>
+                    </a:p>
+                  </p:txBody>
+                </p:sp>
+              </mc:Fallback>
+            </mc:AlternateContent>
+          </p:grpSp>
+          <p:cxnSp>
+            <p:nvCxnSpPr>
+              <p:cNvPr id="23" name="直线箭头连接符 22">
+                <a:extLst>
+                  <a:ext uri="{FF2B5EF4-FFF2-40B4-BE49-F238E27FC236}">
+                    <a16:creationId xmlns:a16="http://schemas.microsoft.com/office/drawing/2014/main" id="{849E96C5-DD96-2144-B9CC-2023D9B7D506}"/>
+                  </a:ext>
+                </a:extLst>
+              </p:cNvPr>
+              <p:cNvCxnSpPr>
+                <a:cxnSpLocks/>
+                <a:stCxn id="16" idx="4"/>
+                <a:endCxn id="5" idx="0"/>
+              </p:cNvCxnSpPr>
+              <p:nvPr/>
+            </p:nvCxnSpPr>
+            <p:spPr>
+              <a:xfrm>
+                <a:off x="2374892" y="2599549"/>
+                <a:ext cx="106144" cy="1264112"/>
+              </a:xfrm>
+              <a:prstGeom prst="straightConnector1">
+                <a:avLst/>
+              </a:prstGeom>
+              <a:ln w="38100">
+                <a:solidFill>
+                  <a:schemeClr val="tx1"/>
+                </a:solidFill>
+                <a:tailEnd type="none"/>
+              </a:ln>
+            </p:spPr>
+            <p:style>
+              <a:lnRef idx="1">
+                <a:schemeClr val="accent1"/>
+              </a:lnRef>
+              <a:fillRef idx="0">
+                <a:schemeClr val="accent1"/>
+              </a:fillRef>
+              <a:effectRef idx="0">
+                <a:schemeClr val="accent1"/>
+              </a:effectRef>
+              <a:fontRef idx="minor">
+                <a:schemeClr val="tx1"/>
+              </a:fontRef>
+            </p:style>
+          </p:cxnSp>
+          <p:cxnSp>
+            <p:nvCxnSpPr>
+              <p:cNvPr id="26" name="直线箭头连接符 25">
+                <a:extLst>
+                  <a:ext uri="{FF2B5EF4-FFF2-40B4-BE49-F238E27FC236}">
+                    <a16:creationId xmlns:a16="http://schemas.microsoft.com/office/drawing/2014/main" id="{3CC964CD-FDAB-B444-82B6-B5FAF42988BF}"/>
+                  </a:ext>
+                </a:extLst>
+              </p:cNvPr>
+              <p:cNvCxnSpPr>
+                <a:cxnSpLocks/>
+                <a:stCxn id="20" idx="5"/>
+                <a:endCxn id="5" idx="0"/>
+              </p:cNvCxnSpPr>
+              <p:nvPr/>
+            </p:nvCxnSpPr>
+            <p:spPr>
+              <a:xfrm>
+                <a:off x="1513816" y="3024352"/>
+                <a:ext cx="967220" cy="839309"/>
+              </a:xfrm>
+              <a:prstGeom prst="straightConnector1">
+                <a:avLst/>
+              </a:prstGeom>
+              <a:ln w="38100">
+                <a:solidFill>
+                  <a:schemeClr val="tx1"/>
+                </a:solidFill>
+                <a:tailEnd type="none"/>
+              </a:ln>
+            </p:spPr>
+            <p:style>
+              <a:lnRef idx="1">
+                <a:schemeClr val="accent1"/>
+              </a:lnRef>
+              <a:fillRef idx="0">
+                <a:schemeClr val="accent1"/>
+              </a:fillRef>
+              <a:effectRef idx="0">
+                <a:schemeClr val="accent1"/>
+              </a:effectRef>
+              <a:fontRef idx="minor">
+                <a:schemeClr val="tx1"/>
+              </a:fontRef>
+            </p:style>
+          </p:cxnSp>
+          <mc:AlternateContent xmlns:mc="http://schemas.openxmlformats.org/markup-compatibility/2006">
+            <mc:Choice xmlns:a14="http://schemas.microsoft.com/office/drawing/2010/main" Requires="a14">
+              <p:sp>
+                <p:nvSpPr>
+                  <p:cNvPr id="33" name="文本框 32">
+                    <a:extLst>
+                      <a:ext uri="{FF2B5EF4-FFF2-40B4-BE49-F238E27FC236}">
+                        <a16:creationId xmlns:a16="http://schemas.microsoft.com/office/drawing/2014/main" id="{453E4878-E2A1-764D-B0E8-CB021AF14C78}"/>
+                      </a:ext>
+                    </a:extLst>
+                  </p:cNvPr>
+                  <p:cNvSpPr txBox="1"/>
+                  <p:nvPr/>
+                </p:nvSpPr>
+                <p:spPr>
+                  <a:xfrm>
+                    <a:off x="4247486" y="5181065"/>
+                    <a:ext cx="1016176" cy="461665"/>
+                  </a:xfrm>
+                  <a:prstGeom prst="rect">
+                    <a:avLst/>
+                  </a:prstGeom>
+                  <a:noFill/>
+                </p:spPr>
+                <p:txBody>
+                  <a:bodyPr wrap="none" rtlCol="0">
+                    <a:spAutoFit/>
+                  </a:bodyPr>
+                  <a:lstStyle/>
+                  <a:p>
+                    <a:pPr/>
+                    <a14:m>
+                      <m:oMathPara xmlns:m="http://schemas.openxmlformats.org/officeDocument/2006/math">
+                        <m:oMathParaPr>
+                          <m:jc m:val="centerGroup"/>
+                        </m:oMathParaPr>
+                        <m:oMath xmlns:m="http://schemas.openxmlformats.org/officeDocument/2006/math">
+                          <m:sSub>
+                            <m:sSubPr>
+                              <m:ctrlPr>
+                                <a:rPr kumimoji="1" lang="en-US" altLang="zh-CN" sz="2400" b="0" i="1" smtClean="0">
+                                  <a:solidFill>
+                                    <a:srgbClr val="00B050"/>
+                                  </a:solidFill>
+                                  <a:latin typeface="Cambria Math" panose="02040503050406030204" pitchFamily="18" charset="0"/>
+                                </a:rPr>
+                              </m:ctrlPr>
+                            </m:sSubPr>
+                            <m:e>
+                              <m:r>
+                                <a:rPr kumimoji="1" lang="en-US" altLang="zh-CN" sz="2400" i="1">
+                                  <a:solidFill>
+                                    <a:srgbClr val="00B050"/>
+                                  </a:solidFill>
+                                  <a:latin typeface="Cambria Math" panose="02040503050406030204" pitchFamily="18" charset="0"/>
+                                </a:rPr>
+                                <m:t>𝜇</m:t>
+                              </m:r>
+                            </m:e>
+                            <m:sub>
+                              <m:sSup>
+                                <m:sSupPr>
+                                  <m:ctrlPr>
+                                    <a:rPr kumimoji="1" lang="en-US" altLang="zh-CN" sz="2400" b="0" i="1" smtClean="0">
+                                      <a:solidFill>
+                                        <a:srgbClr val="00B050"/>
+                                      </a:solidFill>
+                                      <a:latin typeface="Cambria Math" panose="02040503050406030204" pitchFamily="18" charset="0"/>
+                                    </a:rPr>
+                                  </m:ctrlPr>
+                                </m:sSupPr>
+                                <m:e>
+                                  <m:r>
+                                    <a:rPr kumimoji="1" lang="en-US" altLang="zh-CN" sz="2400" b="0" i="1" smtClean="0">
+                                      <a:solidFill>
+                                        <a:srgbClr val="00B050"/>
+                                      </a:solidFill>
+                                      <a:latin typeface="Cambria Math" panose="02040503050406030204" pitchFamily="18" charset="0"/>
+                                    </a:rPr>
+                                    <m:t>𝑎</m:t>
+                                  </m:r>
+                                </m:e>
+                                <m:sup>
+                                  <m:r>
+                                    <a:rPr kumimoji="1" lang="en-US" altLang="zh-CN" sz="2400" b="0" i="1" smtClean="0">
+                                      <a:solidFill>
+                                        <a:srgbClr val="00B050"/>
+                                      </a:solidFill>
+                                      <a:latin typeface="Cambria Math" panose="02040503050406030204" pitchFamily="18" charset="0"/>
+                                    </a:rPr>
+                                    <m:t>∗</m:t>
+                                  </m:r>
+                                </m:sup>
+                              </m:sSup>
+                              <m:r>
+                                <a:rPr kumimoji="1" lang="en-US" altLang="zh-CN" sz="2400" b="0" i="1" smtClean="0">
+                                  <a:solidFill>
+                                    <a:srgbClr val="00B050"/>
+                                  </a:solidFill>
+                                  <a:latin typeface="Cambria Math" panose="02040503050406030204" pitchFamily="18" charset="0"/>
+                                </a:rPr>
+                                <m:t>→</m:t>
+                              </m:r>
+                              <m:r>
+                                <a:rPr kumimoji="1" lang="en-US" altLang="zh-CN" sz="2400" b="0" i="1" smtClean="0">
+                                  <a:solidFill>
+                                    <a:srgbClr val="00B050"/>
+                                  </a:solidFill>
+                                  <a:latin typeface="Cambria Math" panose="02040503050406030204" pitchFamily="18" charset="0"/>
+                                </a:rPr>
+                                <m:t>𝑣</m:t>
+                              </m:r>
+                            </m:sub>
+                          </m:sSub>
+                        </m:oMath>
+                      </m:oMathPara>
+                    </a14:m>
+                    <a:endParaRPr kumimoji="1" lang="en-US" altLang="zh-CN" sz="2400" dirty="0">
+                      <a:solidFill>
+                        <a:srgbClr val="00B050"/>
+                      </a:solidFill>
+                    </a:endParaRPr>
+                  </a:p>
+                </p:txBody>
+              </p:sp>
+            </mc:Choice>
+            <mc:Fallback>
+              <p:sp>
+                <p:nvSpPr>
+                  <p:cNvPr id="33" name="文本框 32">
+                    <a:extLst>
+                      <a:ext uri="{FF2B5EF4-FFF2-40B4-BE49-F238E27FC236}">
+                        <a16:creationId xmlns:a16="http://schemas.microsoft.com/office/drawing/2014/main" id="{453E4878-E2A1-764D-B0E8-CB021AF14C78}"/>
+                      </a:ext>
+                    </a:extLst>
+                  </p:cNvPr>
+                  <p:cNvSpPr txBox="1">
+                    <a:spLocks noRot="1" noChangeAspect="1" noMove="1" noResize="1" noEditPoints="1" noAdjustHandles="1" noChangeArrowheads="1" noChangeShapeType="1" noTextEdit="1"/>
+                  </p:cNvSpPr>
+                  <p:nvPr/>
+                </p:nvSpPr>
+                <p:spPr>
+                  <a:xfrm>
+                    <a:off x="4247486" y="5181065"/>
+                    <a:ext cx="1016176" cy="461665"/>
+                  </a:xfrm>
+                  <a:prstGeom prst="rect">
+                    <a:avLst/>
+                  </a:prstGeom>
+                  <a:blipFill>
+                    <a:blip r:embed="rId10"/>
+                    <a:stretch>
+                      <a:fillRect b="-5405"/>
+                    </a:stretch>
+                  </a:blipFill>
+                </p:spPr>
+                <p:txBody>
+                  <a:bodyPr/>
+                  <a:lstStyle/>
+                  <a:p>
+                    <a:r>
+                      <a:rPr lang="zh-CN" altLang="en-US">
+                        <a:noFill/>
+                      </a:rPr>
+                      <a:t> </a:t>
+                    </a:r>
+                  </a:p>
+                </p:txBody>
+              </p:sp>
+            </mc:Fallback>
+          </mc:AlternateContent>
+          <p:cxnSp>
+            <p:nvCxnSpPr>
+              <p:cNvPr id="41" name="直线箭头连接符 40">
+                <a:extLst>
+                  <a:ext uri="{FF2B5EF4-FFF2-40B4-BE49-F238E27FC236}">
+                    <a16:creationId xmlns:a16="http://schemas.microsoft.com/office/drawing/2014/main" id="{58052966-3CFE-684D-BA1B-AFB699B749D4}"/>
+                  </a:ext>
+                </a:extLst>
+              </p:cNvPr>
+              <p:cNvCxnSpPr>
+                <a:cxnSpLocks/>
+              </p:cNvCxnSpPr>
+              <p:nvPr/>
+            </p:nvCxnSpPr>
+            <p:spPr>
+              <a:xfrm>
+                <a:off x="2537772" y="2774365"/>
+                <a:ext cx="106144" cy="797873"/>
+              </a:xfrm>
+              <a:prstGeom prst="straightConnector1">
+                <a:avLst/>
+              </a:prstGeom>
+              <a:ln w="38100">
+                <a:solidFill>
+                  <a:srgbClr val="FF0000"/>
+                </a:solidFill>
+                <a:prstDash val="sysDot"/>
+                <a:tailEnd type="triangle"/>
+              </a:ln>
+            </p:spPr>
+            <p:style>
+              <a:lnRef idx="1">
+                <a:schemeClr val="accent1"/>
+              </a:lnRef>
+              <a:fillRef idx="0">
+                <a:schemeClr val="accent1"/>
+              </a:fillRef>
+              <a:effectRef idx="0">
+                <a:schemeClr val="accent1"/>
+              </a:effectRef>
+              <a:fontRef idx="minor">
+                <a:schemeClr val="tx1"/>
+              </a:fontRef>
+            </p:style>
+          </p:cxnSp>
+          <p:grpSp>
+            <p:nvGrpSpPr>
+              <p:cNvPr id="48" name="组合 47">
+                <a:extLst>
+                  <a:ext uri="{FF2B5EF4-FFF2-40B4-BE49-F238E27FC236}">
+                    <a16:creationId xmlns:a16="http://schemas.microsoft.com/office/drawing/2014/main" id="{BCAD4307-1C62-EE4F-9790-1AF19A42E48A}"/>
+                  </a:ext>
+                </a:extLst>
+              </p:cNvPr>
+              <p:cNvGrpSpPr/>
+              <p:nvPr/>
+            </p:nvGrpSpPr>
+            <p:grpSpPr>
+              <a:xfrm>
+                <a:off x="5190783" y="5797903"/>
+                <a:ext cx="678873" cy="678873"/>
+                <a:chOff x="5190783" y="5797903"/>
+                <a:chExt cx="678873" cy="678873"/>
+              </a:xfrm>
+            </p:grpSpPr>
+            <p:sp>
+              <p:nvSpPr>
+                <p:cNvPr id="42" name="矩形 41">
+                  <a:extLst>
+                    <a:ext uri="{FF2B5EF4-FFF2-40B4-BE49-F238E27FC236}">
+                      <a16:creationId xmlns:a16="http://schemas.microsoft.com/office/drawing/2014/main" id="{A650C74B-5A8F-9744-B155-8DBD82DCCEEA}"/>
+                    </a:ext>
+                  </a:extLst>
+                </p:cNvPr>
+                <p:cNvSpPr/>
+                <p:nvPr/>
+              </p:nvSpPr>
+              <p:spPr>
+                <a:xfrm>
+                  <a:off x="5190783" y="5797903"/>
+                  <a:ext cx="678873" cy="678873"/>
+                </a:xfrm>
+                <a:prstGeom prst="rect">
+                  <a:avLst/>
+                </a:prstGeom>
+                <a:noFill/>
+                <a:ln w="38100">
+                  <a:solidFill>
+                    <a:schemeClr val="tx1"/>
+                  </a:solidFill>
+                </a:ln>
+              </p:spPr>
+              <p:style>
+                <a:lnRef idx="2">
+                  <a:schemeClr val="accent1">
+                    <a:shade val="50000"/>
+                  </a:schemeClr>
+                </a:lnRef>
+                <a:fillRef idx="1">
+                  <a:schemeClr val="accent1"/>
+                </a:fillRef>
+                <a:effectRef idx="0">
+                  <a:schemeClr val="accent1"/>
+                </a:effectRef>
+                <a:fontRef idx="minor">
+                  <a:schemeClr val="lt1"/>
+                </a:fontRef>
+              </p:style>
+              <p:txBody>
+                <a:bodyPr rtlCol="0" anchor="ctr"/>
+                <a:lstStyle/>
+                <a:p>
+                  <a:pPr algn="ctr"/>
+                  <a:endParaRPr kumimoji="1" lang="zh-CN" altLang="en-US"/>
+                </a:p>
+              </p:txBody>
+            </p:sp>
+            <mc:AlternateContent xmlns:mc="http://schemas.openxmlformats.org/markup-compatibility/2006">
+              <mc:Choice xmlns:a14="http://schemas.microsoft.com/office/drawing/2010/main" Requires="a14">
+                <p:sp>
+                  <p:nvSpPr>
+                    <p:cNvPr id="45" name="文本框 44">
+                      <a:extLst>
+                        <a:ext uri="{FF2B5EF4-FFF2-40B4-BE49-F238E27FC236}">
+                          <a16:creationId xmlns:a16="http://schemas.microsoft.com/office/drawing/2014/main" id="{B79EDF98-740D-A64E-8210-25357E6174B4}"/>
+                        </a:ext>
+                      </a:extLst>
+                    </p:cNvPr>
+                    <p:cNvSpPr txBox="1"/>
+                    <p:nvPr/>
+                  </p:nvSpPr>
+                  <p:spPr>
+                    <a:xfrm>
+                      <a:off x="5301695" y="5921895"/>
+                      <a:ext cx="457048" cy="430887"/>
+                    </a:xfrm>
+                    <a:prstGeom prst="rect">
+                      <a:avLst/>
+                    </a:prstGeom>
+                    <a:noFill/>
+                  </p:spPr>
+                  <p:txBody>
+                    <a:bodyPr wrap="none" lIns="0" tIns="0" rIns="0" bIns="0" rtlCol="0">
+                      <a:spAutoFit/>
+                    </a:bodyPr>
+                    <a:lstStyle/>
+                    <a:p>
+                      <a:pPr/>
+                      <a14:m>
+                        <m:oMathPara xmlns:m="http://schemas.openxmlformats.org/officeDocument/2006/math">
+                          <m:oMathParaPr>
+                            <m:jc m:val="centerGroup"/>
+                          </m:oMathParaPr>
+                          <m:oMath xmlns:m="http://schemas.openxmlformats.org/officeDocument/2006/math">
+                            <m:sSubSup>
+                              <m:sSubSupPr>
+                                <m:ctrlPr>
+                                  <a:rPr kumimoji="1" lang="en-US" altLang="zh-CN" sz="2800" b="0" i="1" dirty="0" smtClean="0">
+                                    <a:latin typeface="Cambria Math" panose="02040503050406030204" pitchFamily="18" charset="0"/>
+                                  </a:rPr>
+                                </m:ctrlPr>
+                              </m:sSubSupPr>
+                              <m:e>
+                                <m:r>
+                                  <a:rPr kumimoji="1" lang="en-US" altLang="zh-CN" sz="2800" b="0" i="1" dirty="0" smtClean="0">
+                                    <a:latin typeface="Cambria Math" panose="02040503050406030204" pitchFamily="18" charset="0"/>
+                                  </a:rPr>
+                                  <m:t>𝑎</m:t>
+                                </m:r>
+                              </m:e>
+                              <m:sub>
+                                <m:r>
+                                  <a:rPr kumimoji="1" lang="en-US" altLang="zh-CN" sz="2800" b="0" i="1" dirty="0" smtClean="0">
+                                    <a:latin typeface="Cambria Math" panose="02040503050406030204" pitchFamily="18" charset="0"/>
+                                  </a:rPr>
+                                  <m:t>1</m:t>
+                                </m:r>
+                              </m:sub>
+                              <m:sup>
+                                <m:r>
+                                  <a:rPr kumimoji="1" lang="en-US" altLang="zh-CN" sz="2800" b="0" i="1" dirty="0" smtClean="0">
+                                    <a:latin typeface="Cambria Math" panose="02040503050406030204" pitchFamily="18" charset="0"/>
+                                  </a:rPr>
+                                  <m:t>∗</m:t>
+                                </m:r>
+                              </m:sup>
+                            </m:sSubSup>
+                          </m:oMath>
+                        </m:oMathPara>
+                      </a14:m>
+                      <a:endParaRPr kumimoji="1" lang="zh-CN" altLang="en-US" sz="2800" dirty="0"/>
+                    </a:p>
+                  </p:txBody>
+                </p:sp>
+              </mc:Choice>
+              <mc:Fallback>
+                <p:sp>
+                  <p:nvSpPr>
+                    <p:cNvPr id="45" name="文本框 44">
+                      <a:extLst>
+                        <a:ext uri="{FF2B5EF4-FFF2-40B4-BE49-F238E27FC236}">
+                          <a16:creationId xmlns:a16="http://schemas.microsoft.com/office/drawing/2014/main" id="{B79EDF98-740D-A64E-8210-25357E6174B4}"/>
+                        </a:ext>
+                      </a:extLst>
+                    </p:cNvPr>
+                    <p:cNvSpPr txBox="1">
+                      <a:spLocks noRot="1" noChangeAspect="1" noMove="1" noResize="1" noEditPoints="1" noAdjustHandles="1" noChangeArrowheads="1" noChangeShapeType="1" noTextEdit="1"/>
+                    </p:cNvSpPr>
+                    <p:nvPr/>
+                  </p:nvSpPr>
+                  <p:spPr>
+                    <a:xfrm>
+                      <a:off x="5301695" y="5921895"/>
+                      <a:ext cx="457048" cy="430887"/>
+                    </a:xfrm>
+                    <a:prstGeom prst="rect">
+                      <a:avLst/>
+                    </a:prstGeom>
+                    <a:blipFill>
+                      <a:blip r:embed="rId11"/>
+                      <a:stretch>
+                        <a:fillRect l="-8108" r="-5405" b="-14286"/>
+                      </a:stretch>
+                    </a:blipFill>
+                  </p:spPr>
+                  <p:txBody>
+                    <a:bodyPr/>
+                    <a:lstStyle/>
+                    <a:p>
+                      <a:r>
+                        <a:rPr lang="zh-CN" altLang="en-US">
+                          <a:noFill/>
+                        </a:rPr>
+                        <a:t> </a:t>
+                      </a:r>
+                    </a:p>
+                  </p:txBody>
+                </p:sp>
+              </mc:Fallback>
+            </mc:AlternateContent>
+          </p:grpSp>
+          <p:grpSp>
+            <p:nvGrpSpPr>
+              <p:cNvPr id="49" name="组合 48">
+                <a:extLst>
+                  <a:ext uri="{FF2B5EF4-FFF2-40B4-BE49-F238E27FC236}">
+                    <a16:creationId xmlns:a16="http://schemas.microsoft.com/office/drawing/2014/main" id="{7A456A59-433F-4E46-A788-19FF66341EC2}"/>
+                  </a:ext>
+                </a:extLst>
+              </p:cNvPr>
+              <p:cNvGrpSpPr/>
+              <p:nvPr/>
+            </p:nvGrpSpPr>
+            <p:grpSpPr>
+              <a:xfrm>
+                <a:off x="6672656" y="5192950"/>
+                <a:ext cx="678873" cy="678873"/>
+                <a:chOff x="6599106" y="5814002"/>
+                <a:chExt cx="678873" cy="678873"/>
+              </a:xfrm>
+            </p:grpSpPr>
+            <p:sp>
+              <p:nvSpPr>
+                <p:cNvPr id="46" name="矩形 45">
+                  <a:extLst>
+                    <a:ext uri="{FF2B5EF4-FFF2-40B4-BE49-F238E27FC236}">
+                      <a16:creationId xmlns:a16="http://schemas.microsoft.com/office/drawing/2014/main" id="{86800CC4-B210-C042-AA26-A0CCCDBE4C50}"/>
+                    </a:ext>
+                  </a:extLst>
+                </p:cNvPr>
+                <p:cNvSpPr/>
+                <p:nvPr/>
+              </p:nvSpPr>
+              <p:spPr>
+                <a:xfrm>
+                  <a:off x="6599106" y="5814002"/>
+                  <a:ext cx="678873" cy="678873"/>
+                </a:xfrm>
+                <a:prstGeom prst="rect">
+                  <a:avLst/>
+                </a:prstGeom>
+                <a:noFill/>
+                <a:ln w="38100">
+                  <a:solidFill>
+                    <a:schemeClr val="tx1"/>
+                  </a:solidFill>
+                </a:ln>
+              </p:spPr>
+              <p:style>
+                <a:lnRef idx="2">
+                  <a:schemeClr val="accent1">
+                    <a:shade val="50000"/>
+                  </a:schemeClr>
+                </a:lnRef>
+                <a:fillRef idx="1">
+                  <a:schemeClr val="accent1"/>
+                </a:fillRef>
+                <a:effectRef idx="0">
+                  <a:schemeClr val="accent1"/>
+                </a:effectRef>
+                <a:fontRef idx="minor">
+                  <a:schemeClr val="lt1"/>
+                </a:fontRef>
+              </p:style>
+              <p:txBody>
+                <a:bodyPr rtlCol="0" anchor="ctr"/>
+                <a:lstStyle/>
+                <a:p>
+                  <a:pPr algn="ctr"/>
+                  <a:endParaRPr kumimoji="1" lang="zh-CN" altLang="en-US"/>
+                </a:p>
+              </p:txBody>
+            </p:sp>
+            <mc:AlternateContent xmlns:mc="http://schemas.openxmlformats.org/markup-compatibility/2006">
+              <mc:Choice xmlns:a14="http://schemas.microsoft.com/office/drawing/2010/main" Requires="a14">
+                <p:sp>
+                  <p:nvSpPr>
+                    <p:cNvPr id="47" name="文本框 46">
+                      <a:extLst>
+                        <a:ext uri="{FF2B5EF4-FFF2-40B4-BE49-F238E27FC236}">
+                          <a16:creationId xmlns:a16="http://schemas.microsoft.com/office/drawing/2014/main" id="{8D8B6713-DAB3-044B-9130-4F62F728CC7A}"/>
+                        </a:ext>
+                      </a:extLst>
+                    </p:cNvPr>
+                    <p:cNvSpPr txBox="1"/>
+                    <p:nvPr/>
+                  </p:nvSpPr>
+                  <p:spPr>
+                    <a:xfrm>
+                      <a:off x="6710018" y="5937994"/>
+                      <a:ext cx="562783" cy="430887"/>
+                    </a:xfrm>
+                    <a:prstGeom prst="rect">
+                      <a:avLst/>
+                    </a:prstGeom>
+                    <a:noFill/>
+                  </p:spPr>
+                  <p:txBody>
+                    <a:bodyPr wrap="none" lIns="0" tIns="0" rIns="0" bIns="0" rtlCol="0">
+                      <a:spAutoFit/>
+                    </a:bodyPr>
+                    <a:lstStyle/>
+                    <a:p>
+                      <a:pPr/>
+                      <a14:m>
+                        <m:oMathPara xmlns:m="http://schemas.openxmlformats.org/officeDocument/2006/math">
+                          <m:oMathParaPr>
+                            <m:jc m:val="centerGroup"/>
+                          </m:oMathParaPr>
+                          <m:oMath xmlns:m="http://schemas.openxmlformats.org/officeDocument/2006/math">
+                            <m:sSubSup>
+                              <m:sSubSupPr>
+                                <m:ctrlPr>
+                                  <a:rPr kumimoji="1" lang="en-US" altLang="zh-CN" sz="2800" b="0" i="1" dirty="0" smtClean="0">
+                                    <a:latin typeface="Cambria Math" panose="02040503050406030204" pitchFamily="18" charset="0"/>
+                                  </a:rPr>
+                                </m:ctrlPr>
+                              </m:sSubSupPr>
+                              <m:e>
+                                <m:r>
+                                  <a:rPr kumimoji="1" lang="en-US" altLang="zh-CN" sz="2800" b="0" i="1" dirty="0" smtClean="0">
+                                    <a:latin typeface="Cambria Math" panose="02040503050406030204" pitchFamily="18" charset="0"/>
+                                  </a:rPr>
+                                  <m:t>𝑎</m:t>
+                                </m:r>
+                              </m:e>
+                              <m:sub>
+                                <m:r>
+                                  <a:rPr kumimoji="1" lang="en-US" altLang="zh-CN" sz="2800" b="0" i="1" dirty="0" smtClean="0">
+                                    <a:latin typeface="Cambria Math" panose="02040503050406030204" pitchFamily="18" charset="0"/>
+                                  </a:rPr>
+                                  <m:t>𝑚</m:t>
+                                </m:r>
+                              </m:sub>
+                              <m:sup>
+                                <m:r>
+                                  <a:rPr kumimoji="1" lang="en-US" altLang="zh-CN" sz="2800" b="0" i="1" dirty="0" smtClean="0">
+                                    <a:latin typeface="Cambria Math" panose="02040503050406030204" pitchFamily="18" charset="0"/>
+                                  </a:rPr>
+                                  <m:t>∗</m:t>
+                                </m:r>
+                              </m:sup>
+                            </m:sSubSup>
+                          </m:oMath>
+                        </m:oMathPara>
+                      </a14:m>
+                      <a:endParaRPr kumimoji="1" lang="zh-CN" altLang="en-US" sz="2800" dirty="0"/>
+                    </a:p>
+                  </p:txBody>
+                </p:sp>
+              </mc:Choice>
+              <mc:Fallback>
+                <p:sp>
+                  <p:nvSpPr>
+                    <p:cNvPr id="47" name="文本框 46">
+                      <a:extLst>
+                        <a:ext uri="{FF2B5EF4-FFF2-40B4-BE49-F238E27FC236}">
+                          <a16:creationId xmlns:a16="http://schemas.microsoft.com/office/drawing/2014/main" id="{8D8B6713-DAB3-044B-9130-4F62F728CC7A}"/>
+                        </a:ext>
+                      </a:extLst>
+                    </p:cNvPr>
+                    <p:cNvSpPr txBox="1">
+                      <a:spLocks noRot="1" noChangeAspect="1" noMove="1" noResize="1" noEditPoints="1" noAdjustHandles="1" noChangeArrowheads="1" noChangeShapeType="1" noTextEdit="1"/>
+                    </p:cNvSpPr>
+                    <p:nvPr/>
+                  </p:nvSpPr>
+                  <p:spPr>
+                    <a:xfrm>
+                      <a:off x="6710018" y="5937994"/>
+                      <a:ext cx="562783" cy="430887"/>
+                    </a:xfrm>
+                    <a:prstGeom prst="rect">
+                      <a:avLst/>
+                    </a:prstGeom>
+                    <a:blipFill>
+                      <a:blip r:embed="rId12"/>
+                      <a:stretch>
+                        <a:fillRect l="-6667" b="-5714"/>
+                      </a:stretch>
+                    </a:blipFill>
+                  </p:spPr>
+                  <p:txBody>
+                    <a:bodyPr/>
+                    <a:lstStyle/>
+                    <a:p>
+                      <a:r>
+                        <a:rPr lang="zh-CN" altLang="en-US">
+                          <a:noFill/>
+                        </a:rPr>
+                        <a:t> </a:t>
+                      </a:r>
+                    </a:p>
+                  </p:txBody>
+                </p:sp>
+              </mc:Fallback>
+            </mc:AlternateContent>
+          </p:grpSp>
+          <p:cxnSp>
+            <p:nvCxnSpPr>
+              <p:cNvPr id="50" name="直线箭头连接符 49">
+                <a:extLst>
+                  <a:ext uri="{FF2B5EF4-FFF2-40B4-BE49-F238E27FC236}">
+                    <a16:creationId xmlns:a16="http://schemas.microsoft.com/office/drawing/2014/main" id="{09C39909-D7D4-F04E-BC8C-E5B237D8C390}"/>
+                  </a:ext>
+                </a:extLst>
+              </p:cNvPr>
+              <p:cNvCxnSpPr>
+                <a:cxnSpLocks/>
+                <a:stCxn id="4" idx="5"/>
+                <a:endCxn id="46" idx="1"/>
+              </p:cNvCxnSpPr>
+              <p:nvPr/>
+            </p:nvCxnSpPr>
+            <p:spPr>
+              <a:xfrm>
+                <a:off x="5285381" y="4443115"/>
+                <a:ext cx="1387275" cy="1089272"/>
+              </a:xfrm>
+              <a:prstGeom prst="straightConnector1">
+                <a:avLst/>
+              </a:prstGeom>
+              <a:ln w="38100">
+                <a:solidFill>
+                  <a:schemeClr val="tx1"/>
+                </a:solidFill>
+                <a:tailEnd type="none"/>
+              </a:ln>
+            </p:spPr>
+            <p:style>
+              <a:lnRef idx="1">
+                <a:schemeClr val="accent1"/>
+              </a:lnRef>
+              <a:fillRef idx="0">
+                <a:schemeClr val="accent1"/>
+              </a:fillRef>
+              <a:effectRef idx="0">
+                <a:schemeClr val="accent1"/>
+              </a:effectRef>
+              <a:fontRef idx="minor">
+                <a:schemeClr val="tx1"/>
+              </a:fontRef>
+            </p:style>
+          </p:cxnSp>
+          <p:cxnSp>
+            <p:nvCxnSpPr>
+              <p:cNvPr id="53" name="直线箭头连接符 52">
+                <a:extLst>
+                  <a:ext uri="{FF2B5EF4-FFF2-40B4-BE49-F238E27FC236}">
+                    <a16:creationId xmlns:a16="http://schemas.microsoft.com/office/drawing/2014/main" id="{EA6FAEB1-6856-DF45-9FF0-35F712DB1E8C}"/>
+                  </a:ext>
+                </a:extLst>
+              </p:cNvPr>
+              <p:cNvCxnSpPr>
+                <a:cxnSpLocks/>
+              </p:cNvCxnSpPr>
+              <p:nvPr/>
+            </p:nvCxnSpPr>
+            <p:spPr>
+              <a:xfrm flipH="1" flipV="1">
+                <a:off x="4878482" y="4606921"/>
+                <a:ext cx="401721" cy="1068312"/>
+              </a:xfrm>
+              <a:prstGeom prst="straightConnector1">
+                <a:avLst/>
+              </a:prstGeom>
+              <a:ln w="38100">
+                <a:solidFill>
+                  <a:srgbClr val="00B050"/>
+                </a:solidFill>
+                <a:prstDash val="sysDot"/>
+                <a:tailEnd type="triangle"/>
+              </a:ln>
+            </p:spPr>
+            <p:style>
+              <a:lnRef idx="1">
+                <a:schemeClr val="accent1"/>
+              </a:lnRef>
+              <a:fillRef idx="0">
+                <a:schemeClr val="accent1"/>
+              </a:fillRef>
+              <a:effectRef idx="0">
+                <a:schemeClr val="accent1"/>
+              </a:effectRef>
+              <a:fontRef idx="minor">
+                <a:schemeClr val="tx1"/>
+              </a:fontRef>
+            </p:style>
+          </p:cxnSp>
+          <p:cxnSp>
+            <p:nvCxnSpPr>
+              <p:cNvPr id="57" name="直线箭头连接符 56">
+                <a:extLst>
+                  <a:ext uri="{FF2B5EF4-FFF2-40B4-BE49-F238E27FC236}">
+                    <a16:creationId xmlns:a16="http://schemas.microsoft.com/office/drawing/2014/main" id="{68FC444E-0207-4848-B919-0F916D48149F}"/>
+                  </a:ext>
+                </a:extLst>
+              </p:cNvPr>
+              <p:cNvCxnSpPr>
+                <a:cxnSpLocks/>
+                <a:stCxn id="4" idx="4"/>
+                <a:endCxn id="42" idx="0"/>
+              </p:cNvCxnSpPr>
+              <p:nvPr/>
+            </p:nvCxnSpPr>
+            <p:spPr>
+              <a:xfrm>
+                <a:off x="5045364" y="4542534"/>
+                <a:ext cx="484856" cy="1255369"/>
+              </a:xfrm>
+              <a:prstGeom prst="straightConnector1">
+                <a:avLst/>
+              </a:prstGeom>
+              <a:ln w="38100">
+                <a:solidFill>
+                  <a:schemeClr val="tx1"/>
+                </a:solidFill>
+                <a:tailEnd type="none"/>
+              </a:ln>
+            </p:spPr>
+            <p:style>
+              <a:lnRef idx="1">
+                <a:schemeClr val="accent1"/>
+              </a:lnRef>
+              <a:fillRef idx="0">
+                <a:schemeClr val="accent1"/>
+              </a:fillRef>
+              <a:effectRef idx="0">
+                <a:schemeClr val="accent1"/>
+              </a:effectRef>
+              <a:fontRef idx="minor">
+                <a:schemeClr val="tx1"/>
+              </a:fontRef>
+            </p:style>
+          </p:cxnSp>
+          <mc:AlternateContent xmlns:mc="http://schemas.openxmlformats.org/markup-compatibility/2006">
+            <mc:Choice xmlns:a14="http://schemas.microsoft.com/office/drawing/2010/main" Requires="a14">
+              <p:sp>
+                <p:nvSpPr>
+                  <p:cNvPr id="61" name="文本框 60">
+                    <a:extLst>
+                      <a:ext uri="{FF2B5EF4-FFF2-40B4-BE49-F238E27FC236}">
+                        <a16:creationId xmlns:a16="http://schemas.microsoft.com/office/drawing/2014/main" id="{B99E6376-1E0C-3A42-8981-44A3DC3931B9}"/>
+                      </a:ext>
+                    </a:extLst>
+                  </p:cNvPr>
+                  <p:cNvSpPr txBox="1"/>
+                  <p:nvPr/>
+                </p:nvSpPr>
+                <p:spPr>
+                  <a:xfrm>
+                    <a:off x="2650275" y="2879345"/>
+                    <a:ext cx="1020536" cy="461665"/>
+                  </a:xfrm>
+                  <a:prstGeom prst="rect">
+                    <a:avLst/>
+                  </a:prstGeom>
+                  <a:noFill/>
+                </p:spPr>
+                <p:txBody>
+                  <a:bodyPr wrap="none" rtlCol="0">
+                    <a:spAutoFit/>
+                  </a:bodyPr>
+                  <a:lstStyle/>
+                  <a:p>
+                    <a:pPr/>
+                    <a14:m>
+                      <m:oMathPara xmlns:m="http://schemas.openxmlformats.org/officeDocument/2006/math">
+                        <m:oMathParaPr>
+                          <m:jc m:val="centerGroup"/>
+                        </m:oMathParaPr>
+                        <m:oMath xmlns:m="http://schemas.openxmlformats.org/officeDocument/2006/math">
+                          <m:sSub>
+                            <m:sSubPr>
+                              <m:ctrlPr>
+                                <a:rPr kumimoji="1" lang="en-US" altLang="zh-CN" sz="2400" b="0" i="1" smtClean="0">
+                                  <a:solidFill>
+                                    <a:srgbClr val="FF0000"/>
+                                  </a:solidFill>
+                                  <a:latin typeface="Cambria Math" panose="02040503050406030204" pitchFamily="18" charset="0"/>
+                                </a:rPr>
+                              </m:ctrlPr>
+                            </m:sSubPr>
+                            <m:e>
+                              <m:r>
+                                <a:rPr kumimoji="1" lang="en-US" altLang="zh-CN" sz="2400" i="1">
+                                  <a:solidFill>
+                                    <a:srgbClr val="FF0000"/>
+                                  </a:solidFill>
+                                  <a:latin typeface="Cambria Math" panose="02040503050406030204" pitchFamily="18" charset="0"/>
+                                </a:rPr>
+                                <m:t>𝜇</m:t>
+                              </m:r>
+                            </m:e>
+                            <m:sub>
+                              <m:sSup>
+                                <m:sSupPr>
+                                  <m:ctrlPr>
+                                    <a:rPr kumimoji="1" lang="en-US" altLang="zh-CN" sz="2400" b="0" i="1" smtClean="0">
+                                      <a:solidFill>
+                                        <a:srgbClr val="FF0000"/>
+                                      </a:solidFill>
+                                      <a:latin typeface="Cambria Math" panose="02040503050406030204" pitchFamily="18" charset="0"/>
+                                    </a:rPr>
+                                  </m:ctrlPr>
+                                </m:sSupPr>
+                                <m:e>
+                                  <m:r>
+                                    <a:rPr kumimoji="1" lang="en-US" altLang="zh-CN" sz="2400" b="0" i="1" smtClean="0">
+                                      <a:solidFill>
+                                        <a:srgbClr val="FF0000"/>
+                                      </a:solidFill>
+                                      <a:latin typeface="Cambria Math" panose="02040503050406030204" pitchFamily="18" charset="0"/>
+                                    </a:rPr>
+                                    <m:t>𝑣</m:t>
+                                  </m:r>
+                                </m:e>
+                                <m:sup>
+                                  <m:r>
+                                    <a:rPr kumimoji="1" lang="en-US" altLang="zh-CN" sz="2400" b="0" i="1" smtClean="0">
+                                      <a:solidFill>
+                                        <a:srgbClr val="FF0000"/>
+                                      </a:solidFill>
+                                      <a:latin typeface="Cambria Math" panose="02040503050406030204" pitchFamily="18" charset="0"/>
+                                    </a:rPr>
+                                    <m:t>∗</m:t>
+                                  </m:r>
+                                </m:sup>
+                              </m:sSup>
+                              <m:r>
+                                <a:rPr kumimoji="1" lang="en-US" altLang="zh-CN" sz="2400" b="0" i="1" smtClean="0">
+                                  <a:solidFill>
+                                    <a:srgbClr val="FF0000"/>
+                                  </a:solidFill>
+                                  <a:latin typeface="Cambria Math" panose="02040503050406030204" pitchFamily="18" charset="0"/>
+                                </a:rPr>
+                                <m:t>→</m:t>
+                              </m:r>
+                              <m:r>
+                                <a:rPr kumimoji="1" lang="en-US" altLang="zh-CN" sz="2400" b="0" i="1" smtClean="0">
+                                  <a:solidFill>
+                                    <a:srgbClr val="FF0000"/>
+                                  </a:solidFill>
+                                  <a:latin typeface="Cambria Math" panose="02040503050406030204" pitchFamily="18" charset="0"/>
+                                </a:rPr>
+                                <m:t>𝑎</m:t>
+                              </m:r>
+                            </m:sub>
+                          </m:sSub>
+                        </m:oMath>
+                      </m:oMathPara>
+                    </a14:m>
+                    <a:endParaRPr kumimoji="1" lang="en-US" altLang="zh-CN" sz="2400" dirty="0">
+                      <a:solidFill>
+                        <a:srgbClr val="FF0000"/>
+                      </a:solidFill>
+                    </a:endParaRPr>
+                  </a:p>
+                </p:txBody>
+              </p:sp>
+            </mc:Choice>
+            <mc:Fallback>
+              <p:sp>
+                <p:nvSpPr>
+                  <p:cNvPr id="61" name="文本框 60">
+                    <a:extLst>
+                      <a:ext uri="{FF2B5EF4-FFF2-40B4-BE49-F238E27FC236}">
+                        <a16:creationId xmlns:a16="http://schemas.microsoft.com/office/drawing/2014/main" id="{B99E6376-1E0C-3A42-8981-44A3DC3931B9}"/>
+                      </a:ext>
+                    </a:extLst>
+                  </p:cNvPr>
+                  <p:cNvSpPr txBox="1">
+                    <a:spLocks noRot="1" noChangeAspect="1" noMove="1" noResize="1" noEditPoints="1" noAdjustHandles="1" noChangeArrowheads="1" noChangeShapeType="1" noTextEdit="1"/>
+                  </p:cNvSpPr>
+                  <p:nvPr/>
+                </p:nvSpPr>
+                <p:spPr>
+                  <a:xfrm>
+                    <a:off x="2650275" y="2879345"/>
+                    <a:ext cx="1020536" cy="461665"/>
+                  </a:xfrm>
+                  <a:prstGeom prst="rect">
+                    <a:avLst/>
+                  </a:prstGeom>
+                  <a:blipFill>
+                    <a:blip r:embed="rId13"/>
+                    <a:stretch>
+                      <a:fillRect b="-5405"/>
+                    </a:stretch>
+                  </a:blipFill>
+                </p:spPr>
+                <p:txBody>
+                  <a:bodyPr/>
+                  <a:lstStyle/>
+                  <a:p>
+                    <a:r>
+                      <a:rPr lang="zh-CN" altLang="en-US">
+                        <a:noFill/>
+                      </a:rPr>
+                      <a:t> </a:t>
+                    </a:r>
+                  </a:p>
+                </p:txBody>
+              </p:sp>
+            </mc:Fallback>
+          </mc:AlternateContent>
+        </p:grpSp>
+        <p:cxnSp>
+          <p:nvCxnSpPr>
+            <p:cNvPr id="64" name="直线箭头连接符 63">
+              <a:extLst>
+                <a:ext uri="{FF2B5EF4-FFF2-40B4-BE49-F238E27FC236}">
+                  <a16:creationId xmlns:a16="http://schemas.microsoft.com/office/drawing/2014/main" id="{9C1547F9-8F5B-1148-8514-71E7D2EA7BFE}"/>
+                </a:ext>
+              </a:extLst>
+            </p:cNvPr>
+            <p:cNvCxnSpPr>
+              <a:cxnSpLocks/>
+            </p:cNvCxnSpPr>
+            <p:nvPr/>
+          </p:nvCxnSpPr>
+          <p:spPr>
+            <a:xfrm>
+              <a:off x="2688186" y="3061140"/>
+              <a:ext cx="514563" cy="563711"/>
+            </a:xfrm>
+            <a:prstGeom prst="straightConnector1">
+              <a:avLst/>
+            </a:prstGeom>
+            <a:ln w="38100">
+              <a:solidFill>
+                <a:srgbClr val="FF0000"/>
+              </a:solidFill>
+              <a:prstDash val="sysDot"/>
+              <a:tailEnd type="triangle"/>
+            </a:ln>
+          </p:spPr>
+          <p:style>
+            <a:lnRef idx="1">
+              <a:schemeClr val="accent1"/>
+            </a:lnRef>
+            <a:fillRef idx="0">
+              <a:schemeClr val="accent1"/>
+            </a:fillRef>
+            <a:effectRef idx="0">
+              <a:schemeClr val="accent1"/>
+            </a:effectRef>
+            <a:fontRef idx="minor">
+              <a:schemeClr val="tx1"/>
+            </a:fontRef>
+          </p:style>
+        </p:cxnSp>
+        <p:cxnSp>
+          <p:nvCxnSpPr>
+            <p:cNvPr id="66" name="直线箭头连接符 65">
+              <a:extLst>
+                <a:ext uri="{FF2B5EF4-FFF2-40B4-BE49-F238E27FC236}">
+                  <a16:creationId xmlns:a16="http://schemas.microsoft.com/office/drawing/2014/main" id="{4847A019-3A4B-1942-80ED-13AFF2EEC005}"/>
+                </a:ext>
+              </a:extLst>
+            </p:cNvPr>
+            <p:cNvCxnSpPr>
+              <a:cxnSpLocks/>
+            </p:cNvCxnSpPr>
+            <p:nvPr/>
+          </p:nvCxnSpPr>
+          <p:spPr>
+            <a:xfrm flipH="1" flipV="1">
+              <a:off x="6218980" y="4679299"/>
+              <a:ext cx="1136754" cy="939984"/>
+            </a:xfrm>
+            <a:prstGeom prst="straightConnector1">
+              <a:avLst/>
+            </a:prstGeom>
+            <a:ln w="38100">
+              <a:solidFill>
+                <a:srgbClr val="00B050"/>
+              </a:solidFill>
+              <a:prstDash val="sysDot"/>
+              <a:tailEnd type="triangle"/>
+            </a:ln>
+          </p:spPr>
+          <p:style>
+            <a:lnRef idx="1">
+              <a:schemeClr val="accent1"/>
+            </a:lnRef>
+            <a:fillRef idx="0">
+              <a:schemeClr val="accent1"/>
+            </a:fillRef>
+            <a:effectRef idx="0">
+              <a:schemeClr val="accent1"/>
+            </a:effectRef>
+            <a:fontRef idx="minor">
+              <a:schemeClr val="tx1"/>
+            </a:fontRef>
+          </p:style>
+        </p:cxnSp>
+      </p:grpSp>
+      <mc:AlternateContent xmlns:mc="http://schemas.openxmlformats.org/markup-compatibility/2006">
+        <mc:Choice xmlns:a14="http://schemas.microsoft.com/office/drawing/2010/main" Requires="a14">
+          <p:sp>
+            <p:nvSpPr>
+              <p:cNvPr id="69" name="文本框 68">
+                <a:extLst>
+                  <a:ext uri="{FF2B5EF4-FFF2-40B4-BE49-F238E27FC236}">
+                    <a16:creationId xmlns:a16="http://schemas.microsoft.com/office/drawing/2014/main" id="{C4AF8E31-BB2E-F249-9A24-E864CA69956B}"/>
+                  </a:ext>
+                </a:extLst>
+              </p:cNvPr>
+              <p:cNvSpPr txBox="1"/>
+              <p:nvPr/>
+            </p:nvSpPr>
+            <p:spPr>
+              <a:xfrm>
+                <a:off x="7527664" y="2927153"/>
+                <a:ext cx="3952300" cy="822469"/>
+              </a:xfrm>
+              <a:prstGeom prst="rect">
+                <a:avLst/>
+              </a:prstGeom>
+              <a:noFill/>
+            </p:spPr>
+            <p:txBody>
+              <a:bodyPr wrap="none" rtlCol="0">
+                <a:spAutoFit/>
+              </a:bodyPr>
+              <a:lstStyle/>
+              <a:p>
+                <a14:m>
+                  <m:oMath xmlns:m="http://schemas.openxmlformats.org/officeDocument/2006/math">
+                    <m:sSub>
+                      <m:sSubPr>
+                        <m:ctrlPr>
+                          <a:rPr kumimoji="1" lang="en-US" altLang="zh-CN" sz="2400" b="1" i="1" smtClean="0">
+                            <a:solidFill>
+                              <a:schemeClr val="accent1"/>
+                            </a:solidFill>
+                            <a:latin typeface="Cambria Math" panose="02040503050406030204" pitchFamily="18" charset="0"/>
+                          </a:rPr>
+                        </m:ctrlPr>
+                      </m:sSubPr>
+                      <m:e>
+                        <m:r>
+                          <a:rPr kumimoji="1" lang="en-US" altLang="zh-CN" sz="2400" b="1" i="1" smtClean="0">
+                            <a:solidFill>
+                              <a:schemeClr val="accent1"/>
+                            </a:solidFill>
+                            <a:latin typeface="Cambria Math" panose="02040503050406030204" pitchFamily="18" charset="0"/>
+                          </a:rPr>
+                          <m:t>𝒙</m:t>
+                        </m:r>
+                      </m:e>
+                      <m:sub>
+                        <m:r>
+                          <a:rPr kumimoji="1" lang="en-US" altLang="zh-CN" sz="2400" b="0" i="1" smtClean="0">
+                            <a:solidFill>
+                              <a:schemeClr val="accent1"/>
+                            </a:solidFill>
+                            <a:latin typeface="Cambria Math" panose="02040503050406030204" pitchFamily="18" charset="0"/>
+                          </a:rPr>
+                          <m:t>𝑎</m:t>
+                        </m:r>
+                      </m:sub>
+                    </m:sSub>
+                  </m:oMath>
+                </a14:m>
+                <a:r>
+                  <a:rPr lang="en" altLang="zh-CN" dirty="0"/>
+                  <a:t> </a:t>
+                </a:r>
+                <a:r>
+                  <a:rPr lang="en" altLang="zh-CN" dirty="0">
+                    <a:solidFill>
+                      <a:schemeClr val="accent1"/>
+                    </a:solidFill>
+                  </a:rPr>
+                  <a:t>the vector of neighboring variable</a:t>
+                </a:r>
+              </a:p>
+              <a:p>
+                <a:r>
+                  <a:rPr lang="en" altLang="zh-CN" dirty="0">
+                    <a:solidFill>
+                      <a:schemeClr val="accent1"/>
+                    </a:solidFill>
+                  </a:rPr>
+                  <a:t> nodes to the factor node </a:t>
+                </a:r>
+                <a14:m>
+                  <m:oMath xmlns:m="http://schemas.openxmlformats.org/officeDocument/2006/math">
+                    <m:r>
+                      <a:rPr lang="en" altLang="zh-CN" i="1" dirty="0" smtClean="0">
+                        <a:solidFill>
+                          <a:schemeClr val="accent1"/>
+                        </a:solidFill>
+                        <a:latin typeface="Cambria Math" panose="02040503050406030204" pitchFamily="18" charset="0"/>
+                      </a:rPr>
+                      <m:t>𝑎</m:t>
+                    </m:r>
+                  </m:oMath>
+                </a14:m>
+                <a:r>
+                  <a:rPr lang="en" altLang="zh-CN" sz="2400" dirty="0">
+                    <a:solidFill>
+                      <a:schemeClr val="accent1"/>
+                    </a:solidFill>
+                  </a:rPr>
+                  <a:t> </a:t>
+                </a:r>
+                <a:endParaRPr kumimoji="1" lang="en-US" altLang="zh-CN" sz="2400" b="1" dirty="0">
+                  <a:solidFill>
+                    <a:schemeClr val="accent1"/>
+                  </a:solidFill>
+                </a:endParaRPr>
+              </a:p>
+            </p:txBody>
+          </p:sp>
+        </mc:Choice>
+        <mc:Fallback>
+          <p:sp>
+            <p:nvSpPr>
+              <p:cNvPr id="69" name="文本框 68">
+                <a:extLst>
+                  <a:ext uri="{FF2B5EF4-FFF2-40B4-BE49-F238E27FC236}">
+                    <a16:creationId xmlns:a16="http://schemas.microsoft.com/office/drawing/2014/main" id="{C4AF8E31-BB2E-F249-9A24-E864CA69956B}"/>
+                  </a:ext>
+                </a:extLst>
+              </p:cNvPr>
+              <p:cNvSpPr txBox="1">
+                <a:spLocks noRot="1" noChangeAspect="1" noMove="1" noResize="1" noEditPoints="1" noAdjustHandles="1" noChangeArrowheads="1" noChangeShapeType="1" noTextEdit="1"/>
+              </p:cNvSpPr>
+              <p:nvPr/>
+            </p:nvSpPr>
+            <p:spPr>
+              <a:xfrm>
+                <a:off x="7527664" y="2927153"/>
+                <a:ext cx="3952300" cy="822469"/>
+              </a:xfrm>
+              <a:prstGeom prst="rect">
+                <a:avLst/>
+              </a:prstGeom>
+              <a:blipFill>
+                <a:blip r:embed="rId14"/>
+                <a:stretch>
+                  <a:fillRect r="-321" b="-9091"/>
+                </a:stretch>
+              </a:blipFill>
+            </p:spPr>
+            <p:txBody>
+              <a:bodyPr/>
+              <a:lstStyle/>
+              <a:p>
+                <a:r>
+                  <a:rPr lang="zh-CN" altLang="en-US">
+                    <a:noFill/>
+                  </a:rPr>
+                  <a:t> </a:t>
+                </a:r>
+              </a:p>
+            </p:txBody>
+          </p:sp>
+        </mc:Fallback>
+      </mc:AlternateContent>
+      <mc:AlternateContent xmlns:mc="http://schemas.openxmlformats.org/markup-compatibility/2006">
+        <mc:Choice xmlns:a14="http://schemas.microsoft.com/office/drawing/2010/main" Requires="a14">
+          <p:sp>
+            <p:nvSpPr>
+              <p:cNvPr id="70" name="文本框 69">
+                <a:extLst>
+                  <a:ext uri="{FF2B5EF4-FFF2-40B4-BE49-F238E27FC236}">
+                    <a16:creationId xmlns:a16="http://schemas.microsoft.com/office/drawing/2014/main" id="{159CDA6B-B391-3C4B-B81D-25BB2E4FDC19}"/>
+                  </a:ext>
+                </a:extLst>
+              </p:cNvPr>
+              <p:cNvSpPr txBox="1"/>
+              <p:nvPr/>
+            </p:nvSpPr>
+            <p:spPr>
+              <a:xfrm>
+                <a:off x="7535310" y="3966124"/>
+                <a:ext cx="3434210" cy="453137"/>
+              </a:xfrm>
+              <a:prstGeom prst="rect">
+                <a:avLst/>
+              </a:prstGeom>
+              <a:noFill/>
+            </p:spPr>
+            <p:txBody>
+              <a:bodyPr wrap="none" rtlCol="0">
+                <a:spAutoFit/>
+              </a:bodyPr>
+              <a:lstStyle/>
+              <a:p>
+                <a14:m>
+                  <m:oMath xmlns:m="http://schemas.openxmlformats.org/officeDocument/2006/math">
+                    <m:sSub>
+                      <m:sSubPr>
+                        <m:ctrlPr>
+                          <a:rPr kumimoji="1" lang="en-US" altLang="zh-CN" sz="2400" b="1" i="1" smtClean="0">
+                            <a:solidFill>
+                              <a:schemeClr val="accent1"/>
+                            </a:solidFill>
+                            <a:latin typeface="Cambria Math" panose="02040503050406030204" pitchFamily="18" charset="0"/>
+                          </a:rPr>
+                        </m:ctrlPr>
+                      </m:sSubPr>
+                      <m:e>
+                        <m:r>
+                          <a:rPr kumimoji="1" lang="en-US" altLang="zh-CN" sz="2400" b="1" i="1" smtClean="0">
+                            <a:solidFill>
+                              <a:schemeClr val="accent1"/>
+                            </a:solidFill>
+                            <a:latin typeface="Cambria Math" panose="02040503050406030204" pitchFamily="18" charset="0"/>
+                          </a:rPr>
+                          <m:t>𝒙</m:t>
+                        </m:r>
+                      </m:e>
+                      <m:sub>
+                        <m:r>
+                          <a:rPr kumimoji="1" lang="en-US" altLang="zh-CN" sz="2400" b="1" i="1" smtClean="0">
+                            <a:solidFill>
+                              <a:schemeClr val="accent1"/>
+                            </a:solidFill>
+                            <a:latin typeface="Cambria Math" panose="02040503050406030204" pitchFamily="18" charset="0"/>
+                          </a:rPr>
+                          <m:t>𝒗</m:t>
+                        </m:r>
+                      </m:sub>
+                    </m:sSub>
+                  </m:oMath>
+                </a14:m>
+                <a:r>
+                  <a:rPr lang="en" altLang="zh-CN" dirty="0"/>
+                  <a:t> </a:t>
+                </a:r>
+                <a:r>
+                  <a:rPr lang="en" altLang="zh-CN" dirty="0">
+                    <a:solidFill>
+                      <a:schemeClr val="accent1"/>
+                    </a:solidFill>
+                  </a:rPr>
+                  <a:t>the vector of variable node </a:t>
+                </a:r>
+                <a14:m>
+                  <m:oMath xmlns:m="http://schemas.openxmlformats.org/officeDocument/2006/math">
+                    <m:r>
+                      <a:rPr lang="en" altLang="zh-CN" i="1" dirty="0" smtClean="0">
+                        <a:solidFill>
+                          <a:schemeClr val="accent1"/>
+                        </a:solidFill>
+                        <a:latin typeface="Cambria Math" panose="02040503050406030204" pitchFamily="18" charset="0"/>
+                      </a:rPr>
+                      <m:t>𝑣</m:t>
+                    </m:r>
+                  </m:oMath>
+                </a14:m>
+                <a:endParaRPr kumimoji="1" lang="en-US" altLang="zh-CN" sz="2400" b="1" dirty="0">
+                  <a:solidFill>
+                    <a:schemeClr val="accent1"/>
+                  </a:solidFill>
+                </a:endParaRPr>
+              </a:p>
+            </p:txBody>
+          </p:sp>
+        </mc:Choice>
+        <mc:Fallback>
+          <p:sp>
+            <p:nvSpPr>
+              <p:cNvPr id="70" name="文本框 69">
+                <a:extLst>
+                  <a:ext uri="{FF2B5EF4-FFF2-40B4-BE49-F238E27FC236}">
+                    <a16:creationId xmlns:a16="http://schemas.microsoft.com/office/drawing/2014/main" id="{159CDA6B-B391-3C4B-B81D-25BB2E4FDC19}"/>
+                  </a:ext>
+                </a:extLst>
+              </p:cNvPr>
+              <p:cNvSpPr txBox="1">
+                <a:spLocks noRot="1" noChangeAspect="1" noMove="1" noResize="1" noEditPoints="1" noAdjustHandles="1" noChangeArrowheads="1" noChangeShapeType="1" noTextEdit="1"/>
+              </p:cNvSpPr>
+              <p:nvPr/>
+            </p:nvSpPr>
+            <p:spPr>
+              <a:xfrm>
+                <a:off x="7535310" y="3966124"/>
+                <a:ext cx="3434210" cy="453137"/>
+              </a:xfrm>
+              <a:prstGeom prst="rect">
+                <a:avLst/>
+              </a:prstGeom>
+              <a:blipFill>
+                <a:blip r:embed="rId15"/>
+                <a:stretch>
+                  <a:fillRect b="-22222"/>
+                </a:stretch>
+              </a:blipFill>
+            </p:spPr>
+            <p:txBody>
+              <a:bodyPr/>
+              <a:lstStyle/>
+              <a:p>
+                <a:r>
+                  <a:rPr lang="zh-CN" altLang="en-US">
+                    <a:noFill/>
+                  </a:rPr>
+                  <a:t> </a:t>
+                </a:r>
+              </a:p>
+            </p:txBody>
+          </p:sp>
+        </mc:Fallback>
+      </mc:AlternateContent>
+    </p:spTree>
+    <p:extLst>
+      <p:ext uri="{BB962C8B-B14F-4D97-AF65-F5344CB8AC3E}">
+        <p14:creationId xmlns:p14="http://schemas.microsoft.com/office/powerpoint/2010/main" val="3186607080"/>
+      </p:ext>
+    </p:extLst>
+  </p:cSld>
+  <p:clrMapOvr>
+    <a:masterClrMapping/>
+  </p:clrMapOvr>
+</p:sld>
+</file>
+
+<file path=ppt/slides/slide15.xml><?xml version="1.0" encoding="utf-8"?>
 <p:sld xmlns:a="http://schemas.openxmlformats.org/drawingml/2006/main" xmlns:r="http://schemas.openxmlformats.org/officeDocument/2006/relationships" xmlns:p="http://schemas.openxmlformats.org/presentationml/2006/main">
   <p:cSld>
     <p:spTree>
@@ -7896,7 +14681,7 @@
 </p:sld>
 </file>
 
-<file path=ppt/slides/slide14.xml><?xml version="1.0" encoding="utf-8"?>
+<file path=ppt/slides/slide16.xml><?xml version="1.0" encoding="utf-8"?>
 <p:sld xmlns:a="http://schemas.openxmlformats.org/drawingml/2006/main" xmlns:r="http://schemas.openxmlformats.org/officeDocument/2006/relationships" xmlns:p="http://schemas.openxmlformats.org/presentationml/2006/main">
   <p:cSld>
     <p:spTree>
@@ -8377,7 +15162,7 @@
 </p:sld>
 </file>
 
-<file path=ppt/slides/slide15.xml><?xml version="1.0" encoding="utf-8"?>
+<file path=ppt/slides/slide17.xml><?xml version="1.0" encoding="utf-8"?>
 <p:sld xmlns:a="http://schemas.openxmlformats.org/drawingml/2006/main" xmlns:r="http://schemas.openxmlformats.org/officeDocument/2006/relationships" xmlns:p="http://schemas.openxmlformats.org/presentationml/2006/main">
   <p:cSld>
     <p:spTree>
@@ -8461,7 +15246,7 @@
 </p:sld>
 </file>
 
-<file path=ppt/slides/slide16.xml><?xml version="1.0" encoding="utf-8"?>
+<file path=ppt/slides/slide18.xml><?xml version="1.0" encoding="utf-8"?>
 <p:sld xmlns:a="http://schemas.openxmlformats.org/drawingml/2006/main" xmlns:r="http://schemas.openxmlformats.org/officeDocument/2006/relationships" xmlns:p="http://schemas.openxmlformats.org/presentationml/2006/main">
   <p:cSld>
     <p:spTree>
@@ -22360,7 +29145,66 @@
       </a:bgFillStyleLst>
     </a:fmtScheme>
   </a:themeElements>
-  <a:objectDefaults/>
+  <a:objectDefaults>
+    <a:spDef>
+      <a:spPr>
+        <a:noFill/>
+        <a:ln w="38100">
+          <a:solidFill>
+            <a:schemeClr val="tx1"/>
+          </a:solidFill>
+        </a:ln>
+      </a:spPr>
+      <a:bodyPr rtlCol="0" anchor="ctr"/>
+      <a:lstStyle>
+        <a:defPPr algn="ctr">
+          <a:defRPr kumimoji="1"/>
+        </a:defPPr>
+      </a:lstStyle>
+      <a:style>
+        <a:lnRef idx="2">
+          <a:schemeClr val="accent1">
+            <a:shade val="50000"/>
+          </a:schemeClr>
+        </a:lnRef>
+        <a:fillRef idx="1">
+          <a:schemeClr val="accent1"/>
+        </a:fillRef>
+        <a:effectRef idx="0">
+          <a:schemeClr val="accent1"/>
+        </a:effectRef>
+        <a:fontRef idx="minor">
+          <a:schemeClr val="lt1"/>
+        </a:fontRef>
+      </a:style>
+    </a:spDef>
+    <a:lnDef>
+      <a:spPr>
+        <a:ln w="38100">
+          <a:solidFill>
+            <a:schemeClr val="tx1"/>
+          </a:solidFill>
+          <a:tailEnd type="triangle"/>
+        </a:ln>
+      </a:spPr>
+      <a:bodyPr/>
+      <a:lstStyle/>
+      <a:style>
+        <a:lnRef idx="1">
+          <a:schemeClr val="accent1"/>
+        </a:lnRef>
+        <a:fillRef idx="0">
+          <a:schemeClr val="accent1"/>
+        </a:fillRef>
+        <a:effectRef idx="0">
+          <a:schemeClr val="accent1"/>
+        </a:effectRef>
+        <a:fontRef idx="minor">
+          <a:schemeClr val="tx1"/>
+        </a:fontRef>
+      </a:style>
+    </a:lnDef>
+  </a:objectDefaults>
   <a:extraClrSchemeLst/>
   <a:extLst>
     <a:ext uri="{05A4C25C-085E-4340-85A3-A5531E510DB2}">

--- a/doc/RIS-angular-domain组会汇报.pptx
+++ b/doc/RIS-angular-domain组会汇报.pptx
@@ -5,7 +5,7 @@
     <p:sldMasterId id="2147483648" r:id="rId1"/>
   </p:sldMasterIdLst>
   <p:notesMasterIdLst>
-    <p:notesMasterId r:id="rId20"/>
+    <p:notesMasterId r:id="rId21"/>
   </p:notesMasterIdLst>
   <p:sldIdLst>
     <p:sldId id="256" r:id="rId2"/>
@@ -22,10 +22,11 @@
     <p:sldId id="268" r:id="rId13"/>
     <p:sldId id="272" r:id="rId14"/>
     <p:sldId id="273" r:id="rId15"/>
-    <p:sldId id="263" r:id="rId16"/>
-    <p:sldId id="270" r:id="rId17"/>
-    <p:sldId id="264" r:id="rId18"/>
-    <p:sldId id="265" r:id="rId19"/>
+    <p:sldId id="274" r:id="rId16"/>
+    <p:sldId id="263" r:id="rId17"/>
+    <p:sldId id="270" r:id="rId18"/>
+    <p:sldId id="264" r:id="rId19"/>
+    <p:sldId id="265" r:id="rId20"/>
   </p:sldIdLst>
   <p:sldSz cx="12192000" cy="6858000"/>
   <p:notesSz cx="6858000" cy="9144000"/>
@@ -9613,7 +9614,7 @@
             <p:spPr>
               <a:xfrm>
                 <a:off x="4750989" y="1364730"/>
-                <a:ext cx="7690671" cy="1465979"/>
+                <a:ext cx="7690671" cy="1439753"/>
               </a:xfrm>
               <a:prstGeom prst="rect">
                 <a:avLst/>
@@ -9748,83 +9749,111 @@
                           <m:grow m:val="on"/>
                           <m:supHide m:val="on"/>
                           <m:ctrlPr>
-                            <a:rPr lang="zh-CN" altLang="zh-CN" sz="2400" i="1"/>
+                            <a:rPr lang="zh-CN" altLang="zh-CN" sz="2400" i="1" smtClean="0">
+                              <a:latin typeface="Cambria Math" panose="02040503050406030204" pitchFamily="18" charset="0"/>
+                            </a:rPr>
                           </m:ctrlPr>
                         </m:naryPr>
                         <m:sub>
                           <m:sSubSup>
                             <m:sSubSupPr>
                               <m:ctrlPr>
-                                <a:rPr lang="zh-CN" altLang="zh-CN" sz="2400" i="1"/>
+                                <a:rPr lang="zh-CN" altLang="zh-CN" sz="2400" i="1">
+                                  <a:latin typeface="Cambria Math" panose="02040503050406030204" pitchFamily="18" charset="0"/>
+                                </a:rPr>
                               </m:ctrlPr>
                             </m:sSubSupPr>
                             <m:e>
                               <m:r>
-                                <a:rPr lang="en-US" altLang="zh-CN" sz="2400" b="1" i="1"/>
+                                <a:rPr lang="en-US" altLang="zh-CN" sz="2400" b="1" i="1">
+                                  <a:latin typeface="Cambria Math" panose="02040503050406030204" pitchFamily="18" charset="0"/>
+                                </a:rPr>
                                 <m:t>𝐱</m:t>
                               </m:r>
                             </m:e>
                             <m:sub>
                               <m:r>
-                                <a:rPr lang="en-US" altLang="zh-CN" sz="2400" i="1"/>
+                                <a:rPr lang="en-US" altLang="zh-CN" sz="2400" i="1">
+                                  <a:latin typeface="Cambria Math" panose="02040503050406030204" pitchFamily="18" charset="0"/>
+                                </a:rPr>
                                 <m:t>𝑎</m:t>
                               </m:r>
                             </m:sub>
                             <m:sup>
                               <m:r>
-                                <a:rPr lang="en-US" altLang="zh-CN" sz="2400" i="1"/>
+                                <a:rPr lang="en-US" altLang="zh-CN" sz="2400" i="1">
+                                  <a:latin typeface="Cambria Math" panose="02040503050406030204" pitchFamily="18" charset="0"/>
+                                </a:rPr>
                                 <m:t>′</m:t>
                               </m:r>
                             </m:sup>
                           </m:sSubSup>
                           <m:r>
-                            <a:rPr lang="en-US" altLang="zh-CN" sz="2400" i="1"/>
+                            <a:rPr lang="en-US" altLang="zh-CN" sz="2400" i="1">
+                              <a:latin typeface="Cambria Math" panose="02040503050406030204" pitchFamily="18" charset="0"/>
+                            </a:rPr>
                             <m:t>:</m:t>
                           </m:r>
                           <m:sSubSup>
                             <m:sSubSupPr>
                               <m:ctrlPr>
-                                <a:rPr lang="zh-CN" altLang="zh-CN" sz="2400" i="1"/>
+                                <a:rPr lang="zh-CN" altLang="zh-CN" sz="2400" i="1">
+                                  <a:latin typeface="Cambria Math" panose="02040503050406030204" pitchFamily="18" charset="0"/>
+                                </a:rPr>
                               </m:ctrlPr>
                             </m:sSubSupPr>
                             <m:e>
                               <m:r>
-                                <a:rPr lang="en-US" altLang="zh-CN" sz="2400" i="1"/>
+                                <a:rPr lang="en-US" altLang="zh-CN" sz="2400" i="1">
+                                  <a:latin typeface="Cambria Math" panose="02040503050406030204" pitchFamily="18" charset="0"/>
+                                </a:rPr>
                                 <m:t>𝑥</m:t>
                               </m:r>
                             </m:e>
                             <m:sub>
                               <m:r>
-                                <a:rPr lang="en-US" altLang="zh-CN" sz="2400" i="1"/>
+                                <a:rPr lang="en-US" altLang="zh-CN" sz="2400" i="1">
+                                  <a:latin typeface="Cambria Math" panose="02040503050406030204" pitchFamily="18" charset="0"/>
+                                </a:rPr>
                                 <m:t>𝑣</m:t>
                               </m:r>
                             </m:sub>
                             <m:sup>
                               <m:r>
-                                <a:rPr lang="en-US" altLang="zh-CN" sz="2400" i="1"/>
+                                <a:rPr lang="en-US" altLang="zh-CN" sz="2400" i="1">
+                                  <a:latin typeface="Cambria Math" panose="02040503050406030204" pitchFamily="18" charset="0"/>
+                                </a:rPr>
                                 <m:t>′</m:t>
                               </m:r>
                             </m:sup>
                           </m:sSubSup>
                           <m:r>
-                            <a:rPr lang="en-US" altLang="zh-CN" sz="2400" i="1"/>
+                            <a:rPr lang="en-US" altLang="zh-CN" sz="2400" i="1">
+                              <a:latin typeface="Cambria Math" panose="02040503050406030204" pitchFamily="18" charset="0"/>
+                            </a:rPr>
                             <m:t>=</m:t>
                           </m:r>
                           <m:sSub>
                             <m:sSubPr>
                               <m:ctrlPr>
-                                <a:rPr lang="zh-CN" altLang="zh-CN" sz="2400" i="1"/>
+                                <a:rPr lang="zh-CN" altLang="zh-CN" sz="2400" i="1">
+                                  <a:latin typeface="Cambria Math" panose="02040503050406030204" pitchFamily="18" charset="0"/>
+                                </a:rPr>
                               </m:ctrlPr>
                             </m:sSubPr>
                             <m:e>
                               <m:r>
-                                <a:rPr lang="en-US" altLang="zh-CN" sz="2400" i="1"/>
+                                <a:rPr lang="en-US" altLang="zh-CN" sz="2400" i="1">
+                                  <a:latin typeface="Cambria Math" panose="02040503050406030204" pitchFamily="18" charset="0"/>
+                                </a:rPr>
                                 <m:t>𝑥</m:t>
                               </m:r>
                             </m:e>
                             <m:sub>
                               <m:r>
-                                <a:rPr lang="en-US" altLang="zh-CN" sz="2400" i="1"/>
+                                <a:rPr lang="en-US" altLang="zh-CN" sz="2400" i="1">
+                                  <a:latin typeface="Cambria Math" panose="02040503050406030204" pitchFamily="18" charset="0"/>
+                                </a:rPr>
                                 <m:t>𝑣</m:t>
                               </m:r>
                             </m:sub>
@@ -9833,7 +9862,9 @@
                         <m:sup/>
                         <m:e>
                           <m:r>
-                            <a:rPr lang="en-US" altLang="zh-CN" sz="2400" i="1"/>
+                            <a:rPr lang="en-US" altLang="zh-CN" sz="2400" i="1">
+                              <a:latin typeface="Cambria Math" panose="02040503050406030204" pitchFamily="18" charset="0"/>
+                            </a:rPr>
                             <m:t> </m:t>
                           </m:r>
                         </m:e>
@@ -9841,18 +9872,24 @@
                       <m:sSub>
                         <m:sSubPr>
                           <m:ctrlPr>
-                            <a:rPr lang="zh-CN" altLang="zh-CN" sz="2400" i="1"/>
+                            <a:rPr lang="zh-CN" altLang="zh-CN" sz="2400" i="1">
+                              <a:latin typeface="Cambria Math" panose="02040503050406030204" pitchFamily="18" charset="0"/>
+                            </a:rPr>
                           </m:ctrlPr>
                         </m:sSubPr>
                         <m:e>
                           <m:r>
-                            <a:rPr lang="en-US" altLang="zh-CN" sz="2400" i="1"/>
+                            <a:rPr lang="en-US" altLang="zh-CN" sz="2400" i="1">
+                              <a:latin typeface="Cambria Math" panose="02040503050406030204" pitchFamily="18" charset="0"/>
+                            </a:rPr>
                             <m:t>𝑓</m:t>
                           </m:r>
                         </m:e>
                         <m:sub>
                           <m:r>
-                            <a:rPr lang="en-US" altLang="zh-CN" sz="2400" i="1"/>
+                            <a:rPr lang="en-US" altLang="zh-CN" sz="2400" i="1">
+                              <a:latin typeface="Cambria Math" panose="02040503050406030204" pitchFamily="18" charset="0"/>
+                            </a:rPr>
                             <m:t>𝑎</m:t>
                           </m:r>
                         </m:sub>
@@ -9860,31 +9897,41 @@
                       <m:d>
                         <m:dPr>
                           <m:ctrlPr>
-                            <a:rPr lang="zh-CN" altLang="zh-CN" sz="2400" i="1"/>
+                            <a:rPr lang="zh-CN" altLang="zh-CN" sz="2400" i="1">
+                              <a:latin typeface="Cambria Math" panose="02040503050406030204" pitchFamily="18" charset="0"/>
+                            </a:rPr>
                           </m:ctrlPr>
                         </m:dPr>
                         <m:e>
                           <m:sSubSup>
                             <m:sSubSupPr>
                               <m:ctrlPr>
-                                <a:rPr lang="zh-CN" altLang="zh-CN" sz="2400" i="1"/>
+                                <a:rPr lang="zh-CN" altLang="zh-CN" sz="2400" i="1">
+                                  <a:latin typeface="Cambria Math" panose="02040503050406030204" pitchFamily="18" charset="0"/>
+                                </a:rPr>
                               </m:ctrlPr>
                             </m:sSubSupPr>
                             <m:e>
                               <m:r>
-                                <a:rPr lang="en-US" altLang="zh-CN" sz="2400" b="1" i="1"/>
+                                <a:rPr lang="en-US" altLang="zh-CN" sz="2400" b="1" i="1">
+                                  <a:latin typeface="Cambria Math" panose="02040503050406030204" pitchFamily="18" charset="0"/>
+                                </a:rPr>
                                 <m:t>𝐱</m:t>
                               </m:r>
                             </m:e>
                             <m:sub>
                               <m:r>
-                                <a:rPr lang="en-US" altLang="zh-CN" sz="2400" i="1"/>
+                                <a:rPr lang="en-US" altLang="zh-CN" sz="2400" i="1">
+                                  <a:latin typeface="Cambria Math" panose="02040503050406030204" pitchFamily="18" charset="0"/>
+                                </a:rPr>
                                 <m:t>𝑎</m:t>
                               </m:r>
                             </m:sub>
                             <m:sup>
                               <m:r>
-                                <a:rPr lang="en-US" altLang="zh-CN" sz="2400" i="1"/>
+                                <a:rPr lang="en-US" altLang="zh-CN" sz="2400" i="1">
+                                  <a:latin typeface="Cambria Math" panose="02040503050406030204" pitchFamily="18" charset="0"/>
+                                </a:rPr>
                                 <m:t>′</m:t>
                               </m:r>
                             </m:sup>
@@ -10220,7 +10267,7 @@
             <p:spPr>
               <a:xfrm>
                 <a:off x="4750989" y="1364730"/>
-                <a:ext cx="7690671" cy="1465979"/>
+                <a:ext cx="7690671" cy="1439753"/>
               </a:xfrm>
               <a:prstGeom prst="rect">
                 <a:avLst/>
@@ -10228,7 +10275,7 @@
               <a:blipFill>
                 <a:blip r:embed="rId3"/>
                 <a:stretch>
-                  <a:fillRect l="-10544" t="-63793" b="-115517"/>
+                  <a:fillRect l="-10214" t="-64912" b="-119298"/>
                 </a:stretch>
               </a:blipFill>
             </p:spPr>
@@ -12869,6 +12916,173 @@
           </p:sp>
         </mc:Fallback>
       </mc:AlternateContent>
+      <p:sp>
+        <p:nvSpPr>
+          <p:cNvPr id="71" name="椭圆 70">
+            <a:extLst>
+              <a:ext uri="{FF2B5EF4-FFF2-40B4-BE49-F238E27FC236}">
+                <a16:creationId xmlns:a16="http://schemas.microsoft.com/office/drawing/2014/main" id="{8AC3AF88-2D27-A94C-8376-A64555BDDECD}"/>
+              </a:ext>
+            </a:extLst>
+          </p:cNvPr>
+          <p:cNvSpPr/>
+          <p:nvPr/>
+        </p:nvSpPr>
+        <p:spPr>
+          <a:xfrm>
+            <a:off x="4456753" y="1790107"/>
+            <a:ext cx="2442811" cy="1068238"/>
+          </a:xfrm>
+          <a:custGeom>
+            <a:avLst/>
+            <a:gdLst>
+              <a:gd name="connsiteX0" fmla="*/ 0 w 2442811"/>
+              <a:gd name="connsiteY0" fmla="*/ 534119 h 1068238"/>
+              <a:gd name="connsiteX1" fmla="*/ 1221406 w 2442811"/>
+              <a:gd name="connsiteY1" fmla="*/ 0 h 1068238"/>
+              <a:gd name="connsiteX2" fmla="*/ 2442812 w 2442811"/>
+              <a:gd name="connsiteY2" fmla="*/ 534119 h 1068238"/>
+              <a:gd name="connsiteX3" fmla="*/ 1221406 w 2442811"/>
+              <a:gd name="connsiteY3" fmla="*/ 1068238 h 1068238"/>
+              <a:gd name="connsiteX4" fmla="*/ 0 w 2442811"/>
+              <a:gd name="connsiteY4" fmla="*/ 534119 h 1068238"/>
+            </a:gdLst>
+            <a:ahLst/>
+            <a:cxnLst>
+              <a:cxn ang="0">
+                <a:pos x="connsiteX0" y="connsiteY0"/>
+              </a:cxn>
+              <a:cxn ang="0">
+                <a:pos x="connsiteX1" y="connsiteY1"/>
+              </a:cxn>
+              <a:cxn ang="0">
+                <a:pos x="connsiteX2" y="connsiteY2"/>
+              </a:cxn>
+              <a:cxn ang="0">
+                <a:pos x="connsiteX3" y="connsiteY3"/>
+              </a:cxn>
+              <a:cxn ang="0">
+                <a:pos x="connsiteX4" y="connsiteY4"/>
+              </a:cxn>
+            </a:cxnLst>
+            <a:rect l="l" t="t" r="r" b="b"/>
+            <a:pathLst>
+              <a:path w="2442811" h="1068238" extrusionOk="0">
+                <a:moveTo>
+                  <a:pt x="0" y="534119"/>
+                </a:moveTo>
+                <a:cubicBezTo>
+                  <a:pt x="-97415" y="179045"/>
+                  <a:pt x="529861" y="6373"/>
+                  <a:pt x="1221406" y="0"/>
+                </a:cubicBezTo>
+                <a:cubicBezTo>
+                  <a:pt x="1942175" y="9727"/>
+                  <a:pt x="2381121" y="241095"/>
+                  <a:pt x="2442812" y="534119"/>
+                </a:cubicBezTo>
+                <a:cubicBezTo>
+                  <a:pt x="2316285" y="952666"/>
+                  <a:pt x="1872658" y="1197093"/>
+                  <a:pt x="1221406" y="1068238"/>
+                </a:cubicBezTo>
+                <a:cubicBezTo>
+                  <a:pt x="535710" y="1062147"/>
+                  <a:pt x="58735" y="857169"/>
+                  <a:pt x="0" y="534119"/>
+                </a:cubicBezTo>
+                <a:close/>
+              </a:path>
+            </a:pathLst>
+          </a:custGeom>
+          <a:noFill/>
+          <a:ln w="12700">
+            <a:solidFill>
+              <a:schemeClr val="accent1"/>
+            </a:solidFill>
+            <a:extLst>
+              <a:ext uri="{C807C97D-BFC1-408E-A445-0C87EB9F89A2}">
+                <ask:lineSketchStyleProps xmlns:ask="http://schemas.microsoft.com/office/drawing/2018/sketchyshapes" sd="1219033472">
+                  <a:prstGeom prst="ellipse">
+                    <a:avLst/>
+                  </a:prstGeom>
+                  <ask:type>
+                    <ask:lineSketchScribble/>
+                  </ask:type>
+                </ask:lineSketchStyleProps>
+              </a:ext>
+            </a:extLst>
+          </a:ln>
+        </p:spPr>
+        <p:style>
+          <a:lnRef idx="2">
+            <a:schemeClr val="accent1">
+              <a:shade val="50000"/>
+            </a:schemeClr>
+          </a:lnRef>
+          <a:fillRef idx="1">
+            <a:schemeClr val="accent1"/>
+          </a:fillRef>
+          <a:effectRef idx="0">
+            <a:schemeClr val="accent1"/>
+          </a:effectRef>
+          <a:fontRef idx="minor">
+            <a:schemeClr val="lt1"/>
+          </a:fontRef>
+        </p:style>
+        <p:txBody>
+          <a:bodyPr rtlCol="0" anchor="ctr"/>
+          <a:lstStyle/>
+          <a:p>
+            <a:pPr algn="ctr"/>
+            <a:endParaRPr kumimoji="1" lang="zh-CN" altLang="en-US"/>
+          </a:p>
+        </p:txBody>
+      </p:sp>
+      <p:sp>
+        <p:nvSpPr>
+          <p:cNvPr id="72" name="文本框 71">
+            <a:extLst>
+              <a:ext uri="{FF2B5EF4-FFF2-40B4-BE49-F238E27FC236}">
+                <a16:creationId xmlns:a16="http://schemas.microsoft.com/office/drawing/2014/main" id="{75137115-A115-CF40-A650-49BF2CF94F2B}"/>
+              </a:ext>
+            </a:extLst>
+          </p:cNvPr>
+          <p:cNvSpPr txBox="1"/>
+          <p:nvPr/>
+        </p:nvSpPr>
+        <p:spPr>
+          <a:xfrm>
+            <a:off x="5156551" y="2812942"/>
+            <a:ext cx="1266693" cy="369332"/>
+          </a:xfrm>
+          <a:prstGeom prst="rect">
+            <a:avLst/>
+          </a:prstGeom>
+          <a:noFill/>
+        </p:spPr>
+        <p:txBody>
+          <a:bodyPr wrap="none" rtlCol="0">
+            <a:spAutoFit/>
+          </a:bodyPr>
+          <a:lstStyle/>
+          <a:p>
+            <a:r>
+              <a:rPr kumimoji="1" lang="en-US" altLang="zh-CN" dirty="0">
+                <a:solidFill>
+                  <a:schemeClr val="accent1"/>
+                </a:solidFill>
+              </a:rPr>
+              <a:t>integration</a:t>
+            </a:r>
+            <a:endParaRPr kumimoji="1" lang="zh-CN" altLang="en-US" dirty="0">
+              <a:solidFill>
+                <a:schemeClr val="accent1"/>
+              </a:solidFill>
+            </a:endParaRPr>
+          </a:p>
+        </p:txBody>
+      </p:sp>
     </p:spTree>
     <p:extLst>
       <p:ext uri="{BB962C8B-B14F-4D97-AF65-F5344CB8AC3E}">
@@ -12883,6 +13097,4010 @@
 </file>
 
 <file path=ppt/slides/slide15.xml><?xml version="1.0" encoding="utf-8"?>
+<p:sld xmlns:a="http://schemas.openxmlformats.org/drawingml/2006/main" xmlns:r="http://schemas.openxmlformats.org/officeDocument/2006/relationships" xmlns:p="http://schemas.openxmlformats.org/presentationml/2006/main">
+  <p:cSld>
+    <p:spTree>
+      <p:nvGrpSpPr>
+        <p:cNvPr id="1" name=""/>
+        <p:cNvGrpSpPr/>
+        <p:nvPr/>
+      </p:nvGrpSpPr>
+      <p:grpSpPr>
+        <a:xfrm>
+          <a:off x="0" y="0"/>
+          <a:ext cx="0" cy="0"/>
+          <a:chOff x="0" y="0"/>
+          <a:chExt cx="0" cy="0"/>
+        </a:xfrm>
+      </p:grpSpPr>
+      <p:sp>
+        <p:nvSpPr>
+          <p:cNvPr id="2" name="标题 1">
+            <a:extLst>
+              <a:ext uri="{FF2B5EF4-FFF2-40B4-BE49-F238E27FC236}">
+                <a16:creationId xmlns:a16="http://schemas.microsoft.com/office/drawing/2014/main" id="{A06F5F0E-7128-3942-8CF2-0CB6A58F4395}"/>
+              </a:ext>
+            </a:extLst>
+          </p:cNvPr>
+          <p:cNvSpPr>
+            <a:spLocks noGrp="1"/>
+          </p:cNvSpPr>
+          <p:nvPr>
+            <p:ph type="title"/>
+          </p:nvPr>
+        </p:nvSpPr>
+        <p:spPr/>
+        <p:txBody>
+          <a:bodyPr/>
+          <a:lstStyle/>
+          <a:p>
+            <a:r>
+              <a:rPr kumimoji="1" lang="en-US" altLang="zh-CN"/>
+              <a:t>Belief propagation-3</a:t>
+            </a:r>
+            <a:endParaRPr kumimoji="1" lang="zh-CN" altLang="en-US" dirty="0"/>
+          </a:p>
+        </p:txBody>
+      </p:sp>
+      <mc:AlternateContent xmlns:mc="http://schemas.openxmlformats.org/markup-compatibility/2006">
+        <mc:Choice xmlns:a14="http://schemas.microsoft.com/office/drawing/2010/main" Requires="a14">
+          <p:sp>
+            <p:nvSpPr>
+              <p:cNvPr id="31" name="文本框 30">
+                <a:extLst>
+                  <a:ext uri="{FF2B5EF4-FFF2-40B4-BE49-F238E27FC236}">
+                    <a16:creationId xmlns:a16="http://schemas.microsoft.com/office/drawing/2014/main" id="{6937DBA1-AA6F-724B-BA17-5E6E0923E6BB}"/>
+                  </a:ext>
+                </a:extLst>
+              </p:cNvPr>
+              <p:cNvSpPr txBox="1"/>
+              <p:nvPr/>
+            </p:nvSpPr>
+            <p:spPr>
+              <a:xfrm>
+                <a:off x="140878" y="5611415"/>
+                <a:ext cx="5470948" cy="881460"/>
+              </a:xfrm>
+              <a:prstGeom prst="rect">
+                <a:avLst/>
+              </a:prstGeom>
+              <a:noFill/>
+            </p:spPr>
+            <p:txBody>
+              <a:bodyPr wrap="square">
+                <a:spAutoFit/>
+              </a:bodyPr>
+              <a:lstStyle/>
+              <a:p>
+                <a:pPr/>
+                <a14:m>
+                  <m:oMathPara xmlns:m="http://schemas.openxmlformats.org/officeDocument/2006/math">
+                    <m:oMathParaPr>
+                      <m:jc m:val="left"/>
+                    </m:oMathParaPr>
+                    <m:oMath xmlns:m="http://schemas.openxmlformats.org/officeDocument/2006/math">
+                      <m:sSub>
+                        <m:sSubPr>
+                          <m:ctrlPr>
+                            <a:rPr lang="zh-CN" altLang="zh-CN" sz="2400" i="1" smtClean="0">
+                              <a:solidFill>
+                                <a:srgbClr val="00B050"/>
+                              </a:solidFill>
+                            </a:rPr>
+                          </m:ctrlPr>
+                        </m:sSubPr>
+                        <m:e>
+                          <m:r>
+                            <a:rPr lang="en-US" altLang="zh-CN" sz="2400" i="1">
+                              <a:solidFill>
+                                <a:srgbClr val="00B050"/>
+                              </a:solidFill>
+                            </a:rPr>
+                            <m:t>𝜇</m:t>
+                          </m:r>
+                        </m:e>
+                        <m:sub>
+                          <m:r>
+                            <a:rPr lang="en-US" altLang="zh-CN" sz="2400" i="1">
+                              <a:solidFill>
+                                <a:srgbClr val="00B050"/>
+                              </a:solidFill>
+                            </a:rPr>
+                            <m:t>𝑣</m:t>
+                          </m:r>
+                          <m:r>
+                            <a:rPr lang="en-US" altLang="zh-CN" sz="2400" i="1">
+                              <a:solidFill>
+                                <a:srgbClr val="00B050"/>
+                              </a:solidFill>
+                            </a:rPr>
+                            <m:t>→</m:t>
+                          </m:r>
+                          <m:r>
+                            <a:rPr lang="en-US" altLang="zh-CN" sz="2400" i="1">
+                              <a:solidFill>
+                                <a:srgbClr val="00B050"/>
+                              </a:solidFill>
+                            </a:rPr>
+                            <m:t>𝑎</m:t>
+                          </m:r>
+                        </m:sub>
+                      </m:sSub>
+                      <m:d>
+                        <m:dPr>
+                          <m:ctrlPr>
+                            <a:rPr lang="zh-CN" altLang="zh-CN" sz="2400" i="1">
+                              <a:solidFill>
+                                <a:srgbClr val="00B050"/>
+                              </a:solidFill>
+                            </a:rPr>
+                          </m:ctrlPr>
+                        </m:dPr>
+                        <m:e>
+                          <m:sSub>
+                            <m:sSubPr>
+                              <m:ctrlPr>
+                                <a:rPr lang="zh-CN" altLang="zh-CN" sz="2400" i="1">
+                                  <a:solidFill>
+                                    <a:srgbClr val="00B050"/>
+                                  </a:solidFill>
+                                </a:rPr>
+                              </m:ctrlPr>
+                            </m:sSubPr>
+                            <m:e>
+                              <m:r>
+                                <a:rPr lang="en-US" altLang="zh-CN" sz="2400" i="1">
+                                  <a:solidFill>
+                                    <a:srgbClr val="00B050"/>
+                                  </a:solidFill>
+                                </a:rPr>
+                                <m:t>𝑥</m:t>
+                              </m:r>
+                            </m:e>
+                            <m:sub>
+                              <m:r>
+                                <a:rPr lang="en-US" altLang="zh-CN" sz="2400" i="1">
+                                  <a:solidFill>
+                                    <a:srgbClr val="00B050"/>
+                                  </a:solidFill>
+                                </a:rPr>
+                                <m:t>𝑣</m:t>
+                              </m:r>
+                            </m:sub>
+                          </m:sSub>
+                        </m:e>
+                      </m:d>
+                      <m:r>
+                        <a:rPr lang="en-US" altLang="zh-CN" sz="2400" i="1"/>
+                        <m:t>=</m:t>
+                      </m:r>
+                    </m:oMath>
+                  </m:oMathPara>
+                </a14:m>
+                <a:endParaRPr lang="en-US" altLang="zh-CN" sz="2400" i="1" dirty="0"/>
+              </a:p>
+              <a:p>
+                <a14:m>
+                  <m:oMath xmlns:m="http://schemas.openxmlformats.org/officeDocument/2006/math">
+                    <m:nary>
+                      <m:naryPr>
+                        <m:chr m:val="∏"/>
+                        <m:limLoc m:val="undOvr"/>
+                        <m:grow m:val="on"/>
+                        <m:supHide m:val="on"/>
+                        <m:ctrlPr>
+                          <a:rPr lang="zh-CN" altLang="zh-CN" sz="2400" i="1"/>
+                        </m:ctrlPr>
+                      </m:naryPr>
+                      <m:sub>
+                        <m:sSup>
+                          <m:sSupPr>
+                            <m:ctrlPr>
+                              <a:rPr lang="zh-CN" altLang="zh-CN" sz="2400" i="1"/>
+                            </m:ctrlPr>
+                          </m:sSupPr>
+                          <m:e>
+                            <m:r>
+                              <a:rPr lang="en-US" altLang="zh-CN" sz="2400" i="1"/>
+                              <m:t>𝑎</m:t>
+                            </m:r>
+                          </m:e>
+                          <m:sup>
+                            <m:r>
+                              <a:rPr lang="en-US" altLang="zh-CN" sz="2400" i="1"/>
+                              <m:t>∗</m:t>
+                            </m:r>
+                          </m:sup>
+                        </m:sSup>
+                        <m:r>
+                          <a:rPr lang="en-US" altLang="zh-CN" sz="2400" i="1"/>
+                          <m:t>∈</m:t>
+                        </m:r>
+                        <m:r>
+                          <a:rPr lang="en-US" altLang="zh-CN" sz="2400" i="1"/>
+                          <m:t>𝑁</m:t>
+                        </m:r>
+                        <m:r>
+                          <a:rPr lang="en-US" altLang="zh-CN" sz="2400" i="1"/>
+                          <m:t>(</m:t>
+                        </m:r>
+                        <m:r>
+                          <a:rPr lang="en-US" altLang="zh-CN" sz="2400" i="1"/>
+                          <m:t>𝑣</m:t>
+                        </m:r>
+                        <m:r>
+                          <a:rPr lang="en-US" altLang="zh-CN" sz="2400" i="1"/>
+                          <m:t>)</m:t>
+                        </m:r>
+                        <m:r>
+                          <a:rPr lang="en-US" altLang="zh-CN" sz="2400"/>
+                          <m:t>∖</m:t>
+                        </m:r>
+                        <m:r>
+                          <a:rPr lang="en-US" altLang="zh-CN" sz="2400" i="1"/>
+                          <m:t>{</m:t>
+                        </m:r>
+                        <m:r>
+                          <a:rPr lang="en-US" altLang="zh-CN" sz="2400" i="1"/>
+                          <m:t>𝑎</m:t>
+                        </m:r>
+                        <m:r>
+                          <a:rPr lang="en-US" altLang="zh-CN" sz="2400" i="1"/>
+                          <m:t>}</m:t>
+                        </m:r>
+                      </m:sub>
+                      <m:sup/>
+                      <m:e>
+                        <m:r>
+                          <a:rPr lang="en-US" altLang="zh-CN" sz="2400" i="1"/>
+                          <m:t> </m:t>
+                        </m:r>
+                      </m:e>
+                    </m:nary>
+                    <m:sSub>
+                      <m:sSubPr>
+                        <m:ctrlPr>
+                          <a:rPr lang="zh-CN" altLang="zh-CN" sz="2400" i="1" smtClean="0">
+                            <a:solidFill>
+                              <a:srgbClr val="00B050"/>
+                            </a:solidFill>
+                          </a:rPr>
+                        </m:ctrlPr>
+                      </m:sSubPr>
+                      <m:e>
+                        <m:r>
+                          <a:rPr lang="en-US" altLang="zh-CN" sz="2400" i="1">
+                            <a:solidFill>
+                              <a:srgbClr val="00B050"/>
+                            </a:solidFill>
+                          </a:rPr>
+                          <m:t>𝜇</m:t>
+                        </m:r>
+                      </m:e>
+                      <m:sub>
+                        <m:sSup>
+                          <m:sSupPr>
+                            <m:ctrlPr>
+                              <a:rPr lang="zh-CN" altLang="zh-CN" sz="2400" i="1">
+                                <a:solidFill>
+                                  <a:srgbClr val="00B050"/>
+                                </a:solidFill>
+                              </a:rPr>
+                            </m:ctrlPr>
+                          </m:sSupPr>
+                          <m:e>
+                            <m:r>
+                              <a:rPr lang="en-US" altLang="zh-CN" sz="2400" i="1">
+                                <a:solidFill>
+                                  <a:srgbClr val="00B050"/>
+                                </a:solidFill>
+                              </a:rPr>
+                              <m:t>𝑎</m:t>
+                            </m:r>
+                          </m:e>
+                          <m:sup>
+                            <m:r>
+                              <a:rPr lang="en-US" altLang="zh-CN" sz="2400" i="1">
+                                <a:solidFill>
+                                  <a:srgbClr val="00B050"/>
+                                </a:solidFill>
+                              </a:rPr>
+                              <m:t>∗</m:t>
+                            </m:r>
+                          </m:sup>
+                        </m:sSup>
+                        <m:r>
+                          <a:rPr lang="en-US" altLang="zh-CN" sz="2400" i="1">
+                            <a:solidFill>
+                              <a:srgbClr val="00B050"/>
+                            </a:solidFill>
+                          </a:rPr>
+                          <m:t>→</m:t>
+                        </m:r>
+                        <m:r>
+                          <a:rPr lang="en-US" altLang="zh-CN" sz="2400" i="1">
+                            <a:solidFill>
+                              <a:srgbClr val="00B050"/>
+                            </a:solidFill>
+                          </a:rPr>
+                          <m:t>𝑣</m:t>
+                        </m:r>
+                      </m:sub>
+                    </m:sSub>
+                    <m:d>
+                      <m:dPr>
+                        <m:ctrlPr>
+                          <a:rPr lang="zh-CN" altLang="zh-CN" sz="2400" i="1">
+                            <a:solidFill>
+                              <a:srgbClr val="00B050"/>
+                            </a:solidFill>
+                          </a:rPr>
+                        </m:ctrlPr>
+                      </m:dPr>
+                      <m:e>
+                        <m:sSub>
+                          <m:sSubPr>
+                            <m:ctrlPr>
+                              <a:rPr lang="zh-CN" altLang="zh-CN" sz="2400" i="1">
+                                <a:solidFill>
+                                  <a:srgbClr val="00B050"/>
+                                </a:solidFill>
+                              </a:rPr>
+                            </m:ctrlPr>
+                          </m:sSubPr>
+                          <m:e>
+                            <m:r>
+                              <a:rPr lang="en-US" altLang="zh-CN" sz="2400" i="1">
+                                <a:solidFill>
+                                  <a:srgbClr val="00B050"/>
+                                </a:solidFill>
+                              </a:rPr>
+                              <m:t>𝑥</m:t>
+                            </m:r>
+                          </m:e>
+                          <m:sub>
+                            <m:r>
+                              <a:rPr lang="en-US" altLang="zh-CN" sz="2400" i="1">
+                                <a:solidFill>
+                                  <a:srgbClr val="00B050"/>
+                                </a:solidFill>
+                              </a:rPr>
+                              <m:t>𝑣</m:t>
+                            </m:r>
+                          </m:sub>
+                        </m:sSub>
+                      </m:e>
+                    </m:d>
+                  </m:oMath>
+                </a14:m>
+                <a:r>
+                  <a:rPr lang="en-US" altLang="zh-CN" sz="2400" dirty="0"/>
+                  <a:t> </a:t>
+                </a:r>
+                <a14:m>
+                  <m:oMath xmlns:m="http://schemas.openxmlformats.org/officeDocument/2006/math">
+                    <m:r>
+                      <a:rPr lang="en-US" altLang="zh-CN" sz="2400" b="0" i="0" smtClean="0">
+                        <a:latin typeface="Cambria Math" panose="02040503050406030204" pitchFamily="18" charset="0"/>
+                      </a:rPr>
+                      <m:t>,    </m:t>
+                    </m:r>
+                    <m:r>
+                      <a:rPr lang="en-US" altLang="zh-CN" sz="2400">
+                        <a:latin typeface="Cambria Math" panose="02040503050406030204" pitchFamily="18" charset="0"/>
+                      </a:rPr>
+                      <m:t>∀</m:t>
+                    </m:r>
+                    <m:sSub>
+                      <m:sSubPr>
+                        <m:ctrlPr>
+                          <a:rPr lang="zh-CN" altLang="zh-CN" sz="2400" i="1">
+                            <a:latin typeface="Cambria Math" panose="02040503050406030204" pitchFamily="18" charset="0"/>
+                          </a:rPr>
+                        </m:ctrlPr>
+                      </m:sSubPr>
+                      <m:e>
+                        <m:r>
+                          <a:rPr lang="en-US" altLang="zh-CN" sz="2400" i="1">
+                            <a:latin typeface="Cambria Math" panose="02040503050406030204" pitchFamily="18" charset="0"/>
+                          </a:rPr>
+                          <m:t>𝑥</m:t>
+                        </m:r>
+                      </m:e>
+                      <m:sub>
+                        <m:r>
+                          <a:rPr lang="en-US" altLang="zh-CN" sz="2400" i="1">
+                            <a:latin typeface="Cambria Math" panose="02040503050406030204" pitchFamily="18" charset="0"/>
+                          </a:rPr>
+                          <m:t>𝑣</m:t>
+                        </m:r>
+                      </m:sub>
+                    </m:sSub>
+                    <m:r>
+                      <a:rPr lang="en-US" altLang="zh-CN" sz="2400" i="1">
+                        <a:latin typeface="Cambria Math" panose="02040503050406030204" pitchFamily="18" charset="0"/>
+                      </a:rPr>
+                      <m:t>∈</m:t>
+                    </m:r>
+                    <m:r>
+                      <m:rPr>
+                        <m:sty m:val="p"/>
+                      </m:rPr>
+                      <a:rPr lang="en-US" altLang="zh-CN" sz="2400">
+                        <a:latin typeface="Cambria Math" panose="02040503050406030204" pitchFamily="18" charset="0"/>
+                      </a:rPr>
+                      <m:t>Dom</m:t>
+                    </m:r>
+                    <m:r>
+                      <a:rPr lang="en-US" altLang="zh-CN" sz="2400" i="1">
+                        <a:latin typeface="Cambria Math" panose="02040503050406030204" pitchFamily="18" charset="0"/>
+                      </a:rPr>
+                      <m:t>(</m:t>
+                    </m:r>
+                    <m:r>
+                      <a:rPr lang="en-US" altLang="zh-CN" sz="2400" i="1">
+                        <a:latin typeface="Cambria Math" panose="02040503050406030204" pitchFamily="18" charset="0"/>
+                      </a:rPr>
+                      <m:t>𝑣</m:t>
+                    </m:r>
+                    <m:r>
+                      <a:rPr lang="en-US" altLang="zh-CN" sz="2400" i="1">
+                        <a:latin typeface="Cambria Math" panose="02040503050406030204" pitchFamily="18" charset="0"/>
+                      </a:rPr>
+                      <m:t>)</m:t>
+                    </m:r>
+                  </m:oMath>
+                </a14:m>
+                <a:endParaRPr lang="zh-CN" altLang="zh-CN" sz="2400" dirty="0"/>
+              </a:p>
+            </p:txBody>
+          </p:sp>
+        </mc:Choice>
+        <mc:Fallback>
+          <p:sp>
+            <p:nvSpPr>
+              <p:cNvPr id="31" name="文本框 30">
+                <a:extLst>
+                  <a:ext uri="{FF2B5EF4-FFF2-40B4-BE49-F238E27FC236}">
+                    <a16:creationId xmlns:a16="http://schemas.microsoft.com/office/drawing/2014/main" id="{6937DBA1-AA6F-724B-BA17-5E6E0923E6BB}"/>
+                  </a:ext>
+                </a:extLst>
+              </p:cNvPr>
+              <p:cNvSpPr txBox="1">
+                <a:spLocks noRot="1" noChangeAspect="1" noMove="1" noResize="1" noEditPoints="1" noAdjustHandles="1" noChangeArrowheads="1" noChangeShapeType="1" noTextEdit="1"/>
+              </p:cNvSpPr>
+              <p:nvPr/>
+            </p:nvSpPr>
+            <p:spPr>
+              <a:xfrm>
+                <a:off x="140878" y="5611415"/>
+                <a:ext cx="5470948" cy="881460"/>
+              </a:xfrm>
+              <a:prstGeom prst="rect">
+                <a:avLst/>
+              </a:prstGeom>
+              <a:blipFill>
+                <a:blip r:embed="rId2"/>
+                <a:stretch>
+                  <a:fillRect l="-8565" t="-25714" b="-95714"/>
+                </a:stretch>
+              </a:blipFill>
+            </p:spPr>
+            <p:txBody>
+              <a:bodyPr/>
+              <a:lstStyle/>
+              <a:p>
+                <a:r>
+                  <a:rPr lang="zh-CN" altLang="en-US">
+                    <a:noFill/>
+                  </a:rPr>
+                  <a:t> </a:t>
+                </a:r>
+              </a:p>
+            </p:txBody>
+          </p:sp>
+        </mc:Fallback>
+      </mc:AlternateContent>
+      <mc:AlternateContent xmlns:mc="http://schemas.openxmlformats.org/markup-compatibility/2006">
+        <mc:Choice xmlns:a14="http://schemas.microsoft.com/office/drawing/2010/main" Requires="a14">
+          <p:sp>
+            <p:nvSpPr>
+              <p:cNvPr id="63" name="文本框 62">
+                <a:extLst>
+                  <a:ext uri="{FF2B5EF4-FFF2-40B4-BE49-F238E27FC236}">
+                    <a16:creationId xmlns:a16="http://schemas.microsoft.com/office/drawing/2014/main" id="{1B88BADB-ED5E-F949-80C1-A12A5F6DF4DB}"/>
+                  </a:ext>
+                </a:extLst>
+              </p:cNvPr>
+              <p:cNvSpPr txBox="1"/>
+              <p:nvPr/>
+            </p:nvSpPr>
+            <p:spPr>
+              <a:xfrm>
+                <a:off x="4750989" y="1364730"/>
+                <a:ext cx="7690671" cy="1439753"/>
+              </a:xfrm>
+              <a:prstGeom prst="rect">
+                <a:avLst/>
+              </a:prstGeom>
+              <a:noFill/>
+            </p:spPr>
+            <p:txBody>
+              <a:bodyPr wrap="square">
+                <a:spAutoFit/>
+              </a:bodyPr>
+              <a:lstStyle/>
+              <a:p>
+                <a:pPr/>
+                <a14:m>
+                  <m:oMathPara xmlns:m="http://schemas.openxmlformats.org/officeDocument/2006/math">
+                    <m:oMathParaPr>
+                      <m:jc m:val="left"/>
+                    </m:oMathParaPr>
+                    <m:oMath xmlns:m="http://schemas.openxmlformats.org/officeDocument/2006/math">
+                      <m:sSub>
+                        <m:sSubPr>
+                          <m:ctrlPr>
+                            <a:rPr lang="zh-CN" altLang="zh-CN" sz="2400" i="1" smtClean="0">
+                              <a:solidFill>
+                                <a:srgbClr val="FF0000"/>
+                              </a:solidFill>
+                            </a:rPr>
+                          </m:ctrlPr>
+                        </m:sSubPr>
+                        <m:e>
+                          <m:r>
+                            <a:rPr lang="en-US" altLang="zh-CN" sz="2400" i="1">
+                              <a:solidFill>
+                                <a:srgbClr val="FF0000"/>
+                              </a:solidFill>
+                            </a:rPr>
+                            <m:t>𝜇</m:t>
+                          </m:r>
+                        </m:e>
+                        <m:sub>
+                          <m:r>
+                            <a:rPr lang="en-US" altLang="zh-CN" sz="2400" i="1">
+                              <a:solidFill>
+                                <a:srgbClr val="FF0000"/>
+                              </a:solidFill>
+                            </a:rPr>
+                            <m:t>𝑎</m:t>
+                          </m:r>
+                          <m:r>
+                            <a:rPr lang="en-US" altLang="zh-CN" sz="2400" i="1">
+                              <a:solidFill>
+                                <a:srgbClr val="FF0000"/>
+                              </a:solidFill>
+                            </a:rPr>
+                            <m:t>→</m:t>
+                          </m:r>
+                          <m:r>
+                            <a:rPr lang="en-US" altLang="zh-CN" sz="2400" i="1">
+                              <a:solidFill>
+                                <a:srgbClr val="FF0000"/>
+                              </a:solidFill>
+                            </a:rPr>
+                            <m:t>𝑣</m:t>
+                          </m:r>
+                        </m:sub>
+                      </m:sSub>
+                      <m:d>
+                        <m:dPr>
+                          <m:ctrlPr>
+                            <a:rPr lang="zh-CN" altLang="zh-CN" sz="2400" i="1">
+                              <a:solidFill>
+                                <a:srgbClr val="FF0000"/>
+                              </a:solidFill>
+                            </a:rPr>
+                          </m:ctrlPr>
+                        </m:dPr>
+                        <m:e>
+                          <m:sSub>
+                            <m:sSubPr>
+                              <m:ctrlPr>
+                                <a:rPr lang="zh-CN" altLang="zh-CN" sz="2400" i="1">
+                                  <a:solidFill>
+                                    <a:srgbClr val="FF0000"/>
+                                  </a:solidFill>
+                                </a:rPr>
+                              </m:ctrlPr>
+                            </m:sSubPr>
+                            <m:e>
+                              <m:r>
+                                <a:rPr lang="en-US" altLang="zh-CN" sz="2400" i="1">
+                                  <a:solidFill>
+                                    <a:srgbClr val="FF0000"/>
+                                  </a:solidFill>
+                                </a:rPr>
+                                <m:t>𝑥</m:t>
+                              </m:r>
+                            </m:e>
+                            <m:sub>
+                              <m:r>
+                                <a:rPr lang="en-US" altLang="zh-CN" sz="2400" i="1">
+                                  <a:solidFill>
+                                    <a:srgbClr val="FF0000"/>
+                                  </a:solidFill>
+                                </a:rPr>
+                                <m:t>𝑣</m:t>
+                              </m:r>
+                            </m:sub>
+                          </m:sSub>
+                        </m:e>
+                      </m:d>
+                      <m:r>
+                        <a:rPr lang="en-US" altLang="zh-CN" sz="2400" i="1"/>
+                        <m:t>=</m:t>
+                      </m:r>
+                    </m:oMath>
+                  </m:oMathPara>
+                </a14:m>
+                <a:endParaRPr lang="en-US" altLang="zh-CN" sz="2400" i="1" dirty="0"/>
+              </a:p>
+              <a:p>
+                <a:pPr/>
+                <a14:m>
+                  <m:oMathPara xmlns:m="http://schemas.openxmlformats.org/officeDocument/2006/math">
+                    <m:oMathParaPr>
+                      <m:jc m:val="left"/>
+                    </m:oMathParaPr>
+                    <m:oMath xmlns:m="http://schemas.openxmlformats.org/officeDocument/2006/math">
+                      <m:nary>
+                        <m:naryPr>
+                          <m:chr m:val="∑"/>
+                          <m:limLoc m:val="undOvr"/>
+                          <m:grow m:val="on"/>
+                          <m:supHide m:val="on"/>
+                          <m:ctrlPr>
+                            <a:rPr lang="zh-CN" altLang="zh-CN" sz="2400" i="1" smtClean="0">
+                              <a:latin typeface="Cambria Math" panose="02040503050406030204" pitchFamily="18" charset="0"/>
+                            </a:rPr>
+                          </m:ctrlPr>
+                        </m:naryPr>
+                        <m:sub>
+                          <m:sSubSup>
+                            <m:sSubSupPr>
+                              <m:ctrlPr>
+                                <a:rPr lang="zh-CN" altLang="zh-CN" sz="2400" i="1">
+                                  <a:latin typeface="Cambria Math" panose="02040503050406030204" pitchFamily="18" charset="0"/>
+                                </a:rPr>
+                              </m:ctrlPr>
+                            </m:sSubSupPr>
+                            <m:e>
+                              <m:r>
+                                <a:rPr lang="en-US" altLang="zh-CN" sz="2400" b="1" i="1">
+                                  <a:latin typeface="Cambria Math" panose="02040503050406030204" pitchFamily="18" charset="0"/>
+                                </a:rPr>
+                                <m:t>𝐱</m:t>
+                              </m:r>
+                            </m:e>
+                            <m:sub>
+                              <m:r>
+                                <a:rPr lang="en-US" altLang="zh-CN" sz="2400" i="1">
+                                  <a:latin typeface="Cambria Math" panose="02040503050406030204" pitchFamily="18" charset="0"/>
+                                </a:rPr>
+                                <m:t>𝑎</m:t>
+                              </m:r>
+                            </m:sub>
+                            <m:sup>
+                              <m:r>
+                                <a:rPr lang="en-US" altLang="zh-CN" sz="2400" i="1">
+                                  <a:latin typeface="Cambria Math" panose="02040503050406030204" pitchFamily="18" charset="0"/>
+                                </a:rPr>
+                                <m:t>′</m:t>
+                              </m:r>
+                            </m:sup>
+                          </m:sSubSup>
+                          <m:r>
+                            <a:rPr lang="en-US" altLang="zh-CN" sz="2400" i="1">
+                              <a:latin typeface="Cambria Math" panose="02040503050406030204" pitchFamily="18" charset="0"/>
+                            </a:rPr>
+                            <m:t>:</m:t>
+                          </m:r>
+                          <m:sSubSup>
+                            <m:sSubSupPr>
+                              <m:ctrlPr>
+                                <a:rPr lang="zh-CN" altLang="zh-CN" sz="2400" i="1">
+                                  <a:latin typeface="Cambria Math" panose="02040503050406030204" pitchFamily="18" charset="0"/>
+                                </a:rPr>
+                              </m:ctrlPr>
+                            </m:sSubSupPr>
+                            <m:e>
+                              <m:r>
+                                <a:rPr lang="en-US" altLang="zh-CN" sz="2400" i="1">
+                                  <a:latin typeface="Cambria Math" panose="02040503050406030204" pitchFamily="18" charset="0"/>
+                                </a:rPr>
+                                <m:t>𝑥</m:t>
+                              </m:r>
+                            </m:e>
+                            <m:sub>
+                              <m:r>
+                                <a:rPr lang="en-US" altLang="zh-CN" sz="2400" i="1">
+                                  <a:latin typeface="Cambria Math" panose="02040503050406030204" pitchFamily="18" charset="0"/>
+                                </a:rPr>
+                                <m:t>𝑣</m:t>
+                              </m:r>
+                            </m:sub>
+                            <m:sup>
+                              <m:r>
+                                <a:rPr lang="en-US" altLang="zh-CN" sz="2400" i="1">
+                                  <a:latin typeface="Cambria Math" panose="02040503050406030204" pitchFamily="18" charset="0"/>
+                                </a:rPr>
+                                <m:t>′</m:t>
+                              </m:r>
+                            </m:sup>
+                          </m:sSubSup>
+                          <m:r>
+                            <a:rPr lang="en-US" altLang="zh-CN" sz="2400" i="1">
+                              <a:latin typeface="Cambria Math" panose="02040503050406030204" pitchFamily="18" charset="0"/>
+                            </a:rPr>
+                            <m:t>=</m:t>
+                          </m:r>
+                          <m:sSub>
+                            <m:sSubPr>
+                              <m:ctrlPr>
+                                <a:rPr lang="zh-CN" altLang="zh-CN" sz="2400" i="1">
+                                  <a:latin typeface="Cambria Math" panose="02040503050406030204" pitchFamily="18" charset="0"/>
+                                </a:rPr>
+                              </m:ctrlPr>
+                            </m:sSubPr>
+                            <m:e>
+                              <m:r>
+                                <a:rPr lang="en-US" altLang="zh-CN" sz="2400" i="1">
+                                  <a:latin typeface="Cambria Math" panose="02040503050406030204" pitchFamily="18" charset="0"/>
+                                </a:rPr>
+                                <m:t>𝑥</m:t>
+                              </m:r>
+                            </m:e>
+                            <m:sub>
+                              <m:r>
+                                <a:rPr lang="en-US" altLang="zh-CN" sz="2400" i="1">
+                                  <a:latin typeface="Cambria Math" panose="02040503050406030204" pitchFamily="18" charset="0"/>
+                                </a:rPr>
+                                <m:t>𝑣</m:t>
+                              </m:r>
+                            </m:sub>
+                          </m:sSub>
+                        </m:sub>
+                        <m:sup/>
+                        <m:e>
+                          <m:r>
+                            <a:rPr lang="en-US" altLang="zh-CN" sz="2400" i="1">
+                              <a:latin typeface="Cambria Math" panose="02040503050406030204" pitchFamily="18" charset="0"/>
+                            </a:rPr>
+                            <m:t> </m:t>
+                          </m:r>
+                        </m:e>
+                      </m:nary>
+                      <m:sSub>
+                        <m:sSubPr>
+                          <m:ctrlPr>
+                            <a:rPr lang="zh-CN" altLang="zh-CN" sz="2400" i="1">
+                              <a:latin typeface="Cambria Math" panose="02040503050406030204" pitchFamily="18" charset="0"/>
+                            </a:rPr>
+                          </m:ctrlPr>
+                        </m:sSubPr>
+                        <m:e>
+                          <m:r>
+                            <a:rPr lang="en-US" altLang="zh-CN" sz="2400" i="1">
+                              <a:latin typeface="Cambria Math" panose="02040503050406030204" pitchFamily="18" charset="0"/>
+                            </a:rPr>
+                            <m:t>𝑓</m:t>
+                          </m:r>
+                        </m:e>
+                        <m:sub>
+                          <m:r>
+                            <a:rPr lang="en-US" altLang="zh-CN" sz="2400" i="1">
+                              <a:latin typeface="Cambria Math" panose="02040503050406030204" pitchFamily="18" charset="0"/>
+                            </a:rPr>
+                            <m:t>𝑎</m:t>
+                          </m:r>
+                        </m:sub>
+                      </m:sSub>
+                      <m:d>
+                        <m:dPr>
+                          <m:ctrlPr>
+                            <a:rPr lang="zh-CN" altLang="zh-CN" sz="2400" i="1">
+                              <a:latin typeface="Cambria Math" panose="02040503050406030204" pitchFamily="18" charset="0"/>
+                            </a:rPr>
+                          </m:ctrlPr>
+                        </m:dPr>
+                        <m:e>
+                          <m:sSubSup>
+                            <m:sSubSupPr>
+                              <m:ctrlPr>
+                                <a:rPr lang="zh-CN" altLang="zh-CN" sz="2400" i="1">
+                                  <a:latin typeface="Cambria Math" panose="02040503050406030204" pitchFamily="18" charset="0"/>
+                                </a:rPr>
+                              </m:ctrlPr>
+                            </m:sSubSupPr>
+                            <m:e>
+                              <m:r>
+                                <a:rPr lang="en-US" altLang="zh-CN" sz="2400" b="1" i="1">
+                                  <a:latin typeface="Cambria Math" panose="02040503050406030204" pitchFamily="18" charset="0"/>
+                                </a:rPr>
+                                <m:t>𝐱</m:t>
+                              </m:r>
+                            </m:e>
+                            <m:sub>
+                              <m:r>
+                                <a:rPr lang="en-US" altLang="zh-CN" sz="2400" i="1">
+                                  <a:latin typeface="Cambria Math" panose="02040503050406030204" pitchFamily="18" charset="0"/>
+                                </a:rPr>
+                                <m:t>𝑎</m:t>
+                              </m:r>
+                            </m:sub>
+                            <m:sup>
+                              <m:r>
+                                <a:rPr lang="en-US" altLang="zh-CN" sz="2400" i="1">
+                                  <a:latin typeface="Cambria Math" panose="02040503050406030204" pitchFamily="18" charset="0"/>
+                                </a:rPr>
+                                <m:t>′</m:t>
+                              </m:r>
+                            </m:sup>
+                          </m:sSubSup>
+                        </m:e>
+                      </m:d>
+                      <m:nary>
+                        <m:naryPr>
+                          <m:chr m:val="∏"/>
+                          <m:limLoc m:val="undOvr"/>
+                          <m:grow m:val="on"/>
+                          <m:supHide m:val="on"/>
+                          <m:ctrlPr>
+                            <a:rPr lang="zh-CN" altLang="zh-CN" sz="2400" i="1"/>
+                          </m:ctrlPr>
+                        </m:naryPr>
+                        <m:sub>
+                          <m:sSup>
+                            <m:sSupPr>
+                              <m:ctrlPr>
+                                <a:rPr lang="zh-CN" altLang="zh-CN" sz="2400" i="1"/>
+                              </m:ctrlPr>
+                            </m:sSupPr>
+                            <m:e>
+                              <m:r>
+                                <a:rPr lang="en-US" altLang="zh-CN" sz="2400" i="1"/>
+                                <m:t>𝑣</m:t>
+                              </m:r>
+                            </m:e>
+                            <m:sup>
+                              <m:r>
+                                <a:rPr lang="en-US" altLang="zh-CN" sz="2400" i="1"/>
+                                <m:t>∗</m:t>
+                              </m:r>
+                            </m:sup>
+                          </m:sSup>
+                          <m:r>
+                            <a:rPr lang="en-US" altLang="zh-CN" sz="2400" i="1"/>
+                            <m:t>∈</m:t>
+                          </m:r>
+                          <m:r>
+                            <a:rPr lang="en-US" altLang="zh-CN" sz="2400" i="1"/>
+                            <m:t>𝑁</m:t>
+                          </m:r>
+                          <m:r>
+                            <a:rPr lang="en-US" altLang="zh-CN" sz="2400" i="1"/>
+                            <m:t>(</m:t>
+                          </m:r>
+                          <m:r>
+                            <a:rPr lang="en-US" altLang="zh-CN" sz="2400" i="1"/>
+                            <m:t>𝑎</m:t>
+                          </m:r>
+                          <m:r>
+                            <a:rPr lang="en-US" altLang="zh-CN" sz="2400" i="1"/>
+                            <m:t>)</m:t>
+                          </m:r>
+                          <m:r>
+                            <a:rPr lang="en-US" altLang="zh-CN" sz="2400"/>
+                            <m:t>∖</m:t>
+                          </m:r>
+                          <m:r>
+                            <a:rPr lang="en-US" altLang="zh-CN" sz="2400" i="1"/>
+                            <m:t>{</m:t>
+                          </m:r>
+                          <m:r>
+                            <a:rPr lang="en-US" altLang="zh-CN" sz="2400" i="1"/>
+                            <m:t>𝑣</m:t>
+                          </m:r>
+                          <m:r>
+                            <a:rPr lang="en-US" altLang="zh-CN" sz="2400" i="1"/>
+                            <m:t>}</m:t>
+                          </m:r>
+                        </m:sub>
+                        <m:sup/>
+                        <m:e>
+                          <m:r>
+                            <a:rPr lang="en-US" altLang="zh-CN" sz="2400" i="1"/>
+                            <m:t> </m:t>
+                          </m:r>
+                        </m:e>
+                      </m:nary>
+                      <m:sSub>
+                        <m:sSubPr>
+                          <m:ctrlPr>
+                            <a:rPr lang="zh-CN" altLang="zh-CN" sz="2400" i="1" smtClean="0">
+                              <a:solidFill>
+                                <a:srgbClr val="FF0000"/>
+                              </a:solidFill>
+                            </a:rPr>
+                          </m:ctrlPr>
+                        </m:sSubPr>
+                        <m:e>
+                          <m:r>
+                            <a:rPr lang="en-US" altLang="zh-CN" sz="2400" i="1">
+                              <a:solidFill>
+                                <a:srgbClr val="FF0000"/>
+                              </a:solidFill>
+                            </a:rPr>
+                            <m:t>𝜇</m:t>
+                          </m:r>
+                        </m:e>
+                        <m:sub>
+                          <m:sSup>
+                            <m:sSupPr>
+                              <m:ctrlPr>
+                                <a:rPr lang="zh-CN" altLang="zh-CN" sz="2400" i="1">
+                                  <a:solidFill>
+                                    <a:srgbClr val="FF0000"/>
+                                  </a:solidFill>
+                                </a:rPr>
+                              </m:ctrlPr>
+                            </m:sSupPr>
+                            <m:e>
+                              <m:r>
+                                <a:rPr lang="en-US" altLang="zh-CN" sz="2400" i="1">
+                                  <a:solidFill>
+                                    <a:srgbClr val="FF0000"/>
+                                  </a:solidFill>
+                                </a:rPr>
+                                <m:t>𝑣</m:t>
+                              </m:r>
+                            </m:e>
+                            <m:sup>
+                              <m:r>
+                                <a:rPr lang="en-US" altLang="zh-CN" sz="2400" i="1">
+                                  <a:solidFill>
+                                    <a:srgbClr val="FF0000"/>
+                                  </a:solidFill>
+                                </a:rPr>
+                                <m:t>∗</m:t>
+                              </m:r>
+                            </m:sup>
+                          </m:sSup>
+                          <m:r>
+                            <a:rPr lang="en-US" altLang="zh-CN" sz="2400" i="1">
+                              <a:solidFill>
+                                <a:srgbClr val="FF0000"/>
+                              </a:solidFill>
+                            </a:rPr>
+                            <m:t>→</m:t>
+                          </m:r>
+                          <m:r>
+                            <a:rPr lang="en-US" altLang="zh-CN" sz="2400" i="1">
+                              <a:solidFill>
+                                <a:srgbClr val="FF0000"/>
+                              </a:solidFill>
+                            </a:rPr>
+                            <m:t>𝑎</m:t>
+                          </m:r>
+                        </m:sub>
+                      </m:sSub>
+                      <m:d>
+                        <m:dPr>
+                          <m:ctrlPr>
+                            <a:rPr lang="zh-CN" altLang="zh-CN" sz="2400" i="1">
+                              <a:solidFill>
+                                <a:srgbClr val="FF0000"/>
+                              </a:solidFill>
+                            </a:rPr>
+                          </m:ctrlPr>
+                        </m:dPr>
+                        <m:e>
+                          <m:sSubSup>
+                            <m:sSubSupPr>
+                              <m:ctrlPr>
+                                <a:rPr lang="zh-CN" altLang="zh-CN" sz="2400" i="1">
+                                  <a:solidFill>
+                                    <a:srgbClr val="FF0000"/>
+                                  </a:solidFill>
+                                </a:rPr>
+                              </m:ctrlPr>
+                            </m:sSubSupPr>
+                            <m:e>
+                              <m:r>
+                                <a:rPr lang="en-US" altLang="zh-CN" sz="2400" i="1">
+                                  <a:solidFill>
+                                    <a:srgbClr val="FF0000"/>
+                                  </a:solidFill>
+                                </a:rPr>
+                                <m:t>𝑥</m:t>
+                              </m:r>
+                            </m:e>
+                            <m:sub>
+                              <m:sSup>
+                                <m:sSupPr>
+                                  <m:ctrlPr>
+                                    <a:rPr lang="zh-CN" altLang="zh-CN" sz="2400" i="1">
+                                      <a:solidFill>
+                                        <a:srgbClr val="FF0000"/>
+                                      </a:solidFill>
+                                    </a:rPr>
+                                  </m:ctrlPr>
+                                </m:sSupPr>
+                                <m:e>
+                                  <m:r>
+                                    <a:rPr lang="en-US" altLang="zh-CN" sz="2400" i="1">
+                                      <a:solidFill>
+                                        <a:srgbClr val="FF0000"/>
+                                      </a:solidFill>
+                                    </a:rPr>
+                                    <m:t>𝑣</m:t>
+                                  </m:r>
+                                </m:e>
+                                <m:sup>
+                                  <m:r>
+                                    <a:rPr lang="en-US" altLang="zh-CN" sz="2400" i="1">
+                                      <a:solidFill>
+                                        <a:srgbClr val="FF0000"/>
+                                      </a:solidFill>
+                                    </a:rPr>
+                                    <m:t>∗</m:t>
+                                  </m:r>
+                                </m:sup>
+                              </m:sSup>
+                            </m:sub>
+                            <m:sup>
+                              <m:r>
+                                <a:rPr lang="en-US" altLang="zh-CN" sz="2400" i="1">
+                                  <a:solidFill>
+                                    <a:srgbClr val="FF0000"/>
+                                  </a:solidFill>
+                                </a:rPr>
+                                <m:t>′</m:t>
+                              </m:r>
+                            </m:sup>
+                          </m:sSubSup>
+                        </m:e>
+                      </m:d>
+                      <m:r>
+                        <a:rPr lang="en-US" altLang="zh-CN" sz="2400" b="0" i="1" smtClean="0">
+                          <a:solidFill>
+                            <a:srgbClr val="FF0000"/>
+                          </a:solidFill>
+                          <a:latin typeface="Cambria Math" panose="02040503050406030204" pitchFamily="18" charset="0"/>
+                        </a:rPr>
+                        <m:t>.</m:t>
+                      </m:r>
+                      <m:r>
+                        <a:rPr lang="en-US" altLang="zh-CN" sz="2400" b="0" i="0" smtClean="0">
+                          <a:solidFill>
+                            <a:srgbClr val="FF0000"/>
+                          </a:solidFill>
+                          <a:latin typeface="Cambria Math" panose="02040503050406030204" pitchFamily="18" charset="0"/>
+                        </a:rPr>
+                        <m:t>   </m:t>
+                      </m:r>
+                      <m:r>
+                        <a:rPr lang="en-US" altLang="zh-CN" sz="2400">
+                          <a:latin typeface="Cambria Math" panose="02040503050406030204" pitchFamily="18" charset="0"/>
+                        </a:rPr>
+                        <m:t>∀</m:t>
+                      </m:r>
+                      <m:sSub>
+                        <m:sSubPr>
+                          <m:ctrlPr>
+                            <a:rPr lang="zh-CN" altLang="zh-CN" sz="2400" i="1">
+                              <a:latin typeface="Cambria Math" panose="02040503050406030204" pitchFamily="18" charset="0"/>
+                            </a:rPr>
+                          </m:ctrlPr>
+                        </m:sSubPr>
+                        <m:e>
+                          <m:r>
+                            <a:rPr lang="en-US" altLang="zh-CN" sz="2400" i="1">
+                              <a:latin typeface="Cambria Math" panose="02040503050406030204" pitchFamily="18" charset="0"/>
+                            </a:rPr>
+                            <m:t>𝑥</m:t>
+                          </m:r>
+                        </m:e>
+                        <m:sub>
+                          <m:r>
+                            <a:rPr lang="en-US" altLang="zh-CN" sz="2400" i="1">
+                              <a:latin typeface="Cambria Math" panose="02040503050406030204" pitchFamily="18" charset="0"/>
+                            </a:rPr>
+                            <m:t>𝑣</m:t>
+                          </m:r>
+                        </m:sub>
+                      </m:sSub>
+                      <m:r>
+                        <a:rPr lang="en-US" altLang="zh-CN" sz="2400" i="1">
+                          <a:latin typeface="Cambria Math" panose="02040503050406030204" pitchFamily="18" charset="0"/>
+                        </a:rPr>
+                        <m:t>∈</m:t>
+                      </m:r>
+                      <m:r>
+                        <m:rPr>
+                          <m:sty m:val="p"/>
+                        </m:rPr>
+                        <a:rPr lang="en-US" altLang="zh-CN" sz="2400">
+                          <a:latin typeface="Cambria Math" panose="02040503050406030204" pitchFamily="18" charset="0"/>
+                        </a:rPr>
+                        <m:t>Dom</m:t>
+                      </m:r>
+                      <m:d>
+                        <m:dPr>
+                          <m:ctrlPr>
+                            <a:rPr lang="en-US" altLang="zh-CN" sz="2400" i="1">
+                              <a:latin typeface="Cambria Math" panose="02040503050406030204" pitchFamily="18" charset="0"/>
+                            </a:rPr>
+                          </m:ctrlPr>
+                        </m:dPr>
+                        <m:e>
+                          <m:r>
+                            <a:rPr lang="en-US" altLang="zh-CN" sz="2400" i="1">
+                              <a:latin typeface="Cambria Math" panose="02040503050406030204" pitchFamily="18" charset="0"/>
+                            </a:rPr>
+                            <m:t>𝑣</m:t>
+                          </m:r>
+                        </m:e>
+                      </m:d>
+                    </m:oMath>
+                  </m:oMathPara>
+                </a14:m>
+                <a:endParaRPr lang="zh-CN" altLang="en-US" sz="2400" dirty="0"/>
+              </a:p>
+            </p:txBody>
+          </p:sp>
+        </mc:Choice>
+        <mc:Fallback>
+          <p:sp>
+            <p:nvSpPr>
+              <p:cNvPr id="63" name="文本框 62">
+                <a:extLst>
+                  <a:ext uri="{FF2B5EF4-FFF2-40B4-BE49-F238E27FC236}">
+                    <a16:creationId xmlns:a16="http://schemas.microsoft.com/office/drawing/2014/main" id="{1B88BADB-ED5E-F949-80C1-A12A5F6DF4DB}"/>
+                  </a:ext>
+                </a:extLst>
+              </p:cNvPr>
+              <p:cNvSpPr txBox="1">
+                <a:spLocks noRot="1" noChangeAspect="1" noMove="1" noResize="1" noEditPoints="1" noAdjustHandles="1" noChangeArrowheads="1" noChangeShapeType="1" noTextEdit="1"/>
+              </p:cNvSpPr>
+              <p:nvPr/>
+            </p:nvSpPr>
+            <p:spPr>
+              <a:xfrm>
+                <a:off x="4750989" y="1364730"/>
+                <a:ext cx="7690671" cy="1439753"/>
+              </a:xfrm>
+              <a:prstGeom prst="rect">
+                <a:avLst/>
+              </a:prstGeom>
+              <a:blipFill>
+                <a:blip r:embed="rId3"/>
+                <a:stretch>
+                  <a:fillRect l="-10214" t="-64912" b="-119298"/>
+                </a:stretch>
+              </a:blipFill>
+            </p:spPr>
+            <p:txBody>
+              <a:bodyPr/>
+              <a:lstStyle/>
+              <a:p>
+                <a:r>
+                  <a:rPr lang="zh-CN" altLang="en-US">
+                    <a:noFill/>
+                  </a:rPr>
+                  <a:t> </a:t>
+                </a:r>
+              </a:p>
+            </p:txBody>
+          </p:sp>
+        </mc:Fallback>
+      </mc:AlternateContent>
+      <p:grpSp>
+        <p:nvGrpSpPr>
+          <p:cNvPr id="68" name="组合 67">
+            <a:extLst>
+              <a:ext uri="{FF2B5EF4-FFF2-40B4-BE49-F238E27FC236}">
+                <a16:creationId xmlns:a16="http://schemas.microsoft.com/office/drawing/2014/main" id="{7B9A8A51-0298-6145-923F-40492C65C659}"/>
+              </a:ext>
+            </a:extLst>
+          </p:cNvPr>
+          <p:cNvGrpSpPr/>
+          <p:nvPr/>
+        </p:nvGrpSpPr>
+        <p:grpSpPr>
+          <a:xfrm>
+            <a:off x="1815711" y="1936775"/>
+            <a:ext cx="6417167" cy="4556100"/>
+            <a:chOff x="1815711" y="1936775"/>
+            <a:chExt cx="6417167" cy="4556100"/>
+          </a:xfrm>
+        </p:grpSpPr>
+        <p:grpSp>
+          <p:nvGrpSpPr>
+            <p:cNvPr id="62" name="组合 61">
+              <a:extLst>
+                <a:ext uri="{FF2B5EF4-FFF2-40B4-BE49-F238E27FC236}">
+                  <a16:creationId xmlns:a16="http://schemas.microsoft.com/office/drawing/2014/main" id="{587D92C6-97BB-A040-BFB0-5541ED1721B8}"/>
+                </a:ext>
+              </a:extLst>
+            </p:cNvPr>
+            <p:cNvGrpSpPr/>
+            <p:nvPr/>
+          </p:nvGrpSpPr>
+          <p:grpSpPr>
+            <a:xfrm>
+              <a:off x="1815711" y="1936775"/>
+              <a:ext cx="6417167" cy="4556100"/>
+              <a:chOff x="934362" y="1920676"/>
+              <a:chExt cx="6417167" cy="4556100"/>
+            </a:xfrm>
+          </p:grpSpPr>
+          <p:grpSp>
+            <p:nvGrpSpPr>
+              <p:cNvPr id="15" name="组合 14">
+                <a:extLst>
+                  <a:ext uri="{FF2B5EF4-FFF2-40B4-BE49-F238E27FC236}">
+                    <a16:creationId xmlns:a16="http://schemas.microsoft.com/office/drawing/2014/main" id="{BB185810-5F77-8A41-8A8B-2EA25811E1D7}"/>
+                  </a:ext>
+                </a:extLst>
+              </p:cNvPr>
+              <p:cNvGrpSpPr/>
+              <p:nvPr/>
+            </p:nvGrpSpPr>
+            <p:grpSpPr>
+              <a:xfrm>
+                <a:off x="2141599" y="3420995"/>
+                <a:ext cx="3520039" cy="1467279"/>
+                <a:chOff x="3030599" y="2603500"/>
+                <a:chExt cx="3520039" cy="1467279"/>
+              </a:xfrm>
+            </p:grpSpPr>
+            <p:sp>
+              <p:nvSpPr>
+                <p:cNvPr id="4" name="椭圆 3">
+                  <a:extLst>
+                    <a:ext uri="{FF2B5EF4-FFF2-40B4-BE49-F238E27FC236}">
+                      <a16:creationId xmlns:a16="http://schemas.microsoft.com/office/drawing/2014/main" id="{0CEF0CFA-ACA5-1541-8EA0-0E53BB8BEE8C}"/>
+                    </a:ext>
+                  </a:extLst>
+                </p:cNvPr>
+                <p:cNvSpPr/>
+                <p:nvPr/>
+              </p:nvSpPr>
+              <p:spPr>
+                <a:xfrm>
+                  <a:off x="5594927" y="3046166"/>
+                  <a:ext cx="678873" cy="678873"/>
+                </a:xfrm>
+                <a:prstGeom prst="ellipse">
+                  <a:avLst/>
+                </a:prstGeom>
+                <a:noFill/>
+                <a:ln w="38100">
+                  <a:solidFill>
+                    <a:schemeClr val="tx1"/>
+                  </a:solidFill>
+                </a:ln>
+              </p:spPr>
+              <p:style>
+                <a:lnRef idx="2">
+                  <a:schemeClr val="accent1">
+                    <a:shade val="50000"/>
+                  </a:schemeClr>
+                </a:lnRef>
+                <a:fillRef idx="1">
+                  <a:schemeClr val="accent1"/>
+                </a:fillRef>
+                <a:effectRef idx="0">
+                  <a:schemeClr val="accent1"/>
+                </a:effectRef>
+                <a:fontRef idx="minor">
+                  <a:schemeClr val="lt1"/>
+                </a:fontRef>
+              </p:style>
+              <p:txBody>
+                <a:bodyPr rtlCol="0" anchor="ctr"/>
+                <a:lstStyle/>
+                <a:p>
+                  <a:pPr algn="ctr"/>
+                  <a:endParaRPr kumimoji="1" lang="zh-CN" altLang="en-US" dirty="0"/>
+                </a:p>
+              </p:txBody>
+            </p:sp>
+            <p:sp>
+              <p:nvSpPr>
+                <p:cNvPr id="5" name="矩形 4">
+                  <a:extLst>
+                    <a:ext uri="{FF2B5EF4-FFF2-40B4-BE49-F238E27FC236}">
+                      <a16:creationId xmlns:a16="http://schemas.microsoft.com/office/drawing/2014/main" id="{C1B6171A-3E51-8C4B-BBD9-B195489ED0BE}"/>
+                    </a:ext>
+                  </a:extLst>
+                </p:cNvPr>
+                <p:cNvSpPr/>
+                <p:nvPr/>
+              </p:nvSpPr>
+              <p:spPr>
+                <a:xfrm>
+                  <a:off x="3030599" y="3046166"/>
+                  <a:ext cx="678873" cy="678873"/>
+                </a:xfrm>
+                <a:prstGeom prst="rect">
+                  <a:avLst/>
+                </a:prstGeom>
+                <a:noFill/>
+                <a:ln w="38100">
+                  <a:solidFill>
+                    <a:schemeClr val="tx1"/>
+                  </a:solidFill>
+                </a:ln>
+              </p:spPr>
+              <p:style>
+                <a:lnRef idx="2">
+                  <a:schemeClr val="accent1">
+                    <a:shade val="50000"/>
+                  </a:schemeClr>
+                </a:lnRef>
+                <a:fillRef idx="1">
+                  <a:schemeClr val="accent1"/>
+                </a:fillRef>
+                <a:effectRef idx="0">
+                  <a:schemeClr val="accent1"/>
+                </a:effectRef>
+                <a:fontRef idx="minor">
+                  <a:schemeClr val="lt1"/>
+                </a:fontRef>
+              </p:style>
+              <p:txBody>
+                <a:bodyPr rtlCol="0" anchor="ctr"/>
+                <a:lstStyle/>
+                <a:p>
+                  <a:pPr algn="ctr"/>
+                  <a:endParaRPr kumimoji="1" lang="zh-CN" altLang="en-US"/>
+                </a:p>
+              </p:txBody>
+            </p:sp>
+            <p:cxnSp>
+              <p:nvCxnSpPr>
+                <p:cNvPr id="6" name="直线箭头连接符 5">
+                  <a:extLst>
+                    <a:ext uri="{FF2B5EF4-FFF2-40B4-BE49-F238E27FC236}">
+                      <a16:creationId xmlns:a16="http://schemas.microsoft.com/office/drawing/2014/main" id="{69792B61-B4D6-8042-B75A-A139101F41A8}"/>
+                    </a:ext>
+                  </a:extLst>
+                </p:cNvPr>
+                <p:cNvCxnSpPr>
+                  <a:stCxn id="4" idx="2"/>
+                  <a:endCxn id="5" idx="3"/>
+                </p:cNvCxnSpPr>
+                <p:nvPr/>
+              </p:nvCxnSpPr>
+              <p:spPr>
+                <a:xfrm flipH="1">
+                  <a:off x="3709472" y="3385603"/>
+                  <a:ext cx="1885455" cy="0"/>
+                </a:xfrm>
+                <a:prstGeom prst="straightConnector1">
+                  <a:avLst/>
+                </a:prstGeom>
+                <a:ln w="38100">
+                  <a:solidFill>
+                    <a:schemeClr val="tx1"/>
+                  </a:solidFill>
+                  <a:tailEnd type="none"/>
+                </a:ln>
+              </p:spPr>
+              <p:style>
+                <a:lnRef idx="1">
+                  <a:schemeClr val="accent1"/>
+                </a:lnRef>
+                <a:fillRef idx="0">
+                  <a:schemeClr val="accent1"/>
+                </a:fillRef>
+                <a:effectRef idx="0">
+                  <a:schemeClr val="accent1"/>
+                </a:effectRef>
+                <a:fontRef idx="minor">
+                  <a:schemeClr val="tx1"/>
+                </a:fontRef>
+              </p:style>
+            </p:cxnSp>
+            <mc:AlternateContent xmlns:mc="http://schemas.openxmlformats.org/markup-compatibility/2006">
+              <mc:Choice xmlns:a14="http://schemas.microsoft.com/office/drawing/2010/main" Requires="a14">
+                <p:sp>
+                  <p:nvSpPr>
+                    <p:cNvPr id="7" name="文本框 6">
+                      <a:extLst>
+                        <a:ext uri="{FF2B5EF4-FFF2-40B4-BE49-F238E27FC236}">
+                          <a16:creationId xmlns:a16="http://schemas.microsoft.com/office/drawing/2014/main" id="{0C2AD61E-F13A-2048-A72F-277CD2FDF59F}"/>
+                        </a:ext>
+                      </a:extLst>
+                    </p:cNvPr>
+                    <p:cNvSpPr txBox="1"/>
+                    <p:nvPr/>
+                  </p:nvSpPr>
+                  <p:spPr>
+                    <a:xfrm>
+                      <a:off x="5765440" y="3157490"/>
+                      <a:ext cx="314189" cy="430887"/>
+                    </a:xfrm>
+                    <a:prstGeom prst="rect">
+                      <a:avLst/>
+                    </a:prstGeom>
+                    <a:noFill/>
+                  </p:spPr>
+                  <p:txBody>
+                    <a:bodyPr wrap="none" lIns="0" tIns="0" rIns="0" bIns="0" rtlCol="0">
+                      <a:spAutoFit/>
+                    </a:bodyPr>
+                    <a:lstStyle/>
+                    <a:p>
+                      <a:pPr/>
+                      <a14:m>
+                        <m:oMathPara xmlns:m="http://schemas.openxmlformats.org/officeDocument/2006/math">
+                          <m:oMathParaPr>
+                            <m:jc m:val="centerGroup"/>
+                          </m:oMathParaPr>
+                          <m:oMath xmlns:m="http://schemas.openxmlformats.org/officeDocument/2006/math">
+                            <m:r>
+                              <a:rPr kumimoji="1" lang="en-US" altLang="zh-CN" sz="2800" b="0" i="1" smtClean="0">
+                                <a:latin typeface="Cambria Math" panose="02040503050406030204" pitchFamily="18" charset="0"/>
+                              </a:rPr>
+                              <m:t>𝑣</m:t>
+                            </m:r>
+                          </m:oMath>
+                        </m:oMathPara>
+                      </a14:m>
+                      <a:endParaRPr kumimoji="1" lang="zh-CN" altLang="en-US" sz="2800" dirty="0"/>
+                    </a:p>
+                  </p:txBody>
+                </p:sp>
+              </mc:Choice>
+              <mc:Fallback>
+                <p:sp>
+                  <p:nvSpPr>
+                    <p:cNvPr id="7" name="文本框 6">
+                      <a:extLst>
+                        <a:ext uri="{FF2B5EF4-FFF2-40B4-BE49-F238E27FC236}">
+                          <a16:creationId xmlns:a16="http://schemas.microsoft.com/office/drawing/2014/main" id="{0C2AD61E-F13A-2048-A72F-277CD2FDF59F}"/>
+                        </a:ext>
+                      </a:extLst>
+                    </p:cNvPr>
+                    <p:cNvSpPr txBox="1">
+                      <a:spLocks noRot="1" noChangeAspect="1" noMove="1" noResize="1" noEditPoints="1" noAdjustHandles="1" noChangeArrowheads="1" noChangeShapeType="1" noTextEdit="1"/>
+                    </p:cNvSpPr>
+                    <p:nvPr/>
+                  </p:nvSpPr>
+                  <p:spPr>
+                    <a:xfrm>
+                      <a:off x="5765440" y="3157490"/>
+                      <a:ext cx="314189" cy="430887"/>
+                    </a:xfrm>
+                    <a:prstGeom prst="rect">
+                      <a:avLst/>
+                    </a:prstGeom>
+                    <a:blipFill>
+                      <a:blip r:embed="rId4"/>
+                      <a:stretch>
+                        <a:fillRect l="-11538" r="-3846"/>
+                      </a:stretch>
+                    </a:blipFill>
+                  </p:spPr>
+                  <p:txBody>
+                    <a:bodyPr/>
+                    <a:lstStyle/>
+                    <a:p>
+                      <a:r>
+                        <a:rPr lang="zh-CN" altLang="en-US">
+                          <a:noFill/>
+                        </a:rPr>
+                        <a:t> </a:t>
+                      </a:r>
+                    </a:p>
+                  </p:txBody>
+                </p:sp>
+              </mc:Fallback>
+            </mc:AlternateContent>
+            <mc:AlternateContent xmlns:mc="http://schemas.openxmlformats.org/markup-compatibility/2006">
+              <mc:Choice xmlns:a14="http://schemas.microsoft.com/office/drawing/2010/main" Requires="a14">
+                <p:sp>
+                  <p:nvSpPr>
+                    <p:cNvPr id="8" name="文本框 7">
+                      <a:extLst>
+                        <a:ext uri="{FF2B5EF4-FFF2-40B4-BE49-F238E27FC236}">
+                          <a16:creationId xmlns:a16="http://schemas.microsoft.com/office/drawing/2014/main" id="{3BC4A281-53A9-4B4A-AC73-9581E8171F37}"/>
+                        </a:ext>
+                      </a:extLst>
+                    </p:cNvPr>
+                    <p:cNvSpPr txBox="1"/>
+                    <p:nvPr/>
+                  </p:nvSpPr>
+                  <p:spPr>
+                    <a:xfrm>
+                      <a:off x="3202363" y="3170157"/>
+                      <a:ext cx="306944" cy="430887"/>
+                    </a:xfrm>
+                    <a:prstGeom prst="rect">
+                      <a:avLst/>
+                    </a:prstGeom>
+                    <a:noFill/>
+                  </p:spPr>
+                  <p:txBody>
+                    <a:bodyPr wrap="none" lIns="0" tIns="0" rIns="0" bIns="0" rtlCol="0">
+                      <a:spAutoFit/>
+                    </a:bodyPr>
+                    <a:lstStyle/>
+                    <a:p>
+                      <a:pPr/>
+                      <a14:m>
+                        <m:oMathPara xmlns:m="http://schemas.openxmlformats.org/officeDocument/2006/math">
+                          <m:oMathParaPr>
+                            <m:jc m:val="centerGroup"/>
+                          </m:oMathParaPr>
+                          <m:oMath xmlns:m="http://schemas.openxmlformats.org/officeDocument/2006/math">
+                            <m:r>
+                              <a:rPr kumimoji="1" lang="en-US" altLang="zh-CN" sz="2800" b="0" i="1" dirty="0" smtClean="0">
+                                <a:latin typeface="Cambria Math" panose="02040503050406030204" pitchFamily="18" charset="0"/>
+                              </a:rPr>
+                              <m:t>𝑎</m:t>
+                            </m:r>
+                          </m:oMath>
+                        </m:oMathPara>
+                      </a14:m>
+                      <a:endParaRPr kumimoji="1" lang="zh-CN" altLang="en-US" sz="2800" dirty="0"/>
+                    </a:p>
+                  </p:txBody>
+                </p:sp>
+              </mc:Choice>
+              <mc:Fallback>
+                <p:sp>
+                  <p:nvSpPr>
+                    <p:cNvPr id="8" name="文本框 7">
+                      <a:extLst>
+                        <a:ext uri="{FF2B5EF4-FFF2-40B4-BE49-F238E27FC236}">
+                          <a16:creationId xmlns:a16="http://schemas.microsoft.com/office/drawing/2014/main" id="{3BC4A281-53A9-4B4A-AC73-9581E8171F37}"/>
+                        </a:ext>
+                      </a:extLst>
+                    </p:cNvPr>
+                    <p:cNvSpPr txBox="1">
+                      <a:spLocks noRot="1" noChangeAspect="1" noMove="1" noResize="1" noEditPoints="1" noAdjustHandles="1" noChangeArrowheads="1" noChangeShapeType="1" noTextEdit="1"/>
+                    </p:cNvSpPr>
+                    <p:nvPr/>
+                  </p:nvSpPr>
+                  <p:spPr>
+                    <a:xfrm>
+                      <a:off x="3202363" y="3170157"/>
+                      <a:ext cx="306944" cy="430887"/>
+                    </a:xfrm>
+                    <a:prstGeom prst="rect">
+                      <a:avLst/>
+                    </a:prstGeom>
+                    <a:blipFill>
+                      <a:blip r:embed="rId5"/>
+                      <a:stretch>
+                        <a:fillRect l="-12000" r="-8000"/>
+                      </a:stretch>
+                    </a:blipFill>
+                  </p:spPr>
+                  <p:txBody>
+                    <a:bodyPr/>
+                    <a:lstStyle/>
+                    <a:p>
+                      <a:r>
+                        <a:rPr lang="zh-CN" altLang="en-US">
+                          <a:noFill/>
+                        </a:rPr>
+                        <a:t> </a:t>
+                      </a:r>
+                    </a:p>
+                  </p:txBody>
+                </p:sp>
+              </mc:Fallback>
+            </mc:AlternateContent>
+            <p:cxnSp>
+              <p:nvCxnSpPr>
+                <p:cNvPr id="9" name="直线箭头连接符 8">
+                  <a:extLst>
+                    <a:ext uri="{FF2B5EF4-FFF2-40B4-BE49-F238E27FC236}">
+                      <a16:creationId xmlns:a16="http://schemas.microsoft.com/office/drawing/2014/main" id="{ED75DF10-4AAE-6B4D-B158-7898BC3DD9DD}"/>
+                    </a:ext>
+                  </a:extLst>
+                </p:cNvPr>
+                <p:cNvCxnSpPr/>
+                <p:nvPr/>
+              </p:nvCxnSpPr>
+              <p:spPr>
+                <a:xfrm>
+                  <a:off x="3861708" y="3201528"/>
+                  <a:ext cx="1588127" cy="0"/>
+                </a:xfrm>
+                <a:prstGeom prst="straightConnector1">
+                  <a:avLst/>
+                </a:prstGeom>
+                <a:ln w="38100">
+                  <a:solidFill>
+                    <a:srgbClr val="FF0000"/>
+                  </a:solidFill>
+                  <a:prstDash val="sysDot"/>
+                  <a:tailEnd type="triangle"/>
+                </a:ln>
+              </p:spPr>
+              <p:style>
+                <a:lnRef idx="1">
+                  <a:schemeClr val="accent1"/>
+                </a:lnRef>
+                <a:fillRef idx="0">
+                  <a:schemeClr val="accent1"/>
+                </a:fillRef>
+                <a:effectRef idx="0">
+                  <a:schemeClr val="accent1"/>
+                </a:effectRef>
+                <a:fontRef idx="minor">
+                  <a:schemeClr val="tx1"/>
+                </a:fontRef>
+              </p:style>
+            </p:cxnSp>
+            <mc:AlternateContent xmlns:mc="http://schemas.openxmlformats.org/markup-compatibility/2006">
+              <mc:Choice xmlns:a14="http://schemas.microsoft.com/office/drawing/2010/main" Requires="a14">
+                <p:sp>
+                  <p:nvSpPr>
+                    <p:cNvPr id="10" name="文本框 9">
+                      <a:extLst>
+                        <a:ext uri="{FF2B5EF4-FFF2-40B4-BE49-F238E27FC236}">
+                          <a16:creationId xmlns:a16="http://schemas.microsoft.com/office/drawing/2014/main" id="{0DAD0095-8715-8348-9ABD-2131FA453490}"/>
+                        </a:ext>
+                      </a:extLst>
+                    </p:cNvPr>
+                    <p:cNvSpPr txBox="1"/>
+                    <p:nvPr/>
+                  </p:nvSpPr>
+                  <p:spPr>
+                    <a:xfrm>
+                      <a:off x="4203840" y="2734363"/>
+                      <a:ext cx="917111" cy="461665"/>
+                    </a:xfrm>
+                    <a:prstGeom prst="rect">
+                      <a:avLst/>
+                    </a:prstGeom>
+                    <a:noFill/>
+                  </p:spPr>
+                  <p:txBody>
+                    <a:bodyPr wrap="none" rtlCol="0">
+                      <a:spAutoFit/>
+                    </a:bodyPr>
+                    <a:lstStyle/>
+                    <a:p>
+                      <a:pPr/>
+                      <a14:m>
+                        <m:oMathPara xmlns:m="http://schemas.openxmlformats.org/officeDocument/2006/math">
+                          <m:oMathParaPr>
+                            <m:jc m:val="centerGroup"/>
+                          </m:oMathParaPr>
+                          <m:oMath xmlns:m="http://schemas.openxmlformats.org/officeDocument/2006/math">
+                            <m:sSub>
+                              <m:sSubPr>
+                                <m:ctrlPr>
+                                  <a:rPr kumimoji="1" lang="en-US" altLang="zh-CN" sz="2400" b="0" i="1" smtClean="0">
+                                    <a:solidFill>
+                                      <a:srgbClr val="FF0000"/>
+                                    </a:solidFill>
+                                    <a:latin typeface="Cambria Math" panose="02040503050406030204" pitchFamily="18" charset="0"/>
+                                  </a:rPr>
+                                </m:ctrlPr>
+                              </m:sSubPr>
+                              <m:e>
+                                <m:r>
+                                  <a:rPr kumimoji="1" lang="en-US" altLang="zh-CN" sz="2400" i="1">
+                                    <a:solidFill>
+                                      <a:srgbClr val="FF0000"/>
+                                    </a:solidFill>
+                                    <a:latin typeface="Cambria Math" panose="02040503050406030204" pitchFamily="18" charset="0"/>
+                                  </a:rPr>
+                                  <m:t>𝜇</m:t>
+                                </m:r>
+                              </m:e>
+                              <m:sub>
+                                <m:r>
+                                  <a:rPr kumimoji="1" lang="en-US" altLang="zh-CN" sz="2400" b="0" i="1" smtClean="0">
+                                    <a:solidFill>
+                                      <a:srgbClr val="FF0000"/>
+                                    </a:solidFill>
+                                    <a:latin typeface="Cambria Math" panose="02040503050406030204" pitchFamily="18" charset="0"/>
+                                  </a:rPr>
+                                  <m:t>𝑎</m:t>
+                                </m:r>
+                                <m:r>
+                                  <a:rPr kumimoji="1" lang="en-US" altLang="zh-CN" sz="2400" b="0" i="1" smtClean="0">
+                                    <a:solidFill>
+                                      <a:srgbClr val="FF0000"/>
+                                    </a:solidFill>
+                                    <a:latin typeface="Cambria Math" panose="02040503050406030204" pitchFamily="18" charset="0"/>
+                                  </a:rPr>
+                                  <m:t>→</m:t>
+                                </m:r>
+                                <m:r>
+                                  <a:rPr kumimoji="1" lang="en-US" altLang="zh-CN" sz="2400" b="0" i="1" smtClean="0">
+                                    <a:solidFill>
+                                      <a:srgbClr val="FF0000"/>
+                                    </a:solidFill>
+                                    <a:latin typeface="Cambria Math" panose="02040503050406030204" pitchFamily="18" charset="0"/>
+                                  </a:rPr>
+                                  <m:t>𝑣</m:t>
+                                </m:r>
+                              </m:sub>
+                            </m:sSub>
+                          </m:oMath>
+                        </m:oMathPara>
+                      </a14:m>
+                      <a:endParaRPr kumimoji="1" lang="en-US" altLang="zh-CN" sz="2400" dirty="0">
+                        <a:solidFill>
+                          <a:srgbClr val="FF0000"/>
+                        </a:solidFill>
+                      </a:endParaRPr>
+                    </a:p>
+                  </p:txBody>
+                </p:sp>
+              </mc:Choice>
+              <mc:Fallback>
+                <p:sp>
+                  <p:nvSpPr>
+                    <p:cNvPr id="10" name="文本框 9">
+                      <a:extLst>
+                        <a:ext uri="{FF2B5EF4-FFF2-40B4-BE49-F238E27FC236}">
+                          <a16:creationId xmlns:a16="http://schemas.microsoft.com/office/drawing/2014/main" id="{0DAD0095-8715-8348-9ABD-2131FA453490}"/>
+                        </a:ext>
+                      </a:extLst>
+                    </p:cNvPr>
+                    <p:cNvSpPr txBox="1">
+                      <a:spLocks noRot="1" noChangeAspect="1" noMove="1" noResize="1" noEditPoints="1" noAdjustHandles="1" noChangeArrowheads="1" noChangeShapeType="1" noTextEdit="1"/>
+                    </p:cNvSpPr>
+                    <p:nvPr/>
+                  </p:nvSpPr>
+                  <p:spPr>
+                    <a:xfrm>
+                      <a:off x="4203840" y="2734363"/>
+                      <a:ext cx="917111" cy="461665"/>
+                    </a:xfrm>
+                    <a:prstGeom prst="rect">
+                      <a:avLst/>
+                    </a:prstGeom>
+                    <a:blipFill>
+                      <a:blip r:embed="rId6"/>
+                      <a:stretch>
+                        <a:fillRect b="-5263"/>
+                      </a:stretch>
+                    </a:blipFill>
+                  </p:spPr>
+                  <p:txBody>
+                    <a:bodyPr/>
+                    <a:lstStyle/>
+                    <a:p>
+                      <a:r>
+                        <a:rPr lang="zh-CN" altLang="en-US">
+                          <a:noFill/>
+                        </a:rPr>
+                        <a:t> </a:t>
+                      </a:r>
+                    </a:p>
+                  </p:txBody>
+                </p:sp>
+              </mc:Fallback>
+            </mc:AlternateContent>
+            <mc:AlternateContent xmlns:mc="http://schemas.openxmlformats.org/markup-compatibility/2006">
+              <mc:Choice xmlns:a14="http://schemas.microsoft.com/office/drawing/2010/main" Requires="a14">
+                <p:sp>
+                  <p:nvSpPr>
+                    <p:cNvPr id="11" name="文本框 10">
+                      <a:extLst>
+                        <a:ext uri="{FF2B5EF4-FFF2-40B4-BE49-F238E27FC236}">
+                          <a16:creationId xmlns:a16="http://schemas.microsoft.com/office/drawing/2014/main" id="{042C08C8-4A5B-BD4D-983C-834BB7943FF3}"/>
+                        </a:ext>
+                      </a:extLst>
+                    </p:cNvPr>
+                    <p:cNvSpPr txBox="1"/>
+                    <p:nvPr/>
+                  </p:nvSpPr>
+                  <p:spPr>
+                    <a:xfrm>
+                      <a:off x="4219375" y="3609114"/>
+                      <a:ext cx="917111" cy="461665"/>
+                    </a:xfrm>
+                    <a:prstGeom prst="rect">
+                      <a:avLst/>
+                    </a:prstGeom>
+                    <a:noFill/>
+                  </p:spPr>
+                  <p:txBody>
+                    <a:bodyPr wrap="none" rtlCol="0">
+                      <a:spAutoFit/>
+                    </a:bodyPr>
+                    <a:lstStyle/>
+                    <a:p>
+                      <a:pPr/>
+                      <a14:m>
+                        <m:oMathPara xmlns:m="http://schemas.openxmlformats.org/officeDocument/2006/math">
+                          <m:oMathParaPr>
+                            <m:jc m:val="centerGroup"/>
+                          </m:oMathParaPr>
+                          <m:oMath xmlns:m="http://schemas.openxmlformats.org/officeDocument/2006/math">
+                            <m:sSub>
+                              <m:sSubPr>
+                                <m:ctrlPr>
+                                  <a:rPr kumimoji="1" lang="en-US" altLang="zh-CN" sz="2400" b="0" i="1" smtClean="0">
+                                    <a:solidFill>
+                                      <a:srgbClr val="00B050"/>
+                                    </a:solidFill>
+                                    <a:latin typeface="Cambria Math" panose="02040503050406030204" pitchFamily="18" charset="0"/>
+                                  </a:rPr>
+                                </m:ctrlPr>
+                              </m:sSubPr>
+                              <m:e>
+                                <m:r>
+                                  <a:rPr kumimoji="1" lang="en-US" altLang="zh-CN" sz="2400" i="1">
+                                    <a:solidFill>
+                                      <a:srgbClr val="00B050"/>
+                                    </a:solidFill>
+                                    <a:latin typeface="Cambria Math" panose="02040503050406030204" pitchFamily="18" charset="0"/>
+                                  </a:rPr>
+                                  <m:t>𝜇</m:t>
+                                </m:r>
+                              </m:e>
+                              <m:sub>
+                                <m:r>
+                                  <a:rPr kumimoji="1" lang="en-US" altLang="zh-CN" sz="2400" b="0" i="1" smtClean="0">
+                                    <a:solidFill>
+                                      <a:srgbClr val="00B050"/>
+                                    </a:solidFill>
+                                    <a:latin typeface="Cambria Math" panose="02040503050406030204" pitchFamily="18" charset="0"/>
+                                  </a:rPr>
+                                  <m:t>𝑣</m:t>
+                                </m:r>
+                                <m:r>
+                                  <a:rPr kumimoji="1" lang="en-US" altLang="zh-CN" sz="2400" b="0" i="1" smtClean="0">
+                                    <a:solidFill>
+                                      <a:srgbClr val="00B050"/>
+                                    </a:solidFill>
+                                    <a:latin typeface="Cambria Math" panose="02040503050406030204" pitchFamily="18" charset="0"/>
+                                  </a:rPr>
+                                  <m:t>→</m:t>
+                                </m:r>
+                                <m:r>
+                                  <a:rPr kumimoji="1" lang="en-US" altLang="zh-CN" sz="2400" b="0" i="1" smtClean="0">
+                                    <a:solidFill>
+                                      <a:srgbClr val="00B050"/>
+                                    </a:solidFill>
+                                    <a:latin typeface="Cambria Math" panose="02040503050406030204" pitchFamily="18" charset="0"/>
+                                  </a:rPr>
+                                  <m:t>𝑎</m:t>
+                                </m:r>
+                              </m:sub>
+                            </m:sSub>
+                          </m:oMath>
+                        </m:oMathPara>
+                      </a14:m>
+                      <a:endParaRPr kumimoji="1" lang="en-US" altLang="zh-CN" sz="2400" dirty="0">
+                        <a:solidFill>
+                          <a:srgbClr val="00B050"/>
+                        </a:solidFill>
+                      </a:endParaRPr>
+                    </a:p>
+                  </p:txBody>
+                </p:sp>
+              </mc:Choice>
+              <mc:Fallback>
+                <p:sp>
+                  <p:nvSpPr>
+                    <p:cNvPr id="11" name="文本框 10">
+                      <a:extLst>
+                        <a:ext uri="{FF2B5EF4-FFF2-40B4-BE49-F238E27FC236}">
+                          <a16:creationId xmlns:a16="http://schemas.microsoft.com/office/drawing/2014/main" id="{042C08C8-4A5B-BD4D-983C-834BB7943FF3}"/>
+                        </a:ext>
+                      </a:extLst>
+                    </p:cNvPr>
+                    <p:cNvSpPr txBox="1">
+                      <a:spLocks noRot="1" noChangeAspect="1" noMove="1" noResize="1" noEditPoints="1" noAdjustHandles="1" noChangeArrowheads="1" noChangeShapeType="1" noTextEdit="1"/>
+                    </p:cNvSpPr>
+                    <p:nvPr/>
+                  </p:nvSpPr>
+                  <p:spPr>
+                    <a:xfrm>
+                      <a:off x="4219375" y="3609114"/>
+                      <a:ext cx="917111" cy="461665"/>
+                    </a:xfrm>
+                    <a:prstGeom prst="rect">
+                      <a:avLst/>
+                    </a:prstGeom>
+                    <a:blipFill>
+                      <a:blip r:embed="rId7"/>
+                      <a:stretch>
+                        <a:fillRect b="-5263"/>
+                      </a:stretch>
+                    </a:blipFill>
+                  </p:spPr>
+                  <p:txBody>
+                    <a:bodyPr/>
+                    <a:lstStyle/>
+                    <a:p>
+                      <a:r>
+                        <a:rPr lang="zh-CN" altLang="en-US">
+                          <a:noFill/>
+                        </a:rPr>
+                        <a:t> </a:t>
+                      </a:r>
+                    </a:p>
+                  </p:txBody>
+                </p:sp>
+              </mc:Fallback>
+            </mc:AlternateContent>
+            <p:cxnSp>
+              <p:nvCxnSpPr>
+                <p:cNvPr id="12" name="直线箭头连接符 11">
+                  <a:extLst>
+                    <a:ext uri="{FF2B5EF4-FFF2-40B4-BE49-F238E27FC236}">
+                      <a16:creationId xmlns:a16="http://schemas.microsoft.com/office/drawing/2014/main" id="{A3CD5D59-5275-2744-A6A1-FB82D29EEDA2}"/>
+                    </a:ext>
+                  </a:extLst>
+                </p:cNvPr>
+                <p:cNvCxnSpPr>
+                  <a:cxnSpLocks/>
+                </p:cNvCxnSpPr>
+                <p:nvPr/>
+              </p:nvCxnSpPr>
+              <p:spPr>
+                <a:xfrm flipH="1">
+                  <a:off x="3861708" y="3588377"/>
+                  <a:ext cx="1562706" cy="12667"/>
+                </a:xfrm>
+                <a:prstGeom prst="straightConnector1">
+                  <a:avLst/>
+                </a:prstGeom>
+                <a:ln w="38100">
+                  <a:solidFill>
+                    <a:srgbClr val="00B050"/>
+                  </a:solidFill>
+                  <a:prstDash val="sysDot"/>
+                  <a:tailEnd type="triangle"/>
+                </a:ln>
+              </p:spPr>
+              <p:style>
+                <a:lnRef idx="1">
+                  <a:schemeClr val="accent1"/>
+                </a:lnRef>
+                <a:fillRef idx="0">
+                  <a:schemeClr val="accent1"/>
+                </a:fillRef>
+                <a:effectRef idx="0">
+                  <a:schemeClr val="accent1"/>
+                </a:effectRef>
+                <a:fontRef idx="minor">
+                  <a:schemeClr val="tx1"/>
+                </a:fontRef>
+              </p:style>
+            </p:cxnSp>
+            <p:sp>
+              <p:nvSpPr>
+                <p:cNvPr id="14" name="文本框 13">
+                  <a:extLst>
+                    <a:ext uri="{FF2B5EF4-FFF2-40B4-BE49-F238E27FC236}">
+                      <a16:creationId xmlns:a16="http://schemas.microsoft.com/office/drawing/2014/main" id="{DB2657DC-C040-DA46-A634-3702CB5599D1}"/>
+                    </a:ext>
+                  </a:extLst>
+                </p:cNvPr>
+                <p:cNvSpPr txBox="1"/>
+                <p:nvPr/>
+              </p:nvSpPr>
+              <p:spPr>
+                <a:xfrm>
+                  <a:off x="5594927" y="2603500"/>
+                  <a:ext cx="955711" cy="369332"/>
+                </a:xfrm>
+                <a:prstGeom prst="rect">
+                  <a:avLst/>
+                </a:prstGeom>
+                <a:noFill/>
+              </p:spPr>
+              <p:txBody>
+                <a:bodyPr wrap="none" rtlCol="0">
+                  <a:spAutoFit/>
+                </a:bodyPr>
+                <a:lstStyle/>
+                <a:p>
+                  <a:r>
+                    <a:rPr kumimoji="1" lang="en-US" altLang="zh-CN" dirty="0"/>
+                    <a:t>variable</a:t>
+                  </a:r>
+                  <a:endParaRPr kumimoji="1" lang="zh-CN" altLang="en-US" dirty="0"/>
+                </a:p>
+              </p:txBody>
+            </p:sp>
+          </p:grpSp>
+          <p:grpSp>
+            <p:nvGrpSpPr>
+              <p:cNvPr id="18" name="组合 17">
+                <a:extLst>
+                  <a:ext uri="{FF2B5EF4-FFF2-40B4-BE49-F238E27FC236}">
+                    <a16:creationId xmlns:a16="http://schemas.microsoft.com/office/drawing/2014/main" id="{128C895D-786F-9C41-B89D-12282EFCB02F}"/>
+                  </a:ext>
+                </a:extLst>
+              </p:cNvPr>
+              <p:cNvGrpSpPr/>
+              <p:nvPr/>
+            </p:nvGrpSpPr>
+            <p:grpSpPr>
+              <a:xfrm>
+                <a:off x="2035455" y="1920676"/>
+                <a:ext cx="678873" cy="678873"/>
+                <a:chOff x="4858327" y="4016061"/>
+                <a:chExt cx="678873" cy="678873"/>
+              </a:xfrm>
+            </p:grpSpPr>
+            <p:sp>
+              <p:nvSpPr>
+                <p:cNvPr id="16" name="椭圆 15">
+                  <a:extLst>
+                    <a:ext uri="{FF2B5EF4-FFF2-40B4-BE49-F238E27FC236}">
+                      <a16:creationId xmlns:a16="http://schemas.microsoft.com/office/drawing/2014/main" id="{633440FE-69FA-2446-A824-9879511A729A}"/>
+                    </a:ext>
+                  </a:extLst>
+                </p:cNvPr>
+                <p:cNvSpPr/>
+                <p:nvPr/>
+              </p:nvSpPr>
+              <p:spPr>
+                <a:xfrm>
+                  <a:off x="4858327" y="4016061"/>
+                  <a:ext cx="678873" cy="678873"/>
+                </a:xfrm>
+                <a:prstGeom prst="ellipse">
+                  <a:avLst/>
+                </a:prstGeom>
+                <a:noFill/>
+                <a:ln w="38100">
+                  <a:solidFill>
+                    <a:schemeClr val="tx1"/>
+                  </a:solidFill>
+                </a:ln>
+              </p:spPr>
+              <p:style>
+                <a:lnRef idx="2">
+                  <a:schemeClr val="accent1">
+                    <a:shade val="50000"/>
+                  </a:schemeClr>
+                </a:lnRef>
+                <a:fillRef idx="1">
+                  <a:schemeClr val="accent1"/>
+                </a:fillRef>
+                <a:effectRef idx="0">
+                  <a:schemeClr val="accent1"/>
+                </a:effectRef>
+                <a:fontRef idx="minor">
+                  <a:schemeClr val="lt1"/>
+                </a:fontRef>
+              </p:style>
+              <p:txBody>
+                <a:bodyPr rtlCol="0" anchor="ctr"/>
+                <a:lstStyle/>
+                <a:p>
+                  <a:pPr algn="ctr"/>
+                  <a:endParaRPr kumimoji="1" lang="zh-CN" altLang="en-US" dirty="0"/>
+                </a:p>
+              </p:txBody>
+            </p:sp>
+            <mc:AlternateContent xmlns:mc="http://schemas.openxmlformats.org/markup-compatibility/2006">
+              <mc:Choice xmlns:a14="http://schemas.microsoft.com/office/drawing/2010/main" Requires="a14">
+                <p:sp>
+                  <p:nvSpPr>
+                    <p:cNvPr id="17" name="文本框 16">
+                      <a:extLst>
+                        <a:ext uri="{FF2B5EF4-FFF2-40B4-BE49-F238E27FC236}">
+                          <a16:creationId xmlns:a16="http://schemas.microsoft.com/office/drawing/2014/main" id="{B186A878-76D9-014F-9739-BBE3A0430349}"/>
+                        </a:ext>
+                      </a:extLst>
+                    </p:cNvPr>
+                    <p:cNvSpPr txBox="1"/>
+                    <p:nvPr/>
+                  </p:nvSpPr>
+                  <p:spPr>
+                    <a:xfrm>
+                      <a:off x="4992518" y="4130085"/>
+                      <a:ext cx="461601" cy="430887"/>
+                    </a:xfrm>
+                    <a:prstGeom prst="rect">
+                      <a:avLst/>
+                    </a:prstGeom>
+                    <a:noFill/>
+                  </p:spPr>
+                  <p:txBody>
+                    <a:bodyPr wrap="none" lIns="0" tIns="0" rIns="0" bIns="0" rtlCol="0">
+                      <a:spAutoFit/>
+                    </a:bodyPr>
+                    <a:lstStyle/>
+                    <a:p>
+                      <a:pPr/>
+                      <a14:m>
+                        <m:oMathPara xmlns:m="http://schemas.openxmlformats.org/officeDocument/2006/math">
+                          <m:oMathParaPr>
+                            <m:jc m:val="centerGroup"/>
+                          </m:oMathParaPr>
+                          <m:oMath xmlns:m="http://schemas.openxmlformats.org/officeDocument/2006/math">
+                            <m:sSubSup>
+                              <m:sSubSupPr>
+                                <m:ctrlPr>
+                                  <a:rPr kumimoji="1" lang="en-US" altLang="zh-CN" sz="2800" b="0" i="1" smtClean="0">
+                                    <a:latin typeface="Cambria Math" panose="02040503050406030204" pitchFamily="18" charset="0"/>
+                                  </a:rPr>
+                                </m:ctrlPr>
+                              </m:sSubSupPr>
+                              <m:e>
+                                <m:r>
+                                  <a:rPr kumimoji="1" lang="en-US" altLang="zh-CN" sz="2800" b="0" i="1" smtClean="0">
+                                    <a:latin typeface="Cambria Math" panose="02040503050406030204" pitchFamily="18" charset="0"/>
+                                  </a:rPr>
+                                  <m:t>𝑣</m:t>
+                                </m:r>
+                              </m:e>
+                              <m:sub>
+                                <m:r>
+                                  <a:rPr kumimoji="1" lang="en-US" altLang="zh-CN" sz="2800" b="0" i="1" smtClean="0">
+                                    <a:latin typeface="Cambria Math" panose="02040503050406030204" pitchFamily="18" charset="0"/>
+                                  </a:rPr>
+                                  <m:t>𝑛</m:t>
+                                </m:r>
+                              </m:sub>
+                              <m:sup>
+                                <m:r>
+                                  <a:rPr kumimoji="1" lang="en-US" altLang="zh-CN" sz="2800" b="0" i="1" smtClean="0">
+                                    <a:latin typeface="Cambria Math" panose="02040503050406030204" pitchFamily="18" charset="0"/>
+                                  </a:rPr>
+                                  <m:t>∗</m:t>
+                                </m:r>
+                              </m:sup>
+                            </m:sSubSup>
+                          </m:oMath>
+                        </m:oMathPara>
+                      </a14:m>
+                      <a:endParaRPr kumimoji="1" lang="zh-CN" altLang="en-US" sz="2800" dirty="0"/>
+                    </a:p>
+                  </p:txBody>
+                </p:sp>
+              </mc:Choice>
+              <mc:Fallback>
+                <p:sp>
+                  <p:nvSpPr>
+                    <p:cNvPr id="17" name="文本框 16">
+                      <a:extLst>
+                        <a:ext uri="{FF2B5EF4-FFF2-40B4-BE49-F238E27FC236}">
+                          <a16:creationId xmlns:a16="http://schemas.microsoft.com/office/drawing/2014/main" id="{B186A878-76D9-014F-9739-BBE3A0430349}"/>
+                        </a:ext>
+                      </a:extLst>
+                    </p:cNvPr>
+                    <p:cNvSpPr txBox="1">
+                      <a:spLocks noRot="1" noChangeAspect="1" noMove="1" noResize="1" noEditPoints="1" noAdjustHandles="1" noChangeArrowheads="1" noChangeShapeType="1" noTextEdit="1"/>
+                    </p:cNvSpPr>
+                    <p:nvPr/>
+                  </p:nvSpPr>
+                  <p:spPr>
+                    <a:xfrm>
+                      <a:off x="4992518" y="4130085"/>
+                      <a:ext cx="461601" cy="430887"/>
+                    </a:xfrm>
+                    <a:prstGeom prst="rect">
+                      <a:avLst/>
+                    </a:prstGeom>
+                    <a:blipFill>
+                      <a:blip r:embed="rId8"/>
+                      <a:stretch>
+                        <a:fillRect l="-8108" b="-8571"/>
+                      </a:stretch>
+                    </a:blipFill>
+                  </p:spPr>
+                  <p:txBody>
+                    <a:bodyPr/>
+                    <a:lstStyle/>
+                    <a:p>
+                      <a:r>
+                        <a:rPr lang="zh-CN" altLang="en-US">
+                          <a:noFill/>
+                        </a:rPr>
+                        <a:t> </a:t>
+                      </a:r>
+                    </a:p>
+                  </p:txBody>
+                </p:sp>
+              </mc:Fallback>
+            </mc:AlternateContent>
+          </p:grpSp>
+          <p:grpSp>
+            <p:nvGrpSpPr>
+              <p:cNvPr id="19" name="组合 18">
+                <a:extLst>
+                  <a:ext uri="{FF2B5EF4-FFF2-40B4-BE49-F238E27FC236}">
+                    <a16:creationId xmlns:a16="http://schemas.microsoft.com/office/drawing/2014/main" id="{68996415-F85D-E744-8609-1E03A1FA6D1F}"/>
+                  </a:ext>
+                </a:extLst>
+              </p:cNvPr>
+              <p:cNvGrpSpPr/>
+              <p:nvPr/>
+            </p:nvGrpSpPr>
+            <p:grpSpPr>
+              <a:xfrm>
+                <a:off x="934362" y="2444898"/>
+                <a:ext cx="678873" cy="678873"/>
+                <a:chOff x="4858327" y="4016061"/>
+                <a:chExt cx="678873" cy="678873"/>
+              </a:xfrm>
+            </p:grpSpPr>
+            <p:sp>
+              <p:nvSpPr>
+                <p:cNvPr id="20" name="椭圆 19">
+                  <a:extLst>
+                    <a:ext uri="{FF2B5EF4-FFF2-40B4-BE49-F238E27FC236}">
+                      <a16:creationId xmlns:a16="http://schemas.microsoft.com/office/drawing/2014/main" id="{0E75511F-6D5F-484D-86B8-8EBFE19E048D}"/>
+                    </a:ext>
+                  </a:extLst>
+                </p:cNvPr>
+                <p:cNvSpPr/>
+                <p:nvPr/>
+              </p:nvSpPr>
+              <p:spPr>
+                <a:xfrm>
+                  <a:off x="4858327" y="4016061"/>
+                  <a:ext cx="678873" cy="678873"/>
+                </a:xfrm>
+                <a:prstGeom prst="ellipse">
+                  <a:avLst/>
+                </a:prstGeom>
+                <a:noFill/>
+                <a:ln w="38100">
+                  <a:solidFill>
+                    <a:schemeClr val="tx1"/>
+                  </a:solidFill>
+                </a:ln>
+              </p:spPr>
+              <p:style>
+                <a:lnRef idx="2">
+                  <a:schemeClr val="accent1">
+                    <a:shade val="50000"/>
+                  </a:schemeClr>
+                </a:lnRef>
+                <a:fillRef idx="1">
+                  <a:schemeClr val="accent1"/>
+                </a:fillRef>
+                <a:effectRef idx="0">
+                  <a:schemeClr val="accent1"/>
+                </a:effectRef>
+                <a:fontRef idx="minor">
+                  <a:schemeClr val="lt1"/>
+                </a:fontRef>
+              </p:style>
+              <p:txBody>
+                <a:bodyPr rtlCol="0" anchor="ctr"/>
+                <a:lstStyle/>
+                <a:p>
+                  <a:pPr algn="ctr"/>
+                  <a:endParaRPr kumimoji="1" lang="zh-CN" altLang="en-US" dirty="0"/>
+                </a:p>
+              </p:txBody>
+            </p:sp>
+            <mc:AlternateContent xmlns:mc="http://schemas.openxmlformats.org/markup-compatibility/2006">
+              <mc:Choice xmlns:a14="http://schemas.microsoft.com/office/drawing/2010/main" Requires="a14">
+                <p:sp>
+                  <p:nvSpPr>
+                    <p:cNvPr id="21" name="文本框 20">
+                      <a:extLst>
+                        <a:ext uri="{FF2B5EF4-FFF2-40B4-BE49-F238E27FC236}">
+                          <a16:creationId xmlns:a16="http://schemas.microsoft.com/office/drawing/2014/main" id="{E7C904DE-69A5-0D45-9550-7978B0FA8592}"/>
+                        </a:ext>
+                      </a:extLst>
+                    </p:cNvPr>
+                    <p:cNvSpPr txBox="1"/>
+                    <p:nvPr/>
+                  </p:nvSpPr>
+                  <p:spPr>
+                    <a:xfrm>
+                      <a:off x="4992518" y="4130085"/>
+                      <a:ext cx="455894" cy="430887"/>
+                    </a:xfrm>
+                    <a:prstGeom prst="rect">
+                      <a:avLst/>
+                    </a:prstGeom>
+                    <a:noFill/>
+                  </p:spPr>
+                  <p:txBody>
+                    <a:bodyPr wrap="none" lIns="0" tIns="0" rIns="0" bIns="0" rtlCol="0">
+                      <a:spAutoFit/>
+                    </a:bodyPr>
+                    <a:lstStyle/>
+                    <a:p>
+                      <a:pPr/>
+                      <a14:m>
+                        <m:oMathPara xmlns:m="http://schemas.openxmlformats.org/officeDocument/2006/math">
+                          <m:oMathParaPr>
+                            <m:jc m:val="centerGroup"/>
+                          </m:oMathParaPr>
+                          <m:oMath xmlns:m="http://schemas.openxmlformats.org/officeDocument/2006/math">
+                            <m:sSubSup>
+                              <m:sSubSupPr>
+                                <m:ctrlPr>
+                                  <a:rPr kumimoji="1" lang="en-US" altLang="zh-CN" sz="2800" b="0" i="1" smtClean="0">
+                                    <a:latin typeface="Cambria Math" panose="02040503050406030204" pitchFamily="18" charset="0"/>
+                                  </a:rPr>
+                                </m:ctrlPr>
+                              </m:sSubSupPr>
+                              <m:e>
+                                <m:r>
+                                  <a:rPr kumimoji="1" lang="en-US" altLang="zh-CN" sz="2800" b="0" i="1" smtClean="0">
+                                    <a:latin typeface="Cambria Math" panose="02040503050406030204" pitchFamily="18" charset="0"/>
+                                  </a:rPr>
+                                  <m:t>𝑣</m:t>
+                                </m:r>
+                              </m:e>
+                              <m:sub>
+                                <m:r>
+                                  <a:rPr kumimoji="1" lang="en-US" altLang="zh-CN" sz="2800" b="0" i="1" smtClean="0">
+                                    <a:latin typeface="Cambria Math" panose="02040503050406030204" pitchFamily="18" charset="0"/>
+                                  </a:rPr>
+                                  <m:t>1</m:t>
+                                </m:r>
+                              </m:sub>
+                              <m:sup>
+                                <m:r>
+                                  <a:rPr kumimoji="1" lang="en-US" altLang="zh-CN" sz="2800" b="0" i="1" smtClean="0">
+                                    <a:latin typeface="Cambria Math" panose="02040503050406030204" pitchFamily="18" charset="0"/>
+                                  </a:rPr>
+                                  <m:t>∗</m:t>
+                                </m:r>
+                              </m:sup>
+                            </m:sSubSup>
+                          </m:oMath>
+                        </m:oMathPara>
+                      </a14:m>
+                      <a:endParaRPr kumimoji="1" lang="zh-CN" altLang="en-US" sz="2800" dirty="0"/>
+                    </a:p>
+                  </p:txBody>
+                </p:sp>
+              </mc:Choice>
+              <mc:Fallback>
+                <p:sp>
+                  <p:nvSpPr>
+                    <p:cNvPr id="21" name="文本框 20">
+                      <a:extLst>
+                        <a:ext uri="{FF2B5EF4-FFF2-40B4-BE49-F238E27FC236}">
+                          <a16:creationId xmlns:a16="http://schemas.microsoft.com/office/drawing/2014/main" id="{E7C904DE-69A5-0D45-9550-7978B0FA8592}"/>
+                        </a:ext>
+                      </a:extLst>
+                    </p:cNvPr>
+                    <p:cNvSpPr txBox="1">
+                      <a:spLocks noRot="1" noChangeAspect="1" noMove="1" noResize="1" noEditPoints="1" noAdjustHandles="1" noChangeArrowheads="1" noChangeShapeType="1" noTextEdit="1"/>
+                    </p:cNvSpPr>
+                    <p:nvPr/>
+                  </p:nvSpPr>
+                  <p:spPr>
+                    <a:xfrm>
+                      <a:off x="4992518" y="4130085"/>
+                      <a:ext cx="455894" cy="430887"/>
+                    </a:xfrm>
+                    <a:prstGeom prst="rect">
+                      <a:avLst/>
+                    </a:prstGeom>
+                    <a:blipFill>
+                      <a:blip r:embed="rId9"/>
+                      <a:stretch>
+                        <a:fillRect l="-8108" r="-2703" b="-14286"/>
+                      </a:stretch>
+                    </a:blipFill>
+                  </p:spPr>
+                  <p:txBody>
+                    <a:bodyPr/>
+                    <a:lstStyle/>
+                    <a:p>
+                      <a:r>
+                        <a:rPr lang="zh-CN" altLang="en-US">
+                          <a:noFill/>
+                        </a:rPr>
+                        <a:t> </a:t>
+                      </a:r>
+                    </a:p>
+                  </p:txBody>
+                </p:sp>
+              </mc:Fallback>
+            </mc:AlternateContent>
+          </p:grpSp>
+          <p:cxnSp>
+            <p:nvCxnSpPr>
+              <p:cNvPr id="23" name="直线箭头连接符 22">
+                <a:extLst>
+                  <a:ext uri="{FF2B5EF4-FFF2-40B4-BE49-F238E27FC236}">
+                    <a16:creationId xmlns:a16="http://schemas.microsoft.com/office/drawing/2014/main" id="{849E96C5-DD96-2144-B9CC-2023D9B7D506}"/>
+                  </a:ext>
+                </a:extLst>
+              </p:cNvPr>
+              <p:cNvCxnSpPr>
+                <a:cxnSpLocks/>
+                <a:stCxn id="16" idx="4"/>
+                <a:endCxn id="5" idx="0"/>
+              </p:cNvCxnSpPr>
+              <p:nvPr/>
+            </p:nvCxnSpPr>
+            <p:spPr>
+              <a:xfrm>
+                <a:off x="2374892" y="2599549"/>
+                <a:ext cx="106144" cy="1264112"/>
+              </a:xfrm>
+              <a:prstGeom prst="straightConnector1">
+                <a:avLst/>
+              </a:prstGeom>
+              <a:ln w="38100">
+                <a:solidFill>
+                  <a:schemeClr val="tx1"/>
+                </a:solidFill>
+                <a:tailEnd type="none"/>
+              </a:ln>
+            </p:spPr>
+            <p:style>
+              <a:lnRef idx="1">
+                <a:schemeClr val="accent1"/>
+              </a:lnRef>
+              <a:fillRef idx="0">
+                <a:schemeClr val="accent1"/>
+              </a:fillRef>
+              <a:effectRef idx="0">
+                <a:schemeClr val="accent1"/>
+              </a:effectRef>
+              <a:fontRef idx="minor">
+                <a:schemeClr val="tx1"/>
+              </a:fontRef>
+            </p:style>
+          </p:cxnSp>
+          <p:cxnSp>
+            <p:nvCxnSpPr>
+              <p:cNvPr id="26" name="直线箭头连接符 25">
+                <a:extLst>
+                  <a:ext uri="{FF2B5EF4-FFF2-40B4-BE49-F238E27FC236}">
+                    <a16:creationId xmlns:a16="http://schemas.microsoft.com/office/drawing/2014/main" id="{3CC964CD-FDAB-B444-82B6-B5FAF42988BF}"/>
+                  </a:ext>
+                </a:extLst>
+              </p:cNvPr>
+              <p:cNvCxnSpPr>
+                <a:cxnSpLocks/>
+                <a:stCxn id="20" idx="5"/>
+                <a:endCxn id="5" idx="0"/>
+              </p:cNvCxnSpPr>
+              <p:nvPr/>
+            </p:nvCxnSpPr>
+            <p:spPr>
+              <a:xfrm>
+                <a:off x="1513816" y="3024352"/>
+                <a:ext cx="967220" cy="839309"/>
+              </a:xfrm>
+              <a:prstGeom prst="straightConnector1">
+                <a:avLst/>
+              </a:prstGeom>
+              <a:ln w="38100">
+                <a:solidFill>
+                  <a:schemeClr val="tx1"/>
+                </a:solidFill>
+                <a:tailEnd type="none"/>
+              </a:ln>
+            </p:spPr>
+            <p:style>
+              <a:lnRef idx="1">
+                <a:schemeClr val="accent1"/>
+              </a:lnRef>
+              <a:fillRef idx="0">
+                <a:schemeClr val="accent1"/>
+              </a:fillRef>
+              <a:effectRef idx="0">
+                <a:schemeClr val="accent1"/>
+              </a:effectRef>
+              <a:fontRef idx="minor">
+                <a:schemeClr val="tx1"/>
+              </a:fontRef>
+            </p:style>
+          </p:cxnSp>
+          <mc:AlternateContent xmlns:mc="http://schemas.openxmlformats.org/markup-compatibility/2006">
+            <mc:Choice xmlns:a14="http://schemas.microsoft.com/office/drawing/2010/main" Requires="a14">
+              <p:sp>
+                <p:nvSpPr>
+                  <p:cNvPr id="33" name="文本框 32">
+                    <a:extLst>
+                      <a:ext uri="{FF2B5EF4-FFF2-40B4-BE49-F238E27FC236}">
+                        <a16:creationId xmlns:a16="http://schemas.microsoft.com/office/drawing/2014/main" id="{453E4878-E2A1-764D-B0E8-CB021AF14C78}"/>
+                      </a:ext>
+                    </a:extLst>
+                  </p:cNvPr>
+                  <p:cNvSpPr txBox="1"/>
+                  <p:nvPr/>
+                </p:nvSpPr>
+                <p:spPr>
+                  <a:xfrm>
+                    <a:off x="4247486" y="5181065"/>
+                    <a:ext cx="1016176" cy="461665"/>
+                  </a:xfrm>
+                  <a:prstGeom prst="rect">
+                    <a:avLst/>
+                  </a:prstGeom>
+                  <a:noFill/>
+                </p:spPr>
+                <p:txBody>
+                  <a:bodyPr wrap="none" rtlCol="0">
+                    <a:spAutoFit/>
+                  </a:bodyPr>
+                  <a:lstStyle/>
+                  <a:p>
+                    <a:pPr/>
+                    <a14:m>
+                      <m:oMathPara xmlns:m="http://schemas.openxmlformats.org/officeDocument/2006/math">
+                        <m:oMathParaPr>
+                          <m:jc m:val="centerGroup"/>
+                        </m:oMathParaPr>
+                        <m:oMath xmlns:m="http://schemas.openxmlformats.org/officeDocument/2006/math">
+                          <m:sSub>
+                            <m:sSubPr>
+                              <m:ctrlPr>
+                                <a:rPr kumimoji="1" lang="en-US" altLang="zh-CN" sz="2400" b="0" i="1" smtClean="0">
+                                  <a:solidFill>
+                                    <a:srgbClr val="00B050"/>
+                                  </a:solidFill>
+                                  <a:latin typeface="Cambria Math" panose="02040503050406030204" pitchFamily="18" charset="0"/>
+                                </a:rPr>
+                              </m:ctrlPr>
+                            </m:sSubPr>
+                            <m:e>
+                              <m:r>
+                                <a:rPr kumimoji="1" lang="en-US" altLang="zh-CN" sz="2400" i="1">
+                                  <a:solidFill>
+                                    <a:srgbClr val="00B050"/>
+                                  </a:solidFill>
+                                  <a:latin typeface="Cambria Math" panose="02040503050406030204" pitchFamily="18" charset="0"/>
+                                </a:rPr>
+                                <m:t>𝜇</m:t>
+                              </m:r>
+                            </m:e>
+                            <m:sub>
+                              <m:sSup>
+                                <m:sSupPr>
+                                  <m:ctrlPr>
+                                    <a:rPr kumimoji="1" lang="en-US" altLang="zh-CN" sz="2400" b="0" i="1" smtClean="0">
+                                      <a:solidFill>
+                                        <a:srgbClr val="00B050"/>
+                                      </a:solidFill>
+                                      <a:latin typeface="Cambria Math" panose="02040503050406030204" pitchFamily="18" charset="0"/>
+                                    </a:rPr>
+                                  </m:ctrlPr>
+                                </m:sSupPr>
+                                <m:e>
+                                  <m:r>
+                                    <a:rPr kumimoji="1" lang="en-US" altLang="zh-CN" sz="2400" b="0" i="1" smtClean="0">
+                                      <a:solidFill>
+                                        <a:srgbClr val="00B050"/>
+                                      </a:solidFill>
+                                      <a:latin typeface="Cambria Math" panose="02040503050406030204" pitchFamily="18" charset="0"/>
+                                    </a:rPr>
+                                    <m:t>𝑎</m:t>
+                                  </m:r>
+                                </m:e>
+                                <m:sup>
+                                  <m:r>
+                                    <a:rPr kumimoji="1" lang="en-US" altLang="zh-CN" sz="2400" b="0" i="1" smtClean="0">
+                                      <a:solidFill>
+                                        <a:srgbClr val="00B050"/>
+                                      </a:solidFill>
+                                      <a:latin typeface="Cambria Math" panose="02040503050406030204" pitchFamily="18" charset="0"/>
+                                    </a:rPr>
+                                    <m:t>∗</m:t>
+                                  </m:r>
+                                </m:sup>
+                              </m:sSup>
+                              <m:r>
+                                <a:rPr kumimoji="1" lang="en-US" altLang="zh-CN" sz="2400" b="0" i="1" smtClean="0">
+                                  <a:solidFill>
+                                    <a:srgbClr val="00B050"/>
+                                  </a:solidFill>
+                                  <a:latin typeface="Cambria Math" panose="02040503050406030204" pitchFamily="18" charset="0"/>
+                                </a:rPr>
+                                <m:t>→</m:t>
+                              </m:r>
+                              <m:r>
+                                <a:rPr kumimoji="1" lang="en-US" altLang="zh-CN" sz="2400" b="0" i="1" smtClean="0">
+                                  <a:solidFill>
+                                    <a:srgbClr val="00B050"/>
+                                  </a:solidFill>
+                                  <a:latin typeface="Cambria Math" panose="02040503050406030204" pitchFamily="18" charset="0"/>
+                                </a:rPr>
+                                <m:t>𝑣</m:t>
+                              </m:r>
+                            </m:sub>
+                          </m:sSub>
+                        </m:oMath>
+                      </m:oMathPara>
+                    </a14:m>
+                    <a:endParaRPr kumimoji="1" lang="en-US" altLang="zh-CN" sz="2400" dirty="0">
+                      <a:solidFill>
+                        <a:srgbClr val="00B050"/>
+                      </a:solidFill>
+                    </a:endParaRPr>
+                  </a:p>
+                </p:txBody>
+              </p:sp>
+            </mc:Choice>
+            <mc:Fallback>
+              <p:sp>
+                <p:nvSpPr>
+                  <p:cNvPr id="33" name="文本框 32">
+                    <a:extLst>
+                      <a:ext uri="{FF2B5EF4-FFF2-40B4-BE49-F238E27FC236}">
+                        <a16:creationId xmlns:a16="http://schemas.microsoft.com/office/drawing/2014/main" id="{453E4878-E2A1-764D-B0E8-CB021AF14C78}"/>
+                      </a:ext>
+                    </a:extLst>
+                  </p:cNvPr>
+                  <p:cNvSpPr txBox="1">
+                    <a:spLocks noRot="1" noChangeAspect="1" noMove="1" noResize="1" noEditPoints="1" noAdjustHandles="1" noChangeArrowheads="1" noChangeShapeType="1" noTextEdit="1"/>
+                  </p:cNvSpPr>
+                  <p:nvPr/>
+                </p:nvSpPr>
+                <p:spPr>
+                  <a:xfrm>
+                    <a:off x="4247486" y="5181065"/>
+                    <a:ext cx="1016176" cy="461665"/>
+                  </a:xfrm>
+                  <a:prstGeom prst="rect">
+                    <a:avLst/>
+                  </a:prstGeom>
+                  <a:blipFill>
+                    <a:blip r:embed="rId10"/>
+                    <a:stretch>
+                      <a:fillRect b="-5405"/>
+                    </a:stretch>
+                  </a:blipFill>
+                </p:spPr>
+                <p:txBody>
+                  <a:bodyPr/>
+                  <a:lstStyle/>
+                  <a:p>
+                    <a:r>
+                      <a:rPr lang="zh-CN" altLang="en-US">
+                        <a:noFill/>
+                      </a:rPr>
+                      <a:t> </a:t>
+                    </a:r>
+                  </a:p>
+                </p:txBody>
+              </p:sp>
+            </mc:Fallback>
+          </mc:AlternateContent>
+          <p:cxnSp>
+            <p:nvCxnSpPr>
+              <p:cNvPr id="41" name="直线箭头连接符 40">
+                <a:extLst>
+                  <a:ext uri="{FF2B5EF4-FFF2-40B4-BE49-F238E27FC236}">
+                    <a16:creationId xmlns:a16="http://schemas.microsoft.com/office/drawing/2014/main" id="{58052966-3CFE-684D-BA1B-AFB699B749D4}"/>
+                  </a:ext>
+                </a:extLst>
+              </p:cNvPr>
+              <p:cNvCxnSpPr>
+                <a:cxnSpLocks/>
+              </p:cNvCxnSpPr>
+              <p:nvPr/>
+            </p:nvCxnSpPr>
+            <p:spPr>
+              <a:xfrm>
+                <a:off x="2537772" y="2774365"/>
+                <a:ext cx="106144" cy="797873"/>
+              </a:xfrm>
+              <a:prstGeom prst="straightConnector1">
+                <a:avLst/>
+              </a:prstGeom>
+              <a:ln w="38100">
+                <a:solidFill>
+                  <a:srgbClr val="FF0000"/>
+                </a:solidFill>
+                <a:prstDash val="sysDot"/>
+                <a:tailEnd type="triangle"/>
+              </a:ln>
+            </p:spPr>
+            <p:style>
+              <a:lnRef idx="1">
+                <a:schemeClr val="accent1"/>
+              </a:lnRef>
+              <a:fillRef idx="0">
+                <a:schemeClr val="accent1"/>
+              </a:fillRef>
+              <a:effectRef idx="0">
+                <a:schemeClr val="accent1"/>
+              </a:effectRef>
+              <a:fontRef idx="minor">
+                <a:schemeClr val="tx1"/>
+              </a:fontRef>
+            </p:style>
+          </p:cxnSp>
+          <p:grpSp>
+            <p:nvGrpSpPr>
+              <p:cNvPr id="48" name="组合 47">
+                <a:extLst>
+                  <a:ext uri="{FF2B5EF4-FFF2-40B4-BE49-F238E27FC236}">
+                    <a16:creationId xmlns:a16="http://schemas.microsoft.com/office/drawing/2014/main" id="{BCAD4307-1C62-EE4F-9790-1AF19A42E48A}"/>
+                  </a:ext>
+                </a:extLst>
+              </p:cNvPr>
+              <p:cNvGrpSpPr/>
+              <p:nvPr/>
+            </p:nvGrpSpPr>
+            <p:grpSpPr>
+              <a:xfrm>
+                <a:off x="5190783" y="5797903"/>
+                <a:ext cx="678873" cy="678873"/>
+                <a:chOff x="5190783" y="5797903"/>
+                <a:chExt cx="678873" cy="678873"/>
+              </a:xfrm>
+            </p:grpSpPr>
+            <p:sp>
+              <p:nvSpPr>
+                <p:cNvPr id="42" name="矩形 41">
+                  <a:extLst>
+                    <a:ext uri="{FF2B5EF4-FFF2-40B4-BE49-F238E27FC236}">
+                      <a16:creationId xmlns:a16="http://schemas.microsoft.com/office/drawing/2014/main" id="{A650C74B-5A8F-9744-B155-8DBD82DCCEEA}"/>
+                    </a:ext>
+                  </a:extLst>
+                </p:cNvPr>
+                <p:cNvSpPr/>
+                <p:nvPr/>
+              </p:nvSpPr>
+              <p:spPr>
+                <a:xfrm>
+                  <a:off x="5190783" y="5797903"/>
+                  <a:ext cx="678873" cy="678873"/>
+                </a:xfrm>
+                <a:prstGeom prst="rect">
+                  <a:avLst/>
+                </a:prstGeom>
+                <a:noFill/>
+                <a:ln w="38100">
+                  <a:solidFill>
+                    <a:schemeClr val="tx1"/>
+                  </a:solidFill>
+                </a:ln>
+              </p:spPr>
+              <p:style>
+                <a:lnRef idx="2">
+                  <a:schemeClr val="accent1">
+                    <a:shade val="50000"/>
+                  </a:schemeClr>
+                </a:lnRef>
+                <a:fillRef idx="1">
+                  <a:schemeClr val="accent1"/>
+                </a:fillRef>
+                <a:effectRef idx="0">
+                  <a:schemeClr val="accent1"/>
+                </a:effectRef>
+                <a:fontRef idx="minor">
+                  <a:schemeClr val="lt1"/>
+                </a:fontRef>
+              </p:style>
+              <p:txBody>
+                <a:bodyPr rtlCol="0" anchor="ctr"/>
+                <a:lstStyle/>
+                <a:p>
+                  <a:pPr algn="ctr"/>
+                  <a:endParaRPr kumimoji="1" lang="zh-CN" altLang="en-US"/>
+                </a:p>
+              </p:txBody>
+            </p:sp>
+            <mc:AlternateContent xmlns:mc="http://schemas.openxmlformats.org/markup-compatibility/2006">
+              <mc:Choice xmlns:a14="http://schemas.microsoft.com/office/drawing/2010/main" Requires="a14">
+                <p:sp>
+                  <p:nvSpPr>
+                    <p:cNvPr id="45" name="文本框 44">
+                      <a:extLst>
+                        <a:ext uri="{FF2B5EF4-FFF2-40B4-BE49-F238E27FC236}">
+                          <a16:creationId xmlns:a16="http://schemas.microsoft.com/office/drawing/2014/main" id="{B79EDF98-740D-A64E-8210-25357E6174B4}"/>
+                        </a:ext>
+                      </a:extLst>
+                    </p:cNvPr>
+                    <p:cNvSpPr txBox="1"/>
+                    <p:nvPr/>
+                  </p:nvSpPr>
+                  <p:spPr>
+                    <a:xfrm>
+                      <a:off x="5301695" y="5921895"/>
+                      <a:ext cx="457048" cy="430887"/>
+                    </a:xfrm>
+                    <a:prstGeom prst="rect">
+                      <a:avLst/>
+                    </a:prstGeom>
+                    <a:noFill/>
+                  </p:spPr>
+                  <p:txBody>
+                    <a:bodyPr wrap="none" lIns="0" tIns="0" rIns="0" bIns="0" rtlCol="0">
+                      <a:spAutoFit/>
+                    </a:bodyPr>
+                    <a:lstStyle/>
+                    <a:p>
+                      <a:pPr/>
+                      <a14:m>
+                        <m:oMathPara xmlns:m="http://schemas.openxmlformats.org/officeDocument/2006/math">
+                          <m:oMathParaPr>
+                            <m:jc m:val="centerGroup"/>
+                          </m:oMathParaPr>
+                          <m:oMath xmlns:m="http://schemas.openxmlformats.org/officeDocument/2006/math">
+                            <m:sSubSup>
+                              <m:sSubSupPr>
+                                <m:ctrlPr>
+                                  <a:rPr kumimoji="1" lang="en-US" altLang="zh-CN" sz="2800" b="0" i="1" dirty="0" smtClean="0">
+                                    <a:latin typeface="Cambria Math" panose="02040503050406030204" pitchFamily="18" charset="0"/>
+                                  </a:rPr>
+                                </m:ctrlPr>
+                              </m:sSubSupPr>
+                              <m:e>
+                                <m:r>
+                                  <a:rPr kumimoji="1" lang="en-US" altLang="zh-CN" sz="2800" b="0" i="1" dirty="0" smtClean="0">
+                                    <a:latin typeface="Cambria Math" panose="02040503050406030204" pitchFamily="18" charset="0"/>
+                                  </a:rPr>
+                                  <m:t>𝑎</m:t>
+                                </m:r>
+                              </m:e>
+                              <m:sub>
+                                <m:r>
+                                  <a:rPr kumimoji="1" lang="en-US" altLang="zh-CN" sz="2800" b="0" i="1" dirty="0" smtClean="0">
+                                    <a:latin typeface="Cambria Math" panose="02040503050406030204" pitchFamily="18" charset="0"/>
+                                  </a:rPr>
+                                  <m:t>1</m:t>
+                                </m:r>
+                              </m:sub>
+                              <m:sup>
+                                <m:r>
+                                  <a:rPr kumimoji="1" lang="en-US" altLang="zh-CN" sz="2800" b="0" i="1" dirty="0" smtClean="0">
+                                    <a:latin typeface="Cambria Math" panose="02040503050406030204" pitchFamily="18" charset="0"/>
+                                  </a:rPr>
+                                  <m:t>∗</m:t>
+                                </m:r>
+                              </m:sup>
+                            </m:sSubSup>
+                          </m:oMath>
+                        </m:oMathPara>
+                      </a14:m>
+                      <a:endParaRPr kumimoji="1" lang="zh-CN" altLang="en-US" sz="2800" dirty="0"/>
+                    </a:p>
+                  </p:txBody>
+                </p:sp>
+              </mc:Choice>
+              <mc:Fallback>
+                <p:sp>
+                  <p:nvSpPr>
+                    <p:cNvPr id="45" name="文本框 44">
+                      <a:extLst>
+                        <a:ext uri="{FF2B5EF4-FFF2-40B4-BE49-F238E27FC236}">
+                          <a16:creationId xmlns:a16="http://schemas.microsoft.com/office/drawing/2014/main" id="{B79EDF98-740D-A64E-8210-25357E6174B4}"/>
+                        </a:ext>
+                      </a:extLst>
+                    </p:cNvPr>
+                    <p:cNvSpPr txBox="1">
+                      <a:spLocks noRot="1" noChangeAspect="1" noMove="1" noResize="1" noEditPoints="1" noAdjustHandles="1" noChangeArrowheads="1" noChangeShapeType="1" noTextEdit="1"/>
+                    </p:cNvSpPr>
+                    <p:nvPr/>
+                  </p:nvSpPr>
+                  <p:spPr>
+                    <a:xfrm>
+                      <a:off x="5301695" y="5921895"/>
+                      <a:ext cx="457048" cy="430887"/>
+                    </a:xfrm>
+                    <a:prstGeom prst="rect">
+                      <a:avLst/>
+                    </a:prstGeom>
+                    <a:blipFill>
+                      <a:blip r:embed="rId11"/>
+                      <a:stretch>
+                        <a:fillRect l="-8108" r="-5405" b="-14286"/>
+                      </a:stretch>
+                    </a:blipFill>
+                  </p:spPr>
+                  <p:txBody>
+                    <a:bodyPr/>
+                    <a:lstStyle/>
+                    <a:p>
+                      <a:r>
+                        <a:rPr lang="zh-CN" altLang="en-US">
+                          <a:noFill/>
+                        </a:rPr>
+                        <a:t> </a:t>
+                      </a:r>
+                    </a:p>
+                  </p:txBody>
+                </p:sp>
+              </mc:Fallback>
+            </mc:AlternateContent>
+          </p:grpSp>
+          <p:grpSp>
+            <p:nvGrpSpPr>
+              <p:cNvPr id="49" name="组合 48">
+                <a:extLst>
+                  <a:ext uri="{FF2B5EF4-FFF2-40B4-BE49-F238E27FC236}">
+                    <a16:creationId xmlns:a16="http://schemas.microsoft.com/office/drawing/2014/main" id="{7A456A59-433F-4E46-A788-19FF66341EC2}"/>
+                  </a:ext>
+                </a:extLst>
+              </p:cNvPr>
+              <p:cNvGrpSpPr/>
+              <p:nvPr/>
+            </p:nvGrpSpPr>
+            <p:grpSpPr>
+              <a:xfrm>
+                <a:off x="6672656" y="5192950"/>
+                <a:ext cx="678873" cy="678873"/>
+                <a:chOff x="6599106" y="5814002"/>
+                <a:chExt cx="678873" cy="678873"/>
+              </a:xfrm>
+            </p:grpSpPr>
+            <p:sp>
+              <p:nvSpPr>
+                <p:cNvPr id="46" name="矩形 45">
+                  <a:extLst>
+                    <a:ext uri="{FF2B5EF4-FFF2-40B4-BE49-F238E27FC236}">
+                      <a16:creationId xmlns:a16="http://schemas.microsoft.com/office/drawing/2014/main" id="{86800CC4-B210-C042-AA26-A0CCCDBE4C50}"/>
+                    </a:ext>
+                  </a:extLst>
+                </p:cNvPr>
+                <p:cNvSpPr/>
+                <p:nvPr/>
+              </p:nvSpPr>
+              <p:spPr>
+                <a:xfrm>
+                  <a:off x="6599106" y="5814002"/>
+                  <a:ext cx="678873" cy="678873"/>
+                </a:xfrm>
+                <a:prstGeom prst="rect">
+                  <a:avLst/>
+                </a:prstGeom>
+                <a:noFill/>
+                <a:ln w="38100">
+                  <a:solidFill>
+                    <a:schemeClr val="tx1"/>
+                  </a:solidFill>
+                </a:ln>
+              </p:spPr>
+              <p:style>
+                <a:lnRef idx="2">
+                  <a:schemeClr val="accent1">
+                    <a:shade val="50000"/>
+                  </a:schemeClr>
+                </a:lnRef>
+                <a:fillRef idx="1">
+                  <a:schemeClr val="accent1"/>
+                </a:fillRef>
+                <a:effectRef idx="0">
+                  <a:schemeClr val="accent1"/>
+                </a:effectRef>
+                <a:fontRef idx="minor">
+                  <a:schemeClr val="lt1"/>
+                </a:fontRef>
+              </p:style>
+              <p:txBody>
+                <a:bodyPr rtlCol="0" anchor="ctr"/>
+                <a:lstStyle/>
+                <a:p>
+                  <a:pPr algn="ctr"/>
+                  <a:endParaRPr kumimoji="1" lang="zh-CN" altLang="en-US"/>
+                </a:p>
+              </p:txBody>
+            </p:sp>
+            <mc:AlternateContent xmlns:mc="http://schemas.openxmlformats.org/markup-compatibility/2006">
+              <mc:Choice xmlns:a14="http://schemas.microsoft.com/office/drawing/2010/main" Requires="a14">
+                <p:sp>
+                  <p:nvSpPr>
+                    <p:cNvPr id="47" name="文本框 46">
+                      <a:extLst>
+                        <a:ext uri="{FF2B5EF4-FFF2-40B4-BE49-F238E27FC236}">
+                          <a16:creationId xmlns:a16="http://schemas.microsoft.com/office/drawing/2014/main" id="{8D8B6713-DAB3-044B-9130-4F62F728CC7A}"/>
+                        </a:ext>
+                      </a:extLst>
+                    </p:cNvPr>
+                    <p:cNvSpPr txBox="1"/>
+                    <p:nvPr/>
+                  </p:nvSpPr>
+                  <p:spPr>
+                    <a:xfrm>
+                      <a:off x="6710018" y="5937994"/>
+                      <a:ext cx="562783" cy="430887"/>
+                    </a:xfrm>
+                    <a:prstGeom prst="rect">
+                      <a:avLst/>
+                    </a:prstGeom>
+                    <a:noFill/>
+                  </p:spPr>
+                  <p:txBody>
+                    <a:bodyPr wrap="none" lIns="0" tIns="0" rIns="0" bIns="0" rtlCol="0">
+                      <a:spAutoFit/>
+                    </a:bodyPr>
+                    <a:lstStyle/>
+                    <a:p>
+                      <a:pPr/>
+                      <a14:m>
+                        <m:oMathPara xmlns:m="http://schemas.openxmlformats.org/officeDocument/2006/math">
+                          <m:oMathParaPr>
+                            <m:jc m:val="centerGroup"/>
+                          </m:oMathParaPr>
+                          <m:oMath xmlns:m="http://schemas.openxmlformats.org/officeDocument/2006/math">
+                            <m:sSubSup>
+                              <m:sSubSupPr>
+                                <m:ctrlPr>
+                                  <a:rPr kumimoji="1" lang="en-US" altLang="zh-CN" sz="2800" b="0" i="1" dirty="0" smtClean="0">
+                                    <a:latin typeface="Cambria Math" panose="02040503050406030204" pitchFamily="18" charset="0"/>
+                                  </a:rPr>
+                                </m:ctrlPr>
+                              </m:sSubSupPr>
+                              <m:e>
+                                <m:r>
+                                  <a:rPr kumimoji="1" lang="en-US" altLang="zh-CN" sz="2800" b="0" i="1" dirty="0" smtClean="0">
+                                    <a:latin typeface="Cambria Math" panose="02040503050406030204" pitchFamily="18" charset="0"/>
+                                  </a:rPr>
+                                  <m:t>𝑎</m:t>
+                                </m:r>
+                              </m:e>
+                              <m:sub>
+                                <m:r>
+                                  <a:rPr kumimoji="1" lang="en-US" altLang="zh-CN" sz="2800" b="0" i="1" dirty="0" smtClean="0">
+                                    <a:latin typeface="Cambria Math" panose="02040503050406030204" pitchFamily="18" charset="0"/>
+                                  </a:rPr>
+                                  <m:t>𝑚</m:t>
+                                </m:r>
+                              </m:sub>
+                              <m:sup>
+                                <m:r>
+                                  <a:rPr kumimoji="1" lang="en-US" altLang="zh-CN" sz="2800" b="0" i="1" dirty="0" smtClean="0">
+                                    <a:latin typeface="Cambria Math" panose="02040503050406030204" pitchFamily="18" charset="0"/>
+                                  </a:rPr>
+                                  <m:t>∗</m:t>
+                                </m:r>
+                              </m:sup>
+                            </m:sSubSup>
+                          </m:oMath>
+                        </m:oMathPara>
+                      </a14:m>
+                      <a:endParaRPr kumimoji="1" lang="zh-CN" altLang="en-US" sz="2800" dirty="0"/>
+                    </a:p>
+                  </p:txBody>
+                </p:sp>
+              </mc:Choice>
+              <mc:Fallback>
+                <p:sp>
+                  <p:nvSpPr>
+                    <p:cNvPr id="47" name="文本框 46">
+                      <a:extLst>
+                        <a:ext uri="{FF2B5EF4-FFF2-40B4-BE49-F238E27FC236}">
+                          <a16:creationId xmlns:a16="http://schemas.microsoft.com/office/drawing/2014/main" id="{8D8B6713-DAB3-044B-9130-4F62F728CC7A}"/>
+                        </a:ext>
+                      </a:extLst>
+                    </p:cNvPr>
+                    <p:cNvSpPr txBox="1">
+                      <a:spLocks noRot="1" noChangeAspect="1" noMove="1" noResize="1" noEditPoints="1" noAdjustHandles="1" noChangeArrowheads="1" noChangeShapeType="1" noTextEdit="1"/>
+                    </p:cNvSpPr>
+                    <p:nvPr/>
+                  </p:nvSpPr>
+                  <p:spPr>
+                    <a:xfrm>
+                      <a:off x="6710018" y="5937994"/>
+                      <a:ext cx="562783" cy="430887"/>
+                    </a:xfrm>
+                    <a:prstGeom prst="rect">
+                      <a:avLst/>
+                    </a:prstGeom>
+                    <a:blipFill>
+                      <a:blip r:embed="rId12"/>
+                      <a:stretch>
+                        <a:fillRect l="-6667" b="-5714"/>
+                      </a:stretch>
+                    </a:blipFill>
+                  </p:spPr>
+                  <p:txBody>
+                    <a:bodyPr/>
+                    <a:lstStyle/>
+                    <a:p>
+                      <a:r>
+                        <a:rPr lang="zh-CN" altLang="en-US">
+                          <a:noFill/>
+                        </a:rPr>
+                        <a:t> </a:t>
+                      </a:r>
+                    </a:p>
+                  </p:txBody>
+                </p:sp>
+              </mc:Fallback>
+            </mc:AlternateContent>
+          </p:grpSp>
+          <p:cxnSp>
+            <p:nvCxnSpPr>
+              <p:cNvPr id="50" name="直线箭头连接符 49">
+                <a:extLst>
+                  <a:ext uri="{FF2B5EF4-FFF2-40B4-BE49-F238E27FC236}">
+                    <a16:creationId xmlns:a16="http://schemas.microsoft.com/office/drawing/2014/main" id="{09C39909-D7D4-F04E-BC8C-E5B237D8C390}"/>
+                  </a:ext>
+                </a:extLst>
+              </p:cNvPr>
+              <p:cNvCxnSpPr>
+                <a:cxnSpLocks/>
+                <a:stCxn id="4" idx="5"/>
+                <a:endCxn id="46" idx="1"/>
+              </p:cNvCxnSpPr>
+              <p:nvPr/>
+            </p:nvCxnSpPr>
+            <p:spPr>
+              <a:xfrm>
+                <a:off x="5285381" y="4443115"/>
+                <a:ext cx="1387275" cy="1089272"/>
+              </a:xfrm>
+              <a:prstGeom prst="straightConnector1">
+                <a:avLst/>
+              </a:prstGeom>
+              <a:ln w="38100">
+                <a:solidFill>
+                  <a:schemeClr val="tx1"/>
+                </a:solidFill>
+                <a:tailEnd type="none"/>
+              </a:ln>
+            </p:spPr>
+            <p:style>
+              <a:lnRef idx="1">
+                <a:schemeClr val="accent1"/>
+              </a:lnRef>
+              <a:fillRef idx="0">
+                <a:schemeClr val="accent1"/>
+              </a:fillRef>
+              <a:effectRef idx="0">
+                <a:schemeClr val="accent1"/>
+              </a:effectRef>
+              <a:fontRef idx="minor">
+                <a:schemeClr val="tx1"/>
+              </a:fontRef>
+            </p:style>
+          </p:cxnSp>
+          <p:cxnSp>
+            <p:nvCxnSpPr>
+              <p:cNvPr id="53" name="直线箭头连接符 52">
+                <a:extLst>
+                  <a:ext uri="{FF2B5EF4-FFF2-40B4-BE49-F238E27FC236}">
+                    <a16:creationId xmlns:a16="http://schemas.microsoft.com/office/drawing/2014/main" id="{EA6FAEB1-6856-DF45-9FF0-35F712DB1E8C}"/>
+                  </a:ext>
+                </a:extLst>
+              </p:cNvPr>
+              <p:cNvCxnSpPr>
+                <a:cxnSpLocks/>
+              </p:cNvCxnSpPr>
+              <p:nvPr/>
+            </p:nvCxnSpPr>
+            <p:spPr>
+              <a:xfrm flipH="1" flipV="1">
+                <a:off x="4878482" y="4606921"/>
+                <a:ext cx="401721" cy="1068312"/>
+              </a:xfrm>
+              <a:prstGeom prst="straightConnector1">
+                <a:avLst/>
+              </a:prstGeom>
+              <a:ln w="38100">
+                <a:solidFill>
+                  <a:srgbClr val="00B050"/>
+                </a:solidFill>
+                <a:prstDash val="sysDot"/>
+                <a:tailEnd type="triangle"/>
+              </a:ln>
+            </p:spPr>
+            <p:style>
+              <a:lnRef idx="1">
+                <a:schemeClr val="accent1"/>
+              </a:lnRef>
+              <a:fillRef idx="0">
+                <a:schemeClr val="accent1"/>
+              </a:fillRef>
+              <a:effectRef idx="0">
+                <a:schemeClr val="accent1"/>
+              </a:effectRef>
+              <a:fontRef idx="minor">
+                <a:schemeClr val="tx1"/>
+              </a:fontRef>
+            </p:style>
+          </p:cxnSp>
+          <p:cxnSp>
+            <p:nvCxnSpPr>
+              <p:cNvPr id="57" name="直线箭头连接符 56">
+                <a:extLst>
+                  <a:ext uri="{FF2B5EF4-FFF2-40B4-BE49-F238E27FC236}">
+                    <a16:creationId xmlns:a16="http://schemas.microsoft.com/office/drawing/2014/main" id="{68FC444E-0207-4848-B919-0F916D48149F}"/>
+                  </a:ext>
+                </a:extLst>
+              </p:cNvPr>
+              <p:cNvCxnSpPr>
+                <a:cxnSpLocks/>
+                <a:stCxn id="4" idx="4"/>
+                <a:endCxn id="42" idx="0"/>
+              </p:cNvCxnSpPr>
+              <p:nvPr/>
+            </p:nvCxnSpPr>
+            <p:spPr>
+              <a:xfrm>
+                <a:off x="5045364" y="4542534"/>
+                <a:ext cx="484856" cy="1255369"/>
+              </a:xfrm>
+              <a:prstGeom prst="straightConnector1">
+                <a:avLst/>
+              </a:prstGeom>
+              <a:ln w="38100">
+                <a:solidFill>
+                  <a:schemeClr val="tx1"/>
+                </a:solidFill>
+                <a:tailEnd type="none"/>
+              </a:ln>
+            </p:spPr>
+            <p:style>
+              <a:lnRef idx="1">
+                <a:schemeClr val="accent1"/>
+              </a:lnRef>
+              <a:fillRef idx="0">
+                <a:schemeClr val="accent1"/>
+              </a:fillRef>
+              <a:effectRef idx="0">
+                <a:schemeClr val="accent1"/>
+              </a:effectRef>
+              <a:fontRef idx="minor">
+                <a:schemeClr val="tx1"/>
+              </a:fontRef>
+            </p:style>
+          </p:cxnSp>
+          <mc:AlternateContent xmlns:mc="http://schemas.openxmlformats.org/markup-compatibility/2006">
+            <mc:Choice xmlns:a14="http://schemas.microsoft.com/office/drawing/2010/main" Requires="a14">
+              <p:sp>
+                <p:nvSpPr>
+                  <p:cNvPr id="61" name="文本框 60">
+                    <a:extLst>
+                      <a:ext uri="{FF2B5EF4-FFF2-40B4-BE49-F238E27FC236}">
+                        <a16:creationId xmlns:a16="http://schemas.microsoft.com/office/drawing/2014/main" id="{B99E6376-1E0C-3A42-8981-44A3DC3931B9}"/>
+                      </a:ext>
+                    </a:extLst>
+                  </p:cNvPr>
+                  <p:cNvSpPr txBox="1"/>
+                  <p:nvPr/>
+                </p:nvSpPr>
+                <p:spPr>
+                  <a:xfrm>
+                    <a:off x="2650275" y="2879345"/>
+                    <a:ext cx="1020536" cy="461665"/>
+                  </a:xfrm>
+                  <a:prstGeom prst="rect">
+                    <a:avLst/>
+                  </a:prstGeom>
+                  <a:noFill/>
+                </p:spPr>
+                <p:txBody>
+                  <a:bodyPr wrap="none" rtlCol="0">
+                    <a:spAutoFit/>
+                  </a:bodyPr>
+                  <a:lstStyle/>
+                  <a:p>
+                    <a:pPr/>
+                    <a14:m>
+                      <m:oMathPara xmlns:m="http://schemas.openxmlformats.org/officeDocument/2006/math">
+                        <m:oMathParaPr>
+                          <m:jc m:val="centerGroup"/>
+                        </m:oMathParaPr>
+                        <m:oMath xmlns:m="http://schemas.openxmlformats.org/officeDocument/2006/math">
+                          <m:sSub>
+                            <m:sSubPr>
+                              <m:ctrlPr>
+                                <a:rPr kumimoji="1" lang="en-US" altLang="zh-CN" sz="2400" b="0" i="1" smtClean="0">
+                                  <a:solidFill>
+                                    <a:srgbClr val="FF0000"/>
+                                  </a:solidFill>
+                                  <a:latin typeface="Cambria Math" panose="02040503050406030204" pitchFamily="18" charset="0"/>
+                                </a:rPr>
+                              </m:ctrlPr>
+                            </m:sSubPr>
+                            <m:e>
+                              <m:r>
+                                <a:rPr kumimoji="1" lang="en-US" altLang="zh-CN" sz="2400" i="1">
+                                  <a:solidFill>
+                                    <a:srgbClr val="FF0000"/>
+                                  </a:solidFill>
+                                  <a:latin typeface="Cambria Math" panose="02040503050406030204" pitchFamily="18" charset="0"/>
+                                </a:rPr>
+                                <m:t>𝜇</m:t>
+                              </m:r>
+                            </m:e>
+                            <m:sub>
+                              <m:sSup>
+                                <m:sSupPr>
+                                  <m:ctrlPr>
+                                    <a:rPr kumimoji="1" lang="en-US" altLang="zh-CN" sz="2400" b="0" i="1" smtClean="0">
+                                      <a:solidFill>
+                                        <a:srgbClr val="FF0000"/>
+                                      </a:solidFill>
+                                      <a:latin typeface="Cambria Math" panose="02040503050406030204" pitchFamily="18" charset="0"/>
+                                    </a:rPr>
+                                  </m:ctrlPr>
+                                </m:sSupPr>
+                                <m:e>
+                                  <m:r>
+                                    <a:rPr kumimoji="1" lang="en-US" altLang="zh-CN" sz="2400" b="0" i="1" smtClean="0">
+                                      <a:solidFill>
+                                        <a:srgbClr val="FF0000"/>
+                                      </a:solidFill>
+                                      <a:latin typeface="Cambria Math" panose="02040503050406030204" pitchFamily="18" charset="0"/>
+                                    </a:rPr>
+                                    <m:t>𝑣</m:t>
+                                  </m:r>
+                                </m:e>
+                                <m:sup>
+                                  <m:r>
+                                    <a:rPr kumimoji="1" lang="en-US" altLang="zh-CN" sz="2400" b="0" i="1" smtClean="0">
+                                      <a:solidFill>
+                                        <a:srgbClr val="FF0000"/>
+                                      </a:solidFill>
+                                      <a:latin typeface="Cambria Math" panose="02040503050406030204" pitchFamily="18" charset="0"/>
+                                    </a:rPr>
+                                    <m:t>∗</m:t>
+                                  </m:r>
+                                </m:sup>
+                              </m:sSup>
+                              <m:r>
+                                <a:rPr kumimoji="1" lang="en-US" altLang="zh-CN" sz="2400" b="0" i="1" smtClean="0">
+                                  <a:solidFill>
+                                    <a:srgbClr val="FF0000"/>
+                                  </a:solidFill>
+                                  <a:latin typeface="Cambria Math" panose="02040503050406030204" pitchFamily="18" charset="0"/>
+                                </a:rPr>
+                                <m:t>→</m:t>
+                              </m:r>
+                              <m:r>
+                                <a:rPr kumimoji="1" lang="en-US" altLang="zh-CN" sz="2400" b="0" i="1" smtClean="0">
+                                  <a:solidFill>
+                                    <a:srgbClr val="FF0000"/>
+                                  </a:solidFill>
+                                  <a:latin typeface="Cambria Math" panose="02040503050406030204" pitchFamily="18" charset="0"/>
+                                </a:rPr>
+                                <m:t>𝑎</m:t>
+                              </m:r>
+                            </m:sub>
+                          </m:sSub>
+                        </m:oMath>
+                      </m:oMathPara>
+                    </a14:m>
+                    <a:endParaRPr kumimoji="1" lang="en-US" altLang="zh-CN" sz="2400" dirty="0">
+                      <a:solidFill>
+                        <a:srgbClr val="FF0000"/>
+                      </a:solidFill>
+                    </a:endParaRPr>
+                  </a:p>
+                </p:txBody>
+              </p:sp>
+            </mc:Choice>
+            <mc:Fallback>
+              <p:sp>
+                <p:nvSpPr>
+                  <p:cNvPr id="61" name="文本框 60">
+                    <a:extLst>
+                      <a:ext uri="{FF2B5EF4-FFF2-40B4-BE49-F238E27FC236}">
+                        <a16:creationId xmlns:a16="http://schemas.microsoft.com/office/drawing/2014/main" id="{B99E6376-1E0C-3A42-8981-44A3DC3931B9}"/>
+                      </a:ext>
+                    </a:extLst>
+                  </p:cNvPr>
+                  <p:cNvSpPr txBox="1">
+                    <a:spLocks noRot="1" noChangeAspect="1" noMove="1" noResize="1" noEditPoints="1" noAdjustHandles="1" noChangeArrowheads="1" noChangeShapeType="1" noTextEdit="1"/>
+                  </p:cNvSpPr>
+                  <p:nvPr/>
+                </p:nvSpPr>
+                <p:spPr>
+                  <a:xfrm>
+                    <a:off x="2650275" y="2879345"/>
+                    <a:ext cx="1020536" cy="461665"/>
+                  </a:xfrm>
+                  <a:prstGeom prst="rect">
+                    <a:avLst/>
+                  </a:prstGeom>
+                  <a:blipFill>
+                    <a:blip r:embed="rId13"/>
+                    <a:stretch>
+                      <a:fillRect b="-5405"/>
+                    </a:stretch>
+                  </a:blipFill>
+                </p:spPr>
+                <p:txBody>
+                  <a:bodyPr/>
+                  <a:lstStyle/>
+                  <a:p>
+                    <a:r>
+                      <a:rPr lang="zh-CN" altLang="en-US">
+                        <a:noFill/>
+                      </a:rPr>
+                      <a:t> </a:t>
+                    </a:r>
+                  </a:p>
+                </p:txBody>
+              </p:sp>
+            </mc:Fallback>
+          </mc:AlternateContent>
+        </p:grpSp>
+        <p:cxnSp>
+          <p:nvCxnSpPr>
+            <p:cNvPr id="64" name="直线箭头连接符 63">
+              <a:extLst>
+                <a:ext uri="{FF2B5EF4-FFF2-40B4-BE49-F238E27FC236}">
+                  <a16:creationId xmlns:a16="http://schemas.microsoft.com/office/drawing/2014/main" id="{9C1547F9-8F5B-1148-8514-71E7D2EA7BFE}"/>
+                </a:ext>
+              </a:extLst>
+            </p:cNvPr>
+            <p:cNvCxnSpPr>
+              <a:cxnSpLocks/>
+            </p:cNvCxnSpPr>
+            <p:nvPr/>
+          </p:nvCxnSpPr>
+          <p:spPr>
+            <a:xfrm>
+              <a:off x="2688186" y="3061140"/>
+              <a:ext cx="514563" cy="563711"/>
+            </a:xfrm>
+            <a:prstGeom prst="straightConnector1">
+              <a:avLst/>
+            </a:prstGeom>
+            <a:ln w="38100">
+              <a:solidFill>
+                <a:srgbClr val="FF0000"/>
+              </a:solidFill>
+              <a:prstDash val="sysDot"/>
+              <a:tailEnd type="triangle"/>
+            </a:ln>
+          </p:spPr>
+          <p:style>
+            <a:lnRef idx="1">
+              <a:schemeClr val="accent1"/>
+            </a:lnRef>
+            <a:fillRef idx="0">
+              <a:schemeClr val="accent1"/>
+            </a:fillRef>
+            <a:effectRef idx="0">
+              <a:schemeClr val="accent1"/>
+            </a:effectRef>
+            <a:fontRef idx="minor">
+              <a:schemeClr val="tx1"/>
+            </a:fontRef>
+          </p:style>
+        </p:cxnSp>
+        <p:cxnSp>
+          <p:nvCxnSpPr>
+            <p:cNvPr id="66" name="直线箭头连接符 65">
+              <a:extLst>
+                <a:ext uri="{FF2B5EF4-FFF2-40B4-BE49-F238E27FC236}">
+                  <a16:creationId xmlns:a16="http://schemas.microsoft.com/office/drawing/2014/main" id="{4847A019-3A4B-1942-80ED-13AFF2EEC005}"/>
+                </a:ext>
+              </a:extLst>
+            </p:cNvPr>
+            <p:cNvCxnSpPr>
+              <a:cxnSpLocks/>
+            </p:cNvCxnSpPr>
+            <p:nvPr/>
+          </p:nvCxnSpPr>
+          <p:spPr>
+            <a:xfrm flipH="1" flipV="1">
+              <a:off x="6218980" y="4679299"/>
+              <a:ext cx="1136754" cy="939984"/>
+            </a:xfrm>
+            <a:prstGeom prst="straightConnector1">
+              <a:avLst/>
+            </a:prstGeom>
+            <a:ln w="38100">
+              <a:solidFill>
+                <a:srgbClr val="00B050"/>
+              </a:solidFill>
+              <a:prstDash val="sysDot"/>
+              <a:tailEnd type="triangle"/>
+            </a:ln>
+          </p:spPr>
+          <p:style>
+            <a:lnRef idx="1">
+              <a:schemeClr val="accent1"/>
+            </a:lnRef>
+            <a:fillRef idx="0">
+              <a:schemeClr val="accent1"/>
+            </a:fillRef>
+            <a:effectRef idx="0">
+              <a:schemeClr val="accent1"/>
+            </a:effectRef>
+            <a:fontRef idx="minor">
+              <a:schemeClr val="tx1"/>
+            </a:fontRef>
+          </p:style>
+        </p:cxnSp>
+      </p:grpSp>
+      <mc:AlternateContent xmlns:mc="http://schemas.openxmlformats.org/markup-compatibility/2006">
+        <mc:Choice xmlns:a14="http://schemas.microsoft.com/office/drawing/2010/main" Requires="a14">
+          <p:sp>
+            <p:nvSpPr>
+              <p:cNvPr id="69" name="文本框 68">
+                <a:extLst>
+                  <a:ext uri="{FF2B5EF4-FFF2-40B4-BE49-F238E27FC236}">
+                    <a16:creationId xmlns:a16="http://schemas.microsoft.com/office/drawing/2014/main" id="{C4AF8E31-BB2E-F249-9A24-E864CA69956B}"/>
+                  </a:ext>
+                </a:extLst>
+              </p:cNvPr>
+              <p:cNvSpPr txBox="1"/>
+              <p:nvPr/>
+            </p:nvSpPr>
+            <p:spPr>
+              <a:xfrm>
+                <a:off x="7527664" y="2927153"/>
+                <a:ext cx="3952300" cy="822469"/>
+              </a:xfrm>
+              <a:prstGeom prst="rect">
+                <a:avLst/>
+              </a:prstGeom>
+              <a:noFill/>
+            </p:spPr>
+            <p:txBody>
+              <a:bodyPr wrap="none" rtlCol="0">
+                <a:spAutoFit/>
+              </a:bodyPr>
+              <a:lstStyle/>
+              <a:p>
+                <a14:m>
+                  <m:oMath xmlns:m="http://schemas.openxmlformats.org/officeDocument/2006/math">
+                    <m:sSub>
+                      <m:sSubPr>
+                        <m:ctrlPr>
+                          <a:rPr kumimoji="1" lang="en-US" altLang="zh-CN" sz="2400" b="1" i="1" smtClean="0">
+                            <a:solidFill>
+                              <a:schemeClr val="accent1"/>
+                            </a:solidFill>
+                            <a:latin typeface="Cambria Math" panose="02040503050406030204" pitchFamily="18" charset="0"/>
+                          </a:rPr>
+                        </m:ctrlPr>
+                      </m:sSubPr>
+                      <m:e>
+                        <m:r>
+                          <a:rPr kumimoji="1" lang="en-US" altLang="zh-CN" sz="2400" b="1" i="1" smtClean="0">
+                            <a:solidFill>
+                              <a:schemeClr val="accent1"/>
+                            </a:solidFill>
+                            <a:latin typeface="Cambria Math" panose="02040503050406030204" pitchFamily="18" charset="0"/>
+                          </a:rPr>
+                          <m:t>𝒙</m:t>
+                        </m:r>
+                      </m:e>
+                      <m:sub>
+                        <m:r>
+                          <a:rPr kumimoji="1" lang="en-US" altLang="zh-CN" sz="2400" b="0" i="1" smtClean="0">
+                            <a:solidFill>
+                              <a:schemeClr val="accent1"/>
+                            </a:solidFill>
+                            <a:latin typeface="Cambria Math" panose="02040503050406030204" pitchFamily="18" charset="0"/>
+                          </a:rPr>
+                          <m:t>𝑎</m:t>
+                        </m:r>
+                      </m:sub>
+                    </m:sSub>
+                  </m:oMath>
+                </a14:m>
+                <a:r>
+                  <a:rPr lang="en" altLang="zh-CN" dirty="0"/>
+                  <a:t> </a:t>
+                </a:r>
+                <a:r>
+                  <a:rPr lang="en" altLang="zh-CN" dirty="0">
+                    <a:solidFill>
+                      <a:schemeClr val="accent1"/>
+                    </a:solidFill>
+                  </a:rPr>
+                  <a:t>the vector of neighboring variable</a:t>
+                </a:r>
+              </a:p>
+              <a:p>
+                <a:r>
+                  <a:rPr lang="en" altLang="zh-CN" dirty="0">
+                    <a:solidFill>
+                      <a:schemeClr val="accent1"/>
+                    </a:solidFill>
+                  </a:rPr>
+                  <a:t> nodes to the factor node </a:t>
+                </a:r>
+                <a14:m>
+                  <m:oMath xmlns:m="http://schemas.openxmlformats.org/officeDocument/2006/math">
+                    <m:r>
+                      <a:rPr lang="en" altLang="zh-CN" i="1" dirty="0" smtClean="0">
+                        <a:solidFill>
+                          <a:schemeClr val="accent1"/>
+                        </a:solidFill>
+                        <a:latin typeface="Cambria Math" panose="02040503050406030204" pitchFamily="18" charset="0"/>
+                      </a:rPr>
+                      <m:t>𝑎</m:t>
+                    </m:r>
+                  </m:oMath>
+                </a14:m>
+                <a:r>
+                  <a:rPr lang="en" altLang="zh-CN" sz="2400" dirty="0">
+                    <a:solidFill>
+                      <a:schemeClr val="accent1"/>
+                    </a:solidFill>
+                  </a:rPr>
+                  <a:t> </a:t>
+                </a:r>
+                <a:endParaRPr kumimoji="1" lang="en-US" altLang="zh-CN" sz="2400" b="1" dirty="0">
+                  <a:solidFill>
+                    <a:schemeClr val="accent1"/>
+                  </a:solidFill>
+                </a:endParaRPr>
+              </a:p>
+            </p:txBody>
+          </p:sp>
+        </mc:Choice>
+        <mc:Fallback>
+          <p:sp>
+            <p:nvSpPr>
+              <p:cNvPr id="69" name="文本框 68">
+                <a:extLst>
+                  <a:ext uri="{FF2B5EF4-FFF2-40B4-BE49-F238E27FC236}">
+                    <a16:creationId xmlns:a16="http://schemas.microsoft.com/office/drawing/2014/main" id="{C4AF8E31-BB2E-F249-9A24-E864CA69956B}"/>
+                  </a:ext>
+                </a:extLst>
+              </p:cNvPr>
+              <p:cNvSpPr txBox="1">
+                <a:spLocks noRot="1" noChangeAspect="1" noMove="1" noResize="1" noEditPoints="1" noAdjustHandles="1" noChangeArrowheads="1" noChangeShapeType="1" noTextEdit="1"/>
+              </p:cNvSpPr>
+              <p:nvPr/>
+            </p:nvSpPr>
+            <p:spPr>
+              <a:xfrm>
+                <a:off x="7527664" y="2927153"/>
+                <a:ext cx="3952300" cy="822469"/>
+              </a:xfrm>
+              <a:prstGeom prst="rect">
+                <a:avLst/>
+              </a:prstGeom>
+              <a:blipFill>
+                <a:blip r:embed="rId14"/>
+                <a:stretch>
+                  <a:fillRect r="-321" b="-9091"/>
+                </a:stretch>
+              </a:blipFill>
+            </p:spPr>
+            <p:txBody>
+              <a:bodyPr/>
+              <a:lstStyle/>
+              <a:p>
+                <a:r>
+                  <a:rPr lang="zh-CN" altLang="en-US">
+                    <a:noFill/>
+                  </a:rPr>
+                  <a:t> </a:t>
+                </a:r>
+              </a:p>
+            </p:txBody>
+          </p:sp>
+        </mc:Fallback>
+      </mc:AlternateContent>
+      <mc:AlternateContent xmlns:mc="http://schemas.openxmlformats.org/markup-compatibility/2006">
+        <mc:Choice xmlns:a14="http://schemas.microsoft.com/office/drawing/2010/main" Requires="a14">
+          <p:sp>
+            <p:nvSpPr>
+              <p:cNvPr id="70" name="文本框 69">
+                <a:extLst>
+                  <a:ext uri="{FF2B5EF4-FFF2-40B4-BE49-F238E27FC236}">
+                    <a16:creationId xmlns:a16="http://schemas.microsoft.com/office/drawing/2014/main" id="{159CDA6B-B391-3C4B-B81D-25BB2E4FDC19}"/>
+                  </a:ext>
+                </a:extLst>
+              </p:cNvPr>
+              <p:cNvSpPr txBox="1"/>
+              <p:nvPr/>
+            </p:nvSpPr>
+            <p:spPr>
+              <a:xfrm>
+                <a:off x="7535310" y="3966124"/>
+                <a:ext cx="3434210" cy="453137"/>
+              </a:xfrm>
+              <a:prstGeom prst="rect">
+                <a:avLst/>
+              </a:prstGeom>
+              <a:noFill/>
+            </p:spPr>
+            <p:txBody>
+              <a:bodyPr wrap="none" rtlCol="0">
+                <a:spAutoFit/>
+              </a:bodyPr>
+              <a:lstStyle/>
+              <a:p>
+                <a14:m>
+                  <m:oMath xmlns:m="http://schemas.openxmlformats.org/officeDocument/2006/math">
+                    <m:sSub>
+                      <m:sSubPr>
+                        <m:ctrlPr>
+                          <a:rPr kumimoji="1" lang="en-US" altLang="zh-CN" sz="2400" b="1" i="1" smtClean="0">
+                            <a:solidFill>
+                              <a:schemeClr val="accent1"/>
+                            </a:solidFill>
+                            <a:latin typeface="Cambria Math" panose="02040503050406030204" pitchFamily="18" charset="0"/>
+                          </a:rPr>
+                        </m:ctrlPr>
+                      </m:sSubPr>
+                      <m:e>
+                        <m:r>
+                          <a:rPr kumimoji="1" lang="en-US" altLang="zh-CN" sz="2400" b="1" i="1" smtClean="0">
+                            <a:solidFill>
+                              <a:schemeClr val="accent1"/>
+                            </a:solidFill>
+                            <a:latin typeface="Cambria Math" panose="02040503050406030204" pitchFamily="18" charset="0"/>
+                          </a:rPr>
+                          <m:t>𝒙</m:t>
+                        </m:r>
+                      </m:e>
+                      <m:sub>
+                        <m:r>
+                          <a:rPr kumimoji="1" lang="en-US" altLang="zh-CN" sz="2400" b="1" i="1" smtClean="0">
+                            <a:solidFill>
+                              <a:schemeClr val="accent1"/>
+                            </a:solidFill>
+                            <a:latin typeface="Cambria Math" panose="02040503050406030204" pitchFamily="18" charset="0"/>
+                          </a:rPr>
+                          <m:t>𝒗</m:t>
+                        </m:r>
+                      </m:sub>
+                    </m:sSub>
+                  </m:oMath>
+                </a14:m>
+                <a:r>
+                  <a:rPr lang="en" altLang="zh-CN" dirty="0"/>
+                  <a:t> </a:t>
+                </a:r>
+                <a:r>
+                  <a:rPr lang="en" altLang="zh-CN" dirty="0">
+                    <a:solidFill>
+                      <a:schemeClr val="accent1"/>
+                    </a:solidFill>
+                  </a:rPr>
+                  <a:t>the vector of variable node </a:t>
+                </a:r>
+                <a14:m>
+                  <m:oMath xmlns:m="http://schemas.openxmlformats.org/officeDocument/2006/math">
+                    <m:r>
+                      <a:rPr lang="en" altLang="zh-CN" i="1" dirty="0" smtClean="0">
+                        <a:solidFill>
+                          <a:schemeClr val="accent1"/>
+                        </a:solidFill>
+                        <a:latin typeface="Cambria Math" panose="02040503050406030204" pitchFamily="18" charset="0"/>
+                      </a:rPr>
+                      <m:t>𝑣</m:t>
+                    </m:r>
+                  </m:oMath>
+                </a14:m>
+                <a:endParaRPr kumimoji="1" lang="en-US" altLang="zh-CN" sz="2400" b="1" dirty="0">
+                  <a:solidFill>
+                    <a:schemeClr val="accent1"/>
+                  </a:solidFill>
+                </a:endParaRPr>
+              </a:p>
+            </p:txBody>
+          </p:sp>
+        </mc:Choice>
+        <mc:Fallback>
+          <p:sp>
+            <p:nvSpPr>
+              <p:cNvPr id="70" name="文本框 69">
+                <a:extLst>
+                  <a:ext uri="{FF2B5EF4-FFF2-40B4-BE49-F238E27FC236}">
+                    <a16:creationId xmlns:a16="http://schemas.microsoft.com/office/drawing/2014/main" id="{159CDA6B-B391-3C4B-B81D-25BB2E4FDC19}"/>
+                  </a:ext>
+                </a:extLst>
+              </p:cNvPr>
+              <p:cNvSpPr txBox="1">
+                <a:spLocks noRot="1" noChangeAspect="1" noMove="1" noResize="1" noEditPoints="1" noAdjustHandles="1" noChangeArrowheads="1" noChangeShapeType="1" noTextEdit="1"/>
+              </p:cNvSpPr>
+              <p:nvPr/>
+            </p:nvSpPr>
+            <p:spPr>
+              <a:xfrm>
+                <a:off x="7535310" y="3966124"/>
+                <a:ext cx="3434210" cy="453137"/>
+              </a:xfrm>
+              <a:prstGeom prst="rect">
+                <a:avLst/>
+              </a:prstGeom>
+              <a:blipFill>
+                <a:blip r:embed="rId15"/>
+                <a:stretch>
+                  <a:fillRect b="-22222"/>
+                </a:stretch>
+              </a:blipFill>
+            </p:spPr>
+            <p:txBody>
+              <a:bodyPr/>
+              <a:lstStyle/>
+              <a:p>
+                <a:r>
+                  <a:rPr lang="zh-CN" altLang="en-US">
+                    <a:noFill/>
+                  </a:rPr>
+                  <a:t> </a:t>
+                </a:r>
+              </a:p>
+            </p:txBody>
+          </p:sp>
+        </mc:Fallback>
+      </mc:AlternateContent>
+      <p:sp>
+        <p:nvSpPr>
+          <p:cNvPr id="71" name="椭圆 70">
+            <a:extLst>
+              <a:ext uri="{FF2B5EF4-FFF2-40B4-BE49-F238E27FC236}">
+                <a16:creationId xmlns:a16="http://schemas.microsoft.com/office/drawing/2014/main" id="{8AC3AF88-2D27-A94C-8376-A64555BDDECD}"/>
+              </a:ext>
+            </a:extLst>
+          </p:cNvPr>
+          <p:cNvSpPr/>
+          <p:nvPr/>
+        </p:nvSpPr>
+        <p:spPr>
+          <a:xfrm>
+            <a:off x="4456753" y="1790107"/>
+            <a:ext cx="2442811" cy="1068238"/>
+          </a:xfrm>
+          <a:custGeom>
+            <a:avLst/>
+            <a:gdLst>
+              <a:gd name="connsiteX0" fmla="*/ 0 w 2442811"/>
+              <a:gd name="connsiteY0" fmla="*/ 534119 h 1068238"/>
+              <a:gd name="connsiteX1" fmla="*/ 1221406 w 2442811"/>
+              <a:gd name="connsiteY1" fmla="*/ 0 h 1068238"/>
+              <a:gd name="connsiteX2" fmla="*/ 2442812 w 2442811"/>
+              <a:gd name="connsiteY2" fmla="*/ 534119 h 1068238"/>
+              <a:gd name="connsiteX3" fmla="*/ 1221406 w 2442811"/>
+              <a:gd name="connsiteY3" fmla="*/ 1068238 h 1068238"/>
+              <a:gd name="connsiteX4" fmla="*/ 0 w 2442811"/>
+              <a:gd name="connsiteY4" fmla="*/ 534119 h 1068238"/>
+            </a:gdLst>
+            <a:ahLst/>
+            <a:cxnLst>
+              <a:cxn ang="0">
+                <a:pos x="connsiteX0" y="connsiteY0"/>
+              </a:cxn>
+              <a:cxn ang="0">
+                <a:pos x="connsiteX1" y="connsiteY1"/>
+              </a:cxn>
+              <a:cxn ang="0">
+                <a:pos x="connsiteX2" y="connsiteY2"/>
+              </a:cxn>
+              <a:cxn ang="0">
+                <a:pos x="connsiteX3" y="connsiteY3"/>
+              </a:cxn>
+              <a:cxn ang="0">
+                <a:pos x="connsiteX4" y="connsiteY4"/>
+              </a:cxn>
+            </a:cxnLst>
+            <a:rect l="l" t="t" r="r" b="b"/>
+            <a:pathLst>
+              <a:path w="2442811" h="1068238" extrusionOk="0">
+                <a:moveTo>
+                  <a:pt x="0" y="534119"/>
+                </a:moveTo>
+                <a:cubicBezTo>
+                  <a:pt x="-97415" y="179045"/>
+                  <a:pt x="529861" y="6373"/>
+                  <a:pt x="1221406" y="0"/>
+                </a:cubicBezTo>
+                <a:cubicBezTo>
+                  <a:pt x="1942175" y="9727"/>
+                  <a:pt x="2381121" y="241095"/>
+                  <a:pt x="2442812" y="534119"/>
+                </a:cubicBezTo>
+                <a:cubicBezTo>
+                  <a:pt x="2316285" y="952666"/>
+                  <a:pt x="1872658" y="1197093"/>
+                  <a:pt x="1221406" y="1068238"/>
+                </a:cubicBezTo>
+                <a:cubicBezTo>
+                  <a:pt x="535710" y="1062147"/>
+                  <a:pt x="58735" y="857169"/>
+                  <a:pt x="0" y="534119"/>
+                </a:cubicBezTo>
+                <a:close/>
+              </a:path>
+            </a:pathLst>
+          </a:custGeom>
+          <a:noFill/>
+          <a:ln w="12700">
+            <a:solidFill>
+              <a:schemeClr val="accent1"/>
+            </a:solidFill>
+            <a:extLst>
+              <a:ext uri="{C807C97D-BFC1-408E-A445-0C87EB9F89A2}">
+                <ask:lineSketchStyleProps xmlns:ask="http://schemas.microsoft.com/office/drawing/2018/sketchyshapes" sd="1219033472">
+                  <a:prstGeom prst="ellipse">
+                    <a:avLst/>
+                  </a:prstGeom>
+                  <ask:type>
+                    <ask:lineSketchScribble/>
+                  </ask:type>
+                </ask:lineSketchStyleProps>
+              </a:ext>
+            </a:extLst>
+          </a:ln>
+        </p:spPr>
+        <p:style>
+          <a:lnRef idx="2">
+            <a:schemeClr val="accent1">
+              <a:shade val="50000"/>
+            </a:schemeClr>
+          </a:lnRef>
+          <a:fillRef idx="1">
+            <a:schemeClr val="accent1"/>
+          </a:fillRef>
+          <a:effectRef idx="0">
+            <a:schemeClr val="accent1"/>
+          </a:effectRef>
+          <a:fontRef idx="minor">
+            <a:schemeClr val="lt1"/>
+          </a:fontRef>
+        </p:style>
+        <p:txBody>
+          <a:bodyPr rtlCol="0" anchor="ctr"/>
+          <a:lstStyle/>
+          <a:p>
+            <a:pPr algn="ctr"/>
+            <a:endParaRPr kumimoji="1" lang="zh-CN" altLang="en-US"/>
+          </a:p>
+        </p:txBody>
+      </p:sp>
+      <p:sp>
+        <p:nvSpPr>
+          <p:cNvPr id="72" name="文本框 71">
+            <a:extLst>
+              <a:ext uri="{FF2B5EF4-FFF2-40B4-BE49-F238E27FC236}">
+                <a16:creationId xmlns:a16="http://schemas.microsoft.com/office/drawing/2014/main" id="{75137115-A115-CF40-A650-49BF2CF94F2B}"/>
+              </a:ext>
+            </a:extLst>
+          </p:cNvPr>
+          <p:cNvSpPr txBox="1"/>
+          <p:nvPr/>
+        </p:nvSpPr>
+        <p:spPr>
+          <a:xfrm>
+            <a:off x="5156551" y="2812942"/>
+            <a:ext cx="1266693" cy="369332"/>
+          </a:xfrm>
+          <a:prstGeom prst="rect">
+            <a:avLst/>
+          </a:prstGeom>
+          <a:noFill/>
+        </p:spPr>
+        <p:txBody>
+          <a:bodyPr wrap="none" rtlCol="0">
+            <a:spAutoFit/>
+          </a:bodyPr>
+          <a:lstStyle/>
+          <a:p>
+            <a:r>
+              <a:rPr kumimoji="1" lang="en-US" altLang="zh-CN" dirty="0">
+                <a:solidFill>
+                  <a:schemeClr val="accent1"/>
+                </a:solidFill>
+              </a:rPr>
+              <a:t>integration</a:t>
+            </a:r>
+            <a:endParaRPr kumimoji="1" lang="zh-CN" altLang="en-US" dirty="0">
+              <a:solidFill>
+                <a:schemeClr val="accent1"/>
+              </a:solidFill>
+            </a:endParaRPr>
+          </a:p>
+        </p:txBody>
+      </p:sp>
+    </p:spTree>
+    <p:extLst>
+      <p:ext uri="{BB962C8B-B14F-4D97-AF65-F5344CB8AC3E}">
+        <p14:creationId xmlns:p14="http://schemas.microsoft.com/office/powerpoint/2010/main" val="4113624544"/>
+      </p:ext>
+    </p:extLst>
+  </p:cSld>
+  <p:clrMapOvr>
+    <a:masterClrMapping/>
+  </p:clrMapOvr>
+</p:sld>
+</file>
+
+<file path=ppt/slides/slide16.xml><?xml version="1.0" encoding="utf-8"?>
 <p:sld xmlns:a="http://schemas.openxmlformats.org/drawingml/2006/main" xmlns:r="http://schemas.openxmlformats.org/officeDocument/2006/relationships" xmlns:p="http://schemas.openxmlformats.org/presentationml/2006/main">
   <p:cSld>
     <p:spTree>
@@ -14681,7 +18899,7 @@
 </p:sld>
 </file>
 
-<file path=ppt/slides/slide16.xml><?xml version="1.0" encoding="utf-8"?>
+<file path=ppt/slides/slide17.xml><?xml version="1.0" encoding="utf-8"?>
 <p:sld xmlns:a="http://schemas.openxmlformats.org/drawingml/2006/main" xmlns:r="http://schemas.openxmlformats.org/officeDocument/2006/relationships" xmlns:p="http://schemas.openxmlformats.org/presentationml/2006/main">
   <p:cSld>
     <p:spTree>
@@ -15162,7 +19380,7 @@
 </p:sld>
 </file>
 
-<file path=ppt/slides/slide17.xml><?xml version="1.0" encoding="utf-8"?>
+<file path=ppt/slides/slide18.xml><?xml version="1.0" encoding="utf-8"?>
 <p:sld xmlns:a="http://schemas.openxmlformats.org/drawingml/2006/main" xmlns:r="http://schemas.openxmlformats.org/officeDocument/2006/relationships" xmlns:p="http://schemas.openxmlformats.org/presentationml/2006/main">
   <p:cSld>
     <p:spTree>
@@ -15246,7 +19464,7 @@
 </p:sld>
 </file>
 
-<file path=ppt/slides/slide18.xml><?xml version="1.0" encoding="utf-8"?>
+<file path=ppt/slides/slide19.xml><?xml version="1.0" encoding="utf-8"?>
 <p:sld xmlns:a="http://schemas.openxmlformats.org/drawingml/2006/main" xmlns:r="http://schemas.openxmlformats.org/officeDocument/2006/relationships" xmlns:p="http://schemas.openxmlformats.org/presentationml/2006/main">
   <p:cSld>
     <p:spTree>

--- a/doc/RIS-angular-domain组会汇报.pptx
+++ b/doc/RIS-angular-domain组会汇报.pptx
@@ -5,7 +5,7 @@
     <p:sldMasterId id="2147483648" r:id="rId1"/>
   </p:sldMasterIdLst>
   <p:notesMasterIdLst>
-    <p:notesMasterId r:id="rId21"/>
+    <p:notesMasterId r:id="rId22"/>
   </p:notesMasterIdLst>
   <p:sldIdLst>
     <p:sldId id="256" r:id="rId2"/>
@@ -23,10 +23,11 @@
     <p:sldId id="272" r:id="rId14"/>
     <p:sldId id="273" r:id="rId15"/>
     <p:sldId id="274" r:id="rId16"/>
-    <p:sldId id="263" r:id="rId17"/>
-    <p:sldId id="270" r:id="rId18"/>
-    <p:sldId id="264" r:id="rId19"/>
-    <p:sldId id="265" r:id="rId20"/>
+    <p:sldId id="275" r:id="rId17"/>
+    <p:sldId id="263" r:id="rId18"/>
+    <p:sldId id="270" r:id="rId19"/>
+    <p:sldId id="264" r:id="rId20"/>
+    <p:sldId id="265" r:id="rId21"/>
   </p:sldIdLst>
   <p:sldSz cx="12192000" cy="6858000"/>
   <p:notesSz cx="6858000" cy="9144000"/>
@@ -215,7 +216,7 @@
           <a:p>
             <a:fld id="{E581D415-6A2C-0845-8471-1E507F90D7EF}" type="datetimeFigureOut">
               <a:rPr kumimoji="1" lang="zh-CN" altLang="en-US" smtClean="0"/>
-              <a:t>2021/11/19</a:t>
+              <a:t>2021/11/22</a:t>
             </a:fld>
             <a:endParaRPr kumimoji="1" lang="zh-CN" altLang="en-US"/>
           </a:p>
@@ -881,7 +882,7 @@
           <a:p>
             <a:fld id="{D9924F02-9B59-7149-9D63-411B09DD1C0A}" type="datetimeFigureOut">
               <a:rPr kumimoji="1" lang="zh-CN" altLang="en-US" smtClean="0"/>
-              <a:t>2021/11/19</a:t>
+              <a:t>2021/11/22</a:t>
             </a:fld>
             <a:endParaRPr kumimoji="1" lang="zh-CN" altLang="en-US"/>
           </a:p>
@@ -1079,7 +1080,7 @@
           <a:p>
             <a:fld id="{D9924F02-9B59-7149-9D63-411B09DD1C0A}" type="datetimeFigureOut">
               <a:rPr kumimoji="1" lang="zh-CN" altLang="en-US" smtClean="0"/>
-              <a:t>2021/11/19</a:t>
+              <a:t>2021/11/22</a:t>
             </a:fld>
             <a:endParaRPr kumimoji="1" lang="zh-CN" altLang="en-US"/>
           </a:p>
@@ -1287,7 +1288,7 @@
           <a:p>
             <a:fld id="{D9924F02-9B59-7149-9D63-411B09DD1C0A}" type="datetimeFigureOut">
               <a:rPr kumimoji="1" lang="zh-CN" altLang="en-US" smtClean="0"/>
-              <a:t>2021/11/19</a:t>
+              <a:t>2021/11/22</a:t>
             </a:fld>
             <a:endParaRPr kumimoji="1" lang="zh-CN" altLang="en-US"/>
           </a:p>
@@ -1485,7 +1486,7 @@
           <a:p>
             <a:fld id="{D9924F02-9B59-7149-9D63-411B09DD1C0A}" type="datetimeFigureOut">
               <a:rPr kumimoji="1" lang="zh-CN" altLang="en-US" smtClean="0"/>
-              <a:t>2021/11/19</a:t>
+              <a:t>2021/11/22</a:t>
             </a:fld>
             <a:endParaRPr kumimoji="1" lang="zh-CN" altLang="en-US"/>
           </a:p>
@@ -1760,7 +1761,7 @@
           <a:p>
             <a:fld id="{D9924F02-9B59-7149-9D63-411B09DD1C0A}" type="datetimeFigureOut">
               <a:rPr kumimoji="1" lang="zh-CN" altLang="en-US" smtClean="0"/>
-              <a:t>2021/11/19</a:t>
+              <a:t>2021/11/22</a:t>
             </a:fld>
             <a:endParaRPr kumimoji="1" lang="zh-CN" altLang="en-US"/>
           </a:p>
@@ -2025,7 +2026,7 @@
           <a:p>
             <a:fld id="{D9924F02-9B59-7149-9D63-411B09DD1C0A}" type="datetimeFigureOut">
               <a:rPr kumimoji="1" lang="zh-CN" altLang="en-US" smtClean="0"/>
-              <a:t>2021/11/19</a:t>
+              <a:t>2021/11/22</a:t>
             </a:fld>
             <a:endParaRPr kumimoji="1" lang="zh-CN" altLang="en-US"/>
           </a:p>
@@ -2437,7 +2438,7 @@
           <a:p>
             <a:fld id="{D9924F02-9B59-7149-9D63-411B09DD1C0A}" type="datetimeFigureOut">
               <a:rPr kumimoji="1" lang="zh-CN" altLang="en-US" smtClean="0"/>
-              <a:t>2021/11/19</a:t>
+              <a:t>2021/11/22</a:t>
             </a:fld>
             <a:endParaRPr kumimoji="1" lang="zh-CN" altLang="en-US"/>
           </a:p>
@@ -2578,7 +2579,7 @@
           <a:p>
             <a:fld id="{D9924F02-9B59-7149-9D63-411B09DD1C0A}" type="datetimeFigureOut">
               <a:rPr kumimoji="1" lang="zh-CN" altLang="en-US" smtClean="0"/>
-              <a:t>2021/11/19</a:t>
+              <a:t>2021/11/22</a:t>
             </a:fld>
             <a:endParaRPr kumimoji="1" lang="zh-CN" altLang="en-US"/>
           </a:p>
@@ -2691,7 +2692,7 @@
           <a:p>
             <a:fld id="{D9924F02-9B59-7149-9D63-411B09DD1C0A}" type="datetimeFigureOut">
               <a:rPr kumimoji="1" lang="zh-CN" altLang="en-US" smtClean="0"/>
-              <a:t>2021/11/19</a:t>
+              <a:t>2021/11/22</a:t>
             </a:fld>
             <a:endParaRPr kumimoji="1" lang="zh-CN" altLang="en-US"/>
           </a:p>
@@ -3002,7 +3003,7 @@
           <a:p>
             <a:fld id="{D9924F02-9B59-7149-9D63-411B09DD1C0A}" type="datetimeFigureOut">
               <a:rPr kumimoji="1" lang="zh-CN" altLang="en-US" smtClean="0"/>
-              <a:t>2021/11/19</a:t>
+              <a:t>2021/11/22</a:t>
             </a:fld>
             <a:endParaRPr kumimoji="1" lang="zh-CN" altLang="en-US"/>
           </a:p>
@@ -3290,7 +3291,7 @@
           <a:p>
             <a:fld id="{D9924F02-9B59-7149-9D63-411B09DD1C0A}" type="datetimeFigureOut">
               <a:rPr kumimoji="1" lang="zh-CN" altLang="en-US" smtClean="0"/>
-              <a:t>2021/11/19</a:t>
+              <a:t>2021/11/22</a:t>
             </a:fld>
             <a:endParaRPr kumimoji="1" lang="zh-CN" altLang="en-US"/>
           </a:p>
@@ -3531,7 +3532,7 @@
           <a:p>
             <a:fld id="{D9924F02-9B59-7149-9D63-411B09DD1C0A}" type="datetimeFigureOut">
               <a:rPr kumimoji="1" lang="zh-CN" altLang="en-US" smtClean="0"/>
-              <a:t>2021/11/19</a:t>
+              <a:t>2021/11/22</a:t>
             </a:fld>
             <a:endParaRPr kumimoji="1" lang="zh-CN" altLang="en-US"/>
           </a:p>
@@ -6409,8 +6410,8 @@
             </a:fontRef>
           </p:style>
         </p:cxnSp>
-        <mc:AlternateContent xmlns:mc="http://schemas.openxmlformats.org/markup-compatibility/2006">
-          <mc:Choice xmlns:a14="http://schemas.microsoft.com/office/drawing/2010/main" Requires="a14">
+        <mc:AlternateContent xmlns:mc="http://schemas.openxmlformats.org/markup-compatibility/2006" xmlns:a14="http://schemas.microsoft.com/office/drawing/2010/main">
+          <mc:Choice Requires="a14">
             <p:sp>
               <p:nvSpPr>
                 <p:cNvPr id="10" name="文本框 9">
@@ -6479,7 +6480,7 @@
               </p:txBody>
             </p:sp>
           </mc:Choice>
-          <mc:Fallback>
+          <mc:Fallback xmlns="">
             <p:sp>
               <p:nvSpPr>
                 <p:cNvPr id="10" name="文本框 9">
@@ -6524,8 +6525,8 @@
             </p:sp>
           </mc:Fallback>
         </mc:AlternateContent>
-        <mc:AlternateContent xmlns:mc="http://schemas.openxmlformats.org/markup-compatibility/2006">
-          <mc:Choice xmlns:a14="http://schemas.microsoft.com/office/drawing/2010/main" Requires="a14">
+        <mc:AlternateContent xmlns:mc="http://schemas.openxmlformats.org/markup-compatibility/2006" xmlns:a14="http://schemas.microsoft.com/office/drawing/2010/main">
+          <mc:Choice Requires="a14">
             <p:sp>
               <p:nvSpPr>
                 <p:cNvPr id="11" name="文本框 10">
@@ -6594,7 +6595,7 @@
               </p:txBody>
             </p:sp>
           </mc:Choice>
-          <mc:Fallback>
+          <mc:Fallback xmlns="">
             <p:sp>
               <p:nvSpPr>
                 <p:cNvPr id="11" name="文本框 10">
@@ -6639,8 +6640,8 @@
             </p:sp>
           </mc:Fallback>
         </mc:AlternateContent>
-        <mc:AlternateContent xmlns:mc="http://schemas.openxmlformats.org/markup-compatibility/2006">
-          <mc:Choice xmlns:a14="http://schemas.microsoft.com/office/drawing/2010/main" Requires="a14">
+        <mc:AlternateContent xmlns:mc="http://schemas.openxmlformats.org/markup-compatibility/2006" xmlns:a14="http://schemas.microsoft.com/office/drawing/2010/main">
+          <mc:Choice Requires="a14">
             <p:sp>
               <p:nvSpPr>
                 <p:cNvPr id="12" name="文本框 11">
@@ -6688,7 +6689,7 @@
               </p:txBody>
             </p:sp>
           </mc:Choice>
-          <mc:Fallback>
+          <mc:Fallback xmlns="">
             <p:sp>
               <p:nvSpPr>
                 <p:cNvPr id="12" name="文本框 11">
@@ -6733,8 +6734,8 @@
             </p:sp>
           </mc:Fallback>
         </mc:AlternateContent>
-        <mc:AlternateContent xmlns:mc="http://schemas.openxmlformats.org/markup-compatibility/2006">
-          <mc:Choice xmlns:a14="http://schemas.microsoft.com/office/drawing/2010/main" Requires="a14">
+        <mc:AlternateContent xmlns:mc="http://schemas.openxmlformats.org/markup-compatibility/2006" xmlns:a14="http://schemas.microsoft.com/office/drawing/2010/main">
+          <mc:Choice Requires="a14">
             <p:sp>
               <p:nvSpPr>
                 <p:cNvPr id="13" name="文本框 12">
@@ -6782,7 +6783,7 @@
               </p:txBody>
             </p:sp>
           </mc:Choice>
-          <mc:Fallback>
+          <mc:Fallback xmlns="">
             <p:sp>
               <p:nvSpPr>
                 <p:cNvPr id="13" name="文本框 12">
@@ -6827,8 +6828,8 @@
             </p:sp>
           </mc:Fallback>
         </mc:AlternateContent>
-        <mc:AlternateContent xmlns:mc="http://schemas.openxmlformats.org/markup-compatibility/2006">
-          <mc:Choice xmlns:a14="http://schemas.microsoft.com/office/drawing/2010/main" Requires="a14">
+        <mc:AlternateContent xmlns:mc="http://schemas.openxmlformats.org/markup-compatibility/2006" xmlns:a14="http://schemas.microsoft.com/office/drawing/2010/main">
+          <mc:Choice Requires="a14">
             <p:sp>
               <p:nvSpPr>
                 <p:cNvPr id="14" name="文本框 13">
@@ -6876,7 +6877,7 @@
               </p:txBody>
             </p:sp>
           </mc:Choice>
-          <mc:Fallback>
+          <mc:Fallback xmlns="">
             <p:sp>
               <p:nvSpPr>
                 <p:cNvPr id="14" name="文本框 13">
@@ -6921,8 +6922,8 @@
             </p:sp>
           </mc:Fallback>
         </mc:AlternateContent>
-        <mc:AlternateContent xmlns:mc="http://schemas.openxmlformats.org/markup-compatibility/2006">
-          <mc:Choice xmlns:a14="http://schemas.microsoft.com/office/drawing/2010/main" Requires="a14">
+        <mc:AlternateContent xmlns:mc="http://schemas.openxmlformats.org/markup-compatibility/2006" xmlns:a14="http://schemas.microsoft.com/office/drawing/2010/main">
+          <mc:Choice Requires="a14">
             <p:sp>
               <p:nvSpPr>
                 <p:cNvPr id="15" name="文本框 14">
@@ -6991,7 +6992,7 @@
               </p:txBody>
             </p:sp>
           </mc:Choice>
-          <mc:Fallback>
+          <mc:Fallback xmlns="">
             <p:sp>
               <p:nvSpPr>
                 <p:cNvPr id="15" name="文本框 14">
@@ -7036,8 +7037,8 @@
             </p:sp>
           </mc:Fallback>
         </mc:AlternateContent>
-        <mc:AlternateContent xmlns:mc="http://schemas.openxmlformats.org/markup-compatibility/2006">
-          <mc:Choice xmlns:a14="http://schemas.microsoft.com/office/drawing/2010/main" Requires="a14">
+        <mc:AlternateContent xmlns:mc="http://schemas.openxmlformats.org/markup-compatibility/2006" xmlns:a14="http://schemas.microsoft.com/office/drawing/2010/main">
+          <mc:Choice Requires="a14">
             <p:sp>
               <p:nvSpPr>
                 <p:cNvPr id="16" name="文本框 15">
@@ -7085,7 +7086,7 @@
               </p:txBody>
             </p:sp>
           </mc:Choice>
-          <mc:Fallback>
+          <mc:Fallback xmlns="">
             <p:sp>
               <p:nvSpPr>
                 <p:cNvPr id="16" name="文本框 15">
@@ -7130,8 +7131,8 @@
             </p:sp>
           </mc:Fallback>
         </mc:AlternateContent>
-        <mc:AlternateContent xmlns:mc="http://schemas.openxmlformats.org/markup-compatibility/2006">
-          <mc:Choice xmlns:a14="http://schemas.microsoft.com/office/drawing/2010/main" Requires="a14">
+        <mc:AlternateContent xmlns:mc="http://schemas.openxmlformats.org/markup-compatibility/2006" xmlns:a14="http://schemas.microsoft.com/office/drawing/2010/main">
+          <mc:Choice Requires="a14">
             <p:sp>
               <p:nvSpPr>
                 <p:cNvPr id="17" name="文本框 16">
@@ -7185,7 +7186,7 @@
               </p:txBody>
             </p:sp>
           </mc:Choice>
-          <mc:Fallback>
+          <mc:Fallback xmlns="">
             <p:sp>
               <p:nvSpPr>
                 <p:cNvPr id="17" name="文本框 16">
@@ -7322,8 +7323,8 @@
             </a:fontRef>
           </p:style>
         </p:cxnSp>
-        <mc:AlternateContent xmlns:mc="http://schemas.openxmlformats.org/markup-compatibility/2006">
-          <mc:Choice xmlns:a14="http://schemas.microsoft.com/office/drawing/2010/main" Requires="a14">
+        <mc:AlternateContent xmlns:mc="http://schemas.openxmlformats.org/markup-compatibility/2006" xmlns:a14="http://schemas.microsoft.com/office/drawing/2010/main">
+          <mc:Choice Requires="a14">
             <p:sp>
               <p:nvSpPr>
                 <p:cNvPr id="26" name="文本框 25">
@@ -7508,7 +7509,7 @@
               </p:txBody>
             </p:sp>
           </mc:Choice>
-          <mc:Fallback>
+          <mc:Fallback xmlns="">
             <p:sp>
               <p:nvSpPr>
                 <p:cNvPr id="26" name="文本框 25">
@@ -7596,8 +7597,8 @@
             </a:fontRef>
           </p:style>
         </p:cxnSp>
-        <mc:AlternateContent xmlns:mc="http://schemas.openxmlformats.org/markup-compatibility/2006">
-          <mc:Choice xmlns:a14="http://schemas.microsoft.com/office/drawing/2010/main" Requires="a14">
+        <mc:AlternateContent xmlns:mc="http://schemas.openxmlformats.org/markup-compatibility/2006" xmlns:a14="http://schemas.microsoft.com/office/drawing/2010/main">
+          <mc:Choice Requires="a14">
             <p:sp>
               <p:nvSpPr>
                 <p:cNvPr id="29" name="文本框 28">
@@ -7722,7 +7723,7 @@
               </p:txBody>
             </p:sp>
           </mc:Choice>
-          <mc:Fallback>
+          <mc:Fallback xmlns="">
             <p:sp>
               <p:nvSpPr>
                 <p:cNvPr id="29" name="文本框 28">
@@ -7767,8 +7768,8 @@
             </p:sp>
           </mc:Fallback>
         </mc:AlternateContent>
-        <mc:AlternateContent xmlns:mc="http://schemas.openxmlformats.org/markup-compatibility/2006">
-          <mc:Choice xmlns:a14="http://schemas.microsoft.com/office/drawing/2010/main" Requires="a14">
+        <mc:AlternateContent xmlns:mc="http://schemas.openxmlformats.org/markup-compatibility/2006" xmlns:a14="http://schemas.microsoft.com/office/drawing/2010/main">
+          <mc:Choice Requires="a14">
             <p:sp>
               <p:nvSpPr>
                 <p:cNvPr id="30" name="文本框 29">
@@ -7893,7 +7894,7 @@
               </p:txBody>
             </p:sp>
           </mc:Choice>
-          <mc:Fallback>
+          <mc:Fallback xmlns="">
             <p:sp>
               <p:nvSpPr>
                 <p:cNvPr id="30" name="文本框 29">
@@ -8075,8 +8076,8 @@
           </p:txBody>
         </p:sp>
       </p:grpSp>
-      <mc:AlternateContent xmlns:mc="http://schemas.openxmlformats.org/markup-compatibility/2006">
-        <mc:Choice xmlns:a14="http://schemas.microsoft.com/office/drawing/2010/main" Requires="a14">
+      <mc:AlternateContent xmlns:mc="http://schemas.openxmlformats.org/markup-compatibility/2006" xmlns:a14="http://schemas.microsoft.com/office/drawing/2010/main">
+        <mc:Choice Requires="a14">
           <p:sp>
             <p:nvSpPr>
               <p:cNvPr id="27" name="文本框 26">
@@ -8119,6 +8120,7 @@
                               <a:solidFill>
                                 <a:srgbClr val="FF0000"/>
                               </a:solidFill>
+                              <a:latin typeface="Cambria Math" panose="02040503050406030204" pitchFamily="18" charset="0"/>
                             </a:rPr>
                           </m:ctrlPr>
                         </m:sSubPr>
@@ -8128,6 +8130,7 @@
                               <a:solidFill>
                                 <a:srgbClr val="FF0000"/>
                               </a:solidFill>
+                              <a:latin typeface="Cambria Math" panose="02040503050406030204" pitchFamily="18" charset="0"/>
                             </a:rPr>
                             <m:t>𝜇</m:t>
                           </m:r>
@@ -8138,6 +8141,7 @@
                               <a:solidFill>
                                 <a:srgbClr val="FF0000"/>
                               </a:solidFill>
+                              <a:latin typeface="Cambria Math" panose="02040503050406030204" pitchFamily="18" charset="0"/>
                             </a:rPr>
                             <m:t>𝑣</m:t>
                           </m:r>
@@ -8146,6 +8150,7 @@
                               <a:solidFill>
                                 <a:srgbClr val="FF0000"/>
                               </a:solidFill>
+                              <a:latin typeface="Cambria Math" panose="02040503050406030204" pitchFamily="18" charset="0"/>
                             </a:rPr>
                             <m:t>→</m:t>
                           </m:r>
@@ -8154,6 +8159,7 @@
                               <a:solidFill>
                                 <a:srgbClr val="FF0000"/>
                               </a:solidFill>
+                              <a:latin typeface="Cambria Math" panose="02040503050406030204" pitchFamily="18" charset="0"/>
                             </a:rPr>
                             <m:t>𝑎</m:t>
                           </m:r>
@@ -8166,6 +8172,7 @@
                               <a:solidFill>
                                 <a:srgbClr val="FF0000"/>
                               </a:solidFill>
+                              <a:latin typeface="Cambria Math" panose="02040503050406030204" pitchFamily="18" charset="0"/>
                             </a:rPr>
                           </m:ctrlPr>
                         </m:dPr>
@@ -8177,6 +8184,7 @@
                                   <a:solidFill>
                                     <a:srgbClr val="FF0000"/>
                                   </a:solidFill>
+                                  <a:latin typeface="Cambria Math" panose="02040503050406030204" pitchFamily="18" charset="0"/>
                                 </a:rPr>
                               </m:ctrlPr>
                             </m:sSubPr>
@@ -8186,6 +8194,7 @@
                                   <a:solidFill>
                                     <a:srgbClr val="FF0000"/>
                                   </a:solidFill>
+                                  <a:latin typeface="Cambria Math" panose="02040503050406030204" pitchFamily="18" charset="0"/>
                                 </a:rPr>
                                 <m:t>𝑥</m:t>
                               </m:r>
@@ -8196,6 +8205,7 @@
                                   <a:solidFill>
                                     <a:srgbClr val="FF0000"/>
                                   </a:solidFill>
+                                  <a:latin typeface="Cambria Math" panose="02040503050406030204" pitchFamily="18" charset="0"/>
                                 </a:rPr>
                                 <m:t>𝑣</m:t>
                               </m:r>
@@ -8204,7 +8214,9 @@
                         </m:e>
                       </m:d>
                       <m:r>
-                        <a:rPr lang="en-US" altLang="zh-CN" sz="2400" i="1"/>
+                        <a:rPr lang="en-US" altLang="zh-CN" sz="2400" i="1">
+                          <a:latin typeface="Cambria Math" panose="02040503050406030204" pitchFamily="18" charset="0"/>
+                        </a:rPr>
                         <m:t>=</m:t>
                       </m:r>
                     </m:oMath>
@@ -8222,70 +8234,98 @@
                         <m:grow m:val="on"/>
                         <m:supHide m:val="on"/>
                         <m:ctrlPr>
-                          <a:rPr lang="zh-CN" altLang="zh-CN" sz="2400" i="1"/>
+                          <a:rPr lang="zh-CN" altLang="zh-CN" sz="2400" i="1">
+                            <a:latin typeface="Cambria Math" panose="02040503050406030204" pitchFamily="18" charset="0"/>
+                          </a:rPr>
                         </m:ctrlPr>
                       </m:naryPr>
                       <m:sub>
                         <m:sSup>
                           <m:sSupPr>
                             <m:ctrlPr>
-                              <a:rPr lang="zh-CN" altLang="zh-CN" sz="2400" i="1"/>
+                              <a:rPr lang="zh-CN" altLang="zh-CN" sz="2400" i="1">
+                                <a:latin typeface="Cambria Math" panose="02040503050406030204" pitchFamily="18" charset="0"/>
+                              </a:rPr>
                             </m:ctrlPr>
                           </m:sSupPr>
                           <m:e>
                             <m:r>
-                              <a:rPr lang="en-US" altLang="zh-CN" sz="2400" i="1"/>
+                              <a:rPr lang="en-US" altLang="zh-CN" sz="2400" i="1">
+                                <a:latin typeface="Cambria Math" panose="02040503050406030204" pitchFamily="18" charset="0"/>
+                              </a:rPr>
                               <m:t>𝑎</m:t>
                             </m:r>
                           </m:e>
                           <m:sup>
                             <m:r>
-                              <a:rPr lang="en-US" altLang="zh-CN" sz="2400" i="1"/>
+                              <a:rPr lang="en-US" altLang="zh-CN" sz="2400" i="1">
+                                <a:latin typeface="Cambria Math" panose="02040503050406030204" pitchFamily="18" charset="0"/>
+                              </a:rPr>
                               <m:t>∗</m:t>
                             </m:r>
                           </m:sup>
                         </m:sSup>
                         <m:r>
-                          <a:rPr lang="en-US" altLang="zh-CN" sz="2400" i="1"/>
+                          <a:rPr lang="en-US" altLang="zh-CN" sz="2400" i="1">
+                            <a:latin typeface="Cambria Math" panose="02040503050406030204" pitchFamily="18" charset="0"/>
+                          </a:rPr>
                           <m:t>∈</m:t>
                         </m:r>
                         <m:r>
-                          <a:rPr lang="en-US" altLang="zh-CN" sz="2400" i="1"/>
+                          <a:rPr lang="en-US" altLang="zh-CN" sz="2400" i="1">
+                            <a:latin typeface="Cambria Math" panose="02040503050406030204" pitchFamily="18" charset="0"/>
+                          </a:rPr>
                           <m:t>𝑁</m:t>
                         </m:r>
                         <m:r>
-                          <a:rPr lang="en-US" altLang="zh-CN" sz="2400" i="1"/>
+                          <a:rPr lang="en-US" altLang="zh-CN" sz="2400" i="1">
+                            <a:latin typeface="Cambria Math" panose="02040503050406030204" pitchFamily="18" charset="0"/>
+                          </a:rPr>
                           <m:t>(</m:t>
                         </m:r>
                         <m:r>
-                          <a:rPr lang="en-US" altLang="zh-CN" sz="2400" i="1"/>
+                          <a:rPr lang="en-US" altLang="zh-CN" sz="2400" i="1">
+                            <a:latin typeface="Cambria Math" panose="02040503050406030204" pitchFamily="18" charset="0"/>
+                          </a:rPr>
                           <m:t>𝑣</m:t>
                         </m:r>
                         <m:r>
-                          <a:rPr lang="en-US" altLang="zh-CN" sz="2400" i="1"/>
+                          <a:rPr lang="en-US" altLang="zh-CN" sz="2400" i="1">
+                            <a:latin typeface="Cambria Math" panose="02040503050406030204" pitchFamily="18" charset="0"/>
+                          </a:rPr>
                           <m:t>)</m:t>
                         </m:r>
                         <m:r>
-                          <a:rPr lang="en-US" altLang="zh-CN" sz="2400"/>
+                          <a:rPr lang="en-US" altLang="zh-CN" sz="2400">
+                            <a:latin typeface="Cambria Math" panose="02040503050406030204" pitchFamily="18" charset="0"/>
+                          </a:rPr>
                           <m:t>∖</m:t>
                         </m:r>
                         <m:r>
-                          <a:rPr lang="en-US" altLang="zh-CN" sz="2400" i="1"/>
+                          <a:rPr lang="en-US" altLang="zh-CN" sz="2400" i="1">
+                            <a:latin typeface="Cambria Math" panose="02040503050406030204" pitchFamily="18" charset="0"/>
+                          </a:rPr>
                           <m:t>{</m:t>
                         </m:r>
                         <m:r>
-                          <a:rPr lang="en-US" altLang="zh-CN" sz="2400" i="1"/>
+                          <a:rPr lang="en-US" altLang="zh-CN" sz="2400" i="1">
+                            <a:latin typeface="Cambria Math" panose="02040503050406030204" pitchFamily="18" charset="0"/>
+                          </a:rPr>
                           <m:t>𝑎</m:t>
                         </m:r>
                         <m:r>
-                          <a:rPr lang="en-US" altLang="zh-CN" sz="2400" i="1"/>
+                          <a:rPr lang="en-US" altLang="zh-CN" sz="2400" i="1">
+                            <a:latin typeface="Cambria Math" panose="02040503050406030204" pitchFamily="18" charset="0"/>
+                          </a:rPr>
                           <m:t>}</m:t>
                         </m:r>
                       </m:sub>
                       <m:sup/>
                       <m:e>
                         <m:r>
-                          <a:rPr lang="en-US" altLang="zh-CN" sz="2400" i="1"/>
+                          <a:rPr lang="en-US" altLang="zh-CN" sz="2400" i="1">
+                            <a:latin typeface="Cambria Math" panose="02040503050406030204" pitchFamily="18" charset="0"/>
+                          </a:rPr>
                           <m:t> </m:t>
                         </m:r>
                       </m:e>
@@ -8293,12 +8333,16 @@
                     <m:sSub>
                       <m:sSubPr>
                         <m:ctrlPr>
-                          <a:rPr lang="zh-CN" altLang="zh-CN" sz="2400" i="1"/>
+                          <a:rPr lang="zh-CN" altLang="zh-CN" sz="2400" i="1">
+                            <a:latin typeface="Cambria Math" panose="02040503050406030204" pitchFamily="18" charset="0"/>
+                          </a:rPr>
                         </m:ctrlPr>
                       </m:sSubPr>
                       <m:e>
                         <m:r>
-                          <a:rPr lang="en-US" altLang="zh-CN" sz="2400" i="1"/>
+                          <a:rPr lang="en-US" altLang="zh-CN" sz="2400" i="1">
+                            <a:latin typeface="Cambria Math" panose="02040503050406030204" pitchFamily="18" charset="0"/>
+                          </a:rPr>
                           <m:t>𝜇</m:t>
                         </m:r>
                       </m:e>
@@ -8306,28 +8350,38 @@
                         <m:sSup>
                           <m:sSupPr>
                             <m:ctrlPr>
-                              <a:rPr lang="zh-CN" altLang="zh-CN" sz="2400" i="1"/>
+                              <a:rPr lang="zh-CN" altLang="zh-CN" sz="2400" i="1">
+                                <a:latin typeface="Cambria Math" panose="02040503050406030204" pitchFamily="18" charset="0"/>
+                              </a:rPr>
                             </m:ctrlPr>
                           </m:sSupPr>
                           <m:e>
                             <m:r>
-                              <a:rPr lang="en-US" altLang="zh-CN" sz="2400" i="1"/>
+                              <a:rPr lang="en-US" altLang="zh-CN" sz="2400" i="1">
+                                <a:latin typeface="Cambria Math" panose="02040503050406030204" pitchFamily="18" charset="0"/>
+                              </a:rPr>
                               <m:t>𝑎</m:t>
                             </m:r>
                           </m:e>
                           <m:sup>
                             <m:r>
-                              <a:rPr lang="en-US" altLang="zh-CN" sz="2400" i="1"/>
+                              <a:rPr lang="en-US" altLang="zh-CN" sz="2400" i="1">
+                                <a:latin typeface="Cambria Math" panose="02040503050406030204" pitchFamily="18" charset="0"/>
+                              </a:rPr>
                               <m:t>∗</m:t>
                             </m:r>
                           </m:sup>
                         </m:sSup>
                         <m:r>
-                          <a:rPr lang="en-US" altLang="zh-CN" sz="2400" i="1"/>
+                          <a:rPr lang="en-US" altLang="zh-CN" sz="2400" i="1">
+                            <a:latin typeface="Cambria Math" panose="02040503050406030204" pitchFamily="18" charset="0"/>
+                          </a:rPr>
                           <m:t>→</m:t>
                         </m:r>
                         <m:r>
-                          <a:rPr lang="en-US" altLang="zh-CN" sz="2400" i="1"/>
+                          <a:rPr lang="en-US" altLang="zh-CN" sz="2400" i="1">
+                            <a:latin typeface="Cambria Math" panose="02040503050406030204" pitchFamily="18" charset="0"/>
+                          </a:rPr>
                           <m:t>𝑣</m:t>
                         </m:r>
                       </m:sub>
@@ -8335,25 +8389,33 @@
                     <m:d>
                       <m:dPr>
                         <m:ctrlPr>
-                          <a:rPr lang="zh-CN" altLang="zh-CN" sz="2400" i="1"/>
+                          <a:rPr lang="zh-CN" altLang="zh-CN" sz="2400" i="1">
+                            <a:latin typeface="Cambria Math" panose="02040503050406030204" pitchFamily="18" charset="0"/>
+                          </a:rPr>
                         </m:ctrlPr>
                       </m:dPr>
                       <m:e>
                         <m:sSub>
                           <m:sSubPr>
                             <m:ctrlPr>
-                              <a:rPr lang="zh-CN" altLang="zh-CN" sz="2400" i="1"/>
+                              <a:rPr lang="zh-CN" altLang="zh-CN" sz="2400" i="1">
+                                <a:latin typeface="Cambria Math" panose="02040503050406030204" pitchFamily="18" charset="0"/>
+                              </a:rPr>
                             </m:ctrlPr>
                           </m:sSubPr>
                           <m:e>
                             <m:r>
-                              <a:rPr lang="en-US" altLang="zh-CN" sz="2400" i="1"/>
+                              <a:rPr lang="en-US" altLang="zh-CN" sz="2400" i="1">
+                                <a:latin typeface="Cambria Math" panose="02040503050406030204" pitchFamily="18" charset="0"/>
+                              </a:rPr>
                               <m:t>𝑥</m:t>
                             </m:r>
                           </m:e>
                           <m:sub>
                             <m:r>
-                              <a:rPr lang="en-US" altLang="zh-CN" sz="2400" i="1"/>
+                              <a:rPr lang="en-US" altLang="zh-CN" sz="2400" i="1">
+                                <a:latin typeface="Cambria Math" panose="02040503050406030204" pitchFamily="18" charset="0"/>
+                              </a:rPr>
                               <m:t>𝑣</m:t>
                             </m:r>
                           </m:sub>
@@ -8445,7 +8507,7 @@
             </p:txBody>
           </p:sp>
         </mc:Choice>
-        <mc:Fallback>
+        <mc:Fallback xmlns="">
           <p:sp>
             <p:nvSpPr>
               <p:cNvPr id="27" name="文本框 26">
@@ -8490,8 +8552,8 @@
           </p:sp>
         </mc:Fallback>
       </mc:AlternateContent>
-      <mc:AlternateContent xmlns:mc="http://schemas.openxmlformats.org/markup-compatibility/2006">
-        <mc:Choice xmlns:a14="http://schemas.microsoft.com/office/drawing/2010/main" Requires="a14">
+      <mc:AlternateContent xmlns:mc="http://schemas.openxmlformats.org/markup-compatibility/2006" xmlns:a14="http://schemas.microsoft.com/office/drawing/2010/main">
+        <mc:Choice Requires="a14">
           <p:sp>
             <p:nvSpPr>
               <p:cNvPr id="32" name="文本框 31">
@@ -8534,6 +8596,7 @@
                               <a:solidFill>
                                 <a:srgbClr val="FF0000"/>
                               </a:solidFill>
+                              <a:latin typeface="Cambria Math" panose="02040503050406030204" pitchFamily="18" charset="0"/>
                             </a:rPr>
                           </m:ctrlPr>
                         </m:sSubPr>
@@ -8543,6 +8606,7 @@
                               <a:solidFill>
                                 <a:srgbClr val="FF0000"/>
                               </a:solidFill>
+                              <a:latin typeface="Cambria Math" panose="02040503050406030204" pitchFamily="18" charset="0"/>
                             </a:rPr>
                             <m:t>𝜇</m:t>
                           </m:r>
@@ -8553,6 +8617,7 @@
                               <a:solidFill>
                                 <a:srgbClr val="FF0000"/>
                               </a:solidFill>
+                              <a:latin typeface="Cambria Math" panose="02040503050406030204" pitchFamily="18" charset="0"/>
                             </a:rPr>
                             <m:t>𝑎</m:t>
                           </m:r>
@@ -8561,6 +8626,7 @@
                               <a:solidFill>
                                 <a:srgbClr val="FF0000"/>
                               </a:solidFill>
+                              <a:latin typeface="Cambria Math" panose="02040503050406030204" pitchFamily="18" charset="0"/>
                             </a:rPr>
                             <m:t>→</m:t>
                           </m:r>
@@ -8569,6 +8635,7 @@
                               <a:solidFill>
                                 <a:srgbClr val="FF0000"/>
                               </a:solidFill>
+                              <a:latin typeface="Cambria Math" panose="02040503050406030204" pitchFamily="18" charset="0"/>
                             </a:rPr>
                             <m:t>𝑣</m:t>
                           </m:r>
@@ -8581,6 +8648,7 @@
                               <a:solidFill>
                                 <a:srgbClr val="FF0000"/>
                               </a:solidFill>
+                              <a:latin typeface="Cambria Math" panose="02040503050406030204" pitchFamily="18" charset="0"/>
                             </a:rPr>
                           </m:ctrlPr>
                         </m:dPr>
@@ -8592,6 +8660,7 @@
                                   <a:solidFill>
                                     <a:srgbClr val="FF0000"/>
                                   </a:solidFill>
+                                  <a:latin typeface="Cambria Math" panose="02040503050406030204" pitchFamily="18" charset="0"/>
                                 </a:rPr>
                               </m:ctrlPr>
                             </m:sSubPr>
@@ -8601,6 +8670,7 @@
                                   <a:solidFill>
                                     <a:srgbClr val="FF0000"/>
                                   </a:solidFill>
+                                  <a:latin typeface="Cambria Math" panose="02040503050406030204" pitchFamily="18" charset="0"/>
                                 </a:rPr>
                                 <m:t>𝑥</m:t>
                               </m:r>
@@ -8611,6 +8681,7 @@
                                   <a:solidFill>
                                     <a:srgbClr val="FF0000"/>
                                   </a:solidFill>
+                                  <a:latin typeface="Cambria Math" panose="02040503050406030204" pitchFamily="18" charset="0"/>
                                 </a:rPr>
                                 <m:t>𝑣</m:t>
                               </m:r>
@@ -8619,7 +8690,9 @@
                         </m:e>
                       </m:d>
                       <m:r>
-                        <a:rPr lang="en-US" altLang="zh-CN" sz="2400" i="1"/>
+                        <a:rPr lang="en-US" altLang="zh-CN" sz="2400" i="1">
+                          <a:latin typeface="Cambria Math" panose="02040503050406030204" pitchFamily="18" charset="0"/>
+                        </a:rPr>
                         <m:t>=</m:t>
                       </m:r>
                     </m:oMath>
@@ -8642,83 +8715,111 @@
                           <m:grow m:val="on"/>
                           <m:supHide m:val="on"/>
                           <m:ctrlPr>
-                            <a:rPr lang="zh-CN" altLang="zh-CN" sz="2400" i="1"/>
+                            <a:rPr lang="zh-CN" altLang="zh-CN" sz="2400" i="1">
+                              <a:latin typeface="Cambria Math" panose="02040503050406030204" pitchFamily="18" charset="0"/>
+                            </a:rPr>
                           </m:ctrlPr>
                         </m:naryPr>
                         <m:sub>
                           <m:sSubSup>
                             <m:sSubSupPr>
                               <m:ctrlPr>
-                                <a:rPr lang="zh-CN" altLang="zh-CN" sz="2400" i="1"/>
+                                <a:rPr lang="zh-CN" altLang="zh-CN" sz="2400" i="1">
+                                  <a:latin typeface="Cambria Math" panose="02040503050406030204" pitchFamily="18" charset="0"/>
+                                </a:rPr>
                               </m:ctrlPr>
                             </m:sSubSupPr>
                             <m:e>
                               <m:r>
-                                <a:rPr lang="en-US" altLang="zh-CN" sz="2400" b="1" i="1"/>
+                                <a:rPr lang="en-US" altLang="zh-CN" sz="2400" b="1" i="1">
+                                  <a:latin typeface="Cambria Math" panose="02040503050406030204" pitchFamily="18" charset="0"/>
+                                </a:rPr>
                                 <m:t>𝐱</m:t>
                               </m:r>
                             </m:e>
                             <m:sub>
                               <m:r>
-                                <a:rPr lang="en-US" altLang="zh-CN" sz="2400" i="1"/>
+                                <a:rPr lang="en-US" altLang="zh-CN" sz="2400" i="1">
+                                  <a:latin typeface="Cambria Math" panose="02040503050406030204" pitchFamily="18" charset="0"/>
+                                </a:rPr>
                                 <m:t>𝑎</m:t>
                               </m:r>
                             </m:sub>
                             <m:sup>
                               <m:r>
-                                <a:rPr lang="en-US" altLang="zh-CN" sz="2400" i="1"/>
+                                <a:rPr lang="en-US" altLang="zh-CN" sz="2400" i="1">
+                                  <a:latin typeface="Cambria Math" panose="02040503050406030204" pitchFamily="18" charset="0"/>
+                                </a:rPr>
                                 <m:t>′</m:t>
                               </m:r>
                             </m:sup>
                           </m:sSubSup>
                           <m:r>
-                            <a:rPr lang="en-US" altLang="zh-CN" sz="2400" i="1"/>
+                            <a:rPr lang="en-US" altLang="zh-CN" sz="2400" i="1">
+                              <a:latin typeface="Cambria Math" panose="02040503050406030204" pitchFamily="18" charset="0"/>
+                            </a:rPr>
                             <m:t>:</m:t>
                           </m:r>
                           <m:sSubSup>
                             <m:sSubSupPr>
                               <m:ctrlPr>
-                                <a:rPr lang="zh-CN" altLang="zh-CN" sz="2400" i="1"/>
+                                <a:rPr lang="zh-CN" altLang="zh-CN" sz="2400" i="1">
+                                  <a:latin typeface="Cambria Math" panose="02040503050406030204" pitchFamily="18" charset="0"/>
+                                </a:rPr>
                               </m:ctrlPr>
                             </m:sSubSupPr>
                             <m:e>
                               <m:r>
-                                <a:rPr lang="en-US" altLang="zh-CN" sz="2400" i="1"/>
+                                <a:rPr lang="en-US" altLang="zh-CN" sz="2400" i="1">
+                                  <a:latin typeface="Cambria Math" panose="02040503050406030204" pitchFamily="18" charset="0"/>
+                                </a:rPr>
                                 <m:t>𝑥</m:t>
                               </m:r>
                             </m:e>
                             <m:sub>
                               <m:r>
-                                <a:rPr lang="en-US" altLang="zh-CN" sz="2400" i="1"/>
+                                <a:rPr lang="en-US" altLang="zh-CN" sz="2400" i="1">
+                                  <a:latin typeface="Cambria Math" panose="02040503050406030204" pitchFamily="18" charset="0"/>
+                                </a:rPr>
                                 <m:t>𝑣</m:t>
                               </m:r>
                             </m:sub>
                             <m:sup>
                               <m:r>
-                                <a:rPr lang="en-US" altLang="zh-CN" sz="2400" i="1"/>
+                                <a:rPr lang="en-US" altLang="zh-CN" sz="2400" i="1">
+                                  <a:latin typeface="Cambria Math" panose="02040503050406030204" pitchFamily="18" charset="0"/>
+                                </a:rPr>
                                 <m:t>′</m:t>
                               </m:r>
                             </m:sup>
                           </m:sSubSup>
                           <m:r>
-                            <a:rPr lang="en-US" altLang="zh-CN" sz="2400" i="1"/>
+                            <a:rPr lang="en-US" altLang="zh-CN" sz="2400" i="1">
+                              <a:latin typeface="Cambria Math" panose="02040503050406030204" pitchFamily="18" charset="0"/>
+                            </a:rPr>
                             <m:t>=</m:t>
                           </m:r>
                           <m:sSub>
                             <m:sSubPr>
                               <m:ctrlPr>
-                                <a:rPr lang="zh-CN" altLang="zh-CN" sz="2400" i="1"/>
+                                <a:rPr lang="zh-CN" altLang="zh-CN" sz="2400" i="1">
+                                  <a:latin typeface="Cambria Math" panose="02040503050406030204" pitchFamily="18" charset="0"/>
+                                </a:rPr>
                               </m:ctrlPr>
                             </m:sSubPr>
                             <m:e>
                               <m:r>
-                                <a:rPr lang="en-US" altLang="zh-CN" sz="2400" i="1"/>
+                                <a:rPr lang="en-US" altLang="zh-CN" sz="2400" i="1">
+                                  <a:latin typeface="Cambria Math" panose="02040503050406030204" pitchFamily="18" charset="0"/>
+                                </a:rPr>
                                 <m:t>𝑥</m:t>
                               </m:r>
                             </m:e>
                             <m:sub>
                               <m:r>
-                                <a:rPr lang="en-US" altLang="zh-CN" sz="2400" i="1"/>
+                                <a:rPr lang="en-US" altLang="zh-CN" sz="2400" i="1">
+                                  <a:latin typeface="Cambria Math" panose="02040503050406030204" pitchFamily="18" charset="0"/>
+                                </a:rPr>
                                 <m:t>𝑣</m:t>
                               </m:r>
                             </m:sub>
@@ -8727,7 +8828,9 @@
                         <m:sup/>
                         <m:e>
                           <m:r>
-                            <a:rPr lang="en-US" altLang="zh-CN" sz="2400" i="1"/>
+                            <a:rPr lang="en-US" altLang="zh-CN" sz="2400" i="1">
+                              <a:latin typeface="Cambria Math" panose="02040503050406030204" pitchFamily="18" charset="0"/>
+                            </a:rPr>
                             <m:t> </m:t>
                           </m:r>
                         </m:e>
@@ -8735,18 +8838,24 @@
                       <m:sSub>
                         <m:sSubPr>
                           <m:ctrlPr>
-                            <a:rPr lang="zh-CN" altLang="zh-CN" sz="2400" i="1"/>
+                            <a:rPr lang="zh-CN" altLang="zh-CN" sz="2400" i="1">
+                              <a:latin typeface="Cambria Math" panose="02040503050406030204" pitchFamily="18" charset="0"/>
+                            </a:rPr>
                           </m:ctrlPr>
                         </m:sSubPr>
                         <m:e>
                           <m:r>
-                            <a:rPr lang="en-US" altLang="zh-CN" sz="2400" i="1"/>
+                            <a:rPr lang="en-US" altLang="zh-CN" sz="2400" i="1">
+                              <a:latin typeface="Cambria Math" panose="02040503050406030204" pitchFamily="18" charset="0"/>
+                            </a:rPr>
                             <m:t>𝑓</m:t>
                           </m:r>
                         </m:e>
                         <m:sub>
                           <m:r>
-                            <a:rPr lang="en-US" altLang="zh-CN" sz="2400" i="1"/>
+                            <a:rPr lang="en-US" altLang="zh-CN" sz="2400" i="1">
+                              <a:latin typeface="Cambria Math" panose="02040503050406030204" pitchFamily="18" charset="0"/>
+                            </a:rPr>
                             <m:t>𝑎</m:t>
                           </m:r>
                         </m:sub>
@@ -8754,31 +8863,41 @@
                       <m:d>
                         <m:dPr>
                           <m:ctrlPr>
-                            <a:rPr lang="zh-CN" altLang="zh-CN" sz="2400" i="1"/>
+                            <a:rPr lang="zh-CN" altLang="zh-CN" sz="2400" i="1">
+                              <a:latin typeface="Cambria Math" panose="02040503050406030204" pitchFamily="18" charset="0"/>
+                            </a:rPr>
                           </m:ctrlPr>
                         </m:dPr>
                         <m:e>
                           <m:sSubSup>
                             <m:sSubSupPr>
                               <m:ctrlPr>
-                                <a:rPr lang="zh-CN" altLang="zh-CN" sz="2400" i="1"/>
+                                <a:rPr lang="zh-CN" altLang="zh-CN" sz="2400" i="1">
+                                  <a:latin typeface="Cambria Math" panose="02040503050406030204" pitchFamily="18" charset="0"/>
+                                </a:rPr>
                               </m:ctrlPr>
                             </m:sSubSupPr>
                             <m:e>
                               <m:r>
-                                <a:rPr lang="en-US" altLang="zh-CN" sz="2400" b="1" i="1"/>
+                                <a:rPr lang="en-US" altLang="zh-CN" sz="2400" b="1" i="1">
+                                  <a:latin typeface="Cambria Math" panose="02040503050406030204" pitchFamily="18" charset="0"/>
+                                </a:rPr>
                                 <m:t>𝐱</m:t>
                               </m:r>
                             </m:e>
                             <m:sub>
                               <m:r>
-                                <a:rPr lang="en-US" altLang="zh-CN" sz="2400" i="1"/>
+                                <a:rPr lang="en-US" altLang="zh-CN" sz="2400" i="1">
+                                  <a:latin typeface="Cambria Math" panose="02040503050406030204" pitchFamily="18" charset="0"/>
+                                </a:rPr>
                                 <m:t>𝑎</m:t>
                               </m:r>
                             </m:sub>
                             <m:sup>
                               <m:r>
-                                <a:rPr lang="en-US" altLang="zh-CN" sz="2400" i="1"/>
+                                <a:rPr lang="en-US" altLang="zh-CN" sz="2400" i="1">
+                                  <a:latin typeface="Cambria Math" panose="02040503050406030204" pitchFamily="18" charset="0"/>
+                                </a:rPr>
                                 <m:t>′</m:t>
                               </m:r>
                             </m:sup>
@@ -8792,70 +8911,98 @@
                           <m:grow m:val="on"/>
                           <m:supHide m:val="on"/>
                           <m:ctrlPr>
-                            <a:rPr lang="zh-CN" altLang="zh-CN" sz="2400" i="1"/>
+                            <a:rPr lang="zh-CN" altLang="zh-CN" sz="2400" i="1">
+                              <a:latin typeface="Cambria Math" panose="02040503050406030204" pitchFamily="18" charset="0"/>
+                            </a:rPr>
                           </m:ctrlPr>
                         </m:naryPr>
                         <m:sub>
                           <m:sSup>
                             <m:sSupPr>
                               <m:ctrlPr>
-                                <a:rPr lang="zh-CN" altLang="zh-CN" sz="2400" i="1"/>
+                                <a:rPr lang="zh-CN" altLang="zh-CN" sz="2400" i="1">
+                                  <a:latin typeface="Cambria Math" panose="02040503050406030204" pitchFamily="18" charset="0"/>
+                                </a:rPr>
                               </m:ctrlPr>
                             </m:sSupPr>
                             <m:e>
                               <m:r>
-                                <a:rPr lang="en-US" altLang="zh-CN" sz="2400" i="1"/>
+                                <a:rPr lang="en-US" altLang="zh-CN" sz="2400" i="1">
+                                  <a:latin typeface="Cambria Math" panose="02040503050406030204" pitchFamily="18" charset="0"/>
+                                </a:rPr>
                                 <m:t>𝑣</m:t>
                               </m:r>
                             </m:e>
                             <m:sup>
                               <m:r>
-                                <a:rPr lang="en-US" altLang="zh-CN" sz="2400" i="1"/>
+                                <a:rPr lang="en-US" altLang="zh-CN" sz="2400" i="1">
+                                  <a:latin typeface="Cambria Math" panose="02040503050406030204" pitchFamily="18" charset="0"/>
+                                </a:rPr>
                                 <m:t>∗</m:t>
                               </m:r>
                             </m:sup>
                           </m:sSup>
                           <m:r>
-                            <a:rPr lang="en-US" altLang="zh-CN" sz="2400" i="1"/>
+                            <a:rPr lang="en-US" altLang="zh-CN" sz="2400" i="1">
+                              <a:latin typeface="Cambria Math" panose="02040503050406030204" pitchFamily="18" charset="0"/>
+                            </a:rPr>
                             <m:t>∈</m:t>
                           </m:r>
                           <m:r>
-                            <a:rPr lang="en-US" altLang="zh-CN" sz="2400" i="1"/>
+                            <a:rPr lang="en-US" altLang="zh-CN" sz="2400" i="1">
+                              <a:latin typeface="Cambria Math" panose="02040503050406030204" pitchFamily="18" charset="0"/>
+                            </a:rPr>
                             <m:t>𝑁</m:t>
                           </m:r>
                           <m:r>
-                            <a:rPr lang="en-US" altLang="zh-CN" sz="2400" i="1"/>
+                            <a:rPr lang="en-US" altLang="zh-CN" sz="2400" i="1">
+                              <a:latin typeface="Cambria Math" panose="02040503050406030204" pitchFamily="18" charset="0"/>
+                            </a:rPr>
                             <m:t>(</m:t>
                           </m:r>
                           <m:r>
-                            <a:rPr lang="en-US" altLang="zh-CN" sz="2400" i="1"/>
+                            <a:rPr lang="en-US" altLang="zh-CN" sz="2400" i="1">
+                              <a:latin typeface="Cambria Math" panose="02040503050406030204" pitchFamily="18" charset="0"/>
+                            </a:rPr>
                             <m:t>𝑎</m:t>
                           </m:r>
                           <m:r>
-                            <a:rPr lang="en-US" altLang="zh-CN" sz="2400" i="1"/>
+                            <a:rPr lang="en-US" altLang="zh-CN" sz="2400" i="1">
+                              <a:latin typeface="Cambria Math" panose="02040503050406030204" pitchFamily="18" charset="0"/>
+                            </a:rPr>
                             <m:t>)</m:t>
                           </m:r>
                           <m:r>
-                            <a:rPr lang="en-US" altLang="zh-CN" sz="2400"/>
+                            <a:rPr lang="en-US" altLang="zh-CN" sz="2400">
+                              <a:latin typeface="Cambria Math" panose="02040503050406030204" pitchFamily="18" charset="0"/>
+                            </a:rPr>
                             <m:t>∖</m:t>
                           </m:r>
                           <m:r>
-                            <a:rPr lang="en-US" altLang="zh-CN" sz="2400" i="1"/>
+                            <a:rPr lang="en-US" altLang="zh-CN" sz="2400" i="1">
+                              <a:latin typeface="Cambria Math" panose="02040503050406030204" pitchFamily="18" charset="0"/>
+                            </a:rPr>
                             <m:t>{</m:t>
                           </m:r>
                           <m:r>
-                            <a:rPr lang="en-US" altLang="zh-CN" sz="2400" i="1"/>
+                            <a:rPr lang="en-US" altLang="zh-CN" sz="2400" i="1">
+                              <a:latin typeface="Cambria Math" panose="02040503050406030204" pitchFamily="18" charset="0"/>
+                            </a:rPr>
                             <m:t>𝑣</m:t>
                           </m:r>
                           <m:r>
-                            <a:rPr lang="en-US" altLang="zh-CN" sz="2400" i="1"/>
+                            <a:rPr lang="en-US" altLang="zh-CN" sz="2400" i="1">
+                              <a:latin typeface="Cambria Math" panose="02040503050406030204" pitchFamily="18" charset="0"/>
+                            </a:rPr>
                             <m:t>}</m:t>
                           </m:r>
                         </m:sub>
                         <m:sup/>
                         <m:e>
                           <m:r>
-                            <a:rPr lang="en-US" altLang="zh-CN" sz="2400" i="1"/>
+                            <a:rPr lang="en-US" altLang="zh-CN" sz="2400" i="1">
+                              <a:latin typeface="Cambria Math" panose="02040503050406030204" pitchFamily="18" charset="0"/>
+                            </a:rPr>
                             <m:t> </m:t>
                           </m:r>
                         </m:e>
@@ -8863,12 +9010,16 @@
                       <m:sSub>
                         <m:sSubPr>
                           <m:ctrlPr>
-                            <a:rPr lang="zh-CN" altLang="zh-CN" sz="2400" i="1"/>
+                            <a:rPr lang="zh-CN" altLang="zh-CN" sz="2400" i="1">
+                              <a:latin typeface="Cambria Math" panose="02040503050406030204" pitchFamily="18" charset="0"/>
+                            </a:rPr>
                           </m:ctrlPr>
                         </m:sSubPr>
                         <m:e>
                           <m:r>
-                            <a:rPr lang="en-US" altLang="zh-CN" sz="2400" i="1"/>
+                            <a:rPr lang="en-US" altLang="zh-CN" sz="2400" i="1">
+                              <a:latin typeface="Cambria Math" panose="02040503050406030204" pitchFamily="18" charset="0"/>
+                            </a:rPr>
                             <m:t>𝜇</m:t>
                           </m:r>
                         </m:e>
@@ -8876,28 +9027,38 @@
                           <m:sSup>
                             <m:sSupPr>
                               <m:ctrlPr>
-                                <a:rPr lang="zh-CN" altLang="zh-CN" sz="2400" i="1"/>
+                                <a:rPr lang="zh-CN" altLang="zh-CN" sz="2400" i="1">
+                                  <a:latin typeface="Cambria Math" panose="02040503050406030204" pitchFamily="18" charset="0"/>
+                                </a:rPr>
                               </m:ctrlPr>
                             </m:sSupPr>
                             <m:e>
                               <m:r>
-                                <a:rPr lang="en-US" altLang="zh-CN" sz="2400" i="1"/>
+                                <a:rPr lang="en-US" altLang="zh-CN" sz="2400" i="1">
+                                  <a:latin typeface="Cambria Math" panose="02040503050406030204" pitchFamily="18" charset="0"/>
+                                </a:rPr>
                                 <m:t>𝑣</m:t>
                               </m:r>
                             </m:e>
                             <m:sup>
                               <m:r>
-                                <a:rPr lang="en-US" altLang="zh-CN" sz="2400" i="1"/>
+                                <a:rPr lang="en-US" altLang="zh-CN" sz="2400" i="1">
+                                  <a:latin typeface="Cambria Math" panose="02040503050406030204" pitchFamily="18" charset="0"/>
+                                </a:rPr>
                                 <m:t>∗</m:t>
                               </m:r>
                             </m:sup>
                           </m:sSup>
                           <m:r>
-                            <a:rPr lang="en-US" altLang="zh-CN" sz="2400" i="1"/>
+                            <a:rPr lang="en-US" altLang="zh-CN" sz="2400" i="1">
+                              <a:latin typeface="Cambria Math" panose="02040503050406030204" pitchFamily="18" charset="0"/>
+                            </a:rPr>
                             <m:t>→</m:t>
                           </m:r>
                           <m:r>
-                            <a:rPr lang="en-US" altLang="zh-CN" sz="2400" i="1"/>
+                            <a:rPr lang="en-US" altLang="zh-CN" sz="2400" i="1">
+                              <a:latin typeface="Cambria Math" panose="02040503050406030204" pitchFamily="18" charset="0"/>
+                            </a:rPr>
                             <m:t>𝑎</m:t>
                           </m:r>
                         </m:sub>
@@ -8905,19 +9066,25 @@
                       <m:d>
                         <m:dPr>
                           <m:ctrlPr>
-                            <a:rPr lang="zh-CN" altLang="zh-CN" sz="2400" i="1"/>
+                            <a:rPr lang="zh-CN" altLang="zh-CN" sz="2400" i="1">
+                              <a:latin typeface="Cambria Math" panose="02040503050406030204" pitchFamily="18" charset="0"/>
+                            </a:rPr>
                           </m:ctrlPr>
                         </m:dPr>
                         <m:e>
                           <m:sSubSup>
                             <m:sSubSupPr>
                               <m:ctrlPr>
-                                <a:rPr lang="zh-CN" altLang="zh-CN" sz="2400" i="1"/>
+                                <a:rPr lang="zh-CN" altLang="zh-CN" sz="2400" i="1">
+                                  <a:latin typeface="Cambria Math" panose="02040503050406030204" pitchFamily="18" charset="0"/>
+                                </a:rPr>
                               </m:ctrlPr>
                             </m:sSubSupPr>
                             <m:e>
                               <m:r>
-                                <a:rPr lang="en-US" altLang="zh-CN" sz="2400" i="1"/>
+                                <a:rPr lang="en-US" altLang="zh-CN" sz="2400" i="1">
+                                  <a:latin typeface="Cambria Math" panose="02040503050406030204" pitchFamily="18" charset="0"/>
+                                </a:rPr>
                                 <m:t>𝑥</m:t>
                               </m:r>
                             </m:e>
@@ -8925,18 +9092,24 @@
                               <m:sSup>
                                 <m:sSupPr>
                                   <m:ctrlPr>
-                                    <a:rPr lang="zh-CN" altLang="zh-CN" sz="2400" i="1"/>
+                                    <a:rPr lang="zh-CN" altLang="zh-CN" sz="2400" i="1">
+                                      <a:latin typeface="Cambria Math" panose="02040503050406030204" pitchFamily="18" charset="0"/>
+                                    </a:rPr>
                                   </m:ctrlPr>
                                 </m:sSupPr>
                                 <m:e>
                                   <m:r>
-                                    <a:rPr lang="en-US" altLang="zh-CN" sz="2400" i="1"/>
+                                    <a:rPr lang="en-US" altLang="zh-CN" sz="2400" i="1">
+                                      <a:latin typeface="Cambria Math" panose="02040503050406030204" pitchFamily="18" charset="0"/>
+                                    </a:rPr>
                                     <m:t>𝑣</m:t>
                                   </m:r>
                                 </m:e>
                                 <m:sup>
                                   <m:r>
-                                    <a:rPr lang="en-US" altLang="zh-CN" sz="2400" i="1"/>
+                                    <a:rPr lang="en-US" altLang="zh-CN" sz="2400" i="1">
+                                      <a:latin typeface="Cambria Math" panose="02040503050406030204" pitchFamily="18" charset="0"/>
+                                    </a:rPr>
                                     <m:t>∗</m:t>
                                   </m:r>
                                 </m:sup>
@@ -8944,7 +9117,9 @@
                             </m:sub>
                             <m:sup>
                               <m:r>
-                                <a:rPr lang="en-US" altLang="zh-CN" sz="2400" i="1"/>
+                                <a:rPr lang="en-US" altLang="zh-CN" sz="2400" i="1">
+                                  <a:latin typeface="Cambria Math" panose="02040503050406030204" pitchFamily="18" charset="0"/>
+                                </a:rPr>
                                 <m:t>′</m:t>
                               </m:r>
                             </m:sup>
@@ -9034,7 +9209,7 @@
             </p:txBody>
           </p:sp>
         </mc:Choice>
-        <mc:Fallback>
+        <mc:Fallback xmlns="">
           <p:sp>
             <p:nvSpPr>
               <p:cNvPr id="32" name="文本框 31">
@@ -9138,8 +9313,8 @@
           </a:p>
         </p:txBody>
       </p:sp>
-      <mc:AlternateContent xmlns:mc="http://schemas.openxmlformats.org/markup-compatibility/2006">
-        <mc:Choice xmlns:a14="http://schemas.microsoft.com/office/drawing/2010/main" Requires="a14">
+      <mc:AlternateContent xmlns:mc="http://schemas.openxmlformats.org/markup-compatibility/2006" xmlns:a14="http://schemas.microsoft.com/office/drawing/2010/main">
+        <mc:Choice Requires="a14">
           <p:sp>
             <p:nvSpPr>
               <p:cNvPr id="31" name="文本框 30">
@@ -9182,6 +9357,7 @@
                               <a:solidFill>
                                 <a:srgbClr val="00B050"/>
                               </a:solidFill>
+                              <a:latin typeface="Cambria Math" panose="02040503050406030204" pitchFamily="18" charset="0"/>
                             </a:rPr>
                           </m:ctrlPr>
                         </m:sSubPr>
@@ -9191,6 +9367,7 @@
                               <a:solidFill>
                                 <a:srgbClr val="00B050"/>
                               </a:solidFill>
+                              <a:latin typeface="Cambria Math" panose="02040503050406030204" pitchFamily="18" charset="0"/>
                             </a:rPr>
                             <m:t>𝜇</m:t>
                           </m:r>
@@ -9201,6 +9378,7 @@
                               <a:solidFill>
                                 <a:srgbClr val="00B050"/>
                               </a:solidFill>
+                              <a:latin typeface="Cambria Math" panose="02040503050406030204" pitchFamily="18" charset="0"/>
                             </a:rPr>
                             <m:t>𝑣</m:t>
                           </m:r>
@@ -9209,6 +9387,7 @@
                               <a:solidFill>
                                 <a:srgbClr val="00B050"/>
                               </a:solidFill>
+                              <a:latin typeface="Cambria Math" panose="02040503050406030204" pitchFamily="18" charset="0"/>
                             </a:rPr>
                             <m:t>→</m:t>
                           </m:r>
@@ -9217,6 +9396,7 @@
                               <a:solidFill>
                                 <a:srgbClr val="00B050"/>
                               </a:solidFill>
+                              <a:latin typeface="Cambria Math" panose="02040503050406030204" pitchFamily="18" charset="0"/>
                             </a:rPr>
                             <m:t>𝑎</m:t>
                           </m:r>
@@ -9229,6 +9409,7 @@
                               <a:solidFill>
                                 <a:srgbClr val="00B050"/>
                               </a:solidFill>
+                              <a:latin typeface="Cambria Math" panose="02040503050406030204" pitchFamily="18" charset="0"/>
                             </a:rPr>
                           </m:ctrlPr>
                         </m:dPr>
@@ -9240,6 +9421,7 @@
                                   <a:solidFill>
                                     <a:srgbClr val="00B050"/>
                                   </a:solidFill>
+                                  <a:latin typeface="Cambria Math" panose="02040503050406030204" pitchFamily="18" charset="0"/>
                                 </a:rPr>
                               </m:ctrlPr>
                             </m:sSubPr>
@@ -9249,6 +9431,7 @@
                                   <a:solidFill>
                                     <a:srgbClr val="00B050"/>
                                   </a:solidFill>
+                                  <a:latin typeface="Cambria Math" panose="02040503050406030204" pitchFamily="18" charset="0"/>
                                 </a:rPr>
                                 <m:t>𝑥</m:t>
                               </m:r>
@@ -9259,6 +9442,7 @@
                                   <a:solidFill>
                                     <a:srgbClr val="00B050"/>
                                   </a:solidFill>
+                                  <a:latin typeface="Cambria Math" panose="02040503050406030204" pitchFamily="18" charset="0"/>
                                 </a:rPr>
                                 <m:t>𝑣</m:t>
                               </m:r>
@@ -9267,7 +9451,9 @@
                         </m:e>
                       </m:d>
                       <m:r>
-                        <a:rPr lang="en-US" altLang="zh-CN" sz="2400" i="1"/>
+                        <a:rPr lang="en-US" altLang="zh-CN" sz="2400" i="1">
+                          <a:latin typeface="Cambria Math" panose="02040503050406030204" pitchFamily="18" charset="0"/>
+                        </a:rPr>
                         <m:t>=</m:t>
                       </m:r>
                     </m:oMath>
@@ -9285,70 +9471,98 @@
                         <m:grow m:val="on"/>
                         <m:supHide m:val="on"/>
                         <m:ctrlPr>
-                          <a:rPr lang="zh-CN" altLang="zh-CN" sz="2400" i="1"/>
+                          <a:rPr lang="zh-CN" altLang="zh-CN" sz="2400" i="1">
+                            <a:latin typeface="Cambria Math" panose="02040503050406030204" pitchFamily="18" charset="0"/>
+                          </a:rPr>
                         </m:ctrlPr>
                       </m:naryPr>
                       <m:sub>
                         <m:sSup>
                           <m:sSupPr>
                             <m:ctrlPr>
-                              <a:rPr lang="zh-CN" altLang="zh-CN" sz="2400" i="1"/>
+                              <a:rPr lang="zh-CN" altLang="zh-CN" sz="2400" i="1">
+                                <a:latin typeface="Cambria Math" panose="02040503050406030204" pitchFamily="18" charset="0"/>
+                              </a:rPr>
                             </m:ctrlPr>
                           </m:sSupPr>
                           <m:e>
                             <m:r>
-                              <a:rPr lang="en-US" altLang="zh-CN" sz="2400" i="1"/>
+                              <a:rPr lang="en-US" altLang="zh-CN" sz="2400" i="1">
+                                <a:latin typeface="Cambria Math" panose="02040503050406030204" pitchFamily="18" charset="0"/>
+                              </a:rPr>
                               <m:t>𝑎</m:t>
                             </m:r>
                           </m:e>
                           <m:sup>
                             <m:r>
-                              <a:rPr lang="en-US" altLang="zh-CN" sz="2400" i="1"/>
+                              <a:rPr lang="en-US" altLang="zh-CN" sz="2400" i="1">
+                                <a:latin typeface="Cambria Math" panose="02040503050406030204" pitchFamily="18" charset="0"/>
+                              </a:rPr>
                               <m:t>∗</m:t>
                             </m:r>
                           </m:sup>
                         </m:sSup>
                         <m:r>
-                          <a:rPr lang="en-US" altLang="zh-CN" sz="2400" i="1"/>
+                          <a:rPr lang="en-US" altLang="zh-CN" sz="2400" i="1">
+                            <a:latin typeface="Cambria Math" panose="02040503050406030204" pitchFamily="18" charset="0"/>
+                          </a:rPr>
                           <m:t>∈</m:t>
                         </m:r>
                         <m:r>
-                          <a:rPr lang="en-US" altLang="zh-CN" sz="2400" i="1"/>
+                          <a:rPr lang="en-US" altLang="zh-CN" sz="2400" i="1">
+                            <a:latin typeface="Cambria Math" panose="02040503050406030204" pitchFamily="18" charset="0"/>
+                          </a:rPr>
                           <m:t>𝑁</m:t>
                         </m:r>
                         <m:r>
-                          <a:rPr lang="en-US" altLang="zh-CN" sz="2400" i="1"/>
+                          <a:rPr lang="en-US" altLang="zh-CN" sz="2400" i="1">
+                            <a:latin typeface="Cambria Math" panose="02040503050406030204" pitchFamily="18" charset="0"/>
+                          </a:rPr>
                           <m:t>(</m:t>
                         </m:r>
                         <m:r>
-                          <a:rPr lang="en-US" altLang="zh-CN" sz="2400" i="1"/>
+                          <a:rPr lang="en-US" altLang="zh-CN" sz="2400" i="1">
+                            <a:latin typeface="Cambria Math" panose="02040503050406030204" pitchFamily="18" charset="0"/>
+                          </a:rPr>
                           <m:t>𝑣</m:t>
                         </m:r>
                         <m:r>
-                          <a:rPr lang="en-US" altLang="zh-CN" sz="2400" i="1"/>
+                          <a:rPr lang="en-US" altLang="zh-CN" sz="2400" i="1">
+                            <a:latin typeface="Cambria Math" panose="02040503050406030204" pitchFamily="18" charset="0"/>
+                          </a:rPr>
                           <m:t>)</m:t>
                         </m:r>
                         <m:r>
-                          <a:rPr lang="en-US" altLang="zh-CN" sz="2400"/>
+                          <a:rPr lang="en-US" altLang="zh-CN" sz="2400">
+                            <a:latin typeface="Cambria Math" panose="02040503050406030204" pitchFamily="18" charset="0"/>
+                          </a:rPr>
                           <m:t>∖</m:t>
                         </m:r>
                         <m:r>
-                          <a:rPr lang="en-US" altLang="zh-CN" sz="2400" i="1"/>
+                          <a:rPr lang="en-US" altLang="zh-CN" sz="2400" i="1">
+                            <a:latin typeface="Cambria Math" panose="02040503050406030204" pitchFamily="18" charset="0"/>
+                          </a:rPr>
                           <m:t>{</m:t>
                         </m:r>
                         <m:r>
-                          <a:rPr lang="en-US" altLang="zh-CN" sz="2400" i="1"/>
+                          <a:rPr lang="en-US" altLang="zh-CN" sz="2400" i="1">
+                            <a:latin typeface="Cambria Math" panose="02040503050406030204" pitchFamily="18" charset="0"/>
+                          </a:rPr>
                           <m:t>𝑎</m:t>
                         </m:r>
                         <m:r>
-                          <a:rPr lang="en-US" altLang="zh-CN" sz="2400" i="1"/>
+                          <a:rPr lang="en-US" altLang="zh-CN" sz="2400" i="1">
+                            <a:latin typeface="Cambria Math" panose="02040503050406030204" pitchFamily="18" charset="0"/>
+                          </a:rPr>
                           <m:t>}</m:t>
                         </m:r>
                       </m:sub>
                       <m:sup/>
                       <m:e>
                         <m:r>
-                          <a:rPr lang="en-US" altLang="zh-CN" sz="2400" i="1"/>
+                          <a:rPr lang="en-US" altLang="zh-CN" sz="2400" i="1">
+                            <a:latin typeface="Cambria Math" panose="02040503050406030204" pitchFamily="18" charset="0"/>
+                          </a:rPr>
                           <m:t> </m:t>
                         </m:r>
                       </m:e>
@@ -9360,6 +9574,7 @@
                             <a:solidFill>
                               <a:srgbClr val="00B050"/>
                             </a:solidFill>
+                            <a:latin typeface="Cambria Math" panose="02040503050406030204" pitchFamily="18" charset="0"/>
                           </a:rPr>
                         </m:ctrlPr>
                       </m:sSubPr>
@@ -9369,6 +9584,7 @@
                             <a:solidFill>
                               <a:srgbClr val="00B050"/>
                             </a:solidFill>
+                            <a:latin typeface="Cambria Math" panose="02040503050406030204" pitchFamily="18" charset="0"/>
                           </a:rPr>
                           <m:t>𝜇</m:t>
                         </m:r>
@@ -9381,6 +9597,7 @@
                                 <a:solidFill>
                                   <a:srgbClr val="00B050"/>
                                 </a:solidFill>
+                                <a:latin typeface="Cambria Math" panose="02040503050406030204" pitchFamily="18" charset="0"/>
                               </a:rPr>
                             </m:ctrlPr>
                           </m:sSupPr>
@@ -9390,6 +9607,7 @@
                                 <a:solidFill>
                                   <a:srgbClr val="00B050"/>
                                 </a:solidFill>
+                                <a:latin typeface="Cambria Math" panose="02040503050406030204" pitchFamily="18" charset="0"/>
                               </a:rPr>
                               <m:t>𝑎</m:t>
                             </m:r>
@@ -9400,6 +9618,7 @@
                                 <a:solidFill>
                                   <a:srgbClr val="00B050"/>
                                 </a:solidFill>
+                                <a:latin typeface="Cambria Math" panose="02040503050406030204" pitchFamily="18" charset="0"/>
                               </a:rPr>
                               <m:t>∗</m:t>
                             </m:r>
@@ -9410,6 +9629,7 @@
                             <a:solidFill>
                               <a:srgbClr val="00B050"/>
                             </a:solidFill>
+                            <a:latin typeface="Cambria Math" panose="02040503050406030204" pitchFamily="18" charset="0"/>
                           </a:rPr>
                           <m:t>→</m:t>
                         </m:r>
@@ -9418,6 +9638,7 @@
                             <a:solidFill>
                               <a:srgbClr val="00B050"/>
                             </a:solidFill>
+                            <a:latin typeface="Cambria Math" panose="02040503050406030204" pitchFamily="18" charset="0"/>
                           </a:rPr>
                           <m:t>𝑣</m:t>
                         </m:r>
@@ -9430,6 +9651,7 @@
                             <a:solidFill>
                               <a:srgbClr val="00B050"/>
                             </a:solidFill>
+                            <a:latin typeface="Cambria Math" panose="02040503050406030204" pitchFamily="18" charset="0"/>
                           </a:rPr>
                         </m:ctrlPr>
                       </m:dPr>
@@ -9441,6 +9663,7 @@
                                 <a:solidFill>
                                   <a:srgbClr val="00B050"/>
                                 </a:solidFill>
+                                <a:latin typeface="Cambria Math" panose="02040503050406030204" pitchFamily="18" charset="0"/>
                               </a:rPr>
                             </m:ctrlPr>
                           </m:sSubPr>
@@ -9450,6 +9673,7 @@
                                 <a:solidFill>
                                   <a:srgbClr val="00B050"/>
                                 </a:solidFill>
+                                <a:latin typeface="Cambria Math" panose="02040503050406030204" pitchFamily="18" charset="0"/>
                               </a:rPr>
                               <m:t>𝑥</m:t>
                             </m:r>
@@ -9460,6 +9684,7 @@
                                 <a:solidFill>
                                   <a:srgbClr val="00B050"/>
                                 </a:solidFill>
+                                <a:latin typeface="Cambria Math" panose="02040503050406030204" pitchFamily="18" charset="0"/>
                               </a:rPr>
                               <m:t>𝑣</m:t>
                             </m:r>
@@ -9552,7 +9777,7 @@
             </p:txBody>
           </p:sp>
         </mc:Choice>
-        <mc:Fallback>
+        <mc:Fallback xmlns="">
           <p:sp>
             <p:nvSpPr>
               <p:cNvPr id="31" name="文本框 30">
@@ -9597,8 +9822,8 @@
           </p:sp>
         </mc:Fallback>
       </mc:AlternateContent>
-      <mc:AlternateContent xmlns:mc="http://schemas.openxmlformats.org/markup-compatibility/2006">
-        <mc:Choice xmlns:a14="http://schemas.microsoft.com/office/drawing/2010/main" Requires="a14">
+      <mc:AlternateContent xmlns:mc="http://schemas.openxmlformats.org/markup-compatibility/2006" xmlns:a14="http://schemas.microsoft.com/office/drawing/2010/main">
+        <mc:Choice Requires="a14">
           <p:sp>
             <p:nvSpPr>
               <p:cNvPr id="63" name="文本框 62">
@@ -9641,6 +9866,7 @@
                               <a:solidFill>
                                 <a:srgbClr val="FF0000"/>
                               </a:solidFill>
+                              <a:latin typeface="Cambria Math" panose="02040503050406030204" pitchFamily="18" charset="0"/>
                             </a:rPr>
                           </m:ctrlPr>
                         </m:sSubPr>
@@ -9650,6 +9876,7 @@
                               <a:solidFill>
                                 <a:srgbClr val="FF0000"/>
                               </a:solidFill>
+                              <a:latin typeface="Cambria Math" panose="02040503050406030204" pitchFamily="18" charset="0"/>
                             </a:rPr>
                             <m:t>𝜇</m:t>
                           </m:r>
@@ -9660,6 +9887,7 @@
                               <a:solidFill>
                                 <a:srgbClr val="FF0000"/>
                               </a:solidFill>
+                              <a:latin typeface="Cambria Math" panose="02040503050406030204" pitchFamily="18" charset="0"/>
                             </a:rPr>
                             <m:t>𝑎</m:t>
                           </m:r>
@@ -9668,6 +9896,7 @@
                               <a:solidFill>
                                 <a:srgbClr val="FF0000"/>
                               </a:solidFill>
+                              <a:latin typeface="Cambria Math" panose="02040503050406030204" pitchFamily="18" charset="0"/>
                             </a:rPr>
                             <m:t>→</m:t>
                           </m:r>
@@ -9676,6 +9905,7 @@
                               <a:solidFill>
                                 <a:srgbClr val="FF0000"/>
                               </a:solidFill>
+                              <a:latin typeface="Cambria Math" panose="02040503050406030204" pitchFamily="18" charset="0"/>
                             </a:rPr>
                             <m:t>𝑣</m:t>
                           </m:r>
@@ -9688,6 +9918,7 @@
                               <a:solidFill>
                                 <a:srgbClr val="FF0000"/>
                               </a:solidFill>
+                              <a:latin typeface="Cambria Math" panose="02040503050406030204" pitchFamily="18" charset="0"/>
                             </a:rPr>
                           </m:ctrlPr>
                         </m:dPr>
@@ -9699,6 +9930,7 @@
                                   <a:solidFill>
                                     <a:srgbClr val="FF0000"/>
                                   </a:solidFill>
+                                  <a:latin typeface="Cambria Math" panose="02040503050406030204" pitchFamily="18" charset="0"/>
                                 </a:rPr>
                               </m:ctrlPr>
                             </m:sSubPr>
@@ -9708,6 +9940,7 @@
                                   <a:solidFill>
                                     <a:srgbClr val="FF0000"/>
                                   </a:solidFill>
+                                  <a:latin typeface="Cambria Math" panose="02040503050406030204" pitchFamily="18" charset="0"/>
                                 </a:rPr>
                                 <m:t>𝑥</m:t>
                               </m:r>
@@ -9718,6 +9951,7 @@
                                   <a:solidFill>
                                     <a:srgbClr val="FF0000"/>
                                   </a:solidFill>
+                                  <a:latin typeface="Cambria Math" panose="02040503050406030204" pitchFamily="18" charset="0"/>
                                 </a:rPr>
                                 <m:t>𝑣</m:t>
                               </m:r>
@@ -9726,7 +9960,9 @@
                         </m:e>
                       </m:d>
                       <m:r>
-                        <a:rPr lang="en-US" altLang="zh-CN" sz="2400" i="1"/>
+                        <a:rPr lang="en-US" altLang="zh-CN" sz="2400" i="1">
+                          <a:latin typeface="Cambria Math" panose="02040503050406030204" pitchFamily="18" charset="0"/>
+                        </a:rPr>
                         <m:t>=</m:t>
                       </m:r>
                     </m:oMath>
@@ -9945,70 +10181,98 @@
                           <m:grow m:val="on"/>
                           <m:supHide m:val="on"/>
                           <m:ctrlPr>
-                            <a:rPr lang="zh-CN" altLang="zh-CN" sz="2400" i="1"/>
+                            <a:rPr lang="zh-CN" altLang="zh-CN" sz="2400" i="1">
+                              <a:latin typeface="Cambria Math" panose="02040503050406030204" pitchFamily="18" charset="0"/>
+                            </a:rPr>
                           </m:ctrlPr>
                         </m:naryPr>
                         <m:sub>
                           <m:sSup>
                             <m:sSupPr>
                               <m:ctrlPr>
-                                <a:rPr lang="zh-CN" altLang="zh-CN" sz="2400" i="1"/>
+                                <a:rPr lang="zh-CN" altLang="zh-CN" sz="2400" i="1">
+                                  <a:latin typeface="Cambria Math" panose="02040503050406030204" pitchFamily="18" charset="0"/>
+                                </a:rPr>
                               </m:ctrlPr>
                             </m:sSupPr>
                             <m:e>
                               <m:r>
-                                <a:rPr lang="en-US" altLang="zh-CN" sz="2400" i="1"/>
+                                <a:rPr lang="en-US" altLang="zh-CN" sz="2400" i="1">
+                                  <a:latin typeface="Cambria Math" panose="02040503050406030204" pitchFamily="18" charset="0"/>
+                                </a:rPr>
                                 <m:t>𝑣</m:t>
                               </m:r>
                             </m:e>
                             <m:sup>
                               <m:r>
-                                <a:rPr lang="en-US" altLang="zh-CN" sz="2400" i="1"/>
+                                <a:rPr lang="en-US" altLang="zh-CN" sz="2400" i="1">
+                                  <a:latin typeface="Cambria Math" panose="02040503050406030204" pitchFamily="18" charset="0"/>
+                                </a:rPr>
                                 <m:t>∗</m:t>
                               </m:r>
                             </m:sup>
                           </m:sSup>
                           <m:r>
-                            <a:rPr lang="en-US" altLang="zh-CN" sz="2400" i="1"/>
+                            <a:rPr lang="en-US" altLang="zh-CN" sz="2400" i="1">
+                              <a:latin typeface="Cambria Math" panose="02040503050406030204" pitchFamily="18" charset="0"/>
+                            </a:rPr>
                             <m:t>∈</m:t>
                           </m:r>
                           <m:r>
-                            <a:rPr lang="en-US" altLang="zh-CN" sz="2400" i="1"/>
+                            <a:rPr lang="en-US" altLang="zh-CN" sz="2400" i="1">
+                              <a:latin typeface="Cambria Math" panose="02040503050406030204" pitchFamily="18" charset="0"/>
+                            </a:rPr>
                             <m:t>𝑁</m:t>
                           </m:r>
                           <m:r>
-                            <a:rPr lang="en-US" altLang="zh-CN" sz="2400" i="1"/>
+                            <a:rPr lang="en-US" altLang="zh-CN" sz="2400" i="1">
+                              <a:latin typeface="Cambria Math" panose="02040503050406030204" pitchFamily="18" charset="0"/>
+                            </a:rPr>
                             <m:t>(</m:t>
                           </m:r>
                           <m:r>
-                            <a:rPr lang="en-US" altLang="zh-CN" sz="2400" i="1"/>
+                            <a:rPr lang="en-US" altLang="zh-CN" sz="2400" i="1">
+                              <a:latin typeface="Cambria Math" panose="02040503050406030204" pitchFamily="18" charset="0"/>
+                            </a:rPr>
                             <m:t>𝑎</m:t>
                           </m:r>
                           <m:r>
-                            <a:rPr lang="en-US" altLang="zh-CN" sz="2400" i="1"/>
+                            <a:rPr lang="en-US" altLang="zh-CN" sz="2400" i="1">
+                              <a:latin typeface="Cambria Math" panose="02040503050406030204" pitchFamily="18" charset="0"/>
+                            </a:rPr>
                             <m:t>)</m:t>
                           </m:r>
                           <m:r>
-                            <a:rPr lang="en-US" altLang="zh-CN" sz="2400"/>
+                            <a:rPr lang="en-US" altLang="zh-CN" sz="2400">
+                              <a:latin typeface="Cambria Math" panose="02040503050406030204" pitchFamily="18" charset="0"/>
+                            </a:rPr>
                             <m:t>∖</m:t>
                           </m:r>
                           <m:r>
-                            <a:rPr lang="en-US" altLang="zh-CN" sz="2400" i="1"/>
+                            <a:rPr lang="en-US" altLang="zh-CN" sz="2400" i="1">
+                              <a:latin typeface="Cambria Math" panose="02040503050406030204" pitchFamily="18" charset="0"/>
+                            </a:rPr>
                             <m:t>{</m:t>
                           </m:r>
                           <m:r>
-                            <a:rPr lang="en-US" altLang="zh-CN" sz="2400" i="1"/>
+                            <a:rPr lang="en-US" altLang="zh-CN" sz="2400" i="1">
+                              <a:latin typeface="Cambria Math" panose="02040503050406030204" pitchFamily="18" charset="0"/>
+                            </a:rPr>
                             <m:t>𝑣</m:t>
                           </m:r>
                           <m:r>
-                            <a:rPr lang="en-US" altLang="zh-CN" sz="2400" i="1"/>
+                            <a:rPr lang="en-US" altLang="zh-CN" sz="2400" i="1">
+                              <a:latin typeface="Cambria Math" panose="02040503050406030204" pitchFamily="18" charset="0"/>
+                            </a:rPr>
                             <m:t>}</m:t>
                           </m:r>
                         </m:sub>
                         <m:sup/>
                         <m:e>
                           <m:r>
-                            <a:rPr lang="en-US" altLang="zh-CN" sz="2400" i="1"/>
+                            <a:rPr lang="en-US" altLang="zh-CN" sz="2400" i="1">
+                              <a:latin typeface="Cambria Math" panose="02040503050406030204" pitchFamily="18" charset="0"/>
+                            </a:rPr>
                             <m:t> </m:t>
                           </m:r>
                         </m:e>
@@ -10020,6 +10284,7 @@
                               <a:solidFill>
                                 <a:srgbClr val="FF0000"/>
                               </a:solidFill>
+                              <a:latin typeface="Cambria Math" panose="02040503050406030204" pitchFamily="18" charset="0"/>
                             </a:rPr>
                           </m:ctrlPr>
                         </m:sSubPr>
@@ -10029,6 +10294,7 @@
                               <a:solidFill>
                                 <a:srgbClr val="FF0000"/>
                               </a:solidFill>
+                              <a:latin typeface="Cambria Math" panose="02040503050406030204" pitchFamily="18" charset="0"/>
                             </a:rPr>
                             <m:t>𝜇</m:t>
                           </m:r>
@@ -10041,6 +10307,7 @@
                                   <a:solidFill>
                                     <a:srgbClr val="FF0000"/>
                                   </a:solidFill>
+                                  <a:latin typeface="Cambria Math" panose="02040503050406030204" pitchFamily="18" charset="0"/>
                                 </a:rPr>
                               </m:ctrlPr>
                             </m:sSupPr>
@@ -10050,6 +10317,7 @@
                                   <a:solidFill>
                                     <a:srgbClr val="FF0000"/>
                                   </a:solidFill>
+                                  <a:latin typeface="Cambria Math" panose="02040503050406030204" pitchFamily="18" charset="0"/>
                                 </a:rPr>
                                 <m:t>𝑣</m:t>
                               </m:r>
@@ -10060,6 +10328,7 @@
                                   <a:solidFill>
                                     <a:srgbClr val="FF0000"/>
                                   </a:solidFill>
+                                  <a:latin typeface="Cambria Math" panose="02040503050406030204" pitchFamily="18" charset="0"/>
                                 </a:rPr>
                                 <m:t>∗</m:t>
                               </m:r>
@@ -10070,6 +10339,7 @@
                               <a:solidFill>
                                 <a:srgbClr val="FF0000"/>
                               </a:solidFill>
+                              <a:latin typeface="Cambria Math" panose="02040503050406030204" pitchFamily="18" charset="0"/>
                             </a:rPr>
                             <m:t>→</m:t>
                           </m:r>
@@ -10078,6 +10348,7 @@
                               <a:solidFill>
                                 <a:srgbClr val="FF0000"/>
                               </a:solidFill>
+                              <a:latin typeface="Cambria Math" panose="02040503050406030204" pitchFamily="18" charset="0"/>
                             </a:rPr>
                             <m:t>𝑎</m:t>
                           </m:r>
@@ -10090,6 +10361,7 @@
                               <a:solidFill>
                                 <a:srgbClr val="FF0000"/>
                               </a:solidFill>
+                              <a:latin typeface="Cambria Math" panose="02040503050406030204" pitchFamily="18" charset="0"/>
                             </a:rPr>
                           </m:ctrlPr>
                         </m:dPr>
@@ -10101,6 +10373,7 @@
                                   <a:solidFill>
                                     <a:srgbClr val="FF0000"/>
                                   </a:solidFill>
+                                  <a:latin typeface="Cambria Math" panose="02040503050406030204" pitchFamily="18" charset="0"/>
                                 </a:rPr>
                               </m:ctrlPr>
                             </m:sSubSupPr>
@@ -10110,6 +10383,7 @@
                                   <a:solidFill>
                                     <a:srgbClr val="FF0000"/>
                                   </a:solidFill>
+                                  <a:latin typeface="Cambria Math" panose="02040503050406030204" pitchFamily="18" charset="0"/>
                                 </a:rPr>
                                 <m:t>𝑥</m:t>
                               </m:r>
@@ -10122,6 +10396,7 @@
                                       <a:solidFill>
                                         <a:srgbClr val="FF0000"/>
                                       </a:solidFill>
+                                      <a:latin typeface="Cambria Math" panose="02040503050406030204" pitchFamily="18" charset="0"/>
                                     </a:rPr>
                                   </m:ctrlPr>
                                 </m:sSupPr>
@@ -10131,6 +10406,7 @@
                                       <a:solidFill>
                                         <a:srgbClr val="FF0000"/>
                                       </a:solidFill>
+                                      <a:latin typeface="Cambria Math" panose="02040503050406030204" pitchFamily="18" charset="0"/>
                                     </a:rPr>
                                     <m:t>𝑣</m:t>
                                   </m:r>
@@ -10141,6 +10417,7 @@
                                       <a:solidFill>
                                         <a:srgbClr val="FF0000"/>
                                       </a:solidFill>
+                                      <a:latin typeface="Cambria Math" panose="02040503050406030204" pitchFamily="18" charset="0"/>
                                     </a:rPr>
                                     <m:t>∗</m:t>
                                   </m:r>
@@ -10153,6 +10430,7 @@
                                   <a:solidFill>
                                     <a:srgbClr val="FF0000"/>
                                   </a:solidFill>
+                                  <a:latin typeface="Cambria Math" panose="02040503050406030204" pitchFamily="18" charset="0"/>
                                 </a:rPr>
                                 <m:t>′</m:t>
                               </m:r>
@@ -10249,7 +10527,7 @@
             </p:txBody>
           </p:sp>
         </mc:Choice>
-        <mc:Fallback>
+        <mc:Fallback xmlns="">
           <p:sp>
             <p:nvSpPr>
               <p:cNvPr id="63" name="文本框 62">
@@ -10503,8 +10781,8 @@
                 </a:fontRef>
               </p:style>
             </p:cxnSp>
-            <mc:AlternateContent xmlns:mc="http://schemas.openxmlformats.org/markup-compatibility/2006">
-              <mc:Choice xmlns:a14="http://schemas.microsoft.com/office/drawing/2010/main" Requires="a14">
+            <mc:AlternateContent xmlns:mc="http://schemas.openxmlformats.org/markup-compatibility/2006" xmlns:a14="http://schemas.microsoft.com/office/drawing/2010/main">
+              <mc:Choice Requires="a14">
                 <p:sp>
                   <p:nvSpPr>
                     <p:cNvPr id="7" name="文本框 6">
@@ -10554,7 +10832,7 @@
                   </p:txBody>
                 </p:sp>
               </mc:Choice>
-              <mc:Fallback>
+              <mc:Fallback xmlns="">
                 <p:sp>
                   <p:nvSpPr>
                     <p:cNvPr id="7" name="文本框 6">
@@ -10599,8 +10877,8 @@
                 </p:sp>
               </mc:Fallback>
             </mc:AlternateContent>
-            <mc:AlternateContent xmlns:mc="http://schemas.openxmlformats.org/markup-compatibility/2006">
-              <mc:Choice xmlns:a14="http://schemas.microsoft.com/office/drawing/2010/main" Requires="a14">
+            <mc:AlternateContent xmlns:mc="http://schemas.openxmlformats.org/markup-compatibility/2006" xmlns:a14="http://schemas.microsoft.com/office/drawing/2010/main">
+              <mc:Choice Requires="a14">
                 <p:sp>
                   <p:nvSpPr>
                     <p:cNvPr id="8" name="文本框 7">
@@ -10650,7 +10928,7 @@
                   </p:txBody>
                 </p:sp>
               </mc:Choice>
-              <mc:Fallback>
+              <mc:Fallback xmlns="">
                 <p:sp>
                   <p:nvSpPr>
                     <p:cNvPr id="8" name="文本框 7">
@@ -10738,8 +11016,8 @@
                 </a:fontRef>
               </p:style>
             </p:cxnSp>
-            <mc:AlternateContent xmlns:mc="http://schemas.openxmlformats.org/markup-compatibility/2006">
-              <mc:Choice xmlns:a14="http://schemas.microsoft.com/office/drawing/2010/main" Requires="a14">
+            <mc:AlternateContent xmlns:mc="http://schemas.openxmlformats.org/markup-compatibility/2006" xmlns:a14="http://schemas.microsoft.com/office/drawing/2010/main">
+              <mc:Choice Requires="a14">
                 <p:sp>
                   <p:nvSpPr>
                     <p:cNvPr id="10" name="文本框 9">
@@ -10839,7 +11117,7 @@
                   </p:txBody>
                 </p:sp>
               </mc:Choice>
-              <mc:Fallback>
+              <mc:Fallback xmlns="">
                 <p:sp>
                   <p:nvSpPr>
                     <p:cNvPr id="10" name="文本框 9">
@@ -10884,8 +11162,8 @@
                 </p:sp>
               </mc:Fallback>
             </mc:AlternateContent>
-            <mc:AlternateContent xmlns:mc="http://schemas.openxmlformats.org/markup-compatibility/2006">
-              <mc:Choice xmlns:a14="http://schemas.microsoft.com/office/drawing/2010/main" Requires="a14">
+            <mc:AlternateContent xmlns:mc="http://schemas.openxmlformats.org/markup-compatibility/2006" xmlns:a14="http://schemas.microsoft.com/office/drawing/2010/main">
+              <mc:Choice Requires="a14">
                 <p:sp>
                   <p:nvSpPr>
                     <p:cNvPr id="11" name="文本框 10">
@@ -10985,7 +11263,7 @@
                   </p:txBody>
                 </p:sp>
               </mc:Choice>
-              <mc:Fallback>
+              <mc:Fallback xmlns="">
                 <p:sp>
                   <p:nvSpPr>
                     <p:cNvPr id="11" name="文本框 10">
@@ -11184,8 +11462,8 @@
                 </a:p>
               </p:txBody>
             </p:sp>
-            <mc:AlternateContent xmlns:mc="http://schemas.openxmlformats.org/markup-compatibility/2006">
-              <mc:Choice xmlns:a14="http://schemas.microsoft.com/office/drawing/2010/main" Requires="a14">
+            <mc:AlternateContent xmlns:mc="http://schemas.openxmlformats.org/markup-compatibility/2006" xmlns:a14="http://schemas.microsoft.com/office/drawing/2010/main">
+              <mc:Choice Requires="a14">
                 <p:sp>
                   <p:nvSpPr>
                     <p:cNvPr id="17" name="文本框 16">
@@ -11262,7 +11540,7 @@
                   </p:txBody>
                 </p:sp>
               </mc:Choice>
-              <mc:Fallback>
+              <mc:Fallback xmlns="">
                 <p:sp>
                   <p:nvSpPr>
                     <p:cNvPr id="17" name="文本框 16">
@@ -11380,8 +11658,8 @@
                 </a:p>
               </p:txBody>
             </p:sp>
-            <mc:AlternateContent xmlns:mc="http://schemas.openxmlformats.org/markup-compatibility/2006">
-              <mc:Choice xmlns:a14="http://schemas.microsoft.com/office/drawing/2010/main" Requires="a14">
+            <mc:AlternateContent xmlns:mc="http://schemas.openxmlformats.org/markup-compatibility/2006" xmlns:a14="http://schemas.microsoft.com/office/drawing/2010/main">
+              <mc:Choice Requires="a14">
                 <p:sp>
                   <p:nvSpPr>
                     <p:cNvPr id="21" name="文本框 20">
@@ -11458,7 +11736,7 @@
                   </p:txBody>
                 </p:sp>
               </mc:Choice>
-              <mc:Fallback>
+              <mc:Fallback xmlns="">
                 <p:sp>
                   <p:nvSpPr>
                     <p:cNvPr id="21" name="文本框 20">
@@ -11596,8 +11874,8 @@
               </a:fontRef>
             </p:style>
           </p:cxnSp>
-          <mc:AlternateContent xmlns:mc="http://schemas.openxmlformats.org/markup-compatibility/2006">
-            <mc:Choice xmlns:a14="http://schemas.microsoft.com/office/drawing/2010/main" Requires="a14">
+          <mc:AlternateContent xmlns:mc="http://schemas.openxmlformats.org/markup-compatibility/2006" xmlns:a14="http://schemas.microsoft.com/office/drawing/2010/main">
+            <mc:Choice Requires="a14">
               <p:sp>
                 <p:nvSpPr>
                   <p:cNvPr id="33" name="文本框 32">
@@ -11722,7 +12000,7 @@
                 </p:txBody>
               </p:sp>
             </mc:Choice>
-            <mc:Fallback>
+            <mc:Fallback xmlns="">
               <p:sp>
                 <p:nvSpPr>
                   <p:cNvPr id="33" name="文本框 32">
@@ -11884,8 +12162,8 @@
                 </a:p>
               </p:txBody>
             </p:sp>
-            <mc:AlternateContent xmlns:mc="http://schemas.openxmlformats.org/markup-compatibility/2006">
-              <mc:Choice xmlns:a14="http://schemas.microsoft.com/office/drawing/2010/main" Requires="a14">
+            <mc:AlternateContent xmlns:mc="http://schemas.openxmlformats.org/markup-compatibility/2006" xmlns:a14="http://schemas.microsoft.com/office/drawing/2010/main">
+              <mc:Choice Requires="a14">
                 <p:sp>
                   <p:nvSpPr>
                     <p:cNvPr id="45" name="文本框 44">
@@ -11962,7 +12240,7 @@
                   </p:txBody>
                 </p:sp>
               </mc:Choice>
-              <mc:Fallback>
+              <mc:Fallback xmlns="">
                 <p:sp>
                   <p:nvSpPr>
                     <p:cNvPr id="45" name="文本框 44">
@@ -12080,8 +12358,8 @@
                 </a:p>
               </p:txBody>
             </p:sp>
-            <mc:AlternateContent xmlns:mc="http://schemas.openxmlformats.org/markup-compatibility/2006">
-              <mc:Choice xmlns:a14="http://schemas.microsoft.com/office/drawing/2010/main" Requires="a14">
+            <mc:AlternateContent xmlns:mc="http://schemas.openxmlformats.org/markup-compatibility/2006" xmlns:a14="http://schemas.microsoft.com/office/drawing/2010/main">
+              <mc:Choice Requires="a14">
                 <p:sp>
                   <p:nvSpPr>
                     <p:cNvPr id="47" name="文本框 46">
@@ -12158,7 +12436,7 @@
                   </p:txBody>
                 </p:sp>
               </mc:Choice>
-              <mc:Fallback>
+              <mc:Fallback xmlns="">
                 <p:sp>
                   <p:nvSpPr>
                     <p:cNvPr id="47" name="文本框 46">
@@ -12341,8 +12619,8 @@
               </a:fontRef>
             </p:style>
           </p:cxnSp>
-          <mc:AlternateContent xmlns:mc="http://schemas.openxmlformats.org/markup-compatibility/2006">
-            <mc:Choice xmlns:a14="http://schemas.microsoft.com/office/drawing/2010/main" Requires="a14">
+          <mc:AlternateContent xmlns:mc="http://schemas.openxmlformats.org/markup-compatibility/2006" xmlns:a14="http://schemas.microsoft.com/office/drawing/2010/main">
+            <mc:Choice Requires="a14">
               <p:sp>
                 <p:nvSpPr>
                   <p:cNvPr id="61" name="文本框 60">
@@ -12467,7 +12745,7 @@
                 </p:txBody>
               </p:sp>
             </mc:Choice>
-            <mc:Fallback>
+            <mc:Fallback xmlns="">
               <p:sp>
                 <p:nvSpPr>
                   <p:cNvPr id="61" name="文本框 60">
@@ -12604,8 +12882,8 @@
           </p:style>
         </p:cxnSp>
       </p:grpSp>
-      <mc:AlternateContent xmlns:mc="http://schemas.openxmlformats.org/markup-compatibility/2006">
-        <mc:Choice xmlns:a14="http://schemas.microsoft.com/office/drawing/2010/main" Requires="a14">
+      <mc:AlternateContent xmlns:mc="http://schemas.openxmlformats.org/markup-compatibility/2006" xmlns:a14="http://schemas.microsoft.com/office/drawing/2010/main">
+        <mc:Choice Requires="a14">
           <p:sp>
             <p:nvSpPr>
               <p:cNvPr id="69" name="文本框 68">
@@ -12724,7 +13002,7 @@
             </p:txBody>
           </p:sp>
         </mc:Choice>
-        <mc:Fallback>
+        <mc:Fallback xmlns="">
           <p:sp>
             <p:nvSpPr>
               <p:cNvPr id="69" name="文本框 68">
@@ -12769,8 +13047,8 @@
           </p:sp>
         </mc:Fallback>
       </mc:AlternateContent>
-      <mc:AlternateContent xmlns:mc="http://schemas.openxmlformats.org/markup-compatibility/2006">
-        <mc:Choice xmlns:a14="http://schemas.microsoft.com/office/drawing/2010/main" Requires="a14">
+      <mc:AlternateContent xmlns:mc="http://schemas.openxmlformats.org/markup-compatibility/2006" xmlns:a14="http://schemas.microsoft.com/office/drawing/2010/main">
+        <mc:Choice Requires="a14">
           <p:sp>
             <p:nvSpPr>
               <p:cNvPr id="70" name="文本框 69">
@@ -12871,7 +13149,7 @@
             </p:txBody>
           </p:sp>
         </mc:Choice>
-        <mc:Fallback>
+        <mc:Fallback xmlns="">
           <p:sp>
             <p:nvSpPr>
               <p:cNvPr id="70" name="文本框 69">
@@ -13142,8 +13420,8 @@
           </a:p>
         </p:txBody>
       </p:sp>
-      <mc:AlternateContent xmlns:mc="http://schemas.openxmlformats.org/markup-compatibility/2006">
-        <mc:Choice xmlns:a14="http://schemas.microsoft.com/office/drawing/2010/main" Requires="a14">
+      <mc:AlternateContent xmlns:mc="http://schemas.openxmlformats.org/markup-compatibility/2006" xmlns:a14="http://schemas.microsoft.com/office/drawing/2010/main">
+        <mc:Choice Requires="a14">
           <p:sp>
             <p:nvSpPr>
               <p:cNvPr id="31" name="文本框 30">
@@ -13186,6 +13464,7 @@
                               <a:solidFill>
                                 <a:srgbClr val="00B050"/>
                               </a:solidFill>
+                              <a:latin typeface="Cambria Math" panose="02040503050406030204" pitchFamily="18" charset="0"/>
                             </a:rPr>
                           </m:ctrlPr>
                         </m:sSubPr>
@@ -13195,6 +13474,7 @@
                               <a:solidFill>
                                 <a:srgbClr val="00B050"/>
                               </a:solidFill>
+                              <a:latin typeface="Cambria Math" panose="02040503050406030204" pitchFamily="18" charset="0"/>
                             </a:rPr>
                             <m:t>𝜇</m:t>
                           </m:r>
@@ -13205,6 +13485,7 @@
                               <a:solidFill>
                                 <a:srgbClr val="00B050"/>
                               </a:solidFill>
+                              <a:latin typeface="Cambria Math" panose="02040503050406030204" pitchFamily="18" charset="0"/>
                             </a:rPr>
                             <m:t>𝑣</m:t>
                           </m:r>
@@ -13213,6 +13494,7 @@
                               <a:solidFill>
                                 <a:srgbClr val="00B050"/>
                               </a:solidFill>
+                              <a:latin typeface="Cambria Math" panose="02040503050406030204" pitchFamily="18" charset="0"/>
                             </a:rPr>
                             <m:t>→</m:t>
                           </m:r>
@@ -13221,6 +13503,7 @@
                               <a:solidFill>
                                 <a:srgbClr val="00B050"/>
                               </a:solidFill>
+                              <a:latin typeface="Cambria Math" panose="02040503050406030204" pitchFamily="18" charset="0"/>
                             </a:rPr>
                             <m:t>𝑎</m:t>
                           </m:r>
@@ -13233,6 +13516,7 @@
                               <a:solidFill>
                                 <a:srgbClr val="00B050"/>
                               </a:solidFill>
+                              <a:latin typeface="Cambria Math" panose="02040503050406030204" pitchFamily="18" charset="0"/>
                             </a:rPr>
                           </m:ctrlPr>
                         </m:dPr>
@@ -13244,6 +13528,7 @@
                                   <a:solidFill>
                                     <a:srgbClr val="00B050"/>
                                   </a:solidFill>
+                                  <a:latin typeface="Cambria Math" panose="02040503050406030204" pitchFamily="18" charset="0"/>
                                 </a:rPr>
                               </m:ctrlPr>
                             </m:sSubPr>
@@ -13253,6 +13538,7 @@
                                   <a:solidFill>
                                     <a:srgbClr val="00B050"/>
                                   </a:solidFill>
+                                  <a:latin typeface="Cambria Math" panose="02040503050406030204" pitchFamily="18" charset="0"/>
                                 </a:rPr>
                                 <m:t>𝑥</m:t>
                               </m:r>
@@ -13263,6 +13549,7 @@
                                   <a:solidFill>
                                     <a:srgbClr val="00B050"/>
                                   </a:solidFill>
+                                  <a:latin typeface="Cambria Math" panose="02040503050406030204" pitchFamily="18" charset="0"/>
                                 </a:rPr>
                                 <m:t>𝑣</m:t>
                               </m:r>
@@ -13271,7 +13558,9 @@
                         </m:e>
                       </m:d>
                       <m:r>
-                        <a:rPr lang="en-US" altLang="zh-CN" sz="2400" i="1"/>
+                        <a:rPr lang="en-US" altLang="zh-CN" sz="2400" i="1">
+                          <a:latin typeface="Cambria Math" panose="02040503050406030204" pitchFamily="18" charset="0"/>
+                        </a:rPr>
                         <m:t>=</m:t>
                       </m:r>
                     </m:oMath>
@@ -13289,70 +13578,98 @@
                         <m:grow m:val="on"/>
                         <m:supHide m:val="on"/>
                         <m:ctrlPr>
-                          <a:rPr lang="zh-CN" altLang="zh-CN" sz="2400" i="1"/>
+                          <a:rPr lang="zh-CN" altLang="zh-CN" sz="2400" i="1">
+                            <a:latin typeface="Cambria Math" panose="02040503050406030204" pitchFamily="18" charset="0"/>
+                          </a:rPr>
                         </m:ctrlPr>
                       </m:naryPr>
                       <m:sub>
                         <m:sSup>
                           <m:sSupPr>
                             <m:ctrlPr>
-                              <a:rPr lang="zh-CN" altLang="zh-CN" sz="2400" i="1"/>
+                              <a:rPr lang="zh-CN" altLang="zh-CN" sz="2400" i="1">
+                                <a:latin typeface="Cambria Math" panose="02040503050406030204" pitchFamily="18" charset="0"/>
+                              </a:rPr>
                             </m:ctrlPr>
                           </m:sSupPr>
                           <m:e>
                             <m:r>
-                              <a:rPr lang="en-US" altLang="zh-CN" sz="2400" i="1"/>
+                              <a:rPr lang="en-US" altLang="zh-CN" sz="2400" i="1">
+                                <a:latin typeface="Cambria Math" panose="02040503050406030204" pitchFamily="18" charset="0"/>
+                              </a:rPr>
                               <m:t>𝑎</m:t>
                             </m:r>
                           </m:e>
                           <m:sup>
                             <m:r>
-                              <a:rPr lang="en-US" altLang="zh-CN" sz="2400" i="1"/>
+                              <a:rPr lang="en-US" altLang="zh-CN" sz="2400" i="1">
+                                <a:latin typeface="Cambria Math" panose="02040503050406030204" pitchFamily="18" charset="0"/>
+                              </a:rPr>
                               <m:t>∗</m:t>
                             </m:r>
                           </m:sup>
                         </m:sSup>
                         <m:r>
-                          <a:rPr lang="en-US" altLang="zh-CN" sz="2400" i="1"/>
+                          <a:rPr lang="en-US" altLang="zh-CN" sz="2400" i="1">
+                            <a:latin typeface="Cambria Math" panose="02040503050406030204" pitchFamily="18" charset="0"/>
+                          </a:rPr>
                           <m:t>∈</m:t>
                         </m:r>
                         <m:r>
-                          <a:rPr lang="en-US" altLang="zh-CN" sz="2400" i="1"/>
+                          <a:rPr lang="en-US" altLang="zh-CN" sz="2400" i="1">
+                            <a:latin typeface="Cambria Math" panose="02040503050406030204" pitchFamily="18" charset="0"/>
+                          </a:rPr>
                           <m:t>𝑁</m:t>
                         </m:r>
                         <m:r>
-                          <a:rPr lang="en-US" altLang="zh-CN" sz="2400" i="1"/>
+                          <a:rPr lang="en-US" altLang="zh-CN" sz="2400" i="1">
+                            <a:latin typeface="Cambria Math" panose="02040503050406030204" pitchFamily="18" charset="0"/>
+                          </a:rPr>
                           <m:t>(</m:t>
                         </m:r>
                         <m:r>
-                          <a:rPr lang="en-US" altLang="zh-CN" sz="2400" i="1"/>
+                          <a:rPr lang="en-US" altLang="zh-CN" sz="2400" i="1">
+                            <a:latin typeface="Cambria Math" panose="02040503050406030204" pitchFamily="18" charset="0"/>
+                          </a:rPr>
                           <m:t>𝑣</m:t>
                         </m:r>
                         <m:r>
-                          <a:rPr lang="en-US" altLang="zh-CN" sz="2400" i="1"/>
+                          <a:rPr lang="en-US" altLang="zh-CN" sz="2400" i="1">
+                            <a:latin typeface="Cambria Math" panose="02040503050406030204" pitchFamily="18" charset="0"/>
+                          </a:rPr>
                           <m:t>)</m:t>
                         </m:r>
                         <m:r>
-                          <a:rPr lang="en-US" altLang="zh-CN" sz="2400"/>
+                          <a:rPr lang="en-US" altLang="zh-CN" sz="2400">
+                            <a:latin typeface="Cambria Math" panose="02040503050406030204" pitchFamily="18" charset="0"/>
+                          </a:rPr>
                           <m:t>∖</m:t>
                         </m:r>
                         <m:r>
-                          <a:rPr lang="en-US" altLang="zh-CN" sz="2400" i="1"/>
+                          <a:rPr lang="en-US" altLang="zh-CN" sz="2400" i="1">
+                            <a:latin typeface="Cambria Math" panose="02040503050406030204" pitchFamily="18" charset="0"/>
+                          </a:rPr>
                           <m:t>{</m:t>
                         </m:r>
                         <m:r>
-                          <a:rPr lang="en-US" altLang="zh-CN" sz="2400" i="1"/>
+                          <a:rPr lang="en-US" altLang="zh-CN" sz="2400" i="1">
+                            <a:latin typeface="Cambria Math" panose="02040503050406030204" pitchFamily="18" charset="0"/>
+                          </a:rPr>
                           <m:t>𝑎</m:t>
                         </m:r>
                         <m:r>
-                          <a:rPr lang="en-US" altLang="zh-CN" sz="2400" i="1"/>
+                          <a:rPr lang="en-US" altLang="zh-CN" sz="2400" i="1">
+                            <a:latin typeface="Cambria Math" panose="02040503050406030204" pitchFamily="18" charset="0"/>
+                          </a:rPr>
                           <m:t>}</m:t>
                         </m:r>
                       </m:sub>
                       <m:sup/>
                       <m:e>
                         <m:r>
-                          <a:rPr lang="en-US" altLang="zh-CN" sz="2400" i="1"/>
+                          <a:rPr lang="en-US" altLang="zh-CN" sz="2400" i="1">
+                            <a:latin typeface="Cambria Math" panose="02040503050406030204" pitchFamily="18" charset="0"/>
+                          </a:rPr>
                           <m:t> </m:t>
                         </m:r>
                       </m:e>
@@ -13364,6 +13681,7 @@
                             <a:solidFill>
                               <a:srgbClr val="00B050"/>
                             </a:solidFill>
+                            <a:latin typeface="Cambria Math" panose="02040503050406030204" pitchFamily="18" charset="0"/>
                           </a:rPr>
                         </m:ctrlPr>
                       </m:sSubPr>
@@ -13373,6 +13691,7 @@
                             <a:solidFill>
                               <a:srgbClr val="00B050"/>
                             </a:solidFill>
+                            <a:latin typeface="Cambria Math" panose="02040503050406030204" pitchFamily="18" charset="0"/>
                           </a:rPr>
                           <m:t>𝜇</m:t>
                         </m:r>
@@ -13385,6 +13704,7 @@
                                 <a:solidFill>
                                   <a:srgbClr val="00B050"/>
                                 </a:solidFill>
+                                <a:latin typeface="Cambria Math" panose="02040503050406030204" pitchFamily="18" charset="0"/>
                               </a:rPr>
                             </m:ctrlPr>
                           </m:sSupPr>
@@ -13394,6 +13714,7 @@
                                 <a:solidFill>
                                   <a:srgbClr val="00B050"/>
                                 </a:solidFill>
+                                <a:latin typeface="Cambria Math" panose="02040503050406030204" pitchFamily="18" charset="0"/>
                               </a:rPr>
                               <m:t>𝑎</m:t>
                             </m:r>
@@ -13404,6 +13725,7 @@
                                 <a:solidFill>
                                   <a:srgbClr val="00B050"/>
                                 </a:solidFill>
+                                <a:latin typeface="Cambria Math" panose="02040503050406030204" pitchFamily="18" charset="0"/>
                               </a:rPr>
                               <m:t>∗</m:t>
                             </m:r>
@@ -13414,6 +13736,7 @@
                             <a:solidFill>
                               <a:srgbClr val="00B050"/>
                             </a:solidFill>
+                            <a:latin typeface="Cambria Math" panose="02040503050406030204" pitchFamily="18" charset="0"/>
                           </a:rPr>
                           <m:t>→</m:t>
                         </m:r>
@@ -13422,6 +13745,7 @@
                             <a:solidFill>
                               <a:srgbClr val="00B050"/>
                             </a:solidFill>
+                            <a:latin typeface="Cambria Math" panose="02040503050406030204" pitchFamily="18" charset="0"/>
                           </a:rPr>
                           <m:t>𝑣</m:t>
                         </m:r>
@@ -13434,6 +13758,7 @@
                             <a:solidFill>
                               <a:srgbClr val="00B050"/>
                             </a:solidFill>
+                            <a:latin typeface="Cambria Math" panose="02040503050406030204" pitchFamily="18" charset="0"/>
                           </a:rPr>
                         </m:ctrlPr>
                       </m:dPr>
@@ -13445,6 +13770,7 @@
                                 <a:solidFill>
                                   <a:srgbClr val="00B050"/>
                                 </a:solidFill>
+                                <a:latin typeface="Cambria Math" panose="02040503050406030204" pitchFamily="18" charset="0"/>
                               </a:rPr>
                             </m:ctrlPr>
                           </m:sSubPr>
@@ -13454,6 +13780,7 @@
                                 <a:solidFill>
                                   <a:srgbClr val="00B050"/>
                                 </a:solidFill>
+                                <a:latin typeface="Cambria Math" panose="02040503050406030204" pitchFamily="18" charset="0"/>
                               </a:rPr>
                               <m:t>𝑥</m:t>
                             </m:r>
@@ -13464,6 +13791,7 @@
                                 <a:solidFill>
                                   <a:srgbClr val="00B050"/>
                                 </a:solidFill>
+                                <a:latin typeface="Cambria Math" panose="02040503050406030204" pitchFamily="18" charset="0"/>
                               </a:rPr>
                               <m:t>𝑣</m:t>
                             </m:r>
@@ -13556,7 +13884,7 @@
             </p:txBody>
           </p:sp>
         </mc:Choice>
-        <mc:Fallback>
+        <mc:Fallback xmlns="">
           <p:sp>
             <p:nvSpPr>
               <p:cNvPr id="31" name="文本框 30">
@@ -13601,8 +13929,8 @@
           </p:sp>
         </mc:Fallback>
       </mc:AlternateContent>
-      <mc:AlternateContent xmlns:mc="http://schemas.openxmlformats.org/markup-compatibility/2006">
-        <mc:Choice xmlns:a14="http://schemas.microsoft.com/office/drawing/2010/main" Requires="a14">
+      <mc:AlternateContent xmlns:mc="http://schemas.openxmlformats.org/markup-compatibility/2006" xmlns:a14="http://schemas.microsoft.com/office/drawing/2010/main">
+        <mc:Choice Requires="a14">
           <p:sp>
             <p:nvSpPr>
               <p:cNvPr id="63" name="文本框 62">
@@ -13645,6 +13973,7 @@
                               <a:solidFill>
                                 <a:srgbClr val="FF0000"/>
                               </a:solidFill>
+                              <a:latin typeface="Cambria Math" panose="02040503050406030204" pitchFamily="18" charset="0"/>
                             </a:rPr>
                           </m:ctrlPr>
                         </m:sSubPr>
@@ -13654,6 +13983,7 @@
                               <a:solidFill>
                                 <a:srgbClr val="FF0000"/>
                               </a:solidFill>
+                              <a:latin typeface="Cambria Math" panose="02040503050406030204" pitchFamily="18" charset="0"/>
                             </a:rPr>
                             <m:t>𝜇</m:t>
                           </m:r>
@@ -13664,6 +13994,7 @@
                               <a:solidFill>
                                 <a:srgbClr val="FF0000"/>
                               </a:solidFill>
+                              <a:latin typeface="Cambria Math" panose="02040503050406030204" pitchFamily="18" charset="0"/>
                             </a:rPr>
                             <m:t>𝑎</m:t>
                           </m:r>
@@ -13672,6 +14003,7 @@
                               <a:solidFill>
                                 <a:srgbClr val="FF0000"/>
                               </a:solidFill>
+                              <a:latin typeface="Cambria Math" panose="02040503050406030204" pitchFamily="18" charset="0"/>
                             </a:rPr>
                             <m:t>→</m:t>
                           </m:r>
@@ -13680,6 +14012,7 @@
                               <a:solidFill>
                                 <a:srgbClr val="FF0000"/>
                               </a:solidFill>
+                              <a:latin typeface="Cambria Math" panose="02040503050406030204" pitchFamily="18" charset="0"/>
                             </a:rPr>
                             <m:t>𝑣</m:t>
                           </m:r>
@@ -13692,6 +14025,7 @@
                               <a:solidFill>
                                 <a:srgbClr val="FF0000"/>
                               </a:solidFill>
+                              <a:latin typeface="Cambria Math" panose="02040503050406030204" pitchFamily="18" charset="0"/>
                             </a:rPr>
                           </m:ctrlPr>
                         </m:dPr>
@@ -13703,6 +14037,7 @@
                                   <a:solidFill>
                                     <a:srgbClr val="FF0000"/>
                                   </a:solidFill>
+                                  <a:latin typeface="Cambria Math" panose="02040503050406030204" pitchFamily="18" charset="0"/>
                                 </a:rPr>
                               </m:ctrlPr>
                             </m:sSubPr>
@@ -13712,6 +14047,7 @@
                                   <a:solidFill>
                                     <a:srgbClr val="FF0000"/>
                                   </a:solidFill>
+                                  <a:latin typeface="Cambria Math" panose="02040503050406030204" pitchFamily="18" charset="0"/>
                                 </a:rPr>
                                 <m:t>𝑥</m:t>
                               </m:r>
@@ -13722,6 +14058,7 @@
                                   <a:solidFill>
                                     <a:srgbClr val="FF0000"/>
                                   </a:solidFill>
+                                  <a:latin typeface="Cambria Math" panose="02040503050406030204" pitchFamily="18" charset="0"/>
                                 </a:rPr>
                                 <m:t>𝑣</m:t>
                               </m:r>
@@ -13730,7 +14067,9 @@
                         </m:e>
                       </m:d>
                       <m:r>
-                        <a:rPr lang="en-US" altLang="zh-CN" sz="2400" i="1"/>
+                        <a:rPr lang="en-US" altLang="zh-CN" sz="2400" i="1">
+                          <a:latin typeface="Cambria Math" panose="02040503050406030204" pitchFamily="18" charset="0"/>
+                        </a:rPr>
                         <m:t>=</m:t>
                       </m:r>
                     </m:oMath>
@@ -13949,70 +14288,98 @@
                           <m:grow m:val="on"/>
                           <m:supHide m:val="on"/>
                           <m:ctrlPr>
-                            <a:rPr lang="zh-CN" altLang="zh-CN" sz="2400" i="1"/>
+                            <a:rPr lang="zh-CN" altLang="zh-CN" sz="2400" i="1">
+                              <a:latin typeface="Cambria Math" panose="02040503050406030204" pitchFamily="18" charset="0"/>
+                            </a:rPr>
                           </m:ctrlPr>
                         </m:naryPr>
                         <m:sub>
                           <m:sSup>
                             <m:sSupPr>
                               <m:ctrlPr>
-                                <a:rPr lang="zh-CN" altLang="zh-CN" sz="2400" i="1"/>
+                                <a:rPr lang="zh-CN" altLang="zh-CN" sz="2400" i="1">
+                                  <a:latin typeface="Cambria Math" panose="02040503050406030204" pitchFamily="18" charset="0"/>
+                                </a:rPr>
                               </m:ctrlPr>
                             </m:sSupPr>
                             <m:e>
                               <m:r>
-                                <a:rPr lang="en-US" altLang="zh-CN" sz="2400" i="1"/>
+                                <a:rPr lang="en-US" altLang="zh-CN" sz="2400" i="1">
+                                  <a:latin typeface="Cambria Math" panose="02040503050406030204" pitchFamily="18" charset="0"/>
+                                </a:rPr>
                                 <m:t>𝑣</m:t>
                               </m:r>
                             </m:e>
                             <m:sup>
                               <m:r>
-                                <a:rPr lang="en-US" altLang="zh-CN" sz="2400" i="1"/>
+                                <a:rPr lang="en-US" altLang="zh-CN" sz="2400" i="1">
+                                  <a:latin typeface="Cambria Math" panose="02040503050406030204" pitchFamily="18" charset="0"/>
+                                </a:rPr>
                                 <m:t>∗</m:t>
                               </m:r>
                             </m:sup>
                           </m:sSup>
                           <m:r>
-                            <a:rPr lang="en-US" altLang="zh-CN" sz="2400" i="1"/>
+                            <a:rPr lang="en-US" altLang="zh-CN" sz="2400" i="1">
+                              <a:latin typeface="Cambria Math" panose="02040503050406030204" pitchFamily="18" charset="0"/>
+                            </a:rPr>
                             <m:t>∈</m:t>
                           </m:r>
                           <m:r>
-                            <a:rPr lang="en-US" altLang="zh-CN" sz="2400" i="1"/>
+                            <a:rPr lang="en-US" altLang="zh-CN" sz="2400" i="1">
+                              <a:latin typeface="Cambria Math" panose="02040503050406030204" pitchFamily="18" charset="0"/>
+                            </a:rPr>
                             <m:t>𝑁</m:t>
                           </m:r>
                           <m:r>
-                            <a:rPr lang="en-US" altLang="zh-CN" sz="2400" i="1"/>
+                            <a:rPr lang="en-US" altLang="zh-CN" sz="2400" i="1">
+                              <a:latin typeface="Cambria Math" panose="02040503050406030204" pitchFamily="18" charset="0"/>
+                            </a:rPr>
                             <m:t>(</m:t>
                           </m:r>
                           <m:r>
-                            <a:rPr lang="en-US" altLang="zh-CN" sz="2400" i="1"/>
+                            <a:rPr lang="en-US" altLang="zh-CN" sz="2400" i="1">
+                              <a:latin typeface="Cambria Math" panose="02040503050406030204" pitchFamily="18" charset="0"/>
+                            </a:rPr>
                             <m:t>𝑎</m:t>
                           </m:r>
                           <m:r>
-                            <a:rPr lang="en-US" altLang="zh-CN" sz="2400" i="1"/>
+                            <a:rPr lang="en-US" altLang="zh-CN" sz="2400" i="1">
+                              <a:latin typeface="Cambria Math" panose="02040503050406030204" pitchFamily="18" charset="0"/>
+                            </a:rPr>
                             <m:t>)</m:t>
                           </m:r>
                           <m:r>
-                            <a:rPr lang="en-US" altLang="zh-CN" sz="2400"/>
+                            <a:rPr lang="en-US" altLang="zh-CN" sz="2400">
+                              <a:latin typeface="Cambria Math" panose="02040503050406030204" pitchFamily="18" charset="0"/>
+                            </a:rPr>
                             <m:t>∖</m:t>
                           </m:r>
                           <m:r>
-                            <a:rPr lang="en-US" altLang="zh-CN" sz="2400" i="1"/>
+                            <a:rPr lang="en-US" altLang="zh-CN" sz="2400" i="1">
+                              <a:latin typeface="Cambria Math" panose="02040503050406030204" pitchFamily="18" charset="0"/>
+                            </a:rPr>
                             <m:t>{</m:t>
                           </m:r>
                           <m:r>
-                            <a:rPr lang="en-US" altLang="zh-CN" sz="2400" i="1"/>
+                            <a:rPr lang="en-US" altLang="zh-CN" sz="2400" i="1">
+                              <a:latin typeface="Cambria Math" panose="02040503050406030204" pitchFamily="18" charset="0"/>
+                            </a:rPr>
                             <m:t>𝑣</m:t>
                           </m:r>
                           <m:r>
-                            <a:rPr lang="en-US" altLang="zh-CN" sz="2400" i="1"/>
+                            <a:rPr lang="en-US" altLang="zh-CN" sz="2400" i="1">
+                              <a:latin typeface="Cambria Math" panose="02040503050406030204" pitchFamily="18" charset="0"/>
+                            </a:rPr>
                             <m:t>}</m:t>
                           </m:r>
                         </m:sub>
                         <m:sup/>
                         <m:e>
                           <m:r>
-                            <a:rPr lang="en-US" altLang="zh-CN" sz="2400" i="1"/>
+                            <a:rPr lang="en-US" altLang="zh-CN" sz="2400" i="1">
+                              <a:latin typeface="Cambria Math" panose="02040503050406030204" pitchFamily="18" charset="0"/>
+                            </a:rPr>
                             <m:t> </m:t>
                           </m:r>
                         </m:e>
@@ -14024,6 +14391,7 @@
                               <a:solidFill>
                                 <a:srgbClr val="FF0000"/>
                               </a:solidFill>
+                              <a:latin typeface="Cambria Math" panose="02040503050406030204" pitchFamily="18" charset="0"/>
                             </a:rPr>
                           </m:ctrlPr>
                         </m:sSubPr>
@@ -14033,6 +14401,7 @@
                               <a:solidFill>
                                 <a:srgbClr val="FF0000"/>
                               </a:solidFill>
+                              <a:latin typeface="Cambria Math" panose="02040503050406030204" pitchFamily="18" charset="0"/>
                             </a:rPr>
                             <m:t>𝜇</m:t>
                           </m:r>
@@ -14045,6 +14414,7 @@
                                   <a:solidFill>
                                     <a:srgbClr val="FF0000"/>
                                   </a:solidFill>
+                                  <a:latin typeface="Cambria Math" panose="02040503050406030204" pitchFamily="18" charset="0"/>
                                 </a:rPr>
                               </m:ctrlPr>
                             </m:sSupPr>
@@ -14054,6 +14424,7 @@
                                   <a:solidFill>
                                     <a:srgbClr val="FF0000"/>
                                   </a:solidFill>
+                                  <a:latin typeface="Cambria Math" panose="02040503050406030204" pitchFamily="18" charset="0"/>
                                 </a:rPr>
                                 <m:t>𝑣</m:t>
                               </m:r>
@@ -14064,6 +14435,7 @@
                                   <a:solidFill>
                                     <a:srgbClr val="FF0000"/>
                                   </a:solidFill>
+                                  <a:latin typeface="Cambria Math" panose="02040503050406030204" pitchFamily="18" charset="0"/>
                                 </a:rPr>
                                 <m:t>∗</m:t>
                               </m:r>
@@ -14074,6 +14446,7 @@
                               <a:solidFill>
                                 <a:srgbClr val="FF0000"/>
                               </a:solidFill>
+                              <a:latin typeface="Cambria Math" panose="02040503050406030204" pitchFamily="18" charset="0"/>
                             </a:rPr>
                             <m:t>→</m:t>
                           </m:r>
@@ -14082,6 +14455,7 @@
                               <a:solidFill>
                                 <a:srgbClr val="FF0000"/>
                               </a:solidFill>
+                              <a:latin typeface="Cambria Math" panose="02040503050406030204" pitchFamily="18" charset="0"/>
                             </a:rPr>
                             <m:t>𝑎</m:t>
                           </m:r>
@@ -14094,6 +14468,7 @@
                               <a:solidFill>
                                 <a:srgbClr val="FF0000"/>
                               </a:solidFill>
+                              <a:latin typeface="Cambria Math" panose="02040503050406030204" pitchFamily="18" charset="0"/>
                             </a:rPr>
                           </m:ctrlPr>
                         </m:dPr>
@@ -14105,6 +14480,7 @@
                                   <a:solidFill>
                                     <a:srgbClr val="FF0000"/>
                                   </a:solidFill>
+                                  <a:latin typeface="Cambria Math" panose="02040503050406030204" pitchFamily="18" charset="0"/>
                                 </a:rPr>
                               </m:ctrlPr>
                             </m:sSubSupPr>
@@ -14114,6 +14490,7 @@
                                   <a:solidFill>
                                     <a:srgbClr val="FF0000"/>
                                   </a:solidFill>
+                                  <a:latin typeface="Cambria Math" panose="02040503050406030204" pitchFamily="18" charset="0"/>
                                 </a:rPr>
                                 <m:t>𝑥</m:t>
                               </m:r>
@@ -14126,6 +14503,7 @@
                                       <a:solidFill>
                                         <a:srgbClr val="FF0000"/>
                                       </a:solidFill>
+                                      <a:latin typeface="Cambria Math" panose="02040503050406030204" pitchFamily="18" charset="0"/>
                                     </a:rPr>
                                   </m:ctrlPr>
                                 </m:sSupPr>
@@ -14135,6 +14513,7 @@
                                       <a:solidFill>
                                         <a:srgbClr val="FF0000"/>
                                       </a:solidFill>
+                                      <a:latin typeface="Cambria Math" panose="02040503050406030204" pitchFamily="18" charset="0"/>
                                     </a:rPr>
                                     <m:t>𝑣</m:t>
                                   </m:r>
@@ -14145,6 +14524,7 @@
                                       <a:solidFill>
                                         <a:srgbClr val="FF0000"/>
                                       </a:solidFill>
+                                      <a:latin typeface="Cambria Math" panose="02040503050406030204" pitchFamily="18" charset="0"/>
                                     </a:rPr>
                                     <m:t>∗</m:t>
                                   </m:r>
@@ -14157,6 +14537,7 @@
                                   <a:solidFill>
                                     <a:srgbClr val="FF0000"/>
                                   </a:solidFill>
+                                  <a:latin typeface="Cambria Math" panose="02040503050406030204" pitchFamily="18" charset="0"/>
                                 </a:rPr>
                                 <m:t>′</m:t>
                               </m:r>
@@ -14253,7 +14634,7 @@
             </p:txBody>
           </p:sp>
         </mc:Choice>
-        <mc:Fallback>
+        <mc:Fallback xmlns="">
           <p:sp>
             <p:nvSpPr>
               <p:cNvPr id="63" name="文本框 62">
@@ -14507,8 +14888,8 @@
                 </a:fontRef>
               </p:style>
             </p:cxnSp>
-            <mc:AlternateContent xmlns:mc="http://schemas.openxmlformats.org/markup-compatibility/2006">
-              <mc:Choice xmlns:a14="http://schemas.microsoft.com/office/drawing/2010/main" Requires="a14">
+            <mc:AlternateContent xmlns:mc="http://schemas.openxmlformats.org/markup-compatibility/2006" xmlns:a14="http://schemas.microsoft.com/office/drawing/2010/main">
+              <mc:Choice Requires="a14">
                 <p:sp>
                   <p:nvSpPr>
                     <p:cNvPr id="7" name="文本框 6">
@@ -14558,7 +14939,7 @@
                   </p:txBody>
                 </p:sp>
               </mc:Choice>
-              <mc:Fallback>
+              <mc:Fallback xmlns="">
                 <p:sp>
                   <p:nvSpPr>
                     <p:cNvPr id="7" name="文本框 6">
@@ -14603,8 +14984,8 @@
                 </p:sp>
               </mc:Fallback>
             </mc:AlternateContent>
-            <mc:AlternateContent xmlns:mc="http://schemas.openxmlformats.org/markup-compatibility/2006">
-              <mc:Choice xmlns:a14="http://schemas.microsoft.com/office/drawing/2010/main" Requires="a14">
+            <mc:AlternateContent xmlns:mc="http://schemas.openxmlformats.org/markup-compatibility/2006" xmlns:a14="http://schemas.microsoft.com/office/drawing/2010/main">
+              <mc:Choice Requires="a14">
                 <p:sp>
                   <p:nvSpPr>
                     <p:cNvPr id="8" name="文本框 7">
@@ -14654,7 +15035,7 @@
                   </p:txBody>
                 </p:sp>
               </mc:Choice>
-              <mc:Fallback>
+              <mc:Fallback xmlns="">
                 <p:sp>
                   <p:nvSpPr>
                     <p:cNvPr id="8" name="文本框 7">
@@ -14742,8 +15123,8 @@
                 </a:fontRef>
               </p:style>
             </p:cxnSp>
-            <mc:AlternateContent xmlns:mc="http://schemas.openxmlformats.org/markup-compatibility/2006">
-              <mc:Choice xmlns:a14="http://schemas.microsoft.com/office/drawing/2010/main" Requires="a14">
+            <mc:AlternateContent xmlns:mc="http://schemas.openxmlformats.org/markup-compatibility/2006" xmlns:a14="http://schemas.microsoft.com/office/drawing/2010/main">
+              <mc:Choice Requires="a14">
                 <p:sp>
                   <p:nvSpPr>
                     <p:cNvPr id="10" name="文本框 9">
@@ -14843,7 +15224,7 @@
                   </p:txBody>
                 </p:sp>
               </mc:Choice>
-              <mc:Fallback>
+              <mc:Fallback xmlns="">
                 <p:sp>
                   <p:nvSpPr>
                     <p:cNvPr id="10" name="文本框 9">
@@ -14888,8 +15269,8 @@
                 </p:sp>
               </mc:Fallback>
             </mc:AlternateContent>
-            <mc:AlternateContent xmlns:mc="http://schemas.openxmlformats.org/markup-compatibility/2006">
-              <mc:Choice xmlns:a14="http://schemas.microsoft.com/office/drawing/2010/main" Requires="a14">
+            <mc:AlternateContent xmlns:mc="http://schemas.openxmlformats.org/markup-compatibility/2006" xmlns:a14="http://schemas.microsoft.com/office/drawing/2010/main">
+              <mc:Choice Requires="a14">
                 <p:sp>
                   <p:nvSpPr>
                     <p:cNvPr id="11" name="文本框 10">
@@ -14989,7 +15370,7 @@
                   </p:txBody>
                 </p:sp>
               </mc:Choice>
-              <mc:Fallback>
+              <mc:Fallback xmlns="">
                 <p:sp>
                   <p:nvSpPr>
                     <p:cNvPr id="11" name="文本框 10">
@@ -15188,8 +15569,8 @@
                 </a:p>
               </p:txBody>
             </p:sp>
-            <mc:AlternateContent xmlns:mc="http://schemas.openxmlformats.org/markup-compatibility/2006">
-              <mc:Choice xmlns:a14="http://schemas.microsoft.com/office/drawing/2010/main" Requires="a14">
+            <mc:AlternateContent xmlns:mc="http://schemas.openxmlformats.org/markup-compatibility/2006" xmlns:a14="http://schemas.microsoft.com/office/drawing/2010/main">
+              <mc:Choice Requires="a14">
                 <p:sp>
                   <p:nvSpPr>
                     <p:cNvPr id="17" name="文本框 16">
@@ -15266,7 +15647,7 @@
                   </p:txBody>
                 </p:sp>
               </mc:Choice>
-              <mc:Fallback>
+              <mc:Fallback xmlns="">
                 <p:sp>
                   <p:nvSpPr>
                     <p:cNvPr id="17" name="文本框 16">
@@ -15384,8 +15765,8 @@
                 </a:p>
               </p:txBody>
             </p:sp>
-            <mc:AlternateContent xmlns:mc="http://schemas.openxmlformats.org/markup-compatibility/2006">
-              <mc:Choice xmlns:a14="http://schemas.microsoft.com/office/drawing/2010/main" Requires="a14">
+            <mc:AlternateContent xmlns:mc="http://schemas.openxmlformats.org/markup-compatibility/2006" xmlns:a14="http://schemas.microsoft.com/office/drawing/2010/main">
+              <mc:Choice Requires="a14">
                 <p:sp>
                   <p:nvSpPr>
                     <p:cNvPr id="21" name="文本框 20">
@@ -15462,7 +15843,7 @@
                   </p:txBody>
                 </p:sp>
               </mc:Choice>
-              <mc:Fallback>
+              <mc:Fallback xmlns="">
                 <p:sp>
                   <p:nvSpPr>
                     <p:cNvPr id="21" name="文本框 20">
@@ -15600,8 +15981,8 @@
               </a:fontRef>
             </p:style>
           </p:cxnSp>
-          <mc:AlternateContent xmlns:mc="http://schemas.openxmlformats.org/markup-compatibility/2006">
-            <mc:Choice xmlns:a14="http://schemas.microsoft.com/office/drawing/2010/main" Requires="a14">
+          <mc:AlternateContent xmlns:mc="http://schemas.openxmlformats.org/markup-compatibility/2006" xmlns:a14="http://schemas.microsoft.com/office/drawing/2010/main">
+            <mc:Choice Requires="a14">
               <p:sp>
                 <p:nvSpPr>
                   <p:cNvPr id="33" name="文本框 32">
@@ -15726,7 +16107,7 @@
                 </p:txBody>
               </p:sp>
             </mc:Choice>
-            <mc:Fallback>
+            <mc:Fallback xmlns="">
               <p:sp>
                 <p:nvSpPr>
                   <p:cNvPr id="33" name="文本框 32">
@@ -15888,8 +16269,8 @@
                 </a:p>
               </p:txBody>
             </p:sp>
-            <mc:AlternateContent xmlns:mc="http://schemas.openxmlformats.org/markup-compatibility/2006">
-              <mc:Choice xmlns:a14="http://schemas.microsoft.com/office/drawing/2010/main" Requires="a14">
+            <mc:AlternateContent xmlns:mc="http://schemas.openxmlformats.org/markup-compatibility/2006" xmlns:a14="http://schemas.microsoft.com/office/drawing/2010/main">
+              <mc:Choice Requires="a14">
                 <p:sp>
                   <p:nvSpPr>
                     <p:cNvPr id="45" name="文本框 44">
@@ -15966,7 +16347,7 @@
                   </p:txBody>
                 </p:sp>
               </mc:Choice>
-              <mc:Fallback>
+              <mc:Fallback xmlns="">
                 <p:sp>
                   <p:nvSpPr>
                     <p:cNvPr id="45" name="文本框 44">
@@ -16084,8 +16465,8 @@
                 </a:p>
               </p:txBody>
             </p:sp>
-            <mc:AlternateContent xmlns:mc="http://schemas.openxmlformats.org/markup-compatibility/2006">
-              <mc:Choice xmlns:a14="http://schemas.microsoft.com/office/drawing/2010/main" Requires="a14">
+            <mc:AlternateContent xmlns:mc="http://schemas.openxmlformats.org/markup-compatibility/2006" xmlns:a14="http://schemas.microsoft.com/office/drawing/2010/main">
+              <mc:Choice Requires="a14">
                 <p:sp>
                   <p:nvSpPr>
                     <p:cNvPr id="47" name="文本框 46">
@@ -16162,7 +16543,7 @@
                   </p:txBody>
                 </p:sp>
               </mc:Choice>
-              <mc:Fallback>
+              <mc:Fallback xmlns="">
                 <p:sp>
                   <p:nvSpPr>
                     <p:cNvPr id="47" name="文本框 46">
@@ -16345,8 +16726,8 @@
               </a:fontRef>
             </p:style>
           </p:cxnSp>
-          <mc:AlternateContent xmlns:mc="http://schemas.openxmlformats.org/markup-compatibility/2006">
-            <mc:Choice xmlns:a14="http://schemas.microsoft.com/office/drawing/2010/main" Requires="a14">
+          <mc:AlternateContent xmlns:mc="http://schemas.openxmlformats.org/markup-compatibility/2006" xmlns:a14="http://schemas.microsoft.com/office/drawing/2010/main">
+            <mc:Choice Requires="a14">
               <p:sp>
                 <p:nvSpPr>
                   <p:cNvPr id="61" name="文本框 60">
@@ -16471,7 +16852,7 @@
                 </p:txBody>
               </p:sp>
             </mc:Choice>
-            <mc:Fallback>
+            <mc:Fallback xmlns="">
               <p:sp>
                 <p:nvSpPr>
                   <p:cNvPr id="61" name="文本框 60">
@@ -16608,8 +16989,8 @@
           </p:style>
         </p:cxnSp>
       </p:grpSp>
-      <mc:AlternateContent xmlns:mc="http://schemas.openxmlformats.org/markup-compatibility/2006">
-        <mc:Choice xmlns:a14="http://schemas.microsoft.com/office/drawing/2010/main" Requires="a14">
+      <mc:AlternateContent xmlns:mc="http://schemas.openxmlformats.org/markup-compatibility/2006" xmlns:a14="http://schemas.microsoft.com/office/drawing/2010/main">
+        <mc:Choice Requires="a14">
           <p:sp>
             <p:nvSpPr>
               <p:cNvPr id="69" name="文本框 68">
@@ -16728,7 +17109,7 @@
             </p:txBody>
           </p:sp>
         </mc:Choice>
-        <mc:Fallback>
+        <mc:Fallback xmlns="">
           <p:sp>
             <p:nvSpPr>
               <p:cNvPr id="69" name="文本框 68">
@@ -16773,8 +17154,8 @@
           </p:sp>
         </mc:Fallback>
       </mc:AlternateContent>
-      <mc:AlternateContent xmlns:mc="http://schemas.openxmlformats.org/markup-compatibility/2006">
-        <mc:Choice xmlns:a14="http://schemas.microsoft.com/office/drawing/2010/main" Requires="a14">
+      <mc:AlternateContent xmlns:mc="http://schemas.openxmlformats.org/markup-compatibility/2006" xmlns:a14="http://schemas.microsoft.com/office/drawing/2010/main">
+        <mc:Choice Requires="a14">
           <p:sp>
             <p:nvSpPr>
               <p:cNvPr id="70" name="文本框 69">
@@ -16875,7 +17256,7 @@
             </p:txBody>
           </p:sp>
         </mc:Choice>
-        <mc:Fallback>
+        <mc:Fallback xmlns="">
           <p:sp>
             <p:nvSpPr>
               <p:cNvPr id="70" name="文本框 69">
@@ -17101,6 +17482,6258 @@
 </file>
 
 <file path=ppt/slides/slide16.xml><?xml version="1.0" encoding="utf-8"?>
+<p:sld xmlns:a="http://schemas.openxmlformats.org/drawingml/2006/main" xmlns:r="http://schemas.openxmlformats.org/officeDocument/2006/relationships" xmlns:p="http://schemas.openxmlformats.org/presentationml/2006/main">
+  <p:cSld>
+    <p:spTree>
+      <p:nvGrpSpPr>
+        <p:cNvPr id="1" name=""/>
+        <p:cNvGrpSpPr/>
+        <p:nvPr/>
+      </p:nvGrpSpPr>
+      <p:grpSpPr>
+        <a:xfrm>
+          <a:off x="0" y="0"/>
+          <a:ext cx="0" cy="0"/>
+          <a:chOff x="0" y="0"/>
+          <a:chExt cx="0" cy="0"/>
+        </a:xfrm>
+      </p:grpSpPr>
+      <p:sp>
+        <p:nvSpPr>
+          <p:cNvPr id="2" name="标题 1">
+            <a:extLst>
+              <a:ext uri="{FF2B5EF4-FFF2-40B4-BE49-F238E27FC236}">
+                <a16:creationId xmlns:a16="http://schemas.microsoft.com/office/drawing/2014/main" id="{72497798-E972-5644-A6A8-A7842A81357C}"/>
+              </a:ext>
+            </a:extLst>
+          </p:cNvPr>
+          <p:cNvSpPr>
+            <a:spLocks noGrp="1"/>
+          </p:cNvSpPr>
+          <p:nvPr>
+            <p:ph type="title"/>
+          </p:nvPr>
+        </p:nvSpPr>
+        <p:spPr/>
+        <p:txBody>
+          <a:bodyPr/>
+          <a:lstStyle/>
+          <a:p>
+            <a:r>
+              <a:rPr kumimoji="1" lang="en-US" altLang="zh-CN" dirty="0"/>
+              <a:t>Module A &amp; Module B</a:t>
+            </a:r>
+            <a:endParaRPr kumimoji="1" lang="zh-CN" altLang="en-US" dirty="0"/>
+          </a:p>
+        </p:txBody>
+      </p:sp>
+      <p:pic>
+        <p:nvPicPr>
+          <p:cNvPr id="4" name="图片 3">
+            <a:extLst>
+              <a:ext uri="{FF2B5EF4-FFF2-40B4-BE49-F238E27FC236}">
+                <a16:creationId xmlns:a16="http://schemas.microsoft.com/office/drawing/2014/main" id="{98081936-E55B-034F-81FA-485DD2890CE4}"/>
+              </a:ext>
+            </a:extLst>
+          </p:cNvPr>
+          <p:cNvPicPr>
+            <a:picLocks noChangeAspect="1"/>
+          </p:cNvPicPr>
+          <p:nvPr/>
+        </p:nvPicPr>
+        <p:blipFill>
+          <a:blip r:embed="rId2"/>
+          <a:stretch>
+            <a:fillRect/>
+          </a:stretch>
+        </p:blipFill>
+        <p:spPr>
+          <a:xfrm>
+            <a:off x="966626" y="7748189"/>
+            <a:ext cx="6376424" cy="3868542"/>
+          </a:xfrm>
+          <a:prstGeom prst="rect">
+            <a:avLst/>
+          </a:prstGeom>
+        </p:spPr>
+      </p:pic>
+      <p:grpSp>
+        <p:nvGrpSpPr>
+          <p:cNvPr id="36" name="组合 35">
+            <a:extLst>
+              <a:ext uri="{FF2B5EF4-FFF2-40B4-BE49-F238E27FC236}">
+                <a16:creationId xmlns:a16="http://schemas.microsoft.com/office/drawing/2014/main" id="{4FA69D1D-3C1A-BB44-99F2-92F06AE175F2}"/>
+              </a:ext>
+            </a:extLst>
+          </p:cNvPr>
+          <p:cNvGrpSpPr/>
+          <p:nvPr/>
+        </p:nvGrpSpPr>
+        <p:grpSpPr>
+          <a:xfrm>
+            <a:off x="3255428" y="1209565"/>
+            <a:ext cx="6058728" cy="2154766"/>
+            <a:chOff x="1836092" y="2550233"/>
+            <a:chExt cx="6058728" cy="2154766"/>
+          </a:xfrm>
+        </p:grpSpPr>
+        <p:grpSp>
+          <p:nvGrpSpPr>
+            <p:cNvPr id="8" name="组合 7">
+              <a:extLst>
+                <a:ext uri="{FF2B5EF4-FFF2-40B4-BE49-F238E27FC236}">
+                  <a16:creationId xmlns:a16="http://schemas.microsoft.com/office/drawing/2014/main" id="{8D915854-5EAE-9E4B-B3E0-B16EE39C1E41}"/>
+                </a:ext>
+              </a:extLst>
+            </p:cNvPr>
+            <p:cNvGrpSpPr/>
+            <p:nvPr/>
+          </p:nvGrpSpPr>
+          <p:grpSpPr>
+            <a:xfrm>
+              <a:off x="1836092" y="2690578"/>
+              <a:ext cx="1798820" cy="1708879"/>
+              <a:chOff x="1836092" y="2690578"/>
+              <a:chExt cx="1798820" cy="1708879"/>
+            </a:xfrm>
+          </p:grpSpPr>
+          <p:sp>
+            <p:nvSpPr>
+              <p:cNvPr id="6" name="矩形 5">
+                <a:extLst>
+                  <a:ext uri="{FF2B5EF4-FFF2-40B4-BE49-F238E27FC236}">
+                    <a16:creationId xmlns:a16="http://schemas.microsoft.com/office/drawing/2014/main" id="{F8FEE53B-FEE8-C840-B259-4E59F73ADEBF}"/>
+                  </a:ext>
+                </a:extLst>
+              </p:cNvPr>
+              <p:cNvSpPr/>
+              <p:nvPr/>
+            </p:nvSpPr>
+            <p:spPr>
+              <a:xfrm>
+                <a:off x="1836092" y="2690578"/>
+                <a:ext cx="1798820" cy="1708879"/>
+              </a:xfrm>
+              <a:prstGeom prst="rect">
+                <a:avLst/>
+              </a:prstGeom>
+              <a:noFill/>
+              <a:ln w="38100">
+                <a:solidFill>
+                  <a:schemeClr val="tx1"/>
+                </a:solidFill>
+              </a:ln>
+            </p:spPr>
+            <p:style>
+              <a:lnRef idx="2">
+                <a:schemeClr val="accent1">
+                  <a:shade val="50000"/>
+                </a:schemeClr>
+              </a:lnRef>
+              <a:fillRef idx="1">
+                <a:schemeClr val="accent1"/>
+              </a:fillRef>
+              <a:effectRef idx="0">
+                <a:schemeClr val="accent1"/>
+              </a:effectRef>
+              <a:fontRef idx="minor">
+                <a:schemeClr val="lt1"/>
+              </a:fontRef>
+            </p:style>
+            <p:txBody>
+              <a:bodyPr rtlCol="0" anchor="ctr"/>
+              <a:lstStyle/>
+              <a:p>
+                <a:pPr algn="ctr"/>
+                <a:endParaRPr kumimoji="1" lang="zh-CN" altLang="en-US"/>
+              </a:p>
+            </p:txBody>
+          </p:sp>
+          <p:sp>
+            <p:nvSpPr>
+              <p:cNvPr id="7" name="文本框 6">
+                <a:extLst>
+                  <a:ext uri="{FF2B5EF4-FFF2-40B4-BE49-F238E27FC236}">
+                    <a16:creationId xmlns:a16="http://schemas.microsoft.com/office/drawing/2014/main" id="{852A76A4-BD93-EE44-904A-2FF9C797DB39}"/>
+                  </a:ext>
+                </a:extLst>
+              </p:cNvPr>
+              <p:cNvSpPr txBox="1"/>
+              <p:nvPr/>
+            </p:nvSpPr>
+            <p:spPr>
+              <a:xfrm>
+                <a:off x="1836092" y="2735293"/>
+                <a:ext cx="827471" cy="369332"/>
+              </a:xfrm>
+              <a:prstGeom prst="rect">
+                <a:avLst/>
+              </a:prstGeom>
+              <a:noFill/>
+            </p:spPr>
+            <p:txBody>
+              <a:bodyPr wrap="none" rtlCol="0">
+                <a:spAutoFit/>
+              </a:bodyPr>
+              <a:lstStyle/>
+              <a:p>
+                <a:r>
+                  <a:rPr kumimoji="1" lang="en-US" altLang="zh-CN" b="1" dirty="0">
+                    <a:solidFill>
+                      <a:srgbClr val="FF0000"/>
+                    </a:solidFill>
+                  </a:rPr>
+                  <a:t>Part A</a:t>
+                </a:r>
+                <a:endParaRPr kumimoji="1" lang="zh-CN" altLang="en-US" b="1" dirty="0">
+                  <a:solidFill>
+                    <a:srgbClr val="FF0000"/>
+                  </a:solidFill>
+                </a:endParaRPr>
+              </a:p>
+            </p:txBody>
+          </p:sp>
+        </p:grpSp>
+        <p:grpSp>
+          <p:nvGrpSpPr>
+            <p:cNvPr id="9" name="组合 8">
+              <a:extLst>
+                <a:ext uri="{FF2B5EF4-FFF2-40B4-BE49-F238E27FC236}">
+                  <a16:creationId xmlns:a16="http://schemas.microsoft.com/office/drawing/2014/main" id="{2188D792-BC8B-BB4A-9644-5D02104C9405}"/>
+                </a:ext>
+              </a:extLst>
+            </p:cNvPr>
+            <p:cNvGrpSpPr/>
+            <p:nvPr/>
+          </p:nvGrpSpPr>
+          <p:grpSpPr>
+            <a:xfrm>
+              <a:off x="6096000" y="2690578"/>
+              <a:ext cx="1798820" cy="1708879"/>
+              <a:chOff x="1836092" y="2690578"/>
+              <a:chExt cx="1798820" cy="1708879"/>
+            </a:xfrm>
+          </p:grpSpPr>
+          <p:sp>
+            <p:nvSpPr>
+              <p:cNvPr id="10" name="矩形 9">
+                <a:extLst>
+                  <a:ext uri="{FF2B5EF4-FFF2-40B4-BE49-F238E27FC236}">
+                    <a16:creationId xmlns:a16="http://schemas.microsoft.com/office/drawing/2014/main" id="{05636528-B708-A84F-B73D-C3CE9923D5FB}"/>
+                  </a:ext>
+                </a:extLst>
+              </p:cNvPr>
+              <p:cNvSpPr/>
+              <p:nvPr/>
+            </p:nvSpPr>
+            <p:spPr>
+              <a:xfrm>
+                <a:off x="1836092" y="2690578"/>
+                <a:ext cx="1798820" cy="1708879"/>
+              </a:xfrm>
+              <a:prstGeom prst="rect">
+                <a:avLst/>
+              </a:prstGeom>
+              <a:noFill/>
+              <a:ln w="38100">
+                <a:solidFill>
+                  <a:schemeClr val="tx1"/>
+                </a:solidFill>
+              </a:ln>
+            </p:spPr>
+            <p:style>
+              <a:lnRef idx="2">
+                <a:schemeClr val="accent1">
+                  <a:shade val="50000"/>
+                </a:schemeClr>
+              </a:lnRef>
+              <a:fillRef idx="1">
+                <a:schemeClr val="accent1"/>
+              </a:fillRef>
+              <a:effectRef idx="0">
+                <a:schemeClr val="accent1"/>
+              </a:effectRef>
+              <a:fontRef idx="minor">
+                <a:schemeClr val="lt1"/>
+              </a:fontRef>
+            </p:style>
+            <p:txBody>
+              <a:bodyPr rtlCol="0" anchor="ctr"/>
+              <a:lstStyle/>
+              <a:p>
+                <a:pPr algn="ctr"/>
+                <a:endParaRPr kumimoji="1" lang="zh-CN" altLang="en-US"/>
+              </a:p>
+            </p:txBody>
+          </p:sp>
+          <p:sp>
+            <p:nvSpPr>
+              <p:cNvPr id="11" name="文本框 10">
+                <a:extLst>
+                  <a:ext uri="{FF2B5EF4-FFF2-40B4-BE49-F238E27FC236}">
+                    <a16:creationId xmlns:a16="http://schemas.microsoft.com/office/drawing/2014/main" id="{A94852D4-C150-C442-A9E1-040840E4CE4B}"/>
+                  </a:ext>
+                </a:extLst>
+              </p:cNvPr>
+              <p:cNvSpPr txBox="1"/>
+              <p:nvPr/>
+            </p:nvSpPr>
+            <p:spPr>
+              <a:xfrm>
+                <a:off x="1836092" y="2735293"/>
+                <a:ext cx="811441" cy="369332"/>
+              </a:xfrm>
+              <a:prstGeom prst="rect">
+                <a:avLst/>
+              </a:prstGeom>
+              <a:noFill/>
+            </p:spPr>
+            <p:txBody>
+              <a:bodyPr wrap="none" rtlCol="0">
+                <a:spAutoFit/>
+              </a:bodyPr>
+              <a:lstStyle/>
+              <a:p>
+                <a:r>
+                  <a:rPr kumimoji="1" lang="en-US" altLang="zh-CN" b="1" dirty="0">
+                    <a:solidFill>
+                      <a:srgbClr val="00B050"/>
+                    </a:solidFill>
+                  </a:rPr>
+                  <a:t>Part B</a:t>
+                </a:r>
+                <a:endParaRPr kumimoji="1" lang="zh-CN" altLang="en-US" b="1" dirty="0">
+                  <a:solidFill>
+                    <a:srgbClr val="00B050"/>
+                  </a:solidFill>
+                </a:endParaRPr>
+              </a:p>
+            </p:txBody>
+          </p:sp>
+        </p:grpSp>
+        <p:cxnSp>
+          <p:nvCxnSpPr>
+            <p:cNvPr id="13" name="直线箭头连接符 12">
+              <a:extLst>
+                <a:ext uri="{FF2B5EF4-FFF2-40B4-BE49-F238E27FC236}">
+                  <a16:creationId xmlns:a16="http://schemas.microsoft.com/office/drawing/2014/main" id="{F7203AC2-DBA2-8D4B-B6D4-C25E376C7EC1}"/>
+                </a:ext>
+              </a:extLst>
+            </p:cNvPr>
+            <p:cNvCxnSpPr/>
+            <p:nvPr/>
+          </p:nvCxnSpPr>
+          <p:spPr>
+            <a:xfrm flipH="1">
+              <a:off x="3634912" y="3104625"/>
+              <a:ext cx="2461088" cy="0"/>
+            </a:xfrm>
+            <a:prstGeom prst="straightConnector1">
+              <a:avLst/>
+            </a:prstGeom>
+            <a:ln w="38100">
+              <a:solidFill>
+                <a:schemeClr val="tx1"/>
+              </a:solidFill>
+              <a:tailEnd type="triangle"/>
+            </a:ln>
+          </p:spPr>
+          <p:style>
+            <a:lnRef idx="1">
+              <a:schemeClr val="accent1"/>
+            </a:lnRef>
+            <a:fillRef idx="0">
+              <a:schemeClr val="accent1"/>
+            </a:fillRef>
+            <a:effectRef idx="0">
+              <a:schemeClr val="accent1"/>
+            </a:effectRef>
+            <a:fontRef idx="minor">
+              <a:schemeClr val="tx1"/>
+            </a:fontRef>
+          </p:style>
+        </p:cxnSp>
+        <mc:AlternateContent xmlns:mc="http://schemas.openxmlformats.org/markup-compatibility/2006">
+          <mc:Choice xmlns:a14="http://schemas.microsoft.com/office/drawing/2010/main" Requires="a14">
+            <p:sp>
+              <p:nvSpPr>
+                <p:cNvPr id="14" name="文本框 13">
+                  <a:extLst>
+                    <a:ext uri="{FF2B5EF4-FFF2-40B4-BE49-F238E27FC236}">
+                      <a16:creationId xmlns:a16="http://schemas.microsoft.com/office/drawing/2014/main" id="{9485ABFD-7BD6-1A4B-B5C2-676E215C510C}"/>
+                    </a:ext>
+                  </a:extLst>
+                </p:cNvPr>
+                <p:cNvSpPr txBox="1"/>
+                <p:nvPr/>
+              </p:nvSpPr>
+              <p:spPr>
+                <a:xfrm>
+                  <a:off x="5066943" y="2550233"/>
+                  <a:ext cx="953403" cy="497700"/>
+                </a:xfrm>
+                <a:prstGeom prst="rect">
+                  <a:avLst/>
+                </a:prstGeom>
+                <a:noFill/>
+              </p:spPr>
+              <p:txBody>
+                <a:bodyPr wrap="none" rtlCol="0">
+                  <a:spAutoFit/>
+                </a:bodyPr>
+                <a:lstStyle/>
+                <a:p>
+                  <a14:m>
+                    <m:oMathPara xmlns:m="http://schemas.openxmlformats.org/officeDocument/2006/math">
+                      <m:oMathParaPr>
+                        <m:jc m:val="centerGroup"/>
+                      </m:oMathParaPr>
+                      <m:oMath xmlns:m="http://schemas.openxmlformats.org/officeDocument/2006/math">
+                        <m:sSub>
+                          <m:sSubPr>
+                            <m:ctrlPr>
+                              <a:rPr kumimoji="1" lang="en-US" altLang="zh-CN" sz="2400" b="0" i="1" smtClean="0">
+                                <a:solidFill>
+                                  <a:srgbClr val="00B050"/>
+                                </a:solidFill>
+                                <a:latin typeface="Cambria Math" panose="02040503050406030204" pitchFamily="18" charset="0"/>
+                              </a:rPr>
+                            </m:ctrlPr>
+                          </m:sSubPr>
+                          <m:e>
+                            <m:r>
+                              <a:rPr kumimoji="1" lang="en-US" altLang="zh-CN" sz="2400" b="0" i="1" smtClean="0">
+                                <a:solidFill>
+                                  <a:srgbClr val="00B050"/>
+                                </a:solidFill>
+                                <a:latin typeface="Cambria Math" panose="02040503050406030204" pitchFamily="18" charset="0"/>
+                              </a:rPr>
+                              <m:t>𝜈</m:t>
+                            </m:r>
+                          </m:e>
+                          <m:sub>
+                            <m:r>
+                              <a:rPr kumimoji="1" lang="en-US" altLang="zh-CN" sz="2400" b="0" i="1" smtClean="0">
+                                <a:solidFill>
+                                  <a:srgbClr val="00B050"/>
+                                </a:solidFill>
+                                <a:latin typeface="Cambria Math" panose="02040503050406030204" pitchFamily="18" charset="0"/>
+                              </a:rPr>
+                              <m:t>h</m:t>
+                            </m:r>
+                            <m:r>
+                              <a:rPr kumimoji="1" lang="en-US" altLang="zh-CN" sz="2400" b="0" i="1" smtClean="0">
+                                <a:solidFill>
+                                  <a:srgbClr val="00B050"/>
+                                </a:solidFill>
+                                <a:latin typeface="Cambria Math" panose="02040503050406030204" pitchFamily="18" charset="0"/>
+                              </a:rPr>
+                              <m:t>→</m:t>
+                            </m:r>
+                            <m:sSub>
+                              <m:sSubPr>
+                                <m:ctrlPr>
+                                  <a:rPr kumimoji="1" lang="en-US" altLang="zh-CN" sz="2400" b="0" i="1" smtClean="0">
+                                    <a:solidFill>
+                                      <a:srgbClr val="00B050"/>
+                                    </a:solidFill>
+                                    <a:latin typeface="Cambria Math" panose="02040503050406030204" pitchFamily="18" charset="0"/>
+                                  </a:rPr>
+                                </m:ctrlPr>
+                              </m:sSubPr>
+                              <m:e>
+                                <m:r>
+                                  <a:rPr kumimoji="1" lang="en-US" altLang="zh-CN" sz="2400" b="0" i="1" smtClean="0">
+                                    <a:solidFill>
+                                      <a:srgbClr val="00B050"/>
+                                    </a:solidFill>
+                                    <a:latin typeface="Cambria Math" panose="02040503050406030204" pitchFamily="18" charset="0"/>
+                                  </a:rPr>
+                                  <m:t>𝑠</m:t>
+                                </m:r>
+                              </m:e>
+                              <m:sub>
+                                <m:r>
+                                  <a:rPr kumimoji="1" lang="en-US" altLang="zh-CN" sz="2400" b="0" i="1" smtClean="0">
+                                    <a:solidFill>
+                                      <a:srgbClr val="00B050"/>
+                                    </a:solidFill>
+                                    <a:latin typeface="Cambria Math" panose="02040503050406030204" pitchFamily="18" charset="0"/>
+                                  </a:rPr>
+                                  <m:t>𝑖</m:t>
+                                </m:r>
+                              </m:sub>
+                            </m:sSub>
+                          </m:sub>
+                        </m:sSub>
+                      </m:oMath>
+                    </m:oMathPara>
+                  </a14:m>
+                  <a:endParaRPr kumimoji="1" lang="zh-CN" altLang="en-US" sz="2400" dirty="0">
+                    <a:solidFill>
+                      <a:srgbClr val="00B050"/>
+                    </a:solidFill>
+                  </a:endParaRPr>
+                </a:p>
+              </p:txBody>
+            </p:sp>
+          </mc:Choice>
+          <mc:Fallback>
+            <p:sp>
+              <p:nvSpPr>
+                <p:cNvPr id="14" name="文本框 13">
+                  <a:extLst>
+                    <a:ext uri="{FF2B5EF4-FFF2-40B4-BE49-F238E27FC236}">
+                      <a16:creationId xmlns:a16="http://schemas.microsoft.com/office/drawing/2014/main" id="{9485ABFD-7BD6-1A4B-B5C2-676E215C510C}"/>
+                    </a:ext>
+                  </a:extLst>
+                </p:cNvPr>
+                <p:cNvSpPr txBox="1">
+                  <a:spLocks noRot="1" noChangeAspect="1" noMove="1" noResize="1" noEditPoints="1" noAdjustHandles="1" noChangeArrowheads="1" noChangeShapeType="1" noTextEdit="1"/>
+                </p:cNvSpPr>
+                <p:nvPr/>
+              </p:nvSpPr>
+              <p:spPr>
+                <a:xfrm>
+                  <a:off x="5066943" y="2550233"/>
+                  <a:ext cx="953403" cy="497700"/>
+                </a:xfrm>
+                <a:prstGeom prst="rect">
+                  <a:avLst/>
+                </a:prstGeom>
+                <a:blipFill>
+                  <a:blip r:embed="rId3"/>
+                  <a:stretch>
+                    <a:fillRect b="-2500"/>
+                  </a:stretch>
+                </a:blipFill>
+              </p:spPr>
+              <p:txBody>
+                <a:bodyPr/>
+                <a:lstStyle/>
+                <a:p>
+                  <a:r>
+                    <a:rPr lang="zh-CN" altLang="en-US">
+                      <a:noFill/>
+                    </a:rPr>
+                    <a:t> </a:t>
+                  </a:r>
+                </a:p>
+              </p:txBody>
+            </p:sp>
+          </mc:Fallback>
+        </mc:AlternateContent>
+        <p:cxnSp>
+          <p:nvCxnSpPr>
+            <p:cNvPr id="15" name="直线箭头连接符 14">
+              <a:extLst>
+                <a:ext uri="{FF2B5EF4-FFF2-40B4-BE49-F238E27FC236}">
+                  <a16:creationId xmlns:a16="http://schemas.microsoft.com/office/drawing/2014/main" id="{08D56F4D-D589-0D4F-BB5B-479CB0769CE0}"/>
+                </a:ext>
+              </a:extLst>
+            </p:cNvPr>
+            <p:cNvCxnSpPr>
+              <a:cxnSpLocks/>
+              <a:endCxn id="19" idx="0"/>
+            </p:cNvCxnSpPr>
+            <p:nvPr/>
+          </p:nvCxnSpPr>
+          <p:spPr>
+            <a:xfrm>
+              <a:off x="4758024" y="3096658"/>
+              <a:ext cx="0" cy="851814"/>
+            </a:xfrm>
+            <a:prstGeom prst="straightConnector1">
+              <a:avLst/>
+            </a:prstGeom>
+            <a:ln w="38100">
+              <a:solidFill>
+                <a:schemeClr val="tx1"/>
+              </a:solidFill>
+              <a:tailEnd type="triangle"/>
+            </a:ln>
+          </p:spPr>
+          <p:style>
+            <a:lnRef idx="1">
+              <a:schemeClr val="accent1"/>
+            </a:lnRef>
+            <a:fillRef idx="0">
+              <a:schemeClr val="accent1"/>
+            </a:fillRef>
+            <a:effectRef idx="0">
+              <a:schemeClr val="accent1"/>
+            </a:effectRef>
+            <a:fontRef idx="minor">
+              <a:schemeClr val="tx1"/>
+            </a:fontRef>
+          </p:style>
+        </p:cxnSp>
+        <p:grpSp>
+          <p:nvGrpSpPr>
+            <p:cNvPr id="29" name="组合 28">
+              <a:extLst>
+                <a:ext uri="{FF2B5EF4-FFF2-40B4-BE49-F238E27FC236}">
+                  <a16:creationId xmlns:a16="http://schemas.microsoft.com/office/drawing/2014/main" id="{3E424D80-A9EB-0946-834A-9852DE86F77E}"/>
+                </a:ext>
+              </a:extLst>
+            </p:cNvPr>
+            <p:cNvGrpSpPr/>
+            <p:nvPr/>
+          </p:nvGrpSpPr>
+          <p:grpSpPr>
+            <a:xfrm>
+              <a:off x="4449105" y="3948472"/>
+              <a:ext cx="617838" cy="450985"/>
+              <a:chOff x="4247618" y="3949465"/>
+              <a:chExt cx="617838" cy="450985"/>
+            </a:xfrm>
+          </p:grpSpPr>
+          <p:sp>
+            <p:nvSpPr>
+              <p:cNvPr id="19" name="矩形 18">
+                <a:extLst>
+                  <a:ext uri="{FF2B5EF4-FFF2-40B4-BE49-F238E27FC236}">
+                    <a16:creationId xmlns:a16="http://schemas.microsoft.com/office/drawing/2014/main" id="{76399B09-B0EE-FF4F-812C-C96C33874CC8}"/>
+                  </a:ext>
+                </a:extLst>
+              </p:cNvPr>
+              <p:cNvSpPr/>
+              <p:nvPr/>
+            </p:nvSpPr>
+            <p:spPr>
+              <a:xfrm>
+                <a:off x="4247618" y="3949465"/>
+                <a:ext cx="617838" cy="450985"/>
+              </a:xfrm>
+              <a:prstGeom prst="rect">
+                <a:avLst/>
+              </a:prstGeom>
+              <a:noFill/>
+              <a:ln w="38100">
+                <a:solidFill>
+                  <a:schemeClr val="tx1"/>
+                </a:solidFill>
+              </a:ln>
+            </p:spPr>
+            <p:style>
+              <a:lnRef idx="2">
+                <a:schemeClr val="accent1">
+                  <a:shade val="50000"/>
+                </a:schemeClr>
+              </a:lnRef>
+              <a:fillRef idx="1">
+                <a:schemeClr val="accent1"/>
+              </a:fillRef>
+              <a:effectRef idx="0">
+                <a:schemeClr val="accent1"/>
+              </a:effectRef>
+              <a:fontRef idx="minor">
+                <a:schemeClr val="lt1"/>
+              </a:fontRef>
+            </p:style>
+            <p:txBody>
+              <a:bodyPr rtlCol="0" anchor="ctr"/>
+              <a:lstStyle/>
+              <a:p>
+                <a:pPr algn="ctr"/>
+                <a:endParaRPr kumimoji="1" lang="zh-CN" altLang="en-US"/>
+              </a:p>
+            </p:txBody>
+          </p:sp>
+          <p:sp>
+            <p:nvSpPr>
+              <p:cNvPr id="24" name="文本框 23">
+                <a:extLst>
+                  <a:ext uri="{FF2B5EF4-FFF2-40B4-BE49-F238E27FC236}">
+                    <a16:creationId xmlns:a16="http://schemas.microsoft.com/office/drawing/2014/main" id="{88EF450F-2A71-E541-B81B-020F76766FE0}"/>
+                  </a:ext>
+                </a:extLst>
+              </p:cNvPr>
+              <p:cNvSpPr txBox="1"/>
+              <p:nvPr/>
+            </p:nvSpPr>
+            <p:spPr>
+              <a:xfrm>
+                <a:off x="4317529" y="3990291"/>
+                <a:ext cx="478016" cy="369332"/>
+              </a:xfrm>
+              <a:prstGeom prst="rect">
+                <a:avLst/>
+              </a:prstGeom>
+              <a:noFill/>
+            </p:spPr>
+            <p:txBody>
+              <a:bodyPr wrap="none" rtlCol="0">
+                <a:spAutoFit/>
+              </a:bodyPr>
+              <a:lstStyle/>
+              <a:p>
+                <a:r>
+                  <a:rPr kumimoji="1" lang="en-US" altLang="zh-CN" dirty="0" err="1">
+                    <a:latin typeface="Times" pitchFamily="2" charset="0"/>
+                  </a:rPr>
+                  <a:t>ext</a:t>
+                </a:r>
+                <a:endParaRPr kumimoji="1" lang="zh-CN" altLang="en-US" dirty="0">
+                  <a:latin typeface="Times" pitchFamily="2" charset="0"/>
+                </a:endParaRPr>
+              </a:p>
+            </p:txBody>
+          </p:sp>
+        </p:grpSp>
+        <p:cxnSp>
+          <p:nvCxnSpPr>
+            <p:cNvPr id="26" name="直线箭头连接符 25">
+              <a:extLst>
+                <a:ext uri="{FF2B5EF4-FFF2-40B4-BE49-F238E27FC236}">
+                  <a16:creationId xmlns:a16="http://schemas.microsoft.com/office/drawing/2014/main" id="{F92CAA57-7E43-074D-9FCD-CD788400E106}"/>
+                </a:ext>
+              </a:extLst>
+            </p:cNvPr>
+            <p:cNvCxnSpPr>
+              <a:cxnSpLocks/>
+              <a:endCxn id="19" idx="1"/>
+            </p:cNvCxnSpPr>
+            <p:nvPr/>
+          </p:nvCxnSpPr>
+          <p:spPr>
+            <a:xfrm>
+              <a:off x="3634912" y="4173965"/>
+              <a:ext cx="814193" cy="0"/>
+            </a:xfrm>
+            <a:prstGeom prst="straightConnector1">
+              <a:avLst/>
+            </a:prstGeom>
+            <a:ln w="38100">
+              <a:solidFill>
+                <a:schemeClr val="tx1"/>
+              </a:solidFill>
+              <a:tailEnd type="triangle"/>
+            </a:ln>
+          </p:spPr>
+          <p:style>
+            <a:lnRef idx="1">
+              <a:schemeClr val="accent1"/>
+            </a:lnRef>
+            <a:fillRef idx="0">
+              <a:schemeClr val="accent1"/>
+            </a:fillRef>
+            <a:effectRef idx="0">
+              <a:schemeClr val="accent1"/>
+            </a:effectRef>
+            <a:fontRef idx="minor">
+              <a:schemeClr val="tx1"/>
+            </a:fontRef>
+          </p:style>
+        </p:cxnSp>
+        <p:cxnSp>
+          <p:nvCxnSpPr>
+            <p:cNvPr id="31" name="直线箭头连接符 30">
+              <a:extLst>
+                <a:ext uri="{FF2B5EF4-FFF2-40B4-BE49-F238E27FC236}">
+                  <a16:creationId xmlns:a16="http://schemas.microsoft.com/office/drawing/2014/main" id="{3FFA41C7-5E80-7649-BF4F-8A486C87C378}"/>
+                </a:ext>
+              </a:extLst>
+            </p:cNvPr>
+            <p:cNvCxnSpPr>
+              <a:cxnSpLocks/>
+            </p:cNvCxnSpPr>
+            <p:nvPr/>
+          </p:nvCxnSpPr>
+          <p:spPr>
+            <a:xfrm>
+              <a:off x="5066943" y="4173964"/>
+              <a:ext cx="1029057" cy="0"/>
+            </a:xfrm>
+            <a:prstGeom prst="straightConnector1">
+              <a:avLst/>
+            </a:prstGeom>
+            <a:ln w="38100">
+              <a:solidFill>
+                <a:schemeClr val="tx1"/>
+              </a:solidFill>
+              <a:tailEnd type="triangle"/>
+            </a:ln>
+          </p:spPr>
+          <p:style>
+            <a:lnRef idx="1">
+              <a:schemeClr val="accent1"/>
+            </a:lnRef>
+            <a:fillRef idx="0">
+              <a:schemeClr val="accent1"/>
+            </a:fillRef>
+            <a:effectRef idx="0">
+              <a:schemeClr val="accent1"/>
+            </a:effectRef>
+            <a:fontRef idx="minor">
+              <a:schemeClr val="tx1"/>
+            </a:fontRef>
+          </p:style>
+        </p:cxnSp>
+        <mc:AlternateContent xmlns:mc="http://schemas.openxmlformats.org/markup-compatibility/2006">
+          <mc:Choice xmlns:a14="http://schemas.microsoft.com/office/drawing/2010/main" Requires="a14">
+            <p:sp>
+              <p:nvSpPr>
+                <p:cNvPr id="33" name="文本框 32">
+                  <a:extLst>
+                    <a:ext uri="{FF2B5EF4-FFF2-40B4-BE49-F238E27FC236}">
+                      <a16:creationId xmlns:a16="http://schemas.microsoft.com/office/drawing/2014/main" id="{9AA8A56C-C8CD-2E48-AF42-4B8DA111129B}"/>
+                    </a:ext>
+                  </a:extLst>
+                </p:cNvPr>
+                <p:cNvSpPr txBox="1"/>
+                <p:nvPr/>
+              </p:nvSpPr>
+              <p:spPr>
+                <a:xfrm>
+                  <a:off x="3565306" y="4207299"/>
+                  <a:ext cx="1014508" cy="497700"/>
+                </a:xfrm>
+                <a:prstGeom prst="rect">
+                  <a:avLst/>
+                </a:prstGeom>
+                <a:noFill/>
+              </p:spPr>
+              <p:txBody>
+                <a:bodyPr wrap="none" rtlCol="0">
+                  <a:spAutoFit/>
+                </a:bodyPr>
+                <a:lstStyle/>
+                <a:p>
+                  <a14:m>
+                    <m:oMathPara xmlns:m="http://schemas.openxmlformats.org/officeDocument/2006/math">
+                      <m:oMathParaPr>
+                        <m:jc m:val="centerGroup"/>
+                      </m:oMathParaPr>
+                      <m:oMath xmlns:m="http://schemas.openxmlformats.org/officeDocument/2006/math">
+                        <m:sSub>
+                          <m:sSubPr>
+                            <m:ctrlPr>
+                              <a:rPr kumimoji="1" lang="en-US" altLang="zh-CN" sz="2400" b="0" i="1" smtClean="0">
+                                <a:solidFill>
+                                  <a:srgbClr val="FF0000"/>
+                                </a:solidFill>
+                                <a:latin typeface="Cambria Math" panose="02040503050406030204" pitchFamily="18" charset="0"/>
+                              </a:rPr>
+                            </m:ctrlPr>
+                          </m:sSubPr>
+                          <m:e>
+                            <m:r>
+                              <a:rPr kumimoji="1" lang="en-US" altLang="zh-CN" sz="2400" b="0" i="1" smtClean="0">
+                                <a:solidFill>
+                                  <a:srgbClr val="FF0000"/>
+                                </a:solidFill>
+                                <a:latin typeface="Cambria Math" panose="02040503050406030204" pitchFamily="18" charset="0"/>
+                              </a:rPr>
+                              <m:t>𝜈</m:t>
+                            </m:r>
+                          </m:e>
+                          <m:sub>
+                            <m:sSub>
+                              <m:sSubPr>
+                                <m:ctrlPr>
+                                  <a:rPr kumimoji="1" lang="en-US" altLang="zh-CN" sz="2400" b="0" i="1" smtClean="0">
+                                    <a:solidFill>
+                                      <a:srgbClr val="FF0000"/>
+                                    </a:solidFill>
+                                    <a:latin typeface="Cambria Math" panose="02040503050406030204" pitchFamily="18" charset="0"/>
+                                  </a:rPr>
+                                </m:ctrlPr>
+                              </m:sSubPr>
+                              <m:e>
+                                <m:r>
+                                  <a:rPr kumimoji="1" lang="en-US" altLang="zh-CN" sz="2400" b="0" i="1" smtClean="0">
+                                    <a:solidFill>
+                                      <a:srgbClr val="FF0000"/>
+                                    </a:solidFill>
+                                    <a:latin typeface="Cambria Math" panose="02040503050406030204" pitchFamily="18" charset="0"/>
+                                  </a:rPr>
+                                  <m:t>𝜂</m:t>
+                                </m:r>
+                              </m:e>
+                              <m:sub>
+                                <m:r>
+                                  <a:rPr kumimoji="1" lang="en-US" altLang="zh-CN" sz="2400" b="0" i="1" smtClean="0">
+                                    <a:solidFill>
+                                      <a:srgbClr val="FF0000"/>
+                                    </a:solidFill>
+                                    <a:latin typeface="Cambria Math" panose="02040503050406030204" pitchFamily="18" charset="0"/>
+                                  </a:rPr>
+                                  <m:t>𝑖</m:t>
+                                </m:r>
+                              </m:sub>
+                            </m:sSub>
+                            <m:r>
+                              <a:rPr kumimoji="1" lang="en-US" altLang="zh-CN" sz="2400" b="0" i="1" smtClean="0">
+                                <a:solidFill>
+                                  <a:srgbClr val="FF0000"/>
+                                </a:solidFill>
+                                <a:latin typeface="Cambria Math" panose="02040503050406030204" pitchFamily="18" charset="0"/>
+                              </a:rPr>
+                              <m:t>→</m:t>
+                            </m:r>
+                            <m:sSub>
+                              <m:sSubPr>
+                                <m:ctrlPr>
+                                  <a:rPr kumimoji="1" lang="en-US" altLang="zh-CN" sz="2400" b="0" i="1" smtClean="0">
+                                    <a:solidFill>
+                                      <a:srgbClr val="FF0000"/>
+                                    </a:solidFill>
+                                    <a:latin typeface="Cambria Math" panose="02040503050406030204" pitchFamily="18" charset="0"/>
+                                  </a:rPr>
+                                </m:ctrlPr>
+                              </m:sSubPr>
+                              <m:e>
+                                <m:r>
+                                  <a:rPr kumimoji="1" lang="en-US" altLang="zh-CN" sz="2400" b="0" i="1" smtClean="0">
+                                    <a:solidFill>
+                                      <a:srgbClr val="FF0000"/>
+                                    </a:solidFill>
+                                    <a:latin typeface="Cambria Math" panose="02040503050406030204" pitchFamily="18" charset="0"/>
+                                  </a:rPr>
+                                  <m:t>𝑠</m:t>
+                                </m:r>
+                              </m:e>
+                              <m:sub>
+                                <m:r>
+                                  <a:rPr kumimoji="1" lang="en-US" altLang="zh-CN" sz="2400" b="0" i="1" smtClean="0">
+                                    <a:solidFill>
+                                      <a:srgbClr val="FF0000"/>
+                                    </a:solidFill>
+                                    <a:latin typeface="Cambria Math" panose="02040503050406030204" pitchFamily="18" charset="0"/>
+                                  </a:rPr>
+                                  <m:t>𝑖</m:t>
+                                </m:r>
+                              </m:sub>
+                            </m:sSub>
+                          </m:sub>
+                        </m:sSub>
+                      </m:oMath>
+                    </m:oMathPara>
+                  </a14:m>
+                  <a:endParaRPr kumimoji="1" lang="zh-CN" altLang="en-US" sz="2400" dirty="0"/>
+                </a:p>
+              </p:txBody>
+            </p:sp>
+          </mc:Choice>
+          <mc:Fallback>
+            <p:sp>
+              <p:nvSpPr>
+                <p:cNvPr id="33" name="文本框 32">
+                  <a:extLst>
+                    <a:ext uri="{FF2B5EF4-FFF2-40B4-BE49-F238E27FC236}">
+                      <a16:creationId xmlns:a16="http://schemas.microsoft.com/office/drawing/2014/main" id="{9AA8A56C-C8CD-2E48-AF42-4B8DA111129B}"/>
+                    </a:ext>
+                  </a:extLst>
+                </p:cNvPr>
+                <p:cNvSpPr txBox="1">
+                  <a:spLocks noRot="1" noChangeAspect="1" noMove="1" noResize="1" noEditPoints="1" noAdjustHandles="1" noChangeArrowheads="1" noChangeShapeType="1" noTextEdit="1"/>
+                </p:cNvSpPr>
+                <p:nvPr/>
+              </p:nvSpPr>
+              <p:spPr>
+                <a:xfrm>
+                  <a:off x="3565306" y="4207299"/>
+                  <a:ext cx="1014508" cy="497700"/>
+                </a:xfrm>
+                <a:prstGeom prst="rect">
+                  <a:avLst/>
+                </a:prstGeom>
+                <a:blipFill>
+                  <a:blip r:embed="rId4"/>
+                  <a:stretch>
+                    <a:fillRect b="-7500"/>
+                  </a:stretch>
+                </a:blipFill>
+              </p:spPr>
+              <p:txBody>
+                <a:bodyPr/>
+                <a:lstStyle/>
+                <a:p>
+                  <a:r>
+                    <a:rPr lang="zh-CN" altLang="en-US">
+                      <a:noFill/>
+                    </a:rPr>
+                    <a:t> </a:t>
+                  </a:r>
+                </a:p>
+              </p:txBody>
+            </p:sp>
+          </mc:Fallback>
+        </mc:AlternateContent>
+      </p:grpSp>
+      <mc:AlternateContent xmlns:mc="http://schemas.openxmlformats.org/markup-compatibility/2006">
+        <mc:Choice xmlns:a14="http://schemas.microsoft.com/office/drawing/2010/main" Requires="a14">
+          <p:sp>
+            <p:nvSpPr>
+              <p:cNvPr id="37" name="文本框 36">
+                <a:extLst>
+                  <a:ext uri="{FF2B5EF4-FFF2-40B4-BE49-F238E27FC236}">
+                    <a16:creationId xmlns:a16="http://schemas.microsoft.com/office/drawing/2014/main" id="{1EF61E31-DD3F-7744-A5E4-ED6284714517}"/>
+                  </a:ext>
+                </a:extLst>
+              </p:cNvPr>
+              <p:cNvSpPr txBox="1"/>
+              <p:nvPr/>
+            </p:nvSpPr>
+            <p:spPr>
+              <a:xfrm>
+                <a:off x="434019" y="4622148"/>
+                <a:ext cx="2999539" cy="646331"/>
+              </a:xfrm>
+              <a:prstGeom prst="rect">
+                <a:avLst/>
+              </a:prstGeom>
+              <a:noFill/>
+            </p:spPr>
+            <p:txBody>
+              <a:bodyPr wrap="none" rtlCol="0">
+                <a:spAutoFit/>
+              </a:bodyPr>
+              <a:lstStyle/>
+              <a:p>
+                <a:r>
+                  <a:rPr kumimoji="1" lang="en-US" altLang="zh-CN" dirty="0">
+                    <a:latin typeface="Times" pitchFamily="2" charset="0"/>
+                  </a:rPr>
+                  <a:t>Update for estimated posterior</a:t>
+                </a:r>
+              </a:p>
+              <a:p>
+                <a:r>
+                  <a:rPr kumimoji="1" lang="en-US" altLang="zh-CN" dirty="0">
+                    <a:latin typeface="Times" pitchFamily="2" charset="0"/>
+                  </a:rPr>
+                  <a:t> </a:t>
+                </a:r>
+                <a14:m>
+                  <m:oMath xmlns:m="http://schemas.openxmlformats.org/officeDocument/2006/math">
+                    <m:r>
+                      <a:rPr kumimoji="1" lang="en-US" altLang="zh-CN" b="0" i="1" smtClean="0">
+                        <a:latin typeface="Cambria Math" panose="02040503050406030204" pitchFamily="18" charset="0"/>
+                      </a:rPr>
+                      <m:t>𝑞</m:t>
+                    </m:r>
+                    <m:d>
+                      <m:dPr>
+                        <m:ctrlPr>
+                          <a:rPr kumimoji="1" lang="en-US" altLang="zh-CN" b="0" i="1" smtClean="0">
+                            <a:latin typeface="Cambria Math" panose="02040503050406030204" pitchFamily="18" charset="0"/>
+                          </a:rPr>
+                        </m:ctrlPr>
+                      </m:dPr>
+                      <m:e>
+                        <m:r>
+                          <a:rPr kumimoji="1" lang="en-US" altLang="zh-CN" b="1" i="1" smtClean="0">
+                            <a:latin typeface="Cambria Math" panose="02040503050406030204" pitchFamily="18" charset="0"/>
+                          </a:rPr>
+                          <m:t>𝒙</m:t>
+                        </m:r>
+                      </m:e>
+                    </m:d>
+                  </m:oMath>
+                </a14:m>
+                <a:r>
+                  <a:rPr kumimoji="1" lang="en-US" altLang="zh-CN" dirty="0">
+                    <a:latin typeface="Times" pitchFamily="2" charset="0"/>
+                  </a:rPr>
+                  <a:t>, </a:t>
+                </a:r>
+                <a14:m>
+                  <m:oMath xmlns:m="http://schemas.openxmlformats.org/officeDocument/2006/math">
+                    <m:r>
+                      <a:rPr kumimoji="1" lang="en-US" altLang="zh-CN" i="1">
+                        <a:latin typeface="Cambria Math" panose="02040503050406030204" pitchFamily="18" charset="0"/>
+                      </a:rPr>
+                      <m:t>𝑞</m:t>
+                    </m:r>
+                    <m:d>
+                      <m:dPr>
+                        <m:ctrlPr>
+                          <a:rPr kumimoji="1" lang="en-US" altLang="zh-CN" i="1">
+                            <a:latin typeface="Cambria Math" panose="02040503050406030204" pitchFamily="18" charset="0"/>
+                          </a:rPr>
+                        </m:ctrlPr>
+                      </m:dPr>
+                      <m:e>
+                        <m:r>
+                          <a:rPr kumimoji="1" lang="en-US" altLang="zh-CN" b="1" i="1" smtClean="0">
+                            <a:latin typeface="Cambria Math" panose="02040503050406030204" pitchFamily="18" charset="0"/>
+                          </a:rPr>
+                          <m:t>𝜸</m:t>
+                        </m:r>
+                      </m:e>
+                    </m:d>
+                  </m:oMath>
+                </a14:m>
+                <a:r>
+                  <a:rPr kumimoji="1" lang="en-US" altLang="zh-CN" dirty="0">
+                    <a:latin typeface="Times" pitchFamily="2" charset="0"/>
+                  </a:rPr>
+                  <a:t>, </a:t>
+                </a:r>
+                <a14:m>
+                  <m:oMath xmlns:m="http://schemas.openxmlformats.org/officeDocument/2006/math">
+                    <m:r>
+                      <a:rPr kumimoji="1" lang="en-US" altLang="zh-CN" i="1" smtClean="0">
+                        <a:solidFill>
+                          <a:srgbClr val="FF0000"/>
+                        </a:solidFill>
+                        <a:latin typeface="Cambria Math" panose="02040503050406030204" pitchFamily="18" charset="0"/>
+                      </a:rPr>
+                      <m:t>𝑞</m:t>
+                    </m:r>
+                    <m:d>
+                      <m:dPr>
+                        <m:ctrlPr>
+                          <a:rPr kumimoji="1" lang="en-US" altLang="zh-CN" i="1">
+                            <a:solidFill>
+                              <a:srgbClr val="FF0000"/>
+                            </a:solidFill>
+                            <a:latin typeface="Cambria Math" panose="02040503050406030204" pitchFamily="18" charset="0"/>
+                          </a:rPr>
+                        </m:ctrlPr>
+                      </m:dPr>
+                      <m:e>
+                        <m:r>
+                          <a:rPr kumimoji="1" lang="en-US" altLang="zh-CN" b="1" i="1" smtClean="0">
+                            <a:solidFill>
+                              <a:srgbClr val="FF0000"/>
+                            </a:solidFill>
+                            <a:latin typeface="Cambria Math" panose="02040503050406030204" pitchFamily="18" charset="0"/>
+                          </a:rPr>
+                          <m:t>𝒔</m:t>
+                        </m:r>
+                      </m:e>
+                    </m:d>
+                  </m:oMath>
+                </a14:m>
+                <a:endParaRPr kumimoji="1" lang="zh-CN" altLang="en-US" dirty="0" err="1">
+                  <a:latin typeface="Times" pitchFamily="2" charset="0"/>
+                </a:endParaRPr>
+              </a:p>
+            </p:txBody>
+          </p:sp>
+        </mc:Choice>
+        <mc:Fallback>
+          <p:sp>
+            <p:nvSpPr>
+              <p:cNvPr id="37" name="文本框 36">
+                <a:extLst>
+                  <a:ext uri="{FF2B5EF4-FFF2-40B4-BE49-F238E27FC236}">
+                    <a16:creationId xmlns:a16="http://schemas.microsoft.com/office/drawing/2014/main" id="{1EF61E31-DD3F-7744-A5E4-ED6284714517}"/>
+                  </a:ext>
+                </a:extLst>
+              </p:cNvPr>
+              <p:cNvSpPr txBox="1">
+                <a:spLocks noRot="1" noChangeAspect="1" noMove="1" noResize="1" noEditPoints="1" noAdjustHandles="1" noChangeArrowheads="1" noChangeShapeType="1" noTextEdit="1"/>
+              </p:cNvSpPr>
+              <p:nvPr/>
+            </p:nvSpPr>
+            <p:spPr>
+              <a:xfrm>
+                <a:off x="434019" y="4622148"/>
+                <a:ext cx="2999539" cy="646331"/>
+              </a:xfrm>
+              <a:prstGeom prst="rect">
+                <a:avLst/>
+              </a:prstGeom>
+              <a:blipFill>
+                <a:blip r:embed="rId5"/>
+                <a:stretch>
+                  <a:fillRect l="-1688" t="-3846" r="-844" b="-13462"/>
+                </a:stretch>
+              </a:blipFill>
+            </p:spPr>
+            <p:txBody>
+              <a:bodyPr/>
+              <a:lstStyle/>
+              <a:p>
+                <a:r>
+                  <a:rPr lang="zh-CN" altLang="en-US">
+                    <a:noFill/>
+                  </a:rPr>
+                  <a:t> </a:t>
+                </a:r>
+              </a:p>
+            </p:txBody>
+          </p:sp>
+        </mc:Fallback>
+      </mc:AlternateContent>
+      <mc:AlternateContent xmlns:mc="http://schemas.openxmlformats.org/markup-compatibility/2006">
+        <mc:Choice xmlns:a14="http://schemas.microsoft.com/office/drawing/2010/main" Requires="a14">
+          <p:sp>
+            <p:nvSpPr>
+              <p:cNvPr id="38" name="文本框 37">
+                <a:extLst>
+                  <a:ext uri="{FF2B5EF4-FFF2-40B4-BE49-F238E27FC236}">
+                    <a16:creationId xmlns:a16="http://schemas.microsoft.com/office/drawing/2014/main" id="{4F05ADB0-0EA5-5048-A464-C4BEEEAC58DB}"/>
+                  </a:ext>
+                </a:extLst>
+              </p:cNvPr>
+              <p:cNvSpPr txBox="1"/>
+              <p:nvPr/>
+            </p:nvSpPr>
+            <p:spPr>
+              <a:xfrm>
+                <a:off x="408817" y="3778694"/>
+                <a:ext cx="4020331" cy="715773"/>
+              </a:xfrm>
+              <a:prstGeom prst="rect">
+                <a:avLst/>
+              </a:prstGeom>
+              <a:noFill/>
+            </p:spPr>
+            <p:txBody>
+              <a:bodyPr wrap="none" rtlCol="0">
+                <a:spAutoFit/>
+              </a:bodyPr>
+              <a:lstStyle/>
+              <a:p>
+                <a14:m>
+                  <m:oMathPara xmlns:m="http://schemas.openxmlformats.org/officeDocument/2006/math">
+                    <m:oMathParaPr>
+                      <m:jc m:val="centerGroup"/>
+                    </m:oMathParaPr>
+                    <m:oMath xmlns:m="http://schemas.openxmlformats.org/officeDocument/2006/math">
+                      <m:sSub>
+                        <m:sSubPr>
+                          <m:ctrlPr>
+                            <a:rPr kumimoji="1" lang="en-US" altLang="zh-CN" b="0" i="1" smtClean="0">
+                              <a:solidFill>
+                                <a:srgbClr val="FF0000"/>
+                              </a:solidFill>
+                              <a:latin typeface="Cambria Math" panose="02040503050406030204" pitchFamily="18" charset="0"/>
+                            </a:rPr>
+                          </m:ctrlPr>
+                        </m:sSubPr>
+                        <m:e>
+                          <m:r>
+                            <a:rPr kumimoji="1" lang="en-US" altLang="zh-CN" b="0" i="1" smtClean="0">
+                              <a:solidFill>
+                                <a:srgbClr val="FF0000"/>
+                              </a:solidFill>
+                              <a:latin typeface="Cambria Math" panose="02040503050406030204" pitchFamily="18" charset="0"/>
+                            </a:rPr>
+                            <m:t>𝜋</m:t>
+                          </m:r>
+                        </m:e>
+                        <m:sub>
+                          <m:r>
+                            <a:rPr kumimoji="1" lang="en-US" altLang="zh-CN" b="0" i="1" smtClean="0">
+                              <a:solidFill>
+                                <a:srgbClr val="FF0000"/>
+                              </a:solidFill>
+                              <a:latin typeface="Cambria Math" panose="02040503050406030204" pitchFamily="18" charset="0"/>
+                            </a:rPr>
+                            <m:t>𝑖</m:t>
+                          </m:r>
+                        </m:sub>
+                      </m:sSub>
+                      <m:r>
+                        <a:rPr kumimoji="1" lang="en-US" altLang="zh-CN" i="1">
+                          <a:latin typeface="Cambria Math" panose="02040503050406030204" pitchFamily="18" charset="0"/>
+                          <a:ea typeface="Cambria Math" panose="02040503050406030204" pitchFamily="18" charset="0"/>
+                        </a:rPr>
+                        <m:t>≜</m:t>
+                      </m:r>
+                      <m:acc>
+                        <m:accPr>
+                          <m:chr m:val="̂"/>
+                          <m:ctrlPr>
+                            <a:rPr kumimoji="1" lang="en-US" altLang="zh-CN" b="0" i="1" smtClean="0">
+                              <a:latin typeface="Cambria Math" panose="02040503050406030204" pitchFamily="18" charset="0"/>
+                              <a:ea typeface="Cambria Math" panose="02040503050406030204" pitchFamily="18" charset="0"/>
+                            </a:rPr>
+                          </m:ctrlPr>
+                        </m:accPr>
+                        <m:e>
+                          <m:r>
+                            <a:rPr kumimoji="1" lang="en-US" altLang="zh-CN" b="0" i="1" smtClean="0">
+                              <a:latin typeface="Cambria Math" panose="02040503050406030204" pitchFamily="18" charset="0"/>
+                              <a:ea typeface="Cambria Math" panose="02040503050406030204" pitchFamily="18" charset="0"/>
+                            </a:rPr>
+                            <m:t>𝑝</m:t>
+                          </m:r>
+                        </m:e>
+                      </m:acc>
+                      <m:d>
+                        <m:dPr>
+                          <m:ctrlPr>
+                            <a:rPr kumimoji="1" lang="en-US" altLang="zh-CN" b="0" i="1" smtClean="0">
+                              <a:latin typeface="Cambria Math" panose="02040503050406030204" pitchFamily="18" charset="0"/>
+                              <a:ea typeface="Cambria Math" panose="02040503050406030204" pitchFamily="18" charset="0"/>
+                            </a:rPr>
+                          </m:ctrlPr>
+                        </m:dPr>
+                        <m:e>
+                          <m:sSub>
+                            <m:sSubPr>
+                              <m:ctrlPr>
+                                <a:rPr kumimoji="1" lang="en-US" altLang="zh-CN" b="0" i="1" smtClean="0">
+                                  <a:latin typeface="Cambria Math" panose="02040503050406030204" pitchFamily="18" charset="0"/>
+                                  <a:ea typeface="Cambria Math" panose="02040503050406030204" pitchFamily="18" charset="0"/>
+                                </a:rPr>
+                              </m:ctrlPr>
+                            </m:sSubPr>
+                            <m:e>
+                              <m:r>
+                                <a:rPr kumimoji="1" lang="en-US" altLang="zh-CN" b="0" i="1" smtClean="0">
+                                  <a:latin typeface="Cambria Math" panose="02040503050406030204" pitchFamily="18" charset="0"/>
+                                  <a:ea typeface="Cambria Math" panose="02040503050406030204" pitchFamily="18" charset="0"/>
+                                </a:rPr>
+                                <m:t>𝑠</m:t>
+                              </m:r>
+                            </m:e>
+                            <m:sub>
+                              <m:r>
+                                <a:rPr kumimoji="1" lang="en-US" altLang="zh-CN" b="0" i="1" smtClean="0">
+                                  <a:latin typeface="Cambria Math" panose="02040503050406030204" pitchFamily="18" charset="0"/>
+                                  <a:ea typeface="Cambria Math" panose="02040503050406030204" pitchFamily="18" charset="0"/>
+                                </a:rPr>
+                                <m:t>𝑖</m:t>
+                              </m:r>
+                            </m:sub>
+                          </m:sSub>
+                          <m:r>
+                            <a:rPr kumimoji="1" lang="en-US" altLang="zh-CN" b="0" i="1" smtClean="0">
+                              <a:latin typeface="Cambria Math" panose="02040503050406030204" pitchFamily="18" charset="0"/>
+                              <a:ea typeface="Cambria Math" panose="02040503050406030204" pitchFamily="18" charset="0"/>
+                            </a:rPr>
+                            <m:t>=1</m:t>
+                          </m:r>
+                        </m:e>
+                      </m:d>
+                      <m:r>
+                        <a:rPr kumimoji="1" lang="en-US" altLang="zh-CN" b="0" i="1" smtClean="0">
+                          <a:latin typeface="Cambria Math" panose="02040503050406030204" pitchFamily="18" charset="0"/>
+                          <a:ea typeface="Cambria Math" panose="02040503050406030204" pitchFamily="18" charset="0"/>
+                        </a:rPr>
+                        <m:t>=</m:t>
+                      </m:r>
+                      <m:f>
+                        <m:fPr>
+                          <m:ctrlPr>
+                            <a:rPr kumimoji="1" lang="en-US" altLang="zh-CN" b="0" i="1" smtClean="0">
+                              <a:latin typeface="Cambria Math" panose="02040503050406030204" pitchFamily="18" charset="0"/>
+                              <a:ea typeface="Cambria Math" panose="02040503050406030204" pitchFamily="18" charset="0"/>
+                            </a:rPr>
+                          </m:ctrlPr>
+                        </m:fPr>
+                        <m:num>
+                          <m:sSub>
+                            <m:sSubPr>
+                              <m:ctrlPr>
+                                <a:rPr kumimoji="1" lang="en-US" altLang="zh-CN" b="0" i="1" smtClean="0">
+                                  <a:solidFill>
+                                    <a:srgbClr val="00B050"/>
+                                  </a:solidFill>
+                                  <a:latin typeface="Cambria Math" panose="02040503050406030204" pitchFamily="18" charset="0"/>
+                                  <a:ea typeface="Cambria Math" panose="02040503050406030204" pitchFamily="18" charset="0"/>
+                                </a:rPr>
+                              </m:ctrlPr>
+                            </m:sSubPr>
+                            <m:e>
+                              <m:r>
+                                <a:rPr kumimoji="1" lang="en-US" altLang="zh-CN" b="0" i="1" smtClean="0">
+                                  <a:solidFill>
+                                    <a:srgbClr val="00B050"/>
+                                  </a:solidFill>
+                                  <a:latin typeface="Cambria Math" panose="02040503050406030204" pitchFamily="18" charset="0"/>
+                                  <a:ea typeface="Cambria Math" panose="02040503050406030204" pitchFamily="18" charset="0"/>
+                                </a:rPr>
+                                <m:t>𝜈</m:t>
+                              </m:r>
+                            </m:e>
+                            <m:sub>
+                              <m:r>
+                                <a:rPr kumimoji="1" lang="en-US" altLang="zh-CN" b="0" i="1" smtClean="0">
+                                  <a:solidFill>
+                                    <a:srgbClr val="00B050"/>
+                                  </a:solidFill>
+                                  <a:latin typeface="Cambria Math" panose="02040503050406030204" pitchFamily="18" charset="0"/>
+                                  <a:ea typeface="Cambria Math" panose="02040503050406030204" pitchFamily="18" charset="0"/>
+                                </a:rPr>
+                                <m:t>h</m:t>
+                              </m:r>
+                              <m:r>
+                                <a:rPr kumimoji="1" lang="en-US" altLang="zh-CN" b="0" i="1" smtClean="0">
+                                  <a:solidFill>
+                                    <a:srgbClr val="00B050"/>
+                                  </a:solidFill>
+                                  <a:latin typeface="Cambria Math" panose="02040503050406030204" pitchFamily="18" charset="0"/>
+                                  <a:ea typeface="Cambria Math" panose="02040503050406030204" pitchFamily="18" charset="0"/>
+                                </a:rPr>
+                                <m:t>→</m:t>
+                              </m:r>
+                              <m:sSub>
+                                <m:sSubPr>
+                                  <m:ctrlPr>
+                                    <a:rPr kumimoji="1" lang="en-US" altLang="zh-CN" b="0" i="1" smtClean="0">
+                                      <a:solidFill>
+                                        <a:srgbClr val="00B050"/>
+                                      </a:solidFill>
+                                      <a:latin typeface="Cambria Math" panose="02040503050406030204" pitchFamily="18" charset="0"/>
+                                      <a:ea typeface="Cambria Math" panose="02040503050406030204" pitchFamily="18" charset="0"/>
+                                    </a:rPr>
+                                  </m:ctrlPr>
+                                </m:sSubPr>
+                                <m:e>
+                                  <m:r>
+                                    <a:rPr kumimoji="1" lang="en-US" altLang="zh-CN" b="0" i="1" smtClean="0">
+                                      <a:solidFill>
+                                        <a:srgbClr val="00B050"/>
+                                      </a:solidFill>
+                                      <a:latin typeface="Cambria Math" panose="02040503050406030204" pitchFamily="18" charset="0"/>
+                                      <a:ea typeface="Cambria Math" panose="02040503050406030204" pitchFamily="18" charset="0"/>
+                                    </a:rPr>
+                                    <m:t>𝑠</m:t>
+                                  </m:r>
+                                </m:e>
+                                <m:sub>
+                                  <m:r>
+                                    <a:rPr kumimoji="1" lang="en-US" altLang="zh-CN" b="0" i="1" smtClean="0">
+                                      <a:solidFill>
+                                        <a:srgbClr val="00B050"/>
+                                      </a:solidFill>
+                                      <a:latin typeface="Cambria Math" panose="02040503050406030204" pitchFamily="18" charset="0"/>
+                                      <a:ea typeface="Cambria Math" panose="02040503050406030204" pitchFamily="18" charset="0"/>
+                                    </a:rPr>
+                                    <m:t>𝑖</m:t>
+                                  </m:r>
+                                </m:sub>
+                              </m:sSub>
+                            </m:sub>
+                          </m:sSub>
+                          <m:r>
+                            <a:rPr kumimoji="1" lang="en-US" altLang="zh-CN" b="0" i="1" smtClean="0">
+                              <a:solidFill>
+                                <a:srgbClr val="00B050"/>
+                              </a:solidFill>
+                              <a:latin typeface="Cambria Math" panose="02040503050406030204" pitchFamily="18" charset="0"/>
+                              <a:ea typeface="Cambria Math" panose="02040503050406030204" pitchFamily="18" charset="0"/>
+                            </a:rPr>
+                            <m:t>(1)</m:t>
+                          </m:r>
+                        </m:num>
+                        <m:den>
+                          <m:sSub>
+                            <m:sSubPr>
+                              <m:ctrlPr>
+                                <a:rPr kumimoji="1" lang="en-US" altLang="zh-CN" i="1" smtClean="0">
+                                  <a:solidFill>
+                                    <a:srgbClr val="00B050"/>
+                                  </a:solidFill>
+                                  <a:latin typeface="Cambria Math" panose="02040503050406030204" pitchFamily="18" charset="0"/>
+                                  <a:ea typeface="Cambria Math" panose="02040503050406030204" pitchFamily="18" charset="0"/>
+                                </a:rPr>
+                              </m:ctrlPr>
+                            </m:sSubPr>
+                            <m:e>
+                              <m:r>
+                                <a:rPr kumimoji="1" lang="en-US" altLang="zh-CN" i="1">
+                                  <a:solidFill>
+                                    <a:srgbClr val="00B050"/>
+                                  </a:solidFill>
+                                  <a:latin typeface="Cambria Math" panose="02040503050406030204" pitchFamily="18" charset="0"/>
+                                  <a:ea typeface="Cambria Math" panose="02040503050406030204" pitchFamily="18" charset="0"/>
+                                </a:rPr>
+                                <m:t>𝜈</m:t>
+                              </m:r>
+                            </m:e>
+                            <m:sub>
+                              <m:r>
+                                <a:rPr kumimoji="1" lang="en-US" altLang="zh-CN" i="1">
+                                  <a:solidFill>
+                                    <a:srgbClr val="00B050"/>
+                                  </a:solidFill>
+                                  <a:latin typeface="Cambria Math" panose="02040503050406030204" pitchFamily="18" charset="0"/>
+                                  <a:ea typeface="Cambria Math" panose="02040503050406030204" pitchFamily="18" charset="0"/>
+                                </a:rPr>
+                                <m:t>h</m:t>
+                              </m:r>
+                              <m:r>
+                                <a:rPr kumimoji="1" lang="en-US" altLang="zh-CN" i="1">
+                                  <a:solidFill>
+                                    <a:srgbClr val="00B050"/>
+                                  </a:solidFill>
+                                  <a:latin typeface="Cambria Math" panose="02040503050406030204" pitchFamily="18" charset="0"/>
+                                  <a:ea typeface="Cambria Math" panose="02040503050406030204" pitchFamily="18" charset="0"/>
+                                </a:rPr>
+                                <m:t>→</m:t>
+                              </m:r>
+                              <m:sSub>
+                                <m:sSubPr>
+                                  <m:ctrlPr>
+                                    <a:rPr kumimoji="1" lang="en-US" altLang="zh-CN" i="1">
+                                      <a:solidFill>
+                                        <a:srgbClr val="00B050"/>
+                                      </a:solidFill>
+                                      <a:latin typeface="Cambria Math" panose="02040503050406030204" pitchFamily="18" charset="0"/>
+                                      <a:ea typeface="Cambria Math" panose="02040503050406030204" pitchFamily="18" charset="0"/>
+                                    </a:rPr>
+                                  </m:ctrlPr>
+                                </m:sSubPr>
+                                <m:e>
+                                  <m:r>
+                                    <a:rPr kumimoji="1" lang="en-US" altLang="zh-CN" i="1">
+                                      <a:solidFill>
+                                        <a:srgbClr val="00B050"/>
+                                      </a:solidFill>
+                                      <a:latin typeface="Cambria Math" panose="02040503050406030204" pitchFamily="18" charset="0"/>
+                                      <a:ea typeface="Cambria Math" panose="02040503050406030204" pitchFamily="18" charset="0"/>
+                                    </a:rPr>
+                                    <m:t>𝑠</m:t>
+                                  </m:r>
+                                </m:e>
+                                <m:sub>
+                                  <m:r>
+                                    <a:rPr kumimoji="1" lang="en-US" altLang="zh-CN" i="1">
+                                      <a:solidFill>
+                                        <a:srgbClr val="00B050"/>
+                                      </a:solidFill>
+                                      <a:latin typeface="Cambria Math" panose="02040503050406030204" pitchFamily="18" charset="0"/>
+                                      <a:ea typeface="Cambria Math" panose="02040503050406030204" pitchFamily="18" charset="0"/>
+                                    </a:rPr>
+                                    <m:t>𝑖</m:t>
+                                  </m:r>
+                                </m:sub>
+                              </m:sSub>
+                            </m:sub>
+                          </m:sSub>
+                          <m:d>
+                            <m:dPr>
+                              <m:ctrlPr>
+                                <a:rPr kumimoji="1" lang="en-US" altLang="zh-CN" i="1">
+                                  <a:solidFill>
+                                    <a:srgbClr val="00B050"/>
+                                  </a:solidFill>
+                                  <a:latin typeface="Cambria Math" panose="02040503050406030204" pitchFamily="18" charset="0"/>
+                                  <a:ea typeface="Cambria Math" panose="02040503050406030204" pitchFamily="18" charset="0"/>
+                                </a:rPr>
+                              </m:ctrlPr>
+                            </m:dPr>
+                            <m:e>
+                              <m:r>
+                                <a:rPr kumimoji="1" lang="en-US" altLang="zh-CN" i="1">
+                                  <a:solidFill>
+                                    <a:srgbClr val="00B050"/>
+                                  </a:solidFill>
+                                  <a:latin typeface="Cambria Math" panose="02040503050406030204" pitchFamily="18" charset="0"/>
+                                  <a:ea typeface="Cambria Math" panose="02040503050406030204" pitchFamily="18" charset="0"/>
+                                </a:rPr>
+                                <m:t>1</m:t>
+                              </m:r>
+                            </m:e>
+                          </m:d>
+                          <m:r>
+                            <a:rPr kumimoji="1" lang="en-US" altLang="zh-CN" b="0" i="1" smtClean="0">
+                              <a:latin typeface="Cambria Math" panose="02040503050406030204" pitchFamily="18" charset="0"/>
+                              <a:ea typeface="Cambria Math" panose="02040503050406030204" pitchFamily="18" charset="0"/>
+                            </a:rPr>
+                            <m:t>+</m:t>
+                          </m:r>
+                          <m:sSub>
+                            <m:sSubPr>
+                              <m:ctrlPr>
+                                <a:rPr kumimoji="1" lang="en-US" altLang="zh-CN" i="1" smtClean="0">
+                                  <a:solidFill>
+                                    <a:srgbClr val="00B050"/>
+                                  </a:solidFill>
+                                  <a:latin typeface="Cambria Math" panose="02040503050406030204" pitchFamily="18" charset="0"/>
+                                  <a:ea typeface="Cambria Math" panose="02040503050406030204" pitchFamily="18" charset="0"/>
+                                </a:rPr>
+                              </m:ctrlPr>
+                            </m:sSubPr>
+                            <m:e>
+                              <m:r>
+                                <a:rPr kumimoji="1" lang="en-US" altLang="zh-CN" i="1">
+                                  <a:solidFill>
+                                    <a:srgbClr val="00B050"/>
+                                  </a:solidFill>
+                                  <a:latin typeface="Cambria Math" panose="02040503050406030204" pitchFamily="18" charset="0"/>
+                                  <a:ea typeface="Cambria Math" panose="02040503050406030204" pitchFamily="18" charset="0"/>
+                                </a:rPr>
+                                <m:t>𝜈</m:t>
+                              </m:r>
+                            </m:e>
+                            <m:sub>
+                              <m:r>
+                                <a:rPr kumimoji="1" lang="en-US" altLang="zh-CN" i="1">
+                                  <a:solidFill>
+                                    <a:srgbClr val="00B050"/>
+                                  </a:solidFill>
+                                  <a:latin typeface="Cambria Math" panose="02040503050406030204" pitchFamily="18" charset="0"/>
+                                  <a:ea typeface="Cambria Math" panose="02040503050406030204" pitchFamily="18" charset="0"/>
+                                </a:rPr>
+                                <m:t>h</m:t>
+                              </m:r>
+                              <m:r>
+                                <a:rPr kumimoji="1" lang="en-US" altLang="zh-CN" i="1">
+                                  <a:solidFill>
+                                    <a:srgbClr val="00B050"/>
+                                  </a:solidFill>
+                                  <a:latin typeface="Cambria Math" panose="02040503050406030204" pitchFamily="18" charset="0"/>
+                                  <a:ea typeface="Cambria Math" panose="02040503050406030204" pitchFamily="18" charset="0"/>
+                                </a:rPr>
+                                <m:t>→</m:t>
+                              </m:r>
+                              <m:sSub>
+                                <m:sSubPr>
+                                  <m:ctrlPr>
+                                    <a:rPr kumimoji="1" lang="en-US" altLang="zh-CN" i="1">
+                                      <a:solidFill>
+                                        <a:srgbClr val="00B050"/>
+                                      </a:solidFill>
+                                      <a:latin typeface="Cambria Math" panose="02040503050406030204" pitchFamily="18" charset="0"/>
+                                      <a:ea typeface="Cambria Math" panose="02040503050406030204" pitchFamily="18" charset="0"/>
+                                    </a:rPr>
+                                  </m:ctrlPr>
+                                </m:sSubPr>
+                                <m:e>
+                                  <m:r>
+                                    <a:rPr kumimoji="1" lang="en-US" altLang="zh-CN" i="1">
+                                      <a:solidFill>
+                                        <a:srgbClr val="00B050"/>
+                                      </a:solidFill>
+                                      <a:latin typeface="Cambria Math" panose="02040503050406030204" pitchFamily="18" charset="0"/>
+                                      <a:ea typeface="Cambria Math" panose="02040503050406030204" pitchFamily="18" charset="0"/>
+                                    </a:rPr>
+                                    <m:t>𝑠</m:t>
+                                  </m:r>
+                                </m:e>
+                                <m:sub>
+                                  <m:r>
+                                    <a:rPr kumimoji="1" lang="en-US" altLang="zh-CN" i="1">
+                                      <a:solidFill>
+                                        <a:srgbClr val="00B050"/>
+                                      </a:solidFill>
+                                      <a:latin typeface="Cambria Math" panose="02040503050406030204" pitchFamily="18" charset="0"/>
+                                      <a:ea typeface="Cambria Math" panose="02040503050406030204" pitchFamily="18" charset="0"/>
+                                    </a:rPr>
+                                    <m:t>𝑖</m:t>
+                                  </m:r>
+                                </m:sub>
+                              </m:sSub>
+                            </m:sub>
+                          </m:sSub>
+                          <m:r>
+                            <a:rPr kumimoji="1" lang="en-US" altLang="zh-CN" i="1">
+                              <a:solidFill>
+                                <a:srgbClr val="00B050"/>
+                              </a:solidFill>
+                              <a:latin typeface="Cambria Math" panose="02040503050406030204" pitchFamily="18" charset="0"/>
+                              <a:ea typeface="Cambria Math" panose="02040503050406030204" pitchFamily="18" charset="0"/>
+                            </a:rPr>
+                            <m:t>(</m:t>
+                          </m:r>
+                          <m:r>
+                            <a:rPr kumimoji="1" lang="en-US" altLang="zh-CN" b="0" i="1" smtClean="0">
+                              <a:solidFill>
+                                <a:srgbClr val="00B050"/>
+                              </a:solidFill>
+                              <a:latin typeface="Cambria Math" panose="02040503050406030204" pitchFamily="18" charset="0"/>
+                              <a:ea typeface="Cambria Math" panose="02040503050406030204" pitchFamily="18" charset="0"/>
+                            </a:rPr>
+                            <m:t>0</m:t>
+                          </m:r>
+                          <m:r>
+                            <a:rPr kumimoji="1" lang="en-US" altLang="zh-CN" b="0" i="1" smtClean="0">
+                              <a:solidFill>
+                                <a:srgbClr val="00B050"/>
+                              </a:solidFill>
+                              <a:latin typeface="Cambria Math" panose="02040503050406030204" pitchFamily="18" charset="0"/>
+                              <a:ea typeface="Cambria Math" panose="02040503050406030204" pitchFamily="18" charset="0"/>
+                            </a:rPr>
+                            <m:t>)</m:t>
+                          </m:r>
+                        </m:den>
+                      </m:f>
+                    </m:oMath>
+                  </m:oMathPara>
+                </a14:m>
+                <a:endParaRPr kumimoji="1" lang="zh-CN" altLang="en-US" dirty="0" err="1">
+                  <a:latin typeface="Times" pitchFamily="2" charset="0"/>
+                </a:endParaRPr>
+              </a:p>
+            </p:txBody>
+          </p:sp>
+        </mc:Choice>
+        <mc:Fallback>
+          <p:sp>
+            <p:nvSpPr>
+              <p:cNvPr id="38" name="文本框 37">
+                <a:extLst>
+                  <a:ext uri="{FF2B5EF4-FFF2-40B4-BE49-F238E27FC236}">
+                    <a16:creationId xmlns:a16="http://schemas.microsoft.com/office/drawing/2014/main" id="{4F05ADB0-0EA5-5048-A464-C4BEEEAC58DB}"/>
+                  </a:ext>
+                </a:extLst>
+              </p:cNvPr>
+              <p:cNvSpPr txBox="1">
+                <a:spLocks noRot="1" noChangeAspect="1" noMove="1" noResize="1" noEditPoints="1" noAdjustHandles="1" noChangeArrowheads="1" noChangeShapeType="1" noTextEdit="1"/>
+              </p:cNvSpPr>
+              <p:nvPr/>
+            </p:nvSpPr>
+            <p:spPr>
+              <a:xfrm>
+                <a:off x="408817" y="3778694"/>
+                <a:ext cx="4020331" cy="715773"/>
+              </a:xfrm>
+              <a:prstGeom prst="rect">
+                <a:avLst/>
+              </a:prstGeom>
+              <a:blipFill>
+                <a:blip r:embed="rId6"/>
+                <a:stretch>
+                  <a:fillRect b="-3509"/>
+                </a:stretch>
+              </a:blipFill>
+            </p:spPr>
+            <p:txBody>
+              <a:bodyPr/>
+              <a:lstStyle/>
+              <a:p>
+                <a:r>
+                  <a:rPr lang="zh-CN" altLang="en-US">
+                    <a:noFill/>
+                  </a:rPr>
+                  <a:t> </a:t>
+                </a:r>
+              </a:p>
+            </p:txBody>
+          </p:sp>
+        </mc:Fallback>
+      </mc:AlternateContent>
+      <p:cxnSp>
+        <p:nvCxnSpPr>
+          <p:cNvPr id="40" name="直线箭头连接符 39">
+            <a:extLst>
+              <a:ext uri="{FF2B5EF4-FFF2-40B4-BE49-F238E27FC236}">
+                <a16:creationId xmlns:a16="http://schemas.microsoft.com/office/drawing/2014/main" id="{49D36461-C446-794C-84AD-1606EC13CD04}"/>
+              </a:ext>
+            </a:extLst>
+          </p:cNvPr>
+          <p:cNvCxnSpPr>
+            <a:cxnSpLocks/>
+          </p:cNvCxnSpPr>
+          <p:nvPr/>
+        </p:nvCxnSpPr>
+        <p:spPr>
+          <a:xfrm>
+            <a:off x="724395" y="4309355"/>
+            <a:ext cx="0" cy="312793"/>
+          </a:xfrm>
+          <a:prstGeom prst="straightConnector1">
+            <a:avLst/>
+          </a:prstGeom>
+          <a:ln w="38100">
+            <a:solidFill>
+              <a:schemeClr val="tx1"/>
+            </a:solidFill>
+            <a:tailEnd type="triangle"/>
+          </a:ln>
+        </p:spPr>
+        <p:style>
+          <a:lnRef idx="1">
+            <a:schemeClr val="accent1"/>
+          </a:lnRef>
+          <a:fillRef idx="0">
+            <a:schemeClr val="accent1"/>
+          </a:fillRef>
+          <a:effectRef idx="0">
+            <a:schemeClr val="accent1"/>
+          </a:effectRef>
+          <a:fontRef idx="minor">
+            <a:schemeClr val="tx1"/>
+          </a:fontRef>
+        </p:style>
+      </p:cxnSp>
+      <p:cxnSp>
+        <p:nvCxnSpPr>
+          <p:cNvPr id="42" name="直线箭头连接符 41">
+            <a:extLst>
+              <a:ext uri="{FF2B5EF4-FFF2-40B4-BE49-F238E27FC236}">
+                <a16:creationId xmlns:a16="http://schemas.microsoft.com/office/drawing/2014/main" id="{5976A1D6-5F3F-1048-993F-99C9B0754968}"/>
+              </a:ext>
+            </a:extLst>
+          </p:cNvPr>
+          <p:cNvCxnSpPr>
+            <a:cxnSpLocks/>
+          </p:cNvCxnSpPr>
+          <p:nvPr/>
+        </p:nvCxnSpPr>
+        <p:spPr>
+          <a:xfrm>
+            <a:off x="1933788" y="5268479"/>
+            <a:ext cx="0" cy="312793"/>
+          </a:xfrm>
+          <a:prstGeom prst="straightConnector1">
+            <a:avLst/>
+          </a:prstGeom>
+          <a:ln w="38100">
+            <a:solidFill>
+              <a:schemeClr val="tx1"/>
+            </a:solidFill>
+            <a:tailEnd type="triangle"/>
+          </a:ln>
+        </p:spPr>
+        <p:style>
+          <a:lnRef idx="1">
+            <a:schemeClr val="accent1"/>
+          </a:lnRef>
+          <a:fillRef idx="0">
+            <a:schemeClr val="accent1"/>
+          </a:fillRef>
+          <a:effectRef idx="0">
+            <a:schemeClr val="accent1"/>
+          </a:effectRef>
+          <a:fontRef idx="minor">
+            <a:schemeClr val="tx1"/>
+          </a:fontRef>
+        </p:style>
+      </p:cxnSp>
+      <mc:AlternateContent xmlns:mc="http://schemas.openxmlformats.org/markup-compatibility/2006">
+        <mc:Choice xmlns:a14="http://schemas.microsoft.com/office/drawing/2010/main" Requires="a14">
+          <p:sp>
+            <p:nvSpPr>
+              <p:cNvPr id="43" name="文本框 42">
+                <a:extLst>
+                  <a:ext uri="{FF2B5EF4-FFF2-40B4-BE49-F238E27FC236}">
+                    <a16:creationId xmlns:a16="http://schemas.microsoft.com/office/drawing/2014/main" id="{5D0FD79E-CD6F-374C-AFA2-06EEA2D76E00}"/>
+                  </a:ext>
+                </a:extLst>
+              </p:cNvPr>
+              <p:cNvSpPr txBox="1"/>
+              <p:nvPr/>
+            </p:nvSpPr>
+            <p:spPr>
+              <a:xfrm>
+                <a:off x="558140" y="5890161"/>
+                <a:ext cx="3644203" cy="702949"/>
+              </a:xfrm>
+              <a:prstGeom prst="rect">
+                <a:avLst/>
+              </a:prstGeom>
+              <a:noFill/>
+            </p:spPr>
+            <p:txBody>
+              <a:bodyPr wrap="none" rtlCol="0">
+                <a:spAutoFit/>
+              </a:bodyPr>
+              <a:lstStyle/>
+              <a:p>
+                <a14:m>
+                  <m:oMathPara xmlns:m="http://schemas.openxmlformats.org/officeDocument/2006/math">
+                    <m:oMathParaPr>
+                      <m:jc m:val="centerGroup"/>
+                    </m:oMathParaPr>
+                    <m:oMath xmlns:m="http://schemas.openxmlformats.org/officeDocument/2006/math">
+                      <m:sSub>
+                        <m:sSubPr>
+                          <m:ctrlPr>
+                            <a:rPr kumimoji="1" lang="en-US" altLang="zh-CN" b="0" i="1" smtClean="0">
+                              <a:solidFill>
+                                <a:srgbClr val="FF0000"/>
+                              </a:solidFill>
+                              <a:latin typeface="Cambria Math" panose="02040503050406030204" pitchFamily="18" charset="0"/>
+                            </a:rPr>
+                          </m:ctrlPr>
+                        </m:sSubPr>
+                        <m:e>
+                          <m:r>
+                            <a:rPr kumimoji="1" lang="en-US" altLang="zh-CN" b="0" i="1" smtClean="0">
+                              <a:solidFill>
+                                <a:srgbClr val="FF0000"/>
+                              </a:solidFill>
+                              <a:latin typeface="Cambria Math" panose="02040503050406030204" pitchFamily="18" charset="0"/>
+                            </a:rPr>
+                            <m:t>𝜈</m:t>
+                          </m:r>
+                        </m:e>
+                        <m:sub>
+                          <m:sSub>
+                            <m:sSubPr>
+                              <m:ctrlPr>
+                                <a:rPr kumimoji="1" lang="en-US" altLang="zh-CN" b="0" i="1" smtClean="0">
+                                  <a:solidFill>
+                                    <a:srgbClr val="FF0000"/>
+                                  </a:solidFill>
+                                  <a:latin typeface="Cambria Math" panose="02040503050406030204" pitchFamily="18" charset="0"/>
+                                </a:rPr>
+                              </m:ctrlPr>
+                            </m:sSubPr>
+                            <m:e>
+                              <m:r>
+                                <a:rPr kumimoji="1" lang="en-US" altLang="zh-CN" b="0" i="1" smtClean="0">
+                                  <a:solidFill>
+                                    <a:srgbClr val="FF0000"/>
+                                  </a:solidFill>
+                                  <a:latin typeface="Cambria Math" panose="02040503050406030204" pitchFamily="18" charset="0"/>
+                                </a:rPr>
+                                <m:t>𝜂</m:t>
+                              </m:r>
+                            </m:e>
+                            <m:sub>
+                              <m:r>
+                                <a:rPr kumimoji="1" lang="en-US" altLang="zh-CN" b="0" i="1" smtClean="0">
+                                  <a:solidFill>
+                                    <a:srgbClr val="FF0000"/>
+                                  </a:solidFill>
+                                  <a:latin typeface="Cambria Math" panose="02040503050406030204" pitchFamily="18" charset="0"/>
+                                </a:rPr>
+                                <m:t>𝑖</m:t>
+                              </m:r>
+                            </m:sub>
+                          </m:sSub>
+                          <m:r>
+                            <a:rPr kumimoji="1" lang="en-US" altLang="zh-CN" b="0" i="1" smtClean="0">
+                              <a:solidFill>
+                                <a:srgbClr val="FF0000"/>
+                              </a:solidFill>
+                              <a:latin typeface="Cambria Math" panose="02040503050406030204" pitchFamily="18" charset="0"/>
+                            </a:rPr>
+                            <m:t>→</m:t>
+                          </m:r>
+                          <m:sSub>
+                            <m:sSubPr>
+                              <m:ctrlPr>
+                                <a:rPr kumimoji="1" lang="en-US" altLang="zh-CN" b="0" i="1" smtClean="0">
+                                  <a:solidFill>
+                                    <a:srgbClr val="FF0000"/>
+                                  </a:solidFill>
+                                  <a:latin typeface="Cambria Math" panose="02040503050406030204" pitchFamily="18" charset="0"/>
+                                </a:rPr>
+                              </m:ctrlPr>
+                            </m:sSubPr>
+                            <m:e>
+                              <m:r>
+                                <a:rPr kumimoji="1" lang="en-US" altLang="zh-CN" b="0" i="1" smtClean="0">
+                                  <a:solidFill>
+                                    <a:srgbClr val="FF0000"/>
+                                  </a:solidFill>
+                                  <a:latin typeface="Cambria Math" panose="02040503050406030204" pitchFamily="18" charset="0"/>
+                                </a:rPr>
+                                <m:t>𝑠</m:t>
+                              </m:r>
+                            </m:e>
+                            <m:sub>
+                              <m:r>
+                                <a:rPr kumimoji="1" lang="en-US" altLang="zh-CN" b="0" i="1" smtClean="0">
+                                  <a:solidFill>
+                                    <a:srgbClr val="FF0000"/>
+                                  </a:solidFill>
+                                  <a:latin typeface="Cambria Math" panose="02040503050406030204" pitchFamily="18" charset="0"/>
+                                </a:rPr>
+                                <m:t>𝑖</m:t>
+                              </m:r>
+                            </m:sub>
+                          </m:sSub>
+                        </m:sub>
+                      </m:sSub>
+                      <m:d>
+                        <m:dPr>
+                          <m:ctrlPr>
+                            <a:rPr kumimoji="1" lang="en-US" altLang="zh-CN" b="0" i="1" smtClean="0">
+                              <a:solidFill>
+                                <a:srgbClr val="FF0000"/>
+                              </a:solidFill>
+                              <a:latin typeface="Cambria Math" panose="02040503050406030204" pitchFamily="18" charset="0"/>
+                            </a:rPr>
+                          </m:ctrlPr>
+                        </m:dPr>
+                        <m:e>
+                          <m:sSub>
+                            <m:sSubPr>
+                              <m:ctrlPr>
+                                <a:rPr kumimoji="1" lang="en-US" altLang="zh-CN" b="0" i="1" smtClean="0">
+                                  <a:solidFill>
+                                    <a:srgbClr val="FF0000"/>
+                                  </a:solidFill>
+                                  <a:latin typeface="Cambria Math" panose="02040503050406030204" pitchFamily="18" charset="0"/>
+                                </a:rPr>
+                              </m:ctrlPr>
+                            </m:sSubPr>
+                            <m:e>
+                              <m:r>
+                                <a:rPr kumimoji="1" lang="en-US" altLang="zh-CN" b="0" i="1" smtClean="0">
+                                  <a:solidFill>
+                                    <a:srgbClr val="FF0000"/>
+                                  </a:solidFill>
+                                  <a:latin typeface="Cambria Math" panose="02040503050406030204" pitchFamily="18" charset="0"/>
+                                </a:rPr>
+                                <m:t>𝑠</m:t>
+                              </m:r>
+                            </m:e>
+                            <m:sub>
+                              <m:r>
+                                <a:rPr kumimoji="1" lang="en-US" altLang="zh-CN" b="0" i="1" smtClean="0">
+                                  <a:solidFill>
+                                    <a:srgbClr val="FF0000"/>
+                                  </a:solidFill>
+                                  <a:latin typeface="Cambria Math" panose="02040503050406030204" pitchFamily="18" charset="0"/>
+                                </a:rPr>
+                                <m:t>𝑖</m:t>
+                              </m:r>
+                            </m:sub>
+                          </m:sSub>
+                        </m:e>
+                      </m:d>
+                      <m:r>
+                        <a:rPr kumimoji="1" lang="en-US" altLang="zh-CN" b="0" i="0" smtClean="0">
+                          <a:latin typeface="Cambria Math" panose="02040503050406030204" pitchFamily="18" charset="0"/>
+                        </a:rPr>
+                        <m:t>=</m:t>
+                      </m:r>
+                      <m:f>
+                        <m:fPr>
+                          <m:ctrlPr>
+                            <a:rPr kumimoji="1" lang="en-US" altLang="zh-CN" b="0" i="1" smtClean="0">
+                              <a:latin typeface="Cambria Math" panose="02040503050406030204" pitchFamily="18" charset="0"/>
+                            </a:rPr>
+                          </m:ctrlPr>
+                        </m:fPr>
+                        <m:num>
+                          <m:r>
+                            <a:rPr kumimoji="1" lang="en-US" altLang="zh-CN" b="0" i="1" smtClean="0">
+                              <a:latin typeface="Cambria Math" panose="02040503050406030204" pitchFamily="18" charset="0"/>
+                            </a:rPr>
+                            <m:t>𝑞</m:t>
+                          </m:r>
+                          <m:r>
+                            <a:rPr kumimoji="1" lang="en-US" altLang="zh-CN" b="0" i="1" smtClean="0">
+                              <a:latin typeface="Cambria Math" panose="02040503050406030204" pitchFamily="18" charset="0"/>
+                            </a:rPr>
+                            <m:t>(</m:t>
+                          </m:r>
+                          <m:sSub>
+                            <m:sSubPr>
+                              <m:ctrlPr>
+                                <a:rPr kumimoji="1" lang="en-US" altLang="zh-CN" b="0" i="1" smtClean="0">
+                                  <a:latin typeface="Cambria Math" panose="02040503050406030204" pitchFamily="18" charset="0"/>
+                                </a:rPr>
+                              </m:ctrlPr>
+                            </m:sSubPr>
+                            <m:e>
+                              <m:r>
+                                <a:rPr kumimoji="1" lang="en-US" altLang="zh-CN" b="0" i="1" smtClean="0">
+                                  <a:latin typeface="Cambria Math" panose="02040503050406030204" pitchFamily="18" charset="0"/>
+                                </a:rPr>
+                                <m:t>𝑠</m:t>
+                              </m:r>
+                            </m:e>
+                            <m:sub>
+                              <m:r>
+                                <a:rPr kumimoji="1" lang="en-US" altLang="zh-CN" b="0" i="1" smtClean="0">
+                                  <a:latin typeface="Cambria Math" panose="02040503050406030204" pitchFamily="18" charset="0"/>
+                                </a:rPr>
+                                <m:t>𝑖</m:t>
+                              </m:r>
+                            </m:sub>
+                          </m:sSub>
+                          <m:r>
+                            <a:rPr kumimoji="1" lang="en-US" altLang="zh-CN" b="0" i="1" smtClean="0">
+                              <a:latin typeface="Cambria Math" panose="02040503050406030204" pitchFamily="18" charset="0"/>
+                            </a:rPr>
+                            <m:t>)</m:t>
+                          </m:r>
+                        </m:num>
+                        <m:den>
+                          <m:sSub>
+                            <m:sSubPr>
+                              <m:ctrlPr>
+                                <a:rPr kumimoji="1" lang="en-US" altLang="zh-CN" b="0" i="1" smtClean="0">
+                                  <a:latin typeface="Cambria Math" panose="02040503050406030204" pitchFamily="18" charset="0"/>
+                                </a:rPr>
+                              </m:ctrlPr>
+                            </m:sSubPr>
+                            <m:e>
+                              <m:r>
+                                <a:rPr kumimoji="1" lang="en-US" altLang="zh-CN" b="0" i="1" smtClean="0">
+                                  <a:latin typeface="Cambria Math" panose="02040503050406030204" pitchFamily="18" charset="0"/>
+                                </a:rPr>
+                                <m:t>𝜈</m:t>
+                              </m:r>
+                            </m:e>
+                            <m:sub>
+                              <m:sSub>
+                                <m:sSubPr>
+                                  <m:ctrlPr>
+                                    <a:rPr kumimoji="1" lang="en-US" altLang="zh-CN" b="0" i="1" smtClean="0">
+                                      <a:latin typeface="Cambria Math" panose="02040503050406030204" pitchFamily="18" charset="0"/>
+                                    </a:rPr>
+                                  </m:ctrlPr>
+                                </m:sSubPr>
+                                <m:e>
+                                  <m:r>
+                                    <a:rPr kumimoji="1" lang="en-US" altLang="zh-CN" b="0" i="1" smtClean="0">
+                                      <a:latin typeface="Cambria Math" panose="02040503050406030204" pitchFamily="18" charset="0"/>
+                                    </a:rPr>
+                                    <m:t>𝑠</m:t>
+                                  </m:r>
+                                </m:e>
+                                <m:sub>
+                                  <m:r>
+                                    <a:rPr kumimoji="1" lang="en-US" altLang="zh-CN" b="0" i="1" smtClean="0">
+                                      <a:latin typeface="Cambria Math" panose="02040503050406030204" pitchFamily="18" charset="0"/>
+                                    </a:rPr>
+                                    <m:t>𝑖</m:t>
+                                  </m:r>
+                                </m:sub>
+                              </m:sSub>
+                              <m:r>
+                                <a:rPr kumimoji="1" lang="en-US" altLang="zh-CN" b="0" i="1" smtClean="0">
+                                  <a:latin typeface="Cambria Math" panose="02040503050406030204" pitchFamily="18" charset="0"/>
+                                </a:rPr>
+                                <m:t>→</m:t>
+                              </m:r>
+                              <m:sSub>
+                                <m:sSubPr>
+                                  <m:ctrlPr>
+                                    <a:rPr kumimoji="1" lang="en-US" altLang="zh-CN" b="0" i="1" smtClean="0">
+                                      <a:latin typeface="Cambria Math" panose="02040503050406030204" pitchFamily="18" charset="0"/>
+                                    </a:rPr>
+                                  </m:ctrlPr>
+                                </m:sSubPr>
+                                <m:e>
+                                  <m:r>
+                                    <a:rPr kumimoji="1" lang="en-US" altLang="zh-CN" b="0" i="1" smtClean="0">
+                                      <a:latin typeface="Cambria Math" panose="02040503050406030204" pitchFamily="18" charset="0"/>
+                                    </a:rPr>
+                                    <m:t>𝜂</m:t>
+                                  </m:r>
+                                </m:e>
+                                <m:sub>
+                                  <m:r>
+                                    <a:rPr kumimoji="1" lang="en-US" altLang="zh-CN" b="0" i="1" smtClean="0">
+                                      <a:latin typeface="Cambria Math" panose="02040503050406030204" pitchFamily="18" charset="0"/>
+                                    </a:rPr>
+                                    <m:t>𝑖</m:t>
+                                  </m:r>
+                                </m:sub>
+                              </m:sSub>
+                            </m:sub>
+                          </m:sSub>
+                          <m:r>
+                            <a:rPr kumimoji="1" lang="en-US" altLang="zh-CN" b="0" i="1" smtClean="0">
+                              <a:latin typeface="Cambria Math" panose="02040503050406030204" pitchFamily="18" charset="0"/>
+                            </a:rPr>
+                            <m:t>(</m:t>
+                          </m:r>
+                          <m:sSub>
+                            <m:sSubPr>
+                              <m:ctrlPr>
+                                <a:rPr kumimoji="1" lang="en-US" altLang="zh-CN" b="0" i="1" smtClean="0">
+                                  <a:latin typeface="Cambria Math" panose="02040503050406030204" pitchFamily="18" charset="0"/>
+                                </a:rPr>
+                              </m:ctrlPr>
+                            </m:sSubPr>
+                            <m:e>
+                              <m:r>
+                                <a:rPr kumimoji="1" lang="en-US" altLang="zh-CN" b="0" i="1" smtClean="0">
+                                  <a:latin typeface="Cambria Math" panose="02040503050406030204" pitchFamily="18" charset="0"/>
+                                </a:rPr>
+                                <m:t>𝑠</m:t>
+                              </m:r>
+                            </m:e>
+                            <m:sub>
+                              <m:r>
+                                <a:rPr kumimoji="1" lang="en-US" altLang="zh-CN" b="0" i="1" smtClean="0">
+                                  <a:latin typeface="Cambria Math" panose="02040503050406030204" pitchFamily="18" charset="0"/>
+                                </a:rPr>
+                                <m:t>𝑖</m:t>
+                              </m:r>
+                            </m:sub>
+                          </m:sSub>
+                          <m:r>
+                            <a:rPr kumimoji="1" lang="en-US" altLang="zh-CN" b="0" i="1" smtClean="0">
+                              <a:latin typeface="Cambria Math" panose="02040503050406030204" pitchFamily="18" charset="0"/>
+                            </a:rPr>
+                            <m:t>)</m:t>
+                          </m:r>
+                        </m:den>
+                      </m:f>
+                      <m:r>
+                        <a:rPr kumimoji="1" lang="en-US" altLang="zh-CN" b="0" i="1" smtClean="0">
+                          <a:latin typeface="Cambria Math" panose="02040503050406030204" pitchFamily="18" charset="0"/>
+                        </a:rPr>
+                        <m:t>=</m:t>
+                      </m:r>
+                      <m:f>
+                        <m:fPr>
+                          <m:ctrlPr>
+                            <a:rPr kumimoji="1" lang="en-US" altLang="zh-CN" i="1">
+                              <a:latin typeface="Cambria Math" panose="02040503050406030204" pitchFamily="18" charset="0"/>
+                            </a:rPr>
+                          </m:ctrlPr>
+                        </m:fPr>
+                        <m:num>
+                          <m:r>
+                            <a:rPr kumimoji="1" lang="en-US" altLang="zh-CN" i="1">
+                              <a:latin typeface="Cambria Math" panose="02040503050406030204" pitchFamily="18" charset="0"/>
+                            </a:rPr>
+                            <m:t>𝑞</m:t>
+                          </m:r>
+                          <m:r>
+                            <a:rPr kumimoji="1" lang="en-US" altLang="zh-CN" i="1">
+                              <a:latin typeface="Cambria Math" panose="02040503050406030204" pitchFamily="18" charset="0"/>
+                            </a:rPr>
+                            <m:t>(</m:t>
+                          </m:r>
+                          <m:sSub>
+                            <m:sSubPr>
+                              <m:ctrlPr>
+                                <a:rPr kumimoji="1" lang="en-US" altLang="zh-CN" i="1">
+                                  <a:latin typeface="Cambria Math" panose="02040503050406030204" pitchFamily="18" charset="0"/>
+                                </a:rPr>
+                              </m:ctrlPr>
+                            </m:sSubPr>
+                            <m:e>
+                              <m:r>
+                                <a:rPr kumimoji="1" lang="en-US" altLang="zh-CN" i="1">
+                                  <a:latin typeface="Cambria Math" panose="02040503050406030204" pitchFamily="18" charset="0"/>
+                                </a:rPr>
+                                <m:t>𝑠</m:t>
+                              </m:r>
+                            </m:e>
+                            <m:sub>
+                              <m:r>
+                                <a:rPr kumimoji="1" lang="en-US" altLang="zh-CN" i="1">
+                                  <a:latin typeface="Cambria Math" panose="02040503050406030204" pitchFamily="18" charset="0"/>
+                                </a:rPr>
+                                <m:t>𝑖</m:t>
+                              </m:r>
+                            </m:sub>
+                          </m:sSub>
+                          <m:r>
+                            <a:rPr kumimoji="1" lang="en-US" altLang="zh-CN" i="1">
+                              <a:latin typeface="Cambria Math" panose="02040503050406030204" pitchFamily="18" charset="0"/>
+                            </a:rPr>
+                            <m:t>)</m:t>
+                          </m:r>
+                        </m:num>
+                        <m:den>
+                          <m:sSub>
+                            <m:sSubPr>
+                              <m:ctrlPr>
+                                <a:rPr kumimoji="1" lang="en-US" altLang="zh-CN" i="1" smtClean="0">
+                                  <a:solidFill>
+                                    <a:srgbClr val="00B050"/>
+                                  </a:solidFill>
+                                  <a:latin typeface="Cambria Math" panose="02040503050406030204" pitchFamily="18" charset="0"/>
+                                </a:rPr>
+                              </m:ctrlPr>
+                            </m:sSubPr>
+                            <m:e>
+                              <m:r>
+                                <a:rPr kumimoji="1" lang="en-US" altLang="zh-CN" i="1">
+                                  <a:solidFill>
+                                    <a:srgbClr val="00B050"/>
+                                  </a:solidFill>
+                                  <a:latin typeface="Cambria Math" panose="02040503050406030204" pitchFamily="18" charset="0"/>
+                                </a:rPr>
+                                <m:t>𝜈</m:t>
+                              </m:r>
+                            </m:e>
+                            <m:sub>
+                              <m:r>
+                                <a:rPr kumimoji="1" lang="en-US" altLang="zh-CN" b="0" i="1" smtClean="0">
+                                  <a:solidFill>
+                                    <a:srgbClr val="00B050"/>
+                                  </a:solidFill>
+                                  <a:latin typeface="Cambria Math" panose="02040503050406030204" pitchFamily="18" charset="0"/>
+                                </a:rPr>
+                                <m:t>h</m:t>
+                              </m:r>
+                              <m:r>
+                                <a:rPr kumimoji="1" lang="en-US" altLang="zh-CN" b="0" i="1" smtClean="0">
+                                  <a:solidFill>
+                                    <a:srgbClr val="00B050"/>
+                                  </a:solidFill>
+                                  <a:latin typeface="Cambria Math" panose="02040503050406030204" pitchFamily="18" charset="0"/>
+                                </a:rPr>
+                                <m:t>→</m:t>
+                              </m:r>
+                              <m:sSub>
+                                <m:sSubPr>
+                                  <m:ctrlPr>
+                                    <a:rPr kumimoji="1" lang="en-US" altLang="zh-CN" b="0" i="1" smtClean="0">
+                                      <a:solidFill>
+                                        <a:srgbClr val="00B050"/>
+                                      </a:solidFill>
+                                      <a:latin typeface="Cambria Math" panose="02040503050406030204" pitchFamily="18" charset="0"/>
+                                    </a:rPr>
+                                  </m:ctrlPr>
+                                </m:sSubPr>
+                                <m:e>
+                                  <m:r>
+                                    <a:rPr kumimoji="1" lang="en-US" altLang="zh-CN" b="0" i="1" smtClean="0">
+                                      <a:solidFill>
+                                        <a:srgbClr val="00B050"/>
+                                      </a:solidFill>
+                                      <a:latin typeface="Cambria Math" panose="02040503050406030204" pitchFamily="18" charset="0"/>
+                                    </a:rPr>
+                                    <m:t>𝑠</m:t>
+                                  </m:r>
+                                </m:e>
+                                <m:sub>
+                                  <m:r>
+                                    <a:rPr kumimoji="1" lang="en-US" altLang="zh-CN" b="0" i="1" smtClean="0">
+                                      <a:solidFill>
+                                        <a:srgbClr val="00B050"/>
+                                      </a:solidFill>
+                                      <a:latin typeface="Cambria Math" panose="02040503050406030204" pitchFamily="18" charset="0"/>
+                                    </a:rPr>
+                                    <m:t>𝑖</m:t>
+                                  </m:r>
+                                </m:sub>
+                              </m:sSub>
+                            </m:sub>
+                          </m:sSub>
+                          <m:r>
+                            <a:rPr kumimoji="1" lang="en-US" altLang="zh-CN" i="1">
+                              <a:solidFill>
+                                <a:srgbClr val="00B050"/>
+                              </a:solidFill>
+                              <a:latin typeface="Cambria Math" panose="02040503050406030204" pitchFamily="18" charset="0"/>
+                            </a:rPr>
+                            <m:t>(</m:t>
+                          </m:r>
+                          <m:sSub>
+                            <m:sSubPr>
+                              <m:ctrlPr>
+                                <a:rPr kumimoji="1" lang="en-US" altLang="zh-CN" i="1">
+                                  <a:solidFill>
+                                    <a:srgbClr val="00B050"/>
+                                  </a:solidFill>
+                                  <a:latin typeface="Cambria Math" panose="02040503050406030204" pitchFamily="18" charset="0"/>
+                                </a:rPr>
+                              </m:ctrlPr>
+                            </m:sSubPr>
+                            <m:e>
+                              <m:r>
+                                <a:rPr kumimoji="1" lang="en-US" altLang="zh-CN" i="1">
+                                  <a:solidFill>
+                                    <a:srgbClr val="00B050"/>
+                                  </a:solidFill>
+                                  <a:latin typeface="Cambria Math" panose="02040503050406030204" pitchFamily="18" charset="0"/>
+                                </a:rPr>
+                                <m:t>𝑠</m:t>
+                              </m:r>
+                            </m:e>
+                            <m:sub>
+                              <m:r>
+                                <a:rPr kumimoji="1" lang="en-US" altLang="zh-CN" i="1">
+                                  <a:solidFill>
+                                    <a:srgbClr val="00B050"/>
+                                  </a:solidFill>
+                                  <a:latin typeface="Cambria Math" panose="02040503050406030204" pitchFamily="18" charset="0"/>
+                                </a:rPr>
+                                <m:t>𝑖</m:t>
+                              </m:r>
+                            </m:sub>
+                          </m:sSub>
+                          <m:r>
+                            <a:rPr kumimoji="1" lang="en-US" altLang="zh-CN" b="0" i="1" smtClean="0">
+                              <a:solidFill>
+                                <a:srgbClr val="00B050"/>
+                              </a:solidFill>
+                              <a:latin typeface="Cambria Math" panose="02040503050406030204" pitchFamily="18" charset="0"/>
+                            </a:rPr>
+                            <m:t>)</m:t>
+                          </m:r>
+                        </m:den>
+                      </m:f>
+                    </m:oMath>
+                  </m:oMathPara>
+                </a14:m>
+                <a:endParaRPr kumimoji="1" lang="zh-CN" altLang="en-US" dirty="0" err="1">
+                  <a:latin typeface="Times" pitchFamily="2" charset="0"/>
+                </a:endParaRPr>
+              </a:p>
+            </p:txBody>
+          </p:sp>
+        </mc:Choice>
+        <mc:Fallback>
+          <p:sp>
+            <p:nvSpPr>
+              <p:cNvPr id="43" name="文本框 42">
+                <a:extLst>
+                  <a:ext uri="{FF2B5EF4-FFF2-40B4-BE49-F238E27FC236}">
+                    <a16:creationId xmlns:a16="http://schemas.microsoft.com/office/drawing/2014/main" id="{5D0FD79E-CD6F-374C-AFA2-06EEA2D76E00}"/>
+                  </a:ext>
+                </a:extLst>
+              </p:cNvPr>
+              <p:cNvSpPr txBox="1">
+                <a:spLocks noRot="1" noChangeAspect="1" noMove="1" noResize="1" noEditPoints="1" noAdjustHandles="1" noChangeArrowheads="1" noChangeShapeType="1" noTextEdit="1"/>
+              </p:cNvSpPr>
+              <p:nvPr/>
+            </p:nvSpPr>
+            <p:spPr>
+              <a:xfrm>
+                <a:off x="558140" y="5890161"/>
+                <a:ext cx="3644203" cy="702949"/>
+              </a:xfrm>
+              <a:prstGeom prst="rect">
+                <a:avLst/>
+              </a:prstGeom>
+              <a:blipFill>
+                <a:blip r:embed="rId7"/>
+                <a:stretch>
+                  <a:fillRect b="-3509"/>
+                </a:stretch>
+              </a:blipFill>
+            </p:spPr>
+            <p:txBody>
+              <a:bodyPr/>
+              <a:lstStyle/>
+              <a:p>
+                <a:r>
+                  <a:rPr lang="zh-CN" altLang="en-US">
+                    <a:noFill/>
+                  </a:rPr>
+                  <a:t> </a:t>
+                </a:r>
+              </a:p>
+            </p:txBody>
+          </p:sp>
+        </mc:Fallback>
+      </mc:AlternateContent>
+      <p:cxnSp>
+        <p:nvCxnSpPr>
+          <p:cNvPr id="45" name="直线箭头连接符 44">
+            <a:extLst>
+              <a:ext uri="{FF2B5EF4-FFF2-40B4-BE49-F238E27FC236}">
+                <a16:creationId xmlns:a16="http://schemas.microsoft.com/office/drawing/2014/main" id="{1E452376-3E43-C24E-B581-8B425B95C8F3}"/>
+              </a:ext>
+            </a:extLst>
+          </p:cNvPr>
+          <p:cNvCxnSpPr>
+            <a:cxnSpLocks/>
+            <a:stCxn id="43" idx="3"/>
+            <a:endCxn id="49" idx="1"/>
+          </p:cNvCxnSpPr>
+          <p:nvPr/>
+        </p:nvCxnSpPr>
+        <p:spPr>
+          <a:xfrm flipV="1">
+            <a:off x="4202343" y="6241635"/>
+            <a:ext cx="2316025" cy="1"/>
+          </a:xfrm>
+          <a:prstGeom prst="straightConnector1">
+            <a:avLst/>
+          </a:prstGeom>
+          <a:ln w="38100">
+            <a:solidFill>
+              <a:schemeClr val="tx1"/>
+            </a:solidFill>
+            <a:tailEnd type="triangle"/>
+          </a:ln>
+        </p:spPr>
+        <p:style>
+          <a:lnRef idx="1">
+            <a:schemeClr val="accent1"/>
+          </a:lnRef>
+          <a:fillRef idx="0">
+            <a:schemeClr val="accent1"/>
+          </a:fillRef>
+          <a:effectRef idx="0">
+            <a:schemeClr val="accent1"/>
+          </a:effectRef>
+          <a:fontRef idx="minor">
+            <a:schemeClr val="tx1"/>
+          </a:fontRef>
+        </p:style>
+      </p:cxnSp>
+      <mc:AlternateContent xmlns:mc="http://schemas.openxmlformats.org/markup-compatibility/2006">
+        <mc:Choice xmlns:a14="http://schemas.microsoft.com/office/drawing/2010/main" Requires="a14">
+          <p:sp>
+            <p:nvSpPr>
+              <p:cNvPr id="49" name="文本框 48">
+                <a:extLst>
+                  <a:ext uri="{FF2B5EF4-FFF2-40B4-BE49-F238E27FC236}">
+                    <a16:creationId xmlns:a16="http://schemas.microsoft.com/office/drawing/2014/main" id="{8ABA2549-7987-1C48-9FBF-B6FF783B7E76}"/>
+                  </a:ext>
+                </a:extLst>
+              </p:cNvPr>
+              <p:cNvSpPr txBox="1"/>
+              <p:nvPr/>
+            </p:nvSpPr>
+            <p:spPr>
+              <a:xfrm>
+                <a:off x="6518368" y="5880767"/>
+                <a:ext cx="3161635" cy="721736"/>
+              </a:xfrm>
+              <a:prstGeom prst="rect">
+                <a:avLst/>
+              </a:prstGeom>
+              <a:noFill/>
+            </p:spPr>
+            <p:txBody>
+              <a:bodyPr wrap="none" rtlCol="0">
+                <a:spAutoFit/>
+              </a:bodyPr>
+              <a:lstStyle/>
+              <a:p>
+                <a14:m>
+                  <m:oMathPara xmlns:m="http://schemas.openxmlformats.org/officeDocument/2006/math">
+                    <m:oMathParaPr>
+                      <m:jc m:val="centerGroup"/>
+                    </m:oMathParaPr>
+                    <m:oMath xmlns:m="http://schemas.openxmlformats.org/officeDocument/2006/math">
+                      <m:sSubSup>
+                        <m:sSubSupPr>
+                          <m:ctrlPr>
+                            <a:rPr kumimoji="1" lang="en-US" altLang="zh-CN" b="0" i="1" smtClean="0">
+                              <a:solidFill>
+                                <a:srgbClr val="00B050"/>
+                              </a:solidFill>
+                              <a:latin typeface="Cambria Math" panose="02040503050406030204" pitchFamily="18" charset="0"/>
+                            </a:rPr>
+                          </m:ctrlPr>
+                        </m:sSubSupPr>
+                        <m:e>
+                          <m:r>
+                            <a:rPr kumimoji="1" lang="en-US" altLang="zh-CN" b="0" i="1" smtClean="0">
+                              <a:solidFill>
+                                <a:srgbClr val="00B050"/>
+                              </a:solidFill>
+                              <a:latin typeface="Cambria Math" panose="02040503050406030204" pitchFamily="18" charset="0"/>
+                            </a:rPr>
+                            <m:t>𝜋</m:t>
+                          </m:r>
+                        </m:e>
+                        <m:sub>
+                          <m:r>
+                            <a:rPr kumimoji="1" lang="en-US" altLang="zh-CN" b="0" i="1" smtClean="0">
+                              <a:solidFill>
+                                <a:srgbClr val="00B050"/>
+                              </a:solidFill>
+                              <a:latin typeface="Cambria Math" panose="02040503050406030204" pitchFamily="18" charset="0"/>
+                            </a:rPr>
+                            <m:t>𝑛</m:t>
+                          </m:r>
+                        </m:sub>
+                        <m:sup>
+                          <m:r>
+                            <a:rPr kumimoji="1" lang="en-US" altLang="zh-CN" b="0" i="1" smtClean="0">
+                              <a:solidFill>
+                                <a:srgbClr val="00B050"/>
+                              </a:solidFill>
+                              <a:latin typeface="Cambria Math" panose="02040503050406030204" pitchFamily="18" charset="0"/>
+                            </a:rPr>
+                            <m:t>𝑖𝑛</m:t>
+                          </m:r>
+                        </m:sup>
+                      </m:sSubSup>
+                      <m:r>
+                        <a:rPr kumimoji="1" lang="en-US" altLang="zh-CN" b="0" i="1" smtClean="0">
+                          <a:latin typeface="Cambria Math" panose="02040503050406030204" pitchFamily="18" charset="0"/>
+                        </a:rPr>
+                        <m:t>=</m:t>
+                      </m:r>
+                      <m:f>
+                        <m:fPr>
+                          <m:ctrlPr>
+                            <a:rPr kumimoji="1" lang="en-US" altLang="zh-CN" b="0" i="1" smtClean="0">
+                              <a:solidFill>
+                                <a:srgbClr val="FF0000"/>
+                              </a:solidFill>
+                              <a:latin typeface="Cambria Math" panose="02040503050406030204" pitchFamily="18" charset="0"/>
+                            </a:rPr>
+                          </m:ctrlPr>
+                        </m:fPr>
+                        <m:num>
+                          <m:sSub>
+                            <m:sSubPr>
+                              <m:ctrlPr>
+                                <a:rPr kumimoji="1" lang="en-US" altLang="zh-CN" i="1">
+                                  <a:solidFill>
+                                    <a:srgbClr val="FF0000"/>
+                                  </a:solidFill>
+                                  <a:latin typeface="Cambria Math" panose="02040503050406030204" pitchFamily="18" charset="0"/>
+                                </a:rPr>
+                              </m:ctrlPr>
+                            </m:sSubPr>
+                            <m:e>
+                              <m:r>
+                                <a:rPr kumimoji="1" lang="en-US" altLang="zh-CN" i="1">
+                                  <a:solidFill>
+                                    <a:srgbClr val="FF0000"/>
+                                  </a:solidFill>
+                                  <a:latin typeface="Cambria Math" panose="02040503050406030204" pitchFamily="18" charset="0"/>
+                                </a:rPr>
+                                <m:t>𝜈</m:t>
+                              </m:r>
+                            </m:e>
+                            <m:sub>
+                              <m:sSub>
+                                <m:sSubPr>
+                                  <m:ctrlPr>
+                                    <a:rPr kumimoji="1" lang="en-US" altLang="zh-CN" i="1">
+                                      <a:solidFill>
+                                        <a:srgbClr val="FF0000"/>
+                                      </a:solidFill>
+                                      <a:latin typeface="Cambria Math" panose="02040503050406030204" pitchFamily="18" charset="0"/>
+                                    </a:rPr>
+                                  </m:ctrlPr>
+                                </m:sSubPr>
+                                <m:e>
+                                  <m:r>
+                                    <a:rPr kumimoji="1" lang="en-US" altLang="zh-CN" i="1">
+                                      <a:solidFill>
+                                        <a:srgbClr val="FF0000"/>
+                                      </a:solidFill>
+                                      <a:latin typeface="Cambria Math" panose="02040503050406030204" pitchFamily="18" charset="0"/>
+                                    </a:rPr>
+                                    <m:t>𝜂</m:t>
+                                  </m:r>
+                                </m:e>
+                                <m:sub>
+                                  <m:r>
+                                    <a:rPr kumimoji="1" lang="en-US" altLang="zh-CN" i="1">
+                                      <a:solidFill>
+                                        <a:srgbClr val="FF0000"/>
+                                      </a:solidFill>
+                                      <a:latin typeface="Cambria Math" panose="02040503050406030204" pitchFamily="18" charset="0"/>
+                                    </a:rPr>
+                                    <m:t>𝑛</m:t>
+                                  </m:r>
+                                </m:sub>
+                              </m:sSub>
+                              <m:r>
+                                <a:rPr kumimoji="1" lang="en-US" altLang="zh-CN" i="1">
+                                  <a:solidFill>
+                                    <a:srgbClr val="FF0000"/>
+                                  </a:solidFill>
+                                  <a:latin typeface="Cambria Math" panose="02040503050406030204" pitchFamily="18" charset="0"/>
+                                </a:rPr>
+                                <m:t>→</m:t>
+                              </m:r>
+                              <m:sSub>
+                                <m:sSubPr>
+                                  <m:ctrlPr>
+                                    <a:rPr kumimoji="1" lang="en-US" altLang="zh-CN" i="1">
+                                      <a:solidFill>
+                                        <a:srgbClr val="FF0000"/>
+                                      </a:solidFill>
+                                      <a:latin typeface="Cambria Math" panose="02040503050406030204" pitchFamily="18" charset="0"/>
+                                    </a:rPr>
+                                  </m:ctrlPr>
+                                </m:sSubPr>
+                                <m:e>
+                                  <m:r>
+                                    <a:rPr kumimoji="1" lang="en-US" altLang="zh-CN" i="1">
+                                      <a:solidFill>
+                                        <a:srgbClr val="FF0000"/>
+                                      </a:solidFill>
+                                      <a:latin typeface="Cambria Math" panose="02040503050406030204" pitchFamily="18" charset="0"/>
+                                    </a:rPr>
+                                    <m:t>𝑠</m:t>
+                                  </m:r>
+                                </m:e>
+                                <m:sub>
+                                  <m:r>
+                                    <a:rPr kumimoji="1" lang="en-US" altLang="zh-CN" i="1">
+                                      <a:solidFill>
+                                        <a:srgbClr val="FF0000"/>
+                                      </a:solidFill>
+                                      <a:latin typeface="Cambria Math" panose="02040503050406030204" pitchFamily="18" charset="0"/>
+                                    </a:rPr>
+                                    <m:t>𝑛</m:t>
+                                  </m:r>
+                                </m:sub>
+                              </m:sSub>
+                            </m:sub>
+                          </m:sSub>
+                          <m:d>
+                            <m:dPr>
+                              <m:ctrlPr>
+                                <a:rPr kumimoji="1" lang="en-US" altLang="zh-CN" i="1">
+                                  <a:solidFill>
+                                    <a:srgbClr val="FF0000"/>
+                                  </a:solidFill>
+                                  <a:latin typeface="Cambria Math" panose="02040503050406030204" pitchFamily="18" charset="0"/>
+                                </a:rPr>
+                              </m:ctrlPr>
+                            </m:dPr>
+                            <m:e>
+                              <m:r>
+                                <a:rPr kumimoji="1" lang="en-US" altLang="zh-CN" i="1">
+                                  <a:solidFill>
+                                    <a:srgbClr val="FF0000"/>
+                                  </a:solidFill>
+                                  <a:latin typeface="Cambria Math" panose="02040503050406030204" pitchFamily="18" charset="0"/>
+                                </a:rPr>
+                                <m:t>1</m:t>
+                              </m:r>
+                            </m:e>
+                          </m:d>
+                        </m:num>
+                        <m:den>
+                          <m:sSub>
+                            <m:sSubPr>
+                              <m:ctrlPr>
+                                <a:rPr kumimoji="1" lang="en-US" altLang="zh-CN" b="0" i="1" smtClean="0">
+                                  <a:solidFill>
+                                    <a:srgbClr val="FF0000"/>
+                                  </a:solidFill>
+                                  <a:latin typeface="Cambria Math" panose="02040503050406030204" pitchFamily="18" charset="0"/>
+                                </a:rPr>
+                              </m:ctrlPr>
+                            </m:sSubPr>
+                            <m:e>
+                              <m:r>
+                                <a:rPr kumimoji="1" lang="en-US" altLang="zh-CN" b="0" i="1" smtClean="0">
+                                  <a:solidFill>
+                                    <a:srgbClr val="FF0000"/>
+                                  </a:solidFill>
+                                  <a:latin typeface="Cambria Math" panose="02040503050406030204" pitchFamily="18" charset="0"/>
+                                </a:rPr>
+                                <m:t>𝜈</m:t>
+                              </m:r>
+                            </m:e>
+                            <m:sub>
+                              <m:sSub>
+                                <m:sSubPr>
+                                  <m:ctrlPr>
+                                    <a:rPr kumimoji="1" lang="en-US" altLang="zh-CN" b="0" i="1" smtClean="0">
+                                      <a:solidFill>
+                                        <a:srgbClr val="FF0000"/>
+                                      </a:solidFill>
+                                      <a:latin typeface="Cambria Math" panose="02040503050406030204" pitchFamily="18" charset="0"/>
+                                    </a:rPr>
+                                  </m:ctrlPr>
+                                </m:sSubPr>
+                                <m:e>
+                                  <m:r>
+                                    <a:rPr kumimoji="1" lang="en-US" altLang="zh-CN" b="0" i="1" smtClean="0">
+                                      <a:solidFill>
+                                        <a:srgbClr val="FF0000"/>
+                                      </a:solidFill>
+                                      <a:latin typeface="Cambria Math" panose="02040503050406030204" pitchFamily="18" charset="0"/>
+                                    </a:rPr>
+                                    <m:t>𝜂</m:t>
+                                  </m:r>
+                                </m:e>
+                                <m:sub>
+                                  <m:r>
+                                    <a:rPr kumimoji="1" lang="en-US" altLang="zh-CN" b="0" i="1" smtClean="0">
+                                      <a:solidFill>
+                                        <a:srgbClr val="FF0000"/>
+                                      </a:solidFill>
+                                      <a:latin typeface="Cambria Math" panose="02040503050406030204" pitchFamily="18" charset="0"/>
+                                    </a:rPr>
+                                    <m:t>𝑛</m:t>
+                                  </m:r>
+                                </m:sub>
+                              </m:sSub>
+                              <m:r>
+                                <a:rPr kumimoji="1" lang="en-US" altLang="zh-CN" b="0" i="1" smtClean="0">
+                                  <a:solidFill>
+                                    <a:srgbClr val="FF0000"/>
+                                  </a:solidFill>
+                                  <a:latin typeface="Cambria Math" panose="02040503050406030204" pitchFamily="18" charset="0"/>
+                                </a:rPr>
+                                <m:t>→</m:t>
+                              </m:r>
+                              <m:sSub>
+                                <m:sSubPr>
+                                  <m:ctrlPr>
+                                    <a:rPr kumimoji="1" lang="en-US" altLang="zh-CN" b="0" i="1" smtClean="0">
+                                      <a:solidFill>
+                                        <a:srgbClr val="FF0000"/>
+                                      </a:solidFill>
+                                      <a:latin typeface="Cambria Math" panose="02040503050406030204" pitchFamily="18" charset="0"/>
+                                    </a:rPr>
+                                  </m:ctrlPr>
+                                </m:sSubPr>
+                                <m:e>
+                                  <m:r>
+                                    <a:rPr kumimoji="1" lang="en-US" altLang="zh-CN" b="0" i="1" smtClean="0">
+                                      <a:solidFill>
+                                        <a:srgbClr val="FF0000"/>
+                                      </a:solidFill>
+                                      <a:latin typeface="Cambria Math" panose="02040503050406030204" pitchFamily="18" charset="0"/>
+                                    </a:rPr>
+                                    <m:t>𝑠</m:t>
+                                  </m:r>
+                                </m:e>
+                                <m:sub>
+                                  <m:r>
+                                    <a:rPr kumimoji="1" lang="en-US" altLang="zh-CN" b="0" i="1" smtClean="0">
+                                      <a:solidFill>
+                                        <a:srgbClr val="FF0000"/>
+                                      </a:solidFill>
+                                      <a:latin typeface="Cambria Math" panose="02040503050406030204" pitchFamily="18" charset="0"/>
+                                    </a:rPr>
+                                    <m:t>𝑛</m:t>
+                                  </m:r>
+                                </m:sub>
+                              </m:sSub>
+                            </m:sub>
+                          </m:sSub>
+                          <m:d>
+                            <m:dPr>
+                              <m:ctrlPr>
+                                <a:rPr kumimoji="1" lang="en-US" altLang="zh-CN" b="0" i="1" smtClean="0">
+                                  <a:solidFill>
+                                    <a:srgbClr val="FF0000"/>
+                                  </a:solidFill>
+                                  <a:latin typeface="Cambria Math" panose="02040503050406030204" pitchFamily="18" charset="0"/>
+                                </a:rPr>
+                              </m:ctrlPr>
+                            </m:dPr>
+                            <m:e>
+                              <m:r>
+                                <a:rPr kumimoji="1" lang="en-US" altLang="zh-CN" b="0" i="1" smtClean="0">
+                                  <a:solidFill>
+                                    <a:srgbClr val="FF0000"/>
+                                  </a:solidFill>
+                                  <a:latin typeface="Cambria Math" panose="02040503050406030204" pitchFamily="18" charset="0"/>
+                                </a:rPr>
+                                <m:t>1</m:t>
+                              </m:r>
+                            </m:e>
+                          </m:d>
+                          <m:r>
+                            <a:rPr kumimoji="1" lang="en-US" altLang="zh-CN" b="0" i="1" smtClean="0">
+                              <a:solidFill>
+                                <a:srgbClr val="FF0000"/>
+                              </a:solidFill>
+                              <a:latin typeface="Cambria Math" panose="02040503050406030204" pitchFamily="18" charset="0"/>
+                            </a:rPr>
+                            <m:t>+</m:t>
+                          </m:r>
+                          <m:sSub>
+                            <m:sSubPr>
+                              <m:ctrlPr>
+                                <a:rPr kumimoji="1" lang="en-US" altLang="zh-CN" i="1">
+                                  <a:solidFill>
+                                    <a:srgbClr val="FF0000"/>
+                                  </a:solidFill>
+                                  <a:latin typeface="Cambria Math" panose="02040503050406030204" pitchFamily="18" charset="0"/>
+                                </a:rPr>
+                              </m:ctrlPr>
+                            </m:sSubPr>
+                            <m:e>
+                              <m:r>
+                                <a:rPr kumimoji="1" lang="en-US" altLang="zh-CN" i="1">
+                                  <a:solidFill>
+                                    <a:srgbClr val="FF0000"/>
+                                  </a:solidFill>
+                                  <a:latin typeface="Cambria Math" panose="02040503050406030204" pitchFamily="18" charset="0"/>
+                                </a:rPr>
+                                <m:t>𝜈</m:t>
+                              </m:r>
+                            </m:e>
+                            <m:sub>
+                              <m:sSub>
+                                <m:sSubPr>
+                                  <m:ctrlPr>
+                                    <a:rPr kumimoji="1" lang="en-US" altLang="zh-CN" i="1">
+                                      <a:solidFill>
+                                        <a:srgbClr val="FF0000"/>
+                                      </a:solidFill>
+                                      <a:latin typeface="Cambria Math" panose="02040503050406030204" pitchFamily="18" charset="0"/>
+                                    </a:rPr>
+                                  </m:ctrlPr>
+                                </m:sSubPr>
+                                <m:e>
+                                  <m:r>
+                                    <a:rPr kumimoji="1" lang="en-US" altLang="zh-CN" i="1">
+                                      <a:solidFill>
+                                        <a:srgbClr val="FF0000"/>
+                                      </a:solidFill>
+                                      <a:latin typeface="Cambria Math" panose="02040503050406030204" pitchFamily="18" charset="0"/>
+                                    </a:rPr>
+                                    <m:t>𝜂</m:t>
+                                  </m:r>
+                                </m:e>
+                                <m:sub>
+                                  <m:r>
+                                    <a:rPr kumimoji="1" lang="en-US" altLang="zh-CN" i="1">
+                                      <a:solidFill>
+                                        <a:srgbClr val="FF0000"/>
+                                      </a:solidFill>
+                                      <a:latin typeface="Cambria Math" panose="02040503050406030204" pitchFamily="18" charset="0"/>
+                                    </a:rPr>
+                                    <m:t>𝑛</m:t>
+                                  </m:r>
+                                </m:sub>
+                              </m:sSub>
+                              <m:r>
+                                <a:rPr kumimoji="1" lang="en-US" altLang="zh-CN" i="1">
+                                  <a:solidFill>
+                                    <a:srgbClr val="FF0000"/>
+                                  </a:solidFill>
+                                  <a:latin typeface="Cambria Math" panose="02040503050406030204" pitchFamily="18" charset="0"/>
+                                </a:rPr>
+                                <m:t>→</m:t>
+                              </m:r>
+                              <m:sSub>
+                                <m:sSubPr>
+                                  <m:ctrlPr>
+                                    <a:rPr kumimoji="1" lang="en-US" altLang="zh-CN" i="1">
+                                      <a:solidFill>
+                                        <a:srgbClr val="FF0000"/>
+                                      </a:solidFill>
+                                      <a:latin typeface="Cambria Math" panose="02040503050406030204" pitchFamily="18" charset="0"/>
+                                    </a:rPr>
+                                  </m:ctrlPr>
+                                </m:sSubPr>
+                                <m:e>
+                                  <m:r>
+                                    <a:rPr kumimoji="1" lang="en-US" altLang="zh-CN" i="1">
+                                      <a:solidFill>
+                                        <a:srgbClr val="FF0000"/>
+                                      </a:solidFill>
+                                      <a:latin typeface="Cambria Math" panose="02040503050406030204" pitchFamily="18" charset="0"/>
+                                    </a:rPr>
+                                    <m:t>𝑠</m:t>
+                                  </m:r>
+                                </m:e>
+                                <m:sub>
+                                  <m:r>
+                                    <a:rPr kumimoji="1" lang="en-US" altLang="zh-CN" i="1">
+                                      <a:solidFill>
+                                        <a:srgbClr val="FF0000"/>
+                                      </a:solidFill>
+                                      <a:latin typeface="Cambria Math" panose="02040503050406030204" pitchFamily="18" charset="0"/>
+                                    </a:rPr>
+                                    <m:t>𝑛</m:t>
+                                  </m:r>
+                                </m:sub>
+                              </m:sSub>
+                            </m:sub>
+                          </m:sSub>
+                          <m:d>
+                            <m:dPr>
+                              <m:ctrlPr>
+                                <a:rPr kumimoji="1" lang="en-US" altLang="zh-CN" i="1">
+                                  <a:solidFill>
+                                    <a:srgbClr val="FF0000"/>
+                                  </a:solidFill>
+                                  <a:latin typeface="Cambria Math" panose="02040503050406030204" pitchFamily="18" charset="0"/>
+                                </a:rPr>
+                              </m:ctrlPr>
+                            </m:dPr>
+                            <m:e>
+                              <m:r>
+                                <a:rPr kumimoji="1" lang="en-US" altLang="zh-CN" b="0" i="1" smtClean="0">
+                                  <a:solidFill>
+                                    <a:srgbClr val="FF0000"/>
+                                  </a:solidFill>
+                                  <a:latin typeface="Cambria Math" panose="02040503050406030204" pitchFamily="18" charset="0"/>
+                                </a:rPr>
+                                <m:t>0</m:t>
+                              </m:r>
+                            </m:e>
+                          </m:d>
+                        </m:den>
+                      </m:f>
+                    </m:oMath>
+                  </m:oMathPara>
+                </a14:m>
+                <a:endParaRPr kumimoji="1" lang="zh-CN" altLang="en-US" dirty="0" err="1">
+                  <a:latin typeface="Times" pitchFamily="2" charset="0"/>
+                </a:endParaRPr>
+              </a:p>
+            </p:txBody>
+          </p:sp>
+        </mc:Choice>
+        <mc:Fallback>
+          <p:sp>
+            <p:nvSpPr>
+              <p:cNvPr id="49" name="文本框 48">
+                <a:extLst>
+                  <a:ext uri="{FF2B5EF4-FFF2-40B4-BE49-F238E27FC236}">
+                    <a16:creationId xmlns:a16="http://schemas.microsoft.com/office/drawing/2014/main" id="{8ABA2549-7987-1C48-9FBF-B6FF783B7E76}"/>
+                  </a:ext>
+                </a:extLst>
+              </p:cNvPr>
+              <p:cNvSpPr txBox="1">
+                <a:spLocks noRot="1" noChangeAspect="1" noMove="1" noResize="1" noEditPoints="1" noAdjustHandles="1" noChangeArrowheads="1" noChangeShapeType="1" noTextEdit="1"/>
+              </p:cNvSpPr>
+              <p:nvPr/>
+            </p:nvSpPr>
+            <p:spPr>
+              <a:xfrm>
+                <a:off x="6518368" y="5880767"/>
+                <a:ext cx="3161635" cy="721736"/>
+              </a:xfrm>
+              <a:prstGeom prst="rect">
+                <a:avLst/>
+              </a:prstGeom>
+              <a:blipFill>
+                <a:blip r:embed="rId8"/>
+                <a:stretch>
+                  <a:fillRect b="-3509"/>
+                </a:stretch>
+              </a:blipFill>
+            </p:spPr>
+            <p:txBody>
+              <a:bodyPr/>
+              <a:lstStyle/>
+              <a:p>
+                <a:r>
+                  <a:rPr lang="zh-CN" altLang="en-US">
+                    <a:noFill/>
+                  </a:rPr>
+                  <a:t> </a:t>
+                </a:r>
+              </a:p>
+            </p:txBody>
+          </p:sp>
+        </mc:Fallback>
+      </mc:AlternateContent>
+      <mc:AlternateContent xmlns:mc="http://schemas.openxmlformats.org/markup-compatibility/2006">
+        <mc:Choice xmlns:a14="http://schemas.microsoft.com/office/drawing/2010/main" Requires="a14">
+          <p:sp>
+            <p:nvSpPr>
+              <p:cNvPr id="52" name="文本框 51">
+                <a:extLst>
+                  <a:ext uri="{FF2B5EF4-FFF2-40B4-BE49-F238E27FC236}">
+                    <a16:creationId xmlns:a16="http://schemas.microsoft.com/office/drawing/2014/main" id="{E997C048-19E0-E54C-B353-52E977896669}"/>
+                  </a:ext>
+                </a:extLst>
+              </p:cNvPr>
+              <p:cNvSpPr txBox="1"/>
+              <p:nvPr/>
+            </p:nvSpPr>
+            <p:spPr>
+              <a:xfrm>
+                <a:off x="8848130" y="6463329"/>
+                <a:ext cx="3555204" cy="459100"/>
+              </a:xfrm>
+              <a:prstGeom prst="rect">
+                <a:avLst/>
+              </a:prstGeom>
+              <a:noFill/>
+            </p:spPr>
+            <p:txBody>
+              <a:bodyPr wrap="none" rtlCol="0">
+                <a:spAutoFit/>
+              </a:bodyPr>
+              <a:lstStyle/>
+              <a:p>
+                <a14:m>
+                  <m:oMathPara xmlns:m="http://schemas.openxmlformats.org/officeDocument/2006/math">
+                    <m:oMathParaPr>
+                      <m:jc m:val="centerGroup"/>
+                    </m:oMathParaPr>
+                    <m:oMath xmlns:m="http://schemas.openxmlformats.org/officeDocument/2006/math">
+                      <m:sSub>
+                        <m:sSubPr>
+                          <m:ctrlPr>
+                            <a:rPr kumimoji="1" lang="en-US" altLang="zh-CN" b="0" i="1" smtClean="0">
+                              <a:latin typeface="Cambria Math" panose="02040503050406030204" pitchFamily="18" charset="0"/>
+                            </a:rPr>
+                          </m:ctrlPr>
+                        </m:sSubPr>
+                        <m:e>
+                          <m:r>
+                            <a:rPr kumimoji="1" lang="en-US" altLang="zh-CN" b="0" i="1" smtClean="0">
+                              <a:latin typeface="Cambria Math" panose="02040503050406030204" pitchFamily="18" charset="0"/>
+                            </a:rPr>
+                            <m:t>h</m:t>
+                          </m:r>
+                        </m:e>
+                        <m:sub>
+                          <m:r>
+                            <a:rPr kumimoji="1" lang="en-US" altLang="zh-CN" b="0" i="1" smtClean="0">
+                              <a:latin typeface="Cambria Math" panose="02040503050406030204" pitchFamily="18" charset="0"/>
+                            </a:rPr>
+                            <m:t>𝐵</m:t>
+                          </m:r>
+                          <m:r>
+                            <a:rPr kumimoji="1" lang="en-US" altLang="zh-CN" b="0" i="1" smtClean="0">
+                              <a:latin typeface="Cambria Math" panose="02040503050406030204" pitchFamily="18" charset="0"/>
+                            </a:rPr>
+                            <m:t>,</m:t>
+                          </m:r>
+                          <m:r>
+                            <a:rPr kumimoji="1" lang="en-US" altLang="zh-CN" b="0" i="1" smtClean="0">
+                              <a:latin typeface="Cambria Math" panose="02040503050406030204" pitchFamily="18" charset="0"/>
+                            </a:rPr>
+                            <m:t>𝑛</m:t>
+                          </m:r>
+                        </m:sub>
+                      </m:sSub>
+                      <m:d>
+                        <m:dPr>
+                          <m:ctrlPr>
+                            <a:rPr kumimoji="1" lang="en-US" altLang="zh-CN" b="0" i="1" smtClean="0">
+                              <a:latin typeface="Cambria Math" panose="02040503050406030204" pitchFamily="18" charset="0"/>
+                            </a:rPr>
+                          </m:ctrlPr>
+                        </m:dPr>
+                        <m:e>
+                          <m:sSub>
+                            <m:sSubPr>
+                              <m:ctrlPr>
+                                <a:rPr kumimoji="1" lang="en-US" altLang="zh-CN" b="0" i="1" smtClean="0">
+                                  <a:latin typeface="Cambria Math" panose="02040503050406030204" pitchFamily="18" charset="0"/>
+                                </a:rPr>
+                              </m:ctrlPr>
+                            </m:sSubPr>
+                            <m:e>
+                              <m:r>
+                                <a:rPr kumimoji="1" lang="en-US" altLang="zh-CN" b="0" i="1" smtClean="0">
+                                  <a:latin typeface="Cambria Math" panose="02040503050406030204" pitchFamily="18" charset="0"/>
+                                </a:rPr>
+                                <m:t>𝑠</m:t>
+                              </m:r>
+                            </m:e>
+                            <m:sub>
+                              <m:r>
+                                <a:rPr kumimoji="1" lang="en-US" altLang="zh-CN" b="0" i="1" smtClean="0">
+                                  <a:latin typeface="Cambria Math" panose="02040503050406030204" pitchFamily="18" charset="0"/>
+                                </a:rPr>
+                                <m:t>𝑛</m:t>
+                              </m:r>
+                            </m:sub>
+                          </m:sSub>
+                        </m:e>
+                      </m:d>
+                      <m:r>
+                        <a:rPr kumimoji="1" lang="en-US" altLang="zh-CN" i="1" smtClean="0">
+                          <a:latin typeface="Cambria Math" panose="02040503050406030204" pitchFamily="18" charset="0"/>
+                          <a:ea typeface="Cambria Math" panose="02040503050406030204" pitchFamily="18" charset="0"/>
+                        </a:rPr>
+                        <m:t>∝</m:t>
+                      </m:r>
+                      <m:sSup>
+                        <m:sSupPr>
+                          <m:ctrlPr>
+                            <a:rPr kumimoji="1" lang="en-US" altLang="zh-CN" b="0" i="1" smtClean="0">
+                              <a:latin typeface="Cambria Math" panose="02040503050406030204" pitchFamily="18" charset="0"/>
+                              <a:ea typeface="Cambria Math" panose="02040503050406030204" pitchFamily="18" charset="0"/>
+                            </a:rPr>
+                          </m:ctrlPr>
+                        </m:sSupPr>
+                        <m:e>
+                          <m:d>
+                            <m:dPr>
+                              <m:ctrlPr>
+                                <a:rPr kumimoji="1" lang="en-US" altLang="zh-CN" b="0" i="1" smtClean="0">
+                                  <a:latin typeface="Cambria Math" panose="02040503050406030204" pitchFamily="18" charset="0"/>
+                                  <a:ea typeface="Cambria Math" panose="02040503050406030204" pitchFamily="18" charset="0"/>
+                                </a:rPr>
+                              </m:ctrlPr>
+                            </m:dPr>
+                            <m:e>
+                              <m:sSubSup>
+                                <m:sSubSupPr>
+                                  <m:ctrlPr>
+                                    <a:rPr kumimoji="1" lang="en-US" altLang="zh-CN" b="0" i="1" smtClean="0">
+                                      <a:latin typeface="Cambria Math" panose="02040503050406030204" pitchFamily="18" charset="0"/>
+                                      <a:ea typeface="Cambria Math" panose="02040503050406030204" pitchFamily="18" charset="0"/>
+                                    </a:rPr>
+                                  </m:ctrlPr>
+                                </m:sSubSupPr>
+                                <m:e>
+                                  <m:r>
+                                    <a:rPr kumimoji="1" lang="en-US" altLang="zh-CN" b="0" i="1" smtClean="0">
+                                      <a:latin typeface="Cambria Math" panose="02040503050406030204" pitchFamily="18" charset="0"/>
+                                      <a:ea typeface="Cambria Math" panose="02040503050406030204" pitchFamily="18" charset="0"/>
+                                    </a:rPr>
+                                    <m:t>𝜋</m:t>
+                                  </m:r>
+                                </m:e>
+                                <m:sub>
+                                  <m:r>
+                                    <a:rPr kumimoji="1" lang="en-US" altLang="zh-CN" b="0" i="1" smtClean="0">
+                                      <a:latin typeface="Cambria Math" panose="02040503050406030204" pitchFamily="18" charset="0"/>
+                                      <a:ea typeface="Cambria Math" panose="02040503050406030204" pitchFamily="18" charset="0"/>
+                                    </a:rPr>
+                                    <m:t>𝑛</m:t>
+                                  </m:r>
+                                </m:sub>
+                                <m:sup>
+                                  <m:r>
+                                    <a:rPr kumimoji="1" lang="en-US" altLang="zh-CN" b="0" i="1" smtClean="0">
+                                      <a:latin typeface="Cambria Math" panose="02040503050406030204" pitchFamily="18" charset="0"/>
+                                      <a:ea typeface="Cambria Math" panose="02040503050406030204" pitchFamily="18" charset="0"/>
+                                    </a:rPr>
+                                    <m:t>𝑖𝑛</m:t>
+                                  </m:r>
+                                </m:sup>
+                              </m:sSubSup>
+                            </m:e>
+                          </m:d>
+                        </m:e>
+                        <m:sup>
+                          <m:sSub>
+                            <m:sSubPr>
+                              <m:ctrlPr>
+                                <a:rPr kumimoji="1" lang="en-US" altLang="zh-CN" b="0" i="1" smtClean="0">
+                                  <a:latin typeface="Cambria Math" panose="02040503050406030204" pitchFamily="18" charset="0"/>
+                                  <a:ea typeface="Cambria Math" panose="02040503050406030204" pitchFamily="18" charset="0"/>
+                                </a:rPr>
+                              </m:ctrlPr>
+                            </m:sSubPr>
+                            <m:e>
+                              <m:r>
+                                <a:rPr kumimoji="1" lang="en-US" altLang="zh-CN" b="0" i="1" smtClean="0">
+                                  <a:latin typeface="Cambria Math" panose="02040503050406030204" pitchFamily="18" charset="0"/>
+                                  <a:ea typeface="Cambria Math" panose="02040503050406030204" pitchFamily="18" charset="0"/>
+                                </a:rPr>
+                                <m:t>𝑠</m:t>
+                              </m:r>
+                            </m:e>
+                            <m:sub>
+                              <m:r>
+                                <a:rPr kumimoji="1" lang="en-US" altLang="zh-CN" b="0" i="1" smtClean="0">
+                                  <a:latin typeface="Cambria Math" panose="02040503050406030204" pitchFamily="18" charset="0"/>
+                                  <a:ea typeface="Cambria Math" panose="02040503050406030204" pitchFamily="18" charset="0"/>
+                                </a:rPr>
+                                <m:t>𝑛</m:t>
+                              </m:r>
+                            </m:sub>
+                          </m:sSub>
+                        </m:sup>
+                      </m:sSup>
+                      <m:sSup>
+                        <m:sSupPr>
+                          <m:ctrlPr>
+                            <a:rPr kumimoji="1" lang="en-US" altLang="zh-CN" b="0" i="1" smtClean="0">
+                              <a:latin typeface="Cambria Math" panose="02040503050406030204" pitchFamily="18" charset="0"/>
+                              <a:ea typeface="Cambria Math" panose="02040503050406030204" pitchFamily="18" charset="0"/>
+                            </a:rPr>
+                          </m:ctrlPr>
+                        </m:sSupPr>
+                        <m:e>
+                          <m:d>
+                            <m:dPr>
+                              <m:ctrlPr>
+                                <a:rPr kumimoji="1" lang="en-US" altLang="zh-CN" b="0" i="1" smtClean="0">
+                                  <a:latin typeface="Cambria Math" panose="02040503050406030204" pitchFamily="18" charset="0"/>
+                                  <a:ea typeface="Cambria Math" panose="02040503050406030204" pitchFamily="18" charset="0"/>
+                                </a:rPr>
+                              </m:ctrlPr>
+                            </m:dPr>
+                            <m:e>
+                              <m:r>
+                                <a:rPr kumimoji="1" lang="en-US" altLang="zh-CN" b="0" i="1" smtClean="0">
+                                  <a:latin typeface="Cambria Math" panose="02040503050406030204" pitchFamily="18" charset="0"/>
+                                  <a:ea typeface="Cambria Math" panose="02040503050406030204" pitchFamily="18" charset="0"/>
+                                </a:rPr>
+                                <m:t>1−</m:t>
+                              </m:r>
+                              <m:sSubSup>
+                                <m:sSubSupPr>
+                                  <m:ctrlPr>
+                                    <a:rPr kumimoji="1" lang="en-US" altLang="zh-CN" b="0" i="1" smtClean="0">
+                                      <a:latin typeface="Cambria Math" panose="02040503050406030204" pitchFamily="18" charset="0"/>
+                                      <a:ea typeface="Cambria Math" panose="02040503050406030204" pitchFamily="18" charset="0"/>
+                                    </a:rPr>
+                                  </m:ctrlPr>
+                                </m:sSubSupPr>
+                                <m:e>
+                                  <m:r>
+                                    <a:rPr kumimoji="1" lang="en-US" altLang="zh-CN" b="0" i="1" smtClean="0">
+                                      <a:latin typeface="Cambria Math" panose="02040503050406030204" pitchFamily="18" charset="0"/>
+                                      <a:ea typeface="Cambria Math" panose="02040503050406030204" pitchFamily="18" charset="0"/>
+                                    </a:rPr>
+                                    <m:t>𝜋</m:t>
+                                  </m:r>
+                                </m:e>
+                                <m:sub>
+                                  <m:r>
+                                    <a:rPr kumimoji="1" lang="en-US" altLang="zh-CN" b="0" i="1" smtClean="0">
+                                      <a:latin typeface="Cambria Math" panose="02040503050406030204" pitchFamily="18" charset="0"/>
+                                      <a:ea typeface="Cambria Math" panose="02040503050406030204" pitchFamily="18" charset="0"/>
+                                    </a:rPr>
+                                    <m:t>𝑛</m:t>
+                                  </m:r>
+                                </m:sub>
+                                <m:sup>
+                                  <m:r>
+                                    <a:rPr kumimoji="1" lang="en-US" altLang="zh-CN" b="0" i="1" smtClean="0">
+                                      <a:latin typeface="Cambria Math" panose="02040503050406030204" pitchFamily="18" charset="0"/>
+                                      <a:ea typeface="Cambria Math" panose="02040503050406030204" pitchFamily="18" charset="0"/>
+                                    </a:rPr>
+                                    <m:t>𝑖𝑛</m:t>
+                                  </m:r>
+                                </m:sup>
+                              </m:sSubSup>
+                            </m:e>
+                          </m:d>
+                        </m:e>
+                        <m:sup>
+                          <m:r>
+                            <a:rPr kumimoji="1" lang="en-US" altLang="zh-CN" b="0" i="1" smtClean="0">
+                              <a:latin typeface="Cambria Math" panose="02040503050406030204" pitchFamily="18" charset="0"/>
+                              <a:ea typeface="Cambria Math" panose="02040503050406030204" pitchFamily="18" charset="0"/>
+                            </a:rPr>
+                            <m:t>1−</m:t>
+                          </m:r>
+                          <m:sSub>
+                            <m:sSubPr>
+                              <m:ctrlPr>
+                                <a:rPr kumimoji="1" lang="en-US" altLang="zh-CN" b="0" i="1" smtClean="0">
+                                  <a:latin typeface="Cambria Math" panose="02040503050406030204" pitchFamily="18" charset="0"/>
+                                  <a:ea typeface="Cambria Math" panose="02040503050406030204" pitchFamily="18" charset="0"/>
+                                </a:rPr>
+                              </m:ctrlPr>
+                            </m:sSubPr>
+                            <m:e>
+                              <m:r>
+                                <a:rPr kumimoji="1" lang="en-US" altLang="zh-CN" b="0" i="1" smtClean="0">
+                                  <a:latin typeface="Cambria Math" panose="02040503050406030204" pitchFamily="18" charset="0"/>
+                                  <a:ea typeface="Cambria Math" panose="02040503050406030204" pitchFamily="18" charset="0"/>
+                                </a:rPr>
+                                <m:t>𝑠</m:t>
+                              </m:r>
+                            </m:e>
+                            <m:sub>
+                              <m:r>
+                                <a:rPr kumimoji="1" lang="en-US" altLang="zh-CN" b="0" i="1" smtClean="0">
+                                  <a:latin typeface="Cambria Math" panose="02040503050406030204" pitchFamily="18" charset="0"/>
+                                  <a:ea typeface="Cambria Math" panose="02040503050406030204" pitchFamily="18" charset="0"/>
+                                </a:rPr>
+                                <m:t>𝑛</m:t>
+                              </m:r>
+                            </m:sub>
+                          </m:sSub>
+                        </m:sup>
+                      </m:sSup>
+                      <m:r>
+                        <a:rPr kumimoji="1" lang="en-US" altLang="zh-CN" b="0" i="1" smtClean="0">
+                          <a:latin typeface="Cambria Math" panose="02040503050406030204" pitchFamily="18" charset="0"/>
+                        </a:rPr>
+                        <m:t> </m:t>
+                      </m:r>
+                    </m:oMath>
+                  </m:oMathPara>
+                </a14:m>
+                <a:endParaRPr kumimoji="1" lang="zh-CN" altLang="en-US" dirty="0" err="1">
+                  <a:latin typeface="Times" pitchFamily="2" charset="0"/>
+                </a:endParaRPr>
+              </a:p>
+            </p:txBody>
+          </p:sp>
+        </mc:Choice>
+        <mc:Fallback>
+          <p:sp>
+            <p:nvSpPr>
+              <p:cNvPr id="52" name="文本框 51">
+                <a:extLst>
+                  <a:ext uri="{FF2B5EF4-FFF2-40B4-BE49-F238E27FC236}">
+                    <a16:creationId xmlns:a16="http://schemas.microsoft.com/office/drawing/2014/main" id="{E997C048-19E0-E54C-B353-52E977896669}"/>
+                  </a:ext>
+                </a:extLst>
+              </p:cNvPr>
+              <p:cNvSpPr txBox="1">
+                <a:spLocks noRot="1" noChangeAspect="1" noMove="1" noResize="1" noEditPoints="1" noAdjustHandles="1" noChangeArrowheads="1" noChangeShapeType="1" noTextEdit="1"/>
+              </p:cNvSpPr>
+              <p:nvPr/>
+            </p:nvSpPr>
+            <p:spPr>
+              <a:xfrm>
+                <a:off x="8848130" y="6463329"/>
+                <a:ext cx="3555204" cy="459100"/>
+              </a:xfrm>
+              <a:prstGeom prst="rect">
+                <a:avLst/>
+              </a:prstGeom>
+              <a:blipFill>
+                <a:blip r:embed="rId9"/>
+                <a:stretch>
+                  <a:fillRect b="-7895"/>
+                </a:stretch>
+              </a:blipFill>
+            </p:spPr>
+            <p:txBody>
+              <a:bodyPr/>
+              <a:lstStyle/>
+              <a:p>
+                <a:r>
+                  <a:rPr lang="zh-CN" altLang="en-US">
+                    <a:noFill/>
+                  </a:rPr>
+                  <a:t> </a:t>
+                </a:r>
+              </a:p>
+            </p:txBody>
+          </p:sp>
+        </mc:Fallback>
+      </mc:AlternateContent>
+      <p:cxnSp>
+        <p:nvCxnSpPr>
+          <p:cNvPr id="53" name="直线箭头连接符 52">
+            <a:extLst>
+              <a:ext uri="{FF2B5EF4-FFF2-40B4-BE49-F238E27FC236}">
+                <a16:creationId xmlns:a16="http://schemas.microsoft.com/office/drawing/2014/main" id="{BEA57182-5FD5-4A4B-8AF7-73CB987768CE}"/>
+              </a:ext>
+            </a:extLst>
+          </p:cNvPr>
+          <p:cNvCxnSpPr>
+            <a:cxnSpLocks/>
+          </p:cNvCxnSpPr>
+          <p:nvPr/>
+        </p:nvCxnSpPr>
+        <p:spPr>
+          <a:xfrm flipV="1">
+            <a:off x="6800691" y="5731019"/>
+            <a:ext cx="0" cy="299495"/>
+          </a:xfrm>
+          <a:prstGeom prst="straightConnector1">
+            <a:avLst/>
+          </a:prstGeom>
+          <a:ln w="38100">
+            <a:solidFill>
+              <a:schemeClr val="tx1"/>
+            </a:solidFill>
+            <a:tailEnd type="triangle"/>
+          </a:ln>
+        </p:spPr>
+        <p:style>
+          <a:lnRef idx="1">
+            <a:schemeClr val="accent1"/>
+          </a:lnRef>
+          <a:fillRef idx="0">
+            <a:schemeClr val="accent1"/>
+          </a:fillRef>
+          <a:effectRef idx="0">
+            <a:schemeClr val="accent1"/>
+          </a:effectRef>
+          <a:fontRef idx="minor">
+            <a:schemeClr val="tx1"/>
+          </a:fontRef>
+        </p:style>
+      </p:cxnSp>
+      <mc:AlternateContent xmlns:mc="http://schemas.openxmlformats.org/markup-compatibility/2006">
+        <mc:Choice xmlns:a14="http://schemas.microsoft.com/office/drawing/2010/main" Requires="a14">
+          <p:sp>
+            <p:nvSpPr>
+              <p:cNvPr id="56" name="文本框 55">
+                <a:extLst>
+                  <a:ext uri="{FF2B5EF4-FFF2-40B4-BE49-F238E27FC236}">
+                    <a16:creationId xmlns:a16="http://schemas.microsoft.com/office/drawing/2014/main" id="{679241D1-37AF-314E-B1FE-53835BAA7741}"/>
+                  </a:ext>
+                </a:extLst>
+              </p:cNvPr>
+              <p:cNvSpPr txBox="1"/>
+              <p:nvPr/>
+            </p:nvSpPr>
+            <p:spPr>
+              <a:xfrm>
+                <a:off x="6671493" y="4523908"/>
+                <a:ext cx="3829938" cy="656462"/>
+              </a:xfrm>
+              <a:prstGeom prst="rect">
+                <a:avLst/>
+              </a:prstGeom>
+              <a:noFill/>
+            </p:spPr>
+            <p:txBody>
+              <a:bodyPr wrap="square">
+                <a:spAutoFit/>
+              </a:bodyPr>
+              <a:lstStyle/>
+              <a:p>
+                <a:pPr/>
+                <a14:m>
+                  <m:oMathPara xmlns:m="http://schemas.openxmlformats.org/officeDocument/2006/math">
+                    <m:oMathParaPr>
+                      <m:jc m:val="centerGroup"/>
+                    </m:oMathParaPr>
+                    <m:oMath xmlns:m="http://schemas.openxmlformats.org/officeDocument/2006/math">
+                      <m:sSubSup>
+                        <m:sSubSupPr>
+                          <m:ctrlPr>
+                            <a:rPr lang="zh-CN" altLang="en-US" sz="1400" i="1" smtClean="0">
+                              <a:solidFill>
+                                <a:srgbClr val="00B050"/>
+                              </a:solidFill>
+                              <a:latin typeface="Cambria Math" panose="02040503050406030204" pitchFamily="18" charset="0"/>
+                            </a:rPr>
+                          </m:ctrlPr>
+                        </m:sSubSupPr>
+                        <m:e>
+                          <m:r>
+                            <a:rPr lang="zh-CN" altLang="en-US" sz="1400" i="1">
+                              <a:solidFill>
+                                <a:srgbClr val="00B050"/>
+                              </a:solidFill>
+                              <a:latin typeface="Cambria Math" panose="02040503050406030204" pitchFamily="18" charset="0"/>
+                            </a:rPr>
+                            <m:t>𝜆</m:t>
+                          </m:r>
+                        </m:e>
+                        <m:sub>
+                          <m:r>
+                            <a:rPr lang="zh-CN" altLang="en-US" sz="1400" i="1">
+                              <a:solidFill>
+                                <a:srgbClr val="00B050"/>
+                              </a:solidFill>
+                              <a:latin typeface="Cambria Math" panose="02040503050406030204" pitchFamily="18" charset="0"/>
+                            </a:rPr>
+                            <m:t>𝑛</m:t>
+                          </m:r>
+                        </m:sub>
+                        <m:sup>
+                          <m:r>
+                            <a:rPr lang="zh-CN" altLang="en-US" sz="1400" i="1">
+                              <a:solidFill>
+                                <a:srgbClr val="00B050"/>
+                              </a:solidFill>
+                              <a:latin typeface="Cambria Math" panose="02040503050406030204" pitchFamily="18" charset="0"/>
+                            </a:rPr>
+                            <m:t>𝑓</m:t>
+                          </m:r>
+                        </m:sup>
+                      </m:sSubSup>
+                      <m:r>
+                        <a:rPr lang="zh-CN" altLang="en-US" sz="1400" i="0">
+                          <a:latin typeface="Cambria Math" panose="02040503050406030204" pitchFamily="18" charset="0"/>
+                        </a:rPr>
+                        <m:t>=</m:t>
+                      </m:r>
+                      <m:f>
+                        <m:fPr>
+                          <m:ctrlPr>
+                            <a:rPr lang="zh-CN" altLang="en-US" sz="1400" i="1">
+                              <a:solidFill>
+                                <a:srgbClr val="836967"/>
+                              </a:solidFill>
+                              <a:latin typeface="Cambria Math" panose="02040503050406030204" pitchFamily="18" charset="0"/>
+                            </a:rPr>
+                          </m:ctrlPr>
+                        </m:fPr>
+                        <m:num>
+                          <m:sSub>
+                            <m:sSubPr>
+                              <m:ctrlPr>
+                                <a:rPr lang="zh-CN" altLang="en-US" sz="1400" i="1">
+                                  <a:solidFill>
+                                    <a:srgbClr val="836967"/>
+                                  </a:solidFill>
+                                  <a:latin typeface="Cambria Math" panose="02040503050406030204" pitchFamily="18" charset="0"/>
+                                </a:rPr>
+                              </m:ctrlPr>
+                            </m:sSubPr>
+                            <m:e>
+                              <m:r>
+                                <a:rPr lang="zh-CN" altLang="en-US" sz="1400" i="1">
+                                  <a:latin typeface="Cambria Math" panose="02040503050406030204" pitchFamily="18" charset="0"/>
+                                </a:rPr>
+                                <m:t>𝑝</m:t>
+                              </m:r>
+                            </m:e>
+                            <m:sub>
+                              <m:r>
+                                <a:rPr lang="zh-CN" altLang="en-US" sz="1400" i="0">
+                                  <a:latin typeface="Cambria Math" panose="02040503050406030204" pitchFamily="18" charset="0"/>
+                                </a:rPr>
+                                <m:t>01</m:t>
+                              </m:r>
+                            </m:sub>
+                          </m:sSub>
+                          <m:d>
+                            <m:dPr>
+                              <m:ctrlPr>
+                                <a:rPr lang="zh-CN" altLang="en-US" sz="1400" i="1">
+                                  <a:solidFill>
+                                    <a:srgbClr val="836967"/>
+                                  </a:solidFill>
+                                  <a:latin typeface="Cambria Math" panose="02040503050406030204" pitchFamily="18" charset="0"/>
+                                </a:rPr>
+                              </m:ctrlPr>
+                            </m:dPr>
+                            <m:e>
+                              <m:r>
+                                <a:rPr lang="zh-CN" altLang="en-US" sz="1400" i="0">
+                                  <a:latin typeface="Cambria Math" panose="02040503050406030204" pitchFamily="18" charset="0"/>
+                                </a:rPr>
+                                <m:t>1−</m:t>
+                              </m:r>
+                              <m:sSubSup>
+                                <m:sSubSupPr>
+                                  <m:ctrlPr>
+                                    <a:rPr lang="zh-CN" altLang="en-US" sz="1400" i="1" smtClean="0">
+                                      <a:solidFill>
+                                        <a:srgbClr val="00B050"/>
+                                      </a:solidFill>
+                                      <a:latin typeface="Cambria Math" panose="02040503050406030204" pitchFamily="18" charset="0"/>
+                                    </a:rPr>
+                                  </m:ctrlPr>
+                                </m:sSubSupPr>
+                                <m:e>
+                                  <m:r>
+                                    <a:rPr lang="zh-CN" altLang="en-US" sz="1400" i="1">
+                                      <a:solidFill>
+                                        <a:srgbClr val="00B050"/>
+                                      </a:solidFill>
+                                      <a:latin typeface="Cambria Math" panose="02040503050406030204" pitchFamily="18" charset="0"/>
+                                    </a:rPr>
+                                    <m:t>𝜋</m:t>
+                                  </m:r>
+                                </m:e>
+                                <m:sub>
+                                  <m:r>
+                                    <a:rPr lang="zh-CN" altLang="en-US" sz="1400" i="1">
+                                      <a:solidFill>
+                                        <a:srgbClr val="00B050"/>
+                                      </a:solidFill>
+                                      <a:latin typeface="Cambria Math" panose="02040503050406030204" pitchFamily="18" charset="0"/>
+                                    </a:rPr>
+                                    <m:t>𝑛</m:t>
+                                  </m:r>
+                                  <m:r>
+                                    <a:rPr lang="zh-CN" altLang="en-US" sz="1400" i="0">
+                                      <a:solidFill>
+                                        <a:srgbClr val="00B050"/>
+                                      </a:solidFill>
+                                      <a:latin typeface="Cambria Math" panose="02040503050406030204" pitchFamily="18" charset="0"/>
+                                    </a:rPr>
+                                    <m:t>−1</m:t>
+                                  </m:r>
+                                </m:sub>
+                                <m:sup>
+                                  <m:r>
+                                    <a:rPr lang="zh-CN" altLang="en-US" sz="1400" i="1">
+                                      <a:solidFill>
+                                        <a:srgbClr val="00B050"/>
+                                      </a:solidFill>
+                                      <a:latin typeface="Cambria Math" panose="02040503050406030204" pitchFamily="18" charset="0"/>
+                                    </a:rPr>
+                                    <m:t>𝑖𝑛</m:t>
+                                  </m:r>
+                                </m:sup>
+                              </m:sSubSup>
+                            </m:e>
+                          </m:d>
+                          <m:d>
+                            <m:dPr>
+                              <m:ctrlPr>
+                                <a:rPr lang="zh-CN" altLang="en-US" sz="1400" i="1">
+                                  <a:solidFill>
+                                    <a:srgbClr val="836967"/>
+                                  </a:solidFill>
+                                  <a:latin typeface="Cambria Math" panose="02040503050406030204" pitchFamily="18" charset="0"/>
+                                </a:rPr>
+                              </m:ctrlPr>
+                            </m:dPr>
+                            <m:e>
+                              <m:r>
+                                <a:rPr lang="zh-CN" altLang="en-US" sz="1400" i="0">
+                                  <a:latin typeface="Cambria Math" panose="02040503050406030204" pitchFamily="18" charset="0"/>
+                                </a:rPr>
+                                <m:t>1−</m:t>
+                              </m:r>
+                              <m:sSubSup>
+                                <m:sSubSupPr>
+                                  <m:ctrlPr>
+                                    <a:rPr lang="zh-CN" altLang="en-US" sz="1400" i="1">
+                                      <a:solidFill>
+                                        <a:srgbClr val="836967"/>
+                                      </a:solidFill>
+                                      <a:latin typeface="Cambria Math" panose="02040503050406030204" pitchFamily="18" charset="0"/>
+                                    </a:rPr>
+                                  </m:ctrlPr>
+                                </m:sSubSupPr>
+                                <m:e>
+                                  <m:r>
+                                    <a:rPr lang="zh-CN" altLang="en-US" sz="1400" i="1">
+                                      <a:latin typeface="Cambria Math" panose="02040503050406030204" pitchFamily="18" charset="0"/>
+                                    </a:rPr>
+                                    <m:t>𝜆</m:t>
+                                  </m:r>
+                                </m:e>
+                                <m:sub>
+                                  <m:r>
+                                    <a:rPr lang="zh-CN" altLang="en-US" sz="1400" i="1">
+                                      <a:latin typeface="Cambria Math" panose="02040503050406030204" pitchFamily="18" charset="0"/>
+                                    </a:rPr>
+                                    <m:t>𝑛</m:t>
+                                  </m:r>
+                                  <m:r>
+                                    <a:rPr lang="zh-CN" altLang="en-US" sz="1400" i="0">
+                                      <a:latin typeface="Cambria Math" panose="02040503050406030204" pitchFamily="18" charset="0"/>
+                                    </a:rPr>
+                                    <m:t>−1</m:t>
+                                  </m:r>
+                                </m:sub>
+                                <m:sup>
+                                  <m:r>
+                                    <a:rPr lang="zh-CN" altLang="en-US" sz="1400" i="1">
+                                      <a:latin typeface="Cambria Math" panose="02040503050406030204" pitchFamily="18" charset="0"/>
+                                    </a:rPr>
+                                    <m:t>𝑓</m:t>
+                                  </m:r>
+                                </m:sup>
+                              </m:sSubSup>
+                            </m:e>
+                          </m:d>
+                          <m:r>
+                            <a:rPr lang="zh-CN" altLang="en-US" sz="1400" i="0">
+                              <a:latin typeface="Cambria Math" panose="02040503050406030204" pitchFamily="18" charset="0"/>
+                            </a:rPr>
+                            <m:t>+</m:t>
+                          </m:r>
+                          <m:sSub>
+                            <m:sSubPr>
+                              <m:ctrlPr>
+                                <a:rPr lang="zh-CN" altLang="en-US" sz="1400" i="1">
+                                  <a:solidFill>
+                                    <a:srgbClr val="836967"/>
+                                  </a:solidFill>
+                                  <a:latin typeface="Cambria Math" panose="02040503050406030204" pitchFamily="18" charset="0"/>
+                                </a:rPr>
+                              </m:ctrlPr>
+                            </m:sSubPr>
+                            <m:e>
+                              <m:r>
+                                <a:rPr lang="zh-CN" altLang="en-US" sz="1400" i="1">
+                                  <a:latin typeface="Cambria Math" panose="02040503050406030204" pitchFamily="18" charset="0"/>
+                                </a:rPr>
+                                <m:t>𝑝</m:t>
+                              </m:r>
+                            </m:e>
+                            <m:sub>
+                              <m:r>
+                                <a:rPr lang="zh-CN" altLang="en-US" sz="1400" i="0">
+                                  <a:latin typeface="Cambria Math" panose="02040503050406030204" pitchFamily="18" charset="0"/>
+                                </a:rPr>
+                                <m:t>11</m:t>
+                              </m:r>
+                            </m:sub>
+                          </m:sSub>
+                          <m:sSubSup>
+                            <m:sSubSupPr>
+                              <m:ctrlPr>
+                                <a:rPr lang="zh-CN" altLang="en-US" sz="1400" i="1" smtClean="0">
+                                  <a:solidFill>
+                                    <a:srgbClr val="00B050"/>
+                                  </a:solidFill>
+                                  <a:latin typeface="Cambria Math" panose="02040503050406030204" pitchFamily="18" charset="0"/>
+                                </a:rPr>
+                              </m:ctrlPr>
+                            </m:sSubSupPr>
+                            <m:e>
+                              <m:r>
+                                <a:rPr lang="zh-CN" altLang="en-US" sz="1400" i="1">
+                                  <a:solidFill>
+                                    <a:srgbClr val="00B050"/>
+                                  </a:solidFill>
+                                  <a:latin typeface="Cambria Math" panose="02040503050406030204" pitchFamily="18" charset="0"/>
+                                </a:rPr>
+                                <m:t>𝜋</m:t>
+                              </m:r>
+                            </m:e>
+                            <m:sub>
+                              <m:r>
+                                <a:rPr lang="zh-CN" altLang="en-US" sz="1400" i="1">
+                                  <a:solidFill>
+                                    <a:srgbClr val="00B050"/>
+                                  </a:solidFill>
+                                  <a:latin typeface="Cambria Math" panose="02040503050406030204" pitchFamily="18" charset="0"/>
+                                </a:rPr>
+                                <m:t>𝑛</m:t>
+                              </m:r>
+                              <m:r>
+                                <a:rPr lang="zh-CN" altLang="en-US" sz="1400" i="0">
+                                  <a:solidFill>
+                                    <a:srgbClr val="00B050"/>
+                                  </a:solidFill>
+                                  <a:latin typeface="Cambria Math" panose="02040503050406030204" pitchFamily="18" charset="0"/>
+                                </a:rPr>
+                                <m:t>−1</m:t>
+                              </m:r>
+                            </m:sub>
+                            <m:sup>
+                              <m:r>
+                                <a:rPr lang="zh-CN" altLang="en-US" sz="1400" i="1">
+                                  <a:solidFill>
+                                    <a:srgbClr val="00B050"/>
+                                  </a:solidFill>
+                                  <a:latin typeface="Cambria Math" panose="02040503050406030204" pitchFamily="18" charset="0"/>
+                                </a:rPr>
+                                <m:t>𝑖𝑛</m:t>
+                              </m:r>
+                            </m:sup>
+                          </m:sSubSup>
+                          <m:sSubSup>
+                            <m:sSubSupPr>
+                              <m:ctrlPr>
+                                <a:rPr lang="zh-CN" altLang="en-US" sz="1400" i="1">
+                                  <a:solidFill>
+                                    <a:srgbClr val="836967"/>
+                                  </a:solidFill>
+                                  <a:latin typeface="Cambria Math" panose="02040503050406030204" pitchFamily="18" charset="0"/>
+                                </a:rPr>
+                              </m:ctrlPr>
+                            </m:sSubSupPr>
+                            <m:e>
+                              <m:r>
+                                <a:rPr lang="zh-CN" altLang="en-US" sz="1400" i="1">
+                                  <a:latin typeface="Cambria Math" panose="02040503050406030204" pitchFamily="18" charset="0"/>
+                                </a:rPr>
+                                <m:t>𝜆</m:t>
+                              </m:r>
+                            </m:e>
+                            <m:sub>
+                              <m:r>
+                                <a:rPr lang="zh-CN" altLang="en-US" sz="1400" i="1">
+                                  <a:latin typeface="Cambria Math" panose="02040503050406030204" pitchFamily="18" charset="0"/>
+                                </a:rPr>
+                                <m:t>𝑛</m:t>
+                              </m:r>
+                              <m:r>
+                                <a:rPr lang="zh-CN" altLang="en-US" sz="1400" i="0">
+                                  <a:latin typeface="Cambria Math" panose="02040503050406030204" pitchFamily="18" charset="0"/>
+                                </a:rPr>
+                                <m:t>−1</m:t>
+                              </m:r>
+                            </m:sub>
+                            <m:sup>
+                              <m:r>
+                                <a:rPr lang="zh-CN" altLang="en-US" sz="1400" i="1">
+                                  <a:latin typeface="Cambria Math" panose="02040503050406030204" pitchFamily="18" charset="0"/>
+                                </a:rPr>
+                                <m:t>𝑓</m:t>
+                              </m:r>
+                            </m:sup>
+                          </m:sSubSup>
+                        </m:num>
+                        <m:den>
+                          <m:d>
+                            <m:dPr>
+                              <m:ctrlPr>
+                                <a:rPr lang="zh-CN" altLang="en-US" sz="1400" i="1">
+                                  <a:solidFill>
+                                    <a:srgbClr val="836967"/>
+                                  </a:solidFill>
+                                  <a:latin typeface="Cambria Math" panose="02040503050406030204" pitchFamily="18" charset="0"/>
+                                </a:rPr>
+                              </m:ctrlPr>
+                            </m:dPr>
+                            <m:e>
+                              <m:r>
+                                <a:rPr lang="zh-CN" altLang="en-US" sz="1400" i="0">
+                                  <a:latin typeface="Cambria Math" panose="02040503050406030204" pitchFamily="18" charset="0"/>
+                                </a:rPr>
+                                <m:t>1−</m:t>
+                              </m:r>
+                              <m:sSubSup>
+                                <m:sSubSupPr>
+                                  <m:ctrlPr>
+                                    <a:rPr lang="zh-CN" altLang="en-US" sz="1400" i="1" smtClean="0">
+                                      <a:solidFill>
+                                        <a:srgbClr val="00B050"/>
+                                      </a:solidFill>
+                                      <a:latin typeface="Cambria Math" panose="02040503050406030204" pitchFamily="18" charset="0"/>
+                                    </a:rPr>
+                                  </m:ctrlPr>
+                                </m:sSubSupPr>
+                                <m:e>
+                                  <m:r>
+                                    <a:rPr lang="zh-CN" altLang="en-US" sz="1400" i="1">
+                                      <a:solidFill>
+                                        <a:srgbClr val="00B050"/>
+                                      </a:solidFill>
+                                      <a:latin typeface="Cambria Math" panose="02040503050406030204" pitchFamily="18" charset="0"/>
+                                    </a:rPr>
+                                    <m:t>𝜋</m:t>
+                                  </m:r>
+                                </m:e>
+                                <m:sub>
+                                  <m:r>
+                                    <a:rPr lang="zh-CN" altLang="en-US" sz="1400" i="1">
+                                      <a:solidFill>
+                                        <a:srgbClr val="00B050"/>
+                                      </a:solidFill>
+                                      <a:latin typeface="Cambria Math" panose="02040503050406030204" pitchFamily="18" charset="0"/>
+                                    </a:rPr>
+                                    <m:t>𝑛</m:t>
+                                  </m:r>
+                                  <m:r>
+                                    <a:rPr lang="zh-CN" altLang="en-US" sz="1400" i="0">
+                                      <a:solidFill>
+                                        <a:srgbClr val="00B050"/>
+                                      </a:solidFill>
+                                      <a:latin typeface="Cambria Math" panose="02040503050406030204" pitchFamily="18" charset="0"/>
+                                    </a:rPr>
+                                    <m:t>−1</m:t>
+                                  </m:r>
+                                </m:sub>
+                                <m:sup>
+                                  <m:r>
+                                    <a:rPr lang="zh-CN" altLang="en-US" sz="1400" i="1">
+                                      <a:solidFill>
+                                        <a:srgbClr val="00B050"/>
+                                      </a:solidFill>
+                                      <a:latin typeface="Cambria Math" panose="02040503050406030204" pitchFamily="18" charset="0"/>
+                                    </a:rPr>
+                                    <m:t>𝑖𝑛</m:t>
+                                  </m:r>
+                                </m:sup>
+                              </m:sSubSup>
+                            </m:e>
+                          </m:d>
+                          <m:d>
+                            <m:dPr>
+                              <m:ctrlPr>
+                                <a:rPr lang="zh-CN" altLang="en-US" sz="1400" i="1">
+                                  <a:solidFill>
+                                    <a:srgbClr val="836967"/>
+                                  </a:solidFill>
+                                  <a:latin typeface="Cambria Math" panose="02040503050406030204" pitchFamily="18" charset="0"/>
+                                </a:rPr>
+                              </m:ctrlPr>
+                            </m:dPr>
+                            <m:e>
+                              <m:r>
+                                <a:rPr lang="zh-CN" altLang="en-US" sz="1400" i="0">
+                                  <a:latin typeface="Cambria Math" panose="02040503050406030204" pitchFamily="18" charset="0"/>
+                                </a:rPr>
+                                <m:t>1−</m:t>
+                              </m:r>
+                              <m:sSubSup>
+                                <m:sSubSupPr>
+                                  <m:ctrlPr>
+                                    <a:rPr lang="zh-CN" altLang="en-US" sz="1400" i="1">
+                                      <a:solidFill>
+                                        <a:srgbClr val="836967"/>
+                                      </a:solidFill>
+                                      <a:latin typeface="Cambria Math" panose="02040503050406030204" pitchFamily="18" charset="0"/>
+                                    </a:rPr>
+                                  </m:ctrlPr>
+                                </m:sSubSupPr>
+                                <m:e>
+                                  <m:r>
+                                    <a:rPr lang="zh-CN" altLang="en-US" sz="1400" i="1">
+                                      <a:latin typeface="Cambria Math" panose="02040503050406030204" pitchFamily="18" charset="0"/>
+                                    </a:rPr>
+                                    <m:t>𝜆</m:t>
+                                  </m:r>
+                                </m:e>
+                                <m:sub>
+                                  <m:r>
+                                    <a:rPr lang="zh-CN" altLang="en-US" sz="1400" i="1">
+                                      <a:latin typeface="Cambria Math" panose="02040503050406030204" pitchFamily="18" charset="0"/>
+                                    </a:rPr>
+                                    <m:t>𝑛</m:t>
+                                  </m:r>
+                                  <m:r>
+                                    <a:rPr lang="zh-CN" altLang="en-US" sz="1400" i="0">
+                                      <a:latin typeface="Cambria Math" panose="02040503050406030204" pitchFamily="18" charset="0"/>
+                                    </a:rPr>
+                                    <m:t>−1</m:t>
+                                  </m:r>
+                                </m:sub>
+                                <m:sup>
+                                  <m:r>
+                                    <a:rPr lang="zh-CN" altLang="en-US" sz="1400" i="1">
+                                      <a:latin typeface="Cambria Math" panose="02040503050406030204" pitchFamily="18" charset="0"/>
+                                    </a:rPr>
+                                    <m:t>𝑓</m:t>
+                                  </m:r>
+                                </m:sup>
+                              </m:sSubSup>
+                            </m:e>
+                          </m:d>
+                          <m:r>
+                            <a:rPr lang="zh-CN" altLang="en-US" sz="1400" i="0">
+                              <a:latin typeface="Cambria Math" panose="02040503050406030204" pitchFamily="18" charset="0"/>
+                            </a:rPr>
+                            <m:t>+</m:t>
+                          </m:r>
+                          <m:sSubSup>
+                            <m:sSubSupPr>
+                              <m:ctrlPr>
+                                <a:rPr lang="zh-CN" altLang="en-US" sz="1400" i="1" smtClean="0">
+                                  <a:solidFill>
+                                    <a:srgbClr val="00B050"/>
+                                  </a:solidFill>
+                                  <a:latin typeface="Cambria Math" panose="02040503050406030204" pitchFamily="18" charset="0"/>
+                                </a:rPr>
+                              </m:ctrlPr>
+                            </m:sSubSupPr>
+                            <m:e>
+                              <m:r>
+                                <a:rPr lang="zh-CN" altLang="en-US" sz="1400" i="1">
+                                  <a:solidFill>
+                                    <a:srgbClr val="00B050"/>
+                                  </a:solidFill>
+                                  <a:latin typeface="Cambria Math" panose="02040503050406030204" pitchFamily="18" charset="0"/>
+                                </a:rPr>
+                                <m:t>𝜋</m:t>
+                              </m:r>
+                            </m:e>
+                            <m:sub>
+                              <m:r>
+                                <a:rPr lang="zh-CN" altLang="en-US" sz="1400" i="1">
+                                  <a:solidFill>
+                                    <a:srgbClr val="00B050"/>
+                                  </a:solidFill>
+                                  <a:latin typeface="Cambria Math" panose="02040503050406030204" pitchFamily="18" charset="0"/>
+                                </a:rPr>
+                                <m:t>𝑛</m:t>
+                              </m:r>
+                              <m:r>
+                                <a:rPr lang="zh-CN" altLang="en-US" sz="1400" i="0">
+                                  <a:solidFill>
+                                    <a:srgbClr val="00B050"/>
+                                  </a:solidFill>
+                                  <a:latin typeface="Cambria Math" panose="02040503050406030204" pitchFamily="18" charset="0"/>
+                                </a:rPr>
+                                <m:t>−1</m:t>
+                              </m:r>
+                            </m:sub>
+                            <m:sup>
+                              <m:r>
+                                <a:rPr lang="zh-CN" altLang="en-US" sz="1400" i="1">
+                                  <a:solidFill>
+                                    <a:srgbClr val="00B050"/>
+                                  </a:solidFill>
+                                  <a:latin typeface="Cambria Math" panose="02040503050406030204" pitchFamily="18" charset="0"/>
+                                </a:rPr>
+                                <m:t>𝑖𝑛</m:t>
+                              </m:r>
+                            </m:sup>
+                          </m:sSubSup>
+                          <m:sSubSup>
+                            <m:sSubSupPr>
+                              <m:ctrlPr>
+                                <a:rPr lang="zh-CN" altLang="en-US" sz="1400" i="1">
+                                  <a:solidFill>
+                                    <a:srgbClr val="836967"/>
+                                  </a:solidFill>
+                                  <a:latin typeface="Cambria Math" panose="02040503050406030204" pitchFamily="18" charset="0"/>
+                                </a:rPr>
+                              </m:ctrlPr>
+                            </m:sSubSupPr>
+                            <m:e>
+                              <m:r>
+                                <a:rPr lang="zh-CN" altLang="en-US" sz="1400" i="1">
+                                  <a:latin typeface="Cambria Math" panose="02040503050406030204" pitchFamily="18" charset="0"/>
+                                </a:rPr>
+                                <m:t>𝜆</m:t>
+                              </m:r>
+                            </m:e>
+                            <m:sub>
+                              <m:r>
+                                <a:rPr lang="zh-CN" altLang="en-US" sz="1400" i="1">
+                                  <a:latin typeface="Cambria Math" panose="02040503050406030204" pitchFamily="18" charset="0"/>
+                                </a:rPr>
+                                <m:t>𝑛</m:t>
+                              </m:r>
+                              <m:r>
+                                <a:rPr lang="zh-CN" altLang="en-US" sz="1400" i="0">
+                                  <a:latin typeface="Cambria Math" panose="02040503050406030204" pitchFamily="18" charset="0"/>
+                                </a:rPr>
+                                <m:t>−1</m:t>
+                              </m:r>
+                            </m:sub>
+                            <m:sup>
+                              <m:r>
+                                <a:rPr lang="zh-CN" altLang="en-US" sz="1400" i="1">
+                                  <a:latin typeface="Cambria Math" panose="02040503050406030204" pitchFamily="18" charset="0"/>
+                                </a:rPr>
+                                <m:t>𝑓</m:t>
+                              </m:r>
+                            </m:sup>
+                          </m:sSubSup>
+                        </m:den>
+                      </m:f>
+                    </m:oMath>
+                  </m:oMathPara>
+                </a14:m>
+                <a:endParaRPr lang="zh-CN" altLang="en-US" dirty="0"/>
+              </a:p>
+            </p:txBody>
+          </p:sp>
+        </mc:Choice>
+        <mc:Fallback>
+          <p:sp>
+            <p:nvSpPr>
+              <p:cNvPr id="56" name="文本框 55">
+                <a:extLst>
+                  <a:ext uri="{FF2B5EF4-FFF2-40B4-BE49-F238E27FC236}">
+                    <a16:creationId xmlns:a16="http://schemas.microsoft.com/office/drawing/2014/main" id="{679241D1-37AF-314E-B1FE-53835BAA7741}"/>
+                  </a:ext>
+                </a:extLst>
+              </p:cNvPr>
+              <p:cNvSpPr txBox="1">
+                <a:spLocks noRot="1" noChangeAspect="1" noMove="1" noResize="1" noEditPoints="1" noAdjustHandles="1" noChangeArrowheads="1" noChangeShapeType="1" noTextEdit="1"/>
+              </p:cNvSpPr>
+              <p:nvPr/>
+            </p:nvSpPr>
+            <p:spPr>
+              <a:xfrm>
+                <a:off x="6671493" y="4523908"/>
+                <a:ext cx="3829938" cy="656462"/>
+              </a:xfrm>
+              <a:prstGeom prst="rect">
+                <a:avLst/>
+              </a:prstGeom>
+              <a:blipFill>
+                <a:blip r:embed="rId10"/>
+                <a:stretch>
+                  <a:fillRect/>
+                </a:stretch>
+              </a:blipFill>
+            </p:spPr>
+            <p:txBody>
+              <a:bodyPr/>
+              <a:lstStyle/>
+              <a:p>
+                <a:r>
+                  <a:rPr lang="zh-CN" altLang="en-US">
+                    <a:noFill/>
+                  </a:rPr>
+                  <a:t> </a:t>
+                </a:r>
+              </a:p>
+            </p:txBody>
+          </p:sp>
+        </mc:Fallback>
+      </mc:AlternateContent>
+      <mc:AlternateContent xmlns:mc="http://schemas.openxmlformats.org/markup-compatibility/2006">
+        <mc:Choice xmlns:a14="http://schemas.microsoft.com/office/drawing/2010/main" Requires="a14">
+          <p:sp>
+            <p:nvSpPr>
+              <p:cNvPr id="58" name="文本框 57">
+                <a:extLst>
+                  <a:ext uri="{FF2B5EF4-FFF2-40B4-BE49-F238E27FC236}">
+                    <a16:creationId xmlns:a16="http://schemas.microsoft.com/office/drawing/2014/main" id="{CD266383-7160-4D4C-A978-E8A614F5485F}"/>
+                  </a:ext>
+                </a:extLst>
+              </p:cNvPr>
+              <p:cNvSpPr txBox="1"/>
+              <p:nvPr/>
+            </p:nvSpPr>
+            <p:spPr>
+              <a:xfrm>
+                <a:off x="6671493" y="5246813"/>
+                <a:ext cx="3829938" cy="609719"/>
+              </a:xfrm>
+              <a:prstGeom prst="rect">
+                <a:avLst/>
+              </a:prstGeom>
+              <a:noFill/>
+            </p:spPr>
+            <p:txBody>
+              <a:bodyPr wrap="square">
+                <a:spAutoFit/>
+              </a:bodyPr>
+              <a:lstStyle/>
+              <a:p>
+                <a:pPr/>
+                <a14:m>
+                  <m:oMathPara xmlns:m="http://schemas.openxmlformats.org/officeDocument/2006/math">
+                    <m:oMathParaPr>
+                      <m:jc m:val="centerGroup"/>
+                    </m:oMathParaPr>
+                    <m:oMath xmlns:m="http://schemas.openxmlformats.org/officeDocument/2006/math">
+                      <m:sSubSup>
+                        <m:sSubSupPr>
+                          <m:ctrlPr>
+                            <a:rPr lang="zh-CN" altLang="en-US" sz="1400" i="1" smtClean="0">
+                              <a:solidFill>
+                                <a:srgbClr val="00B050"/>
+                              </a:solidFill>
+                              <a:latin typeface="Cambria Math" panose="02040503050406030204" pitchFamily="18" charset="0"/>
+                            </a:rPr>
+                          </m:ctrlPr>
+                        </m:sSubSupPr>
+                        <m:e>
+                          <m:r>
+                            <a:rPr lang="zh-CN" altLang="en-US" sz="1400" i="1">
+                              <a:solidFill>
+                                <a:srgbClr val="00B050"/>
+                              </a:solidFill>
+                              <a:latin typeface="Cambria Math" panose="02040503050406030204" pitchFamily="18" charset="0"/>
+                            </a:rPr>
+                            <m:t>𝜆</m:t>
+                          </m:r>
+                        </m:e>
+                        <m:sub>
+                          <m:r>
+                            <a:rPr lang="zh-CN" altLang="en-US" sz="1400" i="1">
+                              <a:solidFill>
+                                <a:srgbClr val="00B050"/>
+                              </a:solidFill>
+                              <a:latin typeface="Cambria Math" panose="02040503050406030204" pitchFamily="18" charset="0"/>
+                            </a:rPr>
+                            <m:t>𝑛</m:t>
+                          </m:r>
+                        </m:sub>
+                        <m:sup>
+                          <m:r>
+                            <a:rPr lang="zh-CN" altLang="en-US" sz="1400" i="1">
+                              <a:solidFill>
+                                <a:srgbClr val="00B050"/>
+                              </a:solidFill>
+                              <a:latin typeface="Cambria Math" panose="02040503050406030204" pitchFamily="18" charset="0"/>
+                            </a:rPr>
+                            <m:t>𝑏</m:t>
+                          </m:r>
+                        </m:sup>
+                      </m:sSubSup>
+                      <m:r>
+                        <a:rPr lang="zh-CN" altLang="en-US" sz="1400" i="0">
+                          <a:latin typeface="Cambria Math" panose="02040503050406030204" pitchFamily="18" charset="0"/>
+                        </a:rPr>
+                        <m:t>=</m:t>
+                      </m:r>
+                      <m:f>
+                        <m:fPr>
+                          <m:ctrlPr>
+                            <a:rPr lang="zh-CN" altLang="en-US" sz="1400" i="1">
+                              <a:solidFill>
+                                <a:srgbClr val="836967"/>
+                              </a:solidFill>
+                              <a:latin typeface="Cambria Math" panose="02040503050406030204" pitchFamily="18" charset="0"/>
+                            </a:rPr>
+                          </m:ctrlPr>
+                        </m:fPr>
+                        <m:num>
+                          <m:sSub>
+                            <m:sSubPr>
+                              <m:ctrlPr>
+                                <a:rPr lang="zh-CN" altLang="en-US" sz="1400" i="1">
+                                  <a:solidFill>
+                                    <a:srgbClr val="836967"/>
+                                  </a:solidFill>
+                                  <a:latin typeface="Cambria Math" panose="02040503050406030204" pitchFamily="18" charset="0"/>
+                                </a:rPr>
+                              </m:ctrlPr>
+                            </m:sSubPr>
+                            <m:e>
+                              <m:r>
+                                <a:rPr lang="zh-CN" altLang="en-US" sz="1400" i="1">
+                                  <a:latin typeface="Cambria Math" panose="02040503050406030204" pitchFamily="18" charset="0"/>
+                                </a:rPr>
+                                <m:t>𝑝</m:t>
+                              </m:r>
+                            </m:e>
+                            <m:sub>
+                              <m:r>
+                                <a:rPr lang="zh-CN" altLang="en-US" sz="1400" i="0">
+                                  <a:latin typeface="Cambria Math" panose="02040503050406030204" pitchFamily="18" charset="0"/>
+                                </a:rPr>
+                                <m:t>10</m:t>
+                              </m:r>
+                            </m:sub>
+                          </m:sSub>
+                          <m:d>
+                            <m:dPr>
+                              <m:ctrlPr>
+                                <a:rPr lang="zh-CN" altLang="en-US" sz="1400" i="1">
+                                  <a:solidFill>
+                                    <a:srgbClr val="836967"/>
+                                  </a:solidFill>
+                                  <a:latin typeface="Cambria Math" panose="02040503050406030204" pitchFamily="18" charset="0"/>
+                                </a:rPr>
+                              </m:ctrlPr>
+                            </m:dPr>
+                            <m:e>
+                              <m:r>
+                                <a:rPr lang="zh-CN" altLang="en-US" sz="1400" i="0">
+                                  <a:latin typeface="Cambria Math" panose="02040503050406030204" pitchFamily="18" charset="0"/>
+                                </a:rPr>
+                                <m:t>1−</m:t>
+                              </m:r>
+                              <m:sSubSup>
+                                <m:sSubSupPr>
+                                  <m:ctrlPr>
+                                    <a:rPr lang="zh-CN" altLang="en-US" sz="1400" i="1" smtClean="0">
+                                      <a:solidFill>
+                                        <a:srgbClr val="00B050"/>
+                                      </a:solidFill>
+                                      <a:latin typeface="Cambria Math" panose="02040503050406030204" pitchFamily="18" charset="0"/>
+                                    </a:rPr>
+                                  </m:ctrlPr>
+                                </m:sSubSupPr>
+                                <m:e>
+                                  <m:r>
+                                    <a:rPr lang="zh-CN" altLang="en-US" sz="1400" i="1">
+                                      <a:solidFill>
+                                        <a:srgbClr val="00B050"/>
+                                      </a:solidFill>
+                                      <a:latin typeface="Cambria Math" panose="02040503050406030204" pitchFamily="18" charset="0"/>
+                                    </a:rPr>
+                                    <m:t>𝜋</m:t>
+                                  </m:r>
+                                </m:e>
+                                <m:sub>
+                                  <m:r>
+                                    <a:rPr lang="zh-CN" altLang="en-US" sz="1400" i="1">
+                                      <a:solidFill>
+                                        <a:srgbClr val="00B050"/>
+                                      </a:solidFill>
+                                      <a:latin typeface="Cambria Math" panose="02040503050406030204" pitchFamily="18" charset="0"/>
+                                    </a:rPr>
+                                    <m:t>𝑛</m:t>
+                                  </m:r>
+                                  <m:r>
+                                    <a:rPr lang="zh-CN" altLang="en-US" sz="1400" i="0">
+                                      <a:solidFill>
+                                        <a:srgbClr val="00B050"/>
+                                      </a:solidFill>
+                                      <a:latin typeface="Cambria Math" panose="02040503050406030204" pitchFamily="18" charset="0"/>
+                                    </a:rPr>
+                                    <m:t>+1</m:t>
+                                  </m:r>
+                                </m:sub>
+                                <m:sup>
+                                  <m:r>
+                                    <a:rPr lang="zh-CN" altLang="en-US" sz="1400" i="1">
+                                      <a:solidFill>
+                                        <a:srgbClr val="00B050"/>
+                                      </a:solidFill>
+                                      <a:latin typeface="Cambria Math" panose="02040503050406030204" pitchFamily="18" charset="0"/>
+                                    </a:rPr>
+                                    <m:t>𝑖𝑛</m:t>
+                                  </m:r>
+                                </m:sup>
+                              </m:sSubSup>
+                            </m:e>
+                          </m:d>
+                          <m:d>
+                            <m:dPr>
+                              <m:ctrlPr>
+                                <a:rPr lang="zh-CN" altLang="en-US" sz="1400" i="1">
+                                  <a:solidFill>
+                                    <a:srgbClr val="836967"/>
+                                  </a:solidFill>
+                                  <a:latin typeface="Cambria Math" panose="02040503050406030204" pitchFamily="18" charset="0"/>
+                                </a:rPr>
+                              </m:ctrlPr>
+                            </m:dPr>
+                            <m:e>
+                              <m:r>
+                                <a:rPr lang="zh-CN" altLang="en-US" sz="1400" i="0">
+                                  <a:latin typeface="Cambria Math" panose="02040503050406030204" pitchFamily="18" charset="0"/>
+                                </a:rPr>
+                                <m:t>1−</m:t>
+                              </m:r>
+                              <m:sSubSup>
+                                <m:sSubSupPr>
+                                  <m:ctrlPr>
+                                    <a:rPr lang="zh-CN" altLang="en-US" sz="1400" i="1">
+                                      <a:solidFill>
+                                        <a:srgbClr val="836967"/>
+                                      </a:solidFill>
+                                      <a:latin typeface="Cambria Math" panose="02040503050406030204" pitchFamily="18" charset="0"/>
+                                    </a:rPr>
+                                  </m:ctrlPr>
+                                </m:sSubSupPr>
+                                <m:e>
+                                  <m:r>
+                                    <a:rPr lang="zh-CN" altLang="en-US" sz="1400" i="1">
+                                      <a:latin typeface="Cambria Math" panose="02040503050406030204" pitchFamily="18" charset="0"/>
+                                    </a:rPr>
+                                    <m:t>𝜆</m:t>
+                                  </m:r>
+                                </m:e>
+                                <m:sub>
+                                  <m:r>
+                                    <a:rPr lang="zh-CN" altLang="en-US" sz="1400" i="1">
+                                      <a:latin typeface="Cambria Math" panose="02040503050406030204" pitchFamily="18" charset="0"/>
+                                    </a:rPr>
+                                    <m:t>𝑛</m:t>
+                                  </m:r>
+                                  <m:r>
+                                    <a:rPr lang="zh-CN" altLang="en-US" sz="1400" i="0">
+                                      <a:latin typeface="Cambria Math" panose="02040503050406030204" pitchFamily="18" charset="0"/>
+                                    </a:rPr>
+                                    <m:t>+1</m:t>
+                                  </m:r>
+                                </m:sub>
+                                <m:sup>
+                                  <m:r>
+                                    <a:rPr lang="zh-CN" altLang="en-US" sz="1400" i="1">
+                                      <a:latin typeface="Cambria Math" panose="02040503050406030204" pitchFamily="18" charset="0"/>
+                                    </a:rPr>
+                                    <m:t>𝑏</m:t>
+                                  </m:r>
+                                </m:sup>
+                              </m:sSubSup>
+                            </m:e>
+                          </m:d>
+                          <m:r>
+                            <a:rPr lang="zh-CN" altLang="en-US" sz="1400" i="0">
+                              <a:latin typeface="Cambria Math" panose="02040503050406030204" pitchFamily="18" charset="0"/>
+                            </a:rPr>
+                            <m:t>+</m:t>
+                          </m:r>
+                          <m:sSub>
+                            <m:sSubPr>
+                              <m:ctrlPr>
+                                <a:rPr lang="zh-CN" altLang="en-US" sz="1400" i="1">
+                                  <a:solidFill>
+                                    <a:srgbClr val="836967"/>
+                                  </a:solidFill>
+                                  <a:latin typeface="Cambria Math" panose="02040503050406030204" pitchFamily="18" charset="0"/>
+                                </a:rPr>
+                              </m:ctrlPr>
+                            </m:sSubPr>
+                            <m:e>
+                              <m:r>
+                                <a:rPr lang="zh-CN" altLang="en-US" sz="1400" i="1">
+                                  <a:latin typeface="Cambria Math" panose="02040503050406030204" pitchFamily="18" charset="0"/>
+                                </a:rPr>
+                                <m:t>𝑝</m:t>
+                              </m:r>
+                            </m:e>
+                            <m:sub>
+                              <m:r>
+                                <a:rPr lang="zh-CN" altLang="en-US" sz="1400" i="0">
+                                  <a:latin typeface="Cambria Math" panose="02040503050406030204" pitchFamily="18" charset="0"/>
+                                </a:rPr>
+                                <m:t>11</m:t>
+                              </m:r>
+                            </m:sub>
+                          </m:sSub>
+                          <m:sSubSup>
+                            <m:sSubSupPr>
+                              <m:ctrlPr>
+                                <a:rPr lang="zh-CN" altLang="en-US" sz="1400" i="1" smtClean="0">
+                                  <a:solidFill>
+                                    <a:srgbClr val="00B050"/>
+                                  </a:solidFill>
+                                  <a:latin typeface="Cambria Math" panose="02040503050406030204" pitchFamily="18" charset="0"/>
+                                </a:rPr>
+                              </m:ctrlPr>
+                            </m:sSubSupPr>
+                            <m:e>
+                              <m:r>
+                                <a:rPr lang="zh-CN" altLang="en-US" sz="1400" i="1">
+                                  <a:solidFill>
+                                    <a:srgbClr val="00B050"/>
+                                  </a:solidFill>
+                                  <a:latin typeface="Cambria Math" panose="02040503050406030204" pitchFamily="18" charset="0"/>
+                                </a:rPr>
+                                <m:t>𝜋</m:t>
+                              </m:r>
+                            </m:e>
+                            <m:sub>
+                              <m:r>
+                                <a:rPr lang="zh-CN" altLang="en-US" sz="1400" i="1">
+                                  <a:solidFill>
+                                    <a:srgbClr val="00B050"/>
+                                  </a:solidFill>
+                                  <a:latin typeface="Cambria Math" panose="02040503050406030204" pitchFamily="18" charset="0"/>
+                                </a:rPr>
+                                <m:t>𝑛</m:t>
+                              </m:r>
+                              <m:r>
+                                <a:rPr lang="zh-CN" altLang="en-US" sz="1400" i="0">
+                                  <a:solidFill>
+                                    <a:srgbClr val="00B050"/>
+                                  </a:solidFill>
+                                  <a:latin typeface="Cambria Math" panose="02040503050406030204" pitchFamily="18" charset="0"/>
+                                </a:rPr>
+                                <m:t>+1</m:t>
+                              </m:r>
+                            </m:sub>
+                            <m:sup>
+                              <m:r>
+                                <a:rPr lang="zh-CN" altLang="en-US" sz="1400" i="1">
+                                  <a:solidFill>
+                                    <a:srgbClr val="00B050"/>
+                                  </a:solidFill>
+                                  <a:latin typeface="Cambria Math" panose="02040503050406030204" pitchFamily="18" charset="0"/>
+                                </a:rPr>
+                                <m:t>𝑖𝑛</m:t>
+                              </m:r>
+                            </m:sup>
+                          </m:sSubSup>
+                          <m:sSubSup>
+                            <m:sSubSupPr>
+                              <m:ctrlPr>
+                                <a:rPr lang="zh-CN" altLang="en-US" sz="1400" i="1">
+                                  <a:solidFill>
+                                    <a:srgbClr val="836967"/>
+                                  </a:solidFill>
+                                  <a:latin typeface="Cambria Math" panose="02040503050406030204" pitchFamily="18" charset="0"/>
+                                </a:rPr>
+                              </m:ctrlPr>
+                            </m:sSubSupPr>
+                            <m:e>
+                              <m:r>
+                                <a:rPr lang="zh-CN" altLang="en-US" sz="1400" i="1">
+                                  <a:latin typeface="Cambria Math" panose="02040503050406030204" pitchFamily="18" charset="0"/>
+                                </a:rPr>
+                                <m:t>𝜆</m:t>
+                              </m:r>
+                            </m:e>
+                            <m:sub>
+                              <m:r>
+                                <a:rPr lang="zh-CN" altLang="en-US" sz="1400" i="1">
+                                  <a:latin typeface="Cambria Math" panose="02040503050406030204" pitchFamily="18" charset="0"/>
+                                </a:rPr>
+                                <m:t>𝑛</m:t>
+                              </m:r>
+                              <m:r>
+                                <a:rPr lang="zh-CN" altLang="en-US" sz="1400" i="0">
+                                  <a:latin typeface="Cambria Math" panose="02040503050406030204" pitchFamily="18" charset="0"/>
+                                </a:rPr>
+                                <m:t>+1</m:t>
+                              </m:r>
+                            </m:sub>
+                            <m:sup>
+                              <m:r>
+                                <a:rPr lang="zh-CN" altLang="en-US" sz="1400" i="1">
+                                  <a:latin typeface="Cambria Math" panose="02040503050406030204" pitchFamily="18" charset="0"/>
+                                </a:rPr>
+                                <m:t>𝑏</m:t>
+                              </m:r>
+                            </m:sup>
+                          </m:sSubSup>
+                        </m:num>
+                        <m:den>
+                          <m:sSub>
+                            <m:sSubPr>
+                              <m:ctrlPr>
+                                <a:rPr lang="zh-CN" altLang="en-US" sz="1400" i="1">
+                                  <a:solidFill>
+                                    <a:srgbClr val="836967"/>
+                                  </a:solidFill>
+                                  <a:latin typeface="Cambria Math" panose="02040503050406030204" pitchFamily="18" charset="0"/>
+                                </a:rPr>
+                              </m:ctrlPr>
+                            </m:sSubPr>
+                            <m:e>
+                              <m:r>
+                                <a:rPr lang="zh-CN" altLang="en-US" sz="1400" i="1">
+                                  <a:latin typeface="Cambria Math" panose="02040503050406030204" pitchFamily="18" charset="0"/>
+                                </a:rPr>
+                                <m:t>𝑝</m:t>
+                              </m:r>
+                            </m:e>
+                            <m:sub>
+                              <m:r>
+                                <a:rPr lang="zh-CN" altLang="en-US" sz="1400" i="0">
+                                  <a:latin typeface="Cambria Math" panose="02040503050406030204" pitchFamily="18" charset="0"/>
+                                </a:rPr>
+                                <m:t>0</m:t>
+                              </m:r>
+                            </m:sub>
+                          </m:sSub>
+                          <m:d>
+                            <m:dPr>
+                              <m:ctrlPr>
+                                <a:rPr lang="zh-CN" altLang="en-US" sz="1400" i="1">
+                                  <a:solidFill>
+                                    <a:srgbClr val="836967"/>
+                                  </a:solidFill>
+                                  <a:latin typeface="Cambria Math" panose="02040503050406030204" pitchFamily="18" charset="0"/>
+                                </a:rPr>
+                              </m:ctrlPr>
+                            </m:dPr>
+                            <m:e>
+                              <m:r>
+                                <a:rPr lang="zh-CN" altLang="en-US" sz="1400" i="0">
+                                  <a:latin typeface="Cambria Math" panose="02040503050406030204" pitchFamily="18" charset="0"/>
+                                </a:rPr>
+                                <m:t>1−</m:t>
+                              </m:r>
+                              <m:sSubSup>
+                                <m:sSubSupPr>
+                                  <m:ctrlPr>
+                                    <a:rPr lang="zh-CN" altLang="en-US" sz="1400" i="1" smtClean="0">
+                                      <a:solidFill>
+                                        <a:srgbClr val="00B050"/>
+                                      </a:solidFill>
+                                      <a:latin typeface="Cambria Math" panose="02040503050406030204" pitchFamily="18" charset="0"/>
+                                    </a:rPr>
+                                  </m:ctrlPr>
+                                </m:sSubSupPr>
+                                <m:e>
+                                  <m:r>
+                                    <a:rPr lang="zh-CN" altLang="en-US" sz="1400" i="1">
+                                      <a:solidFill>
+                                        <a:srgbClr val="00B050"/>
+                                      </a:solidFill>
+                                      <a:latin typeface="Cambria Math" panose="02040503050406030204" pitchFamily="18" charset="0"/>
+                                    </a:rPr>
+                                    <m:t>𝜋</m:t>
+                                  </m:r>
+                                </m:e>
+                                <m:sub>
+                                  <m:r>
+                                    <a:rPr lang="zh-CN" altLang="en-US" sz="1400" i="1">
+                                      <a:solidFill>
+                                        <a:srgbClr val="00B050"/>
+                                      </a:solidFill>
+                                      <a:latin typeface="Cambria Math" panose="02040503050406030204" pitchFamily="18" charset="0"/>
+                                    </a:rPr>
+                                    <m:t>𝑛</m:t>
+                                  </m:r>
+                                  <m:r>
+                                    <a:rPr lang="zh-CN" altLang="en-US" sz="1400" i="0">
+                                      <a:solidFill>
+                                        <a:srgbClr val="00B050"/>
+                                      </a:solidFill>
+                                      <a:latin typeface="Cambria Math" panose="02040503050406030204" pitchFamily="18" charset="0"/>
+                                    </a:rPr>
+                                    <m:t>+1</m:t>
+                                  </m:r>
+                                </m:sub>
+                                <m:sup>
+                                  <m:r>
+                                    <a:rPr lang="zh-CN" altLang="en-US" sz="1400" i="1">
+                                      <a:solidFill>
+                                        <a:srgbClr val="00B050"/>
+                                      </a:solidFill>
+                                      <a:latin typeface="Cambria Math" panose="02040503050406030204" pitchFamily="18" charset="0"/>
+                                    </a:rPr>
+                                    <m:t>𝑖𝑛</m:t>
+                                  </m:r>
+                                </m:sup>
+                              </m:sSubSup>
+                            </m:e>
+                          </m:d>
+                          <m:d>
+                            <m:dPr>
+                              <m:ctrlPr>
+                                <a:rPr lang="zh-CN" altLang="en-US" sz="1400" i="1">
+                                  <a:solidFill>
+                                    <a:srgbClr val="836967"/>
+                                  </a:solidFill>
+                                  <a:latin typeface="Cambria Math" panose="02040503050406030204" pitchFamily="18" charset="0"/>
+                                </a:rPr>
+                              </m:ctrlPr>
+                            </m:dPr>
+                            <m:e>
+                              <m:r>
+                                <a:rPr lang="zh-CN" altLang="en-US" sz="1400" i="0">
+                                  <a:latin typeface="Cambria Math" panose="02040503050406030204" pitchFamily="18" charset="0"/>
+                                </a:rPr>
+                                <m:t>1−</m:t>
+                              </m:r>
+                              <m:sSubSup>
+                                <m:sSubSupPr>
+                                  <m:ctrlPr>
+                                    <a:rPr lang="zh-CN" altLang="en-US" sz="1400" i="1">
+                                      <a:solidFill>
+                                        <a:srgbClr val="836967"/>
+                                      </a:solidFill>
+                                      <a:latin typeface="Cambria Math" panose="02040503050406030204" pitchFamily="18" charset="0"/>
+                                    </a:rPr>
+                                  </m:ctrlPr>
+                                </m:sSubSupPr>
+                                <m:e>
+                                  <m:r>
+                                    <a:rPr lang="zh-CN" altLang="en-US" sz="1400" i="1">
+                                      <a:latin typeface="Cambria Math" panose="02040503050406030204" pitchFamily="18" charset="0"/>
+                                    </a:rPr>
+                                    <m:t>𝜆</m:t>
+                                  </m:r>
+                                </m:e>
+                                <m:sub>
+                                  <m:r>
+                                    <a:rPr lang="zh-CN" altLang="en-US" sz="1400" i="1">
+                                      <a:latin typeface="Cambria Math" panose="02040503050406030204" pitchFamily="18" charset="0"/>
+                                    </a:rPr>
+                                    <m:t>𝑛</m:t>
+                                  </m:r>
+                                  <m:r>
+                                    <a:rPr lang="zh-CN" altLang="en-US" sz="1400" i="0">
+                                      <a:latin typeface="Cambria Math" panose="02040503050406030204" pitchFamily="18" charset="0"/>
+                                    </a:rPr>
+                                    <m:t>+1</m:t>
+                                  </m:r>
+                                </m:sub>
+                                <m:sup>
+                                  <m:r>
+                                    <a:rPr lang="zh-CN" altLang="en-US" sz="1400" i="1">
+                                      <a:latin typeface="Cambria Math" panose="02040503050406030204" pitchFamily="18" charset="0"/>
+                                    </a:rPr>
+                                    <m:t>𝑏</m:t>
+                                  </m:r>
+                                </m:sup>
+                              </m:sSubSup>
+                            </m:e>
+                          </m:d>
+                          <m:r>
+                            <a:rPr lang="zh-CN" altLang="en-US" sz="1400" i="0">
+                              <a:latin typeface="Cambria Math" panose="02040503050406030204" pitchFamily="18" charset="0"/>
+                            </a:rPr>
+                            <m:t>+</m:t>
+                          </m:r>
+                          <m:sSub>
+                            <m:sSubPr>
+                              <m:ctrlPr>
+                                <a:rPr lang="zh-CN" altLang="en-US" sz="1400" i="1">
+                                  <a:solidFill>
+                                    <a:srgbClr val="836967"/>
+                                  </a:solidFill>
+                                  <a:latin typeface="Cambria Math" panose="02040503050406030204" pitchFamily="18" charset="0"/>
+                                </a:rPr>
+                              </m:ctrlPr>
+                            </m:sSubPr>
+                            <m:e>
+                              <m:r>
+                                <a:rPr lang="zh-CN" altLang="en-US" sz="1400" i="1">
+                                  <a:latin typeface="Cambria Math" panose="02040503050406030204" pitchFamily="18" charset="0"/>
+                                </a:rPr>
+                                <m:t>𝑝</m:t>
+                              </m:r>
+                            </m:e>
+                            <m:sub>
+                              <m:r>
+                                <a:rPr lang="zh-CN" altLang="en-US" sz="1400" i="0">
+                                  <a:latin typeface="Cambria Math" panose="02040503050406030204" pitchFamily="18" charset="0"/>
+                                </a:rPr>
+                                <m:t>1</m:t>
+                              </m:r>
+                            </m:sub>
+                          </m:sSub>
+                          <m:sSubSup>
+                            <m:sSubSupPr>
+                              <m:ctrlPr>
+                                <a:rPr lang="zh-CN" altLang="en-US" sz="1400" i="1" smtClean="0">
+                                  <a:solidFill>
+                                    <a:srgbClr val="00B050"/>
+                                  </a:solidFill>
+                                  <a:latin typeface="Cambria Math" panose="02040503050406030204" pitchFamily="18" charset="0"/>
+                                </a:rPr>
+                              </m:ctrlPr>
+                            </m:sSubSupPr>
+                            <m:e>
+                              <m:r>
+                                <a:rPr lang="zh-CN" altLang="en-US" sz="1400" i="1">
+                                  <a:solidFill>
+                                    <a:srgbClr val="00B050"/>
+                                  </a:solidFill>
+                                  <a:latin typeface="Cambria Math" panose="02040503050406030204" pitchFamily="18" charset="0"/>
+                                </a:rPr>
+                                <m:t>𝜋</m:t>
+                              </m:r>
+                            </m:e>
+                            <m:sub>
+                              <m:r>
+                                <a:rPr lang="zh-CN" altLang="en-US" sz="1400" i="1">
+                                  <a:solidFill>
+                                    <a:srgbClr val="00B050"/>
+                                  </a:solidFill>
+                                  <a:latin typeface="Cambria Math" panose="02040503050406030204" pitchFamily="18" charset="0"/>
+                                </a:rPr>
+                                <m:t>𝑛</m:t>
+                              </m:r>
+                              <m:r>
+                                <a:rPr lang="zh-CN" altLang="en-US" sz="1400" i="0">
+                                  <a:solidFill>
+                                    <a:srgbClr val="00B050"/>
+                                  </a:solidFill>
+                                  <a:latin typeface="Cambria Math" panose="02040503050406030204" pitchFamily="18" charset="0"/>
+                                </a:rPr>
+                                <m:t>+1</m:t>
+                              </m:r>
+                            </m:sub>
+                            <m:sup>
+                              <m:r>
+                                <a:rPr lang="zh-CN" altLang="en-US" sz="1400" i="1">
+                                  <a:solidFill>
+                                    <a:srgbClr val="00B050"/>
+                                  </a:solidFill>
+                                  <a:latin typeface="Cambria Math" panose="02040503050406030204" pitchFamily="18" charset="0"/>
+                                </a:rPr>
+                                <m:t>𝑖𝑛</m:t>
+                              </m:r>
+                            </m:sup>
+                          </m:sSubSup>
+                          <m:sSubSup>
+                            <m:sSubSupPr>
+                              <m:ctrlPr>
+                                <a:rPr lang="zh-CN" altLang="en-US" sz="1400" i="1">
+                                  <a:solidFill>
+                                    <a:srgbClr val="836967"/>
+                                  </a:solidFill>
+                                  <a:latin typeface="Cambria Math" panose="02040503050406030204" pitchFamily="18" charset="0"/>
+                                </a:rPr>
+                              </m:ctrlPr>
+                            </m:sSubSupPr>
+                            <m:e>
+                              <m:r>
+                                <a:rPr lang="zh-CN" altLang="en-US" sz="1400" i="1">
+                                  <a:latin typeface="Cambria Math" panose="02040503050406030204" pitchFamily="18" charset="0"/>
+                                </a:rPr>
+                                <m:t>𝜆</m:t>
+                              </m:r>
+                            </m:e>
+                            <m:sub>
+                              <m:r>
+                                <a:rPr lang="zh-CN" altLang="en-US" sz="1400" i="1">
+                                  <a:latin typeface="Cambria Math" panose="02040503050406030204" pitchFamily="18" charset="0"/>
+                                </a:rPr>
+                                <m:t>𝑛</m:t>
+                              </m:r>
+                              <m:r>
+                                <a:rPr lang="zh-CN" altLang="en-US" sz="1400" i="0">
+                                  <a:latin typeface="Cambria Math" panose="02040503050406030204" pitchFamily="18" charset="0"/>
+                                </a:rPr>
+                                <m:t>+1</m:t>
+                              </m:r>
+                            </m:sub>
+                            <m:sup>
+                              <m:r>
+                                <a:rPr lang="zh-CN" altLang="en-US" sz="1400" i="1">
+                                  <a:latin typeface="Cambria Math" panose="02040503050406030204" pitchFamily="18" charset="0"/>
+                                </a:rPr>
+                                <m:t>𝑏</m:t>
+                              </m:r>
+                            </m:sup>
+                          </m:sSubSup>
+                        </m:den>
+                      </m:f>
+                    </m:oMath>
+                  </m:oMathPara>
+                </a14:m>
+                <a:endParaRPr lang="zh-CN" altLang="en-US" sz="1400" dirty="0"/>
+              </a:p>
+            </p:txBody>
+          </p:sp>
+        </mc:Choice>
+        <mc:Fallback>
+          <p:sp>
+            <p:nvSpPr>
+              <p:cNvPr id="58" name="文本框 57">
+                <a:extLst>
+                  <a:ext uri="{FF2B5EF4-FFF2-40B4-BE49-F238E27FC236}">
+                    <a16:creationId xmlns:a16="http://schemas.microsoft.com/office/drawing/2014/main" id="{CD266383-7160-4D4C-A978-E8A614F5485F}"/>
+                  </a:ext>
+                </a:extLst>
+              </p:cNvPr>
+              <p:cNvSpPr txBox="1">
+                <a:spLocks noRot="1" noChangeAspect="1" noMove="1" noResize="1" noEditPoints="1" noAdjustHandles="1" noChangeArrowheads="1" noChangeShapeType="1" noTextEdit="1"/>
+              </p:cNvSpPr>
+              <p:nvPr/>
+            </p:nvSpPr>
+            <p:spPr>
+              <a:xfrm>
+                <a:off x="6671493" y="5246813"/>
+                <a:ext cx="3829938" cy="609719"/>
+              </a:xfrm>
+              <a:prstGeom prst="rect">
+                <a:avLst/>
+              </a:prstGeom>
+              <a:blipFill>
+                <a:blip r:embed="rId11"/>
+                <a:stretch>
+                  <a:fillRect/>
+                </a:stretch>
+              </a:blipFill>
+            </p:spPr>
+            <p:txBody>
+              <a:bodyPr/>
+              <a:lstStyle/>
+              <a:p>
+                <a:r>
+                  <a:rPr lang="zh-CN" altLang="en-US">
+                    <a:noFill/>
+                  </a:rPr>
+                  <a:t> </a:t>
+                </a:r>
+              </a:p>
+            </p:txBody>
+          </p:sp>
+        </mc:Fallback>
+      </mc:AlternateContent>
+      <mc:AlternateContent xmlns:mc="http://schemas.openxmlformats.org/markup-compatibility/2006">
+        <mc:Choice xmlns:a14="http://schemas.microsoft.com/office/drawing/2010/main" Requires="a14">
+          <p:sp>
+            <p:nvSpPr>
+              <p:cNvPr id="59" name="文本框 58">
+                <a:extLst>
+                  <a:ext uri="{FF2B5EF4-FFF2-40B4-BE49-F238E27FC236}">
+                    <a16:creationId xmlns:a16="http://schemas.microsoft.com/office/drawing/2014/main" id="{3413797E-7F3F-BE46-937E-33393A86546A}"/>
+                  </a:ext>
+                </a:extLst>
+              </p:cNvPr>
+              <p:cNvSpPr txBox="1"/>
+              <p:nvPr/>
+            </p:nvSpPr>
+            <p:spPr>
+              <a:xfrm>
+                <a:off x="5404659" y="3582332"/>
+                <a:ext cx="3389839" cy="406778"/>
+              </a:xfrm>
+              <a:prstGeom prst="rect">
+                <a:avLst/>
+              </a:prstGeom>
+              <a:noFill/>
+            </p:spPr>
+            <p:txBody>
+              <a:bodyPr wrap="none" rtlCol="0">
+                <a:spAutoFit/>
+              </a:bodyPr>
+              <a:lstStyle/>
+              <a:p>
+                <a14:m>
+                  <m:oMathPara xmlns:m="http://schemas.openxmlformats.org/officeDocument/2006/math">
+                    <m:oMathParaPr>
+                      <m:jc m:val="centerGroup"/>
+                    </m:oMathParaPr>
+                    <m:oMath xmlns:m="http://schemas.openxmlformats.org/officeDocument/2006/math">
+                      <m:sSub>
+                        <m:sSubPr>
+                          <m:ctrlPr>
+                            <a:rPr lang="zh-CN" altLang="zh-CN" i="1" smtClean="0">
+                              <a:solidFill>
+                                <a:srgbClr val="00B050"/>
+                              </a:solidFill>
+                            </a:rPr>
+                          </m:ctrlPr>
+                        </m:sSubPr>
+                        <m:e>
+                          <m:r>
+                            <a:rPr lang="en-US" altLang="zh-CN" i="1">
+                              <a:solidFill>
+                                <a:srgbClr val="00B050"/>
+                              </a:solidFill>
+                            </a:rPr>
+                            <m:t>𝜈</m:t>
+                          </m:r>
+                        </m:e>
+                        <m:sub>
+                          <m:sSub>
+                            <m:sSubPr>
+                              <m:ctrlPr>
+                                <a:rPr lang="zh-CN" altLang="zh-CN" i="1">
+                                  <a:solidFill>
+                                    <a:srgbClr val="00B050"/>
+                                  </a:solidFill>
+                                </a:rPr>
+                              </m:ctrlPr>
+                            </m:sSubPr>
+                            <m:e>
+                              <m:r>
+                                <a:rPr lang="en-US" altLang="zh-CN" i="1">
+                                  <a:solidFill>
+                                    <a:srgbClr val="00B050"/>
+                                  </a:solidFill>
+                                </a:rPr>
+                                <m:t>h</m:t>
+                              </m:r>
+                            </m:e>
+                            <m:sub>
+                              <m:r>
+                                <a:rPr lang="en-US" altLang="zh-CN" i="1">
+                                  <a:solidFill>
+                                    <a:srgbClr val="00B050"/>
+                                  </a:solidFill>
+                                </a:rPr>
+                                <m:t>𝑛</m:t>
+                              </m:r>
+                            </m:sub>
+                          </m:sSub>
+                          <m:r>
+                            <a:rPr lang="en-US" altLang="zh-CN" i="1">
+                              <a:solidFill>
+                                <a:srgbClr val="00B050"/>
+                              </a:solidFill>
+                            </a:rPr>
+                            <m:t>→</m:t>
+                          </m:r>
+                          <m:sSub>
+                            <m:sSubPr>
+                              <m:ctrlPr>
+                                <a:rPr lang="zh-CN" altLang="zh-CN" i="1">
+                                  <a:solidFill>
+                                    <a:srgbClr val="00B050"/>
+                                  </a:solidFill>
+                                </a:rPr>
+                              </m:ctrlPr>
+                            </m:sSubPr>
+                            <m:e>
+                              <m:r>
+                                <a:rPr lang="en-US" altLang="zh-CN" i="1">
+                                  <a:solidFill>
+                                    <a:srgbClr val="00B050"/>
+                                  </a:solidFill>
+                                </a:rPr>
+                                <m:t>𝑠</m:t>
+                              </m:r>
+                            </m:e>
+                            <m:sub>
+                              <m:r>
+                                <a:rPr lang="en-US" altLang="zh-CN" i="1">
+                                  <a:solidFill>
+                                    <a:srgbClr val="00B050"/>
+                                  </a:solidFill>
+                                </a:rPr>
+                                <m:t>𝑛</m:t>
+                              </m:r>
+                            </m:sub>
+                          </m:sSub>
+                        </m:sub>
+                      </m:sSub>
+                      <m:d>
+                        <m:dPr>
+                          <m:ctrlPr>
+                            <a:rPr lang="zh-CN" altLang="zh-CN" i="1">
+                              <a:solidFill>
+                                <a:srgbClr val="00B050"/>
+                              </a:solidFill>
+                            </a:rPr>
+                          </m:ctrlPr>
+                        </m:dPr>
+                        <m:e>
+                          <m:sSub>
+                            <m:sSubPr>
+                              <m:ctrlPr>
+                                <a:rPr lang="zh-CN" altLang="zh-CN" i="1">
+                                  <a:solidFill>
+                                    <a:srgbClr val="00B050"/>
+                                  </a:solidFill>
+                                </a:rPr>
+                              </m:ctrlPr>
+                            </m:sSubPr>
+                            <m:e>
+                              <m:r>
+                                <a:rPr lang="en-US" altLang="zh-CN" i="1">
+                                  <a:solidFill>
+                                    <a:srgbClr val="00B050"/>
+                                  </a:solidFill>
+                                </a:rPr>
+                                <m:t>𝑠</m:t>
+                              </m:r>
+                            </m:e>
+                            <m:sub>
+                              <m:r>
+                                <a:rPr lang="en-US" altLang="zh-CN" i="1">
+                                  <a:solidFill>
+                                    <a:srgbClr val="00B050"/>
+                                  </a:solidFill>
+                                </a:rPr>
+                                <m:t>𝑛</m:t>
+                              </m:r>
+                            </m:sub>
+                          </m:sSub>
+                        </m:e>
+                      </m:d>
+                      <m:r>
+                        <a:rPr lang="en-US" altLang="zh-CN" i="1"/>
+                        <m:t>=</m:t>
+                      </m:r>
+                      <m:sSup>
+                        <m:sSupPr>
+                          <m:ctrlPr>
+                            <a:rPr lang="zh-CN" altLang="zh-CN" i="1"/>
+                          </m:ctrlPr>
+                        </m:sSupPr>
+                        <m:e>
+                          <m:d>
+                            <m:dPr>
+                              <m:ctrlPr>
+                                <a:rPr lang="zh-CN" altLang="zh-CN" i="1"/>
+                              </m:ctrlPr>
+                            </m:dPr>
+                            <m:e>
+                              <m:sSub>
+                                <m:sSubPr>
+                                  <m:ctrlPr>
+                                    <a:rPr lang="zh-CN" altLang="zh-CN" i="1"/>
+                                  </m:ctrlPr>
+                                </m:sSubPr>
+                                <m:e>
+                                  <m:r>
+                                    <a:rPr lang="en-US" altLang="zh-CN" i="1"/>
+                                    <m:t>𝜋</m:t>
+                                  </m:r>
+                                </m:e>
+                                <m:sub>
+                                  <m:r>
+                                    <a:rPr lang="en-US" altLang="zh-CN" i="1"/>
+                                    <m:t>𝑛</m:t>
+                                  </m:r>
+                                </m:sub>
+                              </m:sSub>
+                            </m:e>
+                          </m:d>
+                        </m:e>
+                        <m:sup>
+                          <m:sSub>
+                            <m:sSubPr>
+                              <m:ctrlPr>
+                                <a:rPr lang="zh-CN" altLang="zh-CN" i="1"/>
+                              </m:ctrlPr>
+                            </m:sSubPr>
+                            <m:e>
+                              <m:r>
+                                <a:rPr lang="en-US" altLang="zh-CN" i="1"/>
+                                <m:t>𝑠</m:t>
+                              </m:r>
+                            </m:e>
+                            <m:sub>
+                              <m:r>
+                                <a:rPr lang="en-US" altLang="zh-CN" i="1"/>
+                                <m:t>𝑛</m:t>
+                              </m:r>
+                            </m:sub>
+                          </m:sSub>
+                        </m:sup>
+                      </m:sSup>
+                      <m:sSup>
+                        <m:sSupPr>
+                          <m:ctrlPr>
+                            <a:rPr lang="zh-CN" altLang="zh-CN" i="1"/>
+                          </m:ctrlPr>
+                        </m:sSupPr>
+                        <m:e>
+                          <m:d>
+                            <m:dPr>
+                              <m:ctrlPr>
+                                <a:rPr lang="zh-CN" altLang="zh-CN" i="1"/>
+                              </m:ctrlPr>
+                            </m:dPr>
+                            <m:e>
+                              <m:r>
+                                <a:rPr lang="en-US" altLang="zh-CN" i="1"/>
+                                <m:t>1−</m:t>
+                              </m:r>
+                              <m:sSub>
+                                <m:sSubPr>
+                                  <m:ctrlPr>
+                                    <a:rPr lang="zh-CN" altLang="zh-CN" i="1"/>
+                                  </m:ctrlPr>
+                                </m:sSubPr>
+                                <m:e>
+                                  <m:r>
+                                    <a:rPr lang="en-US" altLang="zh-CN" i="1"/>
+                                    <m:t>𝜋</m:t>
+                                  </m:r>
+                                </m:e>
+                                <m:sub>
+                                  <m:r>
+                                    <a:rPr lang="en-US" altLang="zh-CN" i="1"/>
+                                    <m:t>𝑛</m:t>
+                                  </m:r>
+                                </m:sub>
+                              </m:sSub>
+                            </m:e>
+                          </m:d>
+                        </m:e>
+                        <m:sup>
+                          <m:r>
+                            <a:rPr lang="en-US" altLang="zh-CN" i="1"/>
+                            <m:t>1−</m:t>
+                          </m:r>
+                          <m:sSub>
+                            <m:sSubPr>
+                              <m:ctrlPr>
+                                <a:rPr lang="zh-CN" altLang="zh-CN" i="1"/>
+                              </m:ctrlPr>
+                            </m:sSubPr>
+                            <m:e>
+                              <m:r>
+                                <a:rPr lang="en-US" altLang="zh-CN" i="1"/>
+                                <m:t>𝑠</m:t>
+                              </m:r>
+                            </m:e>
+                            <m:sub>
+                              <m:r>
+                                <a:rPr lang="en-US" altLang="zh-CN" i="1"/>
+                                <m:t>𝑛</m:t>
+                              </m:r>
+                            </m:sub>
+                          </m:sSub>
+                        </m:sup>
+                      </m:sSup>
+                    </m:oMath>
+                  </m:oMathPara>
+                </a14:m>
+                <a:endParaRPr kumimoji="1" lang="zh-CN" altLang="en-US" dirty="0" err="1">
+                  <a:latin typeface="Times" pitchFamily="2" charset="0"/>
+                </a:endParaRPr>
+              </a:p>
+            </p:txBody>
+          </p:sp>
+        </mc:Choice>
+        <mc:Fallback>
+          <p:sp>
+            <p:nvSpPr>
+              <p:cNvPr id="59" name="文本框 58">
+                <a:extLst>
+                  <a:ext uri="{FF2B5EF4-FFF2-40B4-BE49-F238E27FC236}">
+                    <a16:creationId xmlns:a16="http://schemas.microsoft.com/office/drawing/2014/main" id="{3413797E-7F3F-BE46-937E-33393A86546A}"/>
+                  </a:ext>
+                </a:extLst>
+              </p:cNvPr>
+              <p:cNvSpPr txBox="1">
+                <a:spLocks noRot="1" noChangeAspect="1" noMove="1" noResize="1" noEditPoints="1" noAdjustHandles="1" noChangeArrowheads="1" noChangeShapeType="1" noTextEdit="1"/>
+              </p:cNvSpPr>
+              <p:nvPr/>
+            </p:nvSpPr>
+            <p:spPr>
+              <a:xfrm>
+                <a:off x="5404659" y="3582332"/>
+                <a:ext cx="3389839" cy="406778"/>
+              </a:xfrm>
+              <a:prstGeom prst="rect">
+                <a:avLst/>
+              </a:prstGeom>
+              <a:blipFill>
+                <a:blip r:embed="rId12"/>
+                <a:stretch>
+                  <a:fillRect/>
+                </a:stretch>
+              </a:blipFill>
+            </p:spPr>
+            <p:txBody>
+              <a:bodyPr/>
+              <a:lstStyle/>
+              <a:p>
+                <a:r>
+                  <a:rPr lang="zh-CN" altLang="en-US">
+                    <a:noFill/>
+                  </a:rPr>
+                  <a:t> </a:t>
+                </a:r>
+              </a:p>
+            </p:txBody>
+          </p:sp>
+        </mc:Fallback>
+      </mc:AlternateContent>
+      <p:cxnSp>
+        <p:nvCxnSpPr>
+          <p:cNvPr id="60" name="直线箭头连接符 59">
+            <a:extLst>
+              <a:ext uri="{FF2B5EF4-FFF2-40B4-BE49-F238E27FC236}">
+                <a16:creationId xmlns:a16="http://schemas.microsoft.com/office/drawing/2014/main" id="{90225FB6-60C1-3D41-97FD-982BC36565FC}"/>
+              </a:ext>
+            </a:extLst>
+          </p:cNvPr>
+          <p:cNvCxnSpPr>
+            <a:cxnSpLocks/>
+          </p:cNvCxnSpPr>
+          <p:nvPr/>
+        </p:nvCxnSpPr>
+        <p:spPr>
+          <a:xfrm flipV="1">
+            <a:off x="9674154" y="4159607"/>
+            <a:ext cx="0" cy="299495"/>
+          </a:xfrm>
+          <a:prstGeom prst="straightConnector1">
+            <a:avLst/>
+          </a:prstGeom>
+          <a:ln w="38100">
+            <a:solidFill>
+              <a:schemeClr val="tx1"/>
+            </a:solidFill>
+            <a:tailEnd type="triangle"/>
+          </a:ln>
+        </p:spPr>
+        <p:style>
+          <a:lnRef idx="1">
+            <a:schemeClr val="accent1"/>
+          </a:lnRef>
+          <a:fillRef idx="0">
+            <a:schemeClr val="accent1"/>
+          </a:fillRef>
+          <a:effectRef idx="0">
+            <a:schemeClr val="accent1"/>
+          </a:effectRef>
+          <a:fontRef idx="minor">
+            <a:schemeClr val="tx1"/>
+          </a:fontRef>
+        </p:style>
+      </p:cxnSp>
+      <mc:AlternateContent xmlns:mc="http://schemas.openxmlformats.org/markup-compatibility/2006">
+        <mc:Choice xmlns:a14="http://schemas.microsoft.com/office/drawing/2010/main" Requires="a14">
+          <p:sp>
+            <p:nvSpPr>
+              <p:cNvPr id="62" name="文本框 61">
+                <a:extLst>
+                  <a:ext uri="{FF2B5EF4-FFF2-40B4-BE49-F238E27FC236}">
+                    <a16:creationId xmlns:a16="http://schemas.microsoft.com/office/drawing/2014/main" id="{CA46A63F-4F46-864F-A444-30649985C7B8}"/>
+                  </a:ext>
+                </a:extLst>
+              </p:cNvPr>
+              <p:cNvSpPr txBox="1"/>
+              <p:nvPr/>
+            </p:nvSpPr>
+            <p:spPr>
+              <a:xfrm>
+                <a:off x="9000897" y="3301871"/>
+                <a:ext cx="3249670" cy="813364"/>
+              </a:xfrm>
+              <a:prstGeom prst="rect">
+                <a:avLst/>
+              </a:prstGeom>
+              <a:noFill/>
+            </p:spPr>
+            <p:txBody>
+              <a:bodyPr wrap="square">
+                <a:spAutoFit/>
+              </a:bodyPr>
+              <a:lstStyle/>
+              <a:p>
+                <a:pPr/>
+                <a14:m>
+                  <m:oMathPara xmlns:m="http://schemas.openxmlformats.org/officeDocument/2006/math">
+                    <m:oMathParaPr>
+                      <m:jc m:val="centerGroup"/>
+                    </m:oMathParaPr>
+                    <m:oMath xmlns:m="http://schemas.openxmlformats.org/officeDocument/2006/math">
+                      <m:sSub>
+                        <m:sSubPr>
+                          <m:ctrlPr>
+                            <a:rPr lang="zh-CN" altLang="en-US" i="1" smtClean="0">
+                              <a:solidFill>
+                                <a:srgbClr val="836967"/>
+                              </a:solidFill>
+                              <a:latin typeface="Cambria Math" panose="02040503050406030204" pitchFamily="18" charset="0"/>
+                            </a:rPr>
+                          </m:ctrlPr>
+                        </m:sSubPr>
+                        <m:e>
+                          <m:r>
+                            <a:rPr lang="zh-CN" altLang="en-US" i="1">
+                              <a:latin typeface="Cambria Math" panose="02040503050406030204" pitchFamily="18" charset="0"/>
+                            </a:rPr>
+                            <m:t>𝜋</m:t>
+                          </m:r>
+                        </m:e>
+                        <m:sub>
+                          <m:r>
+                            <a:rPr lang="zh-CN" altLang="en-US" i="1">
+                              <a:latin typeface="Cambria Math" panose="02040503050406030204" pitchFamily="18" charset="0"/>
+                            </a:rPr>
+                            <m:t>𝑛</m:t>
+                          </m:r>
+                        </m:sub>
+                      </m:sSub>
+                      <m:r>
+                        <a:rPr lang="zh-CN" altLang="en-US" i="0">
+                          <a:latin typeface="Cambria Math" panose="02040503050406030204" pitchFamily="18" charset="0"/>
+                        </a:rPr>
+                        <m:t>=</m:t>
+                      </m:r>
+                      <m:f>
+                        <m:fPr>
+                          <m:ctrlPr>
+                            <a:rPr lang="zh-CN" altLang="en-US" i="1">
+                              <a:solidFill>
+                                <a:srgbClr val="836967"/>
+                              </a:solidFill>
+                              <a:latin typeface="Cambria Math" panose="02040503050406030204" pitchFamily="18" charset="0"/>
+                            </a:rPr>
+                          </m:ctrlPr>
+                        </m:fPr>
+                        <m:num>
+                          <m:sSubSup>
+                            <m:sSubSupPr>
+                              <m:ctrlPr>
+                                <a:rPr lang="zh-CN" altLang="en-US" i="1" smtClean="0">
+                                  <a:solidFill>
+                                    <a:srgbClr val="00B050"/>
+                                  </a:solidFill>
+                                  <a:latin typeface="Cambria Math" panose="02040503050406030204" pitchFamily="18" charset="0"/>
+                                </a:rPr>
+                              </m:ctrlPr>
+                            </m:sSubSupPr>
+                            <m:e>
+                              <m:r>
+                                <a:rPr lang="zh-CN" altLang="en-US" i="1">
+                                  <a:solidFill>
+                                    <a:srgbClr val="00B050"/>
+                                  </a:solidFill>
+                                  <a:latin typeface="Cambria Math" panose="02040503050406030204" pitchFamily="18" charset="0"/>
+                                </a:rPr>
+                                <m:t>𝜆</m:t>
+                              </m:r>
+                            </m:e>
+                            <m:sub>
+                              <m:r>
+                                <a:rPr lang="zh-CN" altLang="en-US" i="1">
+                                  <a:solidFill>
+                                    <a:srgbClr val="00B050"/>
+                                  </a:solidFill>
+                                  <a:latin typeface="Cambria Math" panose="02040503050406030204" pitchFamily="18" charset="0"/>
+                                </a:rPr>
+                                <m:t>𝑛</m:t>
+                              </m:r>
+                            </m:sub>
+                            <m:sup>
+                              <m:r>
+                                <a:rPr lang="zh-CN" altLang="en-US" i="1">
+                                  <a:solidFill>
+                                    <a:srgbClr val="00B050"/>
+                                  </a:solidFill>
+                                  <a:latin typeface="Cambria Math" panose="02040503050406030204" pitchFamily="18" charset="0"/>
+                                </a:rPr>
+                                <m:t>𝑓</m:t>
+                              </m:r>
+                            </m:sup>
+                          </m:sSubSup>
+                          <m:sSubSup>
+                            <m:sSubSupPr>
+                              <m:ctrlPr>
+                                <a:rPr lang="zh-CN" altLang="en-US" i="1">
+                                  <a:solidFill>
+                                    <a:srgbClr val="00B050"/>
+                                  </a:solidFill>
+                                  <a:latin typeface="Cambria Math" panose="02040503050406030204" pitchFamily="18" charset="0"/>
+                                </a:rPr>
+                              </m:ctrlPr>
+                            </m:sSubSupPr>
+                            <m:e>
+                              <m:r>
+                                <a:rPr lang="zh-CN" altLang="en-US" i="1">
+                                  <a:solidFill>
+                                    <a:srgbClr val="00B050"/>
+                                  </a:solidFill>
+                                  <a:latin typeface="Cambria Math" panose="02040503050406030204" pitchFamily="18" charset="0"/>
+                                </a:rPr>
+                                <m:t>𝜆</m:t>
+                              </m:r>
+                            </m:e>
+                            <m:sub>
+                              <m:r>
+                                <a:rPr lang="zh-CN" altLang="en-US" i="1">
+                                  <a:solidFill>
+                                    <a:srgbClr val="00B050"/>
+                                  </a:solidFill>
+                                  <a:latin typeface="Cambria Math" panose="02040503050406030204" pitchFamily="18" charset="0"/>
+                                </a:rPr>
+                                <m:t>𝑛</m:t>
+                              </m:r>
+                            </m:sub>
+                            <m:sup>
+                              <m:r>
+                                <a:rPr lang="zh-CN" altLang="en-US" i="1">
+                                  <a:solidFill>
+                                    <a:srgbClr val="00B050"/>
+                                  </a:solidFill>
+                                  <a:latin typeface="Cambria Math" panose="02040503050406030204" pitchFamily="18" charset="0"/>
+                                </a:rPr>
+                                <m:t>𝑏</m:t>
+                              </m:r>
+                            </m:sup>
+                          </m:sSubSup>
+                        </m:num>
+                        <m:den>
+                          <m:d>
+                            <m:dPr>
+                              <m:ctrlPr>
+                                <a:rPr lang="zh-CN" altLang="en-US" i="1">
+                                  <a:solidFill>
+                                    <a:srgbClr val="836967"/>
+                                  </a:solidFill>
+                                  <a:latin typeface="Cambria Math" panose="02040503050406030204" pitchFamily="18" charset="0"/>
+                                </a:rPr>
+                              </m:ctrlPr>
+                            </m:dPr>
+                            <m:e>
+                              <m:r>
+                                <a:rPr lang="zh-CN" altLang="en-US" i="0">
+                                  <a:latin typeface="Cambria Math" panose="02040503050406030204" pitchFamily="18" charset="0"/>
+                                </a:rPr>
+                                <m:t>1−</m:t>
+                              </m:r>
+                              <m:sSubSup>
+                                <m:sSubSupPr>
+                                  <m:ctrlPr>
+                                    <a:rPr lang="zh-CN" altLang="en-US" i="1" smtClean="0">
+                                      <a:solidFill>
+                                        <a:srgbClr val="00B050"/>
+                                      </a:solidFill>
+                                      <a:latin typeface="Cambria Math" panose="02040503050406030204" pitchFamily="18" charset="0"/>
+                                    </a:rPr>
+                                  </m:ctrlPr>
+                                </m:sSubSupPr>
+                                <m:e>
+                                  <m:r>
+                                    <a:rPr lang="zh-CN" altLang="en-US" i="1">
+                                      <a:solidFill>
+                                        <a:srgbClr val="00B050"/>
+                                      </a:solidFill>
+                                      <a:latin typeface="Cambria Math" panose="02040503050406030204" pitchFamily="18" charset="0"/>
+                                    </a:rPr>
+                                    <m:t>𝜆</m:t>
+                                  </m:r>
+                                </m:e>
+                                <m:sub>
+                                  <m:r>
+                                    <a:rPr lang="zh-CN" altLang="en-US" i="1">
+                                      <a:solidFill>
+                                        <a:srgbClr val="00B050"/>
+                                      </a:solidFill>
+                                      <a:latin typeface="Cambria Math" panose="02040503050406030204" pitchFamily="18" charset="0"/>
+                                    </a:rPr>
+                                    <m:t>𝑛</m:t>
+                                  </m:r>
+                                </m:sub>
+                                <m:sup>
+                                  <m:r>
+                                    <a:rPr lang="zh-CN" altLang="en-US" i="1">
+                                      <a:solidFill>
+                                        <a:srgbClr val="00B050"/>
+                                      </a:solidFill>
+                                      <a:latin typeface="Cambria Math" panose="02040503050406030204" pitchFamily="18" charset="0"/>
+                                    </a:rPr>
+                                    <m:t>𝑓</m:t>
+                                  </m:r>
+                                </m:sup>
+                              </m:sSubSup>
+                            </m:e>
+                          </m:d>
+                          <m:d>
+                            <m:dPr>
+                              <m:ctrlPr>
+                                <a:rPr lang="zh-CN" altLang="en-US" i="1">
+                                  <a:solidFill>
+                                    <a:srgbClr val="836967"/>
+                                  </a:solidFill>
+                                  <a:latin typeface="Cambria Math" panose="02040503050406030204" pitchFamily="18" charset="0"/>
+                                </a:rPr>
+                              </m:ctrlPr>
+                            </m:dPr>
+                            <m:e>
+                              <m:r>
+                                <a:rPr lang="zh-CN" altLang="en-US" i="0">
+                                  <a:latin typeface="Cambria Math" panose="02040503050406030204" pitchFamily="18" charset="0"/>
+                                </a:rPr>
+                                <m:t>1−</m:t>
+                              </m:r>
+                              <m:sSubSup>
+                                <m:sSubSupPr>
+                                  <m:ctrlPr>
+                                    <a:rPr lang="zh-CN" altLang="en-US" i="1" smtClean="0">
+                                      <a:solidFill>
+                                        <a:srgbClr val="00B050"/>
+                                      </a:solidFill>
+                                      <a:latin typeface="Cambria Math" panose="02040503050406030204" pitchFamily="18" charset="0"/>
+                                    </a:rPr>
+                                  </m:ctrlPr>
+                                </m:sSubSupPr>
+                                <m:e>
+                                  <m:r>
+                                    <a:rPr lang="zh-CN" altLang="en-US" i="1">
+                                      <a:solidFill>
+                                        <a:srgbClr val="00B050"/>
+                                      </a:solidFill>
+                                      <a:latin typeface="Cambria Math" panose="02040503050406030204" pitchFamily="18" charset="0"/>
+                                    </a:rPr>
+                                    <m:t>𝜆</m:t>
+                                  </m:r>
+                                </m:e>
+                                <m:sub>
+                                  <m:r>
+                                    <a:rPr lang="zh-CN" altLang="en-US" i="1">
+                                      <a:solidFill>
+                                        <a:srgbClr val="00B050"/>
+                                      </a:solidFill>
+                                      <a:latin typeface="Cambria Math" panose="02040503050406030204" pitchFamily="18" charset="0"/>
+                                    </a:rPr>
+                                    <m:t>𝑛</m:t>
+                                  </m:r>
+                                </m:sub>
+                                <m:sup>
+                                  <m:r>
+                                    <a:rPr lang="zh-CN" altLang="en-US" i="1">
+                                      <a:solidFill>
+                                        <a:srgbClr val="00B050"/>
+                                      </a:solidFill>
+                                      <a:latin typeface="Cambria Math" panose="02040503050406030204" pitchFamily="18" charset="0"/>
+                                    </a:rPr>
+                                    <m:t>𝑏</m:t>
+                                  </m:r>
+                                </m:sup>
+                              </m:sSubSup>
+                            </m:e>
+                          </m:d>
+                          <m:r>
+                            <a:rPr lang="zh-CN" altLang="en-US" i="0">
+                              <a:latin typeface="Cambria Math" panose="02040503050406030204" pitchFamily="18" charset="0"/>
+                            </a:rPr>
+                            <m:t>+</m:t>
+                          </m:r>
+                          <m:sSubSup>
+                            <m:sSubSupPr>
+                              <m:ctrlPr>
+                                <a:rPr lang="zh-CN" altLang="en-US" i="1" smtClean="0">
+                                  <a:solidFill>
+                                    <a:srgbClr val="00B050"/>
+                                  </a:solidFill>
+                                  <a:latin typeface="Cambria Math" panose="02040503050406030204" pitchFamily="18" charset="0"/>
+                                </a:rPr>
+                              </m:ctrlPr>
+                            </m:sSubSupPr>
+                            <m:e>
+                              <m:r>
+                                <a:rPr lang="zh-CN" altLang="en-US" i="1">
+                                  <a:solidFill>
+                                    <a:srgbClr val="00B050"/>
+                                  </a:solidFill>
+                                  <a:latin typeface="Cambria Math" panose="02040503050406030204" pitchFamily="18" charset="0"/>
+                                </a:rPr>
+                                <m:t>𝜆</m:t>
+                              </m:r>
+                            </m:e>
+                            <m:sub>
+                              <m:r>
+                                <a:rPr lang="zh-CN" altLang="en-US" i="1">
+                                  <a:solidFill>
+                                    <a:srgbClr val="00B050"/>
+                                  </a:solidFill>
+                                  <a:latin typeface="Cambria Math" panose="02040503050406030204" pitchFamily="18" charset="0"/>
+                                </a:rPr>
+                                <m:t>𝑛</m:t>
+                              </m:r>
+                            </m:sub>
+                            <m:sup>
+                              <m:r>
+                                <a:rPr lang="zh-CN" altLang="en-US" i="1">
+                                  <a:solidFill>
+                                    <a:srgbClr val="00B050"/>
+                                  </a:solidFill>
+                                  <a:latin typeface="Cambria Math" panose="02040503050406030204" pitchFamily="18" charset="0"/>
+                                </a:rPr>
+                                <m:t>𝑓</m:t>
+                              </m:r>
+                            </m:sup>
+                          </m:sSubSup>
+                          <m:sSubSup>
+                            <m:sSubSupPr>
+                              <m:ctrlPr>
+                                <a:rPr lang="zh-CN" altLang="en-US" i="1">
+                                  <a:solidFill>
+                                    <a:srgbClr val="00B050"/>
+                                  </a:solidFill>
+                                  <a:latin typeface="Cambria Math" panose="02040503050406030204" pitchFamily="18" charset="0"/>
+                                </a:rPr>
+                              </m:ctrlPr>
+                            </m:sSubSupPr>
+                            <m:e>
+                              <m:r>
+                                <a:rPr lang="zh-CN" altLang="en-US" i="1">
+                                  <a:solidFill>
+                                    <a:srgbClr val="00B050"/>
+                                  </a:solidFill>
+                                  <a:latin typeface="Cambria Math" panose="02040503050406030204" pitchFamily="18" charset="0"/>
+                                </a:rPr>
+                                <m:t>𝜆</m:t>
+                              </m:r>
+                            </m:e>
+                            <m:sub>
+                              <m:r>
+                                <a:rPr lang="zh-CN" altLang="en-US" i="1">
+                                  <a:solidFill>
+                                    <a:srgbClr val="00B050"/>
+                                  </a:solidFill>
+                                  <a:latin typeface="Cambria Math" panose="02040503050406030204" pitchFamily="18" charset="0"/>
+                                </a:rPr>
+                                <m:t>𝑛</m:t>
+                              </m:r>
+                            </m:sub>
+                            <m:sup>
+                              <m:r>
+                                <a:rPr lang="zh-CN" altLang="en-US" i="1">
+                                  <a:solidFill>
+                                    <a:srgbClr val="00B050"/>
+                                  </a:solidFill>
+                                  <a:latin typeface="Cambria Math" panose="02040503050406030204" pitchFamily="18" charset="0"/>
+                                </a:rPr>
+                                <m:t>𝑏</m:t>
+                              </m:r>
+                            </m:sup>
+                          </m:sSubSup>
+                        </m:den>
+                      </m:f>
+                    </m:oMath>
+                  </m:oMathPara>
+                </a14:m>
+                <a:endParaRPr lang="zh-CN" altLang="en-US" dirty="0"/>
+              </a:p>
+            </p:txBody>
+          </p:sp>
+        </mc:Choice>
+        <mc:Fallback>
+          <p:sp>
+            <p:nvSpPr>
+              <p:cNvPr id="62" name="文本框 61">
+                <a:extLst>
+                  <a:ext uri="{FF2B5EF4-FFF2-40B4-BE49-F238E27FC236}">
+                    <a16:creationId xmlns:a16="http://schemas.microsoft.com/office/drawing/2014/main" id="{CA46A63F-4F46-864F-A444-30649985C7B8}"/>
+                  </a:ext>
+                </a:extLst>
+              </p:cNvPr>
+              <p:cNvSpPr txBox="1">
+                <a:spLocks noRot="1" noChangeAspect="1" noMove="1" noResize="1" noEditPoints="1" noAdjustHandles="1" noChangeArrowheads="1" noChangeShapeType="1" noTextEdit="1"/>
+              </p:cNvSpPr>
+              <p:nvPr/>
+            </p:nvSpPr>
+            <p:spPr>
+              <a:xfrm>
+                <a:off x="9000897" y="3301871"/>
+                <a:ext cx="3249670" cy="813364"/>
+              </a:xfrm>
+              <a:prstGeom prst="rect">
+                <a:avLst/>
+              </a:prstGeom>
+              <a:blipFill>
+                <a:blip r:embed="rId13"/>
+                <a:stretch>
+                  <a:fillRect/>
+                </a:stretch>
+              </a:blipFill>
+            </p:spPr>
+            <p:txBody>
+              <a:bodyPr/>
+              <a:lstStyle/>
+              <a:p>
+                <a:r>
+                  <a:rPr lang="zh-CN" altLang="en-US">
+                    <a:noFill/>
+                  </a:rPr>
+                  <a:t> </a:t>
+                </a:r>
+              </a:p>
+            </p:txBody>
+          </p:sp>
+        </mc:Fallback>
+      </mc:AlternateContent>
+      <p:cxnSp>
+        <p:nvCxnSpPr>
+          <p:cNvPr id="63" name="直线箭头连接符 62">
+            <a:extLst>
+              <a:ext uri="{FF2B5EF4-FFF2-40B4-BE49-F238E27FC236}">
+                <a16:creationId xmlns:a16="http://schemas.microsoft.com/office/drawing/2014/main" id="{6664F745-C00E-FF45-99B7-2836FCCAA53D}"/>
+              </a:ext>
+            </a:extLst>
+          </p:cNvPr>
+          <p:cNvCxnSpPr>
+            <a:cxnSpLocks/>
+            <a:endCxn id="59" idx="3"/>
+          </p:cNvCxnSpPr>
+          <p:nvPr/>
+        </p:nvCxnSpPr>
+        <p:spPr>
+          <a:xfrm flipH="1">
+            <a:off x="8794498" y="3770497"/>
+            <a:ext cx="182862" cy="15224"/>
+          </a:xfrm>
+          <a:prstGeom prst="straightConnector1">
+            <a:avLst/>
+          </a:prstGeom>
+          <a:ln w="38100">
+            <a:solidFill>
+              <a:schemeClr val="tx1"/>
+            </a:solidFill>
+            <a:tailEnd type="triangle"/>
+          </a:ln>
+        </p:spPr>
+        <p:style>
+          <a:lnRef idx="1">
+            <a:schemeClr val="accent1"/>
+          </a:lnRef>
+          <a:fillRef idx="0">
+            <a:schemeClr val="accent1"/>
+          </a:fillRef>
+          <a:effectRef idx="0">
+            <a:schemeClr val="accent1"/>
+          </a:effectRef>
+          <a:fontRef idx="minor">
+            <a:schemeClr val="tx1"/>
+          </a:fontRef>
+        </p:style>
+      </p:cxnSp>
+      <p:cxnSp>
+        <p:nvCxnSpPr>
+          <p:cNvPr id="67" name="直线箭头连接符 66">
+            <a:extLst>
+              <a:ext uri="{FF2B5EF4-FFF2-40B4-BE49-F238E27FC236}">
+                <a16:creationId xmlns:a16="http://schemas.microsoft.com/office/drawing/2014/main" id="{5F0A3F97-2076-D14A-8A65-0078980226ED}"/>
+              </a:ext>
+            </a:extLst>
+          </p:cNvPr>
+          <p:cNvCxnSpPr>
+            <a:stCxn id="59" idx="1"/>
+            <a:endCxn id="38" idx="3"/>
+          </p:cNvCxnSpPr>
+          <p:nvPr/>
+        </p:nvCxnSpPr>
+        <p:spPr>
+          <a:xfrm flipH="1">
+            <a:off x="4429148" y="3785721"/>
+            <a:ext cx="975511" cy="350860"/>
+          </a:xfrm>
+          <a:prstGeom prst="straightConnector1">
+            <a:avLst/>
+          </a:prstGeom>
+          <a:ln w="38100">
+            <a:solidFill>
+              <a:schemeClr val="tx1"/>
+            </a:solidFill>
+            <a:tailEnd type="triangle"/>
+          </a:ln>
+        </p:spPr>
+        <p:style>
+          <a:lnRef idx="1">
+            <a:schemeClr val="accent1"/>
+          </a:lnRef>
+          <a:fillRef idx="0">
+            <a:schemeClr val="accent1"/>
+          </a:fillRef>
+          <a:effectRef idx="0">
+            <a:schemeClr val="accent1"/>
+          </a:effectRef>
+          <a:fontRef idx="minor">
+            <a:schemeClr val="tx1"/>
+          </a:fontRef>
+        </p:style>
+      </p:cxnSp>
+      <mc:AlternateContent xmlns:mc="http://schemas.openxmlformats.org/markup-compatibility/2006">
+        <mc:Choice xmlns:a14="http://schemas.microsoft.com/office/drawing/2010/main" Requires="a14">
+          <p:sp>
+            <p:nvSpPr>
+              <p:cNvPr id="69" name="文本框 68">
+                <a:extLst>
+                  <a:ext uri="{FF2B5EF4-FFF2-40B4-BE49-F238E27FC236}">
+                    <a16:creationId xmlns:a16="http://schemas.microsoft.com/office/drawing/2014/main" id="{1937D1A3-8E20-614D-8688-29331D982F40}"/>
+                  </a:ext>
+                </a:extLst>
+              </p:cNvPr>
+              <p:cNvSpPr txBox="1"/>
+              <p:nvPr/>
+            </p:nvSpPr>
+            <p:spPr>
+              <a:xfrm>
+                <a:off x="4096368" y="4297999"/>
+                <a:ext cx="2604238" cy="404213"/>
+              </a:xfrm>
+              <a:prstGeom prst="rect">
+                <a:avLst/>
+              </a:prstGeom>
+              <a:noFill/>
+            </p:spPr>
+            <p:txBody>
+              <a:bodyPr wrap="none" rtlCol="0">
+                <a:spAutoFit/>
+              </a:bodyPr>
+              <a:lstStyle/>
+              <a:p>
+                <a14:m>
+                  <m:oMathPara xmlns:m="http://schemas.openxmlformats.org/officeDocument/2006/math">
+                    <m:oMathParaPr>
+                      <m:jc m:val="centerGroup"/>
+                    </m:oMathParaPr>
+                    <m:oMath xmlns:m="http://schemas.openxmlformats.org/officeDocument/2006/math">
+                      <m:sSub>
+                        <m:sSubPr>
+                          <m:ctrlPr>
+                            <a:rPr lang="zh-CN" altLang="zh-CN" i="1" smtClean="0">
+                              <a:solidFill>
+                                <a:srgbClr val="7030A0"/>
+                              </a:solidFill>
+                              <a:latin typeface="Cambria Math" panose="02040503050406030204" pitchFamily="18" charset="0"/>
+                            </a:rPr>
+                          </m:ctrlPr>
+                        </m:sSubPr>
+                        <m:e>
+                          <m:sSub>
+                            <m:sSubPr>
+                              <m:ctrlPr>
+                                <a:rPr kumimoji="1" lang="en-US" altLang="zh-CN" i="1">
+                                  <a:solidFill>
+                                    <a:srgbClr val="7030A0"/>
+                                  </a:solidFill>
+                                  <a:latin typeface="Cambria Math" panose="02040503050406030204" pitchFamily="18" charset="0"/>
+                                  <a:ea typeface="Cambria Math" panose="02040503050406030204" pitchFamily="18" charset="0"/>
+                                </a:rPr>
+                              </m:ctrlPr>
+                            </m:sSubPr>
+                            <m:e>
+                              <m:r>
+                                <a:rPr kumimoji="1" lang="en-US" altLang="zh-CN" i="1">
+                                  <a:solidFill>
+                                    <a:srgbClr val="7030A0"/>
+                                  </a:solidFill>
+                                  <a:latin typeface="Cambria Math" panose="02040503050406030204" pitchFamily="18" charset="0"/>
+                                  <a:ea typeface="Cambria Math" panose="02040503050406030204" pitchFamily="18" charset="0"/>
+                                </a:rPr>
+                                <m:t>𝜈</m:t>
+                              </m:r>
+                            </m:e>
+                            <m:sub>
+                              <m:r>
+                                <a:rPr kumimoji="1" lang="en-US" altLang="zh-CN" i="1">
+                                  <a:solidFill>
+                                    <a:srgbClr val="7030A0"/>
+                                  </a:solidFill>
+                                  <a:latin typeface="Cambria Math" panose="02040503050406030204" pitchFamily="18" charset="0"/>
+                                  <a:ea typeface="Cambria Math" panose="02040503050406030204" pitchFamily="18" charset="0"/>
+                                </a:rPr>
+                                <m:t>h</m:t>
+                              </m:r>
+                              <m:r>
+                                <a:rPr kumimoji="1" lang="en-US" altLang="zh-CN" i="1">
+                                  <a:solidFill>
+                                    <a:srgbClr val="7030A0"/>
+                                  </a:solidFill>
+                                  <a:latin typeface="Cambria Math" panose="02040503050406030204" pitchFamily="18" charset="0"/>
+                                  <a:ea typeface="Cambria Math" panose="02040503050406030204" pitchFamily="18" charset="0"/>
+                                </a:rPr>
+                                <m:t>→</m:t>
+                              </m:r>
+                              <m:sSub>
+                                <m:sSubPr>
+                                  <m:ctrlPr>
+                                    <a:rPr kumimoji="1" lang="en-US" altLang="zh-CN" i="1">
+                                      <a:solidFill>
+                                        <a:srgbClr val="7030A0"/>
+                                      </a:solidFill>
+                                      <a:latin typeface="Cambria Math" panose="02040503050406030204" pitchFamily="18" charset="0"/>
+                                      <a:ea typeface="Cambria Math" panose="02040503050406030204" pitchFamily="18" charset="0"/>
+                                    </a:rPr>
+                                  </m:ctrlPr>
+                                </m:sSubPr>
+                                <m:e>
+                                  <m:r>
+                                    <a:rPr kumimoji="1" lang="en-US" altLang="zh-CN" i="1">
+                                      <a:solidFill>
+                                        <a:srgbClr val="7030A0"/>
+                                      </a:solidFill>
+                                      <a:latin typeface="Cambria Math" panose="02040503050406030204" pitchFamily="18" charset="0"/>
+                                      <a:ea typeface="Cambria Math" panose="02040503050406030204" pitchFamily="18" charset="0"/>
+                                    </a:rPr>
+                                    <m:t>𝑠</m:t>
+                                  </m:r>
+                                </m:e>
+                                <m:sub>
+                                  <m:r>
+                                    <a:rPr kumimoji="1" lang="en-US" altLang="zh-CN" b="0" i="1" smtClean="0">
+                                      <a:solidFill>
+                                        <a:srgbClr val="7030A0"/>
+                                      </a:solidFill>
+                                      <a:latin typeface="Cambria Math" panose="02040503050406030204" pitchFamily="18" charset="0"/>
+                                      <a:ea typeface="Cambria Math" panose="02040503050406030204" pitchFamily="18" charset="0"/>
+                                    </a:rPr>
+                                    <m:t>𝑛</m:t>
+                                  </m:r>
+                                </m:sub>
+                              </m:sSub>
+                            </m:sub>
+                          </m:sSub>
+                          <m:d>
+                            <m:dPr>
+                              <m:ctrlPr>
+                                <a:rPr kumimoji="1" lang="en-US" altLang="zh-CN" i="1">
+                                  <a:solidFill>
+                                    <a:srgbClr val="7030A0"/>
+                                  </a:solidFill>
+                                  <a:latin typeface="Cambria Math" panose="02040503050406030204" pitchFamily="18" charset="0"/>
+                                  <a:ea typeface="Cambria Math" panose="02040503050406030204" pitchFamily="18" charset="0"/>
+                                </a:rPr>
+                              </m:ctrlPr>
+                            </m:dPr>
+                            <m:e>
+                              <m:sSub>
+                                <m:sSubPr>
+                                  <m:ctrlPr>
+                                    <a:rPr kumimoji="1" lang="en-US" altLang="zh-CN" b="0" i="1" smtClean="0">
+                                      <a:solidFill>
+                                        <a:srgbClr val="7030A0"/>
+                                      </a:solidFill>
+                                      <a:latin typeface="Cambria Math" panose="02040503050406030204" pitchFamily="18" charset="0"/>
+                                      <a:ea typeface="Cambria Math" panose="02040503050406030204" pitchFamily="18" charset="0"/>
+                                    </a:rPr>
+                                  </m:ctrlPr>
+                                </m:sSubPr>
+                                <m:e>
+                                  <m:r>
+                                    <a:rPr kumimoji="1" lang="en-US" altLang="zh-CN" b="0" i="1" smtClean="0">
+                                      <a:solidFill>
+                                        <a:srgbClr val="7030A0"/>
+                                      </a:solidFill>
+                                      <a:latin typeface="Cambria Math" panose="02040503050406030204" pitchFamily="18" charset="0"/>
+                                      <a:ea typeface="Cambria Math" panose="02040503050406030204" pitchFamily="18" charset="0"/>
+                                    </a:rPr>
+                                    <m:t>𝑠</m:t>
+                                  </m:r>
+                                </m:e>
+                                <m:sub>
+                                  <m:r>
+                                    <a:rPr kumimoji="1" lang="en-US" altLang="zh-CN" b="0" i="1" smtClean="0">
+                                      <a:solidFill>
+                                        <a:srgbClr val="7030A0"/>
+                                      </a:solidFill>
+                                      <a:latin typeface="Cambria Math" panose="02040503050406030204" pitchFamily="18" charset="0"/>
+                                      <a:ea typeface="Cambria Math" panose="02040503050406030204" pitchFamily="18" charset="0"/>
+                                    </a:rPr>
+                                    <m:t>𝑛</m:t>
+                                  </m:r>
+                                </m:sub>
+                              </m:sSub>
+                            </m:e>
+                          </m:d>
+                          <m:r>
+                            <a:rPr kumimoji="1" lang="en-US" altLang="zh-CN" b="0" i="1" smtClean="0">
+                              <a:solidFill>
+                                <a:srgbClr val="7030A0"/>
+                              </a:solidFill>
+                              <a:latin typeface="Cambria Math" panose="02040503050406030204" pitchFamily="18" charset="0"/>
+                              <a:ea typeface="Cambria Math" panose="02040503050406030204" pitchFamily="18" charset="0"/>
+                            </a:rPr>
+                            <m:t>=</m:t>
+                          </m:r>
+                          <m:r>
+                            <a:rPr lang="en-US" altLang="zh-CN" i="1">
+                              <a:solidFill>
+                                <a:srgbClr val="7030A0"/>
+                              </a:solidFill>
+                              <a:latin typeface="Cambria Math" panose="02040503050406030204" pitchFamily="18" charset="0"/>
+                            </a:rPr>
+                            <m:t>𝜈</m:t>
+                          </m:r>
+                        </m:e>
+                        <m:sub>
+                          <m:sSub>
+                            <m:sSubPr>
+                              <m:ctrlPr>
+                                <a:rPr lang="zh-CN" altLang="zh-CN" i="1">
+                                  <a:solidFill>
+                                    <a:srgbClr val="7030A0"/>
+                                  </a:solidFill>
+                                  <a:latin typeface="Cambria Math" panose="02040503050406030204" pitchFamily="18" charset="0"/>
+                                </a:rPr>
+                              </m:ctrlPr>
+                            </m:sSubPr>
+                            <m:e>
+                              <m:r>
+                                <a:rPr lang="en-US" altLang="zh-CN" i="1">
+                                  <a:solidFill>
+                                    <a:srgbClr val="7030A0"/>
+                                  </a:solidFill>
+                                  <a:latin typeface="Cambria Math" panose="02040503050406030204" pitchFamily="18" charset="0"/>
+                                </a:rPr>
+                                <m:t>h</m:t>
+                              </m:r>
+                            </m:e>
+                            <m:sub>
+                              <m:r>
+                                <a:rPr lang="en-US" altLang="zh-CN" i="1">
+                                  <a:solidFill>
+                                    <a:srgbClr val="7030A0"/>
+                                  </a:solidFill>
+                                  <a:latin typeface="Cambria Math" panose="02040503050406030204" pitchFamily="18" charset="0"/>
+                                </a:rPr>
+                                <m:t>𝑛</m:t>
+                              </m:r>
+                            </m:sub>
+                          </m:sSub>
+                          <m:r>
+                            <a:rPr lang="en-US" altLang="zh-CN" i="1">
+                              <a:solidFill>
+                                <a:srgbClr val="7030A0"/>
+                              </a:solidFill>
+                              <a:latin typeface="Cambria Math" panose="02040503050406030204" pitchFamily="18" charset="0"/>
+                            </a:rPr>
+                            <m:t>→</m:t>
+                          </m:r>
+                          <m:sSub>
+                            <m:sSubPr>
+                              <m:ctrlPr>
+                                <a:rPr lang="zh-CN" altLang="zh-CN" i="1">
+                                  <a:solidFill>
+                                    <a:srgbClr val="7030A0"/>
+                                  </a:solidFill>
+                                  <a:latin typeface="Cambria Math" panose="02040503050406030204" pitchFamily="18" charset="0"/>
+                                </a:rPr>
+                              </m:ctrlPr>
+                            </m:sSubPr>
+                            <m:e>
+                              <m:r>
+                                <a:rPr lang="en-US" altLang="zh-CN" i="1">
+                                  <a:solidFill>
+                                    <a:srgbClr val="7030A0"/>
+                                  </a:solidFill>
+                                  <a:latin typeface="Cambria Math" panose="02040503050406030204" pitchFamily="18" charset="0"/>
+                                </a:rPr>
+                                <m:t>𝑠</m:t>
+                              </m:r>
+                            </m:e>
+                            <m:sub>
+                              <m:r>
+                                <a:rPr lang="en-US" altLang="zh-CN" i="1">
+                                  <a:solidFill>
+                                    <a:srgbClr val="7030A0"/>
+                                  </a:solidFill>
+                                  <a:latin typeface="Cambria Math" panose="02040503050406030204" pitchFamily="18" charset="0"/>
+                                </a:rPr>
+                                <m:t>𝑛</m:t>
+                              </m:r>
+                            </m:sub>
+                          </m:sSub>
+                        </m:sub>
+                      </m:sSub>
+                      <m:d>
+                        <m:dPr>
+                          <m:ctrlPr>
+                            <a:rPr lang="zh-CN" altLang="zh-CN" i="1">
+                              <a:solidFill>
+                                <a:srgbClr val="7030A0"/>
+                              </a:solidFill>
+                              <a:latin typeface="Cambria Math" panose="02040503050406030204" pitchFamily="18" charset="0"/>
+                            </a:rPr>
+                          </m:ctrlPr>
+                        </m:dPr>
+                        <m:e>
+                          <m:sSub>
+                            <m:sSubPr>
+                              <m:ctrlPr>
+                                <a:rPr lang="zh-CN" altLang="zh-CN" i="1">
+                                  <a:solidFill>
+                                    <a:srgbClr val="7030A0"/>
+                                  </a:solidFill>
+                                  <a:latin typeface="Cambria Math" panose="02040503050406030204" pitchFamily="18" charset="0"/>
+                                </a:rPr>
+                              </m:ctrlPr>
+                            </m:sSubPr>
+                            <m:e>
+                              <m:r>
+                                <a:rPr lang="en-US" altLang="zh-CN" i="1">
+                                  <a:solidFill>
+                                    <a:srgbClr val="7030A0"/>
+                                  </a:solidFill>
+                                  <a:latin typeface="Cambria Math" panose="02040503050406030204" pitchFamily="18" charset="0"/>
+                                </a:rPr>
+                                <m:t>𝑠</m:t>
+                              </m:r>
+                            </m:e>
+                            <m:sub>
+                              <m:r>
+                                <a:rPr lang="en-US" altLang="zh-CN" i="1">
+                                  <a:solidFill>
+                                    <a:srgbClr val="7030A0"/>
+                                  </a:solidFill>
+                                  <a:latin typeface="Cambria Math" panose="02040503050406030204" pitchFamily="18" charset="0"/>
+                                </a:rPr>
+                                <m:t>𝑛</m:t>
+                              </m:r>
+                            </m:sub>
+                          </m:sSub>
+                        </m:e>
+                      </m:d>
+                    </m:oMath>
+                  </m:oMathPara>
+                </a14:m>
+                <a:endParaRPr kumimoji="1" lang="zh-CN" altLang="en-US" dirty="0" err="1">
+                  <a:solidFill>
+                    <a:srgbClr val="7030A0"/>
+                  </a:solidFill>
+                  <a:latin typeface="Times" pitchFamily="2" charset="0"/>
+                </a:endParaRPr>
+              </a:p>
+            </p:txBody>
+          </p:sp>
+        </mc:Choice>
+        <mc:Fallback>
+          <p:sp>
+            <p:nvSpPr>
+              <p:cNvPr id="69" name="文本框 68">
+                <a:extLst>
+                  <a:ext uri="{FF2B5EF4-FFF2-40B4-BE49-F238E27FC236}">
+                    <a16:creationId xmlns:a16="http://schemas.microsoft.com/office/drawing/2014/main" id="{1937D1A3-8E20-614D-8688-29331D982F40}"/>
+                  </a:ext>
+                </a:extLst>
+              </p:cNvPr>
+              <p:cNvSpPr txBox="1">
+                <a:spLocks noRot="1" noChangeAspect="1" noMove="1" noResize="1" noEditPoints="1" noAdjustHandles="1" noChangeArrowheads="1" noChangeShapeType="1" noTextEdit="1"/>
+              </p:cNvSpPr>
+              <p:nvPr/>
+            </p:nvSpPr>
+            <p:spPr>
+              <a:xfrm>
+                <a:off x="4096368" y="4297999"/>
+                <a:ext cx="2604238" cy="404213"/>
+              </a:xfrm>
+              <a:prstGeom prst="rect">
+                <a:avLst/>
+              </a:prstGeom>
+              <a:blipFill>
+                <a:blip r:embed="rId14"/>
+                <a:stretch>
+                  <a:fillRect/>
+                </a:stretch>
+              </a:blipFill>
+            </p:spPr>
+            <p:txBody>
+              <a:bodyPr/>
+              <a:lstStyle/>
+              <a:p>
+                <a:r>
+                  <a:rPr lang="zh-CN" altLang="en-US">
+                    <a:noFill/>
+                  </a:rPr>
+                  <a:t> </a:t>
+                </a:r>
+              </a:p>
+            </p:txBody>
+          </p:sp>
+        </mc:Fallback>
+      </mc:AlternateContent>
+      <p:sp>
+        <p:nvSpPr>
+          <p:cNvPr id="70" name="文本框 69">
+            <a:extLst>
+              <a:ext uri="{FF2B5EF4-FFF2-40B4-BE49-F238E27FC236}">
+                <a16:creationId xmlns:a16="http://schemas.microsoft.com/office/drawing/2014/main" id="{A265BC39-E002-304A-ABFE-C44AA921EDA3}"/>
+              </a:ext>
+            </a:extLst>
+          </p:cNvPr>
+          <p:cNvSpPr txBox="1"/>
+          <p:nvPr/>
+        </p:nvSpPr>
+        <p:spPr>
+          <a:xfrm>
+            <a:off x="5037587" y="4678847"/>
+            <a:ext cx="736099" cy="369332"/>
+          </a:xfrm>
+          <a:prstGeom prst="rect">
+            <a:avLst/>
+          </a:prstGeom>
+          <a:noFill/>
+        </p:spPr>
+        <p:txBody>
+          <a:bodyPr wrap="none" rtlCol="0">
+            <a:spAutoFit/>
+          </a:bodyPr>
+          <a:lstStyle/>
+          <a:p>
+            <a:pPr algn="l"/>
+            <a:r>
+              <a:rPr kumimoji="1" lang="en-US" altLang="zh-CN" dirty="0">
+                <a:solidFill>
+                  <a:srgbClr val="7030A0"/>
+                </a:solidFill>
+                <a:latin typeface="Times" pitchFamily="2" charset="0"/>
+              </a:rPr>
+              <a:t>Why?</a:t>
+            </a:r>
+            <a:endParaRPr kumimoji="1" lang="zh-CN" altLang="en-US" dirty="0" err="1">
+              <a:solidFill>
+                <a:srgbClr val="7030A0"/>
+              </a:solidFill>
+              <a:latin typeface="Times" pitchFamily="2" charset="0"/>
+            </a:endParaRPr>
+          </a:p>
+        </p:txBody>
+      </p:sp>
+    </p:spTree>
+    <p:extLst>
+      <p:ext uri="{BB962C8B-B14F-4D97-AF65-F5344CB8AC3E}">
+        <p14:creationId xmlns:p14="http://schemas.microsoft.com/office/powerpoint/2010/main" val="4235682509"/>
+      </p:ext>
+    </p:extLst>
+  </p:cSld>
+  <p:clrMapOvr>
+    <a:masterClrMapping/>
+  </p:clrMapOvr>
+</p:sld>
+</file>
+
+<file path=ppt/slides/slide17.xml><?xml version="1.0" encoding="utf-8"?>
 <p:sld xmlns:a="http://schemas.openxmlformats.org/drawingml/2006/main" xmlns:r="http://schemas.openxmlformats.org/officeDocument/2006/relationships" xmlns:p="http://schemas.openxmlformats.org/presentationml/2006/main">
   <p:cSld>
     <p:spTree>
@@ -18899,7 +25532,7 @@
 </p:sld>
 </file>
 
-<file path=ppt/slides/slide17.xml><?xml version="1.0" encoding="utf-8"?>
+<file path=ppt/slides/slide18.xml><?xml version="1.0" encoding="utf-8"?>
 <p:sld xmlns:a="http://schemas.openxmlformats.org/drawingml/2006/main" xmlns:r="http://schemas.openxmlformats.org/officeDocument/2006/relationships" xmlns:p="http://schemas.openxmlformats.org/presentationml/2006/main">
   <p:cSld>
     <p:spTree>
@@ -19380,7 +26013,7 @@
 </p:sld>
 </file>
 
-<file path=ppt/slides/slide18.xml><?xml version="1.0" encoding="utf-8"?>
+<file path=ppt/slides/slide19.xml><?xml version="1.0" encoding="utf-8"?>
 <p:sld xmlns:a="http://schemas.openxmlformats.org/drawingml/2006/main" xmlns:r="http://schemas.openxmlformats.org/officeDocument/2006/relationships" xmlns:p="http://schemas.openxmlformats.org/presentationml/2006/main">
   <p:cSld>
     <p:spTree>
@@ -19455,86 +26088,6 @@
     <p:extLst>
       <p:ext uri="{BB962C8B-B14F-4D97-AF65-F5344CB8AC3E}">
         <p14:creationId xmlns:p14="http://schemas.microsoft.com/office/powerpoint/2010/main" val="2952872914"/>
-      </p:ext>
-    </p:extLst>
-  </p:cSld>
-  <p:clrMapOvr>
-    <a:masterClrMapping/>
-  </p:clrMapOvr>
-</p:sld>
-</file>
-
-<file path=ppt/slides/slide19.xml><?xml version="1.0" encoding="utf-8"?>
-<p:sld xmlns:a="http://schemas.openxmlformats.org/drawingml/2006/main" xmlns:r="http://schemas.openxmlformats.org/officeDocument/2006/relationships" xmlns:p="http://schemas.openxmlformats.org/presentationml/2006/main">
-  <p:cSld>
-    <p:spTree>
-      <p:nvGrpSpPr>
-        <p:cNvPr id="1" name=""/>
-        <p:cNvGrpSpPr/>
-        <p:nvPr/>
-      </p:nvGrpSpPr>
-      <p:grpSpPr>
-        <a:xfrm>
-          <a:off x="0" y="0"/>
-          <a:ext cx="0" cy="0"/>
-          <a:chOff x="0" y="0"/>
-          <a:chExt cx="0" cy="0"/>
-        </a:xfrm>
-      </p:grpSpPr>
-      <p:sp>
-        <p:nvSpPr>
-          <p:cNvPr id="2" name="标题 1">
-            <a:extLst>
-              <a:ext uri="{FF2B5EF4-FFF2-40B4-BE49-F238E27FC236}">
-                <a16:creationId xmlns:a16="http://schemas.microsoft.com/office/drawing/2014/main" id="{5AF1E2A3-0787-3949-A78D-46A300B82058}"/>
-              </a:ext>
-            </a:extLst>
-          </p:cNvPr>
-          <p:cNvSpPr>
-            <a:spLocks noGrp="1"/>
-          </p:cNvSpPr>
-          <p:nvPr>
-            <p:ph type="title"/>
-          </p:nvPr>
-        </p:nvSpPr>
-        <p:spPr/>
-        <p:txBody>
-          <a:bodyPr/>
-          <a:lstStyle/>
-          <a:p>
-            <a:endParaRPr kumimoji="1" lang="zh-CN" altLang="en-US"/>
-          </a:p>
-        </p:txBody>
-      </p:sp>
-      <p:sp>
-        <p:nvSpPr>
-          <p:cNvPr id="3" name="内容占位符 2">
-            <a:extLst>
-              <a:ext uri="{FF2B5EF4-FFF2-40B4-BE49-F238E27FC236}">
-                <a16:creationId xmlns:a16="http://schemas.microsoft.com/office/drawing/2014/main" id="{95B0004E-F5C1-014D-8154-CAB27486C920}"/>
-              </a:ext>
-            </a:extLst>
-          </p:cNvPr>
-          <p:cNvSpPr>
-            <a:spLocks noGrp="1"/>
-          </p:cNvSpPr>
-          <p:nvPr>
-            <p:ph idx="1"/>
-          </p:nvPr>
-        </p:nvSpPr>
-        <p:spPr/>
-        <p:txBody>
-          <a:bodyPr/>
-          <a:lstStyle/>
-          <a:p>
-            <a:endParaRPr kumimoji="1" lang="zh-CN" altLang="en-US"/>
-          </a:p>
-        </p:txBody>
-      </p:sp>
-    </p:spTree>
-    <p:extLst>
-      <p:ext uri="{BB962C8B-B14F-4D97-AF65-F5344CB8AC3E}">
-        <p14:creationId xmlns:p14="http://schemas.microsoft.com/office/powerpoint/2010/main" val="2566713835"/>
       </p:ext>
     </p:extLst>
   </p:cSld>
@@ -19894,6 +26447,86 @@
     <p:extLst>
       <p:ext uri="{BB962C8B-B14F-4D97-AF65-F5344CB8AC3E}">
         <p14:creationId xmlns:p14="http://schemas.microsoft.com/office/powerpoint/2010/main" val="1563592745"/>
+      </p:ext>
+    </p:extLst>
+  </p:cSld>
+  <p:clrMapOvr>
+    <a:masterClrMapping/>
+  </p:clrMapOvr>
+</p:sld>
+</file>
+
+<file path=ppt/slides/slide20.xml><?xml version="1.0" encoding="utf-8"?>
+<p:sld xmlns:a="http://schemas.openxmlformats.org/drawingml/2006/main" xmlns:r="http://schemas.openxmlformats.org/officeDocument/2006/relationships" xmlns:p="http://schemas.openxmlformats.org/presentationml/2006/main">
+  <p:cSld>
+    <p:spTree>
+      <p:nvGrpSpPr>
+        <p:cNvPr id="1" name=""/>
+        <p:cNvGrpSpPr/>
+        <p:nvPr/>
+      </p:nvGrpSpPr>
+      <p:grpSpPr>
+        <a:xfrm>
+          <a:off x="0" y="0"/>
+          <a:ext cx="0" cy="0"/>
+          <a:chOff x="0" y="0"/>
+          <a:chExt cx="0" cy="0"/>
+        </a:xfrm>
+      </p:grpSpPr>
+      <p:sp>
+        <p:nvSpPr>
+          <p:cNvPr id="2" name="标题 1">
+            <a:extLst>
+              <a:ext uri="{FF2B5EF4-FFF2-40B4-BE49-F238E27FC236}">
+                <a16:creationId xmlns:a16="http://schemas.microsoft.com/office/drawing/2014/main" id="{5AF1E2A3-0787-3949-A78D-46A300B82058}"/>
+              </a:ext>
+            </a:extLst>
+          </p:cNvPr>
+          <p:cNvSpPr>
+            <a:spLocks noGrp="1"/>
+          </p:cNvSpPr>
+          <p:nvPr>
+            <p:ph type="title"/>
+          </p:nvPr>
+        </p:nvSpPr>
+        <p:spPr/>
+        <p:txBody>
+          <a:bodyPr/>
+          <a:lstStyle/>
+          <a:p>
+            <a:endParaRPr kumimoji="1" lang="zh-CN" altLang="en-US"/>
+          </a:p>
+        </p:txBody>
+      </p:sp>
+      <p:sp>
+        <p:nvSpPr>
+          <p:cNvPr id="3" name="内容占位符 2">
+            <a:extLst>
+              <a:ext uri="{FF2B5EF4-FFF2-40B4-BE49-F238E27FC236}">
+                <a16:creationId xmlns:a16="http://schemas.microsoft.com/office/drawing/2014/main" id="{95B0004E-F5C1-014D-8154-CAB27486C920}"/>
+              </a:ext>
+            </a:extLst>
+          </p:cNvPr>
+          <p:cNvSpPr>
+            <a:spLocks noGrp="1"/>
+          </p:cNvSpPr>
+          <p:nvPr>
+            <p:ph idx="1"/>
+          </p:nvPr>
+        </p:nvSpPr>
+        <p:spPr/>
+        <p:txBody>
+          <a:bodyPr/>
+          <a:lstStyle/>
+          <a:p>
+            <a:endParaRPr kumimoji="1" lang="zh-CN" altLang="en-US"/>
+          </a:p>
+        </p:txBody>
+      </p:sp>
+    </p:spTree>
+    <p:extLst>
+      <p:ext uri="{BB962C8B-B14F-4D97-AF65-F5344CB8AC3E}">
+        <p14:creationId xmlns:p14="http://schemas.microsoft.com/office/powerpoint/2010/main" val="2566713835"/>
       </p:ext>
     </p:extLst>
   </p:cSld>
@@ -33422,6 +40055,21 @@
         </a:fontRef>
       </a:style>
     </a:lnDef>
+    <a:txDef>
+      <a:spPr>
+        <a:noFill/>
+      </a:spPr>
+      <a:bodyPr wrap="none" rtlCol="0">
+        <a:spAutoFit/>
+      </a:bodyPr>
+      <a:lstStyle>
+        <a:defPPr algn="l">
+          <a:defRPr kumimoji="1" dirty="0" err="1" smtClean="0">
+            <a:latin typeface="Times" pitchFamily="2" charset="0"/>
+          </a:defRPr>
+        </a:defPPr>
+      </a:lstStyle>
+    </a:txDef>
   </a:objectDefaults>
   <a:extraClrSchemeLst/>
   <a:extLst>

--- a/doc/RIS-angular-domain组会汇报.pptx
+++ b/doc/RIS-angular-domain组会汇报.pptx
@@ -5,7 +5,7 @@
     <p:sldMasterId id="2147483648" r:id="rId1"/>
   </p:sldMasterIdLst>
   <p:notesMasterIdLst>
-    <p:notesMasterId r:id="rId22"/>
+    <p:notesMasterId r:id="rId23"/>
   </p:notesMasterIdLst>
   <p:sldIdLst>
     <p:sldId id="256" r:id="rId2"/>
@@ -24,10 +24,11 @@
     <p:sldId id="273" r:id="rId15"/>
     <p:sldId id="274" r:id="rId16"/>
     <p:sldId id="275" r:id="rId17"/>
-    <p:sldId id="263" r:id="rId18"/>
-    <p:sldId id="270" r:id="rId19"/>
-    <p:sldId id="264" r:id="rId20"/>
-    <p:sldId id="265" r:id="rId21"/>
+    <p:sldId id="276" r:id="rId18"/>
+    <p:sldId id="263" r:id="rId19"/>
+    <p:sldId id="270" r:id="rId20"/>
+    <p:sldId id="264" r:id="rId21"/>
+    <p:sldId id="265" r:id="rId22"/>
   </p:sldIdLst>
   <p:sldSz cx="12192000" cy="6858000"/>
   <p:notesSz cx="6858000" cy="9144000"/>
@@ -17645,7 +17646,7 @@
               <a:lstStyle/>
               <a:p>
                 <a:pPr algn="ctr"/>
-                <a:endParaRPr kumimoji="1" lang="zh-CN" altLang="en-US"/>
+                <a:endParaRPr kumimoji="1" lang="zh-CN" altLang="en-US" dirty="0"/>
               </a:p>
             </p:txBody>
           </p:sp>
@@ -23720,6 +23721,240 @@
           </a:p>
         </p:txBody>
       </p:sp>
+      <mc:AlternateContent xmlns:mc="http://schemas.openxmlformats.org/markup-compatibility/2006">
+        <mc:Choice xmlns:a14="http://schemas.microsoft.com/office/drawing/2010/main" Requires="a14">
+          <p:sp>
+            <p:nvSpPr>
+              <p:cNvPr id="71" name="文本框 70">
+                <a:extLst>
+                  <a:ext uri="{FF2B5EF4-FFF2-40B4-BE49-F238E27FC236}">
+                    <a16:creationId xmlns:a16="http://schemas.microsoft.com/office/drawing/2014/main" id="{77A255D3-F4EB-434D-B463-52D175A4E21A}"/>
+                  </a:ext>
+                </a:extLst>
+              </p:cNvPr>
+              <p:cNvSpPr txBox="1"/>
+              <p:nvPr/>
+            </p:nvSpPr>
+            <p:spPr>
+              <a:xfrm>
+                <a:off x="2645229" y="3363686"/>
+                <a:ext cx="877997" cy="369332"/>
+              </a:xfrm>
+              <a:prstGeom prst="rect">
+                <a:avLst/>
+              </a:prstGeom>
+              <a:noFill/>
+            </p:spPr>
+            <p:txBody>
+              <a:bodyPr wrap="none" rtlCol="0">
+                <a:spAutoFit/>
+              </a:bodyPr>
+              <a:lstStyle/>
+              <a:p>
+                <a:pPr algn="l"/>
+                <a14:m>
+                  <m:oMath xmlns:m="http://schemas.openxmlformats.org/officeDocument/2006/math">
+                    <m:r>
+                      <a:rPr kumimoji="1" lang="en-US" altLang="zh-CN" b="1" i="1" dirty="0" smtClean="0">
+                        <a:solidFill>
+                          <a:schemeClr val="accent1"/>
+                        </a:solidFill>
+                        <a:latin typeface="Cambria Math" panose="02040503050406030204" pitchFamily="18" charset="0"/>
+                      </a:rPr>
+                      <m:t>𝒕</m:t>
+                    </m:r>
+                  </m:oMath>
+                </a14:m>
+                <a:r>
+                  <a:rPr kumimoji="1" lang="en-US" altLang="zh-CN" dirty="0">
+                    <a:solidFill>
+                      <a:schemeClr val="accent1"/>
+                    </a:solidFill>
+                    <a:latin typeface="Times" pitchFamily="2" charset="0"/>
+                  </a:rPr>
+                  <a:t> frame</a:t>
+                </a:r>
+                <a:endParaRPr kumimoji="1" lang="zh-CN" altLang="en-US" dirty="0" err="1">
+                  <a:solidFill>
+                    <a:schemeClr val="accent1"/>
+                  </a:solidFill>
+                  <a:latin typeface="Times" pitchFamily="2" charset="0"/>
+                </a:endParaRPr>
+              </a:p>
+            </p:txBody>
+          </p:sp>
+        </mc:Choice>
+        <mc:Fallback>
+          <p:sp>
+            <p:nvSpPr>
+              <p:cNvPr id="71" name="文本框 70">
+                <a:extLst>
+                  <a:ext uri="{FF2B5EF4-FFF2-40B4-BE49-F238E27FC236}">
+                    <a16:creationId xmlns:a16="http://schemas.microsoft.com/office/drawing/2014/main" id="{77A255D3-F4EB-434D-B463-52D175A4E21A}"/>
+                  </a:ext>
+                </a:extLst>
+              </p:cNvPr>
+              <p:cNvSpPr txBox="1">
+                <a:spLocks noRot="1" noChangeAspect="1" noMove="1" noResize="1" noEditPoints="1" noAdjustHandles="1" noChangeArrowheads="1" noChangeShapeType="1" noTextEdit="1"/>
+              </p:cNvSpPr>
+              <p:nvPr/>
+            </p:nvSpPr>
+            <p:spPr>
+              <a:xfrm>
+                <a:off x="2645229" y="3363686"/>
+                <a:ext cx="877997" cy="369332"/>
+              </a:xfrm>
+              <a:prstGeom prst="rect">
+                <a:avLst/>
+              </a:prstGeom>
+              <a:blipFill>
+                <a:blip r:embed="rId15"/>
+                <a:stretch>
+                  <a:fillRect t="-6667" r="-4286" b="-23333"/>
+                </a:stretch>
+              </a:blipFill>
+            </p:spPr>
+            <p:txBody>
+              <a:bodyPr/>
+              <a:lstStyle/>
+              <a:p>
+                <a:r>
+                  <a:rPr lang="zh-CN" altLang="en-US">
+                    <a:noFill/>
+                  </a:rPr>
+                  <a:t> </a:t>
+                </a:r>
+              </a:p>
+            </p:txBody>
+          </p:sp>
+        </mc:Fallback>
+      </mc:AlternateContent>
+      <mc:AlternateContent xmlns:mc="http://schemas.openxmlformats.org/markup-compatibility/2006">
+        <mc:Choice xmlns:a14="http://schemas.microsoft.com/office/drawing/2010/main" Requires="a14">
+          <p:sp>
+            <p:nvSpPr>
+              <p:cNvPr id="72" name="文本框 71">
+                <a:extLst>
+                  <a:ext uri="{FF2B5EF4-FFF2-40B4-BE49-F238E27FC236}">
+                    <a16:creationId xmlns:a16="http://schemas.microsoft.com/office/drawing/2014/main" id="{BC21DA6F-0985-F449-A8AE-38D3AE80B12A}"/>
+                  </a:ext>
+                </a:extLst>
+              </p:cNvPr>
+              <p:cNvSpPr txBox="1"/>
+              <p:nvPr/>
+            </p:nvSpPr>
+            <p:spPr>
+              <a:xfrm>
+                <a:off x="5561264" y="3367678"/>
+                <a:ext cx="1290738" cy="369332"/>
+              </a:xfrm>
+              <a:prstGeom prst="rect">
+                <a:avLst/>
+              </a:prstGeom>
+              <a:noFill/>
+            </p:spPr>
+            <p:txBody>
+              <a:bodyPr wrap="none" rtlCol="0">
+                <a:spAutoFit/>
+              </a:bodyPr>
+              <a:lstStyle/>
+              <a:p>
+                <a:pPr algn="l"/>
+                <a14:m>
+                  <m:oMath xmlns:m="http://schemas.openxmlformats.org/officeDocument/2006/math">
+                    <m:r>
+                      <a:rPr kumimoji="1" lang="en-US" altLang="zh-CN" b="1" i="1" dirty="0" smtClean="0">
+                        <a:solidFill>
+                          <a:schemeClr val="accent1"/>
+                        </a:solidFill>
+                        <a:latin typeface="Cambria Math" panose="02040503050406030204" pitchFamily="18" charset="0"/>
+                      </a:rPr>
+                      <m:t>𝒕</m:t>
+                    </m:r>
+                    <m:r>
+                      <a:rPr kumimoji="1" lang="en-US" altLang="zh-CN" b="1" i="1" dirty="0" smtClean="0">
+                        <a:solidFill>
+                          <a:schemeClr val="accent1"/>
+                        </a:solidFill>
+                        <a:latin typeface="Cambria Math" panose="02040503050406030204" pitchFamily="18" charset="0"/>
+                      </a:rPr>
+                      <m:t>+</m:t>
+                    </m:r>
+                    <m:r>
+                      <a:rPr kumimoji="1" lang="en-US" altLang="zh-CN" b="1" i="1" dirty="0" smtClean="0">
+                        <a:solidFill>
+                          <a:schemeClr val="accent1"/>
+                        </a:solidFill>
+                        <a:latin typeface="Cambria Math" panose="02040503050406030204" pitchFamily="18" charset="0"/>
+                      </a:rPr>
+                      <m:t>𝟏</m:t>
+                    </m:r>
+                  </m:oMath>
+                </a14:m>
+                <a:r>
+                  <a:rPr kumimoji="1" lang="en-US" altLang="zh-CN" dirty="0">
+                    <a:solidFill>
+                      <a:schemeClr val="accent1"/>
+                    </a:solidFill>
+                    <a:latin typeface="Times" pitchFamily="2" charset="0"/>
+                  </a:rPr>
+                  <a:t> frame</a:t>
+                </a:r>
+                <a:endParaRPr kumimoji="1" lang="zh-CN" altLang="en-US" dirty="0" err="1">
+                  <a:solidFill>
+                    <a:schemeClr val="accent1"/>
+                  </a:solidFill>
+                  <a:latin typeface="Times" pitchFamily="2" charset="0"/>
+                </a:endParaRPr>
+              </a:p>
+            </p:txBody>
+          </p:sp>
+        </mc:Choice>
+        <mc:Fallback>
+          <p:sp>
+            <p:nvSpPr>
+              <p:cNvPr id="72" name="文本框 71">
+                <a:extLst>
+                  <a:ext uri="{FF2B5EF4-FFF2-40B4-BE49-F238E27FC236}">
+                    <a16:creationId xmlns:a16="http://schemas.microsoft.com/office/drawing/2014/main" id="{BC21DA6F-0985-F449-A8AE-38D3AE80B12A}"/>
+                  </a:ext>
+                </a:extLst>
+              </p:cNvPr>
+              <p:cNvSpPr txBox="1">
+                <a:spLocks noRot="1" noChangeAspect="1" noMove="1" noResize="1" noEditPoints="1" noAdjustHandles="1" noChangeArrowheads="1" noChangeShapeType="1" noTextEdit="1"/>
+              </p:cNvSpPr>
+              <p:nvPr/>
+            </p:nvSpPr>
+            <p:spPr>
+              <a:xfrm>
+                <a:off x="5561264" y="3367678"/>
+                <a:ext cx="1290738" cy="369332"/>
+              </a:xfrm>
+              <a:prstGeom prst="rect">
+                <a:avLst/>
+              </a:prstGeom>
+              <a:blipFill>
+                <a:blip r:embed="rId16"/>
+                <a:stretch>
+                  <a:fillRect t="-3226" r="-2913" b="-19355"/>
+                </a:stretch>
+              </a:blipFill>
+            </p:spPr>
+            <p:txBody>
+              <a:bodyPr/>
+              <a:lstStyle/>
+              <a:p>
+                <a:r>
+                  <a:rPr lang="zh-CN" altLang="en-US">
+                    <a:noFill/>
+                  </a:rPr>
+                  <a:t> </a:t>
+                </a:r>
+              </a:p>
+            </p:txBody>
+          </p:sp>
+        </mc:Fallback>
+      </mc:AlternateContent>
     </p:spTree>
     <p:extLst>
       <p:ext uri="{BB962C8B-B14F-4D97-AF65-F5344CB8AC3E}">
@@ -23734,6 +23969,2466 @@
 </file>
 
 <file path=ppt/slides/slide17.xml><?xml version="1.0" encoding="utf-8"?>
+<p:sld xmlns:a="http://schemas.openxmlformats.org/drawingml/2006/main" xmlns:r="http://schemas.openxmlformats.org/officeDocument/2006/relationships" xmlns:p="http://schemas.openxmlformats.org/presentationml/2006/main">
+  <p:cSld>
+    <p:spTree>
+      <p:nvGrpSpPr>
+        <p:cNvPr id="1" name=""/>
+        <p:cNvGrpSpPr/>
+        <p:nvPr/>
+      </p:nvGrpSpPr>
+      <p:grpSpPr>
+        <a:xfrm>
+          <a:off x="0" y="0"/>
+          <a:ext cx="0" cy="0"/>
+          <a:chOff x="0" y="0"/>
+          <a:chExt cx="0" cy="0"/>
+        </a:xfrm>
+      </p:grpSpPr>
+      <p:sp>
+        <p:nvSpPr>
+          <p:cNvPr id="2" name="标题 1">
+            <a:extLst>
+              <a:ext uri="{FF2B5EF4-FFF2-40B4-BE49-F238E27FC236}">
+                <a16:creationId xmlns:a16="http://schemas.microsoft.com/office/drawing/2014/main" id="{4A60EA13-1243-834D-8D00-CB0725766662}"/>
+              </a:ext>
+            </a:extLst>
+          </p:cNvPr>
+          <p:cNvSpPr>
+            <a:spLocks noGrp="1"/>
+          </p:cNvSpPr>
+          <p:nvPr>
+            <p:ph type="title"/>
+          </p:nvPr>
+        </p:nvSpPr>
+        <p:spPr>
+          <a:xfrm>
+            <a:off x="838200" y="365125"/>
+            <a:ext cx="11620500" cy="1325563"/>
+          </a:xfrm>
+        </p:spPr>
+        <p:txBody>
+          <a:bodyPr/>
+          <a:lstStyle/>
+          <a:p>
+            <a:r>
+              <a:rPr kumimoji="1" lang="en-US" altLang="zh-CN" dirty="0"/>
+              <a:t>Factor graph &amp; Sum-Product message passing</a:t>
+            </a:r>
+            <a:endParaRPr kumimoji="1" lang="zh-CN" altLang="en-US" dirty="0"/>
+          </a:p>
+        </p:txBody>
+      </p:sp>
+      <p:grpSp>
+        <p:nvGrpSpPr>
+          <p:cNvPr id="11" name="组合 10">
+            <a:extLst>
+              <a:ext uri="{FF2B5EF4-FFF2-40B4-BE49-F238E27FC236}">
+                <a16:creationId xmlns:a16="http://schemas.microsoft.com/office/drawing/2014/main" id="{9027F21E-8F8E-6849-A945-4C457604F595}"/>
+              </a:ext>
+            </a:extLst>
+          </p:cNvPr>
+          <p:cNvGrpSpPr/>
+          <p:nvPr/>
+        </p:nvGrpSpPr>
+        <p:grpSpPr>
+          <a:xfrm>
+            <a:off x="6882926" y="2442118"/>
+            <a:ext cx="537068" cy="512956"/>
+            <a:chOff x="1226634" y="2442118"/>
+            <a:chExt cx="537068" cy="512956"/>
+          </a:xfrm>
+        </p:grpSpPr>
+        <p:sp>
+          <p:nvSpPr>
+            <p:cNvPr id="12" name="椭圆 11">
+              <a:extLst>
+                <a:ext uri="{FF2B5EF4-FFF2-40B4-BE49-F238E27FC236}">
+                  <a16:creationId xmlns:a16="http://schemas.microsoft.com/office/drawing/2014/main" id="{2E9A4D4D-AA47-1B49-971F-1B6C14904316}"/>
+                </a:ext>
+              </a:extLst>
+            </p:cNvPr>
+            <p:cNvSpPr/>
+            <p:nvPr/>
+          </p:nvSpPr>
+          <p:spPr>
+            <a:xfrm>
+              <a:off x="1226634" y="2442118"/>
+              <a:ext cx="512956" cy="512956"/>
+            </a:xfrm>
+            <a:prstGeom prst="ellipse">
+              <a:avLst/>
+            </a:prstGeom>
+            <a:noFill/>
+            <a:ln w="38100">
+              <a:solidFill>
+                <a:schemeClr val="tx1"/>
+              </a:solidFill>
+            </a:ln>
+          </p:spPr>
+          <p:style>
+            <a:lnRef idx="2">
+              <a:schemeClr val="accent1">
+                <a:shade val="50000"/>
+              </a:schemeClr>
+            </a:lnRef>
+            <a:fillRef idx="1">
+              <a:schemeClr val="accent1"/>
+            </a:fillRef>
+            <a:effectRef idx="0">
+              <a:schemeClr val="accent1"/>
+            </a:effectRef>
+            <a:fontRef idx="minor">
+              <a:schemeClr val="lt1"/>
+            </a:fontRef>
+          </p:style>
+          <p:txBody>
+            <a:bodyPr rtlCol="0" anchor="ctr"/>
+            <a:lstStyle/>
+            <a:p>
+              <a:pPr algn="ctr"/>
+              <a:endParaRPr kumimoji="1" lang="zh-CN" altLang="en-US"/>
+            </a:p>
+          </p:txBody>
+        </p:sp>
+        <mc:AlternateContent xmlns:mc="http://schemas.openxmlformats.org/markup-compatibility/2006">
+          <mc:Choice xmlns:a14="http://schemas.microsoft.com/office/drawing/2010/main" Requires="a14">
+            <p:sp>
+              <p:nvSpPr>
+                <p:cNvPr id="13" name="文本框 12">
+                  <a:extLst>
+                    <a:ext uri="{FF2B5EF4-FFF2-40B4-BE49-F238E27FC236}">
+                      <a16:creationId xmlns:a16="http://schemas.microsoft.com/office/drawing/2014/main" id="{53513CFD-A6AF-E446-959B-CC257807B2FB}"/>
+                    </a:ext>
+                  </a:extLst>
+                </p:cNvPr>
+                <p:cNvSpPr txBox="1"/>
+                <p:nvPr/>
+              </p:nvSpPr>
+              <p:spPr>
+                <a:xfrm>
+                  <a:off x="1260038" y="2513930"/>
+                  <a:ext cx="503664" cy="369332"/>
+                </a:xfrm>
+                <a:prstGeom prst="rect">
+                  <a:avLst/>
+                </a:prstGeom>
+                <a:noFill/>
+              </p:spPr>
+              <p:txBody>
+                <a:bodyPr wrap="none" rtlCol="0">
+                  <a:spAutoFit/>
+                </a:bodyPr>
+                <a:lstStyle/>
+                <a:p>
+                  <a:pPr algn="l"/>
+                  <a14:m>
+                    <m:oMathPara xmlns:m="http://schemas.openxmlformats.org/officeDocument/2006/math">
+                      <m:oMathParaPr>
+                        <m:jc m:val="centerGroup"/>
+                      </m:oMathParaPr>
+                      <m:oMath xmlns:m="http://schemas.openxmlformats.org/officeDocument/2006/math">
+                        <m:sSub>
+                          <m:sSubPr>
+                            <m:ctrlPr>
+                              <a:rPr kumimoji="1" lang="en-US" altLang="zh-CN" b="0" i="1" smtClean="0">
+                                <a:latin typeface="Cambria Math" panose="02040503050406030204" pitchFamily="18" charset="0"/>
+                              </a:rPr>
+                            </m:ctrlPr>
+                          </m:sSubPr>
+                          <m:e>
+                            <m:r>
+                              <a:rPr kumimoji="1" lang="en-US" altLang="zh-CN" b="0" i="1" smtClean="0">
+                                <a:latin typeface="Cambria Math" panose="02040503050406030204" pitchFamily="18" charset="0"/>
+                              </a:rPr>
+                              <m:t>𝑐</m:t>
+                            </m:r>
+                          </m:e>
+                          <m:sub>
+                            <m:r>
+                              <a:rPr kumimoji="1" lang="en-US" altLang="zh-CN" b="0" i="1" smtClean="0">
+                                <a:latin typeface="Cambria Math" panose="02040503050406030204" pitchFamily="18" charset="0"/>
+                              </a:rPr>
+                              <m:t>𝑀</m:t>
+                            </m:r>
+                          </m:sub>
+                        </m:sSub>
+                      </m:oMath>
+                    </m:oMathPara>
+                  </a14:m>
+                  <a:endParaRPr kumimoji="1" lang="zh-CN" altLang="en-US" dirty="0" err="1">
+                    <a:latin typeface="Times" pitchFamily="2" charset="0"/>
+                  </a:endParaRPr>
+                </a:p>
+              </p:txBody>
+            </p:sp>
+          </mc:Choice>
+          <mc:Fallback>
+            <p:sp>
+              <p:nvSpPr>
+                <p:cNvPr id="13" name="文本框 12">
+                  <a:extLst>
+                    <a:ext uri="{FF2B5EF4-FFF2-40B4-BE49-F238E27FC236}">
+                      <a16:creationId xmlns:a16="http://schemas.microsoft.com/office/drawing/2014/main" id="{53513CFD-A6AF-E446-959B-CC257807B2FB}"/>
+                    </a:ext>
+                  </a:extLst>
+                </p:cNvPr>
+                <p:cNvSpPr txBox="1">
+                  <a:spLocks noRot="1" noChangeAspect="1" noMove="1" noResize="1" noEditPoints="1" noAdjustHandles="1" noChangeArrowheads="1" noChangeShapeType="1" noTextEdit="1"/>
+                </p:cNvSpPr>
+                <p:nvPr/>
+              </p:nvSpPr>
+              <p:spPr>
+                <a:xfrm>
+                  <a:off x="1260038" y="2513930"/>
+                  <a:ext cx="503664" cy="369332"/>
+                </a:xfrm>
+                <a:prstGeom prst="rect">
+                  <a:avLst/>
+                </a:prstGeom>
+                <a:blipFill>
+                  <a:blip r:embed="rId2"/>
+                  <a:stretch>
+                    <a:fillRect/>
+                  </a:stretch>
+                </a:blipFill>
+              </p:spPr>
+              <p:txBody>
+                <a:bodyPr/>
+                <a:lstStyle/>
+                <a:p>
+                  <a:r>
+                    <a:rPr lang="zh-CN" altLang="en-US">
+                      <a:noFill/>
+                    </a:rPr>
+                    <a:t> </a:t>
+                  </a:r>
+                </a:p>
+              </p:txBody>
+            </p:sp>
+          </mc:Fallback>
+        </mc:AlternateContent>
+      </p:grpSp>
+      <p:grpSp>
+        <p:nvGrpSpPr>
+          <p:cNvPr id="42" name="组合 41">
+            <a:extLst>
+              <a:ext uri="{FF2B5EF4-FFF2-40B4-BE49-F238E27FC236}">
+                <a16:creationId xmlns:a16="http://schemas.microsoft.com/office/drawing/2014/main" id="{2C82366D-3BE4-5541-81A4-7C4A4AC74D8D}"/>
+              </a:ext>
+            </a:extLst>
+          </p:cNvPr>
+          <p:cNvGrpSpPr/>
+          <p:nvPr/>
+        </p:nvGrpSpPr>
+        <p:grpSpPr>
+          <a:xfrm>
+            <a:off x="672639" y="2429123"/>
+            <a:ext cx="4194011" cy="1384427"/>
+            <a:chOff x="28584" y="2442118"/>
+            <a:chExt cx="4194011" cy="1384427"/>
+          </a:xfrm>
+        </p:grpSpPr>
+        <p:grpSp>
+          <p:nvGrpSpPr>
+            <p:cNvPr id="7" name="组合 6">
+              <a:extLst>
+                <a:ext uri="{FF2B5EF4-FFF2-40B4-BE49-F238E27FC236}">
+                  <a16:creationId xmlns:a16="http://schemas.microsoft.com/office/drawing/2014/main" id="{068567BE-CBF3-1B49-A7AF-95ED2FC7B32D}"/>
+                </a:ext>
+              </a:extLst>
+            </p:cNvPr>
+            <p:cNvGrpSpPr/>
+            <p:nvPr/>
+          </p:nvGrpSpPr>
+          <p:grpSpPr>
+            <a:xfrm>
+              <a:off x="1226634" y="2442118"/>
+              <a:ext cx="512956" cy="512956"/>
+              <a:chOff x="1226634" y="2442118"/>
+              <a:chExt cx="512956" cy="512956"/>
+            </a:xfrm>
+          </p:grpSpPr>
+          <p:sp>
+            <p:nvSpPr>
+              <p:cNvPr id="5" name="椭圆 4">
+                <a:extLst>
+                  <a:ext uri="{FF2B5EF4-FFF2-40B4-BE49-F238E27FC236}">
+                    <a16:creationId xmlns:a16="http://schemas.microsoft.com/office/drawing/2014/main" id="{F79CA7CA-B400-1248-852E-5FE06C13FA92}"/>
+                  </a:ext>
+                </a:extLst>
+              </p:cNvPr>
+              <p:cNvSpPr/>
+              <p:nvPr/>
+            </p:nvSpPr>
+            <p:spPr>
+              <a:xfrm>
+                <a:off x="1226634" y="2442118"/>
+                <a:ext cx="512956" cy="512956"/>
+              </a:xfrm>
+              <a:prstGeom prst="ellipse">
+                <a:avLst/>
+              </a:prstGeom>
+              <a:noFill/>
+              <a:ln w="38100">
+                <a:solidFill>
+                  <a:schemeClr val="tx1"/>
+                </a:solidFill>
+              </a:ln>
+            </p:spPr>
+            <p:style>
+              <a:lnRef idx="2">
+                <a:schemeClr val="accent1">
+                  <a:shade val="50000"/>
+                </a:schemeClr>
+              </a:lnRef>
+              <a:fillRef idx="1">
+                <a:schemeClr val="accent1"/>
+              </a:fillRef>
+              <a:effectRef idx="0">
+                <a:schemeClr val="accent1"/>
+              </a:effectRef>
+              <a:fontRef idx="minor">
+                <a:schemeClr val="lt1"/>
+              </a:fontRef>
+            </p:style>
+            <p:txBody>
+              <a:bodyPr rtlCol="0" anchor="ctr"/>
+              <a:lstStyle/>
+              <a:p>
+                <a:pPr algn="ctr"/>
+                <a:endParaRPr kumimoji="1" lang="zh-CN" altLang="en-US"/>
+              </a:p>
+            </p:txBody>
+          </p:sp>
+          <mc:AlternateContent xmlns:mc="http://schemas.openxmlformats.org/markup-compatibility/2006">
+            <mc:Choice xmlns:a14="http://schemas.microsoft.com/office/drawing/2010/main" Requires="a14">
+              <p:sp>
+                <p:nvSpPr>
+                  <p:cNvPr id="6" name="文本框 5">
+                    <a:extLst>
+                      <a:ext uri="{FF2B5EF4-FFF2-40B4-BE49-F238E27FC236}">
+                        <a16:creationId xmlns:a16="http://schemas.microsoft.com/office/drawing/2014/main" id="{B79480A5-341E-6B41-A20A-B1BF2B7DB04A}"/>
+                      </a:ext>
+                    </a:extLst>
+                  </p:cNvPr>
+                  <p:cNvSpPr txBox="1"/>
+                  <p:nvPr/>
+                </p:nvSpPr>
+                <p:spPr>
+                  <a:xfrm>
+                    <a:off x="1260038" y="2513930"/>
+                    <a:ext cx="444544" cy="369332"/>
+                  </a:xfrm>
+                  <a:prstGeom prst="rect">
+                    <a:avLst/>
+                  </a:prstGeom>
+                  <a:noFill/>
+                </p:spPr>
+                <p:txBody>
+                  <a:bodyPr wrap="none" rtlCol="0">
+                    <a:spAutoFit/>
+                  </a:bodyPr>
+                  <a:lstStyle/>
+                  <a:p>
+                    <a:pPr algn="l"/>
+                    <a14:m>
+                      <m:oMathPara xmlns:m="http://schemas.openxmlformats.org/officeDocument/2006/math">
+                        <m:oMathParaPr>
+                          <m:jc m:val="centerGroup"/>
+                        </m:oMathParaPr>
+                        <m:oMath xmlns:m="http://schemas.openxmlformats.org/officeDocument/2006/math">
+                          <m:sSub>
+                            <m:sSubPr>
+                              <m:ctrlPr>
+                                <a:rPr kumimoji="1" lang="en-US" altLang="zh-CN" b="0" i="1" smtClean="0">
+                                  <a:latin typeface="Cambria Math" panose="02040503050406030204" pitchFamily="18" charset="0"/>
+                                </a:rPr>
+                              </m:ctrlPr>
+                            </m:sSubPr>
+                            <m:e>
+                              <m:r>
+                                <a:rPr kumimoji="1" lang="en-US" altLang="zh-CN" b="0" i="1" smtClean="0">
+                                  <a:latin typeface="Cambria Math" panose="02040503050406030204" pitchFamily="18" charset="0"/>
+                                </a:rPr>
+                                <m:t>𝑐</m:t>
+                              </m:r>
+                            </m:e>
+                            <m:sub>
+                              <m:r>
+                                <a:rPr kumimoji="1" lang="en-US" altLang="zh-CN" b="0" i="1" smtClean="0">
+                                  <a:latin typeface="Cambria Math" panose="02040503050406030204" pitchFamily="18" charset="0"/>
+                                </a:rPr>
+                                <m:t>1</m:t>
+                              </m:r>
+                            </m:sub>
+                          </m:sSub>
+                        </m:oMath>
+                      </m:oMathPara>
+                    </a14:m>
+                    <a:endParaRPr kumimoji="1" lang="zh-CN" altLang="en-US" dirty="0" err="1">
+                      <a:latin typeface="Times" pitchFamily="2" charset="0"/>
+                    </a:endParaRPr>
+                  </a:p>
+                </p:txBody>
+              </p:sp>
+            </mc:Choice>
+            <mc:Fallback>
+              <p:sp>
+                <p:nvSpPr>
+                  <p:cNvPr id="6" name="文本框 5">
+                    <a:extLst>
+                      <a:ext uri="{FF2B5EF4-FFF2-40B4-BE49-F238E27FC236}">
+                        <a16:creationId xmlns:a16="http://schemas.microsoft.com/office/drawing/2014/main" id="{B79480A5-341E-6B41-A20A-B1BF2B7DB04A}"/>
+                      </a:ext>
+                    </a:extLst>
+                  </p:cNvPr>
+                  <p:cNvSpPr txBox="1">
+                    <a:spLocks noRot="1" noChangeAspect="1" noMove="1" noResize="1" noEditPoints="1" noAdjustHandles="1" noChangeArrowheads="1" noChangeShapeType="1" noTextEdit="1"/>
+                  </p:cNvSpPr>
+                  <p:nvPr/>
+                </p:nvSpPr>
+                <p:spPr>
+                  <a:xfrm>
+                    <a:off x="1260038" y="2513930"/>
+                    <a:ext cx="444544" cy="369332"/>
+                  </a:xfrm>
+                  <a:prstGeom prst="rect">
+                    <a:avLst/>
+                  </a:prstGeom>
+                  <a:blipFill>
+                    <a:blip r:embed="rId3"/>
+                    <a:stretch>
+                      <a:fillRect/>
+                    </a:stretch>
+                  </a:blipFill>
+                </p:spPr>
+                <p:txBody>
+                  <a:bodyPr/>
+                  <a:lstStyle/>
+                  <a:p>
+                    <a:r>
+                      <a:rPr lang="zh-CN" altLang="en-US">
+                        <a:noFill/>
+                      </a:rPr>
+                      <a:t> </a:t>
+                    </a:r>
+                  </a:p>
+                </p:txBody>
+              </p:sp>
+            </mc:Fallback>
+          </mc:AlternateContent>
+        </p:grpSp>
+        <p:grpSp>
+          <p:nvGrpSpPr>
+            <p:cNvPr id="8" name="组合 7">
+              <a:extLst>
+                <a:ext uri="{FF2B5EF4-FFF2-40B4-BE49-F238E27FC236}">
+                  <a16:creationId xmlns:a16="http://schemas.microsoft.com/office/drawing/2014/main" id="{E39A592F-85BC-E84D-9779-7565160CC067}"/>
+                </a:ext>
+              </a:extLst>
+            </p:cNvPr>
+            <p:cNvGrpSpPr/>
+            <p:nvPr/>
+          </p:nvGrpSpPr>
+          <p:grpSpPr>
+            <a:xfrm>
+              <a:off x="3709639" y="2442118"/>
+              <a:ext cx="512956" cy="512956"/>
+              <a:chOff x="1226634" y="2442118"/>
+              <a:chExt cx="512956" cy="512956"/>
+            </a:xfrm>
+          </p:grpSpPr>
+          <p:sp>
+            <p:nvSpPr>
+              <p:cNvPr id="9" name="椭圆 8">
+                <a:extLst>
+                  <a:ext uri="{FF2B5EF4-FFF2-40B4-BE49-F238E27FC236}">
+                    <a16:creationId xmlns:a16="http://schemas.microsoft.com/office/drawing/2014/main" id="{79A59289-E715-EF4A-8E04-B97198DAB00A}"/>
+                  </a:ext>
+                </a:extLst>
+              </p:cNvPr>
+              <p:cNvSpPr/>
+              <p:nvPr/>
+            </p:nvSpPr>
+            <p:spPr>
+              <a:xfrm>
+                <a:off x="1226634" y="2442118"/>
+                <a:ext cx="512956" cy="512956"/>
+              </a:xfrm>
+              <a:prstGeom prst="ellipse">
+                <a:avLst/>
+              </a:prstGeom>
+              <a:noFill/>
+              <a:ln w="38100">
+                <a:solidFill>
+                  <a:schemeClr val="tx1"/>
+                </a:solidFill>
+              </a:ln>
+            </p:spPr>
+            <p:style>
+              <a:lnRef idx="2">
+                <a:schemeClr val="accent1">
+                  <a:shade val="50000"/>
+                </a:schemeClr>
+              </a:lnRef>
+              <a:fillRef idx="1">
+                <a:schemeClr val="accent1"/>
+              </a:fillRef>
+              <a:effectRef idx="0">
+                <a:schemeClr val="accent1"/>
+              </a:effectRef>
+              <a:fontRef idx="minor">
+                <a:schemeClr val="lt1"/>
+              </a:fontRef>
+            </p:style>
+            <p:txBody>
+              <a:bodyPr rtlCol="0" anchor="ctr"/>
+              <a:lstStyle/>
+              <a:p>
+                <a:pPr algn="ctr"/>
+                <a:endParaRPr kumimoji="1" lang="zh-CN" altLang="en-US"/>
+              </a:p>
+            </p:txBody>
+          </p:sp>
+          <mc:AlternateContent xmlns:mc="http://schemas.openxmlformats.org/markup-compatibility/2006">
+            <mc:Choice xmlns:a14="http://schemas.microsoft.com/office/drawing/2010/main" Requires="a14">
+              <p:sp>
+                <p:nvSpPr>
+                  <p:cNvPr id="10" name="文本框 9">
+                    <a:extLst>
+                      <a:ext uri="{FF2B5EF4-FFF2-40B4-BE49-F238E27FC236}">
+                        <a16:creationId xmlns:a16="http://schemas.microsoft.com/office/drawing/2014/main" id="{FA7738E3-222A-BD45-9D3D-2261E0F49A40}"/>
+                      </a:ext>
+                    </a:extLst>
+                  </p:cNvPr>
+                  <p:cNvSpPr txBox="1"/>
+                  <p:nvPr/>
+                </p:nvSpPr>
+                <p:spPr>
+                  <a:xfrm>
+                    <a:off x="1260038" y="2513930"/>
+                    <a:ext cx="449867" cy="369332"/>
+                  </a:xfrm>
+                  <a:prstGeom prst="rect">
+                    <a:avLst/>
+                  </a:prstGeom>
+                  <a:noFill/>
+                </p:spPr>
+                <p:txBody>
+                  <a:bodyPr wrap="none" rtlCol="0">
+                    <a:spAutoFit/>
+                  </a:bodyPr>
+                  <a:lstStyle/>
+                  <a:p>
+                    <a:pPr algn="l"/>
+                    <a14:m>
+                      <m:oMathPara xmlns:m="http://schemas.openxmlformats.org/officeDocument/2006/math">
+                        <m:oMathParaPr>
+                          <m:jc m:val="centerGroup"/>
+                        </m:oMathParaPr>
+                        <m:oMath xmlns:m="http://schemas.openxmlformats.org/officeDocument/2006/math">
+                          <m:sSub>
+                            <m:sSubPr>
+                              <m:ctrlPr>
+                                <a:rPr kumimoji="1" lang="en-US" altLang="zh-CN" b="0" i="1" smtClean="0">
+                                  <a:latin typeface="Cambria Math" panose="02040503050406030204" pitchFamily="18" charset="0"/>
+                                </a:rPr>
+                              </m:ctrlPr>
+                            </m:sSubPr>
+                            <m:e>
+                              <m:r>
+                                <a:rPr kumimoji="1" lang="en-US" altLang="zh-CN" b="0" i="1" smtClean="0">
+                                  <a:latin typeface="Cambria Math" panose="02040503050406030204" pitchFamily="18" charset="0"/>
+                                </a:rPr>
+                                <m:t>𝑐</m:t>
+                              </m:r>
+                            </m:e>
+                            <m:sub>
+                              <m:r>
+                                <a:rPr kumimoji="1" lang="en-US" altLang="zh-CN" b="0" i="1" smtClean="0">
+                                  <a:latin typeface="Cambria Math" panose="02040503050406030204" pitchFamily="18" charset="0"/>
+                                </a:rPr>
+                                <m:t>2</m:t>
+                              </m:r>
+                            </m:sub>
+                          </m:sSub>
+                        </m:oMath>
+                      </m:oMathPara>
+                    </a14:m>
+                    <a:endParaRPr kumimoji="1" lang="zh-CN" altLang="en-US" dirty="0" err="1">
+                      <a:latin typeface="Times" pitchFamily="2" charset="0"/>
+                    </a:endParaRPr>
+                  </a:p>
+                </p:txBody>
+              </p:sp>
+            </mc:Choice>
+            <mc:Fallback>
+              <p:sp>
+                <p:nvSpPr>
+                  <p:cNvPr id="10" name="文本框 9">
+                    <a:extLst>
+                      <a:ext uri="{FF2B5EF4-FFF2-40B4-BE49-F238E27FC236}">
+                        <a16:creationId xmlns:a16="http://schemas.microsoft.com/office/drawing/2014/main" id="{FA7738E3-222A-BD45-9D3D-2261E0F49A40}"/>
+                      </a:ext>
+                    </a:extLst>
+                  </p:cNvPr>
+                  <p:cNvSpPr txBox="1">
+                    <a:spLocks noRot="1" noChangeAspect="1" noMove="1" noResize="1" noEditPoints="1" noAdjustHandles="1" noChangeArrowheads="1" noChangeShapeType="1" noTextEdit="1"/>
+                  </p:cNvSpPr>
+                  <p:nvPr/>
+                </p:nvSpPr>
+                <p:spPr>
+                  <a:xfrm>
+                    <a:off x="1260038" y="2513930"/>
+                    <a:ext cx="449867" cy="369332"/>
+                  </a:xfrm>
+                  <a:prstGeom prst="rect">
+                    <a:avLst/>
+                  </a:prstGeom>
+                  <a:blipFill>
+                    <a:blip r:embed="rId4"/>
+                    <a:stretch>
+                      <a:fillRect/>
+                    </a:stretch>
+                  </a:blipFill>
+                </p:spPr>
+                <p:txBody>
+                  <a:bodyPr/>
+                  <a:lstStyle/>
+                  <a:p>
+                    <a:r>
+                      <a:rPr lang="zh-CN" altLang="en-US">
+                        <a:noFill/>
+                      </a:rPr>
+                      <a:t> </a:t>
+                    </a:r>
+                  </a:p>
+                </p:txBody>
+              </p:sp>
+            </mc:Fallback>
+          </mc:AlternateContent>
+        </p:grpSp>
+        <p:grpSp>
+          <p:nvGrpSpPr>
+            <p:cNvPr id="18" name="组合 17">
+              <a:extLst>
+                <a:ext uri="{FF2B5EF4-FFF2-40B4-BE49-F238E27FC236}">
+                  <a16:creationId xmlns:a16="http://schemas.microsoft.com/office/drawing/2014/main" id="{A7AF0279-44D2-3141-9367-9245F74C04FA}"/>
+                </a:ext>
+              </a:extLst>
+            </p:cNvPr>
+            <p:cNvGrpSpPr/>
+            <p:nvPr/>
+          </p:nvGrpSpPr>
+          <p:grpSpPr>
+            <a:xfrm>
+              <a:off x="2511589" y="2504715"/>
+              <a:ext cx="477951" cy="369332"/>
+              <a:chOff x="2511589" y="2504715"/>
+              <a:chExt cx="477951" cy="369332"/>
+            </a:xfrm>
+          </p:grpSpPr>
+          <p:sp>
+            <p:nvSpPr>
+              <p:cNvPr id="15" name="矩形 14">
+                <a:extLst>
+                  <a:ext uri="{FF2B5EF4-FFF2-40B4-BE49-F238E27FC236}">
+                    <a16:creationId xmlns:a16="http://schemas.microsoft.com/office/drawing/2014/main" id="{92DB3A6E-AAB2-8C40-AB6E-3D4CE39FFFD0}"/>
+                  </a:ext>
+                </a:extLst>
+              </p:cNvPr>
+              <p:cNvSpPr/>
+              <p:nvPr/>
+            </p:nvSpPr>
+            <p:spPr>
+              <a:xfrm>
+                <a:off x="2544556" y="2513930"/>
+                <a:ext cx="360117" cy="360117"/>
+              </a:xfrm>
+              <a:prstGeom prst="rect">
+                <a:avLst/>
+              </a:prstGeom>
+              <a:noFill/>
+              <a:ln w="38100">
+                <a:solidFill>
+                  <a:schemeClr val="tx1"/>
+                </a:solidFill>
+              </a:ln>
+            </p:spPr>
+            <p:style>
+              <a:lnRef idx="2">
+                <a:schemeClr val="accent1">
+                  <a:shade val="50000"/>
+                </a:schemeClr>
+              </a:lnRef>
+              <a:fillRef idx="1">
+                <a:schemeClr val="accent1"/>
+              </a:fillRef>
+              <a:effectRef idx="0">
+                <a:schemeClr val="accent1"/>
+              </a:effectRef>
+              <a:fontRef idx="minor">
+                <a:schemeClr val="lt1"/>
+              </a:fontRef>
+            </p:style>
+            <p:txBody>
+              <a:bodyPr rtlCol="0" anchor="ctr"/>
+              <a:lstStyle/>
+              <a:p>
+                <a:pPr algn="ctr"/>
+                <a:endParaRPr kumimoji="1" lang="zh-CN" altLang="en-US"/>
+              </a:p>
+            </p:txBody>
+          </p:sp>
+          <mc:AlternateContent xmlns:mc="http://schemas.openxmlformats.org/markup-compatibility/2006">
+            <mc:Choice xmlns:a14="http://schemas.microsoft.com/office/drawing/2010/main" Requires="a14">
+              <p:sp>
+                <p:nvSpPr>
+                  <p:cNvPr id="16" name="文本框 15">
+                    <a:extLst>
+                      <a:ext uri="{FF2B5EF4-FFF2-40B4-BE49-F238E27FC236}">
+                        <a16:creationId xmlns:a16="http://schemas.microsoft.com/office/drawing/2014/main" id="{1B3ACBC2-D448-E44B-925D-F6B1664D6C3B}"/>
+                      </a:ext>
+                    </a:extLst>
+                  </p:cNvPr>
+                  <p:cNvSpPr txBox="1"/>
+                  <p:nvPr/>
+                </p:nvSpPr>
+                <p:spPr>
+                  <a:xfrm>
+                    <a:off x="2511589" y="2504715"/>
+                    <a:ext cx="477951" cy="369332"/>
+                  </a:xfrm>
+                  <a:prstGeom prst="rect">
+                    <a:avLst/>
+                  </a:prstGeom>
+                  <a:noFill/>
+                </p:spPr>
+                <p:txBody>
+                  <a:bodyPr wrap="none" rtlCol="0">
+                    <a:spAutoFit/>
+                  </a:bodyPr>
+                  <a:lstStyle/>
+                  <a:p>
+                    <a:pPr algn="l"/>
+                    <a14:m>
+                      <m:oMathPara xmlns:m="http://schemas.openxmlformats.org/officeDocument/2006/math">
+                        <m:oMathParaPr>
+                          <m:jc m:val="centerGroup"/>
+                        </m:oMathParaPr>
+                        <m:oMath xmlns:m="http://schemas.openxmlformats.org/officeDocument/2006/math">
+                          <m:sSubSup>
+                            <m:sSubSupPr>
+                              <m:ctrlPr>
+                                <a:rPr kumimoji="1" lang="en-US" altLang="zh-CN" b="0" i="1" smtClean="0">
+                                  <a:latin typeface="Cambria Math" panose="02040503050406030204" pitchFamily="18" charset="0"/>
+                                </a:rPr>
+                              </m:ctrlPr>
+                            </m:sSubSupPr>
+                            <m:e>
+                              <m:r>
+                                <a:rPr kumimoji="1" lang="en-US" altLang="zh-CN" b="0" i="1" smtClean="0">
+                                  <a:latin typeface="Cambria Math" panose="02040503050406030204" pitchFamily="18" charset="0"/>
+                                </a:rPr>
+                                <m:t>h</m:t>
+                              </m:r>
+                            </m:e>
+                            <m:sub>
+                              <m:r>
+                                <a:rPr kumimoji="1" lang="en-US" altLang="zh-CN" b="0" i="1" smtClean="0">
+                                  <a:latin typeface="Cambria Math" panose="02040503050406030204" pitchFamily="18" charset="0"/>
+                                </a:rPr>
+                                <m:t>2</m:t>
+                              </m:r>
+                            </m:sub>
+                            <m:sup>
+                              <m:r>
+                                <a:rPr kumimoji="1" lang="en-US" altLang="zh-CN" b="0" i="1" smtClean="0">
+                                  <a:latin typeface="Cambria Math" panose="02040503050406030204" pitchFamily="18" charset="0"/>
+                                </a:rPr>
+                                <m:t>𝑐</m:t>
+                              </m:r>
+                            </m:sup>
+                          </m:sSubSup>
+                        </m:oMath>
+                      </m:oMathPara>
+                    </a14:m>
+                    <a:endParaRPr kumimoji="1" lang="zh-CN" altLang="en-US" dirty="0" err="1">
+                      <a:latin typeface="Times" pitchFamily="2" charset="0"/>
+                    </a:endParaRPr>
+                  </a:p>
+                </p:txBody>
+              </p:sp>
+            </mc:Choice>
+            <mc:Fallback>
+              <p:sp>
+                <p:nvSpPr>
+                  <p:cNvPr id="16" name="文本框 15">
+                    <a:extLst>
+                      <a:ext uri="{FF2B5EF4-FFF2-40B4-BE49-F238E27FC236}">
+                        <a16:creationId xmlns:a16="http://schemas.microsoft.com/office/drawing/2014/main" id="{1B3ACBC2-D448-E44B-925D-F6B1664D6C3B}"/>
+                      </a:ext>
+                    </a:extLst>
+                  </p:cNvPr>
+                  <p:cNvSpPr txBox="1">
+                    <a:spLocks noRot="1" noChangeAspect="1" noMove="1" noResize="1" noEditPoints="1" noAdjustHandles="1" noChangeArrowheads="1" noChangeShapeType="1" noTextEdit="1"/>
+                  </p:cNvSpPr>
+                  <p:nvPr/>
+                </p:nvSpPr>
+                <p:spPr>
+                  <a:xfrm>
+                    <a:off x="2511589" y="2504715"/>
+                    <a:ext cx="477951" cy="369332"/>
+                  </a:xfrm>
+                  <a:prstGeom prst="rect">
+                    <a:avLst/>
+                  </a:prstGeom>
+                  <a:blipFill>
+                    <a:blip r:embed="rId5"/>
+                    <a:stretch>
+                      <a:fillRect/>
+                    </a:stretch>
+                  </a:blipFill>
+                </p:spPr>
+                <p:txBody>
+                  <a:bodyPr/>
+                  <a:lstStyle/>
+                  <a:p>
+                    <a:r>
+                      <a:rPr lang="zh-CN" altLang="en-US">
+                        <a:noFill/>
+                      </a:rPr>
+                      <a:t> </a:t>
+                    </a:r>
+                  </a:p>
+                </p:txBody>
+              </p:sp>
+            </mc:Fallback>
+          </mc:AlternateContent>
+        </p:grpSp>
+        <p:grpSp>
+          <p:nvGrpSpPr>
+            <p:cNvPr id="19" name="组合 18">
+              <a:extLst>
+                <a:ext uri="{FF2B5EF4-FFF2-40B4-BE49-F238E27FC236}">
+                  <a16:creationId xmlns:a16="http://schemas.microsoft.com/office/drawing/2014/main" id="{49D85D3F-DA6B-E946-B117-92E7C05DC11C}"/>
+                </a:ext>
+              </a:extLst>
+            </p:cNvPr>
+            <p:cNvGrpSpPr/>
+            <p:nvPr/>
+          </p:nvGrpSpPr>
+          <p:grpSpPr>
+            <a:xfrm>
+              <a:off x="28584" y="2504715"/>
+              <a:ext cx="474425" cy="369332"/>
+              <a:chOff x="2511589" y="2504715"/>
+              <a:chExt cx="474425" cy="369332"/>
+            </a:xfrm>
+          </p:grpSpPr>
+          <p:sp>
+            <p:nvSpPr>
+              <p:cNvPr id="20" name="矩形 19">
+                <a:extLst>
+                  <a:ext uri="{FF2B5EF4-FFF2-40B4-BE49-F238E27FC236}">
+                    <a16:creationId xmlns:a16="http://schemas.microsoft.com/office/drawing/2014/main" id="{73B41DA8-14D6-7740-80AE-93F03A73C030}"/>
+                  </a:ext>
+                </a:extLst>
+              </p:cNvPr>
+              <p:cNvSpPr/>
+              <p:nvPr/>
+            </p:nvSpPr>
+            <p:spPr>
+              <a:xfrm>
+                <a:off x="2544556" y="2513930"/>
+                <a:ext cx="360117" cy="360117"/>
+              </a:xfrm>
+              <a:prstGeom prst="rect">
+                <a:avLst/>
+              </a:prstGeom>
+              <a:noFill/>
+              <a:ln w="38100">
+                <a:solidFill>
+                  <a:schemeClr val="tx1"/>
+                </a:solidFill>
+              </a:ln>
+            </p:spPr>
+            <p:style>
+              <a:lnRef idx="2">
+                <a:schemeClr val="accent1">
+                  <a:shade val="50000"/>
+                </a:schemeClr>
+              </a:lnRef>
+              <a:fillRef idx="1">
+                <a:schemeClr val="accent1"/>
+              </a:fillRef>
+              <a:effectRef idx="0">
+                <a:schemeClr val="accent1"/>
+              </a:effectRef>
+              <a:fontRef idx="minor">
+                <a:schemeClr val="lt1"/>
+              </a:fontRef>
+            </p:style>
+            <p:txBody>
+              <a:bodyPr rtlCol="0" anchor="ctr"/>
+              <a:lstStyle/>
+              <a:p>
+                <a:pPr algn="ctr"/>
+                <a:endParaRPr kumimoji="1" lang="zh-CN" altLang="en-US"/>
+              </a:p>
+            </p:txBody>
+          </p:sp>
+          <mc:AlternateContent xmlns:mc="http://schemas.openxmlformats.org/markup-compatibility/2006">
+            <mc:Choice xmlns:a14="http://schemas.microsoft.com/office/drawing/2010/main" Requires="a14">
+              <p:sp>
+                <p:nvSpPr>
+                  <p:cNvPr id="21" name="文本框 20">
+                    <a:extLst>
+                      <a:ext uri="{FF2B5EF4-FFF2-40B4-BE49-F238E27FC236}">
+                        <a16:creationId xmlns:a16="http://schemas.microsoft.com/office/drawing/2014/main" id="{C8AC8FBA-F352-C840-93DF-693792B62E56}"/>
+                      </a:ext>
+                    </a:extLst>
+                  </p:cNvPr>
+                  <p:cNvSpPr txBox="1"/>
+                  <p:nvPr/>
+                </p:nvSpPr>
+                <p:spPr>
+                  <a:xfrm>
+                    <a:off x="2511589" y="2504715"/>
+                    <a:ext cx="474425" cy="369332"/>
+                  </a:xfrm>
+                  <a:prstGeom prst="rect">
+                    <a:avLst/>
+                  </a:prstGeom>
+                  <a:noFill/>
+                </p:spPr>
+                <p:txBody>
+                  <a:bodyPr wrap="none" rtlCol="0">
+                    <a:spAutoFit/>
+                  </a:bodyPr>
+                  <a:lstStyle/>
+                  <a:p>
+                    <a:pPr algn="l"/>
+                    <a14:m>
+                      <m:oMathPara xmlns:m="http://schemas.openxmlformats.org/officeDocument/2006/math">
+                        <m:oMathParaPr>
+                          <m:jc m:val="centerGroup"/>
+                        </m:oMathParaPr>
+                        <m:oMath xmlns:m="http://schemas.openxmlformats.org/officeDocument/2006/math">
+                          <m:sSubSup>
+                            <m:sSubSupPr>
+                              <m:ctrlPr>
+                                <a:rPr kumimoji="1" lang="en-US" altLang="zh-CN" b="0" i="1" smtClean="0">
+                                  <a:latin typeface="Cambria Math" panose="02040503050406030204" pitchFamily="18" charset="0"/>
+                                </a:rPr>
+                              </m:ctrlPr>
+                            </m:sSubSupPr>
+                            <m:e>
+                              <m:r>
+                                <a:rPr kumimoji="1" lang="en-US" altLang="zh-CN" b="0" i="1" smtClean="0">
+                                  <a:latin typeface="Cambria Math" panose="02040503050406030204" pitchFamily="18" charset="0"/>
+                                </a:rPr>
+                                <m:t>h</m:t>
+                              </m:r>
+                            </m:e>
+                            <m:sub>
+                              <m:r>
+                                <a:rPr kumimoji="1" lang="en-US" altLang="zh-CN" b="0" i="1" smtClean="0">
+                                  <a:latin typeface="Cambria Math" panose="02040503050406030204" pitchFamily="18" charset="0"/>
+                                </a:rPr>
+                                <m:t>1</m:t>
+                              </m:r>
+                            </m:sub>
+                            <m:sup>
+                              <m:r>
+                                <a:rPr kumimoji="1" lang="en-US" altLang="zh-CN" b="0" i="1" smtClean="0">
+                                  <a:latin typeface="Cambria Math" panose="02040503050406030204" pitchFamily="18" charset="0"/>
+                                </a:rPr>
+                                <m:t>𝑐</m:t>
+                              </m:r>
+                            </m:sup>
+                          </m:sSubSup>
+                        </m:oMath>
+                      </m:oMathPara>
+                    </a14:m>
+                    <a:endParaRPr kumimoji="1" lang="zh-CN" altLang="en-US" dirty="0" err="1">
+                      <a:latin typeface="Times" pitchFamily="2" charset="0"/>
+                    </a:endParaRPr>
+                  </a:p>
+                </p:txBody>
+              </p:sp>
+            </mc:Choice>
+            <mc:Fallback>
+              <p:sp>
+                <p:nvSpPr>
+                  <p:cNvPr id="21" name="文本框 20">
+                    <a:extLst>
+                      <a:ext uri="{FF2B5EF4-FFF2-40B4-BE49-F238E27FC236}">
+                        <a16:creationId xmlns:a16="http://schemas.microsoft.com/office/drawing/2014/main" id="{C8AC8FBA-F352-C840-93DF-693792B62E56}"/>
+                      </a:ext>
+                    </a:extLst>
+                  </p:cNvPr>
+                  <p:cNvSpPr txBox="1">
+                    <a:spLocks noRot="1" noChangeAspect="1" noMove="1" noResize="1" noEditPoints="1" noAdjustHandles="1" noChangeArrowheads="1" noChangeShapeType="1" noTextEdit="1"/>
+                  </p:cNvSpPr>
+                  <p:nvPr/>
+                </p:nvSpPr>
+                <p:spPr>
+                  <a:xfrm>
+                    <a:off x="2511589" y="2504715"/>
+                    <a:ext cx="474425" cy="369332"/>
+                  </a:xfrm>
+                  <a:prstGeom prst="rect">
+                    <a:avLst/>
+                  </a:prstGeom>
+                  <a:blipFill>
+                    <a:blip r:embed="rId6"/>
+                    <a:stretch>
+                      <a:fillRect/>
+                    </a:stretch>
+                  </a:blipFill>
+                </p:spPr>
+                <p:txBody>
+                  <a:bodyPr/>
+                  <a:lstStyle/>
+                  <a:p>
+                    <a:r>
+                      <a:rPr lang="zh-CN" altLang="en-US">
+                        <a:noFill/>
+                      </a:rPr>
+                      <a:t> </a:t>
+                    </a:r>
+                  </a:p>
+                </p:txBody>
+              </p:sp>
+            </mc:Fallback>
+          </mc:AlternateContent>
+        </p:grpSp>
+        <p:cxnSp>
+          <p:nvCxnSpPr>
+            <p:cNvPr id="26" name="直线连接符 25">
+              <a:extLst>
+                <a:ext uri="{FF2B5EF4-FFF2-40B4-BE49-F238E27FC236}">
+                  <a16:creationId xmlns:a16="http://schemas.microsoft.com/office/drawing/2014/main" id="{D97ED5EB-4C3A-FE45-A363-9166339BA456}"/>
+                </a:ext>
+              </a:extLst>
+            </p:cNvPr>
+            <p:cNvCxnSpPr>
+              <a:cxnSpLocks/>
+              <a:endCxn id="5" idx="2"/>
+            </p:cNvCxnSpPr>
+            <p:nvPr/>
+          </p:nvCxnSpPr>
+          <p:spPr>
+            <a:xfrm>
+              <a:off x="420033" y="2698596"/>
+              <a:ext cx="806601" cy="0"/>
+            </a:xfrm>
+            <a:prstGeom prst="line">
+              <a:avLst/>
+            </a:prstGeom>
+            <a:ln w="38100">
+              <a:solidFill>
+                <a:schemeClr val="tx1"/>
+              </a:solidFill>
+              <a:tailEnd type="none"/>
+            </a:ln>
+          </p:spPr>
+          <p:style>
+            <a:lnRef idx="1">
+              <a:schemeClr val="accent1"/>
+            </a:lnRef>
+            <a:fillRef idx="0">
+              <a:schemeClr val="accent1"/>
+            </a:fillRef>
+            <a:effectRef idx="0">
+              <a:schemeClr val="accent1"/>
+            </a:effectRef>
+            <a:fontRef idx="minor">
+              <a:schemeClr val="tx1"/>
+            </a:fontRef>
+          </p:style>
+        </p:cxnSp>
+        <p:cxnSp>
+          <p:nvCxnSpPr>
+            <p:cNvPr id="28" name="直线连接符 27">
+              <a:extLst>
+                <a:ext uri="{FF2B5EF4-FFF2-40B4-BE49-F238E27FC236}">
+                  <a16:creationId xmlns:a16="http://schemas.microsoft.com/office/drawing/2014/main" id="{8348621D-AC9B-F046-AC10-C3422BE87276}"/>
+                </a:ext>
+              </a:extLst>
+            </p:cNvPr>
+            <p:cNvCxnSpPr>
+              <a:cxnSpLocks/>
+            </p:cNvCxnSpPr>
+            <p:nvPr/>
+          </p:nvCxnSpPr>
+          <p:spPr>
+            <a:xfrm>
+              <a:off x="1737955" y="2689601"/>
+              <a:ext cx="806601" cy="0"/>
+            </a:xfrm>
+            <a:prstGeom prst="line">
+              <a:avLst/>
+            </a:prstGeom>
+            <a:ln w="38100">
+              <a:solidFill>
+                <a:schemeClr val="tx1"/>
+              </a:solidFill>
+              <a:tailEnd type="none"/>
+            </a:ln>
+          </p:spPr>
+          <p:style>
+            <a:lnRef idx="1">
+              <a:schemeClr val="accent1"/>
+            </a:lnRef>
+            <a:fillRef idx="0">
+              <a:schemeClr val="accent1"/>
+            </a:fillRef>
+            <a:effectRef idx="0">
+              <a:schemeClr val="accent1"/>
+            </a:effectRef>
+            <a:fontRef idx="minor">
+              <a:schemeClr val="tx1"/>
+            </a:fontRef>
+          </p:style>
+        </p:cxnSp>
+        <p:cxnSp>
+          <p:nvCxnSpPr>
+            <p:cNvPr id="29" name="直线连接符 28">
+              <a:extLst>
+                <a:ext uri="{FF2B5EF4-FFF2-40B4-BE49-F238E27FC236}">
+                  <a16:creationId xmlns:a16="http://schemas.microsoft.com/office/drawing/2014/main" id="{172A2D92-AB16-0A4E-AEB2-2DD9AE7CF64E}"/>
+                </a:ext>
+              </a:extLst>
+            </p:cNvPr>
+            <p:cNvCxnSpPr>
+              <a:cxnSpLocks/>
+            </p:cNvCxnSpPr>
+            <p:nvPr/>
+          </p:nvCxnSpPr>
+          <p:spPr>
+            <a:xfrm>
+              <a:off x="2903038" y="2689381"/>
+              <a:ext cx="806601" cy="0"/>
+            </a:xfrm>
+            <a:prstGeom prst="line">
+              <a:avLst/>
+            </a:prstGeom>
+            <a:ln w="38100">
+              <a:solidFill>
+                <a:schemeClr val="tx1"/>
+              </a:solidFill>
+              <a:tailEnd type="none"/>
+            </a:ln>
+          </p:spPr>
+          <p:style>
+            <a:lnRef idx="1">
+              <a:schemeClr val="accent1"/>
+            </a:lnRef>
+            <a:fillRef idx="0">
+              <a:schemeClr val="accent1"/>
+            </a:fillRef>
+            <a:effectRef idx="0">
+              <a:schemeClr val="accent1"/>
+            </a:effectRef>
+            <a:fontRef idx="minor">
+              <a:schemeClr val="tx1"/>
+            </a:fontRef>
+          </p:style>
+        </p:cxnSp>
+        <p:cxnSp>
+          <p:nvCxnSpPr>
+            <p:cNvPr id="30" name="直线连接符 29">
+              <a:extLst>
+                <a:ext uri="{FF2B5EF4-FFF2-40B4-BE49-F238E27FC236}">
+                  <a16:creationId xmlns:a16="http://schemas.microsoft.com/office/drawing/2014/main" id="{5AEC322F-14A5-CE48-9519-0EF92D259F33}"/>
+                </a:ext>
+              </a:extLst>
+            </p:cNvPr>
+            <p:cNvCxnSpPr>
+              <a:cxnSpLocks/>
+            </p:cNvCxnSpPr>
+            <p:nvPr/>
+          </p:nvCxnSpPr>
+          <p:spPr>
+            <a:xfrm>
+              <a:off x="1488298" y="2955074"/>
+              <a:ext cx="0" cy="473926"/>
+            </a:xfrm>
+            <a:prstGeom prst="line">
+              <a:avLst/>
+            </a:prstGeom>
+            <a:ln w="38100">
+              <a:solidFill>
+                <a:schemeClr val="tx1"/>
+              </a:solidFill>
+              <a:tailEnd type="none"/>
+            </a:ln>
+          </p:spPr>
+          <p:style>
+            <a:lnRef idx="1">
+              <a:schemeClr val="accent1"/>
+            </a:lnRef>
+            <a:fillRef idx="0">
+              <a:schemeClr val="accent1"/>
+            </a:fillRef>
+            <a:effectRef idx="0">
+              <a:schemeClr val="accent1"/>
+            </a:effectRef>
+            <a:fontRef idx="minor">
+              <a:schemeClr val="tx1"/>
+            </a:fontRef>
+          </p:style>
+        </p:cxnSp>
+        <p:grpSp>
+          <p:nvGrpSpPr>
+            <p:cNvPr id="33" name="组合 32">
+              <a:extLst>
+                <a:ext uri="{FF2B5EF4-FFF2-40B4-BE49-F238E27FC236}">
+                  <a16:creationId xmlns:a16="http://schemas.microsoft.com/office/drawing/2014/main" id="{C1E07399-5A3E-7B45-B4C0-23A209C0AF17}"/>
+                </a:ext>
+              </a:extLst>
+            </p:cNvPr>
+            <p:cNvGrpSpPr/>
+            <p:nvPr/>
+          </p:nvGrpSpPr>
+          <p:grpSpPr>
+            <a:xfrm>
+              <a:off x="1244136" y="3429000"/>
+              <a:ext cx="500137" cy="379719"/>
+              <a:chOff x="2511589" y="2504715"/>
+              <a:chExt cx="500137" cy="379719"/>
+            </a:xfrm>
+          </p:grpSpPr>
+          <p:sp>
+            <p:nvSpPr>
+              <p:cNvPr id="34" name="矩形 33">
+                <a:extLst>
+                  <a:ext uri="{FF2B5EF4-FFF2-40B4-BE49-F238E27FC236}">
+                    <a16:creationId xmlns:a16="http://schemas.microsoft.com/office/drawing/2014/main" id="{2D378800-542F-9047-8B25-CC00DAEED2DC}"/>
+                  </a:ext>
+                </a:extLst>
+              </p:cNvPr>
+              <p:cNvSpPr/>
+              <p:nvPr/>
+            </p:nvSpPr>
+            <p:spPr>
+              <a:xfrm>
+                <a:off x="2544556" y="2513930"/>
+                <a:ext cx="360117" cy="360117"/>
+              </a:xfrm>
+              <a:prstGeom prst="rect">
+                <a:avLst/>
+              </a:prstGeom>
+              <a:noFill/>
+              <a:ln w="38100">
+                <a:solidFill>
+                  <a:schemeClr val="tx1"/>
+                </a:solidFill>
+              </a:ln>
+            </p:spPr>
+            <p:style>
+              <a:lnRef idx="2">
+                <a:schemeClr val="accent1">
+                  <a:shade val="50000"/>
+                </a:schemeClr>
+              </a:lnRef>
+              <a:fillRef idx="1">
+                <a:schemeClr val="accent1"/>
+              </a:fillRef>
+              <a:effectRef idx="0">
+                <a:schemeClr val="accent1"/>
+              </a:effectRef>
+              <a:fontRef idx="minor">
+                <a:schemeClr val="lt1"/>
+              </a:fontRef>
+            </p:style>
+            <p:txBody>
+              <a:bodyPr rtlCol="0" anchor="ctr"/>
+              <a:lstStyle/>
+              <a:p>
+                <a:pPr algn="ctr"/>
+                <a:endParaRPr kumimoji="1" lang="zh-CN" altLang="en-US"/>
+              </a:p>
+            </p:txBody>
+          </p:sp>
+          <mc:AlternateContent xmlns:mc="http://schemas.openxmlformats.org/markup-compatibility/2006">
+            <mc:Choice xmlns:a14="http://schemas.microsoft.com/office/drawing/2010/main" Requires="a14">
+              <p:sp>
+                <p:nvSpPr>
+                  <p:cNvPr id="35" name="文本框 34">
+                    <a:extLst>
+                      <a:ext uri="{FF2B5EF4-FFF2-40B4-BE49-F238E27FC236}">
+                        <a16:creationId xmlns:a16="http://schemas.microsoft.com/office/drawing/2014/main" id="{866CBB3D-D0C9-5E4D-A8E5-A30EEC5EC32C}"/>
+                      </a:ext>
+                    </a:extLst>
+                  </p:cNvPr>
+                  <p:cNvSpPr txBox="1"/>
+                  <p:nvPr/>
+                </p:nvSpPr>
+                <p:spPr>
+                  <a:xfrm>
+                    <a:off x="2511589" y="2504715"/>
+                    <a:ext cx="500137" cy="379719"/>
+                  </a:xfrm>
+                  <a:prstGeom prst="rect">
+                    <a:avLst/>
+                  </a:prstGeom>
+                  <a:noFill/>
+                </p:spPr>
+                <p:txBody>
+                  <a:bodyPr wrap="none" rtlCol="0">
+                    <a:spAutoFit/>
+                  </a:bodyPr>
+                  <a:lstStyle/>
+                  <a:p>
+                    <a:pPr algn="l"/>
+                    <a14:m>
+                      <m:oMathPara xmlns:m="http://schemas.openxmlformats.org/officeDocument/2006/math">
+                        <m:oMathParaPr>
+                          <m:jc m:val="centerGroup"/>
+                        </m:oMathParaPr>
+                        <m:oMath xmlns:m="http://schemas.openxmlformats.org/officeDocument/2006/math">
+                          <m:sSubSup>
+                            <m:sSubSupPr>
+                              <m:ctrlPr>
+                                <a:rPr kumimoji="1" lang="en-US" altLang="zh-CN" b="0" i="1" smtClean="0">
+                                  <a:latin typeface="Cambria Math" panose="02040503050406030204" pitchFamily="18" charset="0"/>
+                                </a:rPr>
+                              </m:ctrlPr>
+                            </m:sSubSupPr>
+                            <m:e>
+                              <m:r>
+                                <a:rPr kumimoji="1" lang="en-US" altLang="zh-CN" b="0" i="1" smtClean="0">
+                                  <a:latin typeface="Cambria Math" panose="02040503050406030204" pitchFamily="18" charset="0"/>
+                                </a:rPr>
+                                <m:t>𝑓</m:t>
+                              </m:r>
+                            </m:e>
+                            <m:sub>
+                              <m:r>
+                                <a:rPr kumimoji="1" lang="en-US" altLang="zh-CN" b="0" i="1" smtClean="0">
+                                  <a:latin typeface="Cambria Math" panose="02040503050406030204" pitchFamily="18" charset="0"/>
+                                </a:rPr>
+                                <m:t>1</m:t>
+                              </m:r>
+                            </m:sub>
+                            <m:sup>
+                              <m:r>
+                                <a:rPr kumimoji="1" lang="en-US" altLang="zh-CN" b="0" i="1" smtClean="0">
+                                  <a:latin typeface="Cambria Math" panose="02040503050406030204" pitchFamily="18" charset="0"/>
+                                </a:rPr>
+                                <m:t>𝑘</m:t>
+                              </m:r>
+                            </m:sup>
+                          </m:sSubSup>
+                        </m:oMath>
+                      </m:oMathPara>
+                    </a14:m>
+                    <a:endParaRPr kumimoji="1" lang="zh-CN" altLang="en-US" dirty="0" err="1">
+                      <a:latin typeface="Times" pitchFamily="2" charset="0"/>
+                    </a:endParaRPr>
+                  </a:p>
+                </p:txBody>
+              </p:sp>
+            </mc:Choice>
+            <mc:Fallback>
+              <p:sp>
+                <p:nvSpPr>
+                  <p:cNvPr id="35" name="文本框 34">
+                    <a:extLst>
+                      <a:ext uri="{FF2B5EF4-FFF2-40B4-BE49-F238E27FC236}">
+                        <a16:creationId xmlns:a16="http://schemas.microsoft.com/office/drawing/2014/main" id="{866CBB3D-D0C9-5E4D-A8E5-A30EEC5EC32C}"/>
+                      </a:ext>
+                    </a:extLst>
+                  </p:cNvPr>
+                  <p:cNvSpPr txBox="1">
+                    <a:spLocks noRot="1" noChangeAspect="1" noMove="1" noResize="1" noEditPoints="1" noAdjustHandles="1" noChangeArrowheads="1" noChangeShapeType="1" noTextEdit="1"/>
+                  </p:cNvSpPr>
+                  <p:nvPr/>
+                </p:nvSpPr>
+                <p:spPr>
+                  <a:xfrm>
+                    <a:off x="2511589" y="2504715"/>
+                    <a:ext cx="500137" cy="379719"/>
+                  </a:xfrm>
+                  <a:prstGeom prst="rect">
+                    <a:avLst/>
+                  </a:prstGeom>
+                  <a:blipFill>
+                    <a:blip r:embed="rId7"/>
+                    <a:stretch>
+                      <a:fillRect b="-9375"/>
+                    </a:stretch>
+                  </a:blipFill>
+                </p:spPr>
+                <p:txBody>
+                  <a:bodyPr/>
+                  <a:lstStyle/>
+                  <a:p>
+                    <a:r>
+                      <a:rPr lang="zh-CN" altLang="en-US">
+                        <a:noFill/>
+                      </a:rPr>
+                      <a:t> </a:t>
+                    </a:r>
+                  </a:p>
+                </p:txBody>
+              </p:sp>
+            </mc:Fallback>
+          </mc:AlternateContent>
+        </p:grpSp>
+        <p:grpSp>
+          <p:nvGrpSpPr>
+            <p:cNvPr id="37" name="组合 36">
+              <a:extLst>
+                <a:ext uri="{FF2B5EF4-FFF2-40B4-BE49-F238E27FC236}">
+                  <a16:creationId xmlns:a16="http://schemas.microsoft.com/office/drawing/2014/main" id="{7ED0723A-D58E-FF49-86F9-9648E7A53EF7}"/>
+                </a:ext>
+              </a:extLst>
+            </p:cNvPr>
+            <p:cNvGrpSpPr/>
+            <p:nvPr/>
+          </p:nvGrpSpPr>
+          <p:grpSpPr>
+            <a:xfrm>
+              <a:off x="3743043" y="3429000"/>
+              <a:ext cx="393084" cy="397545"/>
+              <a:chOff x="2511589" y="2504715"/>
+              <a:chExt cx="393084" cy="397545"/>
+            </a:xfrm>
+          </p:grpSpPr>
+          <p:sp>
+            <p:nvSpPr>
+              <p:cNvPr id="38" name="矩形 37">
+                <a:extLst>
+                  <a:ext uri="{FF2B5EF4-FFF2-40B4-BE49-F238E27FC236}">
+                    <a16:creationId xmlns:a16="http://schemas.microsoft.com/office/drawing/2014/main" id="{EBA111FD-6134-7644-B350-9E575DACDBEB}"/>
+                  </a:ext>
+                </a:extLst>
+              </p:cNvPr>
+              <p:cNvSpPr/>
+              <p:nvPr/>
+            </p:nvSpPr>
+            <p:spPr>
+              <a:xfrm>
+                <a:off x="2544556" y="2513930"/>
+                <a:ext cx="360117" cy="360117"/>
+              </a:xfrm>
+              <a:prstGeom prst="rect">
+                <a:avLst/>
+              </a:prstGeom>
+              <a:noFill/>
+              <a:ln w="38100">
+                <a:solidFill>
+                  <a:schemeClr val="tx1"/>
+                </a:solidFill>
+              </a:ln>
+            </p:spPr>
+            <p:style>
+              <a:lnRef idx="2">
+                <a:schemeClr val="accent1">
+                  <a:shade val="50000"/>
+                </a:schemeClr>
+              </a:lnRef>
+              <a:fillRef idx="1">
+                <a:schemeClr val="accent1"/>
+              </a:fillRef>
+              <a:effectRef idx="0">
+                <a:schemeClr val="accent1"/>
+              </a:effectRef>
+              <a:fontRef idx="minor">
+                <a:schemeClr val="lt1"/>
+              </a:fontRef>
+            </p:style>
+            <p:txBody>
+              <a:bodyPr rtlCol="0" anchor="ctr"/>
+              <a:lstStyle/>
+              <a:p>
+                <a:pPr algn="ctr"/>
+                <a:endParaRPr kumimoji="1" lang="zh-CN" altLang="en-US"/>
+              </a:p>
+            </p:txBody>
+          </p:sp>
+          <mc:AlternateContent xmlns:mc="http://schemas.openxmlformats.org/markup-compatibility/2006">
+            <mc:Choice xmlns:a14="http://schemas.microsoft.com/office/drawing/2010/main" Requires="a14">
+              <p:sp>
+                <p:nvSpPr>
+                  <p:cNvPr id="39" name="文本框 38">
+                    <a:extLst>
+                      <a:ext uri="{FF2B5EF4-FFF2-40B4-BE49-F238E27FC236}">
+                        <a16:creationId xmlns:a16="http://schemas.microsoft.com/office/drawing/2014/main" id="{4BC86069-4F67-FF49-B9E5-EB9F0CC274AD}"/>
+                      </a:ext>
+                    </a:extLst>
+                  </p:cNvPr>
+                  <p:cNvSpPr txBox="1"/>
+                  <p:nvPr/>
+                </p:nvSpPr>
+                <p:spPr>
+                  <a:xfrm>
+                    <a:off x="2511589" y="2504715"/>
+                    <a:ext cx="360117" cy="397545"/>
+                  </a:xfrm>
+                  <a:prstGeom prst="rect">
+                    <a:avLst/>
+                  </a:prstGeom>
+                  <a:noFill/>
+                </p:spPr>
+                <p:txBody>
+                  <a:bodyPr wrap="square" rtlCol="0">
+                    <a:spAutoFit/>
+                  </a:bodyPr>
+                  <a:lstStyle/>
+                  <a:p>
+                    <a:pPr algn="l"/>
+                    <a14:m>
+                      <m:oMathPara xmlns:m="http://schemas.openxmlformats.org/officeDocument/2006/math">
+                        <m:oMathParaPr>
+                          <m:jc m:val="centerGroup"/>
+                        </m:oMathParaPr>
+                        <m:oMath xmlns:m="http://schemas.openxmlformats.org/officeDocument/2006/math">
+                          <m:sSubSup>
+                            <m:sSubSupPr>
+                              <m:ctrlPr>
+                                <a:rPr kumimoji="1" lang="en-US" altLang="zh-CN" b="0" i="1" smtClean="0">
+                                  <a:latin typeface="Cambria Math" panose="02040503050406030204" pitchFamily="18" charset="0"/>
+                                </a:rPr>
+                              </m:ctrlPr>
+                            </m:sSubSupPr>
+                            <m:e>
+                              <m:r>
+                                <a:rPr kumimoji="1" lang="en-US" altLang="zh-CN" b="0" i="1" smtClean="0">
+                                  <a:latin typeface="Cambria Math" panose="02040503050406030204" pitchFamily="18" charset="0"/>
+                                </a:rPr>
+                                <m:t>𝑓</m:t>
+                              </m:r>
+                            </m:e>
+                            <m:sub>
+                              <m:r>
+                                <a:rPr kumimoji="1" lang="en-US" altLang="zh-CN" b="0" i="1" smtClean="0">
+                                  <a:latin typeface="Cambria Math" panose="02040503050406030204" pitchFamily="18" charset="0"/>
+                                </a:rPr>
+                                <m:t>2</m:t>
+                              </m:r>
+                            </m:sub>
+                            <m:sup/>
+                          </m:sSubSup>
+                        </m:oMath>
+                      </m:oMathPara>
+                    </a14:m>
+                    <a:endParaRPr kumimoji="1" lang="zh-CN" altLang="en-US" dirty="0" err="1">
+                      <a:latin typeface="Times" pitchFamily="2" charset="0"/>
+                    </a:endParaRPr>
+                  </a:p>
+                </p:txBody>
+              </p:sp>
+            </mc:Choice>
+            <mc:Fallback>
+              <p:sp>
+                <p:nvSpPr>
+                  <p:cNvPr id="39" name="文本框 38">
+                    <a:extLst>
+                      <a:ext uri="{FF2B5EF4-FFF2-40B4-BE49-F238E27FC236}">
+                        <a16:creationId xmlns:a16="http://schemas.microsoft.com/office/drawing/2014/main" id="{4BC86069-4F67-FF49-B9E5-EB9F0CC274AD}"/>
+                      </a:ext>
+                    </a:extLst>
+                  </p:cNvPr>
+                  <p:cNvSpPr txBox="1">
+                    <a:spLocks noRot="1" noChangeAspect="1" noMove="1" noResize="1" noEditPoints="1" noAdjustHandles="1" noChangeArrowheads="1" noChangeShapeType="1" noTextEdit="1"/>
+                  </p:cNvSpPr>
+                  <p:nvPr/>
+                </p:nvSpPr>
+                <p:spPr>
+                  <a:xfrm>
+                    <a:off x="2511589" y="2504715"/>
+                    <a:ext cx="360117" cy="397545"/>
+                  </a:xfrm>
+                  <a:prstGeom prst="rect">
+                    <a:avLst/>
+                  </a:prstGeom>
+                  <a:blipFill>
+                    <a:blip r:embed="rId8"/>
+                    <a:stretch>
+                      <a:fillRect l="-6897" b="-12121"/>
+                    </a:stretch>
+                  </a:blipFill>
+                </p:spPr>
+                <p:txBody>
+                  <a:bodyPr/>
+                  <a:lstStyle/>
+                  <a:p>
+                    <a:r>
+                      <a:rPr lang="zh-CN" altLang="en-US">
+                        <a:noFill/>
+                      </a:rPr>
+                      <a:t> </a:t>
+                    </a:r>
+                  </a:p>
+                </p:txBody>
+              </p:sp>
+            </mc:Fallback>
+          </mc:AlternateContent>
+        </p:grpSp>
+        <p:cxnSp>
+          <p:nvCxnSpPr>
+            <p:cNvPr id="40" name="直线连接符 39">
+              <a:extLst>
+                <a:ext uri="{FF2B5EF4-FFF2-40B4-BE49-F238E27FC236}">
+                  <a16:creationId xmlns:a16="http://schemas.microsoft.com/office/drawing/2014/main" id="{699F1A91-BED8-534B-BC35-C270EF702D3B}"/>
+                </a:ext>
+              </a:extLst>
+            </p:cNvPr>
+            <p:cNvCxnSpPr>
+              <a:cxnSpLocks/>
+            </p:cNvCxnSpPr>
+            <p:nvPr/>
+          </p:nvCxnSpPr>
+          <p:spPr>
+            <a:xfrm>
+              <a:off x="3966117" y="2955074"/>
+              <a:ext cx="0" cy="473926"/>
+            </a:xfrm>
+            <a:prstGeom prst="line">
+              <a:avLst/>
+            </a:prstGeom>
+            <a:ln w="38100">
+              <a:solidFill>
+                <a:schemeClr val="tx1"/>
+              </a:solidFill>
+              <a:tailEnd type="none"/>
+            </a:ln>
+          </p:spPr>
+          <p:style>
+            <a:lnRef idx="1">
+              <a:schemeClr val="accent1"/>
+            </a:lnRef>
+            <a:fillRef idx="0">
+              <a:schemeClr val="accent1"/>
+            </a:fillRef>
+            <a:effectRef idx="0">
+              <a:schemeClr val="accent1"/>
+            </a:effectRef>
+            <a:fontRef idx="minor">
+              <a:schemeClr val="tx1"/>
+            </a:fontRef>
+          </p:style>
+        </p:cxnSp>
+      </p:grpSp>
+      <mc:AlternateContent xmlns:mc="http://schemas.openxmlformats.org/markup-compatibility/2006">
+        <mc:Choice xmlns:a14="http://schemas.microsoft.com/office/drawing/2010/main" Requires="a14">
+          <p:sp>
+            <p:nvSpPr>
+              <p:cNvPr id="41" name="文本框 40">
+                <a:extLst>
+                  <a:ext uri="{FF2B5EF4-FFF2-40B4-BE49-F238E27FC236}">
+                    <a16:creationId xmlns:a16="http://schemas.microsoft.com/office/drawing/2014/main" id="{C103803F-ADF8-524D-844F-91528A5B5437}"/>
+                  </a:ext>
+                </a:extLst>
+              </p:cNvPr>
+              <p:cNvSpPr txBox="1"/>
+              <p:nvPr/>
+            </p:nvSpPr>
+            <p:spPr>
+              <a:xfrm>
+                <a:off x="5648962" y="2491720"/>
+                <a:ext cx="415498" cy="369332"/>
+              </a:xfrm>
+              <a:prstGeom prst="rect">
+                <a:avLst/>
+              </a:prstGeom>
+              <a:noFill/>
+            </p:spPr>
+            <p:txBody>
+              <a:bodyPr wrap="none" rtlCol="0">
+                <a:spAutoFit/>
+              </a:bodyPr>
+              <a:lstStyle/>
+              <a:p>
+                <a:pPr algn="l"/>
+                <a14:m>
+                  <m:oMathPara xmlns:m="http://schemas.openxmlformats.org/officeDocument/2006/math">
+                    <m:oMathParaPr>
+                      <m:jc m:val="centerGroup"/>
+                    </m:oMathParaPr>
+                    <m:oMath xmlns:m="http://schemas.openxmlformats.org/officeDocument/2006/math">
+                      <m:r>
+                        <a:rPr kumimoji="1" lang="en-US" altLang="zh-CN" b="0" i="1" smtClean="0">
+                          <a:latin typeface="Cambria Math" panose="02040503050406030204" pitchFamily="18" charset="0"/>
+                        </a:rPr>
+                        <m:t>…</m:t>
+                      </m:r>
+                    </m:oMath>
+                  </m:oMathPara>
+                </a14:m>
+                <a:endParaRPr kumimoji="1" lang="zh-CN" altLang="en-US" dirty="0" err="1">
+                  <a:latin typeface="Times" pitchFamily="2" charset="0"/>
+                </a:endParaRPr>
+              </a:p>
+            </p:txBody>
+          </p:sp>
+        </mc:Choice>
+        <mc:Fallback>
+          <p:sp>
+            <p:nvSpPr>
+              <p:cNvPr id="41" name="文本框 40">
+                <a:extLst>
+                  <a:ext uri="{FF2B5EF4-FFF2-40B4-BE49-F238E27FC236}">
+                    <a16:creationId xmlns:a16="http://schemas.microsoft.com/office/drawing/2014/main" id="{C103803F-ADF8-524D-844F-91528A5B5437}"/>
+                  </a:ext>
+                </a:extLst>
+              </p:cNvPr>
+              <p:cNvSpPr txBox="1">
+                <a:spLocks noRot="1" noChangeAspect="1" noMove="1" noResize="1" noEditPoints="1" noAdjustHandles="1" noChangeArrowheads="1" noChangeShapeType="1" noTextEdit="1"/>
+              </p:cNvSpPr>
+              <p:nvPr/>
+            </p:nvSpPr>
+            <p:spPr>
+              <a:xfrm>
+                <a:off x="5648962" y="2491720"/>
+                <a:ext cx="415498" cy="369332"/>
+              </a:xfrm>
+              <a:prstGeom prst="rect">
+                <a:avLst/>
+              </a:prstGeom>
+              <a:blipFill>
+                <a:blip r:embed="rId9"/>
+                <a:stretch>
+                  <a:fillRect/>
+                </a:stretch>
+              </a:blipFill>
+            </p:spPr>
+            <p:txBody>
+              <a:bodyPr/>
+              <a:lstStyle/>
+              <a:p>
+                <a:r>
+                  <a:rPr lang="zh-CN" altLang="en-US">
+                    <a:noFill/>
+                  </a:rPr>
+                  <a:t> </a:t>
+                </a:r>
+              </a:p>
+            </p:txBody>
+          </p:sp>
+        </mc:Fallback>
+      </mc:AlternateContent>
+      <p:sp>
+        <p:nvSpPr>
+          <p:cNvPr id="45" name="矩形 44">
+            <a:extLst>
+              <a:ext uri="{FF2B5EF4-FFF2-40B4-BE49-F238E27FC236}">
+                <a16:creationId xmlns:a16="http://schemas.microsoft.com/office/drawing/2014/main" id="{CD91A695-B49A-824A-9733-80049CE6C02B}"/>
+              </a:ext>
+            </a:extLst>
+          </p:cNvPr>
+          <p:cNvSpPr/>
+          <p:nvPr/>
+        </p:nvSpPr>
+        <p:spPr>
+          <a:xfrm>
+            <a:off x="7002026" y="3420476"/>
+            <a:ext cx="360117" cy="360117"/>
+          </a:xfrm>
+          <a:prstGeom prst="rect">
+            <a:avLst/>
+          </a:prstGeom>
+          <a:noFill/>
+          <a:ln w="38100">
+            <a:solidFill>
+              <a:schemeClr val="tx1"/>
+            </a:solidFill>
+          </a:ln>
+        </p:spPr>
+        <p:style>
+          <a:lnRef idx="2">
+            <a:schemeClr val="accent1">
+              <a:shade val="50000"/>
+            </a:schemeClr>
+          </a:lnRef>
+          <a:fillRef idx="1">
+            <a:schemeClr val="accent1"/>
+          </a:fillRef>
+          <a:effectRef idx="0">
+            <a:schemeClr val="accent1"/>
+          </a:effectRef>
+          <a:fontRef idx="minor">
+            <a:schemeClr val="lt1"/>
+          </a:fontRef>
+        </p:style>
+        <p:txBody>
+          <a:bodyPr rtlCol="0" anchor="ctr"/>
+          <a:lstStyle/>
+          <a:p>
+            <a:pPr algn="ctr"/>
+            <a:endParaRPr kumimoji="1" lang="zh-CN" altLang="en-US"/>
+          </a:p>
+        </p:txBody>
+      </p:sp>
+      <mc:AlternateContent xmlns:mc="http://schemas.openxmlformats.org/markup-compatibility/2006">
+        <mc:Choice xmlns:a14="http://schemas.microsoft.com/office/drawing/2010/main" Requires="a14">
+          <p:sp>
+            <p:nvSpPr>
+              <p:cNvPr id="46" name="文本框 45">
+                <a:extLst>
+                  <a:ext uri="{FF2B5EF4-FFF2-40B4-BE49-F238E27FC236}">
+                    <a16:creationId xmlns:a16="http://schemas.microsoft.com/office/drawing/2014/main" id="{5B192968-9961-6F41-8F68-F54389DBE728}"/>
+                  </a:ext>
+                </a:extLst>
+              </p:cNvPr>
+              <p:cNvSpPr txBox="1"/>
+              <p:nvPr/>
+            </p:nvSpPr>
+            <p:spPr>
+              <a:xfrm>
+                <a:off x="6969059" y="3411261"/>
+                <a:ext cx="360117" cy="380425"/>
+              </a:xfrm>
+              <a:prstGeom prst="rect">
+                <a:avLst/>
+              </a:prstGeom>
+              <a:noFill/>
+            </p:spPr>
+            <p:txBody>
+              <a:bodyPr wrap="square" rtlCol="0">
+                <a:spAutoFit/>
+              </a:bodyPr>
+              <a:lstStyle/>
+              <a:p>
+                <a:pPr algn="l"/>
+                <a14:m>
+                  <m:oMathPara xmlns:m="http://schemas.openxmlformats.org/officeDocument/2006/math">
+                    <m:oMathParaPr>
+                      <m:jc m:val="centerGroup"/>
+                    </m:oMathParaPr>
+                    <m:oMath xmlns:m="http://schemas.openxmlformats.org/officeDocument/2006/math">
+                      <m:sSubSup>
+                        <m:sSubSupPr>
+                          <m:ctrlPr>
+                            <a:rPr kumimoji="1" lang="en-US" altLang="zh-CN" b="0" i="1" smtClean="0">
+                              <a:latin typeface="Cambria Math" panose="02040503050406030204" pitchFamily="18" charset="0"/>
+                            </a:rPr>
+                          </m:ctrlPr>
+                        </m:sSubSupPr>
+                        <m:e>
+                          <m:r>
+                            <a:rPr kumimoji="1" lang="en-US" altLang="zh-CN" b="0" i="1" smtClean="0">
+                              <a:latin typeface="Cambria Math" panose="02040503050406030204" pitchFamily="18" charset="0"/>
+                            </a:rPr>
+                            <m:t>𝑓</m:t>
+                          </m:r>
+                        </m:e>
+                        <m:sub>
+                          <m:r>
+                            <a:rPr kumimoji="1" lang="en-US" altLang="zh-CN" b="0" i="1" smtClean="0">
+                              <a:latin typeface="Cambria Math" panose="02040503050406030204" pitchFamily="18" charset="0"/>
+                            </a:rPr>
+                            <m:t>𝑀</m:t>
+                          </m:r>
+                        </m:sub>
+                        <m:sup>
+                          <m:r>
+                            <a:rPr kumimoji="1" lang="en-US" altLang="zh-CN" b="0" i="1" smtClean="0">
+                              <a:latin typeface="Cambria Math" panose="02040503050406030204" pitchFamily="18" charset="0"/>
+                            </a:rPr>
+                            <m:t>𝑘</m:t>
+                          </m:r>
+                        </m:sup>
+                      </m:sSubSup>
+                    </m:oMath>
+                  </m:oMathPara>
+                </a14:m>
+                <a:endParaRPr kumimoji="1" lang="zh-CN" altLang="en-US" dirty="0" err="1">
+                  <a:latin typeface="Times" pitchFamily="2" charset="0"/>
+                </a:endParaRPr>
+              </a:p>
+            </p:txBody>
+          </p:sp>
+        </mc:Choice>
+        <mc:Fallback>
+          <p:sp>
+            <p:nvSpPr>
+              <p:cNvPr id="46" name="文本框 45">
+                <a:extLst>
+                  <a:ext uri="{FF2B5EF4-FFF2-40B4-BE49-F238E27FC236}">
+                    <a16:creationId xmlns:a16="http://schemas.microsoft.com/office/drawing/2014/main" id="{5B192968-9961-6F41-8F68-F54389DBE728}"/>
+                  </a:ext>
+                </a:extLst>
+              </p:cNvPr>
+              <p:cNvSpPr txBox="1">
+                <a:spLocks noRot="1" noChangeAspect="1" noMove="1" noResize="1" noEditPoints="1" noAdjustHandles="1" noChangeArrowheads="1" noChangeShapeType="1" noTextEdit="1"/>
+              </p:cNvSpPr>
+              <p:nvPr/>
+            </p:nvSpPr>
+            <p:spPr>
+              <a:xfrm>
+                <a:off x="6969059" y="3411261"/>
+                <a:ext cx="360117" cy="380425"/>
+              </a:xfrm>
+              <a:prstGeom prst="rect">
+                <a:avLst/>
+              </a:prstGeom>
+              <a:blipFill>
+                <a:blip r:embed="rId10"/>
+                <a:stretch>
+                  <a:fillRect l="-3448" r="-10345" b="-9677"/>
+                </a:stretch>
+              </a:blipFill>
+            </p:spPr>
+            <p:txBody>
+              <a:bodyPr/>
+              <a:lstStyle/>
+              <a:p>
+                <a:r>
+                  <a:rPr lang="zh-CN" altLang="en-US">
+                    <a:noFill/>
+                  </a:rPr>
+                  <a:t> </a:t>
+                </a:r>
+              </a:p>
+            </p:txBody>
+          </p:sp>
+        </mc:Fallback>
+      </mc:AlternateContent>
+      <p:cxnSp>
+        <p:nvCxnSpPr>
+          <p:cNvPr id="47" name="直线连接符 46">
+            <a:extLst>
+              <a:ext uri="{FF2B5EF4-FFF2-40B4-BE49-F238E27FC236}">
+                <a16:creationId xmlns:a16="http://schemas.microsoft.com/office/drawing/2014/main" id="{EBC1F3E7-7BC0-F449-BEF8-CC477D78546C}"/>
+              </a:ext>
+            </a:extLst>
+          </p:cNvPr>
+          <p:cNvCxnSpPr>
+            <a:cxnSpLocks/>
+          </p:cNvCxnSpPr>
+          <p:nvPr/>
+        </p:nvCxnSpPr>
+        <p:spPr>
+          <a:xfrm>
+            <a:off x="7147963" y="2937335"/>
+            <a:ext cx="0" cy="473926"/>
+          </a:xfrm>
+          <a:prstGeom prst="line">
+            <a:avLst/>
+          </a:prstGeom>
+          <a:ln w="38100">
+            <a:solidFill>
+              <a:schemeClr val="tx1"/>
+            </a:solidFill>
+            <a:tailEnd type="none"/>
+          </a:ln>
+        </p:spPr>
+        <p:style>
+          <a:lnRef idx="1">
+            <a:schemeClr val="accent1"/>
+          </a:lnRef>
+          <a:fillRef idx="0">
+            <a:schemeClr val="accent1"/>
+          </a:fillRef>
+          <a:effectRef idx="0">
+            <a:schemeClr val="accent1"/>
+          </a:effectRef>
+          <a:fontRef idx="minor">
+            <a:schemeClr val="tx1"/>
+          </a:fontRef>
+        </p:style>
+      </p:cxnSp>
+      <p:grpSp>
+        <p:nvGrpSpPr>
+          <p:cNvPr id="50" name="组合 49">
+            <a:extLst>
+              <a:ext uri="{FF2B5EF4-FFF2-40B4-BE49-F238E27FC236}">
+                <a16:creationId xmlns:a16="http://schemas.microsoft.com/office/drawing/2014/main" id="{B813B039-08F9-BE49-9335-57788EEE8759}"/>
+              </a:ext>
+            </a:extLst>
+          </p:cNvPr>
+          <p:cNvGrpSpPr/>
+          <p:nvPr/>
+        </p:nvGrpSpPr>
+        <p:grpSpPr>
+          <a:xfrm>
+            <a:off x="1843696" y="4280037"/>
+            <a:ext cx="515040" cy="512956"/>
+            <a:chOff x="2021005" y="2581523"/>
+            <a:chExt cx="515040" cy="512956"/>
+          </a:xfrm>
+        </p:grpSpPr>
+        <p:sp>
+          <p:nvSpPr>
+            <p:cNvPr id="48" name="椭圆 47">
+              <a:extLst>
+                <a:ext uri="{FF2B5EF4-FFF2-40B4-BE49-F238E27FC236}">
+                  <a16:creationId xmlns:a16="http://schemas.microsoft.com/office/drawing/2014/main" id="{B7F24821-F5BF-CB48-BBBC-E4FAE2DF5D38}"/>
+                </a:ext>
+              </a:extLst>
+            </p:cNvPr>
+            <p:cNvSpPr/>
+            <p:nvPr/>
+          </p:nvSpPr>
+          <p:spPr>
+            <a:xfrm>
+              <a:off x="2023089" y="2581523"/>
+              <a:ext cx="512956" cy="512956"/>
+            </a:xfrm>
+            <a:prstGeom prst="ellipse">
+              <a:avLst/>
+            </a:prstGeom>
+            <a:noFill/>
+            <a:ln w="38100">
+              <a:solidFill>
+                <a:schemeClr val="tx1"/>
+              </a:solidFill>
+            </a:ln>
+          </p:spPr>
+          <p:style>
+            <a:lnRef idx="2">
+              <a:schemeClr val="accent1">
+                <a:shade val="50000"/>
+              </a:schemeClr>
+            </a:lnRef>
+            <a:fillRef idx="1">
+              <a:schemeClr val="accent1"/>
+            </a:fillRef>
+            <a:effectRef idx="0">
+              <a:schemeClr val="accent1"/>
+            </a:effectRef>
+            <a:fontRef idx="minor">
+              <a:schemeClr val="lt1"/>
+            </a:fontRef>
+          </p:style>
+          <p:txBody>
+            <a:bodyPr rtlCol="0" anchor="ctr"/>
+            <a:lstStyle/>
+            <a:p>
+              <a:pPr algn="ctr"/>
+              <a:endParaRPr kumimoji="1" lang="zh-CN" altLang="en-US"/>
+            </a:p>
+          </p:txBody>
+        </p:sp>
+        <mc:AlternateContent xmlns:mc="http://schemas.openxmlformats.org/markup-compatibility/2006">
+          <mc:Choice xmlns:a14="http://schemas.microsoft.com/office/drawing/2010/main" Requires="a14">
+            <p:sp>
+              <p:nvSpPr>
+                <p:cNvPr id="49" name="文本框 48">
+                  <a:extLst>
+                    <a:ext uri="{FF2B5EF4-FFF2-40B4-BE49-F238E27FC236}">
+                      <a16:creationId xmlns:a16="http://schemas.microsoft.com/office/drawing/2014/main" id="{1659A0A9-949E-3C46-9A28-DCE88DFC77F8}"/>
+                    </a:ext>
+                  </a:extLst>
+                </p:cNvPr>
+                <p:cNvSpPr txBox="1"/>
+                <p:nvPr/>
+              </p:nvSpPr>
+              <p:spPr>
+                <a:xfrm>
+                  <a:off x="2021005" y="2609845"/>
+                  <a:ext cx="412190" cy="381515"/>
+                </a:xfrm>
+                <a:prstGeom prst="rect">
+                  <a:avLst/>
+                </a:prstGeom>
+                <a:noFill/>
+              </p:spPr>
+              <p:txBody>
+                <a:bodyPr wrap="square" rtlCol="0">
+                  <a:spAutoFit/>
+                </a:bodyPr>
+                <a:lstStyle/>
+                <a:p>
+                  <a:pPr algn="l"/>
+                  <a14:m>
+                    <m:oMathPara xmlns:m="http://schemas.openxmlformats.org/officeDocument/2006/math">
+                      <m:oMathParaPr>
+                        <m:jc m:val="centerGroup"/>
+                      </m:oMathParaPr>
+                      <m:oMath xmlns:m="http://schemas.openxmlformats.org/officeDocument/2006/math">
+                        <m:sSub>
+                          <m:sSubPr>
+                            <m:ctrlPr>
+                              <a:rPr kumimoji="1" lang="en-US" altLang="zh-CN" b="0" i="1" smtClean="0">
+                                <a:latin typeface="Cambria Math" panose="02040503050406030204" pitchFamily="18" charset="0"/>
+                              </a:rPr>
+                            </m:ctrlPr>
+                          </m:sSubPr>
+                          <m:e>
+                            <m:r>
+                              <a:rPr kumimoji="1" lang="en-US" altLang="zh-CN" b="0" i="1" smtClean="0">
+                                <a:latin typeface="Cambria Math" panose="02040503050406030204" pitchFamily="18" charset="0"/>
+                              </a:rPr>
+                              <m:t>𝑠</m:t>
+                            </m:r>
+                          </m:e>
+                          <m:sub>
+                            <m:r>
+                              <a:rPr kumimoji="1" lang="en-US" altLang="zh-CN" b="0" i="1" smtClean="0">
+                                <a:latin typeface="Cambria Math" panose="02040503050406030204" pitchFamily="18" charset="0"/>
+                              </a:rPr>
+                              <m:t>𝑘</m:t>
+                            </m:r>
+                            <m:r>
+                              <a:rPr kumimoji="1" lang="en-US" altLang="zh-CN" b="0" i="1" smtClean="0">
+                                <a:latin typeface="Cambria Math" panose="02040503050406030204" pitchFamily="18" charset="0"/>
+                              </a:rPr>
+                              <m:t>,1</m:t>
+                            </m:r>
+                          </m:sub>
+                        </m:sSub>
+                      </m:oMath>
+                    </m:oMathPara>
+                  </a14:m>
+                  <a:endParaRPr kumimoji="1" lang="zh-CN" altLang="en-US" dirty="0" err="1">
+                    <a:latin typeface="Times" pitchFamily="2" charset="0"/>
+                  </a:endParaRPr>
+                </a:p>
+              </p:txBody>
+            </p:sp>
+          </mc:Choice>
+          <mc:Fallback>
+            <p:sp>
+              <p:nvSpPr>
+                <p:cNvPr id="49" name="文本框 48">
+                  <a:extLst>
+                    <a:ext uri="{FF2B5EF4-FFF2-40B4-BE49-F238E27FC236}">
+                      <a16:creationId xmlns:a16="http://schemas.microsoft.com/office/drawing/2014/main" id="{1659A0A9-949E-3C46-9A28-DCE88DFC77F8}"/>
+                    </a:ext>
+                  </a:extLst>
+                </p:cNvPr>
+                <p:cNvSpPr txBox="1">
+                  <a:spLocks noRot="1" noChangeAspect="1" noMove="1" noResize="1" noEditPoints="1" noAdjustHandles="1" noChangeArrowheads="1" noChangeShapeType="1" noTextEdit="1"/>
+                </p:cNvSpPr>
+                <p:nvPr/>
+              </p:nvSpPr>
+              <p:spPr>
+                <a:xfrm>
+                  <a:off x="2021005" y="2609845"/>
+                  <a:ext cx="412190" cy="381515"/>
+                </a:xfrm>
+                <a:prstGeom prst="rect">
+                  <a:avLst/>
+                </a:prstGeom>
+                <a:blipFill>
+                  <a:blip r:embed="rId11"/>
+                  <a:stretch>
+                    <a:fillRect r="-17647"/>
+                  </a:stretch>
+                </a:blipFill>
+              </p:spPr>
+              <p:txBody>
+                <a:bodyPr/>
+                <a:lstStyle/>
+                <a:p>
+                  <a:r>
+                    <a:rPr lang="zh-CN" altLang="en-US">
+                      <a:noFill/>
+                    </a:rPr>
+                    <a:t> </a:t>
+                  </a:r>
+                </a:p>
+              </p:txBody>
+            </p:sp>
+          </mc:Fallback>
+        </mc:AlternateContent>
+      </p:grpSp>
+      <p:cxnSp>
+        <p:nvCxnSpPr>
+          <p:cNvPr id="51" name="直线连接符 50">
+            <a:extLst>
+              <a:ext uri="{FF2B5EF4-FFF2-40B4-BE49-F238E27FC236}">
+                <a16:creationId xmlns:a16="http://schemas.microsoft.com/office/drawing/2014/main" id="{F3C7A21E-7B67-CB49-A57A-C456897312F6}"/>
+              </a:ext>
+            </a:extLst>
+          </p:cNvPr>
+          <p:cNvCxnSpPr>
+            <a:cxnSpLocks/>
+          </p:cNvCxnSpPr>
+          <p:nvPr/>
+        </p:nvCxnSpPr>
+        <p:spPr>
+          <a:xfrm>
+            <a:off x="2109352" y="3795724"/>
+            <a:ext cx="0" cy="473926"/>
+          </a:xfrm>
+          <a:prstGeom prst="line">
+            <a:avLst/>
+          </a:prstGeom>
+          <a:ln w="38100">
+            <a:solidFill>
+              <a:schemeClr val="tx1"/>
+            </a:solidFill>
+            <a:tailEnd type="none"/>
+          </a:ln>
+        </p:spPr>
+        <p:style>
+          <a:lnRef idx="1">
+            <a:schemeClr val="accent1"/>
+          </a:lnRef>
+          <a:fillRef idx="0">
+            <a:schemeClr val="accent1"/>
+          </a:fillRef>
+          <a:effectRef idx="0">
+            <a:schemeClr val="accent1"/>
+          </a:effectRef>
+          <a:fontRef idx="minor">
+            <a:schemeClr val="tx1"/>
+          </a:fontRef>
+        </p:style>
+      </p:cxnSp>
+      <p:grpSp>
+        <p:nvGrpSpPr>
+          <p:cNvPr id="52" name="组合 51">
+            <a:extLst>
+              <a:ext uri="{FF2B5EF4-FFF2-40B4-BE49-F238E27FC236}">
+                <a16:creationId xmlns:a16="http://schemas.microsoft.com/office/drawing/2014/main" id="{C9741A62-427D-3749-B613-6FEC275CB582}"/>
+              </a:ext>
+            </a:extLst>
+          </p:cNvPr>
+          <p:cNvGrpSpPr/>
+          <p:nvPr/>
+        </p:nvGrpSpPr>
+        <p:grpSpPr>
+          <a:xfrm>
+            <a:off x="4351610" y="4268478"/>
+            <a:ext cx="515040" cy="512956"/>
+            <a:chOff x="2021005" y="2581523"/>
+            <a:chExt cx="515040" cy="512956"/>
+          </a:xfrm>
+        </p:grpSpPr>
+        <p:sp>
+          <p:nvSpPr>
+            <p:cNvPr id="53" name="椭圆 52">
+              <a:extLst>
+                <a:ext uri="{FF2B5EF4-FFF2-40B4-BE49-F238E27FC236}">
+                  <a16:creationId xmlns:a16="http://schemas.microsoft.com/office/drawing/2014/main" id="{0C8458F6-0BAA-4748-AEB9-F59F3417ADCD}"/>
+                </a:ext>
+              </a:extLst>
+            </p:cNvPr>
+            <p:cNvSpPr/>
+            <p:nvPr/>
+          </p:nvSpPr>
+          <p:spPr>
+            <a:xfrm>
+              <a:off x="2023089" y="2581523"/>
+              <a:ext cx="512956" cy="512956"/>
+            </a:xfrm>
+            <a:prstGeom prst="ellipse">
+              <a:avLst/>
+            </a:prstGeom>
+            <a:noFill/>
+            <a:ln w="38100">
+              <a:solidFill>
+                <a:schemeClr val="tx1"/>
+              </a:solidFill>
+            </a:ln>
+          </p:spPr>
+          <p:style>
+            <a:lnRef idx="2">
+              <a:schemeClr val="accent1">
+                <a:shade val="50000"/>
+              </a:schemeClr>
+            </a:lnRef>
+            <a:fillRef idx="1">
+              <a:schemeClr val="accent1"/>
+            </a:fillRef>
+            <a:effectRef idx="0">
+              <a:schemeClr val="accent1"/>
+            </a:effectRef>
+            <a:fontRef idx="minor">
+              <a:schemeClr val="lt1"/>
+            </a:fontRef>
+          </p:style>
+          <p:txBody>
+            <a:bodyPr rtlCol="0" anchor="ctr"/>
+            <a:lstStyle/>
+            <a:p>
+              <a:pPr algn="ctr"/>
+              <a:endParaRPr kumimoji="1" lang="zh-CN" altLang="en-US"/>
+            </a:p>
+          </p:txBody>
+        </p:sp>
+        <mc:AlternateContent xmlns:mc="http://schemas.openxmlformats.org/markup-compatibility/2006">
+          <mc:Choice xmlns:a14="http://schemas.microsoft.com/office/drawing/2010/main" Requires="a14">
+            <p:sp>
+              <p:nvSpPr>
+                <p:cNvPr id="54" name="文本框 53">
+                  <a:extLst>
+                    <a:ext uri="{FF2B5EF4-FFF2-40B4-BE49-F238E27FC236}">
+                      <a16:creationId xmlns:a16="http://schemas.microsoft.com/office/drawing/2014/main" id="{FD69DE27-FD4D-3B4F-A687-3F1256C17029}"/>
+                    </a:ext>
+                  </a:extLst>
+                </p:cNvPr>
+                <p:cNvSpPr txBox="1"/>
+                <p:nvPr/>
+              </p:nvSpPr>
+              <p:spPr>
+                <a:xfrm>
+                  <a:off x="2021005" y="2609845"/>
+                  <a:ext cx="412190" cy="381515"/>
+                </a:xfrm>
+                <a:prstGeom prst="rect">
+                  <a:avLst/>
+                </a:prstGeom>
+                <a:noFill/>
+              </p:spPr>
+              <p:txBody>
+                <a:bodyPr wrap="square" rtlCol="0">
+                  <a:spAutoFit/>
+                </a:bodyPr>
+                <a:lstStyle/>
+                <a:p>
+                  <a:pPr algn="l"/>
+                  <a14:m>
+                    <m:oMathPara xmlns:m="http://schemas.openxmlformats.org/officeDocument/2006/math">
+                      <m:oMathParaPr>
+                        <m:jc m:val="centerGroup"/>
+                      </m:oMathParaPr>
+                      <m:oMath xmlns:m="http://schemas.openxmlformats.org/officeDocument/2006/math">
+                        <m:sSub>
+                          <m:sSubPr>
+                            <m:ctrlPr>
+                              <a:rPr kumimoji="1" lang="en-US" altLang="zh-CN" b="0" i="1" smtClean="0">
+                                <a:latin typeface="Cambria Math" panose="02040503050406030204" pitchFamily="18" charset="0"/>
+                              </a:rPr>
+                            </m:ctrlPr>
+                          </m:sSubPr>
+                          <m:e>
+                            <m:r>
+                              <a:rPr kumimoji="1" lang="en-US" altLang="zh-CN" b="0" i="1" smtClean="0">
+                                <a:latin typeface="Cambria Math" panose="02040503050406030204" pitchFamily="18" charset="0"/>
+                              </a:rPr>
+                              <m:t>𝑠</m:t>
+                            </m:r>
+                          </m:e>
+                          <m:sub>
+                            <m:r>
+                              <a:rPr kumimoji="1" lang="en-US" altLang="zh-CN" b="0" i="1" smtClean="0">
+                                <a:latin typeface="Cambria Math" panose="02040503050406030204" pitchFamily="18" charset="0"/>
+                              </a:rPr>
+                              <m:t>𝑘</m:t>
+                            </m:r>
+                            <m:r>
+                              <a:rPr kumimoji="1" lang="en-US" altLang="zh-CN" b="0" i="1" smtClean="0">
+                                <a:latin typeface="Cambria Math" panose="02040503050406030204" pitchFamily="18" charset="0"/>
+                              </a:rPr>
+                              <m:t>,2</m:t>
+                            </m:r>
+                          </m:sub>
+                        </m:sSub>
+                      </m:oMath>
+                    </m:oMathPara>
+                  </a14:m>
+                  <a:endParaRPr kumimoji="1" lang="zh-CN" altLang="en-US" dirty="0" err="1">
+                    <a:latin typeface="Times" pitchFamily="2" charset="0"/>
+                  </a:endParaRPr>
+                </a:p>
+              </p:txBody>
+            </p:sp>
+          </mc:Choice>
+          <mc:Fallback>
+            <p:sp>
+              <p:nvSpPr>
+                <p:cNvPr id="54" name="文本框 53">
+                  <a:extLst>
+                    <a:ext uri="{FF2B5EF4-FFF2-40B4-BE49-F238E27FC236}">
+                      <a16:creationId xmlns:a16="http://schemas.microsoft.com/office/drawing/2014/main" id="{FD69DE27-FD4D-3B4F-A687-3F1256C17029}"/>
+                    </a:ext>
+                  </a:extLst>
+                </p:cNvPr>
+                <p:cNvSpPr txBox="1">
+                  <a:spLocks noRot="1" noChangeAspect="1" noMove="1" noResize="1" noEditPoints="1" noAdjustHandles="1" noChangeArrowheads="1" noChangeShapeType="1" noTextEdit="1"/>
+                </p:cNvSpPr>
+                <p:nvPr/>
+              </p:nvSpPr>
+              <p:spPr>
+                <a:xfrm>
+                  <a:off x="2021005" y="2609845"/>
+                  <a:ext cx="412190" cy="381515"/>
+                </a:xfrm>
+                <a:prstGeom prst="rect">
+                  <a:avLst/>
+                </a:prstGeom>
+                <a:blipFill>
+                  <a:blip r:embed="rId12"/>
+                  <a:stretch>
+                    <a:fillRect r="-18182"/>
+                  </a:stretch>
+                </a:blipFill>
+              </p:spPr>
+              <p:txBody>
+                <a:bodyPr/>
+                <a:lstStyle/>
+                <a:p>
+                  <a:r>
+                    <a:rPr lang="zh-CN" altLang="en-US">
+                      <a:noFill/>
+                    </a:rPr>
+                    <a:t> </a:t>
+                  </a:r>
+                </a:p>
+              </p:txBody>
+            </p:sp>
+          </mc:Fallback>
+        </mc:AlternateContent>
+      </p:grpSp>
+      <p:cxnSp>
+        <p:nvCxnSpPr>
+          <p:cNvPr id="55" name="直线连接符 54">
+            <a:extLst>
+              <a:ext uri="{FF2B5EF4-FFF2-40B4-BE49-F238E27FC236}">
+                <a16:creationId xmlns:a16="http://schemas.microsoft.com/office/drawing/2014/main" id="{CD2530B4-C309-564B-B03B-060A8238D60E}"/>
+              </a:ext>
+            </a:extLst>
+          </p:cNvPr>
+          <p:cNvCxnSpPr>
+            <a:cxnSpLocks/>
+          </p:cNvCxnSpPr>
+          <p:nvPr/>
+        </p:nvCxnSpPr>
+        <p:spPr>
+          <a:xfrm>
+            <a:off x="4610172" y="3780593"/>
+            <a:ext cx="0" cy="473926"/>
+          </a:xfrm>
+          <a:prstGeom prst="line">
+            <a:avLst/>
+          </a:prstGeom>
+          <a:ln w="38100">
+            <a:solidFill>
+              <a:schemeClr val="tx1"/>
+            </a:solidFill>
+            <a:tailEnd type="none"/>
+          </a:ln>
+        </p:spPr>
+        <p:style>
+          <a:lnRef idx="1">
+            <a:schemeClr val="accent1"/>
+          </a:lnRef>
+          <a:fillRef idx="0">
+            <a:schemeClr val="accent1"/>
+          </a:fillRef>
+          <a:effectRef idx="0">
+            <a:schemeClr val="accent1"/>
+          </a:effectRef>
+          <a:fontRef idx="minor">
+            <a:schemeClr val="tx1"/>
+          </a:fontRef>
+        </p:style>
+      </p:cxnSp>
+    </p:spTree>
+    <p:extLst>
+      <p:ext uri="{BB962C8B-B14F-4D97-AF65-F5344CB8AC3E}">
+        <p14:creationId xmlns:p14="http://schemas.microsoft.com/office/powerpoint/2010/main" val="1485062376"/>
+      </p:ext>
+    </p:extLst>
+  </p:cSld>
+  <p:clrMapOvr>
+    <a:masterClrMapping/>
+  </p:clrMapOvr>
+</p:sld>
+</file>
+
+<file path=ppt/slides/slide18.xml><?xml version="1.0" encoding="utf-8"?>
 <p:sld xmlns:a="http://schemas.openxmlformats.org/drawingml/2006/main" xmlns:r="http://schemas.openxmlformats.org/officeDocument/2006/relationships" xmlns:p="http://schemas.openxmlformats.org/presentationml/2006/main">
   <p:cSld>
     <p:spTree>
@@ -25532,7 +28227,7 @@
 </p:sld>
 </file>
 
-<file path=ppt/slides/slide18.xml><?xml version="1.0" encoding="utf-8"?>
+<file path=ppt/slides/slide19.xml><?xml version="1.0" encoding="utf-8"?>
 <p:sld xmlns:a="http://schemas.openxmlformats.org/drawingml/2006/main" xmlns:r="http://schemas.openxmlformats.org/officeDocument/2006/relationships" xmlns:p="http://schemas.openxmlformats.org/presentationml/2006/main">
   <p:cSld>
     <p:spTree>
@@ -26013,90 +28708,6 @@
 </p:sld>
 </file>
 
-<file path=ppt/slides/slide19.xml><?xml version="1.0" encoding="utf-8"?>
-<p:sld xmlns:a="http://schemas.openxmlformats.org/drawingml/2006/main" xmlns:r="http://schemas.openxmlformats.org/officeDocument/2006/relationships" xmlns:p="http://schemas.openxmlformats.org/presentationml/2006/main">
-  <p:cSld>
-    <p:spTree>
-      <p:nvGrpSpPr>
-        <p:cNvPr id="1" name=""/>
-        <p:cNvGrpSpPr/>
-        <p:nvPr/>
-      </p:nvGrpSpPr>
-      <p:grpSpPr>
-        <a:xfrm>
-          <a:off x="0" y="0"/>
-          <a:ext cx="0" cy="0"/>
-          <a:chOff x="0" y="0"/>
-          <a:chExt cx="0" cy="0"/>
-        </a:xfrm>
-      </p:grpSpPr>
-      <p:sp>
-        <p:nvSpPr>
-          <p:cNvPr id="2" name="标题 1">
-            <a:extLst>
-              <a:ext uri="{FF2B5EF4-FFF2-40B4-BE49-F238E27FC236}">
-                <a16:creationId xmlns:a16="http://schemas.microsoft.com/office/drawing/2014/main" id="{17A646E0-4B78-BE4B-97C9-4D552876F760}"/>
-              </a:ext>
-            </a:extLst>
-          </p:cNvPr>
-          <p:cNvSpPr>
-            <a:spLocks noGrp="1"/>
-          </p:cNvSpPr>
-          <p:nvPr>
-            <p:ph type="title"/>
-          </p:nvPr>
-        </p:nvSpPr>
-        <p:spPr/>
-        <p:txBody>
-          <a:bodyPr/>
-          <a:lstStyle/>
-          <a:p>
-            <a:r>
-              <a:rPr kumimoji="1" lang="en-US" altLang="zh-CN" dirty="0"/>
-              <a:t>Lemma 3/Appendix C</a:t>
-            </a:r>
-            <a:endParaRPr kumimoji="1" lang="zh-CN" altLang="en-US" dirty="0"/>
-          </a:p>
-        </p:txBody>
-      </p:sp>
-      <p:sp>
-        <p:nvSpPr>
-          <p:cNvPr id="3" name="内容占位符 2">
-            <a:extLst>
-              <a:ext uri="{FF2B5EF4-FFF2-40B4-BE49-F238E27FC236}">
-                <a16:creationId xmlns:a16="http://schemas.microsoft.com/office/drawing/2014/main" id="{1FFF97BC-08DB-B84E-8425-9D39AC0EF65C}"/>
-              </a:ext>
-            </a:extLst>
-          </p:cNvPr>
-          <p:cNvSpPr>
-            <a:spLocks noGrp="1"/>
-          </p:cNvSpPr>
-          <p:nvPr>
-            <p:ph idx="1"/>
-          </p:nvPr>
-        </p:nvSpPr>
-        <p:spPr/>
-        <p:txBody>
-          <a:bodyPr/>
-          <a:lstStyle/>
-          <a:p>
-            <a:endParaRPr kumimoji="1" lang="zh-CN" altLang="en-US" dirty="0"/>
-          </a:p>
-        </p:txBody>
-      </p:sp>
-    </p:spTree>
-    <p:extLst>
-      <p:ext uri="{BB962C8B-B14F-4D97-AF65-F5344CB8AC3E}">
-        <p14:creationId xmlns:p14="http://schemas.microsoft.com/office/powerpoint/2010/main" val="2952872914"/>
-      </p:ext>
-    </p:extLst>
-  </p:cSld>
-  <p:clrMapOvr>
-    <a:masterClrMapping/>
-  </p:clrMapOvr>
-</p:sld>
-</file>
-
 <file path=ppt/slides/slide2.xml><?xml version="1.0" encoding="utf-8"?>
 <p:sld xmlns:a="http://schemas.openxmlformats.org/drawingml/2006/main" xmlns:r="http://schemas.openxmlformats.org/officeDocument/2006/relationships" xmlns:p="http://schemas.openxmlformats.org/presentationml/2006/main">
   <p:cSld>
@@ -26457,6 +29068,90 @@
 </file>
 
 <file path=ppt/slides/slide20.xml><?xml version="1.0" encoding="utf-8"?>
+<p:sld xmlns:a="http://schemas.openxmlformats.org/drawingml/2006/main" xmlns:r="http://schemas.openxmlformats.org/officeDocument/2006/relationships" xmlns:p="http://schemas.openxmlformats.org/presentationml/2006/main">
+  <p:cSld>
+    <p:spTree>
+      <p:nvGrpSpPr>
+        <p:cNvPr id="1" name=""/>
+        <p:cNvGrpSpPr/>
+        <p:nvPr/>
+      </p:nvGrpSpPr>
+      <p:grpSpPr>
+        <a:xfrm>
+          <a:off x="0" y="0"/>
+          <a:ext cx="0" cy="0"/>
+          <a:chOff x="0" y="0"/>
+          <a:chExt cx="0" cy="0"/>
+        </a:xfrm>
+      </p:grpSpPr>
+      <p:sp>
+        <p:nvSpPr>
+          <p:cNvPr id="2" name="标题 1">
+            <a:extLst>
+              <a:ext uri="{FF2B5EF4-FFF2-40B4-BE49-F238E27FC236}">
+                <a16:creationId xmlns:a16="http://schemas.microsoft.com/office/drawing/2014/main" id="{17A646E0-4B78-BE4B-97C9-4D552876F760}"/>
+              </a:ext>
+            </a:extLst>
+          </p:cNvPr>
+          <p:cNvSpPr>
+            <a:spLocks noGrp="1"/>
+          </p:cNvSpPr>
+          <p:nvPr>
+            <p:ph type="title"/>
+          </p:nvPr>
+        </p:nvSpPr>
+        <p:spPr/>
+        <p:txBody>
+          <a:bodyPr/>
+          <a:lstStyle/>
+          <a:p>
+            <a:r>
+              <a:rPr kumimoji="1" lang="en-US" altLang="zh-CN" dirty="0"/>
+              <a:t>Lemma 3/Appendix C</a:t>
+            </a:r>
+            <a:endParaRPr kumimoji="1" lang="zh-CN" altLang="en-US" dirty="0"/>
+          </a:p>
+        </p:txBody>
+      </p:sp>
+      <p:sp>
+        <p:nvSpPr>
+          <p:cNvPr id="3" name="内容占位符 2">
+            <a:extLst>
+              <a:ext uri="{FF2B5EF4-FFF2-40B4-BE49-F238E27FC236}">
+                <a16:creationId xmlns:a16="http://schemas.microsoft.com/office/drawing/2014/main" id="{1FFF97BC-08DB-B84E-8425-9D39AC0EF65C}"/>
+              </a:ext>
+            </a:extLst>
+          </p:cNvPr>
+          <p:cNvSpPr>
+            <a:spLocks noGrp="1"/>
+          </p:cNvSpPr>
+          <p:nvPr>
+            <p:ph idx="1"/>
+          </p:nvPr>
+        </p:nvSpPr>
+        <p:spPr/>
+        <p:txBody>
+          <a:bodyPr/>
+          <a:lstStyle/>
+          <a:p>
+            <a:endParaRPr kumimoji="1" lang="zh-CN" altLang="en-US" dirty="0"/>
+          </a:p>
+        </p:txBody>
+      </p:sp>
+    </p:spTree>
+    <p:extLst>
+      <p:ext uri="{BB962C8B-B14F-4D97-AF65-F5344CB8AC3E}">
+        <p14:creationId xmlns:p14="http://schemas.microsoft.com/office/powerpoint/2010/main" val="2952872914"/>
+      </p:ext>
+    </p:extLst>
+  </p:cSld>
+  <p:clrMapOvr>
+    <a:masterClrMapping/>
+  </p:clrMapOvr>
+</p:sld>
+</file>
+
+<file path=ppt/slides/slide21.xml><?xml version="1.0" encoding="utf-8"?>
 <p:sld xmlns:a="http://schemas.openxmlformats.org/drawingml/2006/main" xmlns:r="http://schemas.openxmlformats.org/officeDocument/2006/relationships" xmlns:p="http://schemas.openxmlformats.org/presentationml/2006/main">
   <p:cSld>
     <p:spTree>
